--- a/doc/designDoc.pptx
+++ b/doc/designDoc.pptx
@@ -6,6 +6,7 @@
   </p:sldMasterIdLst>
   <p:sldIdLst>
     <p:sldId id="256" r:id="rId2"/>
+    <p:sldId id="257" r:id="rId3"/>
   </p:sldIdLst>
   <p:sldSz cx="12192000" cy="6858000"/>
   <p:notesSz cx="6858000" cy="9144000"/>
@@ -261,7 +262,7 @@
           <a:p>
             <a:fld id="{CDC0ED0E-9E26-476D-92D2-B594C12CD538}" type="datetimeFigureOut">
               <a:rPr lang="en-SG" smtClean="0"/>
-              <a:t>13/8/2023</a:t>
+              <a:t>14/8/2023</a:t>
             </a:fld>
             <a:endParaRPr lang="en-SG"/>
           </a:p>
@@ -461,7 +462,7 @@
           <a:p>
             <a:fld id="{CDC0ED0E-9E26-476D-92D2-B594C12CD538}" type="datetimeFigureOut">
               <a:rPr lang="en-SG" smtClean="0"/>
-              <a:t>13/8/2023</a:t>
+              <a:t>14/8/2023</a:t>
             </a:fld>
             <a:endParaRPr lang="en-SG"/>
           </a:p>
@@ -671,7 +672,7 @@
           <a:p>
             <a:fld id="{CDC0ED0E-9E26-476D-92D2-B594C12CD538}" type="datetimeFigureOut">
               <a:rPr lang="en-SG" smtClean="0"/>
-              <a:t>13/8/2023</a:t>
+              <a:t>14/8/2023</a:t>
             </a:fld>
             <a:endParaRPr lang="en-SG"/>
           </a:p>
@@ -871,7 +872,7 @@
           <a:p>
             <a:fld id="{CDC0ED0E-9E26-476D-92D2-B594C12CD538}" type="datetimeFigureOut">
               <a:rPr lang="en-SG" smtClean="0"/>
-              <a:t>13/8/2023</a:t>
+              <a:t>14/8/2023</a:t>
             </a:fld>
             <a:endParaRPr lang="en-SG"/>
           </a:p>
@@ -1147,7 +1148,7 @@
           <a:p>
             <a:fld id="{CDC0ED0E-9E26-476D-92D2-B594C12CD538}" type="datetimeFigureOut">
               <a:rPr lang="en-SG" smtClean="0"/>
-              <a:t>13/8/2023</a:t>
+              <a:t>14/8/2023</a:t>
             </a:fld>
             <a:endParaRPr lang="en-SG"/>
           </a:p>
@@ -1415,7 +1416,7 @@
           <a:p>
             <a:fld id="{CDC0ED0E-9E26-476D-92D2-B594C12CD538}" type="datetimeFigureOut">
               <a:rPr lang="en-SG" smtClean="0"/>
-              <a:t>13/8/2023</a:t>
+              <a:t>14/8/2023</a:t>
             </a:fld>
             <a:endParaRPr lang="en-SG"/>
           </a:p>
@@ -1830,7 +1831,7 @@
           <a:p>
             <a:fld id="{CDC0ED0E-9E26-476D-92D2-B594C12CD538}" type="datetimeFigureOut">
               <a:rPr lang="en-SG" smtClean="0"/>
-              <a:t>13/8/2023</a:t>
+              <a:t>14/8/2023</a:t>
             </a:fld>
             <a:endParaRPr lang="en-SG"/>
           </a:p>
@@ -1972,7 +1973,7 @@
           <a:p>
             <a:fld id="{CDC0ED0E-9E26-476D-92D2-B594C12CD538}" type="datetimeFigureOut">
               <a:rPr lang="en-SG" smtClean="0"/>
-              <a:t>13/8/2023</a:t>
+              <a:t>14/8/2023</a:t>
             </a:fld>
             <a:endParaRPr lang="en-SG"/>
           </a:p>
@@ -2085,7 +2086,7 @@
           <a:p>
             <a:fld id="{CDC0ED0E-9E26-476D-92D2-B594C12CD538}" type="datetimeFigureOut">
               <a:rPr lang="en-SG" smtClean="0"/>
-              <a:t>13/8/2023</a:t>
+              <a:t>14/8/2023</a:t>
             </a:fld>
             <a:endParaRPr lang="en-SG"/>
           </a:p>
@@ -2398,7 +2399,7 @@
           <a:p>
             <a:fld id="{CDC0ED0E-9E26-476D-92D2-B594C12CD538}" type="datetimeFigureOut">
               <a:rPr lang="en-SG" smtClean="0"/>
-              <a:t>13/8/2023</a:t>
+              <a:t>14/8/2023</a:t>
             </a:fld>
             <a:endParaRPr lang="en-SG"/>
           </a:p>
@@ -2687,7 +2688,7 @@
           <a:p>
             <a:fld id="{CDC0ED0E-9E26-476D-92D2-B594C12CD538}" type="datetimeFigureOut">
               <a:rPr lang="en-SG" smtClean="0"/>
-              <a:t>13/8/2023</a:t>
+              <a:t>14/8/2023</a:t>
             </a:fld>
             <a:endParaRPr lang="en-SG"/>
           </a:p>
@@ -2930,7 +2931,7 @@
           <a:p>
             <a:fld id="{CDC0ED0E-9E26-476D-92D2-B594C12CD538}" type="datetimeFigureOut">
               <a:rPr lang="en-SG" smtClean="0"/>
-              <a:t>13/8/2023</a:t>
+              <a:t>14/8/2023</a:t>
             </a:fld>
             <a:endParaRPr lang="en-SG"/>
           </a:p>
@@ -5441,6 +5442,2048 @@
 </p:sld>
 </file>
 
+<file path=ppt/slides/slide2.xml><?xml version="1.0" encoding="utf-8"?>
+<p:sld xmlns:a="http://schemas.openxmlformats.org/drawingml/2006/main" xmlns:r="http://schemas.openxmlformats.org/officeDocument/2006/relationships" xmlns:p="http://schemas.openxmlformats.org/presentationml/2006/main">
+  <p:cSld>
+    <p:spTree>
+      <p:nvGrpSpPr>
+        <p:cNvPr id="1" name=""/>
+        <p:cNvGrpSpPr/>
+        <p:nvPr/>
+      </p:nvGrpSpPr>
+      <p:grpSpPr>
+        <a:xfrm>
+          <a:off x="0" y="0"/>
+          <a:ext cx="0" cy="0"/>
+          <a:chOff x="0" y="0"/>
+          <a:chExt cx="0" cy="0"/>
+        </a:xfrm>
+      </p:grpSpPr>
+      <p:sp>
+        <p:nvSpPr>
+          <p:cNvPr id="63" name="Rectangle 62">
+            <a:extLst>
+              <a:ext uri="{FF2B5EF4-FFF2-40B4-BE49-F238E27FC236}">
+                <a16:creationId xmlns:a16="http://schemas.microsoft.com/office/drawing/2014/main" id="{D2062C47-B74E-78E2-8DC3-D467EFCC1A5E}"/>
+              </a:ext>
+            </a:extLst>
+          </p:cNvPr>
+          <p:cNvSpPr/>
+          <p:nvPr/>
+        </p:nvSpPr>
+        <p:spPr>
+          <a:xfrm>
+            <a:off x="5353457" y="3825516"/>
+            <a:ext cx="1145024" cy="2426655"/>
+          </a:xfrm>
+          <a:prstGeom prst="rect">
+            <a:avLst/>
+          </a:prstGeom>
+          <a:solidFill>
+            <a:schemeClr val="accent6">
+              <a:lumMod val="20000"/>
+              <a:lumOff val="80000"/>
+            </a:schemeClr>
+          </a:solidFill>
+        </p:spPr>
+        <p:style>
+          <a:lnRef idx="2">
+            <a:schemeClr val="accent1">
+              <a:shade val="15000"/>
+            </a:schemeClr>
+          </a:lnRef>
+          <a:fillRef idx="1">
+            <a:schemeClr val="accent1"/>
+          </a:fillRef>
+          <a:effectRef idx="0">
+            <a:schemeClr val="accent1"/>
+          </a:effectRef>
+          <a:fontRef idx="minor">
+            <a:schemeClr val="lt1"/>
+          </a:fontRef>
+        </p:style>
+        <p:txBody>
+          <a:bodyPr rtlCol="0" anchor="ctr"/>
+          <a:lstStyle/>
+          <a:p>
+            <a:pPr algn="ctr"/>
+            <a:endParaRPr lang="en-SG" dirty="0"/>
+          </a:p>
+        </p:txBody>
+      </p:sp>
+      <p:sp>
+        <p:nvSpPr>
+          <p:cNvPr id="64" name="TextBox 63">
+            <a:extLst>
+              <a:ext uri="{FF2B5EF4-FFF2-40B4-BE49-F238E27FC236}">
+                <a16:creationId xmlns:a16="http://schemas.microsoft.com/office/drawing/2014/main" id="{5D8CA7B9-DD2A-D94B-4BCE-DE49100D2997}"/>
+              </a:ext>
+            </a:extLst>
+          </p:cNvPr>
+          <p:cNvSpPr txBox="1"/>
+          <p:nvPr/>
+        </p:nvSpPr>
+        <p:spPr>
+          <a:xfrm>
+            <a:off x="5338376" y="3449243"/>
+            <a:ext cx="1175184" cy="261610"/>
+          </a:xfrm>
+          <a:prstGeom prst="rect">
+            <a:avLst/>
+          </a:prstGeom>
+          <a:noFill/>
+        </p:spPr>
+        <p:txBody>
+          <a:bodyPr wrap="square">
+            <a:spAutoFit/>
+          </a:bodyPr>
+          <a:lstStyle/>
+          <a:p>
+            <a:r>
+              <a:rPr lang="en-US" sz="1100" b="1" dirty="0" err="1">
+                <a:solidFill>
+                  <a:schemeClr val="tx1">
+                    <a:lumMod val="75000"/>
+                    <a:lumOff val="25000"/>
+                  </a:schemeClr>
+                </a:solidFill>
+              </a:rPr>
+              <a:t>Pwn</a:t>
+            </a:r>
+            <a:r>
+              <a:rPr lang="en-US" sz="1100" b="1" dirty="0">
+                <a:solidFill>
+                  <a:schemeClr val="tx1">
+                    <a:lumMod val="75000"/>
+                    <a:lumOff val="25000"/>
+                  </a:schemeClr>
+                </a:solidFill>
+              </a:rPr>
+              <a:t>-Tools bank</a:t>
+            </a:r>
+            <a:endParaRPr lang="en-SG" sz="1100" b="1" dirty="0">
+              <a:solidFill>
+                <a:schemeClr val="tx1">
+                  <a:lumMod val="75000"/>
+                  <a:lumOff val="25000"/>
+                </a:schemeClr>
+              </a:solidFill>
+            </a:endParaRPr>
+          </a:p>
+        </p:txBody>
+      </p:sp>
+      <p:sp>
+        <p:nvSpPr>
+          <p:cNvPr id="4" name="Rectangle 3">
+            <a:extLst>
+              <a:ext uri="{FF2B5EF4-FFF2-40B4-BE49-F238E27FC236}">
+                <a16:creationId xmlns:a16="http://schemas.microsoft.com/office/drawing/2014/main" id="{FAFF11FF-5AA3-27EF-54EB-61813BE0A74C}"/>
+              </a:ext>
+            </a:extLst>
+          </p:cNvPr>
+          <p:cNvSpPr/>
+          <p:nvPr/>
+        </p:nvSpPr>
+        <p:spPr>
+          <a:xfrm>
+            <a:off x="2855122" y="440290"/>
+            <a:ext cx="1500496" cy="346917"/>
+          </a:xfrm>
+          <a:prstGeom prst="rect">
+            <a:avLst/>
+          </a:prstGeom>
+        </p:spPr>
+        <p:style>
+          <a:lnRef idx="2">
+            <a:schemeClr val="accent1">
+              <a:shade val="50000"/>
+            </a:schemeClr>
+          </a:lnRef>
+          <a:fillRef idx="1">
+            <a:schemeClr val="accent1"/>
+          </a:fillRef>
+          <a:effectRef idx="0">
+            <a:schemeClr val="accent1"/>
+          </a:effectRef>
+          <a:fontRef idx="minor">
+            <a:schemeClr val="lt1"/>
+          </a:fontRef>
+        </p:style>
+        <p:txBody>
+          <a:bodyPr rtlCol="0" anchor="ctr"/>
+          <a:lstStyle/>
+          <a:p>
+            <a:r>
+              <a:rPr lang="en-US" sz="1200" b="1" dirty="0"/>
+              <a:t>PWN-GPT Bot start </a:t>
+            </a:r>
+            <a:endParaRPr lang="en-SG" sz="1200" b="1" dirty="0"/>
+          </a:p>
+        </p:txBody>
+      </p:sp>
+      <p:cxnSp>
+        <p:nvCxnSpPr>
+          <p:cNvPr id="5" name="Straight Arrow Connector 4">
+            <a:extLst>
+              <a:ext uri="{FF2B5EF4-FFF2-40B4-BE49-F238E27FC236}">
+                <a16:creationId xmlns:a16="http://schemas.microsoft.com/office/drawing/2014/main" id="{A79484A5-B1CC-D6D4-941E-E2C54FD2B1B2}"/>
+              </a:ext>
+            </a:extLst>
+          </p:cNvPr>
+          <p:cNvCxnSpPr>
+            <a:cxnSpLocks/>
+          </p:cNvCxnSpPr>
+          <p:nvPr/>
+        </p:nvCxnSpPr>
+        <p:spPr>
+          <a:xfrm>
+            <a:off x="3404138" y="787207"/>
+            <a:ext cx="0" cy="303620"/>
+          </a:xfrm>
+          <a:prstGeom prst="straightConnector1">
+            <a:avLst/>
+          </a:prstGeom>
+          <a:ln w="19050">
+            <a:prstDash val="sysDash"/>
+            <a:tailEnd type="triangle"/>
+          </a:ln>
+        </p:spPr>
+        <p:style>
+          <a:lnRef idx="1">
+            <a:schemeClr val="accent1"/>
+          </a:lnRef>
+          <a:fillRef idx="0">
+            <a:schemeClr val="accent1"/>
+          </a:fillRef>
+          <a:effectRef idx="0">
+            <a:schemeClr val="accent1"/>
+          </a:effectRef>
+          <a:fontRef idx="minor">
+            <a:schemeClr val="tx1"/>
+          </a:fontRef>
+        </p:style>
+      </p:cxnSp>
+      <p:sp>
+        <p:nvSpPr>
+          <p:cNvPr id="6" name="Rectangle 5">
+            <a:extLst>
+              <a:ext uri="{FF2B5EF4-FFF2-40B4-BE49-F238E27FC236}">
+                <a16:creationId xmlns:a16="http://schemas.microsoft.com/office/drawing/2014/main" id="{C5344DDC-0597-01CF-DE60-3AE5C24E2211}"/>
+              </a:ext>
+            </a:extLst>
+          </p:cNvPr>
+          <p:cNvSpPr/>
+          <p:nvPr/>
+        </p:nvSpPr>
+        <p:spPr>
+          <a:xfrm>
+            <a:off x="2855122" y="1120977"/>
+            <a:ext cx="1515721" cy="346917"/>
+          </a:xfrm>
+          <a:prstGeom prst="rect">
+            <a:avLst/>
+          </a:prstGeom>
+        </p:spPr>
+        <p:style>
+          <a:lnRef idx="2">
+            <a:schemeClr val="accent1">
+              <a:shade val="50000"/>
+            </a:schemeClr>
+          </a:lnRef>
+          <a:fillRef idx="1">
+            <a:schemeClr val="accent1"/>
+          </a:fillRef>
+          <a:effectRef idx="0">
+            <a:schemeClr val="accent1"/>
+          </a:effectRef>
+          <a:fontRef idx="minor">
+            <a:schemeClr val="lt1"/>
+          </a:fontRef>
+        </p:style>
+        <p:txBody>
+          <a:bodyPr rtlCol="0" anchor="ctr"/>
+          <a:lstStyle/>
+          <a:p>
+            <a:r>
+              <a:rPr lang="en-US" sz="1200" b="1" dirty="0"/>
+              <a:t>Loading config files</a:t>
+            </a:r>
+            <a:endParaRPr lang="en-SG" sz="1200" b="1" dirty="0"/>
+          </a:p>
+        </p:txBody>
+      </p:sp>
+      <p:pic>
+        <p:nvPicPr>
+          <p:cNvPr id="7" name="Picture 6">
+            <a:extLst>
+              <a:ext uri="{FF2B5EF4-FFF2-40B4-BE49-F238E27FC236}">
+                <a16:creationId xmlns:a16="http://schemas.microsoft.com/office/drawing/2014/main" id="{10A7A53C-01F8-D528-A0CE-E46981718051}"/>
+              </a:ext>
+            </a:extLst>
+          </p:cNvPr>
+          <p:cNvPicPr>
+            <a:picLocks noChangeAspect="1"/>
+          </p:cNvPicPr>
+          <p:nvPr/>
+        </p:nvPicPr>
+        <p:blipFill>
+          <a:blip r:embed="rId2"/>
+          <a:stretch>
+            <a:fillRect/>
+          </a:stretch>
+        </p:blipFill>
+        <p:spPr>
+          <a:xfrm>
+            <a:off x="4813931" y="440290"/>
+            <a:ext cx="324555" cy="372004"/>
+          </a:xfrm>
+          <a:prstGeom prst="rect">
+            <a:avLst/>
+          </a:prstGeom>
+        </p:spPr>
+      </p:pic>
+      <p:cxnSp>
+        <p:nvCxnSpPr>
+          <p:cNvPr id="8" name="Connector: Elbow 7">
+            <a:extLst>
+              <a:ext uri="{FF2B5EF4-FFF2-40B4-BE49-F238E27FC236}">
+                <a16:creationId xmlns:a16="http://schemas.microsoft.com/office/drawing/2014/main" id="{E4ED5EDF-97B5-A948-AFF1-50426CFE3050}"/>
+              </a:ext>
+            </a:extLst>
+          </p:cNvPr>
+          <p:cNvCxnSpPr>
+            <a:stCxn id="7" idx="2"/>
+          </p:cNvCxnSpPr>
+          <p:nvPr/>
+        </p:nvCxnSpPr>
+        <p:spPr>
+          <a:xfrm rot="5400000">
+            <a:off x="4519185" y="663952"/>
+            <a:ext cx="308683" cy="605366"/>
+          </a:xfrm>
+          <a:prstGeom prst="bentConnector2">
+            <a:avLst/>
+          </a:prstGeom>
+          <a:ln>
+            <a:tailEnd type="triangle"/>
+          </a:ln>
+        </p:spPr>
+        <p:style>
+          <a:lnRef idx="1">
+            <a:schemeClr val="accent1"/>
+          </a:lnRef>
+          <a:fillRef idx="0">
+            <a:schemeClr val="accent1"/>
+          </a:fillRef>
+          <a:effectRef idx="0">
+            <a:schemeClr val="accent1"/>
+          </a:effectRef>
+          <a:fontRef idx="minor">
+            <a:schemeClr val="tx1"/>
+          </a:fontRef>
+        </p:style>
+      </p:cxnSp>
+      <p:sp>
+        <p:nvSpPr>
+          <p:cNvPr id="9" name="TextBox 8">
+            <a:extLst>
+              <a:ext uri="{FF2B5EF4-FFF2-40B4-BE49-F238E27FC236}">
+                <a16:creationId xmlns:a16="http://schemas.microsoft.com/office/drawing/2014/main" id="{661F3FAD-F639-FF83-6881-6D5362C1DB52}"/>
+              </a:ext>
+            </a:extLst>
+          </p:cNvPr>
+          <p:cNvSpPr txBox="1"/>
+          <p:nvPr/>
+        </p:nvSpPr>
+        <p:spPr>
+          <a:xfrm>
+            <a:off x="4539368" y="89949"/>
+            <a:ext cx="1198235" cy="400110"/>
+          </a:xfrm>
+          <a:prstGeom prst="rect">
+            <a:avLst/>
+          </a:prstGeom>
+          <a:noFill/>
+        </p:spPr>
+        <p:txBody>
+          <a:bodyPr wrap="square" rtlCol="0">
+            <a:spAutoFit/>
+          </a:bodyPr>
+          <a:lstStyle/>
+          <a:p>
+            <a:r>
+              <a:rPr lang="en-US" sz="1000" dirty="0"/>
+              <a:t>Program system config file</a:t>
+            </a:r>
+            <a:endParaRPr lang="en-SG" sz="1000" dirty="0"/>
+          </a:p>
+        </p:txBody>
+      </p:sp>
+      <p:cxnSp>
+        <p:nvCxnSpPr>
+          <p:cNvPr id="2" name="Straight Arrow Connector 1">
+            <a:extLst>
+              <a:ext uri="{FF2B5EF4-FFF2-40B4-BE49-F238E27FC236}">
+                <a16:creationId xmlns:a16="http://schemas.microsoft.com/office/drawing/2014/main" id="{16546F25-A019-B50C-EA4B-8216CAF69CF3}"/>
+              </a:ext>
+            </a:extLst>
+          </p:cNvPr>
+          <p:cNvCxnSpPr>
+            <a:cxnSpLocks/>
+          </p:cNvCxnSpPr>
+          <p:nvPr/>
+        </p:nvCxnSpPr>
+        <p:spPr>
+          <a:xfrm>
+            <a:off x="3404138" y="1467894"/>
+            <a:ext cx="0" cy="303620"/>
+          </a:xfrm>
+          <a:prstGeom prst="straightConnector1">
+            <a:avLst/>
+          </a:prstGeom>
+          <a:ln w="19050">
+            <a:prstDash val="sysDash"/>
+            <a:tailEnd type="triangle"/>
+          </a:ln>
+        </p:spPr>
+        <p:style>
+          <a:lnRef idx="1">
+            <a:schemeClr val="accent1"/>
+          </a:lnRef>
+          <a:fillRef idx="0">
+            <a:schemeClr val="accent1"/>
+          </a:fillRef>
+          <a:effectRef idx="0">
+            <a:schemeClr val="accent1"/>
+          </a:effectRef>
+          <a:fontRef idx="minor">
+            <a:schemeClr val="tx1"/>
+          </a:fontRef>
+        </p:style>
+      </p:cxnSp>
+      <p:sp>
+        <p:nvSpPr>
+          <p:cNvPr id="3" name="Rectangle 2">
+            <a:extLst>
+              <a:ext uri="{FF2B5EF4-FFF2-40B4-BE49-F238E27FC236}">
+                <a16:creationId xmlns:a16="http://schemas.microsoft.com/office/drawing/2014/main" id="{95FB41B5-50B9-2F32-1752-AEB0D103E81B}"/>
+              </a:ext>
+            </a:extLst>
+          </p:cNvPr>
+          <p:cNvSpPr/>
+          <p:nvPr/>
+        </p:nvSpPr>
+        <p:spPr>
+          <a:xfrm>
+            <a:off x="2855123" y="1771514"/>
+            <a:ext cx="1411070" cy="482479"/>
+          </a:xfrm>
+          <a:prstGeom prst="rect">
+            <a:avLst/>
+          </a:prstGeom>
+        </p:spPr>
+        <p:style>
+          <a:lnRef idx="2">
+            <a:schemeClr val="accent1">
+              <a:shade val="50000"/>
+            </a:schemeClr>
+          </a:lnRef>
+          <a:fillRef idx="1">
+            <a:schemeClr val="accent1"/>
+          </a:fillRef>
+          <a:effectRef idx="0">
+            <a:schemeClr val="accent1"/>
+          </a:effectRef>
+          <a:fontRef idx="minor">
+            <a:schemeClr val="lt1"/>
+          </a:fontRef>
+        </p:style>
+        <p:txBody>
+          <a:bodyPr rtlCol="0" anchor="ctr"/>
+          <a:lstStyle/>
+          <a:p>
+            <a:r>
+              <a:rPr lang="en-US" sz="1200" b="1" dirty="0"/>
+              <a:t>Load and CTF-</a:t>
+            </a:r>
+            <a:r>
+              <a:rPr lang="en-US" sz="1200" b="1" dirty="0" err="1"/>
+              <a:t>Pwn</a:t>
+            </a:r>
+            <a:r>
+              <a:rPr lang="en-US" sz="1200" b="1" dirty="0"/>
+              <a:t> question</a:t>
+            </a:r>
+            <a:endParaRPr lang="en-SG" sz="1200" b="1" dirty="0"/>
+          </a:p>
+        </p:txBody>
+      </p:sp>
+      <p:cxnSp>
+        <p:nvCxnSpPr>
+          <p:cNvPr id="32" name="Straight Arrow Connector 31">
+            <a:extLst>
+              <a:ext uri="{FF2B5EF4-FFF2-40B4-BE49-F238E27FC236}">
+                <a16:creationId xmlns:a16="http://schemas.microsoft.com/office/drawing/2014/main" id="{EA0BC1FA-38C7-9F58-78FA-02C6C1B5EF1B}"/>
+              </a:ext>
+            </a:extLst>
+          </p:cNvPr>
+          <p:cNvCxnSpPr>
+            <a:cxnSpLocks/>
+          </p:cNvCxnSpPr>
+          <p:nvPr/>
+        </p:nvCxnSpPr>
+        <p:spPr>
+          <a:xfrm>
+            <a:off x="3404138" y="2253993"/>
+            <a:ext cx="0" cy="303620"/>
+          </a:xfrm>
+          <a:prstGeom prst="straightConnector1">
+            <a:avLst/>
+          </a:prstGeom>
+          <a:ln w="19050">
+            <a:prstDash val="sysDash"/>
+            <a:tailEnd type="triangle"/>
+          </a:ln>
+        </p:spPr>
+        <p:style>
+          <a:lnRef idx="1">
+            <a:schemeClr val="accent1"/>
+          </a:lnRef>
+          <a:fillRef idx="0">
+            <a:schemeClr val="accent1"/>
+          </a:fillRef>
+          <a:effectRef idx="0">
+            <a:schemeClr val="accent1"/>
+          </a:effectRef>
+          <a:fontRef idx="minor">
+            <a:schemeClr val="tx1"/>
+          </a:fontRef>
+        </p:style>
+      </p:cxnSp>
+      <p:sp>
+        <p:nvSpPr>
+          <p:cNvPr id="33" name="Rectangle 32">
+            <a:extLst>
+              <a:ext uri="{FF2B5EF4-FFF2-40B4-BE49-F238E27FC236}">
+                <a16:creationId xmlns:a16="http://schemas.microsoft.com/office/drawing/2014/main" id="{EF77DB9A-4F2D-6881-4E3F-9727AA07A474}"/>
+              </a:ext>
+            </a:extLst>
+          </p:cNvPr>
+          <p:cNvSpPr/>
+          <p:nvPr/>
+        </p:nvSpPr>
+        <p:spPr>
+          <a:xfrm>
+            <a:off x="2855122" y="2597047"/>
+            <a:ext cx="1958805" cy="482479"/>
+          </a:xfrm>
+          <a:prstGeom prst="rect">
+            <a:avLst/>
+          </a:prstGeom>
+        </p:spPr>
+        <p:style>
+          <a:lnRef idx="2">
+            <a:schemeClr val="accent1">
+              <a:shade val="50000"/>
+            </a:schemeClr>
+          </a:lnRef>
+          <a:fillRef idx="1">
+            <a:schemeClr val="accent1"/>
+          </a:fillRef>
+          <a:effectRef idx="0">
+            <a:schemeClr val="accent1"/>
+          </a:effectRef>
+          <a:fontRef idx="minor">
+            <a:schemeClr val="lt1"/>
+          </a:fontRef>
+        </p:style>
+        <p:txBody>
+          <a:bodyPr rtlCol="0" anchor="ctr"/>
+          <a:lstStyle/>
+          <a:p>
+            <a:r>
+              <a:rPr lang="en-US" sz="1200" b="1" dirty="0"/>
+              <a:t>Question parser [ </a:t>
+            </a:r>
+            <a:r>
+              <a:rPr lang="en-US" sz="1200" b="1" dirty="0" err="1"/>
+              <a:t>langchain</a:t>
+            </a:r>
+            <a:r>
+              <a:rPr lang="en-US" sz="1200" b="1" dirty="0"/>
+              <a:t> + Ret2GPT]</a:t>
+            </a:r>
+            <a:endParaRPr lang="en-SG" sz="1200" b="1" dirty="0"/>
+          </a:p>
+        </p:txBody>
+      </p:sp>
+      <p:sp>
+        <p:nvSpPr>
+          <p:cNvPr id="36" name="Arrow: Left 35">
+            <a:extLst>
+              <a:ext uri="{FF2B5EF4-FFF2-40B4-BE49-F238E27FC236}">
+                <a16:creationId xmlns:a16="http://schemas.microsoft.com/office/drawing/2014/main" id="{81F71DEA-23CC-3DD7-4D6E-5A6922E5E9EE}"/>
+              </a:ext>
+            </a:extLst>
+          </p:cNvPr>
+          <p:cNvSpPr/>
+          <p:nvPr/>
+        </p:nvSpPr>
+        <p:spPr>
+          <a:xfrm>
+            <a:off x="4302375" y="1960229"/>
+            <a:ext cx="788067" cy="153408"/>
+          </a:xfrm>
+          <a:prstGeom prst="leftArrow">
+            <a:avLst/>
+          </a:prstGeom>
+        </p:spPr>
+        <p:style>
+          <a:lnRef idx="2">
+            <a:schemeClr val="accent1">
+              <a:shade val="15000"/>
+            </a:schemeClr>
+          </a:lnRef>
+          <a:fillRef idx="1">
+            <a:schemeClr val="accent1"/>
+          </a:fillRef>
+          <a:effectRef idx="0">
+            <a:schemeClr val="accent1"/>
+          </a:effectRef>
+          <a:fontRef idx="minor">
+            <a:schemeClr val="lt1"/>
+          </a:fontRef>
+        </p:style>
+        <p:txBody>
+          <a:bodyPr rtlCol="0" anchor="ctr"/>
+          <a:lstStyle/>
+          <a:p>
+            <a:pPr algn="ctr"/>
+            <a:endParaRPr lang="en-SG"/>
+          </a:p>
+        </p:txBody>
+      </p:sp>
+      <p:cxnSp>
+        <p:nvCxnSpPr>
+          <p:cNvPr id="38" name="Straight Arrow Connector 37">
+            <a:extLst>
+              <a:ext uri="{FF2B5EF4-FFF2-40B4-BE49-F238E27FC236}">
+                <a16:creationId xmlns:a16="http://schemas.microsoft.com/office/drawing/2014/main" id="{4847D2CF-23DD-9274-E06D-957FFE34978A}"/>
+              </a:ext>
+            </a:extLst>
+          </p:cNvPr>
+          <p:cNvCxnSpPr>
+            <a:cxnSpLocks/>
+            <a:stCxn id="41" idx="3"/>
+          </p:cNvCxnSpPr>
+          <p:nvPr/>
+        </p:nvCxnSpPr>
+        <p:spPr>
+          <a:xfrm>
+            <a:off x="1537445" y="1552647"/>
+            <a:ext cx="1378058" cy="1044400"/>
+          </a:xfrm>
+          <a:prstGeom prst="straightConnector1">
+            <a:avLst/>
+          </a:prstGeom>
+          <a:ln w="19050">
+            <a:solidFill>
+              <a:schemeClr val="accent6">
+                <a:lumMod val="75000"/>
+              </a:schemeClr>
+            </a:solidFill>
+            <a:headEnd type="triangle"/>
+            <a:tailEnd type="triangle"/>
+          </a:ln>
+        </p:spPr>
+        <p:style>
+          <a:lnRef idx="1">
+            <a:schemeClr val="accent1"/>
+          </a:lnRef>
+          <a:fillRef idx="0">
+            <a:schemeClr val="accent1"/>
+          </a:fillRef>
+          <a:effectRef idx="0">
+            <a:schemeClr val="accent1"/>
+          </a:effectRef>
+          <a:fontRef idx="minor">
+            <a:schemeClr val="tx1"/>
+          </a:fontRef>
+        </p:style>
+      </p:cxnSp>
+      <p:pic>
+        <p:nvPicPr>
+          <p:cNvPr id="41" name="Picture 40">
+            <a:extLst>
+              <a:ext uri="{FF2B5EF4-FFF2-40B4-BE49-F238E27FC236}">
+                <a16:creationId xmlns:a16="http://schemas.microsoft.com/office/drawing/2014/main" id="{1870F8A1-4D54-AAF0-2435-64BB8B2AF08E}"/>
+              </a:ext>
+            </a:extLst>
+          </p:cNvPr>
+          <p:cNvPicPr>
+            <a:picLocks noChangeAspect="1"/>
+          </p:cNvPicPr>
+          <p:nvPr/>
+        </p:nvPicPr>
+        <p:blipFill>
+          <a:blip r:embed="rId3"/>
+          <a:stretch>
+            <a:fillRect/>
+          </a:stretch>
+        </p:blipFill>
+        <p:spPr>
+          <a:xfrm>
+            <a:off x="870763" y="1211898"/>
+            <a:ext cx="666682" cy="681497"/>
+          </a:xfrm>
+          <a:prstGeom prst="rect">
+            <a:avLst/>
+          </a:prstGeom>
+        </p:spPr>
+      </p:pic>
+      <p:sp>
+        <p:nvSpPr>
+          <p:cNvPr id="42" name="TextBox 41">
+            <a:extLst>
+              <a:ext uri="{FF2B5EF4-FFF2-40B4-BE49-F238E27FC236}">
+                <a16:creationId xmlns:a16="http://schemas.microsoft.com/office/drawing/2014/main" id="{0118B95D-C9E9-A96B-696A-D6EE1A19FEB7}"/>
+              </a:ext>
+            </a:extLst>
+          </p:cNvPr>
+          <p:cNvSpPr txBox="1"/>
+          <p:nvPr/>
+        </p:nvSpPr>
+        <p:spPr>
+          <a:xfrm>
+            <a:off x="891450" y="915343"/>
+            <a:ext cx="910357" cy="268469"/>
+          </a:xfrm>
+          <a:prstGeom prst="rect">
+            <a:avLst/>
+          </a:prstGeom>
+          <a:noFill/>
+        </p:spPr>
+        <p:txBody>
+          <a:bodyPr wrap="square">
+            <a:spAutoFit/>
+          </a:bodyPr>
+          <a:lstStyle/>
+          <a:p>
+            <a:r>
+              <a:rPr lang="en-US" sz="1100" b="1" dirty="0">
+                <a:solidFill>
+                  <a:schemeClr val="tx1">
+                    <a:lumMod val="75000"/>
+                    <a:lumOff val="25000"/>
+                  </a:schemeClr>
+                </a:solidFill>
+              </a:rPr>
+              <a:t>OpenAI</a:t>
+            </a:r>
+            <a:endParaRPr lang="en-SG" sz="1100" b="1" dirty="0">
+              <a:solidFill>
+                <a:schemeClr val="tx1">
+                  <a:lumMod val="75000"/>
+                  <a:lumOff val="25000"/>
+                </a:schemeClr>
+              </a:solidFill>
+            </a:endParaRPr>
+          </a:p>
+        </p:txBody>
+      </p:sp>
+      <p:cxnSp>
+        <p:nvCxnSpPr>
+          <p:cNvPr id="43" name="Straight Arrow Connector 42">
+            <a:extLst>
+              <a:ext uri="{FF2B5EF4-FFF2-40B4-BE49-F238E27FC236}">
+                <a16:creationId xmlns:a16="http://schemas.microsoft.com/office/drawing/2014/main" id="{4361013E-DA89-A8CB-1CBF-EB5C274AE95F}"/>
+              </a:ext>
+            </a:extLst>
+          </p:cNvPr>
+          <p:cNvCxnSpPr>
+            <a:cxnSpLocks/>
+            <a:stCxn id="33" idx="1"/>
+            <a:endCxn id="49" idx="3"/>
+          </p:cNvCxnSpPr>
+          <p:nvPr/>
+        </p:nvCxnSpPr>
+        <p:spPr>
+          <a:xfrm flipH="1">
+            <a:off x="2464172" y="2838287"/>
+            <a:ext cx="390950" cy="0"/>
+          </a:xfrm>
+          <a:prstGeom prst="straightConnector1">
+            <a:avLst/>
+          </a:prstGeom>
+          <a:ln w="19050">
+            <a:prstDash val="sysDash"/>
+            <a:tailEnd type="triangle"/>
+          </a:ln>
+        </p:spPr>
+        <p:style>
+          <a:lnRef idx="1">
+            <a:schemeClr val="accent1"/>
+          </a:lnRef>
+          <a:fillRef idx="0">
+            <a:schemeClr val="accent1"/>
+          </a:fillRef>
+          <a:effectRef idx="0">
+            <a:schemeClr val="accent1"/>
+          </a:effectRef>
+          <a:fontRef idx="minor">
+            <a:schemeClr val="tx1"/>
+          </a:fontRef>
+        </p:style>
+      </p:cxnSp>
+      <p:sp>
+        <p:nvSpPr>
+          <p:cNvPr id="49" name="Rectangle 48">
+            <a:extLst>
+              <a:ext uri="{FF2B5EF4-FFF2-40B4-BE49-F238E27FC236}">
+                <a16:creationId xmlns:a16="http://schemas.microsoft.com/office/drawing/2014/main" id="{B6923272-2913-20CE-27D0-B258D6855585}"/>
+              </a:ext>
+            </a:extLst>
+          </p:cNvPr>
+          <p:cNvSpPr/>
+          <p:nvPr/>
+        </p:nvSpPr>
+        <p:spPr>
+          <a:xfrm>
+            <a:off x="1538824" y="2612944"/>
+            <a:ext cx="925348" cy="466581"/>
+          </a:xfrm>
+          <a:prstGeom prst="rect">
+            <a:avLst/>
+          </a:prstGeom>
+        </p:spPr>
+        <p:style>
+          <a:lnRef idx="2">
+            <a:schemeClr val="accent1">
+              <a:shade val="50000"/>
+            </a:schemeClr>
+          </a:lnRef>
+          <a:fillRef idx="1">
+            <a:schemeClr val="accent1"/>
+          </a:fillRef>
+          <a:effectRef idx="0">
+            <a:schemeClr val="accent1"/>
+          </a:effectRef>
+          <a:fontRef idx="minor">
+            <a:schemeClr val="lt1"/>
+          </a:fontRef>
+        </p:style>
+        <p:txBody>
+          <a:bodyPr rtlCol="0" anchor="ctr"/>
+          <a:lstStyle/>
+          <a:p>
+            <a:r>
+              <a:rPr lang="en-US" sz="1200" b="1" dirty="0"/>
+              <a:t>Question categorizer   </a:t>
+            </a:r>
+            <a:endParaRPr lang="en-SG" sz="1200" b="1" dirty="0"/>
+          </a:p>
+        </p:txBody>
+      </p:sp>
+      <p:cxnSp>
+        <p:nvCxnSpPr>
+          <p:cNvPr id="84" name="Straight Arrow Connector 83">
+            <a:extLst>
+              <a:ext uri="{FF2B5EF4-FFF2-40B4-BE49-F238E27FC236}">
+                <a16:creationId xmlns:a16="http://schemas.microsoft.com/office/drawing/2014/main" id="{3902F617-F716-4BB3-B07E-001F12D7C9C2}"/>
+              </a:ext>
+            </a:extLst>
+          </p:cNvPr>
+          <p:cNvCxnSpPr>
+            <a:cxnSpLocks/>
+            <a:endCxn id="49" idx="0"/>
+          </p:cNvCxnSpPr>
+          <p:nvPr/>
+        </p:nvCxnSpPr>
+        <p:spPr>
+          <a:xfrm>
+            <a:off x="1572415" y="1758404"/>
+            <a:ext cx="429083" cy="854540"/>
+          </a:xfrm>
+          <a:prstGeom prst="straightConnector1">
+            <a:avLst/>
+          </a:prstGeom>
+          <a:ln w="19050">
+            <a:solidFill>
+              <a:schemeClr val="accent6">
+                <a:lumMod val="75000"/>
+              </a:schemeClr>
+            </a:solidFill>
+            <a:headEnd type="triangle"/>
+            <a:tailEnd type="triangle"/>
+          </a:ln>
+        </p:spPr>
+        <p:style>
+          <a:lnRef idx="1">
+            <a:schemeClr val="accent1"/>
+          </a:lnRef>
+          <a:fillRef idx="0">
+            <a:schemeClr val="accent1"/>
+          </a:fillRef>
+          <a:effectRef idx="0">
+            <a:schemeClr val="accent1"/>
+          </a:effectRef>
+          <a:fontRef idx="minor">
+            <a:schemeClr val="tx1"/>
+          </a:fontRef>
+        </p:style>
+      </p:cxnSp>
+      <p:cxnSp>
+        <p:nvCxnSpPr>
+          <p:cNvPr id="89" name="Straight Arrow Connector 88">
+            <a:extLst>
+              <a:ext uri="{FF2B5EF4-FFF2-40B4-BE49-F238E27FC236}">
+                <a16:creationId xmlns:a16="http://schemas.microsoft.com/office/drawing/2014/main" id="{15DEC972-6B4C-9EF4-318E-32207AC548E6}"/>
+              </a:ext>
+            </a:extLst>
+          </p:cNvPr>
+          <p:cNvCxnSpPr>
+            <a:cxnSpLocks/>
+          </p:cNvCxnSpPr>
+          <p:nvPr/>
+        </p:nvCxnSpPr>
+        <p:spPr>
+          <a:xfrm>
+            <a:off x="3404138" y="3118960"/>
+            <a:ext cx="0" cy="599993"/>
+          </a:xfrm>
+          <a:prstGeom prst="straightConnector1">
+            <a:avLst/>
+          </a:prstGeom>
+          <a:ln w="19050">
+            <a:prstDash val="sysDash"/>
+            <a:tailEnd type="triangle"/>
+          </a:ln>
+        </p:spPr>
+        <p:style>
+          <a:lnRef idx="1">
+            <a:schemeClr val="accent1"/>
+          </a:lnRef>
+          <a:fillRef idx="0">
+            <a:schemeClr val="accent1"/>
+          </a:fillRef>
+          <a:effectRef idx="0">
+            <a:schemeClr val="accent1"/>
+          </a:effectRef>
+          <a:fontRef idx="minor">
+            <a:schemeClr val="tx1"/>
+          </a:fontRef>
+        </p:style>
+      </p:cxnSp>
+      <p:sp>
+        <p:nvSpPr>
+          <p:cNvPr id="92" name="Rectangle 91">
+            <a:extLst>
+              <a:ext uri="{FF2B5EF4-FFF2-40B4-BE49-F238E27FC236}">
+                <a16:creationId xmlns:a16="http://schemas.microsoft.com/office/drawing/2014/main" id="{CA99C8DF-840A-8294-B21C-8B3DEDACB212}"/>
+              </a:ext>
+            </a:extLst>
+          </p:cNvPr>
+          <p:cNvSpPr/>
+          <p:nvPr/>
+        </p:nvSpPr>
+        <p:spPr>
+          <a:xfrm>
+            <a:off x="2737603" y="3765188"/>
+            <a:ext cx="1958805" cy="482479"/>
+          </a:xfrm>
+          <a:prstGeom prst="rect">
+            <a:avLst/>
+          </a:prstGeom>
+        </p:spPr>
+        <p:style>
+          <a:lnRef idx="2">
+            <a:schemeClr val="accent1">
+              <a:shade val="50000"/>
+            </a:schemeClr>
+          </a:lnRef>
+          <a:fillRef idx="1">
+            <a:schemeClr val="accent1"/>
+          </a:fillRef>
+          <a:effectRef idx="0">
+            <a:schemeClr val="accent1"/>
+          </a:effectRef>
+          <a:fontRef idx="minor">
+            <a:schemeClr val="lt1"/>
+          </a:fontRef>
+        </p:style>
+        <p:txBody>
+          <a:bodyPr rtlCol="0" anchor="ctr"/>
+          <a:lstStyle/>
+          <a:p>
+            <a:r>
+              <a:rPr lang="en-US" sz="1200" b="1" dirty="0"/>
+              <a:t>Question Solver [ OpenAI + scenario prompt ]</a:t>
+            </a:r>
+            <a:endParaRPr lang="en-SG" sz="1200" b="1" dirty="0"/>
+          </a:p>
+        </p:txBody>
+      </p:sp>
+      <p:pic>
+        <p:nvPicPr>
+          <p:cNvPr id="95" name="Picture 94">
+            <a:extLst>
+              <a:ext uri="{FF2B5EF4-FFF2-40B4-BE49-F238E27FC236}">
+                <a16:creationId xmlns:a16="http://schemas.microsoft.com/office/drawing/2014/main" id="{46EE22DF-3B60-1255-3E80-5F5215F808DA}"/>
+              </a:ext>
+            </a:extLst>
+          </p:cNvPr>
+          <p:cNvPicPr>
+            <a:picLocks noChangeAspect="1"/>
+          </p:cNvPicPr>
+          <p:nvPr/>
+        </p:nvPicPr>
+        <p:blipFill>
+          <a:blip r:embed="rId2"/>
+          <a:stretch>
+            <a:fillRect/>
+          </a:stretch>
+        </p:blipFill>
+        <p:spPr>
+          <a:xfrm>
+            <a:off x="2335092" y="3255952"/>
+            <a:ext cx="324555" cy="372004"/>
+          </a:xfrm>
+          <a:prstGeom prst="rect">
+            <a:avLst/>
+          </a:prstGeom>
+        </p:spPr>
+      </p:pic>
+      <p:cxnSp>
+        <p:nvCxnSpPr>
+          <p:cNvPr id="97" name="Straight Arrow Connector 96">
+            <a:extLst>
+              <a:ext uri="{FF2B5EF4-FFF2-40B4-BE49-F238E27FC236}">
+                <a16:creationId xmlns:a16="http://schemas.microsoft.com/office/drawing/2014/main" id="{73BF6E1E-B73D-A86C-1B1E-C09A7A899787}"/>
+              </a:ext>
+            </a:extLst>
+          </p:cNvPr>
+          <p:cNvCxnSpPr>
+            <a:cxnSpLocks/>
+            <a:stCxn id="49" idx="2"/>
+          </p:cNvCxnSpPr>
+          <p:nvPr/>
+        </p:nvCxnSpPr>
+        <p:spPr>
+          <a:xfrm>
+            <a:off x="2001498" y="3079525"/>
+            <a:ext cx="1011400" cy="618439"/>
+          </a:xfrm>
+          <a:prstGeom prst="straightConnector1">
+            <a:avLst/>
+          </a:prstGeom>
+          <a:ln>
+            <a:tailEnd type="triangle"/>
+          </a:ln>
+        </p:spPr>
+        <p:style>
+          <a:lnRef idx="1">
+            <a:schemeClr val="accent1"/>
+          </a:lnRef>
+          <a:fillRef idx="0">
+            <a:schemeClr val="accent1"/>
+          </a:fillRef>
+          <a:effectRef idx="0">
+            <a:schemeClr val="accent1"/>
+          </a:effectRef>
+          <a:fontRef idx="minor">
+            <a:schemeClr val="tx1"/>
+          </a:fontRef>
+        </p:style>
+      </p:cxnSp>
+      <p:sp>
+        <p:nvSpPr>
+          <p:cNvPr id="102" name="TextBox 101">
+            <a:extLst>
+              <a:ext uri="{FF2B5EF4-FFF2-40B4-BE49-F238E27FC236}">
+                <a16:creationId xmlns:a16="http://schemas.microsoft.com/office/drawing/2014/main" id="{7A612350-E7DF-0F57-3C1C-11EA2566040E}"/>
+              </a:ext>
+            </a:extLst>
+          </p:cNvPr>
+          <p:cNvSpPr txBox="1"/>
+          <p:nvPr/>
+        </p:nvSpPr>
+        <p:spPr>
+          <a:xfrm>
+            <a:off x="1713209" y="3164955"/>
+            <a:ext cx="826719" cy="553998"/>
+          </a:xfrm>
+          <a:prstGeom prst="rect">
+            <a:avLst/>
+          </a:prstGeom>
+          <a:noFill/>
+        </p:spPr>
+        <p:txBody>
+          <a:bodyPr wrap="square" rtlCol="0">
+            <a:spAutoFit/>
+          </a:bodyPr>
+          <a:lstStyle/>
+          <a:p>
+            <a:r>
+              <a:rPr lang="en-US" sz="1000" dirty="0"/>
+              <a:t>Question scenario prompt .</a:t>
+            </a:r>
+            <a:endParaRPr lang="en-SG" sz="1000" dirty="0"/>
+          </a:p>
+        </p:txBody>
+      </p:sp>
+      <p:cxnSp>
+        <p:nvCxnSpPr>
+          <p:cNvPr id="104" name="Connector: Elbow 103">
+            <a:extLst>
+              <a:ext uri="{FF2B5EF4-FFF2-40B4-BE49-F238E27FC236}">
+                <a16:creationId xmlns:a16="http://schemas.microsoft.com/office/drawing/2014/main" id="{D09472F2-5E30-D6E1-2045-228ABB7C9100}"/>
+              </a:ext>
+            </a:extLst>
+          </p:cNvPr>
+          <p:cNvCxnSpPr>
+            <a:stCxn id="92" idx="1"/>
+            <a:endCxn id="41" idx="2"/>
+          </p:cNvCxnSpPr>
+          <p:nvPr/>
+        </p:nvCxnSpPr>
+        <p:spPr>
+          <a:xfrm rot="10800000">
+            <a:off x="1204105" y="1893396"/>
+            <a:ext cx="1533499" cy="2113033"/>
+          </a:xfrm>
+          <a:prstGeom prst="bentConnector2">
+            <a:avLst/>
+          </a:prstGeom>
+          <a:ln w="19050">
+            <a:solidFill>
+              <a:schemeClr val="accent6">
+                <a:lumMod val="75000"/>
+              </a:schemeClr>
+            </a:solidFill>
+            <a:tailEnd type="triangle"/>
+          </a:ln>
+        </p:spPr>
+        <p:style>
+          <a:lnRef idx="1">
+            <a:schemeClr val="accent1"/>
+          </a:lnRef>
+          <a:fillRef idx="0">
+            <a:schemeClr val="accent1"/>
+          </a:fillRef>
+          <a:effectRef idx="0">
+            <a:schemeClr val="accent1"/>
+          </a:effectRef>
+          <a:fontRef idx="minor">
+            <a:schemeClr val="tx1"/>
+          </a:fontRef>
+        </p:style>
+      </p:cxnSp>
+      <p:cxnSp>
+        <p:nvCxnSpPr>
+          <p:cNvPr id="10" name="Straight Arrow Connector 9">
+            <a:extLst>
+              <a:ext uri="{FF2B5EF4-FFF2-40B4-BE49-F238E27FC236}">
+                <a16:creationId xmlns:a16="http://schemas.microsoft.com/office/drawing/2014/main" id="{423417BE-E4A9-52E2-2F05-B6DBE539BC1C}"/>
+              </a:ext>
+            </a:extLst>
+          </p:cNvPr>
+          <p:cNvCxnSpPr>
+            <a:cxnSpLocks/>
+          </p:cNvCxnSpPr>
+          <p:nvPr/>
+        </p:nvCxnSpPr>
+        <p:spPr>
+          <a:xfrm>
+            <a:off x="3404138" y="4247667"/>
+            <a:ext cx="0" cy="327066"/>
+          </a:xfrm>
+          <a:prstGeom prst="straightConnector1">
+            <a:avLst/>
+          </a:prstGeom>
+          <a:ln w="19050">
+            <a:prstDash val="sysDash"/>
+            <a:tailEnd type="triangle"/>
+          </a:ln>
+        </p:spPr>
+        <p:style>
+          <a:lnRef idx="1">
+            <a:schemeClr val="accent1"/>
+          </a:lnRef>
+          <a:fillRef idx="0">
+            <a:schemeClr val="accent1"/>
+          </a:fillRef>
+          <a:effectRef idx="0">
+            <a:schemeClr val="accent1"/>
+          </a:effectRef>
+          <a:fontRef idx="minor">
+            <a:schemeClr val="tx1"/>
+          </a:fontRef>
+        </p:style>
+      </p:cxnSp>
+      <p:sp>
+        <p:nvSpPr>
+          <p:cNvPr id="14" name="Rectangle 13">
+            <a:extLst>
+              <a:ext uri="{FF2B5EF4-FFF2-40B4-BE49-F238E27FC236}">
+                <a16:creationId xmlns:a16="http://schemas.microsoft.com/office/drawing/2014/main" id="{DF1FDFD8-7326-4129-0CEB-5958BB18947C}"/>
+              </a:ext>
+            </a:extLst>
+          </p:cNvPr>
+          <p:cNvSpPr/>
+          <p:nvPr/>
+        </p:nvSpPr>
+        <p:spPr>
+          <a:xfrm>
+            <a:off x="2769576" y="4591753"/>
+            <a:ext cx="1461357" cy="327066"/>
+          </a:xfrm>
+          <a:prstGeom prst="rect">
+            <a:avLst/>
+          </a:prstGeom>
+        </p:spPr>
+        <p:style>
+          <a:lnRef idx="2">
+            <a:schemeClr val="accent1">
+              <a:shade val="50000"/>
+            </a:schemeClr>
+          </a:lnRef>
+          <a:fillRef idx="1">
+            <a:schemeClr val="accent1"/>
+          </a:fillRef>
+          <a:effectRef idx="0">
+            <a:schemeClr val="accent1"/>
+          </a:effectRef>
+          <a:fontRef idx="minor">
+            <a:schemeClr val="lt1"/>
+          </a:fontRef>
+        </p:style>
+        <p:txBody>
+          <a:bodyPr rtlCol="0" anchor="ctr"/>
+          <a:lstStyle/>
+          <a:p>
+            <a:r>
+              <a:rPr lang="en-US" sz="1200" b="1" dirty="0"/>
+              <a:t>Command executer</a:t>
+            </a:r>
+            <a:endParaRPr lang="en-SG" sz="1200" b="1" dirty="0"/>
+          </a:p>
+        </p:txBody>
+      </p:sp>
+      <p:cxnSp>
+        <p:nvCxnSpPr>
+          <p:cNvPr id="16" name="Straight Arrow Connector 15">
+            <a:extLst>
+              <a:ext uri="{FF2B5EF4-FFF2-40B4-BE49-F238E27FC236}">
+                <a16:creationId xmlns:a16="http://schemas.microsoft.com/office/drawing/2014/main" id="{666CE269-511B-1599-3445-67343C4DAEEB}"/>
+              </a:ext>
+            </a:extLst>
+          </p:cNvPr>
+          <p:cNvCxnSpPr>
+            <a:cxnSpLocks/>
+            <a:stCxn id="14" idx="3"/>
+          </p:cNvCxnSpPr>
+          <p:nvPr/>
+        </p:nvCxnSpPr>
+        <p:spPr>
+          <a:xfrm flipV="1">
+            <a:off x="4230933" y="4279392"/>
+            <a:ext cx="1145025" cy="475894"/>
+          </a:xfrm>
+          <a:prstGeom prst="straightConnector1">
+            <a:avLst/>
+          </a:prstGeom>
+          <a:ln w="19050">
+            <a:prstDash val="sysDash"/>
+            <a:tailEnd type="triangle"/>
+          </a:ln>
+        </p:spPr>
+        <p:style>
+          <a:lnRef idx="1">
+            <a:schemeClr val="accent1"/>
+          </a:lnRef>
+          <a:fillRef idx="0">
+            <a:schemeClr val="accent1"/>
+          </a:fillRef>
+          <a:effectRef idx="0">
+            <a:schemeClr val="accent1"/>
+          </a:effectRef>
+          <a:fontRef idx="minor">
+            <a:schemeClr val="tx1"/>
+          </a:fontRef>
+        </p:style>
+      </p:cxnSp>
+      <p:pic>
+        <p:nvPicPr>
+          <p:cNvPr id="39" name="Picture 38">
+            <a:extLst>
+              <a:ext uri="{FF2B5EF4-FFF2-40B4-BE49-F238E27FC236}">
+                <a16:creationId xmlns:a16="http://schemas.microsoft.com/office/drawing/2014/main" id="{AC67AA64-A34D-D690-C43F-B2943BA82B7B}"/>
+              </a:ext>
+            </a:extLst>
+          </p:cNvPr>
+          <p:cNvPicPr>
+            <a:picLocks noChangeAspect="1"/>
+          </p:cNvPicPr>
+          <p:nvPr/>
+        </p:nvPicPr>
+        <p:blipFill>
+          <a:blip r:embed="rId4"/>
+          <a:stretch>
+            <a:fillRect/>
+          </a:stretch>
+        </p:blipFill>
+        <p:spPr>
+          <a:xfrm>
+            <a:off x="5453129" y="4035833"/>
+            <a:ext cx="572798" cy="423667"/>
+          </a:xfrm>
+          <a:prstGeom prst="rect">
+            <a:avLst/>
+          </a:prstGeom>
+        </p:spPr>
+      </p:pic>
+      <p:sp>
+        <p:nvSpPr>
+          <p:cNvPr id="40" name="TextBox 39">
+            <a:extLst>
+              <a:ext uri="{FF2B5EF4-FFF2-40B4-BE49-F238E27FC236}">
+                <a16:creationId xmlns:a16="http://schemas.microsoft.com/office/drawing/2014/main" id="{F9ECA290-7587-1AE7-C261-231949C60BBB}"/>
+              </a:ext>
+            </a:extLst>
+          </p:cNvPr>
+          <p:cNvSpPr txBox="1"/>
+          <p:nvPr/>
+        </p:nvSpPr>
+        <p:spPr>
+          <a:xfrm>
+            <a:off x="5375958" y="3758834"/>
+            <a:ext cx="1100020" cy="276999"/>
+          </a:xfrm>
+          <a:prstGeom prst="rect">
+            <a:avLst/>
+          </a:prstGeom>
+          <a:noFill/>
+        </p:spPr>
+        <p:txBody>
+          <a:bodyPr wrap="square" rtlCol="0">
+            <a:spAutoFit/>
+          </a:bodyPr>
+          <a:lstStyle/>
+          <a:p>
+            <a:r>
+              <a:rPr lang="en-US" sz="1200" dirty="0" err="1"/>
+              <a:t>Py-pwntools</a:t>
+            </a:r>
+            <a:endParaRPr lang="en-SG" sz="1200" dirty="0"/>
+          </a:p>
+        </p:txBody>
+      </p:sp>
+      <p:cxnSp>
+        <p:nvCxnSpPr>
+          <p:cNvPr id="45" name="Straight Arrow Connector 44">
+            <a:extLst>
+              <a:ext uri="{FF2B5EF4-FFF2-40B4-BE49-F238E27FC236}">
+                <a16:creationId xmlns:a16="http://schemas.microsoft.com/office/drawing/2014/main" id="{9E6F7811-09C2-3C00-DD95-5645C605523B}"/>
+              </a:ext>
+            </a:extLst>
+          </p:cNvPr>
+          <p:cNvCxnSpPr>
+            <a:cxnSpLocks/>
+            <a:stCxn id="14" idx="3"/>
+          </p:cNvCxnSpPr>
+          <p:nvPr/>
+        </p:nvCxnSpPr>
+        <p:spPr>
+          <a:xfrm>
+            <a:off x="4230933" y="4755286"/>
+            <a:ext cx="1145025" cy="0"/>
+          </a:xfrm>
+          <a:prstGeom prst="straightConnector1">
+            <a:avLst/>
+          </a:prstGeom>
+          <a:ln w="19050">
+            <a:prstDash val="sysDash"/>
+            <a:tailEnd type="triangle"/>
+          </a:ln>
+        </p:spPr>
+        <p:style>
+          <a:lnRef idx="1">
+            <a:schemeClr val="accent1"/>
+          </a:lnRef>
+          <a:fillRef idx="0">
+            <a:schemeClr val="accent1"/>
+          </a:fillRef>
+          <a:effectRef idx="0">
+            <a:schemeClr val="accent1"/>
+          </a:effectRef>
+          <a:fontRef idx="minor">
+            <a:schemeClr val="tx1"/>
+          </a:fontRef>
+        </p:style>
+      </p:cxnSp>
+      <p:pic>
+        <p:nvPicPr>
+          <p:cNvPr id="51" name="Picture 50">
+            <a:extLst>
+              <a:ext uri="{FF2B5EF4-FFF2-40B4-BE49-F238E27FC236}">
+                <a16:creationId xmlns:a16="http://schemas.microsoft.com/office/drawing/2014/main" id="{BB253CDE-B525-5A0C-185E-A1ADC8494E37}"/>
+              </a:ext>
+            </a:extLst>
+          </p:cNvPr>
+          <p:cNvPicPr>
+            <a:picLocks noChangeAspect="1"/>
+          </p:cNvPicPr>
+          <p:nvPr/>
+        </p:nvPicPr>
+        <p:blipFill>
+          <a:blip r:embed="rId4"/>
+          <a:stretch>
+            <a:fillRect/>
+          </a:stretch>
+        </p:blipFill>
+        <p:spPr>
+          <a:xfrm>
+            <a:off x="5453129" y="4615177"/>
+            <a:ext cx="572798" cy="423667"/>
+          </a:xfrm>
+          <a:prstGeom prst="rect">
+            <a:avLst/>
+          </a:prstGeom>
+        </p:spPr>
+      </p:pic>
+      <p:sp>
+        <p:nvSpPr>
+          <p:cNvPr id="52" name="TextBox 51">
+            <a:extLst>
+              <a:ext uri="{FF2B5EF4-FFF2-40B4-BE49-F238E27FC236}">
+                <a16:creationId xmlns:a16="http://schemas.microsoft.com/office/drawing/2014/main" id="{045C04D2-4E33-8199-5278-C315AC68B9CB}"/>
+              </a:ext>
+            </a:extLst>
+          </p:cNvPr>
+          <p:cNvSpPr txBox="1"/>
+          <p:nvPr/>
+        </p:nvSpPr>
+        <p:spPr>
+          <a:xfrm>
+            <a:off x="5457248" y="4375082"/>
+            <a:ext cx="1100020" cy="276999"/>
+          </a:xfrm>
+          <a:prstGeom prst="rect">
+            <a:avLst/>
+          </a:prstGeom>
+          <a:noFill/>
+        </p:spPr>
+        <p:txBody>
+          <a:bodyPr wrap="square" rtlCol="0">
+            <a:spAutoFit/>
+          </a:bodyPr>
+          <a:lstStyle/>
+          <a:p>
+            <a:r>
+              <a:rPr lang="en-US" sz="1200" dirty="0"/>
+              <a:t>GDB</a:t>
+            </a:r>
+            <a:endParaRPr lang="en-SG" sz="1200" dirty="0"/>
+          </a:p>
+        </p:txBody>
+      </p:sp>
+      <p:cxnSp>
+        <p:nvCxnSpPr>
+          <p:cNvPr id="53" name="Straight Arrow Connector 52">
+            <a:extLst>
+              <a:ext uri="{FF2B5EF4-FFF2-40B4-BE49-F238E27FC236}">
+                <a16:creationId xmlns:a16="http://schemas.microsoft.com/office/drawing/2014/main" id="{95711D87-4ADC-4E28-11E8-FEF71DE495AA}"/>
+              </a:ext>
+            </a:extLst>
+          </p:cNvPr>
+          <p:cNvCxnSpPr>
+            <a:cxnSpLocks/>
+            <a:stCxn id="14" idx="3"/>
+          </p:cNvCxnSpPr>
+          <p:nvPr/>
+        </p:nvCxnSpPr>
+        <p:spPr>
+          <a:xfrm>
+            <a:off x="4230933" y="4755286"/>
+            <a:ext cx="1145025" cy="489995"/>
+          </a:xfrm>
+          <a:prstGeom prst="straightConnector1">
+            <a:avLst/>
+          </a:prstGeom>
+          <a:ln w="19050">
+            <a:prstDash val="sysDash"/>
+            <a:tailEnd type="triangle"/>
+          </a:ln>
+        </p:spPr>
+        <p:style>
+          <a:lnRef idx="1">
+            <a:schemeClr val="accent1"/>
+          </a:lnRef>
+          <a:fillRef idx="0">
+            <a:schemeClr val="accent1"/>
+          </a:fillRef>
+          <a:effectRef idx="0">
+            <a:schemeClr val="accent1"/>
+          </a:effectRef>
+          <a:fontRef idx="minor">
+            <a:schemeClr val="tx1"/>
+          </a:fontRef>
+        </p:style>
+      </p:cxnSp>
+      <p:pic>
+        <p:nvPicPr>
+          <p:cNvPr id="56" name="Picture 55">
+            <a:extLst>
+              <a:ext uri="{FF2B5EF4-FFF2-40B4-BE49-F238E27FC236}">
+                <a16:creationId xmlns:a16="http://schemas.microsoft.com/office/drawing/2014/main" id="{4DC37941-CC8F-3313-E6E9-5FCE28C844BC}"/>
+              </a:ext>
+            </a:extLst>
+          </p:cNvPr>
+          <p:cNvPicPr>
+            <a:picLocks noChangeAspect="1"/>
+          </p:cNvPicPr>
+          <p:nvPr/>
+        </p:nvPicPr>
+        <p:blipFill>
+          <a:blip r:embed="rId4"/>
+          <a:stretch>
+            <a:fillRect/>
+          </a:stretch>
+        </p:blipFill>
+        <p:spPr>
+          <a:xfrm>
+            <a:off x="5453129" y="5194521"/>
+            <a:ext cx="572798" cy="423667"/>
+          </a:xfrm>
+          <a:prstGeom prst="rect">
+            <a:avLst/>
+          </a:prstGeom>
+        </p:spPr>
+      </p:pic>
+      <p:sp>
+        <p:nvSpPr>
+          <p:cNvPr id="58" name="TextBox 57">
+            <a:extLst>
+              <a:ext uri="{FF2B5EF4-FFF2-40B4-BE49-F238E27FC236}">
+                <a16:creationId xmlns:a16="http://schemas.microsoft.com/office/drawing/2014/main" id="{9A0C0BF0-54C5-3FF2-1563-0DBBB7106A1A}"/>
+              </a:ext>
+            </a:extLst>
+          </p:cNvPr>
+          <p:cNvSpPr txBox="1"/>
+          <p:nvPr/>
+        </p:nvSpPr>
+        <p:spPr>
+          <a:xfrm>
+            <a:off x="5375958" y="4980583"/>
+            <a:ext cx="1100020" cy="276999"/>
+          </a:xfrm>
+          <a:prstGeom prst="rect">
+            <a:avLst/>
+          </a:prstGeom>
+          <a:noFill/>
+        </p:spPr>
+        <p:txBody>
+          <a:bodyPr wrap="square" rtlCol="0">
+            <a:spAutoFit/>
+          </a:bodyPr>
+          <a:lstStyle/>
+          <a:p>
+            <a:r>
+              <a:rPr lang="en-SG" sz="1200" b="0" i="0" dirty="0" err="1">
+                <a:effectLst/>
+                <a:latin typeface="Times New Roman" panose="02020603050405020304" pitchFamily="18" charset="0"/>
+                <a:hlinkClick r:id="rId5"/>
+              </a:rPr>
+              <a:t>Ghidra</a:t>
+            </a:r>
+            <a:endParaRPr lang="en-SG" sz="1200" dirty="0"/>
+          </a:p>
+        </p:txBody>
+      </p:sp>
+      <p:cxnSp>
+        <p:nvCxnSpPr>
+          <p:cNvPr id="59" name="Straight Arrow Connector 58">
+            <a:extLst>
+              <a:ext uri="{FF2B5EF4-FFF2-40B4-BE49-F238E27FC236}">
+                <a16:creationId xmlns:a16="http://schemas.microsoft.com/office/drawing/2014/main" id="{EED2E2F0-5DDC-AF2B-4A5E-83A5B469D543}"/>
+              </a:ext>
+            </a:extLst>
+          </p:cNvPr>
+          <p:cNvCxnSpPr>
+            <a:cxnSpLocks/>
+          </p:cNvCxnSpPr>
+          <p:nvPr/>
+        </p:nvCxnSpPr>
+        <p:spPr>
+          <a:xfrm>
+            <a:off x="4241414" y="4787011"/>
+            <a:ext cx="1112042" cy="1066209"/>
+          </a:xfrm>
+          <a:prstGeom prst="straightConnector1">
+            <a:avLst/>
+          </a:prstGeom>
+          <a:ln w="19050">
+            <a:prstDash val="sysDash"/>
+            <a:tailEnd type="triangle"/>
+          </a:ln>
+        </p:spPr>
+        <p:style>
+          <a:lnRef idx="1">
+            <a:schemeClr val="accent1"/>
+          </a:lnRef>
+          <a:fillRef idx="0">
+            <a:schemeClr val="accent1"/>
+          </a:fillRef>
+          <a:effectRef idx="0">
+            <a:schemeClr val="accent1"/>
+          </a:effectRef>
+          <a:fontRef idx="minor">
+            <a:schemeClr val="tx1"/>
+          </a:fontRef>
+        </p:style>
+      </p:cxnSp>
+      <p:sp>
+        <p:nvSpPr>
+          <p:cNvPr id="61" name="TextBox 60">
+            <a:extLst>
+              <a:ext uri="{FF2B5EF4-FFF2-40B4-BE49-F238E27FC236}">
+                <a16:creationId xmlns:a16="http://schemas.microsoft.com/office/drawing/2014/main" id="{7EC296EE-FFF8-FB81-1ED5-5218D15EB1F6}"/>
+              </a:ext>
+            </a:extLst>
+          </p:cNvPr>
+          <p:cNvSpPr txBox="1"/>
+          <p:nvPr/>
+        </p:nvSpPr>
+        <p:spPr>
+          <a:xfrm>
+            <a:off x="5453129" y="5556044"/>
+            <a:ext cx="1100020" cy="276999"/>
+          </a:xfrm>
+          <a:prstGeom prst="rect">
+            <a:avLst/>
+          </a:prstGeom>
+          <a:noFill/>
+        </p:spPr>
+        <p:txBody>
+          <a:bodyPr wrap="square" rtlCol="0">
+            <a:spAutoFit/>
+          </a:bodyPr>
+          <a:lstStyle/>
+          <a:p>
+            <a:r>
+              <a:rPr lang="en-US" sz="1200" dirty="0"/>
+              <a:t>radare2</a:t>
+            </a:r>
+            <a:endParaRPr lang="en-SG" sz="1200" dirty="0"/>
+          </a:p>
+        </p:txBody>
+      </p:sp>
+      <p:pic>
+        <p:nvPicPr>
+          <p:cNvPr id="62" name="Picture 61">
+            <a:extLst>
+              <a:ext uri="{FF2B5EF4-FFF2-40B4-BE49-F238E27FC236}">
+                <a16:creationId xmlns:a16="http://schemas.microsoft.com/office/drawing/2014/main" id="{7E2090A3-5564-807E-BFAA-622C5211D6BF}"/>
+              </a:ext>
+            </a:extLst>
+          </p:cNvPr>
+          <p:cNvPicPr>
+            <a:picLocks noChangeAspect="1"/>
+          </p:cNvPicPr>
+          <p:nvPr/>
+        </p:nvPicPr>
+        <p:blipFill>
+          <a:blip r:embed="rId4"/>
+          <a:stretch>
+            <a:fillRect/>
+          </a:stretch>
+        </p:blipFill>
+        <p:spPr>
+          <a:xfrm>
+            <a:off x="5453129" y="5796974"/>
+            <a:ext cx="572798" cy="423667"/>
+          </a:xfrm>
+          <a:prstGeom prst="rect">
+            <a:avLst/>
+          </a:prstGeom>
+        </p:spPr>
+      </p:pic>
+      <p:cxnSp>
+        <p:nvCxnSpPr>
+          <p:cNvPr id="65" name="Straight Arrow Connector 64">
+            <a:extLst>
+              <a:ext uri="{FF2B5EF4-FFF2-40B4-BE49-F238E27FC236}">
+                <a16:creationId xmlns:a16="http://schemas.microsoft.com/office/drawing/2014/main" id="{1A1B8CAB-E4EF-74DF-6A18-352FCC988397}"/>
+              </a:ext>
+            </a:extLst>
+          </p:cNvPr>
+          <p:cNvCxnSpPr>
+            <a:cxnSpLocks/>
+          </p:cNvCxnSpPr>
+          <p:nvPr/>
+        </p:nvCxnSpPr>
+        <p:spPr>
+          <a:xfrm flipH="1">
+            <a:off x="4266193" y="6008807"/>
+            <a:ext cx="1087263" cy="0"/>
+          </a:xfrm>
+          <a:prstGeom prst="straightConnector1">
+            <a:avLst/>
+          </a:prstGeom>
+          <a:ln w="19050">
+            <a:prstDash val="sysDash"/>
+            <a:tailEnd type="triangle"/>
+          </a:ln>
+        </p:spPr>
+        <p:style>
+          <a:lnRef idx="1">
+            <a:schemeClr val="accent1"/>
+          </a:lnRef>
+          <a:fillRef idx="0">
+            <a:schemeClr val="accent1"/>
+          </a:fillRef>
+          <a:effectRef idx="0">
+            <a:schemeClr val="accent1"/>
+          </a:effectRef>
+          <a:fontRef idx="minor">
+            <a:schemeClr val="tx1"/>
+          </a:fontRef>
+        </p:style>
+      </p:cxnSp>
+      <p:sp>
+        <p:nvSpPr>
+          <p:cNvPr id="68" name="Rectangle 67">
+            <a:extLst>
+              <a:ext uri="{FF2B5EF4-FFF2-40B4-BE49-F238E27FC236}">
+                <a16:creationId xmlns:a16="http://schemas.microsoft.com/office/drawing/2014/main" id="{8630CD24-8F6E-FD3D-3EA1-BE90AAA46A4E}"/>
+              </a:ext>
+            </a:extLst>
+          </p:cNvPr>
+          <p:cNvSpPr/>
+          <p:nvPr/>
+        </p:nvSpPr>
+        <p:spPr>
+          <a:xfrm>
+            <a:off x="2539929" y="5588314"/>
+            <a:ext cx="1677084" cy="482479"/>
+          </a:xfrm>
+          <a:prstGeom prst="rect">
+            <a:avLst/>
+          </a:prstGeom>
+        </p:spPr>
+        <p:style>
+          <a:lnRef idx="2">
+            <a:schemeClr val="accent1">
+              <a:shade val="50000"/>
+            </a:schemeClr>
+          </a:lnRef>
+          <a:fillRef idx="1">
+            <a:schemeClr val="accent1"/>
+          </a:fillRef>
+          <a:effectRef idx="0">
+            <a:schemeClr val="accent1"/>
+          </a:effectRef>
+          <a:fontRef idx="minor">
+            <a:schemeClr val="lt1"/>
+          </a:fontRef>
+        </p:style>
+        <p:txBody>
+          <a:bodyPr rtlCol="0" anchor="ctr"/>
+          <a:lstStyle/>
+          <a:p>
+            <a:r>
+              <a:rPr lang="en-US" sz="1200" b="1" dirty="0"/>
+              <a:t>Result analyzer [</a:t>
+            </a:r>
+            <a:r>
+              <a:rPr lang="en-US" sz="1200" b="1" dirty="0" err="1"/>
+              <a:t>langchain</a:t>
+            </a:r>
+            <a:r>
+              <a:rPr lang="en-US" sz="1200" b="1" dirty="0"/>
+              <a:t> + prompt] </a:t>
+            </a:r>
+            <a:endParaRPr lang="en-SG" sz="1200" b="1" dirty="0"/>
+          </a:p>
+        </p:txBody>
+      </p:sp>
+      <p:cxnSp>
+        <p:nvCxnSpPr>
+          <p:cNvPr id="69" name="Connector: Elbow 68">
+            <a:extLst>
+              <a:ext uri="{FF2B5EF4-FFF2-40B4-BE49-F238E27FC236}">
+                <a16:creationId xmlns:a16="http://schemas.microsoft.com/office/drawing/2014/main" id="{160A32B5-DE4E-1A28-1812-B6B03B9FE53C}"/>
+              </a:ext>
+            </a:extLst>
+          </p:cNvPr>
+          <p:cNvCxnSpPr>
+            <a:cxnSpLocks/>
+          </p:cNvCxnSpPr>
+          <p:nvPr/>
+        </p:nvCxnSpPr>
+        <p:spPr>
+          <a:xfrm rot="16200000" flipV="1">
+            <a:off x="-173376" y="3086079"/>
+            <a:ext cx="3903870" cy="1550295"/>
+          </a:xfrm>
+          <a:prstGeom prst="bentConnector3">
+            <a:avLst>
+              <a:gd name="adj1" fmla="val 305"/>
+            </a:avLst>
+          </a:prstGeom>
+          <a:ln w="19050">
+            <a:solidFill>
+              <a:schemeClr val="accent6">
+                <a:lumMod val="75000"/>
+              </a:schemeClr>
+            </a:solidFill>
+            <a:tailEnd type="triangle"/>
+          </a:ln>
+        </p:spPr>
+        <p:style>
+          <a:lnRef idx="1">
+            <a:schemeClr val="accent1"/>
+          </a:lnRef>
+          <a:fillRef idx="0">
+            <a:schemeClr val="accent1"/>
+          </a:fillRef>
+          <a:effectRef idx="0">
+            <a:schemeClr val="accent1"/>
+          </a:effectRef>
+          <a:fontRef idx="minor">
+            <a:schemeClr val="tx1"/>
+          </a:fontRef>
+        </p:style>
+      </p:cxnSp>
+      <p:cxnSp>
+        <p:nvCxnSpPr>
+          <p:cNvPr id="72" name="Straight Arrow Connector 71">
+            <a:extLst>
+              <a:ext uri="{FF2B5EF4-FFF2-40B4-BE49-F238E27FC236}">
+                <a16:creationId xmlns:a16="http://schemas.microsoft.com/office/drawing/2014/main" id="{4E1124A4-8337-AC29-B4BE-E29E214FA3BC}"/>
+              </a:ext>
+            </a:extLst>
+          </p:cNvPr>
+          <p:cNvCxnSpPr>
+            <a:cxnSpLocks/>
+          </p:cNvCxnSpPr>
+          <p:nvPr/>
+        </p:nvCxnSpPr>
+        <p:spPr>
+          <a:xfrm>
+            <a:off x="3136408" y="4263981"/>
+            <a:ext cx="0" cy="1292063"/>
+          </a:xfrm>
+          <a:prstGeom prst="straightConnector1">
+            <a:avLst/>
+          </a:prstGeom>
+          <a:ln w="19050">
+            <a:prstDash val="sysDash"/>
+            <a:tailEnd type="triangle"/>
+          </a:ln>
+        </p:spPr>
+        <p:style>
+          <a:lnRef idx="1">
+            <a:schemeClr val="accent1"/>
+          </a:lnRef>
+          <a:fillRef idx="0">
+            <a:schemeClr val="accent1"/>
+          </a:fillRef>
+          <a:effectRef idx="0">
+            <a:schemeClr val="accent1"/>
+          </a:effectRef>
+          <a:fontRef idx="minor">
+            <a:schemeClr val="tx1"/>
+          </a:fontRef>
+        </p:style>
+      </p:cxnSp>
+      <p:cxnSp>
+        <p:nvCxnSpPr>
+          <p:cNvPr id="76" name="Straight Arrow Connector 75">
+            <a:extLst>
+              <a:ext uri="{FF2B5EF4-FFF2-40B4-BE49-F238E27FC236}">
+                <a16:creationId xmlns:a16="http://schemas.microsoft.com/office/drawing/2014/main" id="{AE9F04DD-E147-5682-21BB-1D59C70976D8}"/>
+              </a:ext>
+            </a:extLst>
+          </p:cNvPr>
+          <p:cNvCxnSpPr>
+            <a:cxnSpLocks/>
+          </p:cNvCxnSpPr>
+          <p:nvPr/>
+        </p:nvCxnSpPr>
+        <p:spPr>
+          <a:xfrm>
+            <a:off x="3378471" y="6057108"/>
+            <a:ext cx="0" cy="327066"/>
+          </a:xfrm>
+          <a:prstGeom prst="straightConnector1">
+            <a:avLst/>
+          </a:prstGeom>
+          <a:ln w="19050">
+            <a:prstDash val="sysDash"/>
+            <a:tailEnd type="triangle"/>
+          </a:ln>
+        </p:spPr>
+        <p:style>
+          <a:lnRef idx="1">
+            <a:schemeClr val="accent1"/>
+          </a:lnRef>
+          <a:fillRef idx="0">
+            <a:schemeClr val="accent1"/>
+          </a:fillRef>
+          <a:effectRef idx="0">
+            <a:schemeClr val="accent1"/>
+          </a:effectRef>
+          <a:fontRef idx="minor">
+            <a:schemeClr val="tx1"/>
+          </a:fontRef>
+        </p:style>
+      </p:cxnSp>
+      <p:pic>
+        <p:nvPicPr>
+          <p:cNvPr id="77" name="Picture 76">
+            <a:extLst>
+              <a:ext uri="{FF2B5EF4-FFF2-40B4-BE49-F238E27FC236}">
+                <a16:creationId xmlns:a16="http://schemas.microsoft.com/office/drawing/2014/main" id="{B8442164-E5E5-AC2B-8168-85544F336079}"/>
+              </a:ext>
+            </a:extLst>
+          </p:cNvPr>
+          <p:cNvPicPr>
+            <a:picLocks noChangeAspect="1"/>
+          </p:cNvPicPr>
+          <p:nvPr/>
+        </p:nvPicPr>
+        <p:blipFill>
+          <a:blip r:embed="rId2"/>
+          <a:stretch>
+            <a:fillRect/>
+          </a:stretch>
+        </p:blipFill>
+        <p:spPr>
+          <a:xfrm>
+            <a:off x="3310152" y="6365372"/>
+            <a:ext cx="324555" cy="372004"/>
+          </a:xfrm>
+          <a:prstGeom prst="rect">
+            <a:avLst/>
+          </a:prstGeom>
+        </p:spPr>
+      </p:pic>
+      <p:sp>
+        <p:nvSpPr>
+          <p:cNvPr id="78" name="TextBox 77">
+            <a:extLst>
+              <a:ext uri="{FF2B5EF4-FFF2-40B4-BE49-F238E27FC236}">
+                <a16:creationId xmlns:a16="http://schemas.microsoft.com/office/drawing/2014/main" id="{260CAE57-2C87-15FE-85AF-DB819CEBA9AE}"/>
+              </a:ext>
+            </a:extLst>
+          </p:cNvPr>
+          <p:cNvSpPr txBox="1"/>
+          <p:nvPr/>
+        </p:nvSpPr>
+        <p:spPr>
+          <a:xfrm>
+            <a:off x="3584018" y="6428263"/>
+            <a:ext cx="1229909" cy="246221"/>
+          </a:xfrm>
+          <a:prstGeom prst="rect">
+            <a:avLst/>
+          </a:prstGeom>
+          <a:noFill/>
+        </p:spPr>
+        <p:txBody>
+          <a:bodyPr wrap="square" rtlCol="0">
+            <a:spAutoFit/>
+          </a:bodyPr>
+          <a:lstStyle/>
+          <a:p>
+            <a:r>
+              <a:rPr lang="en-US" sz="1000" dirty="0"/>
+              <a:t>Possible Flag</a:t>
+            </a:r>
+            <a:endParaRPr lang="en-SG" sz="1000" dirty="0"/>
+          </a:p>
+        </p:txBody>
+      </p:sp>
+      <p:pic>
+        <p:nvPicPr>
+          <p:cNvPr id="79" name="Picture 78">
+            <a:extLst>
+              <a:ext uri="{FF2B5EF4-FFF2-40B4-BE49-F238E27FC236}">
+                <a16:creationId xmlns:a16="http://schemas.microsoft.com/office/drawing/2014/main" id="{EA1975AF-A717-D692-2681-FBC5CF00E60B}"/>
+              </a:ext>
+            </a:extLst>
+          </p:cNvPr>
+          <p:cNvPicPr>
+            <a:picLocks noChangeAspect="1"/>
+          </p:cNvPicPr>
+          <p:nvPr/>
+        </p:nvPicPr>
+        <p:blipFill>
+          <a:blip r:embed="rId2"/>
+          <a:stretch>
+            <a:fillRect/>
+          </a:stretch>
+        </p:blipFill>
+        <p:spPr>
+          <a:xfrm>
+            <a:off x="5191178" y="1808360"/>
+            <a:ext cx="324555" cy="372004"/>
+          </a:xfrm>
+          <a:prstGeom prst="rect">
+            <a:avLst/>
+          </a:prstGeom>
+        </p:spPr>
+      </p:pic>
+      <p:sp>
+        <p:nvSpPr>
+          <p:cNvPr id="80" name="TextBox 79">
+            <a:extLst>
+              <a:ext uri="{FF2B5EF4-FFF2-40B4-BE49-F238E27FC236}">
+                <a16:creationId xmlns:a16="http://schemas.microsoft.com/office/drawing/2014/main" id="{8D8534C0-0BF1-937B-D379-2440DB614414}"/>
+              </a:ext>
+            </a:extLst>
+          </p:cNvPr>
+          <p:cNvSpPr txBox="1"/>
+          <p:nvPr/>
+        </p:nvSpPr>
+        <p:spPr>
+          <a:xfrm>
+            <a:off x="4976208" y="1575035"/>
+            <a:ext cx="1229909" cy="246221"/>
+          </a:xfrm>
+          <a:prstGeom prst="rect">
+            <a:avLst/>
+          </a:prstGeom>
+          <a:noFill/>
+        </p:spPr>
+        <p:txBody>
+          <a:bodyPr wrap="square" rtlCol="0">
+            <a:spAutoFit/>
+          </a:bodyPr>
+          <a:lstStyle/>
+          <a:p>
+            <a:r>
+              <a:rPr lang="en-US" sz="1000" dirty="0"/>
+              <a:t>Question and file</a:t>
+            </a:r>
+            <a:endParaRPr lang="en-SG" sz="1000" dirty="0"/>
+          </a:p>
+        </p:txBody>
+      </p:sp>
+    </p:spTree>
+    <p:extLst>
+      <p:ext uri="{BB962C8B-B14F-4D97-AF65-F5344CB8AC3E}">
+        <p14:creationId xmlns:p14="http://schemas.microsoft.com/office/powerpoint/2010/main" val="3202790184"/>
+      </p:ext>
+    </p:extLst>
+  </p:cSld>
+  <p:clrMapOvr>
+    <a:masterClrMapping/>
+  </p:clrMapOvr>
+</p:sld>
+</file>
+
 <file path=ppt/theme/theme1.xml><?xml version="1.0" encoding="utf-8"?>
 <a:theme xmlns:a="http://schemas.openxmlformats.org/drawingml/2006/main" name="Office Theme">
   <a:themeElements>

--- a/doc/designDoc.pptx
+++ b/doc/designDoc.pptx
@@ -7,6 +7,7 @@
   <p:sldIdLst>
     <p:sldId id="256" r:id="rId2"/>
     <p:sldId id="257" r:id="rId3"/>
+    <p:sldId id="258" r:id="rId4"/>
   </p:sldIdLst>
   <p:sldSz cx="12192000" cy="6858000"/>
   <p:notesSz cx="6858000" cy="9144000"/>
@@ -262,7 +263,7 @@
           <a:p>
             <a:fld id="{CDC0ED0E-9E26-476D-92D2-B594C12CD538}" type="datetimeFigureOut">
               <a:rPr lang="en-SG" smtClean="0"/>
-              <a:t>14/8/2023</a:t>
+              <a:t>15/8/2023</a:t>
             </a:fld>
             <a:endParaRPr lang="en-SG"/>
           </a:p>
@@ -462,7 +463,7 @@
           <a:p>
             <a:fld id="{CDC0ED0E-9E26-476D-92D2-B594C12CD538}" type="datetimeFigureOut">
               <a:rPr lang="en-SG" smtClean="0"/>
-              <a:t>14/8/2023</a:t>
+              <a:t>15/8/2023</a:t>
             </a:fld>
             <a:endParaRPr lang="en-SG"/>
           </a:p>
@@ -672,7 +673,7 @@
           <a:p>
             <a:fld id="{CDC0ED0E-9E26-476D-92D2-B594C12CD538}" type="datetimeFigureOut">
               <a:rPr lang="en-SG" smtClean="0"/>
-              <a:t>14/8/2023</a:t>
+              <a:t>15/8/2023</a:t>
             </a:fld>
             <a:endParaRPr lang="en-SG"/>
           </a:p>
@@ -872,7 +873,7 @@
           <a:p>
             <a:fld id="{CDC0ED0E-9E26-476D-92D2-B594C12CD538}" type="datetimeFigureOut">
               <a:rPr lang="en-SG" smtClean="0"/>
-              <a:t>14/8/2023</a:t>
+              <a:t>15/8/2023</a:t>
             </a:fld>
             <a:endParaRPr lang="en-SG"/>
           </a:p>
@@ -1148,7 +1149,7 @@
           <a:p>
             <a:fld id="{CDC0ED0E-9E26-476D-92D2-B594C12CD538}" type="datetimeFigureOut">
               <a:rPr lang="en-SG" smtClean="0"/>
-              <a:t>14/8/2023</a:t>
+              <a:t>15/8/2023</a:t>
             </a:fld>
             <a:endParaRPr lang="en-SG"/>
           </a:p>
@@ -1416,7 +1417,7 @@
           <a:p>
             <a:fld id="{CDC0ED0E-9E26-476D-92D2-B594C12CD538}" type="datetimeFigureOut">
               <a:rPr lang="en-SG" smtClean="0"/>
-              <a:t>14/8/2023</a:t>
+              <a:t>15/8/2023</a:t>
             </a:fld>
             <a:endParaRPr lang="en-SG"/>
           </a:p>
@@ -1831,7 +1832,7 @@
           <a:p>
             <a:fld id="{CDC0ED0E-9E26-476D-92D2-B594C12CD538}" type="datetimeFigureOut">
               <a:rPr lang="en-SG" smtClean="0"/>
-              <a:t>14/8/2023</a:t>
+              <a:t>15/8/2023</a:t>
             </a:fld>
             <a:endParaRPr lang="en-SG"/>
           </a:p>
@@ -1973,7 +1974,7 @@
           <a:p>
             <a:fld id="{CDC0ED0E-9E26-476D-92D2-B594C12CD538}" type="datetimeFigureOut">
               <a:rPr lang="en-SG" smtClean="0"/>
-              <a:t>14/8/2023</a:t>
+              <a:t>15/8/2023</a:t>
             </a:fld>
             <a:endParaRPr lang="en-SG"/>
           </a:p>
@@ -2086,7 +2087,7 @@
           <a:p>
             <a:fld id="{CDC0ED0E-9E26-476D-92D2-B594C12CD538}" type="datetimeFigureOut">
               <a:rPr lang="en-SG" smtClean="0"/>
-              <a:t>14/8/2023</a:t>
+              <a:t>15/8/2023</a:t>
             </a:fld>
             <a:endParaRPr lang="en-SG"/>
           </a:p>
@@ -2399,7 +2400,7 @@
           <a:p>
             <a:fld id="{CDC0ED0E-9E26-476D-92D2-B594C12CD538}" type="datetimeFigureOut">
               <a:rPr lang="en-SG" smtClean="0"/>
-              <a:t>14/8/2023</a:t>
+              <a:t>15/8/2023</a:t>
             </a:fld>
             <a:endParaRPr lang="en-SG"/>
           </a:p>
@@ -2688,7 +2689,7 @@
           <a:p>
             <a:fld id="{CDC0ED0E-9E26-476D-92D2-B594C12CD538}" type="datetimeFigureOut">
               <a:rPr lang="en-SG" smtClean="0"/>
-              <a:t>14/8/2023</a:t>
+              <a:t>15/8/2023</a:t>
             </a:fld>
             <a:endParaRPr lang="en-SG"/>
           </a:p>
@@ -2931,7 +2932,7 @@
           <a:p>
             <a:fld id="{CDC0ED0E-9E26-476D-92D2-B594C12CD538}" type="datetimeFigureOut">
               <a:rPr lang="en-SG" smtClean="0"/>
-              <a:t>14/8/2023</a:t>
+              <a:t>15/8/2023</a:t>
             </a:fld>
             <a:endParaRPr lang="en-SG"/>
           </a:p>
@@ -3350,6 +3351,67 @@
       </p:grpSpPr>
       <p:sp>
         <p:nvSpPr>
+          <p:cNvPr id="52" name="Rectangle 51">
+            <a:extLst>
+              <a:ext uri="{FF2B5EF4-FFF2-40B4-BE49-F238E27FC236}">
+                <a16:creationId xmlns:a16="http://schemas.microsoft.com/office/drawing/2014/main" id="{704E3555-ACD8-2EA8-9FEF-51059474E4F7}"/>
+              </a:ext>
+            </a:extLst>
+          </p:cNvPr>
+          <p:cNvSpPr/>
+          <p:nvPr/>
+        </p:nvSpPr>
+        <p:spPr>
+          <a:xfrm>
+            <a:off x="539496" y="685800"/>
+            <a:ext cx="8092440" cy="5415067"/>
+          </a:xfrm>
+          <a:prstGeom prst="rect">
+            <a:avLst/>
+          </a:prstGeom>
+          <a:noFill/>
+          <a:ln w="19050" cap="flat" cmpd="sng" algn="ctr">
+            <a:solidFill>
+              <a:schemeClr val="dk1"/>
+            </a:solidFill>
+            <a:prstDash val="sysDash"/>
+            <a:round/>
+            <a:headEnd type="none" w="med" len="med"/>
+            <a:tailEnd type="none" w="med" len="med"/>
+          </a:ln>
+        </p:spPr>
+        <p:style>
+          <a:lnRef idx="0">
+            <a:scrgbClr r="0" g="0" b="0"/>
+          </a:lnRef>
+          <a:fillRef idx="0">
+            <a:scrgbClr r="0" g="0" b="0"/>
+          </a:fillRef>
+          <a:effectRef idx="0">
+            <a:scrgbClr r="0" g="0" b="0"/>
+          </a:effectRef>
+          <a:fontRef idx="minor">
+            <a:schemeClr val="dk1"/>
+          </a:fontRef>
+        </p:style>
+        <p:txBody>
+          <a:bodyPr rtlCol="0" anchor="ctr"/>
+          <a:lstStyle/>
+          <a:p>
+            <a:pPr algn="ctr"/>
+            <a:endParaRPr lang="en-SG" dirty="0">
+              <a:ln>
+                <a:solidFill>
+                  <a:schemeClr val="tx1"/>
+                </a:solidFill>
+                <a:prstDash val="sysDash"/>
+              </a:ln>
+            </a:endParaRPr>
+          </a:p>
+        </p:txBody>
+      </p:sp>
+      <p:sp>
+        <p:nvSpPr>
           <p:cNvPr id="24" name="Rectangle 23">
             <a:extLst>
               <a:ext uri="{FF2B5EF4-FFF2-40B4-BE49-F238E27FC236}">
@@ -3415,7 +3477,7 @@
         <p:spPr>
           <a:xfrm>
             <a:off x="2763682" y="1126090"/>
-            <a:ext cx="1500496" cy="346917"/>
+            <a:ext cx="1411070" cy="346917"/>
           </a:xfrm>
           <a:prstGeom prst="rect">
             <a:avLst/>
@@ -3505,8 +3567,8 @@
         </p:nvSpPr>
         <p:spPr>
           <a:xfrm>
-            <a:off x="2763682" y="1806777"/>
-            <a:ext cx="1515721" cy="346917"/>
+            <a:off x="2763683" y="1806777"/>
+            <a:ext cx="1411070" cy="346917"/>
           </a:xfrm>
           <a:prstGeom prst="rect">
             <a:avLst/>
@@ -3534,7 +3596,7 @@
           <a:p>
             <a:r>
               <a:rPr lang="en-US" sz="1200" b="1" dirty="0"/>
-              <a:t>Loading config files</a:t>
+              <a:t>Loading config file</a:t>
             </a:r>
             <a:endParaRPr lang="en-SG" sz="1200" b="1" dirty="0"/>
           </a:p>
@@ -3580,14 +3642,15 @@
             </a:extLst>
           </p:cNvPr>
           <p:cNvCxnSpPr>
+            <a:cxnSpLocks/>
             <a:stCxn id="7" idx="2"/>
           </p:cNvCxnSpPr>
           <p:nvPr/>
         </p:nvCxnSpPr>
         <p:spPr>
           <a:xfrm rot="5400000">
-            <a:off x="4427745" y="1349752"/>
-            <a:ext cx="308683" cy="605366"/>
+            <a:off x="4297742" y="1348429"/>
+            <a:ext cx="437362" cy="736693"/>
           </a:xfrm>
           <a:prstGeom prst="bentConnector2">
             <a:avLst/>
@@ -3598,13 +3661,13 @@
         </p:spPr>
         <p:style>
           <a:lnRef idx="1">
-            <a:schemeClr val="accent1"/>
+            <a:schemeClr val="dk1"/>
           </a:lnRef>
           <a:fillRef idx="0">
-            <a:schemeClr val="accent1"/>
+            <a:schemeClr val="dk1"/>
           </a:fillRef>
           <a:effectRef idx="0">
-            <a:schemeClr val="accent1"/>
+            <a:schemeClr val="dk1"/>
           </a:effectRef>
           <a:fontRef idx="minor">
             <a:schemeClr val="tx1"/>
@@ -3625,7 +3688,7 @@
         </p:nvSpPr>
         <p:spPr>
           <a:xfrm>
-            <a:off x="4447928" y="775749"/>
+            <a:off x="4320014" y="757133"/>
             <a:ext cx="1198235" cy="400110"/>
           </a:xfrm>
           <a:prstGeom prst="rect">
@@ -3732,15 +3795,7 @@
           <a:p>
             <a:r>
               <a:rPr lang="en-US" sz="1200" b="1" dirty="0"/>
-              <a:t>Search </a:t>
-            </a:r>
-            <a:r>
-              <a:rPr lang="en-US" sz="1200" b="1" dirty="0" err="1"/>
-              <a:t>mcq</a:t>
-            </a:r>
-            <a:r>
-              <a:rPr lang="en-US" sz="1200" b="1" dirty="0"/>
-              <a:t> source and load question</a:t>
+              <a:t>Search MCQ source and load questions</a:t>
             </a:r>
             <a:endParaRPr lang="en-SG" sz="1200" b="1" dirty="0"/>
           </a:p>
@@ -3928,7 +3983,7 @@
         </p:blipFill>
         <p:spPr>
           <a:xfrm>
-            <a:off x="6529344" y="3181101"/>
+            <a:off x="6306981" y="3168893"/>
             <a:ext cx="469333" cy="378074"/>
           </a:xfrm>
           <a:prstGeom prst="rect">
@@ -4230,7 +4285,7 @@
         </p:nvSpPr>
         <p:spPr>
           <a:xfrm>
-            <a:off x="7021578" y="3154695"/>
+            <a:off x="6779167" y="3116080"/>
             <a:ext cx="910357" cy="430887"/>
           </a:xfrm>
           <a:prstGeom prst="rect">
@@ -4253,7 +4308,29 @@
                   </a:schemeClr>
                 </a:solidFill>
               </a:rPr>
-              <a:t>CTF-D + login cookie</a:t>
+              <a:t>CTF-D </a:t>
+            </a:r>
+            <a:r>
+              <a:rPr lang="en-US" sz="1100" b="1" dirty="0" err="1">
+                <a:solidFill>
+                  <a:schemeClr val="tx1">
+                    <a:lumMod val="75000"/>
+                    <a:lumOff val="25000"/>
+                  </a:schemeClr>
+                </a:solidFill>
+              </a:rPr>
+              <a:t>url</a:t>
+            </a:r>
+            <a:r>
+              <a:rPr lang="en-US" sz="1100" b="1" dirty="0">
+                <a:solidFill>
+                  <a:schemeClr val="tx1">
+                    <a:lumMod val="75000"/>
+                    <a:lumOff val="25000"/>
+                  </a:schemeClr>
+                </a:solidFill>
+              </a:rPr>
+              <a:t> + login cookie</a:t>
             </a:r>
             <a:endParaRPr lang="en-SG" sz="1100" b="1" dirty="0">
               <a:solidFill>
@@ -4280,7 +4357,7 @@
         </p:nvSpPr>
         <p:spPr>
           <a:xfrm>
-            <a:off x="6187428" y="3209185"/>
+            <a:off x="6123898" y="3198783"/>
             <a:ext cx="368990" cy="261610"/>
           </a:xfrm>
           <a:prstGeom prst="rect">
@@ -4429,8 +4506,8 @@
         </p:nvSpPr>
         <p:spPr>
           <a:xfrm>
-            <a:off x="4268535" y="2555006"/>
-            <a:ext cx="788067" cy="153408"/>
+            <a:off x="4232641" y="2664692"/>
+            <a:ext cx="959217" cy="88829"/>
           </a:xfrm>
           <a:prstGeom prst="leftArrow">
             <a:avLst/>
@@ -4650,7 +4727,7 @@
         <p:spPr>
           <a:xfrm>
             <a:off x="4174753" y="3765326"/>
-            <a:ext cx="547734" cy="411258"/>
+            <a:ext cx="0" cy="245867"/>
           </a:xfrm>
           <a:prstGeom prst="straightConnector1">
             <a:avLst/>
@@ -4675,102 +4752,6 @@
           </a:fontRef>
         </p:style>
       </p:cxnSp>
-      <p:sp>
-        <p:nvSpPr>
-          <p:cNvPr id="47" name="Cylinder 46">
-            <a:extLst>
-              <a:ext uri="{FF2B5EF4-FFF2-40B4-BE49-F238E27FC236}">
-                <a16:creationId xmlns:a16="http://schemas.microsoft.com/office/drawing/2014/main" id="{D7FF725C-2FE4-B8B3-5745-DA9AD41B291E}"/>
-              </a:ext>
-            </a:extLst>
-          </p:cNvPr>
-          <p:cNvSpPr/>
-          <p:nvPr/>
-        </p:nvSpPr>
-        <p:spPr>
-          <a:xfrm>
-            <a:off x="4782737" y="4111916"/>
-            <a:ext cx="547730" cy="271848"/>
-          </a:xfrm>
-          <a:prstGeom prst="can">
-            <a:avLst/>
-          </a:prstGeom>
-        </p:spPr>
-        <p:style>
-          <a:lnRef idx="2">
-            <a:schemeClr val="accent1">
-              <a:shade val="15000"/>
-            </a:schemeClr>
-          </a:lnRef>
-          <a:fillRef idx="1">
-            <a:schemeClr val="accent1"/>
-          </a:fillRef>
-          <a:effectRef idx="0">
-            <a:schemeClr val="accent1"/>
-          </a:effectRef>
-          <a:fontRef idx="minor">
-            <a:schemeClr val="lt1"/>
-          </a:fontRef>
-        </p:style>
-        <p:txBody>
-          <a:bodyPr rtlCol="0" anchor="ctr"/>
-          <a:lstStyle/>
-          <a:p>
-            <a:pPr algn="ctr"/>
-            <a:endParaRPr lang="en-SG"/>
-          </a:p>
-        </p:txBody>
-      </p:sp>
-      <p:sp>
-        <p:nvSpPr>
-          <p:cNvPr id="48" name="TextBox 47">
-            <a:extLst>
-              <a:ext uri="{FF2B5EF4-FFF2-40B4-BE49-F238E27FC236}">
-                <a16:creationId xmlns:a16="http://schemas.microsoft.com/office/drawing/2014/main" id="{2409C071-A738-7176-D948-7D9DC2A7CA67}"/>
-              </a:ext>
-            </a:extLst>
-          </p:cNvPr>
-          <p:cNvSpPr txBox="1"/>
-          <p:nvPr/>
-        </p:nvSpPr>
-        <p:spPr>
-          <a:xfrm>
-            <a:off x="5309871" y="4011193"/>
-            <a:ext cx="1399848" cy="430887"/>
-          </a:xfrm>
-          <a:prstGeom prst="rect">
-            <a:avLst/>
-          </a:prstGeom>
-          <a:noFill/>
-        </p:spPr>
-        <p:txBody>
-          <a:bodyPr wrap="square">
-            <a:spAutoFit/>
-          </a:bodyPr>
-          <a:lstStyle/>
-          <a:p>
-            <a:r>
-              <a:rPr lang="en-US" sz="1100" b="1" dirty="0">
-                <a:solidFill>
-                  <a:schemeClr val="tx1">
-                    <a:lumMod val="75000"/>
-                    <a:lumOff val="25000"/>
-                  </a:schemeClr>
-                </a:solidFill>
-              </a:rPr>
-              <a:t>Standard question bank files</a:t>
-            </a:r>
-            <a:endParaRPr lang="en-SG" sz="1100" b="1" dirty="0">
-              <a:solidFill>
-                <a:schemeClr val="tx1">
-                  <a:lumMod val="75000"/>
-                  <a:lumOff val="25000"/>
-                </a:schemeClr>
-              </a:solidFill>
-            </a:endParaRPr>
-          </a:p>
-        </p:txBody>
-      </p:sp>
       <p:sp>
         <p:nvSpPr>
           <p:cNvPr id="49" name="Rectangle 48">
@@ -4834,8 +4815,8 @@
         </p:nvSpPr>
         <p:spPr>
           <a:xfrm>
-            <a:off x="4766545" y="4563996"/>
-            <a:ext cx="1229909" cy="246221"/>
+            <a:off x="4432090" y="4389716"/>
+            <a:ext cx="1229909" cy="400110"/>
           </a:xfrm>
           <a:prstGeom prst="rect">
             <a:avLst/>
@@ -4850,7 +4831,7 @@
           <a:p>
             <a:r>
               <a:rPr lang="en-US" sz="1000" dirty="0"/>
-              <a:t>Standard MCQ file.</a:t>
+              <a:t>Standard MCQ data/file.</a:t>
             </a:r>
             <a:endParaRPr lang="en-SG" sz="1000" dirty="0"/>
           </a:p>
@@ -5048,6 +5029,9 @@
             <a:avLst/>
           </a:prstGeom>
           <a:ln>
+            <a:solidFill>
+              <a:schemeClr val="tx1"/>
+            </a:solidFill>
             <a:tailEnd type="triangle"/>
           </a:ln>
         </p:spPr>
@@ -5077,19 +5061,21 @@
           </p:cNvPr>
           <p:cNvCxnSpPr>
             <a:cxnSpLocks/>
-            <a:stCxn id="47" idx="3"/>
           </p:cNvCxnSpPr>
           <p:nvPr/>
         </p:nvCxnSpPr>
         <p:spPr>
-          <a:xfrm flipH="1">
-            <a:off x="4174753" y="4383764"/>
-            <a:ext cx="881849" cy="485115"/>
+          <a:xfrm>
+            <a:off x="4174753" y="4368586"/>
+            <a:ext cx="0" cy="437401"/>
           </a:xfrm>
           <a:prstGeom prst="straightConnector1">
             <a:avLst/>
           </a:prstGeom>
           <a:ln>
+            <a:solidFill>
+              <a:schemeClr val="tx1"/>
+            </a:solidFill>
             <a:tailEnd type="triangle"/>
           </a:ln>
         </p:spPr>
@@ -5130,8 +5116,8 @@
         </p:blipFill>
         <p:spPr>
           <a:xfrm>
-            <a:off x="4500290" y="4437722"/>
-            <a:ext cx="324555" cy="372004"/>
+            <a:off x="4222160" y="4448008"/>
+            <a:ext cx="277032" cy="317533"/>
           </a:xfrm>
           <a:prstGeom prst="rect">
             <a:avLst/>
@@ -5345,6 +5331,9 @@
             <a:avLst/>
           </a:prstGeom>
           <a:ln>
+            <a:solidFill>
+              <a:schemeClr val="tx1"/>
+            </a:solidFill>
             <a:tailEnd type="triangle"/>
           </a:ln>
         </p:spPr>
@@ -5426,6 +5415,384 @@
               <a:t>Result files.</a:t>
             </a:r>
             <a:endParaRPr lang="en-SG" sz="1000" dirty="0"/>
+          </a:p>
+        </p:txBody>
+      </p:sp>
+      <p:sp>
+        <p:nvSpPr>
+          <p:cNvPr id="14" name="Rectangle 13">
+            <a:extLst>
+              <a:ext uri="{FF2B5EF4-FFF2-40B4-BE49-F238E27FC236}">
+                <a16:creationId xmlns:a16="http://schemas.microsoft.com/office/drawing/2014/main" id="{C1CABD8C-5AC0-90DC-F6D2-CEB4B3BD5A38}"/>
+              </a:ext>
+            </a:extLst>
+          </p:cNvPr>
+          <p:cNvSpPr/>
+          <p:nvPr/>
+        </p:nvSpPr>
+        <p:spPr>
+          <a:xfrm>
+            <a:off x="3839833" y="4024975"/>
+            <a:ext cx="1411070" cy="346917"/>
+          </a:xfrm>
+          <a:prstGeom prst="rect">
+            <a:avLst/>
+          </a:prstGeom>
+        </p:spPr>
+        <p:style>
+          <a:lnRef idx="2">
+            <a:schemeClr val="accent1">
+              <a:shade val="50000"/>
+            </a:schemeClr>
+          </a:lnRef>
+          <a:fillRef idx="1">
+            <a:schemeClr val="accent1"/>
+          </a:fillRef>
+          <a:effectRef idx="0">
+            <a:schemeClr val="accent1"/>
+          </a:effectRef>
+          <a:fontRef idx="minor">
+            <a:schemeClr val="lt1"/>
+          </a:fontRef>
+        </p:style>
+        <p:txBody>
+          <a:bodyPr rtlCol="0" anchor="ctr"/>
+          <a:lstStyle/>
+          <a:p>
+            <a:r>
+              <a:rPr lang="en-US" sz="1200" b="1" dirty="0"/>
+              <a:t>MCQ-GPT-Bot data manager </a:t>
+            </a:r>
+            <a:endParaRPr lang="en-SG" sz="1200" b="1" dirty="0"/>
+          </a:p>
+        </p:txBody>
+      </p:sp>
+      <p:cxnSp>
+        <p:nvCxnSpPr>
+          <p:cNvPr id="20" name="Straight Arrow Connector 19">
+            <a:extLst>
+              <a:ext uri="{FF2B5EF4-FFF2-40B4-BE49-F238E27FC236}">
+                <a16:creationId xmlns:a16="http://schemas.microsoft.com/office/drawing/2014/main" id="{3CE728EC-0FCA-B686-C480-BEE3F552D808}"/>
+              </a:ext>
+            </a:extLst>
+          </p:cNvPr>
+          <p:cNvCxnSpPr>
+            <a:cxnSpLocks/>
+          </p:cNvCxnSpPr>
+          <p:nvPr/>
+        </p:nvCxnSpPr>
+        <p:spPr>
+          <a:xfrm>
+            <a:off x="6426091" y="4906282"/>
+            <a:ext cx="415353" cy="0"/>
+          </a:xfrm>
+          <a:prstGeom prst="straightConnector1">
+            <a:avLst/>
+          </a:prstGeom>
+          <a:ln w="19050">
+            <a:prstDash val="sysDash"/>
+            <a:tailEnd type="triangle"/>
+          </a:ln>
+        </p:spPr>
+        <p:style>
+          <a:lnRef idx="1">
+            <a:schemeClr val="accent1"/>
+          </a:lnRef>
+          <a:fillRef idx="0">
+            <a:schemeClr val="accent1"/>
+          </a:fillRef>
+          <a:effectRef idx="0">
+            <a:schemeClr val="accent1"/>
+          </a:effectRef>
+          <a:fontRef idx="minor">
+            <a:schemeClr val="tx1"/>
+          </a:fontRef>
+        </p:style>
+      </p:cxnSp>
+      <p:sp>
+        <p:nvSpPr>
+          <p:cNvPr id="34" name="TextBox 33">
+            <a:extLst>
+              <a:ext uri="{FF2B5EF4-FFF2-40B4-BE49-F238E27FC236}">
+                <a16:creationId xmlns:a16="http://schemas.microsoft.com/office/drawing/2014/main" id="{E02ACAAB-63A5-9DAB-C90B-7FF80A53F175}"/>
+              </a:ext>
+            </a:extLst>
+          </p:cNvPr>
+          <p:cNvSpPr txBox="1"/>
+          <p:nvPr/>
+        </p:nvSpPr>
+        <p:spPr>
+          <a:xfrm>
+            <a:off x="6852543" y="4703035"/>
+            <a:ext cx="1779393" cy="430887"/>
+          </a:xfrm>
+          <a:prstGeom prst="rect">
+            <a:avLst/>
+          </a:prstGeom>
+          <a:noFill/>
+        </p:spPr>
+        <p:txBody>
+          <a:bodyPr wrap="square">
+            <a:spAutoFit/>
+          </a:bodyPr>
+          <a:lstStyle/>
+          <a:p>
+            <a:r>
+              <a:rPr lang="en-US" sz="1100" b="1" dirty="0">
+                <a:solidFill>
+                  <a:schemeClr val="tx1">
+                    <a:lumMod val="75000"/>
+                    <a:lumOff val="25000"/>
+                  </a:schemeClr>
+                </a:solidFill>
+              </a:rPr>
+              <a:t>Program control/function call flow</a:t>
+            </a:r>
+            <a:endParaRPr lang="en-SG" sz="1100" b="1" dirty="0">
+              <a:solidFill>
+                <a:schemeClr val="tx1">
+                  <a:lumMod val="75000"/>
+                  <a:lumOff val="25000"/>
+                </a:schemeClr>
+              </a:solidFill>
+            </a:endParaRPr>
+          </a:p>
+        </p:txBody>
+      </p:sp>
+      <p:cxnSp>
+        <p:nvCxnSpPr>
+          <p:cNvPr id="35" name="Straight Arrow Connector 34">
+            <a:extLst>
+              <a:ext uri="{FF2B5EF4-FFF2-40B4-BE49-F238E27FC236}">
+                <a16:creationId xmlns:a16="http://schemas.microsoft.com/office/drawing/2014/main" id="{52D9A140-EE7E-C661-2675-D2DAA7E34A64}"/>
+              </a:ext>
+            </a:extLst>
+          </p:cNvPr>
+          <p:cNvCxnSpPr>
+            <a:cxnSpLocks/>
+          </p:cNvCxnSpPr>
+          <p:nvPr/>
+        </p:nvCxnSpPr>
+        <p:spPr>
+          <a:xfrm>
+            <a:off x="6436034" y="5384295"/>
+            <a:ext cx="371774" cy="0"/>
+          </a:xfrm>
+          <a:prstGeom prst="straightConnector1">
+            <a:avLst/>
+          </a:prstGeom>
+          <a:ln w="19050">
+            <a:solidFill>
+              <a:schemeClr val="accent6">
+                <a:lumMod val="75000"/>
+              </a:schemeClr>
+            </a:solidFill>
+            <a:headEnd type="triangle"/>
+            <a:tailEnd type="triangle"/>
+          </a:ln>
+        </p:spPr>
+        <p:style>
+          <a:lnRef idx="1">
+            <a:schemeClr val="accent1"/>
+          </a:lnRef>
+          <a:fillRef idx="0">
+            <a:schemeClr val="accent1"/>
+          </a:fillRef>
+          <a:effectRef idx="0">
+            <a:schemeClr val="accent1"/>
+          </a:effectRef>
+          <a:fontRef idx="minor">
+            <a:schemeClr val="tx1"/>
+          </a:fontRef>
+        </p:style>
+      </p:cxnSp>
+      <p:cxnSp>
+        <p:nvCxnSpPr>
+          <p:cNvPr id="40" name="Straight Arrow Connector 39">
+            <a:extLst>
+              <a:ext uri="{FF2B5EF4-FFF2-40B4-BE49-F238E27FC236}">
+                <a16:creationId xmlns:a16="http://schemas.microsoft.com/office/drawing/2014/main" id="{0F5D5E78-5996-B8CB-F51A-8F59CF856985}"/>
+              </a:ext>
+            </a:extLst>
+          </p:cNvPr>
+          <p:cNvCxnSpPr>
+            <a:cxnSpLocks/>
+          </p:cNvCxnSpPr>
+          <p:nvPr/>
+        </p:nvCxnSpPr>
+        <p:spPr>
+          <a:xfrm flipH="1">
+            <a:off x="6426091" y="5758049"/>
+            <a:ext cx="339538" cy="0"/>
+          </a:xfrm>
+          <a:prstGeom prst="straightConnector1">
+            <a:avLst/>
+          </a:prstGeom>
+          <a:ln>
+            <a:solidFill>
+              <a:schemeClr val="tx1"/>
+            </a:solidFill>
+            <a:tailEnd type="triangle"/>
+          </a:ln>
+        </p:spPr>
+        <p:style>
+          <a:lnRef idx="1">
+            <a:schemeClr val="accent1"/>
+          </a:lnRef>
+          <a:fillRef idx="0">
+            <a:schemeClr val="accent1"/>
+          </a:fillRef>
+          <a:effectRef idx="0">
+            <a:schemeClr val="accent1"/>
+          </a:effectRef>
+          <a:fontRef idx="minor">
+            <a:schemeClr val="tx1"/>
+          </a:fontRef>
+        </p:style>
+      </p:cxnSp>
+      <p:sp>
+        <p:nvSpPr>
+          <p:cNvPr id="46" name="Arrow: Left 45">
+            <a:extLst>
+              <a:ext uri="{FF2B5EF4-FFF2-40B4-BE49-F238E27FC236}">
+                <a16:creationId xmlns:a16="http://schemas.microsoft.com/office/drawing/2014/main" id="{428FCABD-5C43-3250-AA8E-CF18B3EEB222}"/>
+              </a:ext>
+            </a:extLst>
+          </p:cNvPr>
+          <p:cNvSpPr/>
+          <p:nvPr/>
+        </p:nvSpPr>
+        <p:spPr>
+          <a:xfrm>
+            <a:off x="6441466" y="5855793"/>
+            <a:ext cx="371774" cy="85375"/>
+          </a:xfrm>
+          <a:prstGeom prst="leftArrow">
+            <a:avLst/>
+          </a:prstGeom>
+        </p:spPr>
+        <p:style>
+          <a:lnRef idx="2">
+            <a:schemeClr val="accent1">
+              <a:shade val="15000"/>
+            </a:schemeClr>
+          </a:lnRef>
+          <a:fillRef idx="1">
+            <a:schemeClr val="accent1"/>
+          </a:fillRef>
+          <a:effectRef idx="0">
+            <a:schemeClr val="accent1"/>
+          </a:effectRef>
+          <a:fontRef idx="minor">
+            <a:schemeClr val="lt1"/>
+          </a:fontRef>
+        </p:style>
+        <p:txBody>
+          <a:bodyPr rtlCol="0" anchor="ctr"/>
+          <a:lstStyle/>
+          <a:p>
+            <a:pPr algn="ctr"/>
+            <a:endParaRPr lang="en-SG"/>
+          </a:p>
+        </p:txBody>
+      </p:sp>
+      <p:sp>
+        <p:nvSpPr>
+          <p:cNvPr id="50" name="TextBox 49">
+            <a:extLst>
+              <a:ext uri="{FF2B5EF4-FFF2-40B4-BE49-F238E27FC236}">
+                <a16:creationId xmlns:a16="http://schemas.microsoft.com/office/drawing/2014/main" id="{A409C2F2-B2F8-E595-C532-05201681678A}"/>
+              </a:ext>
+            </a:extLst>
+          </p:cNvPr>
+          <p:cNvSpPr txBox="1"/>
+          <p:nvPr/>
+        </p:nvSpPr>
+        <p:spPr>
+          <a:xfrm>
+            <a:off x="6865158" y="5168851"/>
+            <a:ext cx="1779393" cy="430887"/>
+          </a:xfrm>
+          <a:prstGeom prst="rect">
+            <a:avLst/>
+          </a:prstGeom>
+          <a:noFill/>
+        </p:spPr>
+        <p:txBody>
+          <a:bodyPr wrap="square">
+            <a:spAutoFit/>
+          </a:bodyPr>
+          <a:lstStyle/>
+          <a:p>
+            <a:r>
+              <a:rPr lang="en-US" sz="1100" b="1" dirty="0">
+                <a:solidFill>
+                  <a:schemeClr val="tx1">
+                    <a:lumMod val="75000"/>
+                    <a:lumOff val="25000"/>
+                  </a:schemeClr>
+                </a:solidFill>
+              </a:rPr>
+              <a:t>Network communication with Open AI</a:t>
+            </a:r>
+            <a:endParaRPr lang="en-SG" sz="1100" b="1" dirty="0">
+              <a:solidFill>
+                <a:schemeClr val="tx1">
+                  <a:lumMod val="75000"/>
+                  <a:lumOff val="25000"/>
+                </a:schemeClr>
+              </a:solidFill>
+            </a:endParaRPr>
+          </a:p>
+        </p:txBody>
+      </p:sp>
+      <p:sp>
+        <p:nvSpPr>
+          <p:cNvPr id="51" name="TextBox 50">
+            <a:extLst>
+              <a:ext uri="{FF2B5EF4-FFF2-40B4-BE49-F238E27FC236}">
+                <a16:creationId xmlns:a16="http://schemas.microsoft.com/office/drawing/2014/main" id="{4FDDFA0C-D92F-D35A-F7F2-F8299D67F8E6}"/>
+              </a:ext>
+            </a:extLst>
+          </p:cNvPr>
+          <p:cNvSpPr txBox="1"/>
+          <p:nvPr/>
+        </p:nvSpPr>
+        <p:spPr>
+          <a:xfrm>
+            <a:off x="6865157" y="5716075"/>
+            <a:ext cx="1779393" cy="261610"/>
+          </a:xfrm>
+          <a:prstGeom prst="rect">
+            <a:avLst/>
+          </a:prstGeom>
+          <a:noFill/>
+        </p:spPr>
+        <p:txBody>
+          <a:bodyPr wrap="square">
+            <a:spAutoFit/>
+          </a:bodyPr>
+          <a:lstStyle/>
+          <a:p>
+            <a:r>
+              <a:rPr lang="en-US" sz="1100" b="1" dirty="0">
+                <a:solidFill>
+                  <a:schemeClr val="tx1">
+                    <a:lumMod val="75000"/>
+                    <a:lumOff val="25000"/>
+                  </a:schemeClr>
+                </a:solidFill>
+              </a:rPr>
+              <a:t>Data flow or file I/O</a:t>
+            </a:r>
+            <a:endParaRPr lang="en-SG" sz="1100" b="1" dirty="0">
+              <a:solidFill>
+                <a:schemeClr val="tx1">
+                  <a:lumMod val="75000"/>
+                  <a:lumOff val="25000"/>
+                </a:schemeClr>
+              </a:solidFill>
+            </a:endParaRPr>
           </a:p>
         </p:txBody>
       </p:sp>
@@ -7475,6 +7842,704 @@
     <p:extLst>
       <p:ext uri="{BB962C8B-B14F-4D97-AF65-F5344CB8AC3E}">
         <p14:creationId xmlns:p14="http://schemas.microsoft.com/office/powerpoint/2010/main" val="3202790184"/>
+      </p:ext>
+    </p:extLst>
+  </p:cSld>
+  <p:clrMapOvr>
+    <a:masterClrMapping/>
+  </p:clrMapOvr>
+</p:sld>
+</file>
+
+<file path=ppt/slides/slide3.xml><?xml version="1.0" encoding="utf-8"?>
+<p:sld xmlns:a="http://schemas.openxmlformats.org/drawingml/2006/main" xmlns:r="http://schemas.openxmlformats.org/officeDocument/2006/relationships" xmlns:p="http://schemas.openxmlformats.org/presentationml/2006/main">
+  <p:cSld>
+    <p:spTree>
+      <p:nvGrpSpPr>
+        <p:cNvPr id="1" name=""/>
+        <p:cNvGrpSpPr/>
+        <p:nvPr/>
+      </p:nvGrpSpPr>
+      <p:grpSpPr>
+        <a:xfrm>
+          <a:off x="0" y="0"/>
+          <a:ext cx="0" cy="0"/>
+          <a:chOff x="0" y="0"/>
+          <a:chExt cx="0" cy="0"/>
+        </a:xfrm>
+      </p:grpSpPr>
+      <p:pic>
+        <p:nvPicPr>
+          <p:cNvPr id="5" name="Picture 4">
+            <a:extLst>
+              <a:ext uri="{FF2B5EF4-FFF2-40B4-BE49-F238E27FC236}">
+                <a16:creationId xmlns:a16="http://schemas.microsoft.com/office/drawing/2014/main" id="{98E5E9E1-3E1B-3F92-7020-1B6D434B58F2}"/>
+              </a:ext>
+            </a:extLst>
+          </p:cNvPr>
+          <p:cNvPicPr>
+            <a:picLocks noChangeAspect="1"/>
+          </p:cNvPicPr>
+          <p:nvPr/>
+        </p:nvPicPr>
+        <p:blipFill>
+          <a:blip r:embed="rId2"/>
+          <a:stretch>
+            <a:fillRect/>
+          </a:stretch>
+        </p:blipFill>
+        <p:spPr>
+          <a:xfrm>
+            <a:off x="1027775" y="830424"/>
+            <a:ext cx="2601834" cy="2654693"/>
+          </a:xfrm>
+          <a:prstGeom prst="rect">
+            <a:avLst/>
+          </a:prstGeom>
+          <a:ln w="6350">
+            <a:solidFill>
+              <a:schemeClr val="tx1"/>
+            </a:solidFill>
+          </a:ln>
+        </p:spPr>
+      </p:pic>
+      <p:pic>
+        <p:nvPicPr>
+          <p:cNvPr id="7" name="Picture 6">
+            <a:extLst>
+              <a:ext uri="{FF2B5EF4-FFF2-40B4-BE49-F238E27FC236}">
+                <a16:creationId xmlns:a16="http://schemas.microsoft.com/office/drawing/2014/main" id="{3CE39BC5-8247-F751-33A2-EBD6903B20AD}"/>
+              </a:ext>
+            </a:extLst>
+          </p:cNvPr>
+          <p:cNvPicPr>
+            <a:picLocks noChangeAspect="1"/>
+          </p:cNvPicPr>
+          <p:nvPr/>
+        </p:nvPicPr>
+        <p:blipFill>
+          <a:blip r:embed="rId3"/>
+          <a:stretch>
+            <a:fillRect/>
+          </a:stretch>
+        </p:blipFill>
+        <p:spPr>
+          <a:xfrm>
+            <a:off x="4013508" y="803829"/>
+            <a:ext cx="2754832" cy="2681288"/>
+          </a:xfrm>
+          <a:prstGeom prst="rect">
+            <a:avLst/>
+          </a:prstGeom>
+          <a:ln w="6350">
+            <a:solidFill>
+              <a:schemeClr val="tx1"/>
+            </a:solidFill>
+          </a:ln>
+        </p:spPr>
+      </p:pic>
+      <p:pic>
+        <p:nvPicPr>
+          <p:cNvPr id="9" name="Picture 8">
+            <a:extLst>
+              <a:ext uri="{FF2B5EF4-FFF2-40B4-BE49-F238E27FC236}">
+                <a16:creationId xmlns:a16="http://schemas.microsoft.com/office/drawing/2014/main" id="{C44D73AC-34CA-144A-2957-DBA095A01755}"/>
+              </a:ext>
+            </a:extLst>
+          </p:cNvPr>
+          <p:cNvPicPr>
+            <a:picLocks noChangeAspect="1"/>
+          </p:cNvPicPr>
+          <p:nvPr/>
+        </p:nvPicPr>
+        <p:blipFill>
+          <a:blip r:embed="rId4"/>
+          <a:stretch>
+            <a:fillRect/>
+          </a:stretch>
+        </p:blipFill>
+        <p:spPr>
+          <a:xfrm>
+            <a:off x="7073697" y="803829"/>
+            <a:ext cx="2847543" cy="2674964"/>
+          </a:xfrm>
+          <a:prstGeom prst="rect">
+            <a:avLst/>
+          </a:prstGeom>
+        </p:spPr>
+      </p:pic>
+      <p:cxnSp>
+        <p:nvCxnSpPr>
+          <p:cNvPr id="11" name="Straight Arrow Connector 10">
+            <a:extLst>
+              <a:ext uri="{FF2B5EF4-FFF2-40B4-BE49-F238E27FC236}">
+                <a16:creationId xmlns:a16="http://schemas.microsoft.com/office/drawing/2014/main" id="{3712FD27-2EAF-255E-3760-0BFE84F8F448}"/>
+              </a:ext>
+            </a:extLst>
+          </p:cNvPr>
+          <p:cNvCxnSpPr>
+            <a:cxnSpLocks/>
+            <a:stCxn id="5" idx="2"/>
+            <a:endCxn id="18" idx="1"/>
+          </p:cNvCxnSpPr>
+          <p:nvPr/>
+        </p:nvCxnSpPr>
+        <p:spPr>
+          <a:xfrm>
+            <a:off x="2328692" y="3485117"/>
+            <a:ext cx="2356238" cy="533221"/>
+          </a:xfrm>
+          <a:prstGeom prst="straightConnector1">
+            <a:avLst/>
+          </a:prstGeom>
+          <a:ln w="19050">
+            <a:tailEnd type="triangle"/>
+          </a:ln>
+        </p:spPr>
+        <p:style>
+          <a:lnRef idx="1">
+            <a:schemeClr val="accent1"/>
+          </a:lnRef>
+          <a:fillRef idx="0">
+            <a:schemeClr val="accent1"/>
+          </a:fillRef>
+          <a:effectRef idx="0">
+            <a:schemeClr val="accent1"/>
+          </a:effectRef>
+          <a:fontRef idx="minor">
+            <a:schemeClr val="tx1"/>
+          </a:fontRef>
+        </p:style>
+      </p:cxnSp>
+      <p:cxnSp>
+        <p:nvCxnSpPr>
+          <p:cNvPr id="12" name="Straight Arrow Connector 11">
+            <a:extLst>
+              <a:ext uri="{FF2B5EF4-FFF2-40B4-BE49-F238E27FC236}">
+                <a16:creationId xmlns:a16="http://schemas.microsoft.com/office/drawing/2014/main" id="{1C98D5B4-7256-AF65-0DE3-4B0D6D744A6C}"/>
+              </a:ext>
+            </a:extLst>
+          </p:cNvPr>
+          <p:cNvCxnSpPr>
+            <a:cxnSpLocks/>
+            <a:stCxn id="7" idx="2"/>
+            <a:endCxn id="18" idx="0"/>
+          </p:cNvCxnSpPr>
+          <p:nvPr/>
+        </p:nvCxnSpPr>
+        <p:spPr>
+          <a:xfrm flipH="1">
+            <a:off x="5390465" y="3485117"/>
+            <a:ext cx="459" cy="291981"/>
+          </a:xfrm>
+          <a:prstGeom prst="straightConnector1">
+            <a:avLst/>
+          </a:prstGeom>
+          <a:ln w="19050">
+            <a:tailEnd type="triangle"/>
+          </a:ln>
+        </p:spPr>
+        <p:style>
+          <a:lnRef idx="1">
+            <a:schemeClr val="accent1"/>
+          </a:lnRef>
+          <a:fillRef idx="0">
+            <a:schemeClr val="accent1"/>
+          </a:fillRef>
+          <a:effectRef idx="0">
+            <a:schemeClr val="accent1"/>
+          </a:effectRef>
+          <a:fontRef idx="minor">
+            <a:schemeClr val="tx1"/>
+          </a:fontRef>
+        </p:style>
+      </p:cxnSp>
+      <p:cxnSp>
+        <p:nvCxnSpPr>
+          <p:cNvPr id="15" name="Straight Arrow Connector 14">
+            <a:extLst>
+              <a:ext uri="{FF2B5EF4-FFF2-40B4-BE49-F238E27FC236}">
+                <a16:creationId xmlns:a16="http://schemas.microsoft.com/office/drawing/2014/main" id="{D62D8ABA-D21A-7633-54D0-B18872B0CAEB}"/>
+              </a:ext>
+            </a:extLst>
+          </p:cNvPr>
+          <p:cNvCxnSpPr>
+            <a:cxnSpLocks/>
+            <a:stCxn id="9" idx="2"/>
+            <a:endCxn id="18" idx="3"/>
+          </p:cNvCxnSpPr>
+          <p:nvPr/>
+        </p:nvCxnSpPr>
+        <p:spPr>
+          <a:xfrm flipH="1">
+            <a:off x="6096000" y="3478793"/>
+            <a:ext cx="2401469" cy="539545"/>
+          </a:xfrm>
+          <a:prstGeom prst="straightConnector1">
+            <a:avLst/>
+          </a:prstGeom>
+          <a:ln w="19050">
+            <a:tailEnd type="triangle"/>
+          </a:ln>
+        </p:spPr>
+        <p:style>
+          <a:lnRef idx="1">
+            <a:schemeClr val="accent1"/>
+          </a:lnRef>
+          <a:fillRef idx="0">
+            <a:schemeClr val="accent1"/>
+          </a:fillRef>
+          <a:effectRef idx="0">
+            <a:schemeClr val="accent1"/>
+          </a:effectRef>
+          <a:fontRef idx="minor">
+            <a:schemeClr val="tx1"/>
+          </a:fontRef>
+        </p:style>
+      </p:cxnSp>
+      <p:sp>
+        <p:nvSpPr>
+          <p:cNvPr id="18" name="Rectangle 17">
+            <a:extLst>
+              <a:ext uri="{FF2B5EF4-FFF2-40B4-BE49-F238E27FC236}">
+                <a16:creationId xmlns:a16="http://schemas.microsoft.com/office/drawing/2014/main" id="{7BA7C9E4-0E92-4408-81F4-C99B2758696D}"/>
+              </a:ext>
+            </a:extLst>
+          </p:cNvPr>
+          <p:cNvSpPr/>
+          <p:nvPr/>
+        </p:nvSpPr>
+        <p:spPr>
+          <a:xfrm>
+            <a:off x="4684930" y="3777098"/>
+            <a:ext cx="1411070" cy="482479"/>
+          </a:xfrm>
+          <a:prstGeom prst="rect">
+            <a:avLst/>
+          </a:prstGeom>
+        </p:spPr>
+        <p:style>
+          <a:lnRef idx="2">
+            <a:schemeClr val="accent1">
+              <a:shade val="50000"/>
+            </a:schemeClr>
+          </a:lnRef>
+          <a:fillRef idx="1">
+            <a:schemeClr val="accent1"/>
+          </a:fillRef>
+          <a:effectRef idx="0">
+            <a:schemeClr val="accent1"/>
+          </a:effectRef>
+          <a:fontRef idx="minor">
+            <a:schemeClr val="lt1"/>
+          </a:fontRef>
+        </p:style>
+        <p:txBody>
+          <a:bodyPr rtlCol="0" anchor="ctr"/>
+          <a:lstStyle/>
+          <a:p>
+            <a:r>
+              <a:rPr lang="en-US" sz="1600" b="1" dirty="0"/>
+              <a:t>MCQ-GPT Bot</a:t>
+            </a:r>
+            <a:endParaRPr lang="en-SG" sz="1600" b="1" dirty="0"/>
+          </a:p>
+        </p:txBody>
+      </p:sp>
+      <p:sp>
+        <p:nvSpPr>
+          <p:cNvPr id="21" name="TextBox 20">
+            <a:extLst>
+              <a:ext uri="{FF2B5EF4-FFF2-40B4-BE49-F238E27FC236}">
+                <a16:creationId xmlns:a16="http://schemas.microsoft.com/office/drawing/2014/main" id="{04C2DC72-091B-7883-A325-79DC3CE98565}"/>
+              </a:ext>
+            </a:extLst>
+          </p:cNvPr>
+          <p:cNvSpPr txBox="1"/>
+          <p:nvPr/>
+        </p:nvSpPr>
+        <p:spPr>
+          <a:xfrm>
+            <a:off x="1409847" y="526830"/>
+            <a:ext cx="1721825" cy="276999"/>
+          </a:xfrm>
+          <a:prstGeom prst="rect">
+            <a:avLst/>
+          </a:prstGeom>
+          <a:noFill/>
+        </p:spPr>
+        <p:txBody>
+          <a:bodyPr wrap="square">
+            <a:spAutoFit/>
+          </a:bodyPr>
+          <a:lstStyle/>
+          <a:p>
+            <a:r>
+              <a:rPr lang="en-US" sz="1200" b="1" dirty="0">
+                <a:solidFill>
+                  <a:schemeClr val="tx1">
+                    <a:lumMod val="75000"/>
+                    <a:lumOff val="25000"/>
+                  </a:schemeClr>
+                </a:solidFill>
+              </a:rPr>
+              <a:t>Html file or URL source </a:t>
+            </a:r>
+            <a:endParaRPr lang="en-SG" sz="1200" b="1" dirty="0">
+              <a:solidFill>
+                <a:schemeClr val="tx1">
+                  <a:lumMod val="75000"/>
+                  <a:lumOff val="25000"/>
+                </a:schemeClr>
+              </a:solidFill>
+            </a:endParaRPr>
+          </a:p>
+        </p:txBody>
+      </p:sp>
+      <p:sp>
+        <p:nvSpPr>
+          <p:cNvPr id="22" name="TextBox 21">
+            <a:extLst>
+              <a:ext uri="{FF2B5EF4-FFF2-40B4-BE49-F238E27FC236}">
+                <a16:creationId xmlns:a16="http://schemas.microsoft.com/office/drawing/2014/main" id="{9795C82E-346F-5312-90D5-1696020C6D29}"/>
+              </a:ext>
+            </a:extLst>
+          </p:cNvPr>
+          <p:cNvSpPr txBox="1"/>
+          <p:nvPr/>
+        </p:nvSpPr>
+        <p:spPr>
+          <a:xfrm>
+            <a:off x="4780935" y="526830"/>
+            <a:ext cx="1721825" cy="276999"/>
+          </a:xfrm>
+          <a:prstGeom prst="rect">
+            <a:avLst/>
+          </a:prstGeom>
+          <a:noFill/>
+        </p:spPr>
+        <p:txBody>
+          <a:bodyPr wrap="square">
+            <a:spAutoFit/>
+          </a:bodyPr>
+          <a:lstStyle/>
+          <a:p>
+            <a:r>
+              <a:rPr lang="en-US" sz="1200" b="1" dirty="0">
+                <a:solidFill>
+                  <a:schemeClr val="tx1">
+                    <a:lumMod val="75000"/>
+                    <a:lumOff val="25000"/>
+                  </a:schemeClr>
+                </a:solidFill>
+              </a:rPr>
+              <a:t>PDF format source </a:t>
+            </a:r>
+            <a:endParaRPr lang="en-SG" sz="1200" b="1" dirty="0">
+              <a:solidFill>
+                <a:schemeClr val="tx1">
+                  <a:lumMod val="75000"/>
+                  <a:lumOff val="25000"/>
+                </a:schemeClr>
+              </a:solidFill>
+            </a:endParaRPr>
+          </a:p>
+        </p:txBody>
+      </p:sp>
+      <p:sp>
+        <p:nvSpPr>
+          <p:cNvPr id="23" name="TextBox 22">
+            <a:extLst>
+              <a:ext uri="{FF2B5EF4-FFF2-40B4-BE49-F238E27FC236}">
+                <a16:creationId xmlns:a16="http://schemas.microsoft.com/office/drawing/2014/main" id="{65E4351C-F44D-9E36-59F2-5BD3D58F3321}"/>
+              </a:ext>
+            </a:extLst>
+          </p:cNvPr>
+          <p:cNvSpPr txBox="1"/>
+          <p:nvPr/>
+        </p:nvSpPr>
+        <p:spPr>
+          <a:xfrm>
+            <a:off x="7636555" y="526830"/>
+            <a:ext cx="1721825" cy="276999"/>
+          </a:xfrm>
+          <a:prstGeom prst="rect">
+            <a:avLst/>
+          </a:prstGeom>
+          <a:noFill/>
+        </p:spPr>
+        <p:txBody>
+          <a:bodyPr wrap="square">
+            <a:spAutoFit/>
+          </a:bodyPr>
+          <a:lstStyle/>
+          <a:p>
+            <a:r>
+              <a:rPr lang="en-US" sz="1200" b="1" dirty="0">
+                <a:solidFill>
+                  <a:schemeClr val="tx1">
+                    <a:lumMod val="75000"/>
+                    <a:lumOff val="25000"/>
+                  </a:schemeClr>
+                </a:solidFill>
+              </a:rPr>
+              <a:t>Text format source </a:t>
+            </a:r>
+            <a:endParaRPr lang="en-SG" sz="1200" b="1" dirty="0">
+              <a:solidFill>
+                <a:schemeClr val="tx1">
+                  <a:lumMod val="75000"/>
+                  <a:lumOff val="25000"/>
+                </a:schemeClr>
+              </a:solidFill>
+            </a:endParaRPr>
+          </a:p>
+        </p:txBody>
+      </p:sp>
+      <p:cxnSp>
+        <p:nvCxnSpPr>
+          <p:cNvPr id="24" name="Straight Arrow Connector 23">
+            <a:extLst>
+              <a:ext uri="{FF2B5EF4-FFF2-40B4-BE49-F238E27FC236}">
+                <a16:creationId xmlns:a16="http://schemas.microsoft.com/office/drawing/2014/main" id="{6B9A162F-8FCD-C12A-CF05-2721888840C9}"/>
+              </a:ext>
+            </a:extLst>
+          </p:cNvPr>
+          <p:cNvCxnSpPr>
+            <a:cxnSpLocks/>
+          </p:cNvCxnSpPr>
+          <p:nvPr/>
+        </p:nvCxnSpPr>
+        <p:spPr>
+          <a:xfrm>
+            <a:off x="5390465" y="4259577"/>
+            <a:ext cx="0" cy="248415"/>
+          </a:xfrm>
+          <a:prstGeom prst="straightConnector1">
+            <a:avLst/>
+          </a:prstGeom>
+          <a:ln w="19050">
+            <a:tailEnd type="triangle"/>
+          </a:ln>
+        </p:spPr>
+        <p:style>
+          <a:lnRef idx="1">
+            <a:schemeClr val="accent1"/>
+          </a:lnRef>
+          <a:fillRef idx="0">
+            <a:schemeClr val="accent1"/>
+          </a:fillRef>
+          <a:effectRef idx="0">
+            <a:schemeClr val="accent1"/>
+          </a:effectRef>
+          <a:fontRef idx="minor">
+            <a:schemeClr val="tx1"/>
+          </a:fontRef>
+        </p:style>
+      </p:cxnSp>
+      <p:sp>
+        <p:nvSpPr>
+          <p:cNvPr id="32" name="TextBox 31">
+            <a:extLst>
+              <a:ext uri="{FF2B5EF4-FFF2-40B4-BE49-F238E27FC236}">
+                <a16:creationId xmlns:a16="http://schemas.microsoft.com/office/drawing/2014/main" id="{2B7CAF11-F159-292B-CE44-5B26BE2034EF}"/>
+              </a:ext>
+            </a:extLst>
+          </p:cNvPr>
+          <p:cNvSpPr txBox="1"/>
+          <p:nvPr/>
+        </p:nvSpPr>
+        <p:spPr>
+          <a:xfrm>
+            <a:off x="3415372" y="4551558"/>
+            <a:ext cx="6405284" cy="1785104"/>
+          </a:xfrm>
+          <a:prstGeom prst="rect">
+            <a:avLst/>
+          </a:prstGeom>
+          <a:solidFill>
+            <a:schemeClr val="tx1"/>
+          </a:solidFill>
+          <a:ln w="9525">
+            <a:solidFill>
+              <a:schemeClr val="tx1"/>
+            </a:solidFill>
+          </a:ln>
+        </p:spPr>
+        <p:txBody>
+          <a:bodyPr wrap="square" rtlCol="0">
+            <a:spAutoFit/>
+          </a:bodyPr>
+          <a:lstStyle/>
+          <a:p>
+            <a:r>
+              <a:rPr lang="en-US" sz="1100" b="1" dirty="0">
+                <a:solidFill>
+                  <a:schemeClr val="bg1"/>
+                </a:solidFill>
+              </a:rPr>
+              <a:t>Question: You perform a scan of your company’s network and discover that TCP port 123 is open. What services by default run on TCP port 123?</a:t>
+            </a:r>
+          </a:p>
+          <a:p>
+            <a:r>
+              <a:rPr lang="en-US" sz="1100" b="1" dirty="0">
+                <a:solidFill>
+                  <a:schemeClr val="bg1"/>
+                </a:solidFill>
+              </a:rPr>
+              <a:t>A. Telnet</a:t>
+            </a:r>
+          </a:p>
+          <a:p>
+            <a:r>
+              <a:rPr lang="en-US" sz="1100" b="1" dirty="0">
+                <a:solidFill>
+                  <a:schemeClr val="bg1"/>
+                </a:solidFill>
+              </a:rPr>
+              <a:t>B. POP3</a:t>
+            </a:r>
+          </a:p>
+          <a:p>
+            <a:r>
+              <a:rPr lang="en-US" sz="1100" b="1" dirty="0">
+                <a:solidFill>
+                  <a:schemeClr val="bg1"/>
+                </a:solidFill>
+              </a:rPr>
+              <a:t>C. Network Time Protocol</a:t>
+            </a:r>
+          </a:p>
+          <a:p>
+            <a:r>
+              <a:rPr lang="en-US" sz="1100" b="1" dirty="0">
+                <a:solidFill>
+                  <a:schemeClr val="bg1"/>
+                </a:solidFill>
+              </a:rPr>
+              <a:t>D. DNS</a:t>
+            </a:r>
+          </a:p>
+          <a:p>
+            <a:r>
+              <a:rPr lang="en-US" sz="1100" b="1" dirty="0">
+                <a:solidFill>
+                  <a:schemeClr val="bg1"/>
+                </a:solidFill>
+              </a:rPr>
+              <a:t>Answer: C</a:t>
+            </a:r>
+          </a:p>
+          <a:p>
+            <a:r>
+              <a:rPr lang="en-US" sz="1100" b="1" dirty="0" err="1">
+                <a:solidFill>
+                  <a:schemeClr val="bg1"/>
+                </a:solidFill>
+              </a:rPr>
+              <a:t>AiAns:C</a:t>
+            </a:r>
+            <a:endParaRPr lang="en-US" sz="1100" b="1" dirty="0">
+              <a:solidFill>
+                <a:schemeClr val="bg1"/>
+              </a:solidFill>
+            </a:endParaRPr>
+          </a:p>
+          <a:p>
+            <a:endParaRPr lang="en-US" sz="1100" b="1" dirty="0">
+              <a:solidFill>
+                <a:schemeClr val="bg1"/>
+              </a:solidFill>
+            </a:endParaRPr>
+          </a:p>
+          <a:p>
+            <a:r>
+              <a:rPr lang="en-US" sz="1100" b="1" dirty="0">
+                <a:solidFill>
+                  <a:schemeClr val="bg1"/>
+                </a:solidFill>
+              </a:rPr>
+              <a:t>AI Answer compare (correct / </a:t>
+            </a:r>
+            <a:r>
+              <a:rPr lang="en-US" sz="1100" b="1" dirty="0" err="1">
+                <a:solidFill>
+                  <a:schemeClr val="bg1"/>
+                </a:solidFill>
+              </a:rPr>
+              <a:t>totaol</a:t>
+            </a:r>
+            <a:r>
+              <a:rPr lang="en-US" sz="1100" b="1" dirty="0">
+                <a:solidFill>
+                  <a:schemeClr val="bg1"/>
+                </a:solidFill>
+              </a:rPr>
+              <a:t>) : 19 / 23 Correctness rate : 0.8260869565217391</a:t>
+            </a:r>
+            <a:endParaRPr lang="en-SG" sz="1100" b="1" dirty="0">
+              <a:solidFill>
+                <a:schemeClr val="bg1"/>
+              </a:solidFill>
+            </a:endParaRPr>
+          </a:p>
+        </p:txBody>
+      </p:sp>
+      <p:sp>
+        <p:nvSpPr>
+          <p:cNvPr id="33" name="TextBox 32">
+            <a:extLst>
+              <a:ext uri="{FF2B5EF4-FFF2-40B4-BE49-F238E27FC236}">
+                <a16:creationId xmlns:a16="http://schemas.microsoft.com/office/drawing/2014/main" id="{B2854675-5201-7830-5DC2-FF5F570E4AA7}"/>
+              </a:ext>
+            </a:extLst>
+          </p:cNvPr>
+          <p:cNvSpPr txBox="1"/>
+          <p:nvPr/>
+        </p:nvSpPr>
+        <p:spPr>
+          <a:xfrm>
+            <a:off x="3377052" y="4252776"/>
+            <a:ext cx="2013413" cy="276999"/>
+          </a:xfrm>
+          <a:prstGeom prst="rect">
+            <a:avLst/>
+          </a:prstGeom>
+          <a:noFill/>
+        </p:spPr>
+        <p:txBody>
+          <a:bodyPr wrap="square">
+            <a:spAutoFit/>
+          </a:bodyPr>
+          <a:lstStyle/>
+          <a:p>
+            <a:r>
+              <a:rPr lang="en-US" sz="1200" b="1" dirty="0">
+                <a:solidFill>
+                  <a:schemeClr val="tx1">
+                    <a:lumMod val="75000"/>
+                    <a:lumOff val="25000"/>
+                  </a:schemeClr>
+                </a:solidFill>
+              </a:rPr>
+              <a:t>Standard question bank:</a:t>
+            </a:r>
+            <a:endParaRPr lang="en-SG" sz="1200" b="1" dirty="0">
+              <a:solidFill>
+                <a:schemeClr val="tx1">
+                  <a:lumMod val="75000"/>
+                  <a:lumOff val="25000"/>
+                </a:schemeClr>
+              </a:solidFill>
+            </a:endParaRPr>
+          </a:p>
+        </p:txBody>
+      </p:sp>
+    </p:spTree>
+    <p:extLst>
+      <p:ext uri="{BB962C8B-B14F-4D97-AF65-F5344CB8AC3E}">
+        <p14:creationId xmlns:p14="http://schemas.microsoft.com/office/powerpoint/2010/main" val="3231736265"/>
       </p:ext>
     </p:extLst>
   </p:cSld>

--- a/doc/designDoc.pptx
+++ b/doc/designDoc.pptx
@@ -263,7 +263,7 @@
           <a:p>
             <a:fld id="{CDC0ED0E-9E26-476D-92D2-B594C12CD538}" type="datetimeFigureOut">
               <a:rPr lang="en-SG" smtClean="0"/>
-              <a:t>15/8/2023</a:t>
+              <a:t>21/8/2023</a:t>
             </a:fld>
             <a:endParaRPr lang="en-SG"/>
           </a:p>
@@ -463,7 +463,7 @@
           <a:p>
             <a:fld id="{CDC0ED0E-9E26-476D-92D2-B594C12CD538}" type="datetimeFigureOut">
               <a:rPr lang="en-SG" smtClean="0"/>
-              <a:t>15/8/2023</a:t>
+              <a:t>21/8/2023</a:t>
             </a:fld>
             <a:endParaRPr lang="en-SG"/>
           </a:p>
@@ -673,7 +673,7 @@
           <a:p>
             <a:fld id="{CDC0ED0E-9E26-476D-92D2-B594C12CD538}" type="datetimeFigureOut">
               <a:rPr lang="en-SG" smtClean="0"/>
-              <a:t>15/8/2023</a:t>
+              <a:t>21/8/2023</a:t>
             </a:fld>
             <a:endParaRPr lang="en-SG"/>
           </a:p>
@@ -873,7 +873,7 @@
           <a:p>
             <a:fld id="{CDC0ED0E-9E26-476D-92D2-B594C12CD538}" type="datetimeFigureOut">
               <a:rPr lang="en-SG" smtClean="0"/>
-              <a:t>15/8/2023</a:t>
+              <a:t>21/8/2023</a:t>
             </a:fld>
             <a:endParaRPr lang="en-SG"/>
           </a:p>
@@ -1149,7 +1149,7 @@
           <a:p>
             <a:fld id="{CDC0ED0E-9E26-476D-92D2-B594C12CD538}" type="datetimeFigureOut">
               <a:rPr lang="en-SG" smtClean="0"/>
-              <a:t>15/8/2023</a:t>
+              <a:t>21/8/2023</a:t>
             </a:fld>
             <a:endParaRPr lang="en-SG"/>
           </a:p>
@@ -1417,7 +1417,7 @@
           <a:p>
             <a:fld id="{CDC0ED0E-9E26-476D-92D2-B594C12CD538}" type="datetimeFigureOut">
               <a:rPr lang="en-SG" smtClean="0"/>
-              <a:t>15/8/2023</a:t>
+              <a:t>21/8/2023</a:t>
             </a:fld>
             <a:endParaRPr lang="en-SG"/>
           </a:p>
@@ -1832,7 +1832,7 @@
           <a:p>
             <a:fld id="{CDC0ED0E-9E26-476D-92D2-B594C12CD538}" type="datetimeFigureOut">
               <a:rPr lang="en-SG" smtClean="0"/>
-              <a:t>15/8/2023</a:t>
+              <a:t>21/8/2023</a:t>
             </a:fld>
             <a:endParaRPr lang="en-SG"/>
           </a:p>
@@ -1974,7 +1974,7 @@
           <a:p>
             <a:fld id="{CDC0ED0E-9E26-476D-92D2-B594C12CD538}" type="datetimeFigureOut">
               <a:rPr lang="en-SG" smtClean="0"/>
-              <a:t>15/8/2023</a:t>
+              <a:t>21/8/2023</a:t>
             </a:fld>
             <a:endParaRPr lang="en-SG"/>
           </a:p>
@@ -2087,7 +2087,7 @@
           <a:p>
             <a:fld id="{CDC0ED0E-9E26-476D-92D2-B594C12CD538}" type="datetimeFigureOut">
               <a:rPr lang="en-SG" smtClean="0"/>
-              <a:t>15/8/2023</a:t>
+              <a:t>21/8/2023</a:t>
             </a:fld>
             <a:endParaRPr lang="en-SG"/>
           </a:p>
@@ -2400,7 +2400,7 @@
           <a:p>
             <a:fld id="{CDC0ED0E-9E26-476D-92D2-B594C12CD538}" type="datetimeFigureOut">
               <a:rPr lang="en-SG" smtClean="0"/>
-              <a:t>15/8/2023</a:t>
+              <a:t>21/8/2023</a:t>
             </a:fld>
             <a:endParaRPr lang="en-SG"/>
           </a:p>
@@ -2689,7 +2689,7 @@
           <a:p>
             <a:fld id="{CDC0ED0E-9E26-476D-92D2-B594C12CD538}" type="datetimeFigureOut">
               <a:rPr lang="en-SG" smtClean="0"/>
-              <a:t>15/8/2023</a:t>
+              <a:t>21/8/2023</a:t>
             </a:fld>
             <a:endParaRPr lang="en-SG"/>
           </a:p>
@@ -2932,7 +2932,7 @@
           <a:p>
             <a:fld id="{CDC0ED0E-9E26-476D-92D2-B594C12CD538}" type="datetimeFigureOut">
               <a:rPr lang="en-SG" smtClean="0"/>
-              <a:t>15/8/2023</a:t>
+              <a:t>21/8/2023</a:t>
             </a:fld>
             <a:endParaRPr lang="en-SG"/>
           </a:p>
@@ -8460,23 +8460,7 @@
                   <a:schemeClr val="bg1"/>
                 </a:solidFill>
               </a:rPr>
-              <a:t>AI Answer compare (correct / </a:t>
-            </a:r>
-            <a:r>
-              <a:rPr lang="en-US" sz="1100" b="1" dirty="0" err="1">
-                <a:solidFill>
-                  <a:schemeClr val="bg1"/>
-                </a:solidFill>
-              </a:rPr>
-              <a:t>totaol</a:t>
-            </a:r>
-            <a:r>
-              <a:rPr lang="en-US" sz="1100" b="1" dirty="0">
-                <a:solidFill>
-                  <a:schemeClr val="bg1"/>
-                </a:solidFill>
-              </a:rPr>
-              <a:t>) : 19 / 23 Correctness rate : 0.8260869565217391</a:t>
+              <a:t>AI Answer compare (correct / total) : 19 / 23 Correctness rate : 0.8260869565217391</a:t>
             </a:r>
             <a:endParaRPr lang="en-SG" sz="1100" b="1" dirty="0">
               <a:solidFill>

--- a/doc/designDoc.pptx
+++ b/doc/designDoc.pptx
@@ -3888,7 +3888,7 @@
         </p:blipFill>
         <p:spPr>
           <a:xfrm>
-            <a:off x="6435538" y="1652435"/>
+            <a:off x="6387025" y="1631194"/>
             <a:ext cx="493484" cy="501895"/>
           </a:xfrm>
           <a:prstGeom prst="rect">
@@ -3923,7 +3923,7 @@
         </p:blipFill>
         <p:spPr>
           <a:xfrm>
-            <a:off x="6504144" y="2444204"/>
+            <a:off x="6379683" y="2458367"/>
             <a:ext cx="469333" cy="495589"/>
           </a:xfrm>
           <a:prstGeom prst="rect">
@@ -4185,7 +4185,7 @@
         </p:nvSpPr>
         <p:spPr>
           <a:xfrm>
-            <a:off x="5381500" y="2215104"/>
+            <a:off x="5381500" y="2184199"/>
             <a:ext cx="1122644" cy="261610"/>
           </a:xfrm>
           <a:prstGeom prst="rect">
@@ -4235,8 +4235,8 @@
         </p:nvSpPr>
         <p:spPr>
           <a:xfrm>
-            <a:off x="6469174" y="2215104"/>
-            <a:ext cx="1402357" cy="261610"/>
+            <a:off x="6352497" y="2208051"/>
+            <a:ext cx="455312" cy="261610"/>
           </a:xfrm>
           <a:prstGeom prst="rect">
             <a:avLst/>
@@ -4258,16 +4258,8 @@
                   </a:schemeClr>
                 </a:solidFill>
               </a:rPr>
-              <a:t>URL ( without login )</a:t>
-            </a:r>
-            <a:endParaRPr lang="en-SG" sz="1100" b="1" dirty="0">
-              <a:solidFill>
-                <a:schemeClr val="tx1">
-                  <a:lumMod val="75000"/>
-                  <a:lumOff val="25000"/>
-                </a:schemeClr>
-              </a:solidFill>
-            </a:endParaRPr>
+              <a:t>URL </a:t>
+            </a:r>
           </a:p>
         </p:txBody>
       </p:sp>
@@ -5793,6 +5785,130 @@
                 </a:schemeClr>
               </a:solidFill>
             </a:endParaRPr>
+          </a:p>
+        </p:txBody>
+      </p:sp>
+      <p:pic>
+        <p:nvPicPr>
+          <p:cNvPr id="1026" name="Picture 2" descr="Json file - Free ui icons">
+            <a:extLst>
+              <a:ext uri="{FF2B5EF4-FFF2-40B4-BE49-F238E27FC236}">
+                <a16:creationId xmlns:a16="http://schemas.microsoft.com/office/drawing/2014/main" id="{16548107-C65D-7F47-4074-637C620A8AF7}"/>
+              </a:ext>
+            </a:extLst>
+          </p:cNvPr>
+          <p:cNvPicPr>
+            <a:picLocks noChangeAspect="1" noChangeArrowheads="1"/>
+          </p:cNvPicPr>
+          <p:nvPr/>
+        </p:nvPicPr>
+        <p:blipFill>
+          <a:blip r:embed="rId11">
+            <a:extLst>
+              <a:ext uri="{28A0092B-C50C-407E-A947-70E740481C1C}">
+                <a14:useLocalDpi xmlns:a14="http://schemas.microsoft.com/office/drawing/2010/main" val="0"/>
+              </a:ext>
+            </a:extLst>
+          </a:blip>
+          <a:srcRect/>
+          <a:stretch>
+            <a:fillRect/>
+          </a:stretch>
+        </p:blipFill>
+        <p:spPr bwMode="auto">
+          <a:xfrm>
+            <a:off x="7220426" y="2378782"/>
+            <a:ext cx="597516" cy="597516"/>
+          </a:xfrm>
+          <a:prstGeom prst="rect">
+            <a:avLst/>
+          </a:prstGeom>
+          <a:noFill/>
+          <a:extLst>
+            <a:ext uri="{909E8E84-426E-40DD-AFC4-6F175D3DCCD1}">
+              <a14:hiddenFill xmlns:a14="http://schemas.microsoft.com/office/drawing/2010/main">
+                <a:solidFill>
+                  <a:srgbClr val="FFFFFF"/>
+                </a:solidFill>
+              </a14:hiddenFill>
+            </a:ext>
+          </a:extLst>
+        </p:spPr>
+      </p:pic>
+      <p:sp>
+        <p:nvSpPr>
+          <p:cNvPr id="10" name="TextBox 9">
+            <a:extLst>
+              <a:ext uri="{FF2B5EF4-FFF2-40B4-BE49-F238E27FC236}">
+                <a16:creationId xmlns:a16="http://schemas.microsoft.com/office/drawing/2014/main" id="{86A6BDE8-5473-B638-3C53-540B1A435430}"/>
+              </a:ext>
+            </a:extLst>
+          </p:cNvPr>
+          <p:cNvSpPr txBox="1"/>
+          <p:nvPr/>
+        </p:nvSpPr>
+        <p:spPr>
+          <a:xfrm>
+            <a:off x="7195104" y="2198331"/>
+            <a:ext cx="1027171" cy="261610"/>
+          </a:xfrm>
+          <a:prstGeom prst="rect">
+            <a:avLst/>
+          </a:prstGeom>
+          <a:noFill/>
+        </p:spPr>
+        <p:txBody>
+          <a:bodyPr wrap="square">
+            <a:spAutoFit/>
+          </a:bodyPr>
+          <a:lstStyle/>
+          <a:p>
+            <a:r>
+              <a:rPr lang="en-US" sz="1100" b="1" dirty="0">
+                <a:solidFill>
+                  <a:schemeClr val="tx1">
+                    <a:lumMod val="75000"/>
+                    <a:lumOff val="25000"/>
+                  </a:schemeClr>
+                </a:solidFill>
+              </a:rPr>
+              <a:t>Json format  </a:t>
+            </a:r>
+          </a:p>
+        </p:txBody>
+      </p:sp>
+      <p:sp>
+        <p:nvSpPr>
+          <p:cNvPr id="12" name="TextBox 11">
+            <a:extLst>
+              <a:ext uri="{FF2B5EF4-FFF2-40B4-BE49-F238E27FC236}">
+                <a16:creationId xmlns:a16="http://schemas.microsoft.com/office/drawing/2014/main" id="{982D6406-DCFB-B1A7-5C8C-A4F0C032512C}"/>
+              </a:ext>
+            </a:extLst>
+          </p:cNvPr>
+          <p:cNvSpPr txBox="1"/>
+          <p:nvPr/>
+        </p:nvSpPr>
+        <p:spPr>
+          <a:xfrm>
+            <a:off x="6580153" y="2194379"/>
+            <a:ext cx="707037" cy="400110"/>
+          </a:xfrm>
+          <a:prstGeom prst="rect">
+            <a:avLst/>
+          </a:prstGeom>
+          <a:noFill/>
+        </p:spPr>
+        <p:txBody>
+          <a:bodyPr wrap="square" rtlCol="0">
+            <a:spAutoFit/>
+          </a:bodyPr>
+          <a:lstStyle/>
+          <a:p>
+            <a:r>
+              <a:rPr lang="en-SG" sz="1000" dirty="0"/>
+              <a:t>( Without login)</a:t>
+            </a:r>
           </a:p>
         </p:txBody>
       </p:sp>
@@ -7960,57 +8076,14 @@
         </p:blipFill>
         <p:spPr>
           <a:xfrm>
-            <a:off x="7073697" y="803829"/>
-            <a:ext cx="2847543" cy="2674964"/>
+            <a:off x="7235885" y="904454"/>
+            <a:ext cx="1833590" cy="1722463"/>
           </a:xfrm>
           <a:prstGeom prst="rect">
             <a:avLst/>
           </a:prstGeom>
         </p:spPr>
       </p:pic>
-      <p:cxnSp>
-        <p:nvCxnSpPr>
-          <p:cNvPr id="11" name="Straight Arrow Connector 10">
-            <a:extLst>
-              <a:ext uri="{FF2B5EF4-FFF2-40B4-BE49-F238E27FC236}">
-                <a16:creationId xmlns:a16="http://schemas.microsoft.com/office/drawing/2014/main" id="{3712FD27-2EAF-255E-3760-0BFE84F8F448}"/>
-              </a:ext>
-            </a:extLst>
-          </p:cNvPr>
-          <p:cNvCxnSpPr>
-            <a:cxnSpLocks/>
-            <a:stCxn id="5" idx="2"/>
-            <a:endCxn id="18" idx="1"/>
-          </p:cNvCxnSpPr>
-          <p:nvPr/>
-        </p:nvCxnSpPr>
-        <p:spPr>
-          <a:xfrm>
-            <a:off x="2328692" y="3485117"/>
-            <a:ext cx="2356238" cy="533221"/>
-          </a:xfrm>
-          <a:prstGeom prst="straightConnector1">
-            <a:avLst/>
-          </a:prstGeom>
-          <a:ln w="19050">
-            <a:tailEnd type="triangle"/>
-          </a:ln>
-        </p:spPr>
-        <p:style>
-          <a:lnRef idx="1">
-            <a:schemeClr val="accent1"/>
-          </a:lnRef>
-          <a:fillRef idx="0">
-            <a:schemeClr val="accent1"/>
-          </a:fillRef>
-          <a:effectRef idx="0">
-            <a:schemeClr val="accent1"/>
-          </a:effectRef>
-          <a:fontRef idx="minor">
-            <a:schemeClr val="tx1"/>
-          </a:fontRef>
-        </p:style>
-      </p:cxnSp>
       <p:cxnSp>
         <p:nvCxnSpPr>
           <p:cNvPr id="12" name="Straight Arrow Connector 11">
@@ -8031,49 +8104,6 @@
           <a:xfrm flipH="1">
             <a:off x="5390465" y="3485117"/>
             <a:ext cx="459" cy="291981"/>
-          </a:xfrm>
-          <a:prstGeom prst="straightConnector1">
-            <a:avLst/>
-          </a:prstGeom>
-          <a:ln w="19050">
-            <a:tailEnd type="triangle"/>
-          </a:ln>
-        </p:spPr>
-        <p:style>
-          <a:lnRef idx="1">
-            <a:schemeClr val="accent1"/>
-          </a:lnRef>
-          <a:fillRef idx="0">
-            <a:schemeClr val="accent1"/>
-          </a:fillRef>
-          <a:effectRef idx="0">
-            <a:schemeClr val="accent1"/>
-          </a:effectRef>
-          <a:fontRef idx="minor">
-            <a:schemeClr val="tx1"/>
-          </a:fontRef>
-        </p:style>
-      </p:cxnSp>
-      <p:cxnSp>
-        <p:nvCxnSpPr>
-          <p:cNvPr id="15" name="Straight Arrow Connector 14">
-            <a:extLst>
-              <a:ext uri="{FF2B5EF4-FFF2-40B4-BE49-F238E27FC236}">
-                <a16:creationId xmlns:a16="http://schemas.microsoft.com/office/drawing/2014/main" id="{D62D8ABA-D21A-7633-54D0-B18872B0CAEB}"/>
-              </a:ext>
-            </a:extLst>
-          </p:cNvPr>
-          <p:cNvCxnSpPr>
-            <a:cxnSpLocks/>
-            <a:stCxn id="9" idx="2"/>
-            <a:endCxn id="18" idx="3"/>
-          </p:cNvCxnSpPr>
-          <p:nvPr/>
-        </p:nvCxnSpPr>
-        <p:spPr>
-          <a:xfrm flipH="1">
-            <a:off x="6096000" y="3478793"/>
-            <a:ext cx="2401469" cy="539545"/>
           </a:xfrm>
           <a:prstGeom prst="straightConnector1">
             <a:avLst/>
@@ -8517,6 +8547,293 @@
                 </a:schemeClr>
               </a:solidFill>
             </a:endParaRPr>
+          </a:p>
+        </p:txBody>
+      </p:sp>
+      <p:pic>
+        <p:nvPicPr>
+          <p:cNvPr id="6" name="Picture 5">
+            <a:extLst>
+              <a:ext uri="{FF2B5EF4-FFF2-40B4-BE49-F238E27FC236}">
+                <a16:creationId xmlns:a16="http://schemas.microsoft.com/office/drawing/2014/main" id="{C9BFE198-9058-F5D9-1E6C-49CB41FF6136}"/>
+              </a:ext>
+            </a:extLst>
+          </p:cNvPr>
+          <p:cNvPicPr>
+            <a:picLocks noChangeAspect="1"/>
+          </p:cNvPicPr>
+          <p:nvPr/>
+        </p:nvPicPr>
+        <p:blipFill rotWithShape="1">
+          <a:blip r:embed="rId5"/>
+          <a:srcRect b="31394"/>
+          <a:stretch/>
+        </p:blipFill>
+        <p:spPr>
+          <a:xfrm>
+            <a:off x="9140525" y="904454"/>
+            <a:ext cx="2300093" cy="1133655"/>
+          </a:xfrm>
+          <a:prstGeom prst="rect">
+            <a:avLst/>
+          </a:prstGeom>
+        </p:spPr>
+      </p:pic>
+      <p:pic>
+        <p:nvPicPr>
+          <p:cNvPr id="10" name="Picture 9">
+            <a:extLst>
+              <a:ext uri="{FF2B5EF4-FFF2-40B4-BE49-F238E27FC236}">
+                <a16:creationId xmlns:a16="http://schemas.microsoft.com/office/drawing/2014/main" id="{714C7E34-894D-16C3-3695-5D45771DBFC2}"/>
+              </a:ext>
+            </a:extLst>
+          </p:cNvPr>
+          <p:cNvPicPr>
+            <a:picLocks noChangeAspect="1"/>
+          </p:cNvPicPr>
+          <p:nvPr/>
+        </p:nvPicPr>
+        <p:blipFill>
+          <a:blip r:embed="rId6"/>
+          <a:stretch>
+            <a:fillRect/>
+          </a:stretch>
+        </p:blipFill>
+        <p:spPr>
+          <a:xfrm>
+            <a:off x="9167141" y="2157770"/>
+            <a:ext cx="2278527" cy="1234657"/>
+          </a:xfrm>
+          <a:prstGeom prst="rect">
+            <a:avLst/>
+          </a:prstGeom>
+          <a:ln w="6350">
+            <a:solidFill>
+              <a:schemeClr val="tx1"/>
+            </a:solidFill>
+          </a:ln>
+        </p:spPr>
+      </p:pic>
+      <p:sp>
+        <p:nvSpPr>
+          <p:cNvPr id="14" name="Rectangle 13">
+            <a:extLst>
+              <a:ext uri="{FF2B5EF4-FFF2-40B4-BE49-F238E27FC236}">
+                <a16:creationId xmlns:a16="http://schemas.microsoft.com/office/drawing/2014/main" id="{30CA1785-31CC-B8C8-56C0-BA1E01C4E5D9}"/>
+              </a:ext>
+            </a:extLst>
+          </p:cNvPr>
+          <p:cNvSpPr/>
+          <p:nvPr/>
+        </p:nvSpPr>
+        <p:spPr>
+          <a:xfrm>
+            <a:off x="7138219" y="830424"/>
+            <a:ext cx="4426939" cy="2711753"/>
+          </a:xfrm>
+          <a:prstGeom prst="rect">
+            <a:avLst/>
+          </a:prstGeom>
+          <a:noFill/>
+          <a:ln w="9525" cap="flat" cmpd="sng" algn="ctr">
+            <a:solidFill>
+              <a:schemeClr val="dk1"/>
+            </a:solidFill>
+            <a:prstDash val="solid"/>
+            <a:round/>
+            <a:headEnd type="none" w="med" len="med"/>
+            <a:tailEnd type="none" w="med" len="med"/>
+          </a:ln>
+        </p:spPr>
+        <p:style>
+          <a:lnRef idx="0">
+            <a:scrgbClr r="0" g="0" b="0"/>
+          </a:lnRef>
+          <a:fillRef idx="0">
+            <a:scrgbClr r="0" g="0" b="0"/>
+          </a:fillRef>
+          <a:effectRef idx="0">
+            <a:scrgbClr r="0" g="0" b="0"/>
+          </a:effectRef>
+          <a:fontRef idx="minor">
+            <a:schemeClr val="dk1"/>
+          </a:fontRef>
+        </p:style>
+        <p:txBody>
+          <a:bodyPr rtlCol="0" anchor="ctr"/>
+          <a:lstStyle/>
+          <a:p>
+            <a:pPr algn="ctr"/>
+            <a:endParaRPr lang="en-SG" dirty="0"/>
+          </a:p>
+        </p:txBody>
+      </p:sp>
+      <p:cxnSp>
+        <p:nvCxnSpPr>
+          <p:cNvPr id="19" name="Connector: Elbow 18">
+            <a:extLst>
+              <a:ext uri="{FF2B5EF4-FFF2-40B4-BE49-F238E27FC236}">
+                <a16:creationId xmlns:a16="http://schemas.microsoft.com/office/drawing/2014/main" id="{3D5BA2B6-2B97-7426-ED6C-A2D678A2D937}"/>
+              </a:ext>
+            </a:extLst>
+          </p:cNvPr>
+          <p:cNvCxnSpPr>
+            <a:stCxn id="5" idx="2"/>
+            <a:endCxn id="18" idx="1"/>
+          </p:cNvCxnSpPr>
+          <p:nvPr/>
+        </p:nvCxnSpPr>
+        <p:spPr>
+          <a:xfrm rot="16200000" flipH="1">
+            <a:off x="3240201" y="2573608"/>
+            <a:ext cx="533221" cy="2356238"/>
+          </a:xfrm>
+          <a:prstGeom prst="bentConnector2">
+            <a:avLst/>
+          </a:prstGeom>
+          <a:ln w="19050">
+            <a:tailEnd type="triangle"/>
+          </a:ln>
+        </p:spPr>
+        <p:style>
+          <a:lnRef idx="1">
+            <a:schemeClr val="accent1"/>
+          </a:lnRef>
+          <a:fillRef idx="0">
+            <a:schemeClr val="accent1"/>
+          </a:fillRef>
+          <a:effectRef idx="0">
+            <a:schemeClr val="accent1"/>
+          </a:effectRef>
+          <a:fontRef idx="minor">
+            <a:schemeClr val="tx1"/>
+          </a:fontRef>
+        </p:style>
+      </p:cxnSp>
+      <p:cxnSp>
+        <p:nvCxnSpPr>
+          <p:cNvPr id="20" name="Connector: Elbow 19">
+            <a:extLst>
+              <a:ext uri="{FF2B5EF4-FFF2-40B4-BE49-F238E27FC236}">
+                <a16:creationId xmlns:a16="http://schemas.microsoft.com/office/drawing/2014/main" id="{92E51328-0637-79DD-AABA-7E7974C29CBC}"/>
+              </a:ext>
+            </a:extLst>
+          </p:cNvPr>
+          <p:cNvCxnSpPr>
+            <a:cxnSpLocks/>
+            <a:stCxn id="14" idx="2"/>
+            <a:endCxn id="18" idx="3"/>
+          </p:cNvCxnSpPr>
+          <p:nvPr/>
+        </p:nvCxnSpPr>
+        <p:spPr>
+          <a:xfrm rot="5400000">
+            <a:off x="7485765" y="2152413"/>
+            <a:ext cx="476161" cy="3255689"/>
+          </a:xfrm>
+          <a:prstGeom prst="bentConnector2">
+            <a:avLst/>
+          </a:prstGeom>
+          <a:ln w="19050">
+            <a:tailEnd type="triangle"/>
+          </a:ln>
+        </p:spPr>
+        <p:style>
+          <a:lnRef idx="1">
+            <a:schemeClr val="accent1"/>
+          </a:lnRef>
+          <a:fillRef idx="0">
+            <a:schemeClr val="accent1"/>
+          </a:fillRef>
+          <a:effectRef idx="0">
+            <a:schemeClr val="accent1"/>
+          </a:effectRef>
+          <a:fontRef idx="minor">
+            <a:schemeClr val="tx1"/>
+          </a:fontRef>
+        </p:style>
+      </p:cxnSp>
+      <p:sp>
+        <p:nvSpPr>
+          <p:cNvPr id="27" name="TextBox 26">
+            <a:extLst>
+              <a:ext uri="{FF2B5EF4-FFF2-40B4-BE49-F238E27FC236}">
+                <a16:creationId xmlns:a16="http://schemas.microsoft.com/office/drawing/2014/main" id="{A05261C9-E991-754B-49D7-B80630EB2288}"/>
+              </a:ext>
+            </a:extLst>
+          </p:cNvPr>
+          <p:cNvSpPr txBox="1"/>
+          <p:nvPr/>
+        </p:nvSpPr>
+        <p:spPr>
+          <a:xfrm>
+            <a:off x="7195104" y="2198331"/>
+            <a:ext cx="1027171" cy="261610"/>
+          </a:xfrm>
+          <a:prstGeom prst="rect">
+            <a:avLst/>
+          </a:prstGeom>
+          <a:noFill/>
+        </p:spPr>
+        <p:txBody>
+          <a:bodyPr wrap="square">
+            <a:spAutoFit/>
+          </a:bodyPr>
+          <a:lstStyle/>
+          <a:p>
+            <a:r>
+              <a:rPr lang="en-US" sz="1100" b="1" dirty="0">
+                <a:solidFill>
+                  <a:schemeClr val="tx1">
+                    <a:lumMod val="75000"/>
+                    <a:lumOff val="25000"/>
+                  </a:schemeClr>
+                </a:solidFill>
+              </a:rPr>
+              <a:t>Json format  </a:t>
+            </a:r>
+          </a:p>
+        </p:txBody>
+      </p:sp>
+      <p:sp>
+        <p:nvSpPr>
+          <p:cNvPr id="28" name="TextBox 27">
+            <a:extLst>
+              <a:ext uri="{FF2B5EF4-FFF2-40B4-BE49-F238E27FC236}">
+                <a16:creationId xmlns:a16="http://schemas.microsoft.com/office/drawing/2014/main" id="{C8633CDE-98FD-D5F6-6824-28D97F0F1E0B}"/>
+              </a:ext>
+            </a:extLst>
+          </p:cNvPr>
+          <p:cNvSpPr txBox="1"/>
+          <p:nvPr/>
+        </p:nvSpPr>
+        <p:spPr>
+          <a:xfrm>
+            <a:off x="7233408" y="2758525"/>
+            <a:ext cx="1441511" cy="430887"/>
+          </a:xfrm>
+          <a:prstGeom prst="rect">
+            <a:avLst/>
+          </a:prstGeom>
+          <a:noFill/>
+        </p:spPr>
+        <p:txBody>
+          <a:bodyPr wrap="square">
+            <a:spAutoFit/>
+          </a:bodyPr>
+          <a:lstStyle/>
+          <a:p>
+            <a:r>
+              <a:rPr lang="en-US" sz="1100" b="1" dirty="0">
+                <a:solidFill>
+                  <a:schemeClr val="tx1">
+                    <a:lumMod val="75000"/>
+                    <a:lumOff val="25000"/>
+                  </a:schemeClr>
+                </a:solidFill>
+              </a:rPr>
+              <a:t>Txt, CSV, markdown or Json</a:t>
+            </a:r>
           </a:p>
         </p:txBody>
       </p:sp>

--- a/doc/designDoc.pptx
+++ b/doc/designDoc.pptx
@@ -6,8 +6,9 @@
   </p:sldMasterIdLst>
   <p:sldIdLst>
     <p:sldId id="256" r:id="rId2"/>
-    <p:sldId id="257" r:id="rId3"/>
-    <p:sldId id="258" r:id="rId4"/>
+    <p:sldId id="259" r:id="rId3"/>
+    <p:sldId id="257" r:id="rId4"/>
+    <p:sldId id="258" r:id="rId5"/>
   </p:sldIdLst>
   <p:sldSz cx="12192000" cy="6858000"/>
   <p:notesSz cx="6858000" cy="9144000"/>
@@ -5942,6 +5943,456 @@
           <a:chExt cx="0" cy="0"/>
         </a:xfrm>
       </p:grpSpPr>
+      <p:pic>
+        <p:nvPicPr>
+          <p:cNvPr id="9" name="Picture 8">
+            <a:extLst>
+              <a:ext uri="{FF2B5EF4-FFF2-40B4-BE49-F238E27FC236}">
+                <a16:creationId xmlns:a16="http://schemas.microsoft.com/office/drawing/2014/main" id="{147DE913-8C89-76B8-D954-664AD139BE9E}"/>
+              </a:ext>
+            </a:extLst>
+          </p:cNvPr>
+          <p:cNvPicPr>
+            <a:picLocks noChangeAspect="1"/>
+          </p:cNvPicPr>
+          <p:nvPr/>
+        </p:nvPicPr>
+        <p:blipFill>
+          <a:blip r:embed="rId2"/>
+          <a:stretch>
+            <a:fillRect/>
+          </a:stretch>
+        </p:blipFill>
+        <p:spPr>
+          <a:xfrm>
+            <a:off x="3326213" y="1691157"/>
+            <a:ext cx="1431139" cy="1448382"/>
+          </a:xfrm>
+          <a:prstGeom prst="rect">
+            <a:avLst/>
+          </a:prstGeom>
+          <a:ln w="3175">
+            <a:solidFill>
+              <a:schemeClr val="tx1"/>
+            </a:solidFill>
+          </a:ln>
+        </p:spPr>
+      </p:pic>
+      <p:pic>
+        <p:nvPicPr>
+          <p:cNvPr id="11" name="Picture 10">
+            <a:extLst>
+              <a:ext uri="{FF2B5EF4-FFF2-40B4-BE49-F238E27FC236}">
+                <a16:creationId xmlns:a16="http://schemas.microsoft.com/office/drawing/2014/main" id="{FE97D440-E913-FC4C-9C5C-E596CA82E834}"/>
+              </a:ext>
+            </a:extLst>
+          </p:cNvPr>
+          <p:cNvPicPr>
+            <a:picLocks noChangeAspect="1"/>
+          </p:cNvPicPr>
+          <p:nvPr/>
+        </p:nvPicPr>
+        <p:blipFill>
+          <a:blip r:embed="rId3"/>
+          <a:stretch>
+            <a:fillRect/>
+          </a:stretch>
+        </p:blipFill>
+        <p:spPr>
+          <a:xfrm>
+            <a:off x="3679887" y="1691157"/>
+            <a:ext cx="706762" cy="687557"/>
+          </a:xfrm>
+          <a:prstGeom prst="rect">
+            <a:avLst/>
+          </a:prstGeom>
+        </p:spPr>
+      </p:pic>
+      <p:pic>
+        <p:nvPicPr>
+          <p:cNvPr id="5" name="Picture 4">
+            <a:extLst>
+              <a:ext uri="{FF2B5EF4-FFF2-40B4-BE49-F238E27FC236}">
+                <a16:creationId xmlns:a16="http://schemas.microsoft.com/office/drawing/2014/main" id="{145F52E5-B33C-AF6B-E4A3-F305F5BF21C7}"/>
+              </a:ext>
+            </a:extLst>
+          </p:cNvPr>
+          <p:cNvPicPr>
+            <a:picLocks noChangeAspect="1"/>
+          </p:cNvPicPr>
+          <p:nvPr/>
+        </p:nvPicPr>
+        <p:blipFill>
+          <a:blip r:embed="rId4"/>
+          <a:stretch>
+            <a:fillRect/>
+          </a:stretch>
+        </p:blipFill>
+        <p:spPr>
+          <a:xfrm>
+            <a:off x="1337155" y="1637977"/>
+            <a:ext cx="1411433" cy="1448382"/>
+          </a:xfrm>
+          <a:prstGeom prst="rect">
+            <a:avLst/>
+          </a:prstGeom>
+          <a:ln w="9525">
+            <a:solidFill>
+              <a:schemeClr val="tx1"/>
+            </a:solidFill>
+          </a:ln>
+        </p:spPr>
+      </p:pic>
+      <p:pic>
+        <p:nvPicPr>
+          <p:cNvPr id="7" name="Picture 6">
+            <a:extLst>
+              <a:ext uri="{FF2B5EF4-FFF2-40B4-BE49-F238E27FC236}">
+                <a16:creationId xmlns:a16="http://schemas.microsoft.com/office/drawing/2014/main" id="{86B4B6D6-999F-5907-DEA3-8857AA5CC28F}"/>
+              </a:ext>
+            </a:extLst>
+          </p:cNvPr>
+          <p:cNvPicPr>
+            <a:picLocks noChangeAspect="1"/>
+          </p:cNvPicPr>
+          <p:nvPr/>
+        </p:nvPicPr>
+        <p:blipFill rotWithShape="1">
+          <a:blip r:embed="rId5"/>
+          <a:srcRect l="76289"/>
+          <a:stretch/>
+        </p:blipFill>
+        <p:spPr>
+          <a:xfrm>
+            <a:off x="5425843" y="1691157"/>
+            <a:ext cx="917873" cy="1134644"/>
+          </a:xfrm>
+          <a:prstGeom prst="rect">
+            <a:avLst/>
+          </a:prstGeom>
+          <a:ln w="9525">
+            <a:solidFill>
+              <a:schemeClr val="tx1"/>
+            </a:solidFill>
+          </a:ln>
+        </p:spPr>
+      </p:pic>
+      <p:pic>
+        <p:nvPicPr>
+          <p:cNvPr id="12" name="Picture 11">
+            <a:extLst>
+              <a:ext uri="{FF2B5EF4-FFF2-40B4-BE49-F238E27FC236}">
+                <a16:creationId xmlns:a16="http://schemas.microsoft.com/office/drawing/2014/main" id="{2199E26E-03A4-047B-E22D-EE52AA3DD599}"/>
+              </a:ext>
+            </a:extLst>
+          </p:cNvPr>
+          <p:cNvPicPr>
+            <a:picLocks noChangeAspect="1"/>
+          </p:cNvPicPr>
+          <p:nvPr/>
+        </p:nvPicPr>
+        <p:blipFill rotWithShape="1">
+          <a:blip r:embed="rId5"/>
+          <a:srcRect l="50086" r="23420"/>
+          <a:stretch/>
+        </p:blipFill>
+        <p:spPr>
+          <a:xfrm>
+            <a:off x="5765406" y="2114014"/>
+            <a:ext cx="1025611" cy="1134644"/>
+          </a:xfrm>
+          <a:prstGeom prst="rect">
+            <a:avLst/>
+          </a:prstGeom>
+          <a:ln w="9525">
+            <a:solidFill>
+              <a:schemeClr val="tx1"/>
+            </a:solidFill>
+          </a:ln>
+        </p:spPr>
+      </p:pic>
+      <p:pic>
+        <p:nvPicPr>
+          <p:cNvPr id="13" name="Picture 12">
+            <a:extLst>
+              <a:ext uri="{FF2B5EF4-FFF2-40B4-BE49-F238E27FC236}">
+                <a16:creationId xmlns:a16="http://schemas.microsoft.com/office/drawing/2014/main" id="{E0C5A370-2A94-7B15-5C63-EE1A317A15EC}"/>
+              </a:ext>
+            </a:extLst>
+          </p:cNvPr>
+          <p:cNvPicPr>
+            <a:picLocks noChangeAspect="1"/>
+          </p:cNvPicPr>
+          <p:nvPr/>
+        </p:nvPicPr>
+        <p:blipFill rotWithShape="1">
+          <a:blip r:embed="rId5"/>
+          <a:srcRect r="74783"/>
+          <a:stretch/>
+        </p:blipFill>
+        <p:spPr>
+          <a:xfrm>
+            <a:off x="6426595" y="1783594"/>
+            <a:ext cx="976184" cy="1134644"/>
+          </a:xfrm>
+          <a:prstGeom prst="rect">
+            <a:avLst/>
+          </a:prstGeom>
+          <a:ln w="9525">
+            <a:solidFill>
+              <a:schemeClr val="tx1"/>
+            </a:solidFill>
+          </a:ln>
+        </p:spPr>
+      </p:pic>
+      <p:sp>
+        <p:nvSpPr>
+          <p:cNvPr id="14" name="TextBox 13">
+            <a:extLst>
+              <a:ext uri="{FF2B5EF4-FFF2-40B4-BE49-F238E27FC236}">
+                <a16:creationId xmlns:a16="http://schemas.microsoft.com/office/drawing/2014/main" id="{14802D00-3005-C54B-A828-F4CF315C02CF}"/>
+              </a:ext>
+            </a:extLst>
+          </p:cNvPr>
+          <p:cNvSpPr txBox="1"/>
+          <p:nvPr/>
+        </p:nvSpPr>
+        <p:spPr>
+          <a:xfrm>
+            <a:off x="1337155" y="1349690"/>
+            <a:ext cx="1721825" cy="276999"/>
+          </a:xfrm>
+          <a:prstGeom prst="rect">
+            <a:avLst/>
+          </a:prstGeom>
+          <a:noFill/>
+        </p:spPr>
+        <p:txBody>
+          <a:bodyPr wrap="square">
+            <a:spAutoFit/>
+          </a:bodyPr>
+          <a:lstStyle/>
+          <a:p>
+            <a:r>
+              <a:rPr lang="en-SG" sz="1200" b="1" dirty="0">
+                <a:solidFill>
+                  <a:schemeClr val="tx1">
+                    <a:lumMod val="75000"/>
+                    <a:lumOff val="25000"/>
+                  </a:schemeClr>
+                </a:solidFill>
+              </a:rPr>
+              <a:t>Exam MCQ </a:t>
+            </a:r>
+          </a:p>
+        </p:txBody>
+      </p:sp>
+      <p:sp>
+        <p:nvSpPr>
+          <p:cNvPr id="15" name="TextBox 14">
+            <a:extLst>
+              <a:ext uri="{FF2B5EF4-FFF2-40B4-BE49-F238E27FC236}">
+                <a16:creationId xmlns:a16="http://schemas.microsoft.com/office/drawing/2014/main" id="{E43F5B02-404A-EAFF-BB97-AE5480EFF3B5}"/>
+              </a:ext>
+            </a:extLst>
+          </p:cNvPr>
+          <p:cNvSpPr txBox="1"/>
+          <p:nvPr/>
+        </p:nvSpPr>
+        <p:spPr>
+          <a:xfrm>
+            <a:off x="3326213" y="1349689"/>
+            <a:ext cx="1172635" cy="276999"/>
+          </a:xfrm>
+          <a:prstGeom prst="rect">
+            <a:avLst/>
+          </a:prstGeom>
+          <a:noFill/>
+        </p:spPr>
+        <p:txBody>
+          <a:bodyPr wrap="square">
+            <a:spAutoFit/>
+          </a:bodyPr>
+          <a:lstStyle/>
+          <a:p>
+            <a:r>
+              <a:rPr lang="en-SG" sz="1200" b="1" dirty="0">
+                <a:solidFill>
+                  <a:schemeClr val="tx1">
+                    <a:lumMod val="75000"/>
+                    <a:lumOff val="25000"/>
+                  </a:schemeClr>
+                </a:solidFill>
+              </a:rPr>
+              <a:t>MCG-GPT-BOT</a:t>
+            </a:r>
+          </a:p>
+        </p:txBody>
+      </p:sp>
+      <p:sp>
+        <p:nvSpPr>
+          <p:cNvPr id="16" name="TextBox 15">
+            <a:extLst>
+              <a:ext uri="{FF2B5EF4-FFF2-40B4-BE49-F238E27FC236}">
+                <a16:creationId xmlns:a16="http://schemas.microsoft.com/office/drawing/2014/main" id="{088770A3-C80B-EF9F-1C2C-CD02F338A735}"/>
+              </a:ext>
+            </a:extLst>
+          </p:cNvPr>
+          <p:cNvSpPr txBox="1"/>
+          <p:nvPr/>
+        </p:nvSpPr>
+        <p:spPr>
+          <a:xfrm>
+            <a:off x="5298461" y="1341385"/>
+            <a:ext cx="1172635" cy="276999"/>
+          </a:xfrm>
+          <a:prstGeom prst="rect">
+            <a:avLst/>
+          </a:prstGeom>
+          <a:noFill/>
+        </p:spPr>
+        <p:txBody>
+          <a:bodyPr wrap="square">
+            <a:spAutoFit/>
+          </a:bodyPr>
+          <a:lstStyle/>
+          <a:p>
+            <a:r>
+              <a:rPr lang="en-SG" sz="1200" b="1" dirty="0">
+                <a:solidFill>
+                  <a:schemeClr val="tx1">
+                    <a:lumMod val="75000"/>
+                    <a:lumOff val="25000"/>
+                  </a:schemeClr>
+                </a:solidFill>
+              </a:rPr>
+              <a:t>Answers </a:t>
+            </a:r>
+          </a:p>
+        </p:txBody>
+      </p:sp>
+      <p:sp>
+        <p:nvSpPr>
+          <p:cNvPr id="17" name="Arrow: Right 16">
+            <a:extLst>
+              <a:ext uri="{FF2B5EF4-FFF2-40B4-BE49-F238E27FC236}">
+                <a16:creationId xmlns:a16="http://schemas.microsoft.com/office/drawing/2014/main" id="{06FA2210-0581-AD40-D9A6-78EC16887258}"/>
+              </a:ext>
+            </a:extLst>
+          </p:cNvPr>
+          <p:cNvSpPr/>
+          <p:nvPr/>
+        </p:nvSpPr>
+        <p:spPr>
+          <a:xfrm>
+            <a:off x="2807096" y="2258479"/>
+            <a:ext cx="494746" cy="276999"/>
+          </a:xfrm>
+          <a:prstGeom prst="rightArrow">
+            <a:avLst/>
+          </a:prstGeom>
+        </p:spPr>
+        <p:style>
+          <a:lnRef idx="2">
+            <a:schemeClr val="accent1">
+              <a:shade val="15000"/>
+            </a:schemeClr>
+          </a:lnRef>
+          <a:fillRef idx="1">
+            <a:schemeClr val="accent1"/>
+          </a:fillRef>
+          <a:effectRef idx="0">
+            <a:schemeClr val="accent1"/>
+          </a:effectRef>
+          <a:fontRef idx="minor">
+            <a:schemeClr val="lt1"/>
+          </a:fontRef>
+        </p:style>
+        <p:txBody>
+          <a:bodyPr rtlCol="0" anchor="ctr"/>
+          <a:lstStyle/>
+          <a:p>
+            <a:pPr algn="ctr"/>
+            <a:endParaRPr lang="en-SG"/>
+          </a:p>
+        </p:txBody>
+      </p:sp>
+      <p:sp>
+        <p:nvSpPr>
+          <p:cNvPr id="18" name="Arrow: Right 17">
+            <a:extLst>
+              <a:ext uri="{FF2B5EF4-FFF2-40B4-BE49-F238E27FC236}">
+                <a16:creationId xmlns:a16="http://schemas.microsoft.com/office/drawing/2014/main" id="{2209FC53-53CB-3626-36C1-03FAA26622F8}"/>
+              </a:ext>
+            </a:extLst>
+          </p:cNvPr>
+          <p:cNvSpPr/>
+          <p:nvPr/>
+        </p:nvSpPr>
+        <p:spPr>
+          <a:xfrm>
+            <a:off x="4863653" y="2212416"/>
+            <a:ext cx="494746" cy="276999"/>
+          </a:xfrm>
+          <a:prstGeom prst="rightArrow">
+            <a:avLst/>
+          </a:prstGeom>
+        </p:spPr>
+        <p:style>
+          <a:lnRef idx="2">
+            <a:schemeClr val="accent1">
+              <a:shade val="15000"/>
+            </a:schemeClr>
+          </a:lnRef>
+          <a:fillRef idx="1">
+            <a:schemeClr val="accent1"/>
+          </a:fillRef>
+          <a:effectRef idx="0">
+            <a:schemeClr val="accent1"/>
+          </a:effectRef>
+          <a:fontRef idx="minor">
+            <a:schemeClr val="lt1"/>
+          </a:fontRef>
+        </p:style>
+        <p:txBody>
+          <a:bodyPr rtlCol="0" anchor="ctr"/>
+          <a:lstStyle/>
+          <a:p>
+            <a:pPr algn="ctr"/>
+            <a:endParaRPr lang="en-SG"/>
+          </a:p>
+        </p:txBody>
+      </p:sp>
+    </p:spTree>
+    <p:extLst>
+      <p:ext uri="{BB962C8B-B14F-4D97-AF65-F5344CB8AC3E}">
+        <p14:creationId xmlns:p14="http://schemas.microsoft.com/office/powerpoint/2010/main" val="1590825854"/>
+      </p:ext>
+    </p:extLst>
+  </p:cSld>
+  <p:clrMapOvr>
+    <a:masterClrMapping/>
+  </p:clrMapOvr>
+</p:sld>
+</file>
+
+<file path=ppt/slides/slide3.xml><?xml version="1.0" encoding="utf-8"?>
+<p:sld xmlns:a="http://schemas.openxmlformats.org/drawingml/2006/main" xmlns:r="http://schemas.openxmlformats.org/officeDocument/2006/relationships" xmlns:p="http://schemas.openxmlformats.org/presentationml/2006/main">
+  <p:cSld>
+    <p:spTree>
+      <p:nvGrpSpPr>
+        <p:cNvPr id="1" name=""/>
+        <p:cNvGrpSpPr/>
+        <p:nvPr/>
+      </p:nvGrpSpPr>
+      <p:grpSpPr>
+        <a:xfrm>
+          <a:off x="0" y="0"/>
+          <a:ext cx="0" cy="0"/>
+          <a:chOff x="0" y="0"/>
+          <a:chExt cx="0" cy="0"/>
+        </a:xfrm>
+      </p:grpSpPr>
       <p:sp>
         <p:nvSpPr>
           <p:cNvPr id="63" name="Rectangle 62">
@@ -7967,7 +8418,7 @@
 </p:sld>
 </file>
 
-<file path=ppt/slides/slide3.xml><?xml version="1.0" encoding="utf-8"?>
+<file path=ppt/slides/slide4.xml><?xml version="1.0" encoding="utf-8"?>
 <p:sld xmlns:a="http://schemas.openxmlformats.org/drawingml/2006/main" xmlns:r="http://schemas.openxmlformats.org/officeDocument/2006/relationships" xmlns:p="http://schemas.openxmlformats.org/presentationml/2006/main">
   <p:cSld>
     <p:spTree>

--- a/doc/designDoc.pptx
+++ b/doc/designDoc.pptx
@@ -264,7 +264,7 @@
           <a:p>
             <a:fld id="{CDC0ED0E-9E26-476D-92D2-B594C12CD538}" type="datetimeFigureOut">
               <a:rPr lang="en-SG" smtClean="0"/>
-              <a:t>21/8/2023</a:t>
+              <a:t>9/10/2023</a:t>
             </a:fld>
             <a:endParaRPr lang="en-SG"/>
           </a:p>
@@ -464,7 +464,7 @@
           <a:p>
             <a:fld id="{CDC0ED0E-9E26-476D-92D2-B594C12CD538}" type="datetimeFigureOut">
               <a:rPr lang="en-SG" smtClean="0"/>
-              <a:t>21/8/2023</a:t>
+              <a:t>9/10/2023</a:t>
             </a:fld>
             <a:endParaRPr lang="en-SG"/>
           </a:p>
@@ -674,7 +674,7 @@
           <a:p>
             <a:fld id="{CDC0ED0E-9E26-476D-92D2-B594C12CD538}" type="datetimeFigureOut">
               <a:rPr lang="en-SG" smtClean="0"/>
-              <a:t>21/8/2023</a:t>
+              <a:t>9/10/2023</a:t>
             </a:fld>
             <a:endParaRPr lang="en-SG"/>
           </a:p>
@@ -874,7 +874,7 @@
           <a:p>
             <a:fld id="{CDC0ED0E-9E26-476D-92D2-B594C12CD538}" type="datetimeFigureOut">
               <a:rPr lang="en-SG" smtClean="0"/>
-              <a:t>21/8/2023</a:t>
+              <a:t>9/10/2023</a:t>
             </a:fld>
             <a:endParaRPr lang="en-SG"/>
           </a:p>
@@ -1150,7 +1150,7 @@
           <a:p>
             <a:fld id="{CDC0ED0E-9E26-476D-92D2-B594C12CD538}" type="datetimeFigureOut">
               <a:rPr lang="en-SG" smtClean="0"/>
-              <a:t>21/8/2023</a:t>
+              <a:t>9/10/2023</a:t>
             </a:fld>
             <a:endParaRPr lang="en-SG"/>
           </a:p>
@@ -1418,7 +1418,7 @@
           <a:p>
             <a:fld id="{CDC0ED0E-9E26-476D-92D2-B594C12CD538}" type="datetimeFigureOut">
               <a:rPr lang="en-SG" smtClean="0"/>
-              <a:t>21/8/2023</a:t>
+              <a:t>9/10/2023</a:t>
             </a:fld>
             <a:endParaRPr lang="en-SG"/>
           </a:p>
@@ -1833,7 +1833,7 @@
           <a:p>
             <a:fld id="{CDC0ED0E-9E26-476D-92D2-B594C12CD538}" type="datetimeFigureOut">
               <a:rPr lang="en-SG" smtClean="0"/>
-              <a:t>21/8/2023</a:t>
+              <a:t>9/10/2023</a:t>
             </a:fld>
             <a:endParaRPr lang="en-SG"/>
           </a:p>
@@ -1975,7 +1975,7 @@
           <a:p>
             <a:fld id="{CDC0ED0E-9E26-476D-92D2-B594C12CD538}" type="datetimeFigureOut">
               <a:rPr lang="en-SG" smtClean="0"/>
-              <a:t>21/8/2023</a:t>
+              <a:t>9/10/2023</a:t>
             </a:fld>
             <a:endParaRPr lang="en-SG"/>
           </a:p>
@@ -2088,7 +2088,7 @@
           <a:p>
             <a:fld id="{CDC0ED0E-9E26-476D-92D2-B594C12CD538}" type="datetimeFigureOut">
               <a:rPr lang="en-SG" smtClean="0"/>
-              <a:t>21/8/2023</a:t>
+              <a:t>9/10/2023</a:t>
             </a:fld>
             <a:endParaRPr lang="en-SG"/>
           </a:p>
@@ -2401,7 +2401,7 @@
           <a:p>
             <a:fld id="{CDC0ED0E-9E26-476D-92D2-B594C12CD538}" type="datetimeFigureOut">
               <a:rPr lang="en-SG" smtClean="0"/>
-              <a:t>21/8/2023</a:t>
+              <a:t>9/10/2023</a:t>
             </a:fld>
             <a:endParaRPr lang="en-SG"/>
           </a:p>
@@ -2690,7 +2690,7 @@
           <a:p>
             <a:fld id="{CDC0ED0E-9E26-476D-92D2-B594C12CD538}" type="datetimeFigureOut">
               <a:rPr lang="en-SG" smtClean="0"/>
-              <a:t>21/8/2023</a:t>
+              <a:t>9/10/2023</a:t>
             </a:fld>
             <a:endParaRPr lang="en-SG"/>
           </a:p>
@@ -2933,7 +2933,7 @@
           <a:p>
             <a:fld id="{CDC0ED0E-9E26-476D-92D2-B594C12CD538}" type="datetimeFigureOut">
               <a:rPr lang="en-SG" smtClean="0"/>
-              <a:t>21/8/2023</a:t>
+              <a:t>9/10/2023</a:t>
             </a:fld>
             <a:endParaRPr lang="en-SG"/>
           </a:p>
@@ -3426,7 +3426,7 @@
         <p:spPr>
           <a:xfrm>
             <a:off x="5239265" y="1292729"/>
-            <a:ext cx="2886029" cy="2426655"/>
+            <a:ext cx="3180834" cy="2426655"/>
           </a:xfrm>
           <a:prstGeom prst="rect">
             <a:avLst/>
@@ -5913,6 +5913,199 @@
           </a:p>
         </p:txBody>
       </p:sp>
+      <p:pic>
+        <p:nvPicPr>
+          <p:cNvPr id="18" name="Picture 17">
+            <a:extLst>
+              <a:ext uri="{FF2B5EF4-FFF2-40B4-BE49-F238E27FC236}">
+                <a16:creationId xmlns:a16="http://schemas.microsoft.com/office/drawing/2014/main" id="{05BE940F-1256-AA2C-415C-29A1A435C351}"/>
+              </a:ext>
+            </a:extLst>
+          </p:cNvPr>
+          <p:cNvPicPr>
+            <a:picLocks noChangeAspect="1"/>
+          </p:cNvPicPr>
+          <p:nvPr/>
+        </p:nvPicPr>
+        <p:blipFill>
+          <a:blip r:embed="rId12"/>
+          <a:stretch>
+            <a:fillRect/>
+          </a:stretch>
+        </p:blipFill>
+        <p:spPr>
+          <a:xfrm>
+            <a:off x="7708690" y="3193032"/>
+            <a:ext cx="469334" cy="366667"/>
+          </a:xfrm>
+          <a:prstGeom prst="rect">
+            <a:avLst/>
+          </a:prstGeom>
+        </p:spPr>
+      </p:pic>
+      <p:sp>
+        <p:nvSpPr>
+          <p:cNvPr id="22" name="TextBox 21">
+            <a:extLst>
+              <a:ext uri="{FF2B5EF4-FFF2-40B4-BE49-F238E27FC236}">
+                <a16:creationId xmlns:a16="http://schemas.microsoft.com/office/drawing/2014/main" id="{FEFB917D-38B5-0A05-1DFA-795700893175}"/>
+              </a:ext>
+            </a:extLst>
+          </p:cNvPr>
+          <p:cNvSpPr txBox="1"/>
+          <p:nvPr/>
+        </p:nvSpPr>
+        <p:spPr>
+          <a:xfrm>
+            <a:off x="7619784" y="2980760"/>
+            <a:ext cx="1027171" cy="261610"/>
+          </a:xfrm>
+          <a:prstGeom prst="rect">
+            <a:avLst/>
+          </a:prstGeom>
+          <a:noFill/>
+        </p:spPr>
+        <p:txBody>
+          <a:bodyPr wrap="square">
+            <a:spAutoFit/>
+          </a:bodyPr>
+          <a:lstStyle/>
+          <a:p>
+            <a:r>
+              <a:rPr lang="en-US" sz="1100" b="1" dirty="0">
+                <a:solidFill>
+                  <a:schemeClr val="tx1">
+                    <a:lumMod val="75000"/>
+                    <a:lumOff val="25000"/>
+                  </a:schemeClr>
+                </a:solidFill>
+              </a:rPr>
+              <a:t>Image format  </a:t>
+            </a:r>
+          </a:p>
+        </p:txBody>
+      </p:sp>
+      <p:pic>
+        <p:nvPicPr>
+          <p:cNvPr id="39" name="Picture 38">
+            <a:extLst>
+              <a:ext uri="{FF2B5EF4-FFF2-40B4-BE49-F238E27FC236}">
+                <a16:creationId xmlns:a16="http://schemas.microsoft.com/office/drawing/2014/main" id="{83D5C2CA-072D-40E0-2FF7-ADD280251058}"/>
+              </a:ext>
+            </a:extLst>
+          </p:cNvPr>
+          <p:cNvPicPr>
+            <a:picLocks noChangeAspect="1"/>
+          </p:cNvPicPr>
+          <p:nvPr/>
+        </p:nvPicPr>
+        <p:blipFill>
+          <a:blip r:embed="rId13"/>
+          <a:stretch>
+            <a:fillRect/>
+          </a:stretch>
+        </p:blipFill>
+        <p:spPr>
+          <a:xfrm>
+            <a:off x="7488178" y="3849498"/>
+            <a:ext cx="910358" cy="535504"/>
+          </a:xfrm>
+          <a:prstGeom prst="rect">
+            <a:avLst/>
+          </a:prstGeom>
+          <a:ln w="12700">
+            <a:solidFill>
+              <a:schemeClr val="tx1"/>
+            </a:solidFill>
+          </a:ln>
+        </p:spPr>
+      </p:pic>
+      <p:cxnSp>
+        <p:nvCxnSpPr>
+          <p:cNvPr id="47" name="Straight Arrow Connector 46">
+            <a:extLst>
+              <a:ext uri="{FF2B5EF4-FFF2-40B4-BE49-F238E27FC236}">
+                <a16:creationId xmlns:a16="http://schemas.microsoft.com/office/drawing/2014/main" id="{E7AF327B-7D13-26AF-4B67-A4BAFFB213AD}"/>
+              </a:ext>
+            </a:extLst>
+          </p:cNvPr>
+          <p:cNvCxnSpPr>
+            <a:cxnSpLocks/>
+            <a:stCxn id="18" idx="2"/>
+            <a:endCxn id="39" idx="0"/>
+          </p:cNvCxnSpPr>
+          <p:nvPr/>
+        </p:nvCxnSpPr>
+        <p:spPr>
+          <a:xfrm>
+            <a:off x="7943357" y="3559699"/>
+            <a:ext cx="0" cy="289799"/>
+          </a:xfrm>
+          <a:prstGeom prst="straightConnector1">
+            <a:avLst/>
+          </a:prstGeom>
+          <a:ln>
+            <a:tailEnd type="triangle"/>
+          </a:ln>
+        </p:spPr>
+        <p:style>
+          <a:lnRef idx="1">
+            <a:schemeClr val="accent1"/>
+          </a:lnRef>
+          <a:fillRef idx="0">
+            <a:schemeClr val="accent1"/>
+          </a:fillRef>
+          <a:effectRef idx="0">
+            <a:schemeClr val="accent1"/>
+          </a:effectRef>
+          <a:fontRef idx="minor">
+            <a:schemeClr val="tx1"/>
+          </a:fontRef>
+        </p:style>
+      </p:cxnSp>
+      <p:cxnSp>
+        <p:nvCxnSpPr>
+          <p:cNvPr id="55" name="Connector: Elbow 54">
+            <a:extLst>
+              <a:ext uri="{FF2B5EF4-FFF2-40B4-BE49-F238E27FC236}">
+                <a16:creationId xmlns:a16="http://schemas.microsoft.com/office/drawing/2014/main" id="{918194BF-3402-2543-D226-798227C072F7}"/>
+              </a:ext>
+            </a:extLst>
+          </p:cNvPr>
+          <p:cNvCxnSpPr>
+            <a:cxnSpLocks/>
+          </p:cNvCxnSpPr>
+          <p:nvPr/>
+        </p:nvCxnSpPr>
+        <p:spPr>
+          <a:xfrm rot="10800000">
+            <a:off x="4232644" y="2884968"/>
+            <a:ext cx="3212809" cy="976271"/>
+          </a:xfrm>
+          <a:prstGeom prst="bentConnector3">
+            <a:avLst>
+              <a:gd name="adj1" fmla="val 73718"/>
+            </a:avLst>
+          </a:prstGeom>
+          <a:ln w="19050">
+            <a:tailEnd type="triangle"/>
+          </a:ln>
+        </p:spPr>
+        <p:style>
+          <a:lnRef idx="1">
+            <a:schemeClr val="accent1"/>
+          </a:lnRef>
+          <a:fillRef idx="0">
+            <a:schemeClr val="accent1"/>
+          </a:fillRef>
+          <a:effectRef idx="0">
+            <a:schemeClr val="accent1"/>
+          </a:effectRef>
+          <a:fontRef idx="minor">
+            <a:schemeClr val="tx1"/>
+          </a:fontRef>
+        </p:style>
+      </p:cxnSp>
     </p:spTree>
     <p:extLst>
       <p:ext uri="{BB962C8B-B14F-4D97-AF65-F5344CB8AC3E}">

--- a/doc/designDoc.pptx
+++ b/doc/designDoc.pptx
@@ -264,7 +264,7 @@
           <a:p>
             <a:fld id="{CDC0ED0E-9E26-476D-92D2-B594C12CD538}" type="datetimeFigureOut">
               <a:rPr lang="en-SG" smtClean="0"/>
-              <a:t>9/10/2023</a:t>
+              <a:t>23/4/2024</a:t>
             </a:fld>
             <a:endParaRPr lang="en-SG"/>
           </a:p>
@@ -464,7 +464,7 @@
           <a:p>
             <a:fld id="{CDC0ED0E-9E26-476D-92D2-B594C12CD538}" type="datetimeFigureOut">
               <a:rPr lang="en-SG" smtClean="0"/>
-              <a:t>9/10/2023</a:t>
+              <a:t>23/4/2024</a:t>
             </a:fld>
             <a:endParaRPr lang="en-SG"/>
           </a:p>
@@ -674,7 +674,7 @@
           <a:p>
             <a:fld id="{CDC0ED0E-9E26-476D-92D2-B594C12CD538}" type="datetimeFigureOut">
               <a:rPr lang="en-SG" smtClean="0"/>
-              <a:t>9/10/2023</a:t>
+              <a:t>23/4/2024</a:t>
             </a:fld>
             <a:endParaRPr lang="en-SG"/>
           </a:p>
@@ -874,7 +874,7 @@
           <a:p>
             <a:fld id="{CDC0ED0E-9E26-476D-92D2-B594C12CD538}" type="datetimeFigureOut">
               <a:rPr lang="en-SG" smtClean="0"/>
-              <a:t>9/10/2023</a:t>
+              <a:t>23/4/2024</a:t>
             </a:fld>
             <a:endParaRPr lang="en-SG"/>
           </a:p>
@@ -1150,7 +1150,7 @@
           <a:p>
             <a:fld id="{CDC0ED0E-9E26-476D-92D2-B594C12CD538}" type="datetimeFigureOut">
               <a:rPr lang="en-SG" smtClean="0"/>
-              <a:t>9/10/2023</a:t>
+              <a:t>23/4/2024</a:t>
             </a:fld>
             <a:endParaRPr lang="en-SG"/>
           </a:p>
@@ -1418,7 +1418,7 @@
           <a:p>
             <a:fld id="{CDC0ED0E-9E26-476D-92D2-B594C12CD538}" type="datetimeFigureOut">
               <a:rPr lang="en-SG" smtClean="0"/>
-              <a:t>9/10/2023</a:t>
+              <a:t>23/4/2024</a:t>
             </a:fld>
             <a:endParaRPr lang="en-SG"/>
           </a:p>
@@ -1833,7 +1833,7 @@
           <a:p>
             <a:fld id="{CDC0ED0E-9E26-476D-92D2-B594C12CD538}" type="datetimeFigureOut">
               <a:rPr lang="en-SG" smtClean="0"/>
-              <a:t>9/10/2023</a:t>
+              <a:t>23/4/2024</a:t>
             </a:fld>
             <a:endParaRPr lang="en-SG"/>
           </a:p>
@@ -1975,7 +1975,7 @@
           <a:p>
             <a:fld id="{CDC0ED0E-9E26-476D-92D2-B594C12CD538}" type="datetimeFigureOut">
               <a:rPr lang="en-SG" smtClean="0"/>
-              <a:t>9/10/2023</a:t>
+              <a:t>23/4/2024</a:t>
             </a:fld>
             <a:endParaRPr lang="en-SG"/>
           </a:p>
@@ -2088,7 +2088,7 @@
           <a:p>
             <a:fld id="{CDC0ED0E-9E26-476D-92D2-B594C12CD538}" type="datetimeFigureOut">
               <a:rPr lang="en-SG" smtClean="0"/>
-              <a:t>9/10/2023</a:t>
+              <a:t>23/4/2024</a:t>
             </a:fld>
             <a:endParaRPr lang="en-SG"/>
           </a:p>
@@ -2401,7 +2401,7 @@
           <a:p>
             <a:fld id="{CDC0ED0E-9E26-476D-92D2-B594C12CD538}" type="datetimeFigureOut">
               <a:rPr lang="en-SG" smtClean="0"/>
-              <a:t>9/10/2023</a:t>
+              <a:t>23/4/2024</a:t>
             </a:fld>
             <a:endParaRPr lang="en-SG"/>
           </a:p>
@@ -2690,7 +2690,7 @@
           <a:p>
             <a:fld id="{CDC0ED0E-9E26-476D-92D2-B594C12CD538}" type="datetimeFigureOut">
               <a:rPr lang="en-SG" smtClean="0"/>
-              <a:t>9/10/2023</a:t>
+              <a:t>23/4/2024</a:t>
             </a:fld>
             <a:endParaRPr lang="en-SG"/>
           </a:p>
@@ -2933,7 +2933,7 @@
           <a:p>
             <a:fld id="{CDC0ED0E-9E26-476D-92D2-B594C12CD538}" type="datetimeFigureOut">
               <a:rPr lang="en-SG" smtClean="0"/>
-              <a:t>9/10/2023</a:t>
+              <a:t>23/4/2024</a:t>
             </a:fld>
             <a:endParaRPr lang="en-SG"/>
           </a:p>
@@ -6136,6 +6136,57 @@
           <a:chExt cx="0" cy="0"/>
         </a:xfrm>
       </p:grpSpPr>
+      <p:sp>
+        <p:nvSpPr>
+          <p:cNvPr id="2" name="Rectangle 1">
+            <a:extLst>
+              <a:ext uri="{FF2B5EF4-FFF2-40B4-BE49-F238E27FC236}">
+                <a16:creationId xmlns:a16="http://schemas.microsoft.com/office/drawing/2014/main" id="{72FB17BB-5171-0ED5-905F-B107F197A2B2}"/>
+              </a:ext>
+            </a:extLst>
+          </p:cNvPr>
+          <p:cNvSpPr/>
+          <p:nvPr/>
+        </p:nvSpPr>
+        <p:spPr>
+          <a:xfrm>
+            <a:off x="1125415" y="1310607"/>
+            <a:ext cx="6179737" cy="1945059"/>
+          </a:xfrm>
+          <a:prstGeom prst="rect">
+            <a:avLst/>
+          </a:prstGeom>
+          <a:solidFill>
+            <a:schemeClr val="accent5">
+              <a:lumMod val="50000"/>
+            </a:schemeClr>
+          </a:solidFill>
+        </p:spPr>
+        <p:style>
+          <a:lnRef idx="2">
+            <a:schemeClr val="accent1">
+              <a:shade val="15000"/>
+            </a:schemeClr>
+          </a:lnRef>
+          <a:fillRef idx="1">
+            <a:schemeClr val="accent1"/>
+          </a:fillRef>
+          <a:effectRef idx="0">
+            <a:schemeClr val="accent1"/>
+          </a:effectRef>
+          <a:fontRef idx="minor">
+            <a:schemeClr val="lt1"/>
+          </a:fontRef>
+        </p:style>
+        <p:txBody>
+          <a:bodyPr rtlCol="0" anchor="ctr"/>
+          <a:lstStyle/>
+          <a:p>
+            <a:pPr algn="ctr"/>
+            <a:endParaRPr lang="en-SG" dirty="0"/>
+          </a:p>
+        </p:txBody>
+      </p:sp>
       <p:pic>
         <p:nvPicPr>
           <p:cNvPr id="9" name="Picture 8">
@@ -6158,7 +6209,7 @@
         </p:blipFill>
         <p:spPr>
           <a:xfrm>
-            <a:off x="3326213" y="1691157"/>
+            <a:off x="3398792" y="1691157"/>
             <a:ext cx="1431139" cy="1448382"/>
           </a:xfrm>
           <a:prstGeom prst="rect">
@@ -6193,7 +6244,7 @@
         </p:blipFill>
         <p:spPr>
           <a:xfrm>
-            <a:off x="3679887" y="1691157"/>
+            <a:off x="3747181" y="1707695"/>
             <a:ext cx="706762" cy="687557"/>
           </a:xfrm>
           <a:prstGeom prst="rect">
@@ -6291,7 +6342,7 @@
         </p:blipFill>
         <p:spPr>
           <a:xfrm>
-            <a:off x="5765406" y="2114014"/>
+            <a:off x="5765406" y="1968156"/>
             <a:ext cx="1025611" cy="1134644"/>
           </a:xfrm>
           <a:prstGeom prst="rect">
@@ -6325,7 +6376,7 @@
         </p:blipFill>
         <p:spPr>
           <a:xfrm>
-            <a:off x="6426595" y="1783594"/>
+            <a:off x="6195187" y="1794846"/>
             <a:ext cx="976184" cy="1134644"/>
           </a:xfrm>
           <a:prstGeom prst="rect">
@@ -6352,8 +6403,8 @@
         </p:nvSpPr>
         <p:spPr>
           <a:xfrm>
-            <a:off x="1337155" y="1349690"/>
-            <a:ext cx="1721825" cy="276999"/>
+            <a:off x="1292452" y="1318911"/>
+            <a:ext cx="1721825" cy="307777"/>
           </a:xfrm>
           <a:prstGeom prst="rect">
             <a:avLst/>
@@ -6367,15 +6418,12 @@
           <a:lstStyle/>
           <a:p>
             <a:r>
-              <a:rPr lang="en-SG" sz="1200" b="1" dirty="0">
+              <a:rPr lang="en-SG" sz="1400" b="1" dirty="0">
                 <a:solidFill>
-                  <a:schemeClr val="tx1">
-                    <a:lumMod val="75000"/>
-                    <a:lumOff val="25000"/>
-                  </a:schemeClr>
+                  <a:schemeClr val="bg1"/>
                 </a:solidFill>
               </a:rPr>
-              <a:t>Exam MCQ </a:t>
+              <a:t>Security Exam MCQ </a:t>
             </a:r>
           </a:p>
         </p:txBody>
@@ -6394,8 +6442,8 @@
         </p:nvSpPr>
         <p:spPr>
           <a:xfrm>
-            <a:off x="3326213" y="1349689"/>
-            <a:ext cx="1172635" cy="276999"/>
+            <a:off x="3345125" y="1310607"/>
+            <a:ext cx="1571162" cy="307777"/>
           </a:xfrm>
           <a:prstGeom prst="rect">
             <a:avLst/>
@@ -6409,12 +6457,9 @@
           <a:lstStyle/>
           <a:p>
             <a:r>
-              <a:rPr lang="en-SG" sz="1200" b="1" dirty="0">
+              <a:rPr lang="en-SG" sz="1400" b="1" dirty="0">
                 <a:solidFill>
-                  <a:schemeClr val="tx1">
-                    <a:lumMod val="75000"/>
-                    <a:lumOff val="25000"/>
-                  </a:schemeClr>
+                  <a:schemeClr val="bg1"/>
                 </a:solidFill>
               </a:rPr>
               <a:t>MCG-GPT-BOT</a:t>
@@ -6437,7 +6482,7 @@
         <p:spPr>
           <a:xfrm>
             <a:off x="5298461" y="1341385"/>
-            <a:ext cx="1172635" cy="276999"/>
+            <a:ext cx="1837536" cy="307777"/>
           </a:xfrm>
           <a:prstGeom prst="rect">
             <a:avLst/>
@@ -6451,15 +6496,20 @@
           <a:lstStyle/>
           <a:p>
             <a:r>
+              <a:rPr lang="en-SG" sz="1400" b="1" dirty="0">
+                <a:solidFill>
+                  <a:schemeClr val="bg1"/>
+                </a:solidFill>
+              </a:rPr>
+              <a:t>Answers + Correct %</a:t>
+            </a:r>
+            <a:r>
               <a:rPr lang="en-SG" sz="1200" b="1" dirty="0">
                 <a:solidFill>
-                  <a:schemeClr val="tx1">
-                    <a:lumMod val="75000"/>
-                    <a:lumOff val="25000"/>
-                  </a:schemeClr>
+                  <a:schemeClr val="bg1"/>
                 </a:solidFill>
               </a:rPr>
-              <a:t>Answers </a:t>
+              <a:t> </a:t>
             </a:r>
           </a:p>
         </p:txBody>
@@ -6478,12 +6528,15 @@
         </p:nvSpPr>
         <p:spPr>
           <a:xfrm>
-            <a:off x="2807096" y="2258479"/>
+            <a:off x="2823597" y="2212415"/>
             <a:ext cx="494746" cy="276999"/>
           </a:xfrm>
           <a:prstGeom prst="rightArrow">
             <a:avLst/>
           </a:prstGeom>
+          <a:solidFill>
+            <a:schemeClr val="bg1"/>
+          </a:solidFill>
         </p:spPr>
         <p:style>
           <a:lnRef idx="2">
@@ -6524,12 +6577,15 @@
         </p:nvSpPr>
         <p:spPr>
           <a:xfrm>
-            <a:off x="4863653" y="2212416"/>
+            <a:off x="4881217" y="2212415"/>
             <a:ext cx="494746" cy="276999"/>
           </a:xfrm>
           <a:prstGeom prst="rightArrow">
             <a:avLst/>
           </a:prstGeom>
+          <a:solidFill>
+            <a:schemeClr val="bg1"/>
+          </a:solidFill>
         </p:spPr>
         <p:style>
           <a:lnRef idx="2">

--- a/doc/designDoc.pptx
+++ b/doc/designDoc.pptx
@@ -5,10 +5,11 @@
     <p:sldMasterId id="2147483648" r:id="rId1"/>
   </p:sldMasterIdLst>
   <p:sldIdLst>
-    <p:sldId id="256" r:id="rId2"/>
-    <p:sldId id="259" r:id="rId3"/>
-    <p:sldId id="257" r:id="rId4"/>
-    <p:sldId id="258" r:id="rId5"/>
+    <p:sldId id="259" r:id="rId2"/>
+    <p:sldId id="260" r:id="rId3"/>
+    <p:sldId id="256" r:id="rId4"/>
+    <p:sldId id="257" r:id="rId5"/>
+    <p:sldId id="258" r:id="rId6"/>
   </p:sldIdLst>
   <p:sldSz cx="12192000" cy="6858000"/>
   <p:notesSz cx="6858000" cy="9144000"/>
@@ -264,7 +265,7 @@
           <a:p>
             <a:fld id="{CDC0ED0E-9E26-476D-92D2-B594C12CD538}" type="datetimeFigureOut">
               <a:rPr lang="en-SG" smtClean="0"/>
-              <a:t>23/4/2024</a:t>
+              <a:t>25/4/2024</a:t>
             </a:fld>
             <a:endParaRPr lang="en-SG"/>
           </a:p>
@@ -464,7 +465,7 @@
           <a:p>
             <a:fld id="{CDC0ED0E-9E26-476D-92D2-B594C12CD538}" type="datetimeFigureOut">
               <a:rPr lang="en-SG" smtClean="0"/>
-              <a:t>23/4/2024</a:t>
+              <a:t>25/4/2024</a:t>
             </a:fld>
             <a:endParaRPr lang="en-SG"/>
           </a:p>
@@ -674,7 +675,7 @@
           <a:p>
             <a:fld id="{CDC0ED0E-9E26-476D-92D2-B594C12CD538}" type="datetimeFigureOut">
               <a:rPr lang="en-SG" smtClean="0"/>
-              <a:t>23/4/2024</a:t>
+              <a:t>25/4/2024</a:t>
             </a:fld>
             <a:endParaRPr lang="en-SG"/>
           </a:p>
@@ -874,7 +875,7 @@
           <a:p>
             <a:fld id="{CDC0ED0E-9E26-476D-92D2-B594C12CD538}" type="datetimeFigureOut">
               <a:rPr lang="en-SG" smtClean="0"/>
-              <a:t>23/4/2024</a:t>
+              <a:t>25/4/2024</a:t>
             </a:fld>
             <a:endParaRPr lang="en-SG"/>
           </a:p>
@@ -1150,7 +1151,7 @@
           <a:p>
             <a:fld id="{CDC0ED0E-9E26-476D-92D2-B594C12CD538}" type="datetimeFigureOut">
               <a:rPr lang="en-SG" smtClean="0"/>
-              <a:t>23/4/2024</a:t>
+              <a:t>25/4/2024</a:t>
             </a:fld>
             <a:endParaRPr lang="en-SG"/>
           </a:p>
@@ -1418,7 +1419,7 @@
           <a:p>
             <a:fld id="{CDC0ED0E-9E26-476D-92D2-B594C12CD538}" type="datetimeFigureOut">
               <a:rPr lang="en-SG" smtClean="0"/>
-              <a:t>23/4/2024</a:t>
+              <a:t>25/4/2024</a:t>
             </a:fld>
             <a:endParaRPr lang="en-SG"/>
           </a:p>
@@ -1833,7 +1834,7 @@
           <a:p>
             <a:fld id="{CDC0ED0E-9E26-476D-92D2-B594C12CD538}" type="datetimeFigureOut">
               <a:rPr lang="en-SG" smtClean="0"/>
-              <a:t>23/4/2024</a:t>
+              <a:t>25/4/2024</a:t>
             </a:fld>
             <a:endParaRPr lang="en-SG"/>
           </a:p>
@@ -1975,7 +1976,7 @@
           <a:p>
             <a:fld id="{CDC0ED0E-9E26-476D-92D2-B594C12CD538}" type="datetimeFigureOut">
               <a:rPr lang="en-SG" smtClean="0"/>
-              <a:t>23/4/2024</a:t>
+              <a:t>25/4/2024</a:t>
             </a:fld>
             <a:endParaRPr lang="en-SG"/>
           </a:p>
@@ -2088,7 +2089,7 @@
           <a:p>
             <a:fld id="{CDC0ED0E-9E26-476D-92D2-B594C12CD538}" type="datetimeFigureOut">
               <a:rPr lang="en-SG" smtClean="0"/>
-              <a:t>23/4/2024</a:t>
+              <a:t>25/4/2024</a:t>
             </a:fld>
             <a:endParaRPr lang="en-SG"/>
           </a:p>
@@ -2401,7 +2402,7 @@
           <a:p>
             <a:fld id="{CDC0ED0E-9E26-476D-92D2-B594C12CD538}" type="datetimeFigureOut">
               <a:rPr lang="en-SG" smtClean="0"/>
-              <a:t>23/4/2024</a:t>
+              <a:t>25/4/2024</a:t>
             </a:fld>
             <a:endParaRPr lang="en-SG"/>
           </a:p>
@@ -2690,7 +2691,7 @@
           <a:p>
             <a:fld id="{CDC0ED0E-9E26-476D-92D2-B594C12CD538}" type="datetimeFigureOut">
               <a:rPr lang="en-SG" smtClean="0"/>
-              <a:t>23/4/2024</a:t>
+              <a:t>25/4/2024</a:t>
             </a:fld>
             <a:endParaRPr lang="en-SG"/>
           </a:p>
@@ -2933,7 +2934,7 @@
           <a:p>
             <a:fld id="{CDC0ED0E-9E26-476D-92D2-B594C12CD538}" type="datetimeFigureOut">
               <a:rPr lang="en-SG" smtClean="0"/>
-              <a:t>23/4/2024</a:t>
+              <a:t>25/4/2024</a:t>
             </a:fld>
             <a:endParaRPr lang="en-SG"/>
           </a:p>
@@ -3352,10 +3353,10 @@
       </p:grpSpPr>
       <p:sp>
         <p:nvSpPr>
-          <p:cNvPr id="52" name="Rectangle 51">
-            <a:extLst>
-              <a:ext uri="{FF2B5EF4-FFF2-40B4-BE49-F238E27FC236}">
-                <a16:creationId xmlns:a16="http://schemas.microsoft.com/office/drawing/2014/main" id="{704E3555-ACD8-2EA8-9FEF-51059474E4F7}"/>
+          <p:cNvPr id="2" name="Rectangle 1">
+            <a:extLst>
+              <a:ext uri="{FF2B5EF4-FFF2-40B4-BE49-F238E27FC236}">
+                <a16:creationId xmlns:a16="http://schemas.microsoft.com/office/drawing/2014/main" id="{72FB17BB-5171-0ED5-905F-B107F197A2B2}"/>
               </a:ext>
             </a:extLst>
           </p:cNvPr>
@@ -3364,77 +3365,15 @@
         </p:nvSpPr>
         <p:spPr>
           <a:xfrm>
-            <a:off x="539496" y="685800"/>
-            <a:ext cx="8092440" cy="5415067"/>
-          </a:xfrm>
-          <a:prstGeom prst="rect">
-            <a:avLst/>
-          </a:prstGeom>
-          <a:noFill/>
-          <a:ln w="19050" cap="flat" cmpd="sng" algn="ctr">
-            <a:solidFill>
-              <a:schemeClr val="dk1"/>
-            </a:solidFill>
-            <a:prstDash val="sysDash"/>
-            <a:round/>
-            <a:headEnd type="none" w="med" len="med"/>
-            <a:tailEnd type="none" w="med" len="med"/>
-          </a:ln>
-        </p:spPr>
-        <p:style>
-          <a:lnRef idx="0">
-            <a:scrgbClr r="0" g="0" b="0"/>
-          </a:lnRef>
-          <a:fillRef idx="0">
-            <a:scrgbClr r="0" g="0" b="0"/>
-          </a:fillRef>
-          <a:effectRef idx="0">
-            <a:scrgbClr r="0" g="0" b="0"/>
-          </a:effectRef>
-          <a:fontRef idx="minor">
-            <a:schemeClr val="dk1"/>
-          </a:fontRef>
-        </p:style>
-        <p:txBody>
-          <a:bodyPr rtlCol="0" anchor="ctr"/>
-          <a:lstStyle/>
-          <a:p>
-            <a:pPr algn="ctr"/>
-            <a:endParaRPr lang="en-SG" dirty="0">
-              <a:ln>
-                <a:solidFill>
-                  <a:schemeClr val="tx1"/>
-                </a:solidFill>
-                <a:prstDash val="sysDash"/>
-              </a:ln>
-            </a:endParaRPr>
-          </a:p>
-        </p:txBody>
-      </p:sp>
-      <p:sp>
-        <p:nvSpPr>
-          <p:cNvPr id="24" name="Rectangle 23">
-            <a:extLst>
-              <a:ext uri="{FF2B5EF4-FFF2-40B4-BE49-F238E27FC236}">
-                <a16:creationId xmlns:a16="http://schemas.microsoft.com/office/drawing/2014/main" id="{47CCA856-066D-EEA1-47AE-AEBD81F1F3B1}"/>
-              </a:ext>
-            </a:extLst>
-          </p:cNvPr>
-          <p:cNvSpPr/>
-          <p:nvPr/>
-        </p:nvSpPr>
-        <p:spPr>
-          <a:xfrm>
-            <a:off x="5239265" y="1292729"/>
-            <a:ext cx="3180834" cy="2426655"/>
+            <a:off x="1786700" y="560306"/>
+            <a:ext cx="6179737" cy="1945059"/>
           </a:xfrm>
           <a:prstGeom prst="rect">
             <a:avLst/>
           </a:prstGeom>
           <a:solidFill>
-            <a:schemeClr val="accent6">
-              <a:lumMod val="20000"/>
-              <a:lumOff val="80000"/>
+            <a:schemeClr val="accent5">
+              <a:lumMod val="50000"/>
             </a:schemeClr>
           </a:solidFill>
         </p:spPr>
@@ -3463,152 +3402,12 @@
           </a:p>
         </p:txBody>
       </p:sp>
-      <p:sp>
-        <p:nvSpPr>
-          <p:cNvPr id="4" name="Rectangle 3">
-            <a:extLst>
-              <a:ext uri="{FF2B5EF4-FFF2-40B4-BE49-F238E27FC236}">
-                <a16:creationId xmlns:a16="http://schemas.microsoft.com/office/drawing/2014/main" id="{FAFF11FF-5AA3-27EF-54EB-61813BE0A74C}"/>
-              </a:ext>
-            </a:extLst>
-          </p:cNvPr>
-          <p:cNvSpPr/>
-          <p:nvPr/>
-        </p:nvSpPr>
-        <p:spPr>
-          <a:xfrm>
-            <a:off x="2763682" y="1126090"/>
-            <a:ext cx="1411070" cy="346917"/>
-          </a:xfrm>
-          <a:prstGeom prst="rect">
-            <a:avLst/>
-          </a:prstGeom>
-        </p:spPr>
-        <p:style>
-          <a:lnRef idx="2">
-            <a:schemeClr val="accent1">
-              <a:shade val="50000"/>
-            </a:schemeClr>
-          </a:lnRef>
-          <a:fillRef idx="1">
-            <a:schemeClr val="accent1"/>
-          </a:fillRef>
-          <a:effectRef idx="0">
-            <a:schemeClr val="accent1"/>
-          </a:effectRef>
-          <a:fontRef idx="minor">
-            <a:schemeClr val="lt1"/>
-          </a:fontRef>
-        </p:style>
-        <p:txBody>
-          <a:bodyPr rtlCol="0" anchor="ctr"/>
-          <a:lstStyle/>
-          <a:p>
-            <a:r>
-              <a:rPr lang="en-US" sz="1200" b="1" dirty="0"/>
-              <a:t>MCQ-GPT Bot start </a:t>
-            </a:r>
-            <a:endParaRPr lang="en-SG" sz="1200" b="1" dirty="0"/>
-          </a:p>
-        </p:txBody>
-      </p:sp>
-      <p:cxnSp>
-        <p:nvCxnSpPr>
-          <p:cNvPr id="5" name="Straight Arrow Connector 4">
-            <a:extLst>
-              <a:ext uri="{FF2B5EF4-FFF2-40B4-BE49-F238E27FC236}">
-                <a16:creationId xmlns:a16="http://schemas.microsoft.com/office/drawing/2014/main" id="{A79484A5-B1CC-D6D4-941E-E2C54FD2B1B2}"/>
-              </a:ext>
-            </a:extLst>
-          </p:cNvPr>
-          <p:cNvCxnSpPr>
-            <a:cxnSpLocks/>
-          </p:cNvCxnSpPr>
-          <p:nvPr/>
-        </p:nvCxnSpPr>
-        <p:spPr>
-          <a:xfrm>
-            <a:off x="3312698" y="1473007"/>
-            <a:ext cx="0" cy="303620"/>
-          </a:xfrm>
-          <a:prstGeom prst="straightConnector1">
-            <a:avLst/>
-          </a:prstGeom>
-          <a:ln w="19050">
-            <a:prstDash val="sysDash"/>
-            <a:tailEnd type="triangle"/>
-          </a:ln>
-        </p:spPr>
-        <p:style>
-          <a:lnRef idx="1">
-            <a:schemeClr val="accent1"/>
-          </a:lnRef>
-          <a:fillRef idx="0">
-            <a:schemeClr val="accent1"/>
-          </a:fillRef>
-          <a:effectRef idx="0">
-            <a:schemeClr val="accent1"/>
-          </a:effectRef>
-          <a:fontRef idx="minor">
-            <a:schemeClr val="tx1"/>
-          </a:fontRef>
-        </p:style>
-      </p:cxnSp>
-      <p:sp>
-        <p:nvSpPr>
-          <p:cNvPr id="6" name="Rectangle 5">
-            <a:extLst>
-              <a:ext uri="{FF2B5EF4-FFF2-40B4-BE49-F238E27FC236}">
-                <a16:creationId xmlns:a16="http://schemas.microsoft.com/office/drawing/2014/main" id="{C5344DDC-0597-01CF-DE60-3AE5C24E2211}"/>
-              </a:ext>
-            </a:extLst>
-          </p:cNvPr>
-          <p:cNvSpPr/>
-          <p:nvPr/>
-        </p:nvSpPr>
-        <p:spPr>
-          <a:xfrm>
-            <a:off x="2763683" y="1806777"/>
-            <a:ext cx="1411070" cy="346917"/>
-          </a:xfrm>
-          <a:prstGeom prst="rect">
-            <a:avLst/>
-          </a:prstGeom>
-        </p:spPr>
-        <p:style>
-          <a:lnRef idx="2">
-            <a:schemeClr val="accent1">
-              <a:shade val="50000"/>
-            </a:schemeClr>
-          </a:lnRef>
-          <a:fillRef idx="1">
-            <a:schemeClr val="accent1"/>
-          </a:fillRef>
-          <a:effectRef idx="0">
-            <a:schemeClr val="accent1"/>
-          </a:effectRef>
-          <a:fontRef idx="minor">
-            <a:schemeClr val="lt1"/>
-          </a:fontRef>
-        </p:style>
-        <p:txBody>
-          <a:bodyPr rtlCol="0" anchor="ctr"/>
-          <a:lstStyle/>
-          <a:p>
-            <a:r>
-              <a:rPr lang="en-US" sz="1200" b="1" dirty="0"/>
-              <a:t>Loading config file</a:t>
-            </a:r>
-            <a:endParaRPr lang="en-SG" sz="1200" b="1" dirty="0"/>
-          </a:p>
-        </p:txBody>
-      </p:sp>
       <p:pic>
         <p:nvPicPr>
-          <p:cNvPr id="7" name="Picture 6">
-            <a:extLst>
-              <a:ext uri="{FF2B5EF4-FFF2-40B4-BE49-F238E27FC236}">
-                <a16:creationId xmlns:a16="http://schemas.microsoft.com/office/drawing/2014/main" id="{10A7A53C-01F8-D528-A0CE-E46981718051}"/>
+          <p:cNvPr id="9" name="Picture 8">
+            <a:extLst>
+              <a:ext uri="{FF2B5EF4-FFF2-40B4-BE49-F238E27FC236}">
+                <a16:creationId xmlns:a16="http://schemas.microsoft.com/office/drawing/2014/main" id="{147DE913-8C89-76B8-D954-664AD139BE9E}"/>
               </a:ext>
             </a:extLst>
           </p:cNvPr>
@@ -3625,189 +3424,25 @@
         </p:blipFill>
         <p:spPr>
           <a:xfrm>
-            <a:off x="4722491" y="1126090"/>
-            <a:ext cx="324555" cy="372004"/>
-          </a:xfrm>
-          <a:prstGeom prst="rect">
-            <a:avLst/>
-          </a:prstGeom>
+            <a:off x="4060077" y="940856"/>
+            <a:ext cx="1431139" cy="1448382"/>
+          </a:xfrm>
+          <a:prstGeom prst="rect">
+            <a:avLst/>
+          </a:prstGeom>
+          <a:ln w="3175">
+            <a:solidFill>
+              <a:schemeClr val="tx1"/>
+            </a:solidFill>
+          </a:ln>
         </p:spPr>
       </p:pic>
-      <p:cxnSp>
-        <p:nvCxnSpPr>
-          <p:cNvPr id="8" name="Connector: Elbow 7">
-            <a:extLst>
-              <a:ext uri="{FF2B5EF4-FFF2-40B4-BE49-F238E27FC236}">
-                <a16:creationId xmlns:a16="http://schemas.microsoft.com/office/drawing/2014/main" id="{E4ED5EDF-97B5-A948-AFF1-50426CFE3050}"/>
-              </a:ext>
-            </a:extLst>
-          </p:cNvPr>
-          <p:cNvCxnSpPr>
-            <a:cxnSpLocks/>
-            <a:stCxn id="7" idx="2"/>
-          </p:cNvCxnSpPr>
-          <p:nvPr/>
-        </p:nvCxnSpPr>
-        <p:spPr>
-          <a:xfrm rot="5400000">
-            <a:off x="4297742" y="1348429"/>
-            <a:ext cx="437362" cy="736693"/>
-          </a:xfrm>
-          <a:prstGeom prst="bentConnector2">
-            <a:avLst/>
-          </a:prstGeom>
-          <a:ln>
-            <a:tailEnd type="triangle"/>
-          </a:ln>
-        </p:spPr>
-        <p:style>
-          <a:lnRef idx="1">
-            <a:schemeClr val="dk1"/>
-          </a:lnRef>
-          <a:fillRef idx="0">
-            <a:schemeClr val="dk1"/>
-          </a:fillRef>
-          <a:effectRef idx="0">
-            <a:schemeClr val="dk1"/>
-          </a:effectRef>
-          <a:fontRef idx="minor">
-            <a:schemeClr val="tx1"/>
-          </a:fontRef>
-        </p:style>
-      </p:cxnSp>
-      <p:sp>
-        <p:nvSpPr>
-          <p:cNvPr id="9" name="TextBox 8">
-            <a:extLst>
-              <a:ext uri="{FF2B5EF4-FFF2-40B4-BE49-F238E27FC236}">
-                <a16:creationId xmlns:a16="http://schemas.microsoft.com/office/drawing/2014/main" id="{661F3FAD-F639-FF83-6881-6D5362C1DB52}"/>
-              </a:ext>
-            </a:extLst>
-          </p:cNvPr>
-          <p:cNvSpPr txBox="1"/>
-          <p:nvPr/>
-        </p:nvSpPr>
-        <p:spPr>
-          <a:xfrm>
-            <a:off x="4320014" y="757133"/>
-            <a:ext cx="1198235" cy="400110"/>
-          </a:xfrm>
-          <a:prstGeom prst="rect">
-            <a:avLst/>
-          </a:prstGeom>
-          <a:noFill/>
-        </p:spPr>
-        <p:txBody>
-          <a:bodyPr wrap="square" rtlCol="0">
-            <a:spAutoFit/>
-          </a:bodyPr>
-          <a:lstStyle/>
-          <a:p>
-            <a:r>
-              <a:rPr lang="en-US" sz="1000" dirty="0"/>
-              <a:t>Program system config file</a:t>
-            </a:r>
-            <a:endParaRPr lang="en-SG" sz="1000" dirty="0"/>
-          </a:p>
-        </p:txBody>
-      </p:sp>
-      <p:cxnSp>
-        <p:nvCxnSpPr>
-          <p:cNvPr id="2" name="Straight Arrow Connector 1">
-            <a:extLst>
-              <a:ext uri="{FF2B5EF4-FFF2-40B4-BE49-F238E27FC236}">
-                <a16:creationId xmlns:a16="http://schemas.microsoft.com/office/drawing/2014/main" id="{16546F25-A019-B50C-EA4B-8216CAF69CF3}"/>
-              </a:ext>
-            </a:extLst>
-          </p:cNvPr>
-          <p:cNvCxnSpPr>
-            <a:cxnSpLocks/>
-          </p:cNvCxnSpPr>
-          <p:nvPr/>
-        </p:nvCxnSpPr>
-        <p:spPr>
-          <a:xfrm>
-            <a:off x="3312698" y="2153694"/>
-            <a:ext cx="0" cy="303620"/>
-          </a:xfrm>
-          <a:prstGeom prst="straightConnector1">
-            <a:avLst/>
-          </a:prstGeom>
-          <a:ln w="19050">
-            <a:prstDash val="sysDash"/>
-            <a:tailEnd type="triangle"/>
-          </a:ln>
-        </p:spPr>
-        <p:style>
-          <a:lnRef idx="1">
-            <a:schemeClr val="accent1"/>
-          </a:lnRef>
-          <a:fillRef idx="0">
-            <a:schemeClr val="accent1"/>
-          </a:fillRef>
-          <a:effectRef idx="0">
-            <a:schemeClr val="accent1"/>
-          </a:effectRef>
-          <a:fontRef idx="minor">
-            <a:schemeClr val="tx1"/>
-          </a:fontRef>
-        </p:style>
-      </p:cxnSp>
-      <p:sp>
-        <p:nvSpPr>
-          <p:cNvPr id="3" name="Rectangle 2">
-            <a:extLst>
-              <a:ext uri="{FF2B5EF4-FFF2-40B4-BE49-F238E27FC236}">
-                <a16:creationId xmlns:a16="http://schemas.microsoft.com/office/drawing/2014/main" id="{95FB41B5-50B9-2F32-1752-AEB0D103E81B}"/>
-              </a:ext>
-            </a:extLst>
-          </p:cNvPr>
-          <p:cNvSpPr/>
-          <p:nvPr/>
-        </p:nvSpPr>
-        <p:spPr>
-          <a:xfrm>
-            <a:off x="2763683" y="2457314"/>
-            <a:ext cx="1411070" cy="482479"/>
-          </a:xfrm>
-          <a:prstGeom prst="rect">
-            <a:avLst/>
-          </a:prstGeom>
-        </p:spPr>
-        <p:style>
-          <a:lnRef idx="2">
-            <a:schemeClr val="accent1">
-              <a:shade val="50000"/>
-            </a:schemeClr>
-          </a:lnRef>
-          <a:fillRef idx="1">
-            <a:schemeClr val="accent1"/>
-          </a:fillRef>
-          <a:effectRef idx="0">
-            <a:schemeClr val="accent1"/>
-          </a:effectRef>
-          <a:fontRef idx="minor">
-            <a:schemeClr val="lt1"/>
-          </a:fontRef>
-        </p:style>
-        <p:txBody>
-          <a:bodyPr rtlCol="0" anchor="ctr"/>
-          <a:lstStyle/>
-          <a:p>
-            <a:r>
-              <a:rPr lang="en-US" sz="1200" b="1" dirty="0"/>
-              <a:t>Search MCQ source and load questions</a:t>
-            </a:r>
-            <a:endParaRPr lang="en-SG" sz="1200" b="1" dirty="0"/>
-          </a:p>
-        </p:txBody>
-      </p:sp>
       <p:pic>
         <p:nvPicPr>
           <p:cNvPr id="11" name="Picture 10">
             <a:extLst>
               <a:ext uri="{FF2B5EF4-FFF2-40B4-BE49-F238E27FC236}">
-                <a16:creationId xmlns:a16="http://schemas.microsoft.com/office/drawing/2014/main" id="{872D0F6D-1FD0-6273-3ADB-DEF005C33106}"/>
+                <a16:creationId xmlns:a16="http://schemas.microsoft.com/office/drawing/2014/main" id="{FE97D440-E913-FC4C-9C5C-E596CA82E834}"/>
               </a:ext>
             </a:extLst>
           </p:cNvPr>
@@ -3824,25 +3459,20 @@
         </p:blipFill>
         <p:spPr>
           <a:xfrm>
-            <a:off x="5518249" y="1652435"/>
-            <a:ext cx="424573" cy="490526"/>
-          </a:xfrm>
-          <a:prstGeom prst="rect">
-            <a:avLst/>
-          </a:prstGeom>
-          <a:ln w="3175">
-            <a:solidFill>
-              <a:schemeClr val="tx1"/>
-            </a:solidFill>
-          </a:ln>
+            <a:off x="4408466" y="957394"/>
+            <a:ext cx="706762" cy="687557"/>
+          </a:xfrm>
+          <a:prstGeom prst="rect">
+            <a:avLst/>
+          </a:prstGeom>
         </p:spPr>
       </p:pic>
       <p:pic>
         <p:nvPicPr>
-          <p:cNvPr id="13" name="Picture 12">
-            <a:extLst>
-              <a:ext uri="{FF2B5EF4-FFF2-40B4-BE49-F238E27FC236}">
-                <a16:creationId xmlns:a16="http://schemas.microsoft.com/office/drawing/2014/main" id="{529D2356-CE3C-FBB6-3FC8-26B1974E8F6D}"/>
+          <p:cNvPr id="5" name="Picture 4">
+            <a:extLst>
+              <a:ext uri="{FF2B5EF4-FFF2-40B4-BE49-F238E27FC236}">
+                <a16:creationId xmlns:a16="http://schemas.microsoft.com/office/drawing/2014/main" id="{145F52E5-B33C-AF6B-E4A3-F305F5BF21C7}"/>
               </a:ext>
             </a:extLst>
           </p:cNvPr>
@@ -3859,43 +3489,13 @@
         </p:blipFill>
         <p:spPr>
           <a:xfrm>
-            <a:off x="5495869" y="2457314"/>
-            <a:ext cx="469332" cy="536380"/>
-          </a:xfrm>
-          <a:prstGeom prst="rect">
-            <a:avLst/>
-          </a:prstGeom>
-        </p:spPr>
-      </p:pic>
-      <p:pic>
-        <p:nvPicPr>
-          <p:cNvPr id="15" name="Picture 14">
-            <a:extLst>
-              <a:ext uri="{FF2B5EF4-FFF2-40B4-BE49-F238E27FC236}">
-                <a16:creationId xmlns:a16="http://schemas.microsoft.com/office/drawing/2014/main" id="{853EAAC3-9719-3E77-9D4B-6160B41F1F6D}"/>
-              </a:ext>
-            </a:extLst>
-          </p:cNvPr>
-          <p:cNvPicPr>
-            <a:picLocks noChangeAspect="1"/>
-          </p:cNvPicPr>
-          <p:nvPr/>
-        </p:nvPicPr>
-        <p:blipFill>
-          <a:blip r:embed="rId5"/>
-          <a:stretch>
-            <a:fillRect/>
-          </a:stretch>
-        </p:blipFill>
-        <p:spPr>
-          <a:xfrm>
-            <a:off x="6387025" y="1631194"/>
-            <a:ext cx="493484" cy="501895"/>
-          </a:xfrm>
-          <a:prstGeom prst="rect">
-            <a:avLst/>
-          </a:prstGeom>
-          <a:ln w="3175">
+            <a:off x="1998440" y="887676"/>
+            <a:ext cx="1411433" cy="1448382"/>
+          </a:xfrm>
+          <a:prstGeom prst="rect">
+            <a:avLst/>
+          </a:prstGeom>
+          <a:ln w="9525">
             <a:solidFill>
               <a:schemeClr val="tx1"/>
             </a:solidFill>
@@ -3904,10 +3504,390 @@
       </p:pic>
       <p:pic>
         <p:nvPicPr>
-          <p:cNvPr id="17" name="Picture 16">
-            <a:extLst>
-              <a:ext uri="{FF2B5EF4-FFF2-40B4-BE49-F238E27FC236}">
-                <a16:creationId xmlns:a16="http://schemas.microsoft.com/office/drawing/2014/main" id="{AC733978-6AFB-DEB7-E44A-45A3D4A5A7DA}"/>
+          <p:cNvPr id="7" name="Picture 6">
+            <a:extLst>
+              <a:ext uri="{FF2B5EF4-FFF2-40B4-BE49-F238E27FC236}">
+                <a16:creationId xmlns:a16="http://schemas.microsoft.com/office/drawing/2014/main" id="{86B4B6D6-999F-5907-DEA3-8857AA5CC28F}"/>
+              </a:ext>
+            </a:extLst>
+          </p:cNvPr>
+          <p:cNvPicPr>
+            <a:picLocks noChangeAspect="1"/>
+          </p:cNvPicPr>
+          <p:nvPr/>
+        </p:nvPicPr>
+        <p:blipFill rotWithShape="1">
+          <a:blip r:embed="rId5"/>
+          <a:srcRect l="76289"/>
+          <a:stretch/>
+        </p:blipFill>
+        <p:spPr>
+          <a:xfrm>
+            <a:off x="6087128" y="940856"/>
+            <a:ext cx="917873" cy="1134644"/>
+          </a:xfrm>
+          <a:prstGeom prst="rect">
+            <a:avLst/>
+          </a:prstGeom>
+          <a:ln w="9525">
+            <a:solidFill>
+              <a:schemeClr val="tx1"/>
+            </a:solidFill>
+          </a:ln>
+        </p:spPr>
+      </p:pic>
+      <p:pic>
+        <p:nvPicPr>
+          <p:cNvPr id="12" name="Picture 11">
+            <a:extLst>
+              <a:ext uri="{FF2B5EF4-FFF2-40B4-BE49-F238E27FC236}">
+                <a16:creationId xmlns:a16="http://schemas.microsoft.com/office/drawing/2014/main" id="{2199E26E-03A4-047B-E22D-EE52AA3DD599}"/>
+              </a:ext>
+            </a:extLst>
+          </p:cNvPr>
+          <p:cNvPicPr>
+            <a:picLocks noChangeAspect="1"/>
+          </p:cNvPicPr>
+          <p:nvPr/>
+        </p:nvPicPr>
+        <p:blipFill rotWithShape="1">
+          <a:blip r:embed="rId5"/>
+          <a:srcRect l="50086" r="23420"/>
+          <a:stretch/>
+        </p:blipFill>
+        <p:spPr>
+          <a:xfrm>
+            <a:off x="6426691" y="1217855"/>
+            <a:ext cx="1025611" cy="1134644"/>
+          </a:xfrm>
+          <a:prstGeom prst="rect">
+            <a:avLst/>
+          </a:prstGeom>
+          <a:ln w="9525">
+            <a:solidFill>
+              <a:schemeClr val="tx1"/>
+            </a:solidFill>
+          </a:ln>
+        </p:spPr>
+      </p:pic>
+      <p:pic>
+        <p:nvPicPr>
+          <p:cNvPr id="13" name="Picture 12">
+            <a:extLst>
+              <a:ext uri="{FF2B5EF4-FFF2-40B4-BE49-F238E27FC236}">
+                <a16:creationId xmlns:a16="http://schemas.microsoft.com/office/drawing/2014/main" id="{E0C5A370-2A94-7B15-5C63-EE1A317A15EC}"/>
+              </a:ext>
+            </a:extLst>
+          </p:cNvPr>
+          <p:cNvPicPr>
+            <a:picLocks noChangeAspect="1"/>
+          </p:cNvPicPr>
+          <p:nvPr/>
+        </p:nvPicPr>
+        <p:blipFill rotWithShape="1">
+          <a:blip r:embed="rId5"/>
+          <a:srcRect r="74783"/>
+          <a:stretch/>
+        </p:blipFill>
+        <p:spPr>
+          <a:xfrm>
+            <a:off x="6856472" y="1044545"/>
+            <a:ext cx="976184" cy="1134644"/>
+          </a:xfrm>
+          <a:prstGeom prst="rect">
+            <a:avLst/>
+          </a:prstGeom>
+          <a:ln w="9525">
+            <a:solidFill>
+              <a:schemeClr val="tx1"/>
+            </a:solidFill>
+          </a:ln>
+        </p:spPr>
+      </p:pic>
+      <p:sp>
+        <p:nvSpPr>
+          <p:cNvPr id="14" name="TextBox 13">
+            <a:extLst>
+              <a:ext uri="{FF2B5EF4-FFF2-40B4-BE49-F238E27FC236}">
+                <a16:creationId xmlns:a16="http://schemas.microsoft.com/office/drawing/2014/main" id="{14802D00-3005-C54B-A828-F4CF315C02CF}"/>
+              </a:ext>
+            </a:extLst>
+          </p:cNvPr>
+          <p:cNvSpPr txBox="1"/>
+          <p:nvPr/>
+        </p:nvSpPr>
+        <p:spPr>
+          <a:xfrm>
+            <a:off x="1953737" y="568610"/>
+            <a:ext cx="1721825" cy="307777"/>
+          </a:xfrm>
+          <a:prstGeom prst="rect">
+            <a:avLst/>
+          </a:prstGeom>
+          <a:noFill/>
+        </p:spPr>
+        <p:txBody>
+          <a:bodyPr wrap="square">
+            <a:spAutoFit/>
+          </a:bodyPr>
+          <a:lstStyle/>
+          <a:p>
+            <a:r>
+              <a:rPr lang="en-SG" sz="1400" b="1" dirty="0">
+                <a:solidFill>
+                  <a:schemeClr val="bg1"/>
+                </a:solidFill>
+              </a:rPr>
+              <a:t>Security Exam MCQ </a:t>
+            </a:r>
+          </a:p>
+        </p:txBody>
+      </p:sp>
+      <p:sp>
+        <p:nvSpPr>
+          <p:cNvPr id="15" name="TextBox 14">
+            <a:extLst>
+              <a:ext uri="{FF2B5EF4-FFF2-40B4-BE49-F238E27FC236}">
+                <a16:creationId xmlns:a16="http://schemas.microsoft.com/office/drawing/2014/main" id="{E43F5B02-404A-EAFF-BB97-AE5480EFF3B5}"/>
+              </a:ext>
+            </a:extLst>
+          </p:cNvPr>
+          <p:cNvSpPr txBox="1"/>
+          <p:nvPr/>
+        </p:nvSpPr>
+        <p:spPr>
+          <a:xfrm>
+            <a:off x="4006410" y="560306"/>
+            <a:ext cx="1571162" cy="307777"/>
+          </a:xfrm>
+          <a:prstGeom prst="rect">
+            <a:avLst/>
+          </a:prstGeom>
+          <a:noFill/>
+        </p:spPr>
+        <p:txBody>
+          <a:bodyPr wrap="square">
+            <a:spAutoFit/>
+          </a:bodyPr>
+          <a:lstStyle/>
+          <a:p>
+            <a:r>
+              <a:rPr lang="en-SG" sz="1400" b="1" dirty="0">
+                <a:solidFill>
+                  <a:schemeClr val="bg1"/>
+                </a:solidFill>
+              </a:rPr>
+              <a:t>MCG-GPT-BOT</a:t>
+            </a:r>
+          </a:p>
+        </p:txBody>
+      </p:sp>
+      <p:sp>
+        <p:nvSpPr>
+          <p:cNvPr id="16" name="TextBox 15">
+            <a:extLst>
+              <a:ext uri="{FF2B5EF4-FFF2-40B4-BE49-F238E27FC236}">
+                <a16:creationId xmlns:a16="http://schemas.microsoft.com/office/drawing/2014/main" id="{088770A3-C80B-EF9F-1C2C-CD02F338A735}"/>
+              </a:ext>
+            </a:extLst>
+          </p:cNvPr>
+          <p:cNvSpPr txBox="1"/>
+          <p:nvPr/>
+        </p:nvSpPr>
+        <p:spPr>
+          <a:xfrm>
+            <a:off x="5959746" y="591084"/>
+            <a:ext cx="1837536" cy="307777"/>
+          </a:xfrm>
+          <a:prstGeom prst="rect">
+            <a:avLst/>
+          </a:prstGeom>
+          <a:noFill/>
+        </p:spPr>
+        <p:txBody>
+          <a:bodyPr wrap="square">
+            <a:spAutoFit/>
+          </a:bodyPr>
+          <a:lstStyle/>
+          <a:p>
+            <a:r>
+              <a:rPr lang="en-SG" sz="1400" b="1" dirty="0">
+                <a:solidFill>
+                  <a:schemeClr val="bg1"/>
+                </a:solidFill>
+              </a:rPr>
+              <a:t>Answers + Correct %</a:t>
+            </a:r>
+            <a:r>
+              <a:rPr lang="en-SG" sz="1200" b="1" dirty="0">
+                <a:solidFill>
+                  <a:schemeClr val="bg1"/>
+                </a:solidFill>
+              </a:rPr>
+              <a:t> </a:t>
+            </a:r>
+          </a:p>
+        </p:txBody>
+      </p:sp>
+      <p:sp>
+        <p:nvSpPr>
+          <p:cNvPr id="17" name="Arrow: Right 16">
+            <a:extLst>
+              <a:ext uri="{FF2B5EF4-FFF2-40B4-BE49-F238E27FC236}">
+                <a16:creationId xmlns:a16="http://schemas.microsoft.com/office/drawing/2014/main" id="{06FA2210-0581-AD40-D9A6-78EC16887258}"/>
+              </a:ext>
+            </a:extLst>
+          </p:cNvPr>
+          <p:cNvSpPr/>
+          <p:nvPr/>
+        </p:nvSpPr>
+        <p:spPr>
+          <a:xfrm>
+            <a:off x="3484882" y="1462114"/>
+            <a:ext cx="494746" cy="276999"/>
+          </a:xfrm>
+          <a:prstGeom prst="rightArrow">
+            <a:avLst/>
+          </a:prstGeom>
+          <a:solidFill>
+            <a:schemeClr val="bg1"/>
+          </a:solidFill>
+        </p:spPr>
+        <p:style>
+          <a:lnRef idx="2">
+            <a:schemeClr val="accent1">
+              <a:shade val="15000"/>
+            </a:schemeClr>
+          </a:lnRef>
+          <a:fillRef idx="1">
+            <a:schemeClr val="accent1"/>
+          </a:fillRef>
+          <a:effectRef idx="0">
+            <a:schemeClr val="accent1"/>
+          </a:effectRef>
+          <a:fontRef idx="minor">
+            <a:schemeClr val="lt1"/>
+          </a:fontRef>
+        </p:style>
+        <p:txBody>
+          <a:bodyPr rtlCol="0" anchor="ctr"/>
+          <a:lstStyle/>
+          <a:p>
+            <a:pPr algn="ctr"/>
+            <a:endParaRPr lang="en-SG"/>
+          </a:p>
+        </p:txBody>
+      </p:sp>
+      <p:sp>
+        <p:nvSpPr>
+          <p:cNvPr id="18" name="Arrow: Right 17">
+            <a:extLst>
+              <a:ext uri="{FF2B5EF4-FFF2-40B4-BE49-F238E27FC236}">
+                <a16:creationId xmlns:a16="http://schemas.microsoft.com/office/drawing/2014/main" id="{2209FC53-53CB-3626-36C1-03FAA26622F8}"/>
+              </a:ext>
+            </a:extLst>
+          </p:cNvPr>
+          <p:cNvSpPr/>
+          <p:nvPr/>
+        </p:nvSpPr>
+        <p:spPr>
+          <a:xfrm>
+            <a:off x="5542502" y="1462114"/>
+            <a:ext cx="494746" cy="276999"/>
+          </a:xfrm>
+          <a:prstGeom prst="rightArrow">
+            <a:avLst/>
+          </a:prstGeom>
+          <a:solidFill>
+            <a:schemeClr val="bg1"/>
+          </a:solidFill>
+        </p:spPr>
+        <p:style>
+          <a:lnRef idx="2">
+            <a:schemeClr val="accent1">
+              <a:shade val="15000"/>
+            </a:schemeClr>
+          </a:lnRef>
+          <a:fillRef idx="1">
+            <a:schemeClr val="accent1"/>
+          </a:fillRef>
+          <a:effectRef idx="0">
+            <a:schemeClr val="accent1"/>
+          </a:effectRef>
+          <a:fontRef idx="minor">
+            <a:schemeClr val="lt1"/>
+          </a:fontRef>
+        </p:style>
+        <p:txBody>
+          <a:bodyPr rtlCol="0" anchor="ctr"/>
+          <a:lstStyle/>
+          <a:p>
+            <a:pPr algn="ctr"/>
+            <a:endParaRPr lang="en-SG"/>
+          </a:p>
+        </p:txBody>
+      </p:sp>
+      <p:sp>
+        <p:nvSpPr>
+          <p:cNvPr id="4" name="Rectangle 3">
+            <a:extLst>
+              <a:ext uri="{FF2B5EF4-FFF2-40B4-BE49-F238E27FC236}">
+                <a16:creationId xmlns:a16="http://schemas.microsoft.com/office/drawing/2014/main" id="{AE87D70B-26CA-C3DB-FE10-1A1C73ABFDC0}"/>
+              </a:ext>
+            </a:extLst>
+          </p:cNvPr>
+          <p:cNvSpPr/>
+          <p:nvPr/>
+        </p:nvSpPr>
+        <p:spPr>
+          <a:xfrm>
+            <a:off x="1786700" y="3438842"/>
+            <a:ext cx="2712349" cy="2134450"/>
+          </a:xfrm>
+          <a:prstGeom prst="rect">
+            <a:avLst/>
+          </a:prstGeom>
+          <a:solidFill>
+            <a:schemeClr val="accent6">
+              <a:lumMod val="20000"/>
+              <a:lumOff val="80000"/>
+            </a:schemeClr>
+          </a:solidFill>
+          <a:ln>
+            <a:prstDash val="sysDash"/>
+          </a:ln>
+        </p:spPr>
+        <p:style>
+          <a:lnRef idx="2">
+            <a:schemeClr val="accent1">
+              <a:shade val="15000"/>
+            </a:schemeClr>
+          </a:lnRef>
+          <a:fillRef idx="1">
+            <a:schemeClr val="accent1"/>
+          </a:fillRef>
+          <a:effectRef idx="0">
+            <a:schemeClr val="accent1"/>
+          </a:effectRef>
+          <a:fontRef idx="minor">
+            <a:schemeClr val="lt1"/>
+          </a:fontRef>
+        </p:style>
+        <p:txBody>
+          <a:bodyPr rtlCol="0" anchor="ctr"/>
+          <a:lstStyle/>
+          <a:p>
+            <a:pPr algn="ctr"/>
+            <a:endParaRPr lang="en-SG" dirty="0"/>
+          </a:p>
+        </p:txBody>
+      </p:sp>
+      <p:pic>
+        <p:nvPicPr>
+          <p:cNvPr id="3" name="Picture 2">
+            <a:extLst>
+              <a:ext uri="{FF2B5EF4-FFF2-40B4-BE49-F238E27FC236}">
+                <a16:creationId xmlns:a16="http://schemas.microsoft.com/office/drawing/2014/main" id="{C1EC847A-29C4-3148-D4C9-07E21A46F37C}"/>
               </a:ext>
             </a:extLst>
           </p:cNvPr>
@@ -3924,20 +3904,25 @@
         </p:blipFill>
         <p:spPr>
           <a:xfrm>
-            <a:off x="6379683" y="2458367"/>
-            <a:ext cx="469333" cy="495589"/>
-          </a:xfrm>
-          <a:prstGeom prst="rect">
-            <a:avLst/>
-          </a:prstGeom>
+            <a:off x="2078566" y="3798547"/>
+            <a:ext cx="336995" cy="389344"/>
+          </a:xfrm>
+          <a:prstGeom prst="rect">
+            <a:avLst/>
+          </a:prstGeom>
+          <a:ln w="3175">
+            <a:solidFill>
+              <a:schemeClr val="tx1"/>
+            </a:solidFill>
+          </a:ln>
         </p:spPr>
       </p:pic>
       <p:pic>
         <p:nvPicPr>
-          <p:cNvPr id="19" name="Picture 18">
-            <a:extLst>
-              <a:ext uri="{FF2B5EF4-FFF2-40B4-BE49-F238E27FC236}">
-                <a16:creationId xmlns:a16="http://schemas.microsoft.com/office/drawing/2014/main" id="{ED7C6FDE-566F-28B3-9276-48D50823F3DA}"/>
+          <p:cNvPr id="6" name="Picture 5">
+            <a:extLst>
+              <a:ext uri="{FF2B5EF4-FFF2-40B4-BE49-F238E27FC236}">
+                <a16:creationId xmlns:a16="http://schemas.microsoft.com/office/drawing/2014/main" id="{8FE97477-D43B-D323-2A83-45EE5F717347}"/>
               </a:ext>
             </a:extLst>
           </p:cNvPr>
@@ -3954,8 +3939,8 @@
         </p:blipFill>
         <p:spPr>
           <a:xfrm>
-            <a:off x="5459759" y="3235904"/>
-            <a:ext cx="678634" cy="268470"/>
+            <a:off x="2063035" y="4494369"/>
+            <a:ext cx="377556" cy="431493"/>
           </a:xfrm>
           <a:prstGeom prst="rect">
             <a:avLst/>
@@ -3964,10 +3949,10 @@
       </p:pic>
       <p:pic>
         <p:nvPicPr>
-          <p:cNvPr id="21" name="Picture 20">
-            <a:extLst>
-              <a:ext uri="{FF2B5EF4-FFF2-40B4-BE49-F238E27FC236}">
-                <a16:creationId xmlns:a16="http://schemas.microsoft.com/office/drawing/2014/main" id="{295A519A-8221-D735-A411-18BC1849FDCE}"/>
+          <p:cNvPr id="8" name="Picture 7">
+            <a:extLst>
+              <a:ext uri="{FF2B5EF4-FFF2-40B4-BE49-F238E27FC236}">
+                <a16:creationId xmlns:a16="http://schemas.microsoft.com/office/drawing/2014/main" id="{4D212D16-C88A-1C82-F818-317CB38459E2}"/>
               </a:ext>
             </a:extLst>
           </p:cNvPr>
@@ -3984,20 +3969,25 @@
         </p:blipFill>
         <p:spPr>
           <a:xfrm>
-            <a:off x="6306981" y="3168893"/>
-            <a:ext cx="469333" cy="378074"/>
-          </a:xfrm>
-          <a:prstGeom prst="rect">
-            <a:avLst/>
-          </a:prstGeom>
+            <a:off x="2844231" y="3777307"/>
+            <a:ext cx="420784" cy="427956"/>
+          </a:xfrm>
+          <a:prstGeom prst="rect">
+            <a:avLst/>
+          </a:prstGeom>
+          <a:ln w="3175">
+            <a:solidFill>
+              <a:schemeClr val="tx1"/>
+            </a:solidFill>
+          </a:ln>
         </p:spPr>
       </p:pic>
       <p:pic>
         <p:nvPicPr>
-          <p:cNvPr id="23" name="Picture 22">
-            <a:extLst>
-              <a:ext uri="{FF2B5EF4-FFF2-40B4-BE49-F238E27FC236}">
-                <a16:creationId xmlns:a16="http://schemas.microsoft.com/office/drawing/2014/main" id="{3571726D-1747-9369-2E38-FBF6B3B03FE6}"/>
+          <p:cNvPr id="10" name="Picture 9">
+            <a:extLst>
+              <a:ext uri="{FF2B5EF4-FFF2-40B4-BE49-F238E27FC236}">
+                <a16:creationId xmlns:a16="http://schemas.microsoft.com/office/drawing/2014/main" id="{32D69504-2CFB-CC62-13B8-A8DDC39C9E76}"/>
               </a:ext>
             </a:extLst>
           </p:cNvPr>
@@ -4014,20 +4004,110 @@
         </p:blipFill>
         <p:spPr>
           <a:xfrm>
-            <a:off x="7263124" y="1735378"/>
-            <a:ext cx="640985" cy="407583"/>
+            <a:off x="2827934" y="4491545"/>
+            <a:ext cx="392422" cy="414375"/>
           </a:xfrm>
           <a:prstGeom prst="rect">
             <a:avLst/>
           </a:prstGeom>
         </p:spPr>
       </p:pic>
-      <p:sp>
-        <p:nvSpPr>
-          <p:cNvPr id="25" name="TextBox 24">
-            <a:extLst>
-              <a:ext uri="{FF2B5EF4-FFF2-40B4-BE49-F238E27FC236}">
-                <a16:creationId xmlns:a16="http://schemas.microsoft.com/office/drawing/2014/main" id="{EC3EE384-ED70-6EAA-4C8C-7B433FA8124A}"/>
+      <p:pic>
+        <p:nvPicPr>
+          <p:cNvPr id="19" name="Picture 18">
+            <a:extLst>
+              <a:ext uri="{FF2B5EF4-FFF2-40B4-BE49-F238E27FC236}">
+                <a16:creationId xmlns:a16="http://schemas.microsoft.com/office/drawing/2014/main" id="{EF4F38E3-5421-82E9-0E3A-657812E0BFD5}"/>
+              </a:ext>
+            </a:extLst>
+          </p:cNvPr>
+          <p:cNvPicPr>
+            <a:picLocks noChangeAspect="1"/>
+          </p:cNvPicPr>
+          <p:nvPr/>
+        </p:nvPicPr>
+        <p:blipFill>
+          <a:blip r:embed="rId10"/>
+          <a:stretch>
+            <a:fillRect/>
+          </a:stretch>
+        </p:blipFill>
+        <p:spPr>
+          <a:xfrm>
+            <a:off x="1975324" y="5259564"/>
+            <a:ext cx="602386" cy="238306"/>
+          </a:xfrm>
+          <a:prstGeom prst="rect">
+            <a:avLst/>
+          </a:prstGeom>
+        </p:spPr>
+      </p:pic>
+      <p:pic>
+        <p:nvPicPr>
+          <p:cNvPr id="20" name="Picture 19">
+            <a:extLst>
+              <a:ext uri="{FF2B5EF4-FFF2-40B4-BE49-F238E27FC236}">
+                <a16:creationId xmlns:a16="http://schemas.microsoft.com/office/drawing/2014/main" id="{8124FEE0-562F-1AFD-CDE2-64D6E3549FC5}"/>
+              </a:ext>
+            </a:extLst>
+          </p:cNvPr>
+          <p:cNvPicPr>
+            <a:picLocks noChangeAspect="1"/>
+          </p:cNvPicPr>
+          <p:nvPr/>
+        </p:nvPicPr>
+        <p:blipFill>
+          <a:blip r:embed="rId11"/>
+          <a:stretch>
+            <a:fillRect/>
+          </a:stretch>
+        </p:blipFill>
+        <p:spPr>
+          <a:xfrm>
+            <a:off x="2655389" y="5211079"/>
+            <a:ext cx="368991" cy="297243"/>
+          </a:xfrm>
+          <a:prstGeom prst="rect">
+            <a:avLst/>
+          </a:prstGeom>
+        </p:spPr>
+      </p:pic>
+      <p:pic>
+        <p:nvPicPr>
+          <p:cNvPr id="21" name="Picture 20">
+            <a:extLst>
+              <a:ext uri="{FF2B5EF4-FFF2-40B4-BE49-F238E27FC236}">
+                <a16:creationId xmlns:a16="http://schemas.microsoft.com/office/drawing/2014/main" id="{8BA3AEFA-4063-CA3B-B81D-7882786A8C10}"/>
+              </a:ext>
+            </a:extLst>
+          </p:cNvPr>
+          <p:cNvPicPr>
+            <a:picLocks noChangeAspect="1"/>
+          </p:cNvPicPr>
+          <p:nvPr/>
+        </p:nvPicPr>
+        <p:blipFill>
+          <a:blip r:embed="rId12"/>
+          <a:stretch>
+            <a:fillRect/>
+          </a:stretch>
+        </p:blipFill>
+        <p:spPr>
+          <a:xfrm>
+            <a:off x="3720331" y="3881490"/>
+            <a:ext cx="519772" cy="330507"/>
+          </a:xfrm>
+          <a:prstGeom prst="rect">
+            <a:avLst/>
+          </a:prstGeom>
+        </p:spPr>
+      </p:pic>
+      <p:sp>
+        <p:nvSpPr>
+          <p:cNvPr id="22" name="TextBox 21">
+            <a:extLst>
+              <a:ext uri="{FF2B5EF4-FFF2-40B4-BE49-F238E27FC236}">
+                <a16:creationId xmlns:a16="http://schemas.microsoft.com/office/drawing/2014/main" id="{574D61B8-FEE1-AE92-8BBD-7A59015C289A}"/>
               </a:ext>
             </a:extLst>
           </p:cNvPr>
@@ -4036,7 +4116,7 @@
         </p:nvSpPr>
         <p:spPr>
           <a:xfrm>
-            <a:off x="5329494" y="1361759"/>
+            <a:off x="1786700" y="3507871"/>
             <a:ext cx="910357" cy="268469"/>
           </a:xfrm>
           <a:prstGeom prst="rect">
@@ -4074,10 +4154,10 @@
       </p:sp>
       <p:sp>
         <p:nvSpPr>
-          <p:cNvPr id="26" name="TextBox 25">
-            <a:extLst>
-              <a:ext uri="{FF2B5EF4-FFF2-40B4-BE49-F238E27FC236}">
-                <a16:creationId xmlns:a16="http://schemas.microsoft.com/office/drawing/2014/main" id="{71846861-4ADF-6F56-3968-4074309336F0}"/>
+          <p:cNvPr id="23" name="TextBox 22">
+            <a:extLst>
+              <a:ext uri="{FF2B5EF4-FFF2-40B4-BE49-F238E27FC236}">
+                <a16:creationId xmlns:a16="http://schemas.microsoft.com/office/drawing/2014/main" id="{4112C02F-DEC4-19A0-CFD9-664B5DDE7E7B}"/>
               </a:ext>
             </a:extLst>
           </p:cNvPr>
@@ -4086,7 +4166,7 @@
         </p:nvSpPr>
         <p:spPr>
           <a:xfrm>
-            <a:off x="6264678" y="1358305"/>
+            <a:off x="2721884" y="3504417"/>
             <a:ext cx="910357" cy="268469"/>
           </a:xfrm>
           <a:prstGeom prst="rect">
@@ -4124,10 +4204,10 @@
       </p:sp>
       <p:sp>
         <p:nvSpPr>
-          <p:cNvPr id="27" name="TextBox 26">
-            <a:extLst>
-              <a:ext uri="{FF2B5EF4-FFF2-40B4-BE49-F238E27FC236}">
-                <a16:creationId xmlns:a16="http://schemas.microsoft.com/office/drawing/2014/main" id="{335BD7A7-EE71-6D35-630A-E971B7D80359}"/>
+          <p:cNvPr id="24" name="TextBox 23">
+            <a:extLst>
+              <a:ext uri="{FF2B5EF4-FFF2-40B4-BE49-F238E27FC236}">
+                <a16:creationId xmlns:a16="http://schemas.microsoft.com/office/drawing/2014/main" id="{04CE43A7-7FF1-F3F8-A520-9844405968AA}"/>
               </a:ext>
             </a:extLst>
           </p:cNvPr>
@@ -4136,7 +4216,7 @@
         </p:nvSpPr>
         <p:spPr>
           <a:xfrm>
-            <a:off x="7214938" y="1337512"/>
+            <a:off x="3672144" y="3483624"/>
             <a:ext cx="910357" cy="430887"/>
           </a:xfrm>
           <a:prstGeom prst="rect">
@@ -4174,10 +4254,10 @@
       </p:sp>
       <p:sp>
         <p:nvSpPr>
-          <p:cNvPr id="28" name="TextBox 27">
-            <a:extLst>
-              <a:ext uri="{FF2B5EF4-FFF2-40B4-BE49-F238E27FC236}">
-                <a16:creationId xmlns:a16="http://schemas.microsoft.com/office/drawing/2014/main" id="{BFB1CD6C-4286-79E9-F734-1E3204A99075}"/>
+          <p:cNvPr id="25" name="TextBox 24">
+            <a:extLst>
+              <a:ext uri="{FF2B5EF4-FFF2-40B4-BE49-F238E27FC236}">
+                <a16:creationId xmlns:a16="http://schemas.microsoft.com/office/drawing/2014/main" id="{2D9CC253-08BF-DEA8-5699-657CF81F4B64}"/>
               </a:ext>
             </a:extLst>
           </p:cNvPr>
@@ -4186,7 +4266,7 @@
         </p:nvSpPr>
         <p:spPr>
           <a:xfrm>
-            <a:off x="5381500" y="2184199"/>
+            <a:off x="1795300" y="4210325"/>
             <a:ext cx="1122644" cy="261610"/>
           </a:xfrm>
           <a:prstGeom prst="rect">
@@ -4224,10 +4304,10 @@
       </p:sp>
       <p:sp>
         <p:nvSpPr>
-          <p:cNvPr id="29" name="TextBox 28">
-            <a:extLst>
-              <a:ext uri="{FF2B5EF4-FFF2-40B4-BE49-F238E27FC236}">
-                <a16:creationId xmlns:a16="http://schemas.microsoft.com/office/drawing/2014/main" id="{37B42B13-7033-282B-08C1-E31150EA11FA}"/>
+          <p:cNvPr id="26" name="TextBox 25">
+            <a:extLst>
+              <a:ext uri="{FF2B5EF4-FFF2-40B4-BE49-F238E27FC236}">
+                <a16:creationId xmlns:a16="http://schemas.microsoft.com/office/drawing/2014/main" id="{F2D31A1E-7015-4DBF-CC77-62CF198FCD7C}"/>
               </a:ext>
             </a:extLst>
           </p:cNvPr>
@@ -4236,7 +4316,7 @@
         </p:nvSpPr>
         <p:spPr>
           <a:xfrm>
-            <a:off x="6352497" y="2208051"/>
+            <a:off x="2764648" y="4235477"/>
             <a:ext cx="455312" cy="261610"/>
           </a:xfrm>
           <a:prstGeom prst="rect">
@@ -4266,10 +4346,10 @@
       </p:sp>
       <p:sp>
         <p:nvSpPr>
-          <p:cNvPr id="30" name="TextBox 29">
-            <a:extLst>
-              <a:ext uri="{FF2B5EF4-FFF2-40B4-BE49-F238E27FC236}">
-                <a16:creationId xmlns:a16="http://schemas.microsoft.com/office/drawing/2014/main" id="{A4B9F9E9-51E7-092D-7642-6C5292CA3936}"/>
+          <p:cNvPr id="27" name="TextBox 26">
+            <a:extLst>
+              <a:ext uri="{FF2B5EF4-FFF2-40B4-BE49-F238E27FC236}">
+                <a16:creationId xmlns:a16="http://schemas.microsoft.com/office/drawing/2014/main" id="{F7AE686C-45FA-FE56-2881-4C9C77F1048D}"/>
               </a:ext>
             </a:extLst>
           </p:cNvPr>
@@ -4278,8 +4358,8 @@
         </p:nvSpPr>
         <p:spPr>
           <a:xfrm>
-            <a:off x="6779167" y="3116080"/>
-            <a:ext cx="910357" cy="430887"/>
+            <a:off x="1823528" y="4963972"/>
+            <a:ext cx="1727342" cy="261610"/>
           </a:xfrm>
           <a:prstGeom prst="rect">
             <a:avLst/>
@@ -4301,29 +4381,7 @@
                   </a:schemeClr>
                 </a:solidFill>
               </a:rPr>
-              <a:t>CTF-D </a:t>
-            </a:r>
-            <a:r>
-              <a:rPr lang="en-US" sz="1100" b="1" dirty="0" err="1">
-                <a:solidFill>
-                  <a:schemeClr val="tx1">
-                    <a:lumMod val="75000"/>
-                    <a:lumOff val="25000"/>
-                  </a:schemeClr>
-                </a:solidFill>
-              </a:rPr>
-              <a:t>url</a:t>
-            </a:r>
-            <a:r>
-              <a:rPr lang="en-US" sz="1100" b="1" dirty="0">
-                <a:solidFill>
-                  <a:schemeClr val="tx1">
-                    <a:lumMod val="75000"/>
-                    <a:lumOff val="25000"/>
-                  </a:schemeClr>
-                </a:solidFill>
-              </a:rPr>
-              <a:t> + login cookie</a:t>
+              <a:t>CTF-D URL + login cookie</a:t>
             </a:r>
             <a:endParaRPr lang="en-SG" sz="1100" b="1" dirty="0">
               <a:solidFill>
@@ -4338,10 +4396,10 @@
       </p:sp>
       <p:sp>
         <p:nvSpPr>
-          <p:cNvPr id="31" name="TextBox 30">
-            <a:extLst>
-              <a:ext uri="{FF2B5EF4-FFF2-40B4-BE49-F238E27FC236}">
-                <a16:creationId xmlns:a16="http://schemas.microsoft.com/office/drawing/2014/main" id="{EB63DFD8-F1B6-1314-6A00-F6DF36F4C3B4}"/>
+          <p:cNvPr id="28" name="TextBox 27">
+            <a:extLst>
+              <a:ext uri="{FF2B5EF4-FFF2-40B4-BE49-F238E27FC236}">
+                <a16:creationId xmlns:a16="http://schemas.microsoft.com/office/drawing/2014/main" id="{0C90DB3D-9D9A-0BF6-02EF-F5DAD31D3358}"/>
               </a:ext>
             </a:extLst>
           </p:cNvPr>
@@ -4350,8 +4408,8 @@
         </p:nvSpPr>
         <p:spPr>
           <a:xfrm>
-            <a:off x="6123898" y="3198783"/>
-            <a:ext cx="368990" cy="261610"/>
+            <a:off x="1838707" y="3172916"/>
+            <a:ext cx="2646932" cy="276999"/>
           </a:xfrm>
           <a:prstGeom prst="rect">
             <a:avLst/>
@@ -4365,7 +4423,7 @@
           <a:lstStyle/>
           <a:p>
             <a:r>
-              <a:rPr lang="en-US" sz="1100" b="1" dirty="0">
+              <a:rPr lang="en-US" sz="1200" b="1" dirty="0">
                 <a:solidFill>
                   <a:schemeClr val="tx1">
                     <a:lumMod val="75000"/>
@@ -4373,9 +4431,9 @@
                   </a:schemeClr>
                 </a:solidFill>
               </a:rPr>
-              <a:t>+</a:t>
-            </a:r>
-            <a:endParaRPr lang="en-SG" sz="1100" b="1" dirty="0">
+              <a:t>Security Multi-choice question source</a:t>
+            </a:r>
+            <a:endParaRPr lang="en-SG" sz="1200" b="1" dirty="0">
               <a:solidFill>
                 <a:schemeClr val="tx1">
                   <a:lumMod val="75000"/>
@@ -4386,1415 +4444,12 @@
           </a:p>
         </p:txBody>
       </p:sp>
-      <p:cxnSp>
-        <p:nvCxnSpPr>
-          <p:cNvPr id="32" name="Straight Arrow Connector 31">
-            <a:extLst>
-              <a:ext uri="{FF2B5EF4-FFF2-40B4-BE49-F238E27FC236}">
-                <a16:creationId xmlns:a16="http://schemas.microsoft.com/office/drawing/2014/main" id="{EA0BC1FA-38C7-9F58-78FA-02C6C1B5EF1B}"/>
-              </a:ext>
-            </a:extLst>
-          </p:cNvPr>
-          <p:cNvCxnSpPr>
-            <a:cxnSpLocks/>
-          </p:cNvCxnSpPr>
-          <p:nvPr/>
-        </p:nvCxnSpPr>
-        <p:spPr>
-          <a:xfrm>
-            <a:off x="3312698" y="2939793"/>
-            <a:ext cx="0" cy="303620"/>
-          </a:xfrm>
-          <a:prstGeom prst="straightConnector1">
-            <a:avLst/>
-          </a:prstGeom>
-          <a:ln w="19050">
-            <a:prstDash val="sysDash"/>
-            <a:tailEnd type="triangle"/>
-          </a:ln>
-        </p:spPr>
-        <p:style>
-          <a:lnRef idx="1">
-            <a:schemeClr val="accent1"/>
-          </a:lnRef>
-          <a:fillRef idx="0">
-            <a:schemeClr val="accent1"/>
-          </a:fillRef>
-          <a:effectRef idx="0">
-            <a:schemeClr val="accent1"/>
-          </a:effectRef>
-          <a:fontRef idx="minor">
-            <a:schemeClr val="tx1"/>
-          </a:fontRef>
-        </p:style>
-      </p:cxnSp>
-      <p:sp>
-        <p:nvSpPr>
-          <p:cNvPr id="33" name="Rectangle 32">
-            <a:extLst>
-              <a:ext uri="{FF2B5EF4-FFF2-40B4-BE49-F238E27FC236}">
-                <a16:creationId xmlns:a16="http://schemas.microsoft.com/office/drawing/2014/main" id="{EF77DB9A-4F2D-6881-4E3F-9727AA07A474}"/>
-              </a:ext>
-            </a:extLst>
-          </p:cNvPr>
-          <p:cNvSpPr/>
-          <p:nvPr/>
-        </p:nvSpPr>
-        <p:spPr>
-          <a:xfrm>
-            <a:off x="2763682" y="3282847"/>
-            <a:ext cx="1958805" cy="482479"/>
-          </a:xfrm>
-          <a:prstGeom prst="rect">
-            <a:avLst/>
-          </a:prstGeom>
-        </p:spPr>
-        <p:style>
-          <a:lnRef idx="2">
-            <a:schemeClr val="accent1">
-              <a:shade val="50000"/>
-            </a:schemeClr>
-          </a:lnRef>
-          <a:fillRef idx="1">
-            <a:schemeClr val="accent1"/>
-          </a:fillRef>
-          <a:effectRef idx="0">
-            <a:schemeClr val="accent1"/>
-          </a:effectRef>
-          <a:fontRef idx="minor">
-            <a:schemeClr val="lt1"/>
-          </a:fontRef>
-        </p:style>
-        <p:txBody>
-          <a:bodyPr rtlCol="0" anchor="ctr"/>
-          <a:lstStyle/>
-          <a:p>
-            <a:r>
-              <a:rPr lang="en-US" sz="1200" b="1" dirty="0"/>
-              <a:t>Question parser [ </a:t>
-            </a:r>
-            <a:r>
-              <a:rPr lang="en-US" sz="1200" b="1" dirty="0" err="1"/>
-              <a:t>langchain</a:t>
-            </a:r>
-            <a:r>
-              <a:rPr lang="en-US" sz="1200" b="1" dirty="0"/>
-              <a:t> + MCQ- prompt ]</a:t>
-            </a:r>
-            <a:endParaRPr lang="en-SG" sz="1200" b="1" dirty="0"/>
-          </a:p>
-        </p:txBody>
-      </p:sp>
-      <p:sp>
-        <p:nvSpPr>
-          <p:cNvPr id="36" name="Arrow: Left 35">
-            <a:extLst>
-              <a:ext uri="{FF2B5EF4-FFF2-40B4-BE49-F238E27FC236}">
-                <a16:creationId xmlns:a16="http://schemas.microsoft.com/office/drawing/2014/main" id="{81F71DEA-23CC-3DD7-4D6E-5A6922E5E9EE}"/>
-              </a:ext>
-            </a:extLst>
-          </p:cNvPr>
-          <p:cNvSpPr/>
-          <p:nvPr/>
-        </p:nvSpPr>
-        <p:spPr>
-          <a:xfrm>
-            <a:off x="4232641" y="2664692"/>
-            <a:ext cx="959217" cy="88829"/>
-          </a:xfrm>
-          <a:prstGeom prst="leftArrow">
-            <a:avLst/>
-          </a:prstGeom>
-        </p:spPr>
-        <p:style>
-          <a:lnRef idx="2">
-            <a:schemeClr val="accent1">
-              <a:shade val="15000"/>
-            </a:schemeClr>
-          </a:lnRef>
-          <a:fillRef idx="1">
-            <a:schemeClr val="accent1"/>
-          </a:fillRef>
-          <a:effectRef idx="0">
-            <a:schemeClr val="accent1"/>
-          </a:effectRef>
-          <a:fontRef idx="minor">
-            <a:schemeClr val="lt1"/>
-          </a:fontRef>
-        </p:style>
-        <p:txBody>
-          <a:bodyPr rtlCol="0" anchor="ctr"/>
-          <a:lstStyle/>
-          <a:p>
-            <a:pPr algn="ctr"/>
-            <a:endParaRPr lang="en-SG"/>
-          </a:p>
-        </p:txBody>
-      </p:sp>
-      <p:cxnSp>
-        <p:nvCxnSpPr>
-          <p:cNvPr id="38" name="Straight Arrow Connector 37">
-            <a:extLst>
-              <a:ext uri="{FF2B5EF4-FFF2-40B4-BE49-F238E27FC236}">
-                <a16:creationId xmlns:a16="http://schemas.microsoft.com/office/drawing/2014/main" id="{4847D2CF-23DD-9274-E06D-957FFE34978A}"/>
-              </a:ext>
-            </a:extLst>
-          </p:cNvPr>
-          <p:cNvCxnSpPr>
-            <a:cxnSpLocks/>
-            <a:stCxn id="41" idx="3"/>
-          </p:cNvCxnSpPr>
-          <p:nvPr/>
-        </p:nvCxnSpPr>
-        <p:spPr>
-          <a:xfrm>
-            <a:off x="1446005" y="2238447"/>
-            <a:ext cx="1378058" cy="1044400"/>
-          </a:xfrm>
-          <a:prstGeom prst="straightConnector1">
-            <a:avLst/>
-          </a:prstGeom>
-          <a:ln w="19050">
-            <a:solidFill>
-              <a:schemeClr val="accent6">
-                <a:lumMod val="75000"/>
-              </a:schemeClr>
-            </a:solidFill>
-            <a:headEnd type="triangle"/>
-            <a:tailEnd type="triangle"/>
-          </a:ln>
-        </p:spPr>
-        <p:style>
-          <a:lnRef idx="1">
-            <a:schemeClr val="accent1"/>
-          </a:lnRef>
-          <a:fillRef idx="0">
-            <a:schemeClr val="accent1"/>
-          </a:fillRef>
-          <a:effectRef idx="0">
-            <a:schemeClr val="accent1"/>
-          </a:effectRef>
-          <a:fontRef idx="minor">
-            <a:schemeClr val="tx1"/>
-          </a:fontRef>
-        </p:style>
-      </p:cxnSp>
       <p:pic>
         <p:nvPicPr>
-          <p:cNvPr id="41" name="Picture 40">
-            <a:extLst>
-              <a:ext uri="{FF2B5EF4-FFF2-40B4-BE49-F238E27FC236}">
-                <a16:creationId xmlns:a16="http://schemas.microsoft.com/office/drawing/2014/main" id="{1870F8A1-4D54-AAF0-2435-64BB8B2AF08E}"/>
-              </a:ext>
-            </a:extLst>
-          </p:cNvPr>
-          <p:cNvPicPr>
-            <a:picLocks noChangeAspect="1"/>
-          </p:cNvPicPr>
-          <p:nvPr/>
-        </p:nvPicPr>
-        <p:blipFill>
-          <a:blip r:embed="rId10"/>
-          <a:stretch>
-            <a:fillRect/>
-          </a:stretch>
-        </p:blipFill>
-        <p:spPr>
-          <a:xfrm>
-            <a:off x="779323" y="1897698"/>
-            <a:ext cx="666682" cy="681497"/>
-          </a:xfrm>
-          <a:prstGeom prst="rect">
-            <a:avLst/>
-          </a:prstGeom>
-        </p:spPr>
-      </p:pic>
-      <p:sp>
-        <p:nvSpPr>
-          <p:cNvPr id="42" name="TextBox 41">
-            <a:extLst>
-              <a:ext uri="{FF2B5EF4-FFF2-40B4-BE49-F238E27FC236}">
-                <a16:creationId xmlns:a16="http://schemas.microsoft.com/office/drawing/2014/main" id="{0118B95D-C9E9-A96B-696A-D6EE1A19FEB7}"/>
-              </a:ext>
-            </a:extLst>
-          </p:cNvPr>
-          <p:cNvSpPr txBox="1"/>
-          <p:nvPr/>
-        </p:nvSpPr>
-        <p:spPr>
-          <a:xfrm>
-            <a:off x="800010" y="1601143"/>
-            <a:ext cx="910357" cy="268469"/>
-          </a:xfrm>
-          <a:prstGeom prst="rect">
-            <a:avLst/>
-          </a:prstGeom>
-          <a:noFill/>
-        </p:spPr>
-        <p:txBody>
-          <a:bodyPr wrap="square">
-            <a:spAutoFit/>
-          </a:bodyPr>
-          <a:lstStyle/>
-          <a:p>
-            <a:r>
-              <a:rPr lang="en-US" sz="1100" b="1" dirty="0">
-                <a:solidFill>
-                  <a:schemeClr val="tx1">
-                    <a:lumMod val="75000"/>
-                    <a:lumOff val="25000"/>
-                  </a:schemeClr>
-                </a:solidFill>
-              </a:rPr>
-              <a:t>OpenAI</a:t>
-            </a:r>
-            <a:endParaRPr lang="en-SG" sz="1100" b="1" dirty="0">
-              <a:solidFill>
-                <a:schemeClr val="tx1">
-                  <a:lumMod val="75000"/>
-                  <a:lumOff val="25000"/>
-                </a:schemeClr>
-              </a:solidFill>
-            </a:endParaRPr>
-          </a:p>
-        </p:txBody>
-      </p:sp>
-      <p:cxnSp>
-        <p:nvCxnSpPr>
-          <p:cNvPr id="43" name="Straight Arrow Connector 42">
-            <a:extLst>
-              <a:ext uri="{FF2B5EF4-FFF2-40B4-BE49-F238E27FC236}">
-                <a16:creationId xmlns:a16="http://schemas.microsoft.com/office/drawing/2014/main" id="{4361013E-DA89-A8CB-1CBF-EB5C274AE95F}"/>
-              </a:ext>
-            </a:extLst>
-          </p:cNvPr>
-          <p:cNvCxnSpPr>
-            <a:cxnSpLocks/>
-            <a:stCxn id="33" idx="1"/>
-            <a:endCxn id="49" idx="3"/>
-          </p:cNvCxnSpPr>
-          <p:nvPr/>
-        </p:nvCxnSpPr>
-        <p:spPr>
-          <a:xfrm flipH="1">
-            <a:off x="2372732" y="3524087"/>
-            <a:ext cx="390950" cy="0"/>
-          </a:xfrm>
-          <a:prstGeom prst="straightConnector1">
-            <a:avLst/>
-          </a:prstGeom>
-          <a:ln w="19050">
-            <a:prstDash val="sysDash"/>
-            <a:tailEnd type="triangle"/>
-          </a:ln>
-        </p:spPr>
-        <p:style>
-          <a:lnRef idx="1">
-            <a:schemeClr val="accent1"/>
-          </a:lnRef>
-          <a:fillRef idx="0">
-            <a:schemeClr val="accent1"/>
-          </a:fillRef>
-          <a:effectRef idx="0">
-            <a:schemeClr val="accent1"/>
-          </a:effectRef>
-          <a:fontRef idx="minor">
-            <a:schemeClr val="tx1"/>
-          </a:fontRef>
-        </p:style>
-      </p:cxnSp>
-      <p:cxnSp>
-        <p:nvCxnSpPr>
-          <p:cNvPr id="44" name="Straight Arrow Connector 43">
-            <a:extLst>
-              <a:ext uri="{FF2B5EF4-FFF2-40B4-BE49-F238E27FC236}">
-                <a16:creationId xmlns:a16="http://schemas.microsoft.com/office/drawing/2014/main" id="{AF0D64DE-A008-4005-2579-CBA4284AAE01}"/>
-              </a:ext>
-            </a:extLst>
-          </p:cNvPr>
-          <p:cNvCxnSpPr>
-            <a:cxnSpLocks/>
-          </p:cNvCxnSpPr>
-          <p:nvPr/>
-        </p:nvCxnSpPr>
-        <p:spPr>
-          <a:xfrm>
-            <a:off x="4174753" y="3765326"/>
-            <a:ext cx="0" cy="245867"/>
-          </a:xfrm>
-          <a:prstGeom prst="straightConnector1">
-            <a:avLst/>
-          </a:prstGeom>
-          <a:ln w="19050">
-            <a:prstDash val="sysDash"/>
-            <a:tailEnd type="triangle"/>
-          </a:ln>
-        </p:spPr>
-        <p:style>
-          <a:lnRef idx="1">
-            <a:schemeClr val="accent1"/>
-          </a:lnRef>
-          <a:fillRef idx="0">
-            <a:schemeClr val="accent1"/>
-          </a:fillRef>
-          <a:effectRef idx="0">
-            <a:schemeClr val="accent1"/>
-          </a:effectRef>
-          <a:fontRef idx="minor">
-            <a:schemeClr val="tx1"/>
-          </a:fontRef>
-        </p:style>
-      </p:cxnSp>
-      <p:sp>
-        <p:nvSpPr>
-          <p:cNvPr id="49" name="Rectangle 48">
-            <a:extLst>
-              <a:ext uri="{FF2B5EF4-FFF2-40B4-BE49-F238E27FC236}">
-                <a16:creationId xmlns:a16="http://schemas.microsoft.com/office/drawing/2014/main" id="{B6923272-2913-20CE-27D0-B258D6855585}"/>
-              </a:ext>
-            </a:extLst>
-          </p:cNvPr>
-          <p:cNvSpPr/>
-          <p:nvPr/>
-        </p:nvSpPr>
-        <p:spPr>
-          <a:xfrm>
-            <a:off x="1447384" y="3298744"/>
-            <a:ext cx="925348" cy="466581"/>
-          </a:xfrm>
-          <a:prstGeom prst="rect">
-            <a:avLst/>
-          </a:prstGeom>
-        </p:spPr>
-        <p:style>
-          <a:lnRef idx="2">
-            <a:schemeClr val="accent1">
-              <a:shade val="50000"/>
-            </a:schemeClr>
-          </a:lnRef>
-          <a:fillRef idx="1">
-            <a:schemeClr val="accent1"/>
-          </a:fillRef>
-          <a:effectRef idx="0">
-            <a:schemeClr val="accent1"/>
-          </a:effectRef>
-          <a:fontRef idx="minor">
-            <a:schemeClr val="lt1"/>
-          </a:fontRef>
-        </p:style>
-        <p:txBody>
-          <a:bodyPr rtlCol="0" anchor="ctr"/>
-          <a:lstStyle/>
-          <a:p>
-            <a:r>
-              <a:rPr lang="en-US" sz="1200" b="1" dirty="0"/>
-              <a:t>Question categorizer   </a:t>
-            </a:r>
-            <a:endParaRPr lang="en-SG" sz="1200" b="1" dirty="0"/>
-          </a:p>
-        </p:txBody>
-      </p:sp>
-      <p:sp>
-        <p:nvSpPr>
-          <p:cNvPr id="57" name="TextBox 56">
-            <a:extLst>
-              <a:ext uri="{FF2B5EF4-FFF2-40B4-BE49-F238E27FC236}">
-                <a16:creationId xmlns:a16="http://schemas.microsoft.com/office/drawing/2014/main" id="{9A14D4B9-BBAC-2E95-0BA1-E127B540769B}"/>
-              </a:ext>
-            </a:extLst>
-          </p:cNvPr>
-          <p:cNvSpPr txBox="1"/>
-          <p:nvPr/>
-        </p:nvSpPr>
-        <p:spPr>
-          <a:xfrm>
-            <a:off x="4432090" y="4389716"/>
-            <a:ext cx="1229909" cy="400110"/>
-          </a:xfrm>
-          <a:prstGeom prst="rect">
-            <a:avLst/>
-          </a:prstGeom>
-          <a:noFill/>
-        </p:spPr>
-        <p:txBody>
-          <a:bodyPr wrap="square" rtlCol="0">
-            <a:spAutoFit/>
-          </a:bodyPr>
-          <a:lstStyle/>
-          <a:p>
-            <a:r>
-              <a:rPr lang="en-US" sz="1000" dirty="0"/>
-              <a:t>Standard MCQ data/file.</a:t>
-            </a:r>
-            <a:endParaRPr lang="en-SG" sz="1000" dirty="0"/>
-          </a:p>
-        </p:txBody>
-      </p:sp>
-      <p:cxnSp>
-        <p:nvCxnSpPr>
-          <p:cNvPr id="84" name="Straight Arrow Connector 83">
-            <a:extLst>
-              <a:ext uri="{FF2B5EF4-FFF2-40B4-BE49-F238E27FC236}">
-                <a16:creationId xmlns:a16="http://schemas.microsoft.com/office/drawing/2014/main" id="{3902F617-F716-4BB3-B07E-001F12D7C9C2}"/>
-              </a:ext>
-            </a:extLst>
-          </p:cNvPr>
-          <p:cNvCxnSpPr>
-            <a:cxnSpLocks/>
-            <a:endCxn id="49" idx="0"/>
-          </p:cNvCxnSpPr>
-          <p:nvPr/>
-        </p:nvCxnSpPr>
-        <p:spPr>
-          <a:xfrm>
-            <a:off x="1480975" y="2444204"/>
-            <a:ext cx="429083" cy="854540"/>
-          </a:xfrm>
-          <a:prstGeom prst="straightConnector1">
-            <a:avLst/>
-          </a:prstGeom>
-          <a:ln w="19050">
-            <a:solidFill>
-              <a:schemeClr val="accent6">
-                <a:lumMod val="75000"/>
-              </a:schemeClr>
-            </a:solidFill>
-            <a:headEnd type="triangle"/>
-            <a:tailEnd type="triangle"/>
-          </a:ln>
-        </p:spPr>
-        <p:style>
-          <a:lnRef idx="1">
-            <a:schemeClr val="accent1"/>
-          </a:lnRef>
-          <a:fillRef idx="0">
-            <a:schemeClr val="accent1"/>
-          </a:fillRef>
-          <a:effectRef idx="0">
-            <a:schemeClr val="accent1"/>
-          </a:effectRef>
-          <a:fontRef idx="minor">
-            <a:schemeClr val="tx1"/>
-          </a:fontRef>
-        </p:style>
-      </p:cxnSp>
-      <p:cxnSp>
-        <p:nvCxnSpPr>
-          <p:cNvPr id="89" name="Straight Arrow Connector 88">
-            <a:extLst>
-              <a:ext uri="{FF2B5EF4-FFF2-40B4-BE49-F238E27FC236}">
-                <a16:creationId xmlns:a16="http://schemas.microsoft.com/office/drawing/2014/main" id="{15DEC972-6B4C-9EF4-318E-32207AC548E6}"/>
-              </a:ext>
-            </a:extLst>
-          </p:cNvPr>
-          <p:cNvCxnSpPr>
-            <a:cxnSpLocks/>
-          </p:cNvCxnSpPr>
-          <p:nvPr/>
-        </p:nvCxnSpPr>
-        <p:spPr>
-          <a:xfrm>
-            <a:off x="3312698" y="3804760"/>
-            <a:ext cx="0" cy="1038202"/>
-          </a:xfrm>
-          <a:prstGeom prst="straightConnector1">
-            <a:avLst/>
-          </a:prstGeom>
-          <a:ln w="19050">
-            <a:prstDash val="sysDash"/>
-            <a:tailEnd type="triangle"/>
-          </a:ln>
-        </p:spPr>
-        <p:style>
-          <a:lnRef idx="1">
-            <a:schemeClr val="accent1"/>
-          </a:lnRef>
-          <a:fillRef idx="0">
-            <a:schemeClr val="accent1"/>
-          </a:fillRef>
-          <a:effectRef idx="0">
-            <a:schemeClr val="accent1"/>
-          </a:effectRef>
-          <a:fontRef idx="minor">
-            <a:schemeClr val="tx1"/>
-          </a:fontRef>
-        </p:style>
-      </p:cxnSp>
-      <p:sp>
-        <p:nvSpPr>
-          <p:cNvPr id="92" name="Rectangle 91">
-            <a:extLst>
-              <a:ext uri="{FF2B5EF4-FFF2-40B4-BE49-F238E27FC236}">
-                <a16:creationId xmlns:a16="http://schemas.microsoft.com/office/drawing/2014/main" id="{CA99C8DF-840A-8294-B21C-8B3DEDACB212}"/>
-              </a:ext>
-            </a:extLst>
-          </p:cNvPr>
-          <p:cNvSpPr/>
-          <p:nvPr/>
-        </p:nvSpPr>
-        <p:spPr>
-          <a:xfrm>
-            <a:off x="2646164" y="4868879"/>
-            <a:ext cx="1958805" cy="482479"/>
-          </a:xfrm>
-          <a:prstGeom prst="rect">
-            <a:avLst/>
-          </a:prstGeom>
-        </p:spPr>
-        <p:style>
-          <a:lnRef idx="2">
-            <a:schemeClr val="accent1">
-              <a:shade val="50000"/>
-            </a:schemeClr>
-          </a:lnRef>
-          <a:fillRef idx="1">
-            <a:schemeClr val="accent1"/>
-          </a:fillRef>
-          <a:effectRef idx="0">
-            <a:schemeClr val="accent1"/>
-          </a:effectRef>
-          <a:fontRef idx="minor">
-            <a:schemeClr val="lt1"/>
-          </a:fontRef>
-        </p:style>
-        <p:txBody>
-          <a:bodyPr rtlCol="0" anchor="ctr"/>
-          <a:lstStyle/>
-          <a:p>
-            <a:r>
-              <a:rPr lang="en-US" sz="1200" b="1" dirty="0"/>
-              <a:t>Question Solver [ OpenAI + scenario prompt ]</a:t>
-            </a:r>
-            <a:endParaRPr lang="en-SG" sz="1200" b="1" dirty="0"/>
-          </a:p>
-        </p:txBody>
-      </p:sp>
-      <p:pic>
-        <p:nvPicPr>
-          <p:cNvPr id="95" name="Picture 94">
-            <a:extLst>
-              <a:ext uri="{FF2B5EF4-FFF2-40B4-BE49-F238E27FC236}">
-                <a16:creationId xmlns:a16="http://schemas.microsoft.com/office/drawing/2014/main" id="{46EE22DF-3B60-1255-3E80-5F5215F808DA}"/>
-              </a:ext>
-            </a:extLst>
-          </p:cNvPr>
-          <p:cNvPicPr>
-            <a:picLocks noChangeAspect="1"/>
-          </p:cNvPicPr>
-          <p:nvPr/>
-        </p:nvPicPr>
-        <p:blipFill>
-          <a:blip r:embed="rId2"/>
-          <a:stretch>
-            <a:fillRect/>
-          </a:stretch>
-        </p:blipFill>
-        <p:spPr>
-          <a:xfrm>
-            <a:off x="2288366" y="4197762"/>
-            <a:ext cx="324555" cy="372004"/>
-          </a:xfrm>
-          <a:prstGeom prst="rect">
-            <a:avLst/>
-          </a:prstGeom>
-        </p:spPr>
-      </p:pic>
-      <p:cxnSp>
-        <p:nvCxnSpPr>
-          <p:cNvPr id="97" name="Straight Arrow Connector 96">
-            <a:extLst>
-              <a:ext uri="{FF2B5EF4-FFF2-40B4-BE49-F238E27FC236}">
-                <a16:creationId xmlns:a16="http://schemas.microsoft.com/office/drawing/2014/main" id="{73BF6E1E-B73D-A86C-1B1E-C09A7A899787}"/>
-              </a:ext>
-            </a:extLst>
-          </p:cNvPr>
-          <p:cNvCxnSpPr>
-            <a:stCxn id="49" idx="2"/>
-          </p:cNvCxnSpPr>
-          <p:nvPr/>
-        </p:nvCxnSpPr>
-        <p:spPr>
-          <a:xfrm>
-            <a:off x="1910058" y="3765325"/>
-            <a:ext cx="914005" cy="1077637"/>
-          </a:xfrm>
-          <a:prstGeom prst="straightConnector1">
-            <a:avLst/>
-          </a:prstGeom>
-          <a:ln>
-            <a:solidFill>
-              <a:schemeClr val="tx1"/>
-            </a:solidFill>
-            <a:tailEnd type="triangle"/>
-          </a:ln>
-        </p:spPr>
-        <p:style>
-          <a:lnRef idx="1">
-            <a:schemeClr val="accent1"/>
-          </a:lnRef>
-          <a:fillRef idx="0">
-            <a:schemeClr val="accent1"/>
-          </a:fillRef>
-          <a:effectRef idx="0">
-            <a:schemeClr val="accent1"/>
-          </a:effectRef>
-          <a:fontRef idx="minor">
-            <a:schemeClr val="tx1"/>
-          </a:fontRef>
-        </p:style>
-      </p:cxnSp>
-      <p:cxnSp>
-        <p:nvCxnSpPr>
-          <p:cNvPr id="98" name="Straight Arrow Connector 97">
-            <a:extLst>
-              <a:ext uri="{FF2B5EF4-FFF2-40B4-BE49-F238E27FC236}">
-                <a16:creationId xmlns:a16="http://schemas.microsoft.com/office/drawing/2014/main" id="{E8C0840E-779E-8411-4B5B-09BAC5F80EA9}"/>
-              </a:ext>
-            </a:extLst>
-          </p:cNvPr>
-          <p:cNvCxnSpPr>
-            <a:cxnSpLocks/>
-          </p:cNvCxnSpPr>
-          <p:nvPr/>
-        </p:nvCxnSpPr>
-        <p:spPr>
-          <a:xfrm>
-            <a:off x="4174753" y="4368586"/>
-            <a:ext cx="0" cy="437401"/>
-          </a:xfrm>
-          <a:prstGeom prst="straightConnector1">
-            <a:avLst/>
-          </a:prstGeom>
-          <a:ln>
-            <a:solidFill>
-              <a:schemeClr val="tx1"/>
-            </a:solidFill>
-            <a:tailEnd type="triangle"/>
-          </a:ln>
-        </p:spPr>
-        <p:style>
-          <a:lnRef idx="1">
-            <a:schemeClr val="accent1"/>
-          </a:lnRef>
-          <a:fillRef idx="0">
-            <a:schemeClr val="accent1"/>
-          </a:fillRef>
-          <a:effectRef idx="0">
-            <a:schemeClr val="accent1"/>
-          </a:effectRef>
-          <a:fontRef idx="minor">
-            <a:schemeClr val="tx1"/>
-          </a:fontRef>
-        </p:style>
-      </p:cxnSp>
-      <p:pic>
-        <p:nvPicPr>
-          <p:cNvPr id="101" name="Picture 100">
-            <a:extLst>
-              <a:ext uri="{FF2B5EF4-FFF2-40B4-BE49-F238E27FC236}">
-                <a16:creationId xmlns:a16="http://schemas.microsoft.com/office/drawing/2014/main" id="{446D7EF0-99E5-A53F-7F30-4FA4BC92B844}"/>
-              </a:ext>
-            </a:extLst>
-          </p:cNvPr>
-          <p:cNvPicPr>
-            <a:picLocks noChangeAspect="1"/>
-          </p:cNvPicPr>
-          <p:nvPr/>
-        </p:nvPicPr>
-        <p:blipFill>
-          <a:blip r:embed="rId2"/>
-          <a:stretch>
-            <a:fillRect/>
-          </a:stretch>
-        </p:blipFill>
-        <p:spPr>
-          <a:xfrm>
-            <a:off x="4222160" y="4448008"/>
-            <a:ext cx="277032" cy="317533"/>
-          </a:xfrm>
-          <a:prstGeom prst="rect">
-            <a:avLst/>
-          </a:prstGeom>
-        </p:spPr>
-      </p:pic>
-      <p:sp>
-        <p:nvSpPr>
-          <p:cNvPr id="102" name="TextBox 101">
-            <a:extLst>
-              <a:ext uri="{FF2B5EF4-FFF2-40B4-BE49-F238E27FC236}">
-                <a16:creationId xmlns:a16="http://schemas.microsoft.com/office/drawing/2014/main" id="{7A612350-E7DF-0F57-3C1C-11EA2566040E}"/>
-              </a:ext>
-            </a:extLst>
-          </p:cNvPr>
-          <p:cNvSpPr txBox="1"/>
-          <p:nvPr/>
-        </p:nvSpPr>
-        <p:spPr>
-          <a:xfrm>
-            <a:off x="2237230" y="3818890"/>
-            <a:ext cx="1206992" cy="400110"/>
-          </a:xfrm>
-          <a:prstGeom prst="rect">
-            <a:avLst/>
-          </a:prstGeom>
-          <a:noFill/>
-        </p:spPr>
-        <p:txBody>
-          <a:bodyPr wrap="square" rtlCol="0">
-            <a:spAutoFit/>
-          </a:bodyPr>
-          <a:lstStyle/>
-          <a:p>
-            <a:r>
-              <a:rPr lang="en-US" sz="1000" dirty="0"/>
-              <a:t>Question scenario prompt .</a:t>
-            </a:r>
-            <a:endParaRPr lang="en-SG" sz="1000" dirty="0"/>
-          </a:p>
-        </p:txBody>
-      </p:sp>
-      <p:cxnSp>
-        <p:nvCxnSpPr>
-          <p:cNvPr id="104" name="Connector: Elbow 103">
-            <a:extLst>
-              <a:ext uri="{FF2B5EF4-FFF2-40B4-BE49-F238E27FC236}">
-                <a16:creationId xmlns:a16="http://schemas.microsoft.com/office/drawing/2014/main" id="{D09472F2-5E30-D6E1-2045-228ABB7C9100}"/>
-              </a:ext>
-            </a:extLst>
-          </p:cNvPr>
-          <p:cNvCxnSpPr>
-            <a:stCxn id="92" idx="1"/>
-            <a:endCxn id="41" idx="2"/>
-          </p:cNvCxnSpPr>
-          <p:nvPr/>
-        </p:nvCxnSpPr>
-        <p:spPr>
-          <a:xfrm rot="10800000">
-            <a:off x="1112664" y="2579195"/>
-            <a:ext cx="1533500" cy="2530924"/>
-          </a:xfrm>
-          <a:prstGeom prst="bentConnector2">
-            <a:avLst/>
-          </a:prstGeom>
-          <a:ln w="19050">
-            <a:solidFill>
-              <a:schemeClr val="accent6">
-                <a:lumMod val="75000"/>
-              </a:schemeClr>
-            </a:solidFill>
-            <a:tailEnd type="triangle"/>
-          </a:ln>
-        </p:spPr>
-        <p:style>
-          <a:lnRef idx="1">
-            <a:schemeClr val="accent1"/>
-          </a:lnRef>
-          <a:fillRef idx="0">
-            <a:schemeClr val="accent1"/>
-          </a:fillRef>
-          <a:effectRef idx="0">
-            <a:schemeClr val="accent1"/>
-          </a:effectRef>
-          <a:fontRef idx="minor">
-            <a:schemeClr val="tx1"/>
-          </a:fontRef>
-        </p:style>
-      </p:cxnSp>
-      <p:sp>
-        <p:nvSpPr>
-          <p:cNvPr id="105" name="TextBox 104">
-            <a:extLst>
-              <a:ext uri="{FF2B5EF4-FFF2-40B4-BE49-F238E27FC236}">
-                <a16:creationId xmlns:a16="http://schemas.microsoft.com/office/drawing/2014/main" id="{2430709C-D9F5-6B28-41BB-FB5F3EC63CF4}"/>
-              </a:ext>
-            </a:extLst>
-          </p:cNvPr>
-          <p:cNvSpPr txBox="1"/>
-          <p:nvPr/>
-        </p:nvSpPr>
-        <p:spPr>
-          <a:xfrm>
-            <a:off x="4222160" y="2196360"/>
-            <a:ext cx="1062358" cy="430887"/>
-          </a:xfrm>
-          <a:prstGeom prst="rect">
-            <a:avLst/>
-          </a:prstGeom>
-          <a:noFill/>
-        </p:spPr>
-        <p:txBody>
-          <a:bodyPr wrap="square">
-            <a:spAutoFit/>
-          </a:bodyPr>
-          <a:lstStyle/>
-          <a:p>
-            <a:r>
-              <a:rPr lang="en-US" sz="1100" b="1" dirty="0">
-                <a:solidFill>
-                  <a:schemeClr val="tx1">
-                    <a:lumMod val="75000"/>
-                    <a:lumOff val="25000"/>
-                  </a:schemeClr>
-                </a:solidFill>
-              </a:rPr>
-              <a:t>Batch loading all MCQ source </a:t>
-            </a:r>
-            <a:endParaRPr lang="en-SG" sz="1100" b="1" dirty="0">
-              <a:solidFill>
-                <a:schemeClr val="tx1">
-                  <a:lumMod val="75000"/>
-                  <a:lumOff val="25000"/>
-                </a:schemeClr>
-              </a:solidFill>
-            </a:endParaRPr>
-          </a:p>
-        </p:txBody>
-      </p:sp>
-      <p:sp>
-        <p:nvSpPr>
-          <p:cNvPr id="106" name="TextBox 105">
-            <a:extLst>
-              <a:ext uri="{FF2B5EF4-FFF2-40B4-BE49-F238E27FC236}">
-                <a16:creationId xmlns:a16="http://schemas.microsoft.com/office/drawing/2014/main" id="{C2B3E714-8E06-B1D1-8D4F-3568AA8E5CA9}"/>
-              </a:ext>
-            </a:extLst>
-          </p:cNvPr>
-          <p:cNvSpPr txBox="1"/>
-          <p:nvPr/>
-        </p:nvSpPr>
-        <p:spPr>
-          <a:xfrm>
-            <a:off x="5730535" y="1026699"/>
-            <a:ext cx="2131697" cy="261610"/>
-          </a:xfrm>
-          <a:prstGeom prst="rect">
-            <a:avLst/>
-          </a:prstGeom>
-          <a:noFill/>
-        </p:spPr>
-        <p:txBody>
-          <a:bodyPr wrap="square">
-            <a:spAutoFit/>
-          </a:bodyPr>
-          <a:lstStyle/>
-          <a:p>
-            <a:r>
-              <a:rPr lang="en-US" sz="1100" b="1" dirty="0">
-                <a:solidFill>
-                  <a:schemeClr val="tx1">
-                    <a:lumMod val="75000"/>
-                    <a:lumOff val="25000"/>
-                  </a:schemeClr>
-                </a:solidFill>
-              </a:rPr>
-              <a:t>Multi-choice question source set</a:t>
-            </a:r>
-            <a:endParaRPr lang="en-SG" sz="1100" b="1" dirty="0">
-              <a:solidFill>
-                <a:schemeClr val="tx1">
-                  <a:lumMod val="75000"/>
-                  <a:lumOff val="25000"/>
-                </a:schemeClr>
-              </a:solidFill>
-            </a:endParaRPr>
-          </a:p>
-        </p:txBody>
-      </p:sp>
-      <p:cxnSp>
-        <p:nvCxnSpPr>
-          <p:cNvPr id="107" name="Straight Arrow Connector 106">
-            <a:extLst>
-              <a:ext uri="{FF2B5EF4-FFF2-40B4-BE49-F238E27FC236}">
-                <a16:creationId xmlns:a16="http://schemas.microsoft.com/office/drawing/2014/main" id="{C4FCE785-F79A-3D4A-B215-7ADAEF869C94}"/>
-              </a:ext>
-            </a:extLst>
-          </p:cNvPr>
-          <p:cNvCxnSpPr>
-            <a:cxnSpLocks/>
-            <a:stCxn id="92" idx="2"/>
-          </p:cNvCxnSpPr>
-          <p:nvPr/>
-        </p:nvCxnSpPr>
-        <p:spPr>
-          <a:xfrm flipH="1">
-            <a:off x="3625566" y="5351358"/>
-            <a:ext cx="1" cy="283323"/>
-          </a:xfrm>
-          <a:prstGeom prst="straightConnector1">
-            <a:avLst/>
-          </a:prstGeom>
-          <a:ln>
-            <a:solidFill>
-              <a:schemeClr val="tx1"/>
-            </a:solidFill>
-            <a:tailEnd type="triangle"/>
-          </a:ln>
-        </p:spPr>
-        <p:style>
-          <a:lnRef idx="1">
-            <a:schemeClr val="accent1"/>
-          </a:lnRef>
-          <a:fillRef idx="0">
-            <a:schemeClr val="accent1"/>
-          </a:fillRef>
-          <a:effectRef idx="0">
-            <a:schemeClr val="accent1"/>
-          </a:effectRef>
-          <a:fontRef idx="minor">
-            <a:schemeClr val="tx1"/>
-          </a:fontRef>
-        </p:style>
-      </p:cxnSp>
-      <p:pic>
-        <p:nvPicPr>
-          <p:cNvPr id="112" name="Picture 111">
-            <a:extLst>
-              <a:ext uri="{FF2B5EF4-FFF2-40B4-BE49-F238E27FC236}">
-                <a16:creationId xmlns:a16="http://schemas.microsoft.com/office/drawing/2014/main" id="{169FDFC8-A949-F3AB-9FD2-DEAAEF4B6048}"/>
-              </a:ext>
-            </a:extLst>
-          </p:cNvPr>
-          <p:cNvPicPr>
-            <a:picLocks noChangeAspect="1"/>
-          </p:cNvPicPr>
-          <p:nvPr/>
-        </p:nvPicPr>
-        <p:blipFill>
-          <a:blip r:embed="rId2"/>
-          <a:stretch>
-            <a:fillRect/>
-          </a:stretch>
-        </p:blipFill>
-        <p:spPr>
-          <a:xfrm>
-            <a:off x="3469218" y="5647835"/>
-            <a:ext cx="324555" cy="372004"/>
-          </a:xfrm>
-          <a:prstGeom prst="rect">
-            <a:avLst/>
-          </a:prstGeom>
-        </p:spPr>
-      </p:pic>
-      <p:sp>
-        <p:nvSpPr>
-          <p:cNvPr id="113" name="TextBox 112">
-            <a:extLst>
-              <a:ext uri="{FF2B5EF4-FFF2-40B4-BE49-F238E27FC236}">
-                <a16:creationId xmlns:a16="http://schemas.microsoft.com/office/drawing/2014/main" id="{83D68D1E-609A-9103-4779-BB3D4034F587}"/>
-              </a:ext>
-            </a:extLst>
-          </p:cNvPr>
-          <p:cNvSpPr txBox="1"/>
-          <p:nvPr/>
-        </p:nvSpPr>
-        <p:spPr>
-          <a:xfrm>
-            <a:off x="3743084" y="5710726"/>
-            <a:ext cx="1229909" cy="246221"/>
-          </a:xfrm>
-          <a:prstGeom prst="rect">
-            <a:avLst/>
-          </a:prstGeom>
-          <a:noFill/>
-        </p:spPr>
-        <p:txBody>
-          <a:bodyPr wrap="square" rtlCol="0">
-            <a:spAutoFit/>
-          </a:bodyPr>
-          <a:lstStyle/>
-          <a:p>
-            <a:r>
-              <a:rPr lang="en-US" sz="1000"/>
-              <a:t>Result files.</a:t>
-            </a:r>
-            <a:endParaRPr lang="en-SG" sz="1000" dirty="0"/>
-          </a:p>
-        </p:txBody>
-      </p:sp>
-      <p:sp>
-        <p:nvSpPr>
-          <p:cNvPr id="14" name="Rectangle 13">
-            <a:extLst>
-              <a:ext uri="{FF2B5EF4-FFF2-40B4-BE49-F238E27FC236}">
-                <a16:creationId xmlns:a16="http://schemas.microsoft.com/office/drawing/2014/main" id="{C1CABD8C-5AC0-90DC-F6D2-CEB4B3BD5A38}"/>
-              </a:ext>
-            </a:extLst>
-          </p:cNvPr>
-          <p:cNvSpPr/>
-          <p:nvPr/>
-        </p:nvSpPr>
-        <p:spPr>
-          <a:xfrm>
-            <a:off x="3839833" y="4024975"/>
-            <a:ext cx="1411070" cy="346917"/>
-          </a:xfrm>
-          <a:prstGeom prst="rect">
-            <a:avLst/>
-          </a:prstGeom>
-        </p:spPr>
-        <p:style>
-          <a:lnRef idx="2">
-            <a:schemeClr val="accent1">
-              <a:shade val="50000"/>
-            </a:schemeClr>
-          </a:lnRef>
-          <a:fillRef idx="1">
-            <a:schemeClr val="accent1"/>
-          </a:fillRef>
-          <a:effectRef idx="0">
-            <a:schemeClr val="accent1"/>
-          </a:effectRef>
-          <a:fontRef idx="minor">
-            <a:schemeClr val="lt1"/>
-          </a:fontRef>
-        </p:style>
-        <p:txBody>
-          <a:bodyPr rtlCol="0" anchor="ctr"/>
-          <a:lstStyle/>
-          <a:p>
-            <a:r>
-              <a:rPr lang="en-US" sz="1200" b="1" dirty="0"/>
-              <a:t>MCQ-GPT-Bot data manager </a:t>
-            </a:r>
-            <a:endParaRPr lang="en-SG" sz="1200" b="1" dirty="0"/>
-          </a:p>
-        </p:txBody>
-      </p:sp>
-      <p:cxnSp>
-        <p:nvCxnSpPr>
-          <p:cNvPr id="20" name="Straight Arrow Connector 19">
-            <a:extLst>
-              <a:ext uri="{FF2B5EF4-FFF2-40B4-BE49-F238E27FC236}">
-                <a16:creationId xmlns:a16="http://schemas.microsoft.com/office/drawing/2014/main" id="{3CE728EC-0FCA-B686-C480-BEE3F552D808}"/>
-              </a:ext>
-            </a:extLst>
-          </p:cNvPr>
-          <p:cNvCxnSpPr>
-            <a:cxnSpLocks/>
-          </p:cNvCxnSpPr>
-          <p:nvPr/>
-        </p:nvCxnSpPr>
-        <p:spPr>
-          <a:xfrm>
-            <a:off x="6426091" y="4906282"/>
-            <a:ext cx="415353" cy="0"/>
-          </a:xfrm>
-          <a:prstGeom prst="straightConnector1">
-            <a:avLst/>
-          </a:prstGeom>
-          <a:ln w="19050">
-            <a:prstDash val="sysDash"/>
-            <a:tailEnd type="triangle"/>
-          </a:ln>
-        </p:spPr>
-        <p:style>
-          <a:lnRef idx="1">
-            <a:schemeClr val="accent1"/>
-          </a:lnRef>
-          <a:fillRef idx="0">
-            <a:schemeClr val="accent1"/>
-          </a:fillRef>
-          <a:effectRef idx="0">
-            <a:schemeClr val="accent1"/>
-          </a:effectRef>
-          <a:fontRef idx="minor">
-            <a:schemeClr val="tx1"/>
-          </a:fontRef>
-        </p:style>
-      </p:cxnSp>
-      <p:sp>
-        <p:nvSpPr>
-          <p:cNvPr id="34" name="TextBox 33">
-            <a:extLst>
-              <a:ext uri="{FF2B5EF4-FFF2-40B4-BE49-F238E27FC236}">
-                <a16:creationId xmlns:a16="http://schemas.microsoft.com/office/drawing/2014/main" id="{E02ACAAB-63A5-9DAB-C90B-7FF80A53F175}"/>
-              </a:ext>
-            </a:extLst>
-          </p:cNvPr>
-          <p:cNvSpPr txBox="1"/>
-          <p:nvPr/>
-        </p:nvSpPr>
-        <p:spPr>
-          <a:xfrm>
-            <a:off x="6852543" y="4703035"/>
-            <a:ext cx="1779393" cy="430887"/>
-          </a:xfrm>
-          <a:prstGeom prst="rect">
-            <a:avLst/>
-          </a:prstGeom>
-          <a:noFill/>
-        </p:spPr>
-        <p:txBody>
-          <a:bodyPr wrap="square">
-            <a:spAutoFit/>
-          </a:bodyPr>
-          <a:lstStyle/>
-          <a:p>
-            <a:r>
-              <a:rPr lang="en-US" sz="1100" b="1" dirty="0">
-                <a:solidFill>
-                  <a:schemeClr val="tx1">
-                    <a:lumMod val="75000"/>
-                    <a:lumOff val="25000"/>
-                  </a:schemeClr>
-                </a:solidFill>
-              </a:rPr>
-              <a:t>Program control/function call flow</a:t>
-            </a:r>
-            <a:endParaRPr lang="en-SG" sz="1100" b="1" dirty="0">
-              <a:solidFill>
-                <a:schemeClr val="tx1">
-                  <a:lumMod val="75000"/>
-                  <a:lumOff val="25000"/>
-                </a:schemeClr>
-              </a:solidFill>
-            </a:endParaRPr>
-          </a:p>
-        </p:txBody>
-      </p:sp>
-      <p:cxnSp>
-        <p:nvCxnSpPr>
-          <p:cNvPr id="35" name="Straight Arrow Connector 34">
-            <a:extLst>
-              <a:ext uri="{FF2B5EF4-FFF2-40B4-BE49-F238E27FC236}">
-                <a16:creationId xmlns:a16="http://schemas.microsoft.com/office/drawing/2014/main" id="{52D9A140-EE7E-C661-2675-D2DAA7E34A64}"/>
-              </a:ext>
-            </a:extLst>
-          </p:cNvPr>
-          <p:cNvCxnSpPr>
-            <a:cxnSpLocks/>
-          </p:cNvCxnSpPr>
-          <p:nvPr/>
-        </p:nvCxnSpPr>
-        <p:spPr>
-          <a:xfrm>
-            <a:off x="6436034" y="5384295"/>
-            <a:ext cx="371774" cy="0"/>
-          </a:xfrm>
-          <a:prstGeom prst="straightConnector1">
-            <a:avLst/>
-          </a:prstGeom>
-          <a:ln w="19050">
-            <a:solidFill>
-              <a:schemeClr val="accent6">
-                <a:lumMod val="75000"/>
-              </a:schemeClr>
-            </a:solidFill>
-            <a:headEnd type="triangle"/>
-            <a:tailEnd type="triangle"/>
-          </a:ln>
-        </p:spPr>
-        <p:style>
-          <a:lnRef idx="1">
-            <a:schemeClr val="accent1"/>
-          </a:lnRef>
-          <a:fillRef idx="0">
-            <a:schemeClr val="accent1"/>
-          </a:fillRef>
-          <a:effectRef idx="0">
-            <a:schemeClr val="accent1"/>
-          </a:effectRef>
-          <a:fontRef idx="minor">
-            <a:schemeClr val="tx1"/>
-          </a:fontRef>
-        </p:style>
-      </p:cxnSp>
-      <p:cxnSp>
-        <p:nvCxnSpPr>
-          <p:cNvPr id="40" name="Straight Arrow Connector 39">
-            <a:extLst>
-              <a:ext uri="{FF2B5EF4-FFF2-40B4-BE49-F238E27FC236}">
-                <a16:creationId xmlns:a16="http://schemas.microsoft.com/office/drawing/2014/main" id="{0F5D5E78-5996-B8CB-F51A-8F59CF856985}"/>
-              </a:ext>
-            </a:extLst>
-          </p:cNvPr>
-          <p:cNvCxnSpPr>
-            <a:cxnSpLocks/>
-          </p:cNvCxnSpPr>
-          <p:nvPr/>
-        </p:nvCxnSpPr>
-        <p:spPr>
-          <a:xfrm flipH="1">
-            <a:off x="6426091" y="5758049"/>
-            <a:ext cx="339538" cy="0"/>
-          </a:xfrm>
-          <a:prstGeom prst="straightConnector1">
-            <a:avLst/>
-          </a:prstGeom>
-          <a:ln>
-            <a:solidFill>
-              <a:schemeClr val="tx1"/>
-            </a:solidFill>
-            <a:tailEnd type="triangle"/>
-          </a:ln>
-        </p:spPr>
-        <p:style>
-          <a:lnRef idx="1">
-            <a:schemeClr val="accent1"/>
-          </a:lnRef>
-          <a:fillRef idx="0">
-            <a:schemeClr val="accent1"/>
-          </a:fillRef>
-          <a:effectRef idx="0">
-            <a:schemeClr val="accent1"/>
-          </a:effectRef>
-          <a:fontRef idx="minor">
-            <a:schemeClr val="tx1"/>
-          </a:fontRef>
-        </p:style>
-      </p:cxnSp>
-      <p:sp>
-        <p:nvSpPr>
-          <p:cNvPr id="46" name="Arrow: Left 45">
-            <a:extLst>
-              <a:ext uri="{FF2B5EF4-FFF2-40B4-BE49-F238E27FC236}">
-                <a16:creationId xmlns:a16="http://schemas.microsoft.com/office/drawing/2014/main" id="{428FCABD-5C43-3250-AA8E-CF18B3EEB222}"/>
-              </a:ext>
-            </a:extLst>
-          </p:cNvPr>
-          <p:cNvSpPr/>
-          <p:nvPr/>
-        </p:nvSpPr>
-        <p:spPr>
-          <a:xfrm>
-            <a:off x="6441466" y="5855793"/>
-            <a:ext cx="371774" cy="85375"/>
-          </a:xfrm>
-          <a:prstGeom prst="leftArrow">
-            <a:avLst/>
-          </a:prstGeom>
-        </p:spPr>
-        <p:style>
-          <a:lnRef idx="2">
-            <a:schemeClr val="accent1">
-              <a:shade val="15000"/>
-            </a:schemeClr>
-          </a:lnRef>
-          <a:fillRef idx="1">
-            <a:schemeClr val="accent1"/>
-          </a:fillRef>
-          <a:effectRef idx="0">
-            <a:schemeClr val="accent1"/>
-          </a:effectRef>
-          <a:fontRef idx="minor">
-            <a:schemeClr val="lt1"/>
-          </a:fontRef>
-        </p:style>
-        <p:txBody>
-          <a:bodyPr rtlCol="0" anchor="ctr"/>
-          <a:lstStyle/>
-          <a:p>
-            <a:pPr algn="ctr"/>
-            <a:endParaRPr lang="en-SG"/>
-          </a:p>
-        </p:txBody>
-      </p:sp>
-      <p:sp>
-        <p:nvSpPr>
-          <p:cNvPr id="50" name="TextBox 49">
-            <a:extLst>
-              <a:ext uri="{FF2B5EF4-FFF2-40B4-BE49-F238E27FC236}">
-                <a16:creationId xmlns:a16="http://schemas.microsoft.com/office/drawing/2014/main" id="{A409C2F2-B2F8-E595-C532-05201681678A}"/>
-              </a:ext>
-            </a:extLst>
-          </p:cNvPr>
-          <p:cNvSpPr txBox="1"/>
-          <p:nvPr/>
-        </p:nvSpPr>
-        <p:spPr>
-          <a:xfrm>
-            <a:off x="6865158" y="5168851"/>
-            <a:ext cx="1779393" cy="430887"/>
-          </a:xfrm>
-          <a:prstGeom prst="rect">
-            <a:avLst/>
-          </a:prstGeom>
-          <a:noFill/>
-        </p:spPr>
-        <p:txBody>
-          <a:bodyPr wrap="square">
-            <a:spAutoFit/>
-          </a:bodyPr>
-          <a:lstStyle/>
-          <a:p>
-            <a:r>
-              <a:rPr lang="en-US" sz="1100" b="1" dirty="0">
-                <a:solidFill>
-                  <a:schemeClr val="tx1">
-                    <a:lumMod val="75000"/>
-                    <a:lumOff val="25000"/>
-                  </a:schemeClr>
-                </a:solidFill>
-              </a:rPr>
-              <a:t>Network communication with Open AI</a:t>
-            </a:r>
-            <a:endParaRPr lang="en-SG" sz="1100" b="1" dirty="0">
-              <a:solidFill>
-                <a:schemeClr val="tx1">
-                  <a:lumMod val="75000"/>
-                  <a:lumOff val="25000"/>
-                </a:schemeClr>
-              </a:solidFill>
-            </a:endParaRPr>
-          </a:p>
-        </p:txBody>
-      </p:sp>
-      <p:sp>
-        <p:nvSpPr>
-          <p:cNvPr id="51" name="TextBox 50">
-            <a:extLst>
-              <a:ext uri="{FF2B5EF4-FFF2-40B4-BE49-F238E27FC236}">
-                <a16:creationId xmlns:a16="http://schemas.microsoft.com/office/drawing/2014/main" id="{4FDDFA0C-D92F-D35A-F7F2-F8299D67F8E6}"/>
-              </a:ext>
-            </a:extLst>
-          </p:cNvPr>
-          <p:cNvSpPr txBox="1"/>
-          <p:nvPr/>
-        </p:nvSpPr>
-        <p:spPr>
-          <a:xfrm>
-            <a:off x="6865157" y="5716075"/>
-            <a:ext cx="1779393" cy="261610"/>
-          </a:xfrm>
-          <a:prstGeom prst="rect">
-            <a:avLst/>
-          </a:prstGeom>
-          <a:noFill/>
-        </p:spPr>
-        <p:txBody>
-          <a:bodyPr wrap="square">
-            <a:spAutoFit/>
-          </a:bodyPr>
-          <a:lstStyle/>
-          <a:p>
-            <a:r>
-              <a:rPr lang="en-US" sz="1100" b="1" dirty="0">
-                <a:solidFill>
-                  <a:schemeClr val="tx1">
-                    <a:lumMod val="75000"/>
-                    <a:lumOff val="25000"/>
-                  </a:schemeClr>
-                </a:solidFill>
-              </a:rPr>
-              <a:t>Data flow or file I/O</a:t>
-            </a:r>
-            <a:endParaRPr lang="en-SG" sz="1100" b="1" dirty="0">
-              <a:solidFill>
-                <a:schemeClr val="tx1">
-                  <a:lumMod val="75000"/>
-                  <a:lumOff val="25000"/>
-                </a:schemeClr>
-              </a:solidFill>
-            </a:endParaRPr>
-          </a:p>
-        </p:txBody>
-      </p:sp>
-      <p:pic>
-        <p:nvPicPr>
-          <p:cNvPr id="1026" name="Picture 2" descr="Json file - Free ui icons">
-            <a:extLst>
-              <a:ext uri="{FF2B5EF4-FFF2-40B4-BE49-F238E27FC236}">
-                <a16:creationId xmlns:a16="http://schemas.microsoft.com/office/drawing/2014/main" id="{16548107-C65D-7F47-4074-637C620A8AF7}"/>
+          <p:cNvPr id="29" name="Picture 2" descr="Json file - Free ui icons">
+            <a:extLst>
+              <a:ext uri="{FF2B5EF4-FFF2-40B4-BE49-F238E27FC236}">
+                <a16:creationId xmlns:a16="http://schemas.microsoft.com/office/drawing/2014/main" id="{EEE540C9-080B-79DF-DB24-C38BCBFCDA52}"/>
               </a:ext>
             </a:extLst>
           </p:cNvPr>
@@ -5804,7 +4459,7 @@
           <p:nvPr/>
         </p:nvPicPr>
         <p:blipFill>
-          <a:blip r:embed="rId11">
+          <a:blip r:embed="rId13">
             <a:extLst>
               <a:ext uri="{28A0092B-C50C-407E-A947-70E740481C1C}">
                 <a14:useLocalDpi xmlns:a14="http://schemas.microsoft.com/office/drawing/2010/main" val="0"/>
@@ -5818,8 +4473,8 @@
         </p:blipFill>
         <p:spPr bwMode="auto">
           <a:xfrm>
-            <a:off x="7220426" y="2378782"/>
-            <a:ext cx="597516" cy="597516"/>
+            <a:off x="3678928" y="4436523"/>
+            <a:ext cx="455312" cy="455312"/>
           </a:xfrm>
           <a:prstGeom prst="rect">
             <a:avLst/>
@@ -5838,10 +4493,10 @@
       </p:pic>
       <p:sp>
         <p:nvSpPr>
-          <p:cNvPr id="10" name="TextBox 9">
-            <a:extLst>
-              <a:ext uri="{FF2B5EF4-FFF2-40B4-BE49-F238E27FC236}">
-                <a16:creationId xmlns:a16="http://schemas.microsoft.com/office/drawing/2014/main" id="{86A6BDE8-5473-B638-3C53-540B1A435430}"/>
+          <p:cNvPr id="30" name="TextBox 29">
+            <a:extLst>
+              <a:ext uri="{FF2B5EF4-FFF2-40B4-BE49-F238E27FC236}">
+                <a16:creationId xmlns:a16="http://schemas.microsoft.com/office/drawing/2014/main" id="{0BAF682F-97DD-3D95-1ECD-6D2B2B8AFEFE}"/>
               </a:ext>
             </a:extLst>
           </p:cNvPr>
@@ -5850,7 +4505,7 @@
         </p:nvSpPr>
         <p:spPr>
           <a:xfrm>
-            <a:off x="7195104" y="2198331"/>
+            <a:off x="3681539" y="4232362"/>
             <a:ext cx="1027171" cy="261610"/>
           </a:xfrm>
           <a:prstGeom prst="rect">
@@ -5880,10 +4535,10 @@
       </p:sp>
       <p:sp>
         <p:nvSpPr>
-          <p:cNvPr id="12" name="TextBox 11">
-            <a:extLst>
-              <a:ext uri="{FF2B5EF4-FFF2-40B4-BE49-F238E27FC236}">
-                <a16:creationId xmlns:a16="http://schemas.microsoft.com/office/drawing/2014/main" id="{982D6406-DCFB-B1A7-5C8C-A4F0C032512C}"/>
+          <p:cNvPr id="31" name="TextBox 30">
+            <a:extLst>
+              <a:ext uri="{FF2B5EF4-FFF2-40B4-BE49-F238E27FC236}">
+                <a16:creationId xmlns:a16="http://schemas.microsoft.com/office/drawing/2014/main" id="{B79A507C-11F3-DBB0-E1E7-E4071D98067D}"/>
               </a:ext>
             </a:extLst>
           </p:cNvPr>
@@ -5892,7 +4547,7 @@
         </p:nvSpPr>
         <p:spPr>
           <a:xfrm>
-            <a:off x="6580153" y="2194379"/>
+            <a:off x="3065020" y="4221548"/>
             <a:ext cx="707037" cy="400110"/>
           </a:xfrm>
           <a:prstGeom prst="rect">
@@ -5915,10 +4570,10 @@
       </p:sp>
       <p:pic>
         <p:nvPicPr>
-          <p:cNvPr id="18" name="Picture 17">
-            <a:extLst>
-              <a:ext uri="{FF2B5EF4-FFF2-40B4-BE49-F238E27FC236}">
-                <a16:creationId xmlns:a16="http://schemas.microsoft.com/office/drawing/2014/main" id="{05BE940F-1256-AA2C-415C-29A1A435C351}"/>
+          <p:cNvPr id="32" name="Picture 31">
+            <a:extLst>
+              <a:ext uri="{FF2B5EF4-FFF2-40B4-BE49-F238E27FC236}">
+                <a16:creationId xmlns:a16="http://schemas.microsoft.com/office/drawing/2014/main" id="{7C295DCA-7F66-EDD1-DF3A-E43A98F6034A}"/>
               </a:ext>
             </a:extLst>
           </p:cNvPr>
@@ -5928,15 +4583,15 @@
           <p:nvPr/>
         </p:nvPicPr>
         <p:blipFill>
-          <a:blip r:embed="rId12"/>
+          <a:blip r:embed="rId14"/>
           <a:stretch>
             <a:fillRect/>
           </a:stretch>
         </p:blipFill>
         <p:spPr>
           <a:xfrm>
-            <a:off x="7708690" y="3193032"/>
-            <a:ext cx="469334" cy="366667"/>
+            <a:off x="3759057" y="5227548"/>
+            <a:ext cx="346012" cy="270322"/>
           </a:xfrm>
           <a:prstGeom prst="rect">
             <a:avLst/>
@@ -5945,10 +4600,10 @@
       </p:pic>
       <p:sp>
         <p:nvSpPr>
-          <p:cNvPr id="22" name="TextBox 21">
-            <a:extLst>
-              <a:ext uri="{FF2B5EF4-FFF2-40B4-BE49-F238E27FC236}">
-                <a16:creationId xmlns:a16="http://schemas.microsoft.com/office/drawing/2014/main" id="{FEFB917D-38B5-0A05-1DFA-795700893175}"/>
+          <p:cNvPr id="33" name="TextBox 32">
+            <a:extLst>
+              <a:ext uri="{FF2B5EF4-FFF2-40B4-BE49-F238E27FC236}">
+                <a16:creationId xmlns:a16="http://schemas.microsoft.com/office/drawing/2014/main" id="{7B3CBEAE-C4B3-89A5-5003-DD190FE8505E}"/>
               </a:ext>
             </a:extLst>
           </p:cNvPr>
@@ -5957,7 +4612,7 @@
         </p:nvSpPr>
         <p:spPr>
           <a:xfrm>
-            <a:off x="7619784" y="2980760"/>
+            <a:off x="3491811" y="4949469"/>
             <a:ext cx="1027171" cy="261610"/>
           </a:xfrm>
           <a:prstGeom prst="rect">
@@ -5985,12 +4640,117 @@
           </a:p>
         </p:txBody>
       </p:sp>
+      <p:sp>
+        <p:nvSpPr>
+          <p:cNvPr id="34" name="Rectangle 33">
+            <a:extLst>
+              <a:ext uri="{FF2B5EF4-FFF2-40B4-BE49-F238E27FC236}">
+                <a16:creationId xmlns:a16="http://schemas.microsoft.com/office/drawing/2014/main" id="{FD6CF97E-1FA5-2237-F54F-96C32276B28E}"/>
+              </a:ext>
+            </a:extLst>
+          </p:cNvPr>
+          <p:cNvSpPr/>
+          <p:nvPr/>
+        </p:nvSpPr>
+        <p:spPr>
+          <a:xfrm>
+            <a:off x="4894955" y="3429000"/>
+            <a:ext cx="1615142" cy="418011"/>
+          </a:xfrm>
+          <a:prstGeom prst="rect">
+            <a:avLst/>
+          </a:prstGeom>
+          <a:solidFill>
+            <a:schemeClr val="accent2">
+              <a:lumMod val="40000"/>
+              <a:lumOff val="60000"/>
+            </a:schemeClr>
+          </a:solidFill>
+        </p:spPr>
+        <p:style>
+          <a:lnRef idx="2">
+            <a:schemeClr val="accent1">
+              <a:shade val="15000"/>
+            </a:schemeClr>
+          </a:lnRef>
+          <a:fillRef idx="1">
+            <a:schemeClr val="accent1"/>
+          </a:fillRef>
+          <a:effectRef idx="0">
+            <a:schemeClr val="accent1"/>
+          </a:effectRef>
+          <a:fontRef idx="minor">
+            <a:schemeClr val="lt1"/>
+          </a:fontRef>
+        </p:style>
+        <p:txBody>
+          <a:bodyPr rtlCol="0" anchor="ctr"/>
+          <a:lstStyle/>
+          <a:p>
+            <a:pPr algn="ctr"/>
+            <a:r>
+              <a:rPr lang="en-US" sz="1200" b="1" dirty="0">
+                <a:solidFill>
+                  <a:schemeClr val="tx1"/>
+                </a:solidFill>
+              </a:rPr>
+              <a:t>LLM-AI MCQ parser </a:t>
+            </a:r>
+            <a:endParaRPr lang="en-SG" sz="1200" b="1" dirty="0">
+              <a:solidFill>
+                <a:schemeClr val="tx1"/>
+              </a:solidFill>
+            </a:endParaRPr>
+          </a:p>
+        </p:txBody>
+      </p:sp>
+      <p:cxnSp>
+        <p:nvCxnSpPr>
+          <p:cNvPr id="35" name="Straight Arrow Connector 34">
+            <a:extLst>
+              <a:ext uri="{FF2B5EF4-FFF2-40B4-BE49-F238E27FC236}">
+                <a16:creationId xmlns:a16="http://schemas.microsoft.com/office/drawing/2014/main" id="{2E93863E-90EE-AF43-0322-6C4DC446E7DD}"/>
+              </a:ext>
+            </a:extLst>
+          </p:cNvPr>
+          <p:cNvCxnSpPr>
+            <a:cxnSpLocks/>
+          </p:cNvCxnSpPr>
+          <p:nvPr/>
+        </p:nvCxnSpPr>
+        <p:spPr>
+          <a:xfrm>
+            <a:off x="4519285" y="3638006"/>
+            <a:ext cx="371022" cy="0"/>
+          </a:xfrm>
+          <a:prstGeom prst="straightConnector1">
+            <a:avLst/>
+          </a:prstGeom>
+          <a:ln w="19050">
+            <a:tailEnd type="triangle"/>
+          </a:ln>
+        </p:spPr>
+        <p:style>
+          <a:lnRef idx="1">
+            <a:schemeClr val="accent1"/>
+          </a:lnRef>
+          <a:fillRef idx="0">
+            <a:schemeClr val="accent1"/>
+          </a:fillRef>
+          <a:effectRef idx="0">
+            <a:schemeClr val="accent1"/>
+          </a:effectRef>
+          <a:fontRef idx="minor">
+            <a:schemeClr val="tx1"/>
+          </a:fontRef>
+        </p:style>
+      </p:cxnSp>
       <p:pic>
         <p:nvPicPr>
-          <p:cNvPr id="39" name="Picture 38">
-            <a:extLst>
-              <a:ext uri="{FF2B5EF4-FFF2-40B4-BE49-F238E27FC236}">
-                <a16:creationId xmlns:a16="http://schemas.microsoft.com/office/drawing/2014/main" id="{83D5C2CA-072D-40E0-2FF7-ADD280251058}"/>
+          <p:cNvPr id="36" name="Picture 35">
+            <a:extLst>
+              <a:ext uri="{FF2B5EF4-FFF2-40B4-BE49-F238E27FC236}">
+                <a16:creationId xmlns:a16="http://schemas.microsoft.com/office/drawing/2014/main" id="{112698D1-CC4F-71F3-6A74-93900046CCC8}"/>
               </a:ext>
             </a:extLst>
           </p:cNvPr>
@@ -6000,15 +4760,155 @@
           <p:nvPr/>
         </p:nvPicPr>
         <p:blipFill>
-          <a:blip r:embed="rId13"/>
+          <a:blip r:embed="rId15"/>
           <a:stretch>
             <a:fillRect/>
           </a:stretch>
         </p:blipFill>
         <p:spPr>
           <a:xfrm>
-            <a:off x="7488178" y="3849498"/>
-            <a:ext cx="910358" cy="535504"/>
+            <a:off x="5802737" y="3263456"/>
+            <a:ext cx="707880" cy="299949"/>
+          </a:xfrm>
+          <a:prstGeom prst="rect">
+            <a:avLst/>
+          </a:prstGeom>
+          <a:ln w="6350">
+            <a:solidFill>
+              <a:schemeClr val="tx1"/>
+            </a:solidFill>
+          </a:ln>
+        </p:spPr>
+      </p:pic>
+      <p:cxnSp>
+        <p:nvCxnSpPr>
+          <p:cNvPr id="37" name="Straight Arrow Connector 36">
+            <a:extLst>
+              <a:ext uri="{FF2B5EF4-FFF2-40B4-BE49-F238E27FC236}">
+                <a16:creationId xmlns:a16="http://schemas.microsoft.com/office/drawing/2014/main" id="{3CC70378-A1EC-1F9A-FAC2-10D8711EC59C}"/>
+              </a:ext>
+            </a:extLst>
+          </p:cNvPr>
+          <p:cNvCxnSpPr>
+            <a:cxnSpLocks/>
+          </p:cNvCxnSpPr>
+          <p:nvPr/>
+        </p:nvCxnSpPr>
+        <p:spPr>
+          <a:xfrm>
+            <a:off x="5190623" y="3846877"/>
+            <a:ext cx="0" cy="297310"/>
+          </a:xfrm>
+          <a:prstGeom prst="straightConnector1">
+            <a:avLst/>
+          </a:prstGeom>
+          <a:ln w="19050">
+            <a:tailEnd type="triangle"/>
+          </a:ln>
+        </p:spPr>
+        <p:style>
+          <a:lnRef idx="1">
+            <a:schemeClr val="accent1"/>
+          </a:lnRef>
+          <a:fillRef idx="0">
+            <a:schemeClr val="accent1"/>
+          </a:fillRef>
+          <a:effectRef idx="0">
+            <a:schemeClr val="accent1"/>
+          </a:effectRef>
+          <a:fontRef idx="minor">
+            <a:schemeClr val="tx1"/>
+          </a:fontRef>
+        </p:style>
+      </p:cxnSp>
+      <p:sp>
+        <p:nvSpPr>
+          <p:cNvPr id="38" name="Rectangle 37">
+            <a:extLst>
+              <a:ext uri="{FF2B5EF4-FFF2-40B4-BE49-F238E27FC236}">
+                <a16:creationId xmlns:a16="http://schemas.microsoft.com/office/drawing/2014/main" id="{03362132-0D95-5CB3-7AB8-0C24EFD6122E}"/>
+              </a:ext>
+            </a:extLst>
+          </p:cNvPr>
+          <p:cNvSpPr/>
+          <p:nvPr/>
+        </p:nvSpPr>
+        <p:spPr>
+          <a:xfrm>
+            <a:off x="4894955" y="5130652"/>
+            <a:ext cx="1615142" cy="418011"/>
+          </a:xfrm>
+          <a:prstGeom prst="rect">
+            <a:avLst/>
+          </a:prstGeom>
+          <a:solidFill>
+            <a:schemeClr val="accent2">
+              <a:lumMod val="40000"/>
+              <a:lumOff val="60000"/>
+            </a:schemeClr>
+          </a:solidFill>
+        </p:spPr>
+        <p:style>
+          <a:lnRef idx="2">
+            <a:schemeClr val="accent1">
+              <a:shade val="15000"/>
+            </a:schemeClr>
+          </a:lnRef>
+          <a:fillRef idx="1">
+            <a:schemeClr val="accent1"/>
+          </a:fillRef>
+          <a:effectRef idx="0">
+            <a:schemeClr val="accent1"/>
+          </a:effectRef>
+          <a:fontRef idx="minor">
+            <a:schemeClr val="lt1"/>
+          </a:fontRef>
+        </p:style>
+        <p:txBody>
+          <a:bodyPr rtlCol="0" anchor="ctr"/>
+          <a:lstStyle/>
+          <a:p>
+            <a:pPr algn="ctr"/>
+            <a:r>
+              <a:rPr lang="en-US" sz="1200" b="1" dirty="0">
+                <a:solidFill>
+                  <a:schemeClr val="tx1"/>
+                </a:solidFill>
+              </a:rPr>
+              <a:t>LLM-AI MCQ Solver</a:t>
+            </a:r>
+            <a:endParaRPr lang="en-SG" sz="1200" b="1" dirty="0">
+              <a:solidFill>
+                <a:schemeClr val="tx1"/>
+              </a:solidFill>
+            </a:endParaRPr>
+          </a:p>
+        </p:txBody>
+      </p:sp>
+      <p:pic>
+        <p:nvPicPr>
+          <p:cNvPr id="39" name="Picture 38">
+            <a:extLst>
+              <a:ext uri="{FF2B5EF4-FFF2-40B4-BE49-F238E27FC236}">
+                <a16:creationId xmlns:a16="http://schemas.microsoft.com/office/drawing/2014/main" id="{F84E8278-A0F5-9CC8-F265-7C7921FCEC1B}"/>
+              </a:ext>
+            </a:extLst>
+          </p:cNvPr>
+          <p:cNvPicPr>
+            <a:picLocks noChangeAspect="1"/>
+          </p:cNvPicPr>
+          <p:nvPr/>
+        </p:nvPicPr>
+        <p:blipFill>
+          <a:blip r:embed="rId16"/>
+          <a:stretch>
+            <a:fillRect/>
+          </a:stretch>
+        </p:blipFill>
+        <p:spPr>
+          <a:xfrm>
+            <a:off x="4972600" y="4154059"/>
+            <a:ext cx="436045" cy="569052"/>
           </a:xfrm>
           <a:prstGeom prst="rect">
             <a:avLst/>
@@ -6020,31 +4920,382 @@
           </a:ln>
         </p:spPr>
       </p:pic>
+      <p:sp>
+        <p:nvSpPr>
+          <p:cNvPr id="42" name="TextBox 41">
+            <a:extLst>
+              <a:ext uri="{FF2B5EF4-FFF2-40B4-BE49-F238E27FC236}">
+                <a16:creationId xmlns:a16="http://schemas.microsoft.com/office/drawing/2014/main" id="{96490F82-B19E-3EE1-AC06-43B598ED26AB}"/>
+              </a:ext>
+            </a:extLst>
+          </p:cNvPr>
+          <p:cNvSpPr txBox="1"/>
+          <p:nvPr/>
+        </p:nvSpPr>
+        <p:spPr>
+          <a:xfrm>
+            <a:off x="5374661" y="4099850"/>
+            <a:ext cx="1148103" cy="646331"/>
+          </a:xfrm>
+          <a:prstGeom prst="rect">
+            <a:avLst/>
+          </a:prstGeom>
+          <a:noFill/>
+        </p:spPr>
+        <p:txBody>
+          <a:bodyPr wrap="square">
+            <a:spAutoFit/>
+          </a:bodyPr>
+          <a:lstStyle/>
+          <a:p>
+            <a:r>
+              <a:rPr lang="en-US" sz="1200" b="1" dirty="0">
+                <a:solidFill>
+                  <a:schemeClr val="tx1">
+                    <a:lumMod val="75000"/>
+                    <a:lumOff val="25000"/>
+                  </a:schemeClr>
+                </a:solidFill>
+              </a:rPr>
+              <a:t>Text Format MCQ question back file</a:t>
+            </a:r>
+            <a:endParaRPr lang="en-SG" sz="1200" b="1" dirty="0">
+              <a:solidFill>
+                <a:schemeClr val="tx1">
+                  <a:lumMod val="75000"/>
+                  <a:lumOff val="25000"/>
+                </a:schemeClr>
+              </a:solidFill>
+            </a:endParaRPr>
+          </a:p>
+        </p:txBody>
+      </p:sp>
+      <p:cxnSp>
+        <p:nvCxnSpPr>
+          <p:cNvPr id="43" name="Straight Arrow Connector 42">
+            <a:extLst>
+              <a:ext uri="{FF2B5EF4-FFF2-40B4-BE49-F238E27FC236}">
+                <a16:creationId xmlns:a16="http://schemas.microsoft.com/office/drawing/2014/main" id="{CCA956A8-BD14-2C86-A87A-4EEB3E0971B5}"/>
+              </a:ext>
+            </a:extLst>
+          </p:cNvPr>
+          <p:cNvCxnSpPr>
+            <a:cxnSpLocks/>
+          </p:cNvCxnSpPr>
+          <p:nvPr/>
+        </p:nvCxnSpPr>
+        <p:spPr>
+          <a:xfrm flipH="1">
+            <a:off x="5190623" y="4738680"/>
+            <a:ext cx="248" cy="391838"/>
+          </a:xfrm>
+          <a:prstGeom prst="straightConnector1">
+            <a:avLst/>
+          </a:prstGeom>
+          <a:ln w="19050">
+            <a:tailEnd type="triangle"/>
+          </a:ln>
+        </p:spPr>
+        <p:style>
+          <a:lnRef idx="1">
+            <a:schemeClr val="accent1"/>
+          </a:lnRef>
+          <a:fillRef idx="0">
+            <a:schemeClr val="accent1"/>
+          </a:fillRef>
+          <a:effectRef idx="0">
+            <a:schemeClr val="accent1"/>
+          </a:effectRef>
+          <a:fontRef idx="minor">
+            <a:schemeClr val="tx1"/>
+          </a:fontRef>
+        </p:style>
+      </p:cxnSp>
+      <p:pic>
+        <p:nvPicPr>
+          <p:cNvPr id="46" name="Picture 45">
+            <a:extLst>
+              <a:ext uri="{FF2B5EF4-FFF2-40B4-BE49-F238E27FC236}">
+                <a16:creationId xmlns:a16="http://schemas.microsoft.com/office/drawing/2014/main" id="{856EB8F2-089A-DEC9-6FF7-3BFD75A1FD09}"/>
+              </a:ext>
+            </a:extLst>
+          </p:cNvPr>
+          <p:cNvPicPr>
+            <a:picLocks noChangeAspect="1"/>
+          </p:cNvPicPr>
+          <p:nvPr/>
+        </p:nvPicPr>
+        <p:blipFill>
+          <a:blip r:embed="rId15"/>
+          <a:stretch>
+            <a:fillRect/>
+          </a:stretch>
+        </p:blipFill>
+        <p:spPr>
+          <a:xfrm>
+            <a:off x="5802217" y="4905920"/>
+            <a:ext cx="707880" cy="299949"/>
+          </a:xfrm>
+          <a:prstGeom prst="rect">
+            <a:avLst/>
+          </a:prstGeom>
+          <a:ln w="6350">
+            <a:solidFill>
+              <a:schemeClr val="tx1"/>
+            </a:solidFill>
+          </a:ln>
+        </p:spPr>
+      </p:pic>
       <p:cxnSp>
         <p:nvCxnSpPr>
           <p:cNvPr id="47" name="Straight Arrow Connector 46">
             <a:extLst>
               <a:ext uri="{FF2B5EF4-FFF2-40B4-BE49-F238E27FC236}">
-                <a16:creationId xmlns:a16="http://schemas.microsoft.com/office/drawing/2014/main" id="{E7AF327B-7D13-26AF-4B67-A4BAFFB213AD}"/>
+                <a16:creationId xmlns:a16="http://schemas.microsoft.com/office/drawing/2014/main" id="{612A10C3-5A80-505C-0D87-7893E904F726}"/>
               </a:ext>
             </a:extLst>
           </p:cNvPr>
           <p:cNvCxnSpPr>
             <a:cxnSpLocks/>
-            <a:stCxn id="18" idx="2"/>
-            <a:endCxn id="39" idx="0"/>
           </p:cNvCxnSpPr>
           <p:nvPr/>
         </p:nvCxnSpPr>
         <p:spPr>
           <a:xfrm>
-            <a:off x="7943357" y="3559699"/>
-            <a:ext cx="0" cy="289799"/>
+            <a:off x="6510097" y="5339657"/>
+            <a:ext cx="809273" cy="0"/>
           </a:xfrm>
           <a:prstGeom prst="straightConnector1">
             <a:avLst/>
           </a:prstGeom>
-          <a:ln>
+          <a:ln w="19050">
+            <a:tailEnd type="triangle"/>
+          </a:ln>
+        </p:spPr>
+        <p:style>
+          <a:lnRef idx="1">
+            <a:schemeClr val="accent1"/>
+          </a:lnRef>
+          <a:fillRef idx="0">
+            <a:schemeClr val="accent1"/>
+          </a:fillRef>
+          <a:effectRef idx="0">
+            <a:schemeClr val="accent1"/>
+          </a:effectRef>
+          <a:fontRef idx="minor">
+            <a:schemeClr val="tx1"/>
+          </a:fontRef>
+        </p:style>
+      </p:cxnSp>
+      <p:pic>
+        <p:nvPicPr>
+          <p:cNvPr id="50" name="Picture 49">
+            <a:extLst>
+              <a:ext uri="{FF2B5EF4-FFF2-40B4-BE49-F238E27FC236}">
+                <a16:creationId xmlns:a16="http://schemas.microsoft.com/office/drawing/2014/main" id="{37E2948A-5D57-FBAC-5083-1072E3885E6D}"/>
+              </a:ext>
+            </a:extLst>
+          </p:cNvPr>
+          <p:cNvPicPr>
+            <a:picLocks noChangeAspect="1"/>
+          </p:cNvPicPr>
+          <p:nvPr/>
+        </p:nvPicPr>
+        <p:blipFill>
+          <a:blip r:embed="rId17"/>
+          <a:stretch>
+            <a:fillRect/>
+          </a:stretch>
+        </p:blipFill>
+        <p:spPr>
+          <a:xfrm>
+            <a:off x="7256836" y="3156363"/>
+            <a:ext cx="311636" cy="372004"/>
+          </a:xfrm>
+          <a:prstGeom prst="rect">
+            <a:avLst/>
+          </a:prstGeom>
+        </p:spPr>
+      </p:pic>
+      <p:sp>
+        <p:nvSpPr>
+          <p:cNvPr id="51" name="TextBox 50">
+            <a:extLst>
+              <a:ext uri="{FF2B5EF4-FFF2-40B4-BE49-F238E27FC236}">
+                <a16:creationId xmlns:a16="http://schemas.microsoft.com/office/drawing/2014/main" id="{29CCAB9A-A704-A8E4-037F-D4786D62B404}"/>
+              </a:ext>
+            </a:extLst>
+          </p:cNvPr>
+          <p:cNvSpPr txBox="1"/>
+          <p:nvPr/>
+        </p:nvSpPr>
+        <p:spPr>
+          <a:xfrm>
+            <a:off x="7568472" y="3128833"/>
+            <a:ext cx="1060513" cy="400110"/>
+          </a:xfrm>
+          <a:prstGeom prst="rect">
+            <a:avLst/>
+          </a:prstGeom>
+          <a:noFill/>
+        </p:spPr>
+        <p:txBody>
+          <a:bodyPr wrap="square" rtlCol="0">
+            <a:spAutoFit/>
+          </a:bodyPr>
+          <a:lstStyle/>
+          <a:p>
+            <a:r>
+              <a:rPr lang="en-US" sz="1000" dirty="0"/>
+              <a:t>Question scenario prompt</a:t>
+            </a:r>
+            <a:endParaRPr lang="en-SG" sz="1000" dirty="0"/>
+          </a:p>
+        </p:txBody>
+      </p:sp>
+      <p:pic>
+        <p:nvPicPr>
+          <p:cNvPr id="55" name="Picture 54">
+            <a:extLst>
+              <a:ext uri="{FF2B5EF4-FFF2-40B4-BE49-F238E27FC236}">
+                <a16:creationId xmlns:a16="http://schemas.microsoft.com/office/drawing/2014/main" id="{54C1819C-B372-3C79-E60C-B50B506BAF8B}"/>
+              </a:ext>
+            </a:extLst>
+          </p:cNvPr>
+          <p:cNvPicPr>
+            <a:picLocks noChangeAspect="1"/>
+          </p:cNvPicPr>
+          <p:nvPr/>
+        </p:nvPicPr>
+        <p:blipFill rotWithShape="1">
+          <a:blip r:embed="rId5"/>
+          <a:srcRect l="76289"/>
+          <a:stretch/>
+        </p:blipFill>
+        <p:spPr>
+          <a:xfrm>
+            <a:off x="7319370" y="4869693"/>
+            <a:ext cx="516620" cy="638629"/>
+          </a:xfrm>
+          <a:prstGeom prst="rect">
+            <a:avLst/>
+          </a:prstGeom>
+          <a:ln w="9525">
+            <a:solidFill>
+              <a:schemeClr val="tx1"/>
+            </a:solidFill>
+          </a:ln>
+        </p:spPr>
+      </p:pic>
+      <p:sp>
+        <p:nvSpPr>
+          <p:cNvPr id="56" name="TextBox 55">
+            <a:extLst>
+              <a:ext uri="{FF2B5EF4-FFF2-40B4-BE49-F238E27FC236}">
+                <a16:creationId xmlns:a16="http://schemas.microsoft.com/office/drawing/2014/main" id="{1D404A33-43CF-836A-E467-3BEF4569903A}"/>
+              </a:ext>
+            </a:extLst>
+          </p:cNvPr>
+          <p:cNvSpPr txBox="1"/>
+          <p:nvPr/>
+        </p:nvSpPr>
+        <p:spPr>
+          <a:xfrm>
+            <a:off x="6957491" y="4259589"/>
+            <a:ext cx="1284933" cy="646331"/>
+          </a:xfrm>
+          <a:prstGeom prst="rect">
+            <a:avLst/>
+          </a:prstGeom>
+          <a:noFill/>
+        </p:spPr>
+        <p:txBody>
+          <a:bodyPr wrap="square">
+            <a:spAutoFit/>
+          </a:bodyPr>
+          <a:lstStyle/>
+          <a:p>
+            <a:r>
+              <a:rPr lang="en-US" sz="1200" b="1" dirty="0">
+                <a:solidFill>
+                  <a:schemeClr val="tx1">
+                    <a:lumMod val="75000"/>
+                    <a:lumOff val="25000"/>
+                  </a:schemeClr>
+                </a:solidFill>
+              </a:rPr>
+              <a:t>MCQ answer file (with/without AI correctness rate )</a:t>
+            </a:r>
+            <a:endParaRPr lang="en-SG" sz="1200" b="1" dirty="0">
+              <a:solidFill>
+                <a:schemeClr val="tx1">
+                  <a:lumMod val="75000"/>
+                  <a:lumOff val="25000"/>
+                </a:schemeClr>
+              </a:solidFill>
+            </a:endParaRPr>
+          </a:p>
+        </p:txBody>
+      </p:sp>
+      <p:pic>
+        <p:nvPicPr>
+          <p:cNvPr id="57" name="Picture 56">
+            <a:extLst>
+              <a:ext uri="{FF2B5EF4-FFF2-40B4-BE49-F238E27FC236}">
+                <a16:creationId xmlns:a16="http://schemas.microsoft.com/office/drawing/2014/main" id="{A4EB7297-56EF-8642-142A-10F4A2033087}"/>
+              </a:ext>
+            </a:extLst>
+          </p:cNvPr>
+          <p:cNvPicPr>
+            <a:picLocks noChangeAspect="1"/>
+          </p:cNvPicPr>
+          <p:nvPr/>
+        </p:nvPicPr>
+        <p:blipFill>
+          <a:blip r:embed="rId18"/>
+          <a:stretch>
+            <a:fillRect/>
+          </a:stretch>
+        </p:blipFill>
+        <p:spPr>
+          <a:xfrm>
+            <a:off x="6919413" y="3591597"/>
+            <a:ext cx="1361090" cy="296730"/>
+          </a:xfrm>
+          <a:prstGeom prst="rect">
+            <a:avLst/>
+          </a:prstGeom>
+          <a:ln w="12700">
+            <a:solidFill>
+              <a:schemeClr val="tx1"/>
+            </a:solidFill>
+          </a:ln>
+        </p:spPr>
+      </p:pic>
+      <p:cxnSp>
+        <p:nvCxnSpPr>
+          <p:cNvPr id="66" name="Connector: Elbow 65">
+            <a:extLst>
+              <a:ext uri="{FF2B5EF4-FFF2-40B4-BE49-F238E27FC236}">
+                <a16:creationId xmlns:a16="http://schemas.microsoft.com/office/drawing/2014/main" id="{FE3C2300-FEA8-183D-04AA-BA6BF833582A}"/>
+              </a:ext>
+            </a:extLst>
+          </p:cNvPr>
+          <p:cNvCxnSpPr>
+            <a:cxnSpLocks/>
+            <a:stCxn id="50" idx="1"/>
+          </p:cNvCxnSpPr>
+          <p:nvPr/>
+        </p:nvCxnSpPr>
+        <p:spPr>
+          <a:xfrm rot="10800000" flipV="1">
+            <a:off x="6996454" y="3342365"/>
+            <a:ext cx="260382" cy="249232"/>
+          </a:xfrm>
+          <a:prstGeom prst="bentConnector2">
+            <a:avLst/>
+          </a:prstGeom>
+          <a:ln w="19050">
             <a:tailEnd type="triangle"/>
           </a:ln>
         </p:spPr>
@@ -6065,29 +5316,88 @@
       </p:cxnSp>
       <p:cxnSp>
         <p:nvCxnSpPr>
-          <p:cNvPr id="55" name="Connector: Elbow 54">
-            <a:extLst>
-              <a:ext uri="{FF2B5EF4-FFF2-40B4-BE49-F238E27FC236}">
-                <a16:creationId xmlns:a16="http://schemas.microsoft.com/office/drawing/2014/main" id="{918194BF-3402-2543-D226-798227C072F7}"/>
+          <p:cNvPr id="68" name="Connector: Elbow 67">
+            <a:extLst>
+              <a:ext uri="{FF2B5EF4-FFF2-40B4-BE49-F238E27FC236}">
+                <a16:creationId xmlns:a16="http://schemas.microsoft.com/office/drawing/2014/main" id="{E1BADC09-DCFF-4441-63A2-65322AF161DD}"/>
               </a:ext>
             </a:extLst>
           </p:cNvPr>
           <p:cNvCxnSpPr>
             <a:cxnSpLocks/>
+            <a:stCxn id="57" idx="1"/>
+            <a:endCxn id="46" idx="3"/>
           </p:cNvCxnSpPr>
           <p:nvPr/>
         </p:nvCxnSpPr>
         <p:spPr>
+          <a:xfrm rot="10800000" flipV="1">
+            <a:off x="6510097" y="3739961"/>
+            <a:ext cx="409316" cy="1315933"/>
+          </a:xfrm>
+          <a:prstGeom prst="bentConnector3">
+            <a:avLst/>
+          </a:prstGeom>
+          <a:ln w="19050">
+            <a:solidFill>
+              <a:schemeClr val="tx1">
+                <a:lumMod val="50000"/>
+                <a:lumOff val="50000"/>
+              </a:schemeClr>
+            </a:solidFill>
+            <a:prstDash val="sysDash"/>
+            <a:tailEnd type="triangle"/>
+          </a:ln>
+        </p:spPr>
+        <p:style>
+          <a:lnRef idx="1">
+            <a:schemeClr val="accent1"/>
+          </a:lnRef>
+          <a:fillRef idx="0">
+            <a:schemeClr val="accent1"/>
+          </a:fillRef>
+          <a:effectRef idx="0">
+            <a:schemeClr val="accent1"/>
+          </a:effectRef>
+          <a:fontRef idx="minor">
+            <a:schemeClr val="tx1"/>
+          </a:fontRef>
+        </p:style>
+      </p:cxnSp>
+      <p:cxnSp>
+        <p:nvCxnSpPr>
+          <p:cNvPr id="81" name="Connector: Elbow 80">
+            <a:extLst>
+              <a:ext uri="{FF2B5EF4-FFF2-40B4-BE49-F238E27FC236}">
+                <a16:creationId xmlns:a16="http://schemas.microsoft.com/office/drawing/2014/main" id="{C5DD8E4A-E462-4347-8AA1-2412FFFFFD2D}"/>
+              </a:ext>
+            </a:extLst>
+          </p:cNvPr>
+          <p:cNvCxnSpPr>
+            <a:cxnSpLocks/>
+            <a:stCxn id="57" idx="1"/>
+            <a:endCxn id="36" idx="3"/>
+          </p:cNvCxnSpPr>
+          <p:nvPr/>
+        </p:nvCxnSpPr>
+        <p:spPr>
           <a:xfrm rot="10800000">
-            <a:off x="4232644" y="2884968"/>
-            <a:ext cx="3212809" cy="976271"/>
+            <a:off x="6510617" y="3413432"/>
+            <a:ext cx="408796" cy="326531"/>
           </a:xfrm>
           <a:prstGeom prst="bentConnector3">
             <a:avLst>
-              <a:gd name="adj1" fmla="val 73718"/>
+              <a:gd name="adj1" fmla="val 50000"/>
             </a:avLst>
           </a:prstGeom>
           <a:ln w="19050">
+            <a:solidFill>
+              <a:schemeClr val="tx1">
+                <a:lumMod val="50000"/>
+                <a:lumOff val="50000"/>
+              </a:schemeClr>
+            </a:solidFill>
+            <a:prstDash val="sysDash"/>
             <a:tailEnd type="triangle"/>
           </a:ln>
         </p:spPr>
@@ -6109,7 +5419,7 @@
     </p:spTree>
     <p:extLst>
       <p:ext uri="{BB962C8B-B14F-4D97-AF65-F5344CB8AC3E}">
-        <p14:creationId xmlns:p14="http://schemas.microsoft.com/office/powerpoint/2010/main" val="1297501173"/>
+        <p14:creationId xmlns:p14="http://schemas.microsoft.com/office/powerpoint/2010/main" val="1590825854"/>
       </p:ext>
     </p:extLst>
   </p:cSld>
@@ -6136,486 +5446,10 @@
           <a:chExt cx="0" cy="0"/>
         </a:xfrm>
       </p:grpSpPr>
-      <p:sp>
-        <p:nvSpPr>
-          <p:cNvPr id="2" name="Rectangle 1">
-            <a:extLst>
-              <a:ext uri="{FF2B5EF4-FFF2-40B4-BE49-F238E27FC236}">
-                <a16:creationId xmlns:a16="http://schemas.microsoft.com/office/drawing/2014/main" id="{72FB17BB-5171-0ED5-905F-B107F197A2B2}"/>
-              </a:ext>
-            </a:extLst>
-          </p:cNvPr>
-          <p:cNvSpPr/>
-          <p:nvPr/>
-        </p:nvSpPr>
-        <p:spPr>
-          <a:xfrm>
-            <a:off x="1125415" y="1310607"/>
-            <a:ext cx="6179737" cy="1945059"/>
-          </a:xfrm>
-          <a:prstGeom prst="rect">
-            <a:avLst/>
-          </a:prstGeom>
-          <a:solidFill>
-            <a:schemeClr val="accent5">
-              <a:lumMod val="50000"/>
-            </a:schemeClr>
-          </a:solidFill>
-        </p:spPr>
-        <p:style>
-          <a:lnRef idx="2">
-            <a:schemeClr val="accent1">
-              <a:shade val="15000"/>
-            </a:schemeClr>
-          </a:lnRef>
-          <a:fillRef idx="1">
-            <a:schemeClr val="accent1"/>
-          </a:fillRef>
-          <a:effectRef idx="0">
-            <a:schemeClr val="accent1"/>
-          </a:effectRef>
-          <a:fontRef idx="minor">
-            <a:schemeClr val="lt1"/>
-          </a:fontRef>
-        </p:style>
-        <p:txBody>
-          <a:bodyPr rtlCol="0" anchor="ctr"/>
-          <a:lstStyle/>
-          <a:p>
-            <a:pPr algn="ctr"/>
-            <a:endParaRPr lang="en-SG" dirty="0"/>
-          </a:p>
-        </p:txBody>
-      </p:sp>
-      <p:pic>
-        <p:nvPicPr>
-          <p:cNvPr id="9" name="Picture 8">
-            <a:extLst>
-              <a:ext uri="{FF2B5EF4-FFF2-40B4-BE49-F238E27FC236}">
-                <a16:creationId xmlns:a16="http://schemas.microsoft.com/office/drawing/2014/main" id="{147DE913-8C89-76B8-D954-664AD139BE9E}"/>
-              </a:ext>
-            </a:extLst>
-          </p:cNvPr>
-          <p:cNvPicPr>
-            <a:picLocks noChangeAspect="1"/>
-          </p:cNvPicPr>
-          <p:nvPr/>
-        </p:nvPicPr>
-        <p:blipFill>
-          <a:blip r:embed="rId2"/>
-          <a:stretch>
-            <a:fillRect/>
-          </a:stretch>
-        </p:blipFill>
-        <p:spPr>
-          <a:xfrm>
-            <a:off x="3398792" y="1691157"/>
-            <a:ext cx="1431139" cy="1448382"/>
-          </a:xfrm>
-          <a:prstGeom prst="rect">
-            <a:avLst/>
-          </a:prstGeom>
-          <a:ln w="3175">
-            <a:solidFill>
-              <a:schemeClr val="tx1"/>
-            </a:solidFill>
-          </a:ln>
-        </p:spPr>
-      </p:pic>
-      <p:pic>
-        <p:nvPicPr>
-          <p:cNvPr id="11" name="Picture 10">
-            <a:extLst>
-              <a:ext uri="{FF2B5EF4-FFF2-40B4-BE49-F238E27FC236}">
-                <a16:creationId xmlns:a16="http://schemas.microsoft.com/office/drawing/2014/main" id="{FE97D440-E913-FC4C-9C5C-E596CA82E834}"/>
-              </a:ext>
-            </a:extLst>
-          </p:cNvPr>
-          <p:cNvPicPr>
-            <a:picLocks noChangeAspect="1"/>
-          </p:cNvPicPr>
-          <p:nvPr/>
-        </p:nvPicPr>
-        <p:blipFill>
-          <a:blip r:embed="rId3"/>
-          <a:stretch>
-            <a:fillRect/>
-          </a:stretch>
-        </p:blipFill>
-        <p:spPr>
-          <a:xfrm>
-            <a:off x="3747181" y="1707695"/>
-            <a:ext cx="706762" cy="687557"/>
-          </a:xfrm>
-          <a:prstGeom prst="rect">
-            <a:avLst/>
-          </a:prstGeom>
-        </p:spPr>
-      </p:pic>
-      <p:pic>
-        <p:nvPicPr>
-          <p:cNvPr id="5" name="Picture 4">
-            <a:extLst>
-              <a:ext uri="{FF2B5EF4-FFF2-40B4-BE49-F238E27FC236}">
-                <a16:creationId xmlns:a16="http://schemas.microsoft.com/office/drawing/2014/main" id="{145F52E5-B33C-AF6B-E4A3-F305F5BF21C7}"/>
-              </a:ext>
-            </a:extLst>
-          </p:cNvPr>
-          <p:cNvPicPr>
-            <a:picLocks noChangeAspect="1"/>
-          </p:cNvPicPr>
-          <p:nvPr/>
-        </p:nvPicPr>
-        <p:blipFill>
-          <a:blip r:embed="rId4"/>
-          <a:stretch>
-            <a:fillRect/>
-          </a:stretch>
-        </p:blipFill>
-        <p:spPr>
-          <a:xfrm>
-            <a:off x="1337155" y="1637977"/>
-            <a:ext cx="1411433" cy="1448382"/>
-          </a:xfrm>
-          <a:prstGeom prst="rect">
-            <a:avLst/>
-          </a:prstGeom>
-          <a:ln w="9525">
-            <a:solidFill>
-              <a:schemeClr val="tx1"/>
-            </a:solidFill>
-          </a:ln>
-        </p:spPr>
-      </p:pic>
-      <p:pic>
-        <p:nvPicPr>
-          <p:cNvPr id="7" name="Picture 6">
-            <a:extLst>
-              <a:ext uri="{FF2B5EF4-FFF2-40B4-BE49-F238E27FC236}">
-                <a16:creationId xmlns:a16="http://schemas.microsoft.com/office/drawing/2014/main" id="{86B4B6D6-999F-5907-DEA3-8857AA5CC28F}"/>
-              </a:ext>
-            </a:extLst>
-          </p:cNvPr>
-          <p:cNvPicPr>
-            <a:picLocks noChangeAspect="1"/>
-          </p:cNvPicPr>
-          <p:nvPr/>
-        </p:nvPicPr>
-        <p:blipFill rotWithShape="1">
-          <a:blip r:embed="rId5"/>
-          <a:srcRect l="76289"/>
-          <a:stretch/>
-        </p:blipFill>
-        <p:spPr>
-          <a:xfrm>
-            <a:off x="5425843" y="1691157"/>
-            <a:ext cx="917873" cy="1134644"/>
-          </a:xfrm>
-          <a:prstGeom prst="rect">
-            <a:avLst/>
-          </a:prstGeom>
-          <a:ln w="9525">
-            <a:solidFill>
-              <a:schemeClr val="tx1"/>
-            </a:solidFill>
-          </a:ln>
-        </p:spPr>
-      </p:pic>
-      <p:pic>
-        <p:nvPicPr>
-          <p:cNvPr id="12" name="Picture 11">
-            <a:extLst>
-              <a:ext uri="{FF2B5EF4-FFF2-40B4-BE49-F238E27FC236}">
-                <a16:creationId xmlns:a16="http://schemas.microsoft.com/office/drawing/2014/main" id="{2199E26E-03A4-047B-E22D-EE52AA3DD599}"/>
-              </a:ext>
-            </a:extLst>
-          </p:cNvPr>
-          <p:cNvPicPr>
-            <a:picLocks noChangeAspect="1"/>
-          </p:cNvPicPr>
-          <p:nvPr/>
-        </p:nvPicPr>
-        <p:blipFill rotWithShape="1">
-          <a:blip r:embed="rId5"/>
-          <a:srcRect l="50086" r="23420"/>
-          <a:stretch/>
-        </p:blipFill>
-        <p:spPr>
-          <a:xfrm>
-            <a:off x="5765406" y="1968156"/>
-            <a:ext cx="1025611" cy="1134644"/>
-          </a:xfrm>
-          <a:prstGeom prst="rect">
-            <a:avLst/>
-          </a:prstGeom>
-          <a:ln w="9525">
-            <a:solidFill>
-              <a:schemeClr val="tx1"/>
-            </a:solidFill>
-          </a:ln>
-        </p:spPr>
-      </p:pic>
-      <p:pic>
-        <p:nvPicPr>
-          <p:cNvPr id="13" name="Picture 12">
-            <a:extLst>
-              <a:ext uri="{FF2B5EF4-FFF2-40B4-BE49-F238E27FC236}">
-                <a16:creationId xmlns:a16="http://schemas.microsoft.com/office/drawing/2014/main" id="{E0C5A370-2A94-7B15-5C63-EE1A317A15EC}"/>
-              </a:ext>
-            </a:extLst>
-          </p:cNvPr>
-          <p:cNvPicPr>
-            <a:picLocks noChangeAspect="1"/>
-          </p:cNvPicPr>
-          <p:nvPr/>
-        </p:nvPicPr>
-        <p:blipFill rotWithShape="1">
-          <a:blip r:embed="rId5"/>
-          <a:srcRect r="74783"/>
-          <a:stretch/>
-        </p:blipFill>
-        <p:spPr>
-          <a:xfrm>
-            <a:off x="6195187" y="1794846"/>
-            <a:ext cx="976184" cy="1134644"/>
-          </a:xfrm>
-          <a:prstGeom prst="rect">
-            <a:avLst/>
-          </a:prstGeom>
-          <a:ln w="9525">
-            <a:solidFill>
-              <a:schemeClr val="tx1"/>
-            </a:solidFill>
-          </a:ln>
-        </p:spPr>
-      </p:pic>
-      <p:sp>
-        <p:nvSpPr>
-          <p:cNvPr id="14" name="TextBox 13">
-            <a:extLst>
-              <a:ext uri="{FF2B5EF4-FFF2-40B4-BE49-F238E27FC236}">
-                <a16:creationId xmlns:a16="http://schemas.microsoft.com/office/drawing/2014/main" id="{14802D00-3005-C54B-A828-F4CF315C02CF}"/>
-              </a:ext>
-            </a:extLst>
-          </p:cNvPr>
-          <p:cNvSpPr txBox="1"/>
-          <p:nvPr/>
-        </p:nvSpPr>
-        <p:spPr>
-          <a:xfrm>
-            <a:off x="1292452" y="1318911"/>
-            <a:ext cx="1721825" cy="307777"/>
-          </a:xfrm>
-          <a:prstGeom prst="rect">
-            <a:avLst/>
-          </a:prstGeom>
-          <a:noFill/>
-        </p:spPr>
-        <p:txBody>
-          <a:bodyPr wrap="square">
-            <a:spAutoFit/>
-          </a:bodyPr>
-          <a:lstStyle/>
-          <a:p>
-            <a:r>
-              <a:rPr lang="en-SG" sz="1400" b="1" dirty="0">
-                <a:solidFill>
-                  <a:schemeClr val="bg1"/>
-                </a:solidFill>
-              </a:rPr>
-              <a:t>Security Exam MCQ </a:t>
-            </a:r>
-          </a:p>
-        </p:txBody>
-      </p:sp>
-      <p:sp>
-        <p:nvSpPr>
-          <p:cNvPr id="15" name="TextBox 14">
-            <a:extLst>
-              <a:ext uri="{FF2B5EF4-FFF2-40B4-BE49-F238E27FC236}">
-                <a16:creationId xmlns:a16="http://schemas.microsoft.com/office/drawing/2014/main" id="{E43F5B02-404A-EAFF-BB97-AE5480EFF3B5}"/>
-              </a:ext>
-            </a:extLst>
-          </p:cNvPr>
-          <p:cNvSpPr txBox="1"/>
-          <p:nvPr/>
-        </p:nvSpPr>
-        <p:spPr>
-          <a:xfrm>
-            <a:off x="3345125" y="1310607"/>
-            <a:ext cx="1571162" cy="307777"/>
-          </a:xfrm>
-          <a:prstGeom prst="rect">
-            <a:avLst/>
-          </a:prstGeom>
-          <a:noFill/>
-        </p:spPr>
-        <p:txBody>
-          <a:bodyPr wrap="square">
-            <a:spAutoFit/>
-          </a:bodyPr>
-          <a:lstStyle/>
-          <a:p>
-            <a:r>
-              <a:rPr lang="en-SG" sz="1400" b="1" dirty="0">
-                <a:solidFill>
-                  <a:schemeClr val="bg1"/>
-                </a:solidFill>
-              </a:rPr>
-              <a:t>MCG-GPT-BOT</a:t>
-            </a:r>
-          </a:p>
-        </p:txBody>
-      </p:sp>
-      <p:sp>
-        <p:nvSpPr>
-          <p:cNvPr id="16" name="TextBox 15">
-            <a:extLst>
-              <a:ext uri="{FF2B5EF4-FFF2-40B4-BE49-F238E27FC236}">
-                <a16:creationId xmlns:a16="http://schemas.microsoft.com/office/drawing/2014/main" id="{088770A3-C80B-EF9F-1C2C-CD02F338A735}"/>
-              </a:ext>
-            </a:extLst>
-          </p:cNvPr>
-          <p:cNvSpPr txBox="1"/>
-          <p:nvPr/>
-        </p:nvSpPr>
-        <p:spPr>
-          <a:xfrm>
-            <a:off x="5298461" y="1341385"/>
-            <a:ext cx="1837536" cy="307777"/>
-          </a:xfrm>
-          <a:prstGeom prst="rect">
-            <a:avLst/>
-          </a:prstGeom>
-          <a:noFill/>
-        </p:spPr>
-        <p:txBody>
-          <a:bodyPr wrap="square">
-            <a:spAutoFit/>
-          </a:bodyPr>
-          <a:lstStyle/>
-          <a:p>
-            <a:r>
-              <a:rPr lang="en-SG" sz="1400" b="1" dirty="0">
-                <a:solidFill>
-                  <a:schemeClr val="bg1"/>
-                </a:solidFill>
-              </a:rPr>
-              <a:t>Answers + Correct %</a:t>
-            </a:r>
-            <a:r>
-              <a:rPr lang="en-SG" sz="1200" b="1" dirty="0">
-                <a:solidFill>
-                  <a:schemeClr val="bg1"/>
-                </a:solidFill>
-              </a:rPr>
-              <a:t> </a:t>
-            </a:r>
-          </a:p>
-        </p:txBody>
-      </p:sp>
-      <p:sp>
-        <p:nvSpPr>
-          <p:cNvPr id="17" name="Arrow: Right 16">
-            <a:extLst>
-              <a:ext uri="{FF2B5EF4-FFF2-40B4-BE49-F238E27FC236}">
-                <a16:creationId xmlns:a16="http://schemas.microsoft.com/office/drawing/2014/main" id="{06FA2210-0581-AD40-D9A6-78EC16887258}"/>
-              </a:ext>
-            </a:extLst>
-          </p:cNvPr>
-          <p:cNvSpPr/>
-          <p:nvPr/>
-        </p:nvSpPr>
-        <p:spPr>
-          <a:xfrm>
-            <a:off x="2823597" y="2212415"/>
-            <a:ext cx="494746" cy="276999"/>
-          </a:xfrm>
-          <a:prstGeom prst="rightArrow">
-            <a:avLst/>
-          </a:prstGeom>
-          <a:solidFill>
-            <a:schemeClr val="bg1"/>
-          </a:solidFill>
-        </p:spPr>
-        <p:style>
-          <a:lnRef idx="2">
-            <a:schemeClr val="accent1">
-              <a:shade val="15000"/>
-            </a:schemeClr>
-          </a:lnRef>
-          <a:fillRef idx="1">
-            <a:schemeClr val="accent1"/>
-          </a:fillRef>
-          <a:effectRef idx="0">
-            <a:schemeClr val="accent1"/>
-          </a:effectRef>
-          <a:fontRef idx="minor">
-            <a:schemeClr val="lt1"/>
-          </a:fontRef>
-        </p:style>
-        <p:txBody>
-          <a:bodyPr rtlCol="0" anchor="ctr"/>
-          <a:lstStyle/>
-          <a:p>
-            <a:pPr algn="ctr"/>
-            <a:endParaRPr lang="en-SG"/>
-          </a:p>
-        </p:txBody>
-      </p:sp>
-      <p:sp>
-        <p:nvSpPr>
-          <p:cNvPr id="18" name="Arrow: Right 17">
-            <a:extLst>
-              <a:ext uri="{FF2B5EF4-FFF2-40B4-BE49-F238E27FC236}">
-                <a16:creationId xmlns:a16="http://schemas.microsoft.com/office/drawing/2014/main" id="{2209FC53-53CB-3626-36C1-03FAA26622F8}"/>
-              </a:ext>
-            </a:extLst>
-          </p:cNvPr>
-          <p:cNvSpPr/>
-          <p:nvPr/>
-        </p:nvSpPr>
-        <p:spPr>
-          <a:xfrm>
-            <a:off x="4881217" y="2212415"/>
-            <a:ext cx="494746" cy="276999"/>
-          </a:xfrm>
-          <a:prstGeom prst="rightArrow">
-            <a:avLst/>
-          </a:prstGeom>
-          <a:solidFill>
-            <a:schemeClr val="bg1"/>
-          </a:solidFill>
-        </p:spPr>
-        <p:style>
-          <a:lnRef idx="2">
-            <a:schemeClr val="accent1">
-              <a:shade val="15000"/>
-            </a:schemeClr>
-          </a:lnRef>
-          <a:fillRef idx="1">
-            <a:schemeClr val="accent1"/>
-          </a:fillRef>
-          <a:effectRef idx="0">
-            <a:schemeClr val="accent1"/>
-          </a:effectRef>
-          <a:fontRef idx="minor">
-            <a:schemeClr val="lt1"/>
-          </a:fontRef>
-        </p:style>
-        <p:txBody>
-          <a:bodyPr rtlCol="0" anchor="ctr"/>
-          <a:lstStyle/>
-          <a:p>
-            <a:pPr algn="ctr"/>
-            <a:endParaRPr lang="en-SG"/>
-          </a:p>
-        </p:txBody>
-      </p:sp>
     </p:spTree>
     <p:extLst>
       <p:ext uri="{BB962C8B-B14F-4D97-AF65-F5344CB8AC3E}">
-        <p14:creationId xmlns:p14="http://schemas.microsoft.com/office/powerpoint/2010/main" val="1590825854"/>
+        <p14:creationId xmlns:p14="http://schemas.microsoft.com/office/powerpoint/2010/main" val="559189620"/>
       </p:ext>
     </p:extLst>
   </p:cSld>
@@ -6644,6 +5478,2792 @@
       </p:grpSpPr>
       <p:sp>
         <p:nvSpPr>
+          <p:cNvPr id="52" name="Rectangle 51">
+            <a:extLst>
+              <a:ext uri="{FF2B5EF4-FFF2-40B4-BE49-F238E27FC236}">
+                <a16:creationId xmlns:a16="http://schemas.microsoft.com/office/drawing/2014/main" id="{704E3555-ACD8-2EA8-9FEF-51059474E4F7}"/>
+              </a:ext>
+            </a:extLst>
+          </p:cNvPr>
+          <p:cNvSpPr/>
+          <p:nvPr/>
+        </p:nvSpPr>
+        <p:spPr>
+          <a:xfrm>
+            <a:off x="539496" y="685800"/>
+            <a:ext cx="8092440" cy="5415067"/>
+          </a:xfrm>
+          <a:prstGeom prst="rect">
+            <a:avLst/>
+          </a:prstGeom>
+          <a:noFill/>
+          <a:ln w="19050" cap="flat" cmpd="sng" algn="ctr">
+            <a:solidFill>
+              <a:schemeClr val="dk1"/>
+            </a:solidFill>
+            <a:prstDash val="sysDash"/>
+            <a:round/>
+            <a:headEnd type="none" w="med" len="med"/>
+            <a:tailEnd type="none" w="med" len="med"/>
+          </a:ln>
+        </p:spPr>
+        <p:style>
+          <a:lnRef idx="0">
+            <a:scrgbClr r="0" g="0" b="0"/>
+          </a:lnRef>
+          <a:fillRef idx="0">
+            <a:scrgbClr r="0" g="0" b="0"/>
+          </a:fillRef>
+          <a:effectRef idx="0">
+            <a:scrgbClr r="0" g="0" b="0"/>
+          </a:effectRef>
+          <a:fontRef idx="minor">
+            <a:schemeClr val="dk1"/>
+          </a:fontRef>
+        </p:style>
+        <p:txBody>
+          <a:bodyPr rtlCol="0" anchor="ctr"/>
+          <a:lstStyle/>
+          <a:p>
+            <a:pPr algn="ctr"/>
+            <a:endParaRPr lang="en-SG" dirty="0">
+              <a:ln>
+                <a:solidFill>
+                  <a:schemeClr val="tx1"/>
+                </a:solidFill>
+                <a:prstDash val="sysDash"/>
+              </a:ln>
+            </a:endParaRPr>
+          </a:p>
+        </p:txBody>
+      </p:sp>
+      <p:sp>
+        <p:nvSpPr>
+          <p:cNvPr id="24" name="Rectangle 23">
+            <a:extLst>
+              <a:ext uri="{FF2B5EF4-FFF2-40B4-BE49-F238E27FC236}">
+                <a16:creationId xmlns:a16="http://schemas.microsoft.com/office/drawing/2014/main" id="{47CCA856-066D-EEA1-47AE-AEBD81F1F3B1}"/>
+              </a:ext>
+            </a:extLst>
+          </p:cNvPr>
+          <p:cNvSpPr/>
+          <p:nvPr/>
+        </p:nvSpPr>
+        <p:spPr>
+          <a:xfrm>
+            <a:off x="5239265" y="1292729"/>
+            <a:ext cx="3180834" cy="2426655"/>
+          </a:xfrm>
+          <a:prstGeom prst="rect">
+            <a:avLst/>
+          </a:prstGeom>
+          <a:solidFill>
+            <a:schemeClr val="accent6">
+              <a:lumMod val="20000"/>
+              <a:lumOff val="80000"/>
+            </a:schemeClr>
+          </a:solidFill>
+        </p:spPr>
+        <p:style>
+          <a:lnRef idx="2">
+            <a:schemeClr val="accent1">
+              <a:shade val="15000"/>
+            </a:schemeClr>
+          </a:lnRef>
+          <a:fillRef idx="1">
+            <a:schemeClr val="accent1"/>
+          </a:fillRef>
+          <a:effectRef idx="0">
+            <a:schemeClr val="accent1"/>
+          </a:effectRef>
+          <a:fontRef idx="minor">
+            <a:schemeClr val="lt1"/>
+          </a:fontRef>
+        </p:style>
+        <p:txBody>
+          <a:bodyPr rtlCol="0" anchor="ctr"/>
+          <a:lstStyle/>
+          <a:p>
+            <a:pPr algn="ctr"/>
+            <a:endParaRPr lang="en-SG" dirty="0"/>
+          </a:p>
+        </p:txBody>
+      </p:sp>
+      <p:sp>
+        <p:nvSpPr>
+          <p:cNvPr id="4" name="Rectangle 3">
+            <a:extLst>
+              <a:ext uri="{FF2B5EF4-FFF2-40B4-BE49-F238E27FC236}">
+                <a16:creationId xmlns:a16="http://schemas.microsoft.com/office/drawing/2014/main" id="{FAFF11FF-5AA3-27EF-54EB-61813BE0A74C}"/>
+              </a:ext>
+            </a:extLst>
+          </p:cNvPr>
+          <p:cNvSpPr/>
+          <p:nvPr/>
+        </p:nvSpPr>
+        <p:spPr>
+          <a:xfrm>
+            <a:off x="2763682" y="1126090"/>
+            <a:ext cx="1411070" cy="346917"/>
+          </a:xfrm>
+          <a:prstGeom prst="rect">
+            <a:avLst/>
+          </a:prstGeom>
+        </p:spPr>
+        <p:style>
+          <a:lnRef idx="2">
+            <a:schemeClr val="accent1">
+              <a:shade val="50000"/>
+            </a:schemeClr>
+          </a:lnRef>
+          <a:fillRef idx="1">
+            <a:schemeClr val="accent1"/>
+          </a:fillRef>
+          <a:effectRef idx="0">
+            <a:schemeClr val="accent1"/>
+          </a:effectRef>
+          <a:fontRef idx="minor">
+            <a:schemeClr val="lt1"/>
+          </a:fontRef>
+        </p:style>
+        <p:txBody>
+          <a:bodyPr rtlCol="0" anchor="ctr"/>
+          <a:lstStyle/>
+          <a:p>
+            <a:r>
+              <a:rPr lang="en-US" sz="1200" b="1" dirty="0"/>
+              <a:t>MCQ-GPT Bot start </a:t>
+            </a:r>
+            <a:endParaRPr lang="en-SG" sz="1200" b="1" dirty="0"/>
+          </a:p>
+        </p:txBody>
+      </p:sp>
+      <p:cxnSp>
+        <p:nvCxnSpPr>
+          <p:cNvPr id="5" name="Straight Arrow Connector 4">
+            <a:extLst>
+              <a:ext uri="{FF2B5EF4-FFF2-40B4-BE49-F238E27FC236}">
+                <a16:creationId xmlns:a16="http://schemas.microsoft.com/office/drawing/2014/main" id="{A79484A5-B1CC-D6D4-941E-E2C54FD2B1B2}"/>
+              </a:ext>
+            </a:extLst>
+          </p:cNvPr>
+          <p:cNvCxnSpPr>
+            <a:cxnSpLocks/>
+          </p:cNvCxnSpPr>
+          <p:nvPr/>
+        </p:nvCxnSpPr>
+        <p:spPr>
+          <a:xfrm>
+            <a:off x="3312698" y="1473007"/>
+            <a:ext cx="0" cy="303620"/>
+          </a:xfrm>
+          <a:prstGeom prst="straightConnector1">
+            <a:avLst/>
+          </a:prstGeom>
+          <a:ln w="19050">
+            <a:prstDash val="sysDash"/>
+            <a:tailEnd type="triangle"/>
+          </a:ln>
+        </p:spPr>
+        <p:style>
+          <a:lnRef idx="1">
+            <a:schemeClr val="accent1"/>
+          </a:lnRef>
+          <a:fillRef idx="0">
+            <a:schemeClr val="accent1"/>
+          </a:fillRef>
+          <a:effectRef idx="0">
+            <a:schemeClr val="accent1"/>
+          </a:effectRef>
+          <a:fontRef idx="minor">
+            <a:schemeClr val="tx1"/>
+          </a:fontRef>
+        </p:style>
+      </p:cxnSp>
+      <p:sp>
+        <p:nvSpPr>
+          <p:cNvPr id="6" name="Rectangle 5">
+            <a:extLst>
+              <a:ext uri="{FF2B5EF4-FFF2-40B4-BE49-F238E27FC236}">
+                <a16:creationId xmlns:a16="http://schemas.microsoft.com/office/drawing/2014/main" id="{C5344DDC-0597-01CF-DE60-3AE5C24E2211}"/>
+              </a:ext>
+            </a:extLst>
+          </p:cNvPr>
+          <p:cNvSpPr/>
+          <p:nvPr/>
+        </p:nvSpPr>
+        <p:spPr>
+          <a:xfrm>
+            <a:off x="2763683" y="1806777"/>
+            <a:ext cx="1411070" cy="346917"/>
+          </a:xfrm>
+          <a:prstGeom prst="rect">
+            <a:avLst/>
+          </a:prstGeom>
+        </p:spPr>
+        <p:style>
+          <a:lnRef idx="2">
+            <a:schemeClr val="accent1">
+              <a:shade val="50000"/>
+            </a:schemeClr>
+          </a:lnRef>
+          <a:fillRef idx="1">
+            <a:schemeClr val="accent1"/>
+          </a:fillRef>
+          <a:effectRef idx="0">
+            <a:schemeClr val="accent1"/>
+          </a:effectRef>
+          <a:fontRef idx="minor">
+            <a:schemeClr val="lt1"/>
+          </a:fontRef>
+        </p:style>
+        <p:txBody>
+          <a:bodyPr rtlCol="0" anchor="ctr"/>
+          <a:lstStyle/>
+          <a:p>
+            <a:r>
+              <a:rPr lang="en-US" sz="1200" b="1" dirty="0"/>
+              <a:t>Loading config file</a:t>
+            </a:r>
+            <a:endParaRPr lang="en-SG" sz="1200" b="1" dirty="0"/>
+          </a:p>
+        </p:txBody>
+      </p:sp>
+      <p:pic>
+        <p:nvPicPr>
+          <p:cNvPr id="7" name="Picture 6">
+            <a:extLst>
+              <a:ext uri="{FF2B5EF4-FFF2-40B4-BE49-F238E27FC236}">
+                <a16:creationId xmlns:a16="http://schemas.microsoft.com/office/drawing/2014/main" id="{10A7A53C-01F8-D528-A0CE-E46981718051}"/>
+              </a:ext>
+            </a:extLst>
+          </p:cNvPr>
+          <p:cNvPicPr>
+            <a:picLocks noChangeAspect="1"/>
+          </p:cNvPicPr>
+          <p:nvPr/>
+        </p:nvPicPr>
+        <p:blipFill>
+          <a:blip r:embed="rId2"/>
+          <a:stretch>
+            <a:fillRect/>
+          </a:stretch>
+        </p:blipFill>
+        <p:spPr>
+          <a:xfrm>
+            <a:off x="4722491" y="1126090"/>
+            <a:ext cx="324555" cy="372004"/>
+          </a:xfrm>
+          <a:prstGeom prst="rect">
+            <a:avLst/>
+          </a:prstGeom>
+        </p:spPr>
+      </p:pic>
+      <p:cxnSp>
+        <p:nvCxnSpPr>
+          <p:cNvPr id="8" name="Connector: Elbow 7">
+            <a:extLst>
+              <a:ext uri="{FF2B5EF4-FFF2-40B4-BE49-F238E27FC236}">
+                <a16:creationId xmlns:a16="http://schemas.microsoft.com/office/drawing/2014/main" id="{E4ED5EDF-97B5-A948-AFF1-50426CFE3050}"/>
+              </a:ext>
+            </a:extLst>
+          </p:cNvPr>
+          <p:cNvCxnSpPr>
+            <a:cxnSpLocks/>
+            <a:stCxn id="7" idx="2"/>
+          </p:cNvCxnSpPr>
+          <p:nvPr/>
+        </p:nvCxnSpPr>
+        <p:spPr>
+          <a:xfrm rot="5400000">
+            <a:off x="4297742" y="1348429"/>
+            <a:ext cx="437362" cy="736693"/>
+          </a:xfrm>
+          <a:prstGeom prst="bentConnector2">
+            <a:avLst/>
+          </a:prstGeom>
+          <a:ln>
+            <a:tailEnd type="triangle"/>
+          </a:ln>
+        </p:spPr>
+        <p:style>
+          <a:lnRef idx="1">
+            <a:schemeClr val="dk1"/>
+          </a:lnRef>
+          <a:fillRef idx="0">
+            <a:schemeClr val="dk1"/>
+          </a:fillRef>
+          <a:effectRef idx="0">
+            <a:schemeClr val="dk1"/>
+          </a:effectRef>
+          <a:fontRef idx="minor">
+            <a:schemeClr val="tx1"/>
+          </a:fontRef>
+        </p:style>
+      </p:cxnSp>
+      <p:sp>
+        <p:nvSpPr>
+          <p:cNvPr id="9" name="TextBox 8">
+            <a:extLst>
+              <a:ext uri="{FF2B5EF4-FFF2-40B4-BE49-F238E27FC236}">
+                <a16:creationId xmlns:a16="http://schemas.microsoft.com/office/drawing/2014/main" id="{661F3FAD-F639-FF83-6881-6D5362C1DB52}"/>
+              </a:ext>
+            </a:extLst>
+          </p:cNvPr>
+          <p:cNvSpPr txBox="1"/>
+          <p:nvPr/>
+        </p:nvSpPr>
+        <p:spPr>
+          <a:xfrm>
+            <a:off x="4320014" y="757133"/>
+            <a:ext cx="1198235" cy="400110"/>
+          </a:xfrm>
+          <a:prstGeom prst="rect">
+            <a:avLst/>
+          </a:prstGeom>
+          <a:noFill/>
+        </p:spPr>
+        <p:txBody>
+          <a:bodyPr wrap="square" rtlCol="0">
+            <a:spAutoFit/>
+          </a:bodyPr>
+          <a:lstStyle/>
+          <a:p>
+            <a:r>
+              <a:rPr lang="en-US" sz="1000" dirty="0"/>
+              <a:t>Program system config file</a:t>
+            </a:r>
+            <a:endParaRPr lang="en-SG" sz="1000" dirty="0"/>
+          </a:p>
+        </p:txBody>
+      </p:sp>
+      <p:cxnSp>
+        <p:nvCxnSpPr>
+          <p:cNvPr id="2" name="Straight Arrow Connector 1">
+            <a:extLst>
+              <a:ext uri="{FF2B5EF4-FFF2-40B4-BE49-F238E27FC236}">
+                <a16:creationId xmlns:a16="http://schemas.microsoft.com/office/drawing/2014/main" id="{16546F25-A019-B50C-EA4B-8216CAF69CF3}"/>
+              </a:ext>
+            </a:extLst>
+          </p:cNvPr>
+          <p:cNvCxnSpPr>
+            <a:cxnSpLocks/>
+          </p:cNvCxnSpPr>
+          <p:nvPr/>
+        </p:nvCxnSpPr>
+        <p:spPr>
+          <a:xfrm>
+            <a:off x="3312698" y="2153694"/>
+            <a:ext cx="0" cy="303620"/>
+          </a:xfrm>
+          <a:prstGeom prst="straightConnector1">
+            <a:avLst/>
+          </a:prstGeom>
+          <a:ln w="19050">
+            <a:prstDash val="sysDash"/>
+            <a:tailEnd type="triangle"/>
+          </a:ln>
+        </p:spPr>
+        <p:style>
+          <a:lnRef idx="1">
+            <a:schemeClr val="accent1"/>
+          </a:lnRef>
+          <a:fillRef idx="0">
+            <a:schemeClr val="accent1"/>
+          </a:fillRef>
+          <a:effectRef idx="0">
+            <a:schemeClr val="accent1"/>
+          </a:effectRef>
+          <a:fontRef idx="minor">
+            <a:schemeClr val="tx1"/>
+          </a:fontRef>
+        </p:style>
+      </p:cxnSp>
+      <p:sp>
+        <p:nvSpPr>
+          <p:cNvPr id="3" name="Rectangle 2">
+            <a:extLst>
+              <a:ext uri="{FF2B5EF4-FFF2-40B4-BE49-F238E27FC236}">
+                <a16:creationId xmlns:a16="http://schemas.microsoft.com/office/drawing/2014/main" id="{95FB41B5-50B9-2F32-1752-AEB0D103E81B}"/>
+              </a:ext>
+            </a:extLst>
+          </p:cNvPr>
+          <p:cNvSpPr/>
+          <p:nvPr/>
+        </p:nvSpPr>
+        <p:spPr>
+          <a:xfrm>
+            <a:off x="2763683" y="2457314"/>
+            <a:ext cx="1411070" cy="482479"/>
+          </a:xfrm>
+          <a:prstGeom prst="rect">
+            <a:avLst/>
+          </a:prstGeom>
+        </p:spPr>
+        <p:style>
+          <a:lnRef idx="2">
+            <a:schemeClr val="accent1">
+              <a:shade val="50000"/>
+            </a:schemeClr>
+          </a:lnRef>
+          <a:fillRef idx="1">
+            <a:schemeClr val="accent1"/>
+          </a:fillRef>
+          <a:effectRef idx="0">
+            <a:schemeClr val="accent1"/>
+          </a:effectRef>
+          <a:fontRef idx="minor">
+            <a:schemeClr val="lt1"/>
+          </a:fontRef>
+        </p:style>
+        <p:txBody>
+          <a:bodyPr rtlCol="0" anchor="ctr"/>
+          <a:lstStyle/>
+          <a:p>
+            <a:r>
+              <a:rPr lang="en-US" sz="1200" b="1" dirty="0"/>
+              <a:t>Search MCQ source and load questions</a:t>
+            </a:r>
+            <a:endParaRPr lang="en-SG" sz="1200" b="1" dirty="0"/>
+          </a:p>
+        </p:txBody>
+      </p:sp>
+      <p:pic>
+        <p:nvPicPr>
+          <p:cNvPr id="11" name="Picture 10">
+            <a:extLst>
+              <a:ext uri="{FF2B5EF4-FFF2-40B4-BE49-F238E27FC236}">
+                <a16:creationId xmlns:a16="http://schemas.microsoft.com/office/drawing/2014/main" id="{872D0F6D-1FD0-6273-3ADB-DEF005C33106}"/>
+              </a:ext>
+            </a:extLst>
+          </p:cNvPr>
+          <p:cNvPicPr>
+            <a:picLocks noChangeAspect="1"/>
+          </p:cNvPicPr>
+          <p:nvPr/>
+        </p:nvPicPr>
+        <p:blipFill>
+          <a:blip r:embed="rId3"/>
+          <a:stretch>
+            <a:fillRect/>
+          </a:stretch>
+        </p:blipFill>
+        <p:spPr>
+          <a:xfrm>
+            <a:off x="5518249" y="1652435"/>
+            <a:ext cx="424573" cy="490526"/>
+          </a:xfrm>
+          <a:prstGeom prst="rect">
+            <a:avLst/>
+          </a:prstGeom>
+          <a:ln w="3175">
+            <a:solidFill>
+              <a:schemeClr val="tx1"/>
+            </a:solidFill>
+          </a:ln>
+        </p:spPr>
+      </p:pic>
+      <p:pic>
+        <p:nvPicPr>
+          <p:cNvPr id="13" name="Picture 12">
+            <a:extLst>
+              <a:ext uri="{FF2B5EF4-FFF2-40B4-BE49-F238E27FC236}">
+                <a16:creationId xmlns:a16="http://schemas.microsoft.com/office/drawing/2014/main" id="{529D2356-CE3C-FBB6-3FC8-26B1974E8F6D}"/>
+              </a:ext>
+            </a:extLst>
+          </p:cNvPr>
+          <p:cNvPicPr>
+            <a:picLocks noChangeAspect="1"/>
+          </p:cNvPicPr>
+          <p:nvPr/>
+        </p:nvPicPr>
+        <p:blipFill>
+          <a:blip r:embed="rId4"/>
+          <a:stretch>
+            <a:fillRect/>
+          </a:stretch>
+        </p:blipFill>
+        <p:spPr>
+          <a:xfrm>
+            <a:off x="5495869" y="2457314"/>
+            <a:ext cx="469332" cy="536380"/>
+          </a:xfrm>
+          <a:prstGeom prst="rect">
+            <a:avLst/>
+          </a:prstGeom>
+        </p:spPr>
+      </p:pic>
+      <p:pic>
+        <p:nvPicPr>
+          <p:cNvPr id="15" name="Picture 14">
+            <a:extLst>
+              <a:ext uri="{FF2B5EF4-FFF2-40B4-BE49-F238E27FC236}">
+                <a16:creationId xmlns:a16="http://schemas.microsoft.com/office/drawing/2014/main" id="{853EAAC3-9719-3E77-9D4B-6160B41F1F6D}"/>
+              </a:ext>
+            </a:extLst>
+          </p:cNvPr>
+          <p:cNvPicPr>
+            <a:picLocks noChangeAspect="1"/>
+          </p:cNvPicPr>
+          <p:nvPr/>
+        </p:nvPicPr>
+        <p:blipFill>
+          <a:blip r:embed="rId5"/>
+          <a:stretch>
+            <a:fillRect/>
+          </a:stretch>
+        </p:blipFill>
+        <p:spPr>
+          <a:xfrm>
+            <a:off x="6387025" y="1631194"/>
+            <a:ext cx="493484" cy="501895"/>
+          </a:xfrm>
+          <a:prstGeom prst="rect">
+            <a:avLst/>
+          </a:prstGeom>
+          <a:ln w="3175">
+            <a:solidFill>
+              <a:schemeClr val="tx1"/>
+            </a:solidFill>
+          </a:ln>
+        </p:spPr>
+      </p:pic>
+      <p:pic>
+        <p:nvPicPr>
+          <p:cNvPr id="17" name="Picture 16">
+            <a:extLst>
+              <a:ext uri="{FF2B5EF4-FFF2-40B4-BE49-F238E27FC236}">
+                <a16:creationId xmlns:a16="http://schemas.microsoft.com/office/drawing/2014/main" id="{AC733978-6AFB-DEB7-E44A-45A3D4A5A7DA}"/>
+              </a:ext>
+            </a:extLst>
+          </p:cNvPr>
+          <p:cNvPicPr>
+            <a:picLocks noChangeAspect="1"/>
+          </p:cNvPicPr>
+          <p:nvPr/>
+        </p:nvPicPr>
+        <p:blipFill>
+          <a:blip r:embed="rId6"/>
+          <a:stretch>
+            <a:fillRect/>
+          </a:stretch>
+        </p:blipFill>
+        <p:spPr>
+          <a:xfrm>
+            <a:off x="6379683" y="2458367"/>
+            <a:ext cx="469333" cy="495589"/>
+          </a:xfrm>
+          <a:prstGeom prst="rect">
+            <a:avLst/>
+          </a:prstGeom>
+        </p:spPr>
+      </p:pic>
+      <p:pic>
+        <p:nvPicPr>
+          <p:cNvPr id="19" name="Picture 18">
+            <a:extLst>
+              <a:ext uri="{FF2B5EF4-FFF2-40B4-BE49-F238E27FC236}">
+                <a16:creationId xmlns:a16="http://schemas.microsoft.com/office/drawing/2014/main" id="{ED7C6FDE-566F-28B3-9276-48D50823F3DA}"/>
+              </a:ext>
+            </a:extLst>
+          </p:cNvPr>
+          <p:cNvPicPr>
+            <a:picLocks noChangeAspect="1"/>
+          </p:cNvPicPr>
+          <p:nvPr/>
+        </p:nvPicPr>
+        <p:blipFill>
+          <a:blip r:embed="rId7"/>
+          <a:stretch>
+            <a:fillRect/>
+          </a:stretch>
+        </p:blipFill>
+        <p:spPr>
+          <a:xfrm>
+            <a:off x="5459759" y="3235904"/>
+            <a:ext cx="678634" cy="268470"/>
+          </a:xfrm>
+          <a:prstGeom prst="rect">
+            <a:avLst/>
+          </a:prstGeom>
+        </p:spPr>
+      </p:pic>
+      <p:pic>
+        <p:nvPicPr>
+          <p:cNvPr id="21" name="Picture 20">
+            <a:extLst>
+              <a:ext uri="{FF2B5EF4-FFF2-40B4-BE49-F238E27FC236}">
+                <a16:creationId xmlns:a16="http://schemas.microsoft.com/office/drawing/2014/main" id="{295A519A-8221-D735-A411-18BC1849FDCE}"/>
+              </a:ext>
+            </a:extLst>
+          </p:cNvPr>
+          <p:cNvPicPr>
+            <a:picLocks noChangeAspect="1"/>
+          </p:cNvPicPr>
+          <p:nvPr/>
+        </p:nvPicPr>
+        <p:blipFill>
+          <a:blip r:embed="rId8"/>
+          <a:stretch>
+            <a:fillRect/>
+          </a:stretch>
+        </p:blipFill>
+        <p:spPr>
+          <a:xfrm>
+            <a:off x="6306981" y="3168893"/>
+            <a:ext cx="469333" cy="378074"/>
+          </a:xfrm>
+          <a:prstGeom prst="rect">
+            <a:avLst/>
+          </a:prstGeom>
+        </p:spPr>
+      </p:pic>
+      <p:pic>
+        <p:nvPicPr>
+          <p:cNvPr id="23" name="Picture 22">
+            <a:extLst>
+              <a:ext uri="{FF2B5EF4-FFF2-40B4-BE49-F238E27FC236}">
+                <a16:creationId xmlns:a16="http://schemas.microsoft.com/office/drawing/2014/main" id="{3571726D-1747-9369-2E38-FBF6B3B03FE6}"/>
+              </a:ext>
+            </a:extLst>
+          </p:cNvPr>
+          <p:cNvPicPr>
+            <a:picLocks noChangeAspect="1"/>
+          </p:cNvPicPr>
+          <p:nvPr/>
+        </p:nvPicPr>
+        <p:blipFill>
+          <a:blip r:embed="rId9"/>
+          <a:stretch>
+            <a:fillRect/>
+          </a:stretch>
+        </p:blipFill>
+        <p:spPr>
+          <a:xfrm>
+            <a:off x="7263124" y="1735378"/>
+            <a:ext cx="640985" cy="407583"/>
+          </a:xfrm>
+          <a:prstGeom prst="rect">
+            <a:avLst/>
+          </a:prstGeom>
+        </p:spPr>
+      </p:pic>
+      <p:sp>
+        <p:nvSpPr>
+          <p:cNvPr id="25" name="TextBox 24">
+            <a:extLst>
+              <a:ext uri="{FF2B5EF4-FFF2-40B4-BE49-F238E27FC236}">
+                <a16:creationId xmlns:a16="http://schemas.microsoft.com/office/drawing/2014/main" id="{EC3EE384-ED70-6EAA-4C8C-7B433FA8124A}"/>
+              </a:ext>
+            </a:extLst>
+          </p:cNvPr>
+          <p:cNvSpPr txBox="1"/>
+          <p:nvPr/>
+        </p:nvSpPr>
+        <p:spPr>
+          <a:xfrm>
+            <a:off x="5329494" y="1361759"/>
+            <a:ext cx="910357" cy="268469"/>
+          </a:xfrm>
+          <a:prstGeom prst="rect">
+            <a:avLst/>
+          </a:prstGeom>
+          <a:noFill/>
+        </p:spPr>
+        <p:txBody>
+          <a:bodyPr wrap="square">
+            <a:spAutoFit/>
+          </a:bodyPr>
+          <a:lstStyle/>
+          <a:p>
+            <a:r>
+              <a:rPr lang="en-US" sz="1100" b="1" dirty="0">
+                <a:solidFill>
+                  <a:schemeClr val="tx1">
+                    <a:lumMod val="75000"/>
+                    <a:lumOff val="25000"/>
+                  </a:schemeClr>
+                </a:solidFill>
+              </a:rPr>
+              <a:t>PDF format </a:t>
+            </a:r>
+            <a:endParaRPr lang="en-SG" sz="1100" b="1" dirty="0">
+              <a:solidFill>
+                <a:schemeClr val="tx1">
+                  <a:lumMod val="75000"/>
+                  <a:lumOff val="25000"/>
+                </a:schemeClr>
+              </a:solidFill>
+            </a:endParaRPr>
+          </a:p>
+        </p:txBody>
+      </p:sp>
+      <p:sp>
+        <p:nvSpPr>
+          <p:cNvPr id="26" name="TextBox 25">
+            <a:extLst>
+              <a:ext uri="{FF2B5EF4-FFF2-40B4-BE49-F238E27FC236}">
+                <a16:creationId xmlns:a16="http://schemas.microsoft.com/office/drawing/2014/main" id="{71846861-4ADF-6F56-3968-4074309336F0}"/>
+              </a:ext>
+            </a:extLst>
+          </p:cNvPr>
+          <p:cNvSpPr txBox="1"/>
+          <p:nvPr/>
+        </p:nvSpPr>
+        <p:spPr>
+          <a:xfrm>
+            <a:off x="6264678" y="1358305"/>
+            <a:ext cx="910357" cy="268469"/>
+          </a:xfrm>
+          <a:prstGeom prst="rect">
+            <a:avLst/>
+          </a:prstGeom>
+          <a:noFill/>
+        </p:spPr>
+        <p:txBody>
+          <a:bodyPr wrap="square">
+            <a:spAutoFit/>
+          </a:bodyPr>
+          <a:lstStyle/>
+          <a:p>
+            <a:r>
+              <a:rPr lang="en-US" sz="1100" b="1" dirty="0">
+                <a:solidFill>
+                  <a:schemeClr val="tx1">
+                    <a:lumMod val="75000"/>
+                    <a:lumOff val="25000"/>
+                  </a:schemeClr>
+                </a:solidFill>
+              </a:rPr>
+              <a:t>Text format </a:t>
+            </a:r>
+            <a:endParaRPr lang="en-SG" sz="1100" b="1" dirty="0">
+              <a:solidFill>
+                <a:schemeClr val="tx1">
+                  <a:lumMod val="75000"/>
+                  <a:lumOff val="25000"/>
+                </a:schemeClr>
+              </a:solidFill>
+            </a:endParaRPr>
+          </a:p>
+        </p:txBody>
+      </p:sp>
+      <p:sp>
+        <p:nvSpPr>
+          <p:cNvPr id="27" name="TextBox 26">
+            <a:extLst>
+              <a:ext uri="{FF2B5EF4-FFF2-40B4-BE49-F238E27FC236}">
+                <a16:creationId xmlns:a16="http://schemas.microsoft.com/office/drawing/2014/main" id="{335BD7A7-EE71-6D35-630A-E971B7D80359}"/>
+              </a:ext>
+            </a:extLst>
+          </p:cNvPr>
+          <p:cNvSpPr txBox="1"/>
+          <p:nvPr/>
+        </p:nvSpPr>
+        <p:spPr>
+          <a:xfrm>
+            <a:off x="7214938" y="1337512"/>
+            <a:ext cx="910357" cy="430887"/>
+          </a:xfrm>
+          <a:prstGeom prst="rect">
+            <a:avLst/>
+          </a:prstGeom>
+          <a:noFill/>
+        </p:spPr>
+        <p:txBody>
+          <a:bodyPr wrap="square">
+            <a:spAutoFit/>
+          </a:bodyPr>
+          <a:lstStyle/>
+          <a:p>
+            <a:r>
+              <a:rPr lang="en-US" sz="1100" b="1" dirty="0">
+                <a:solidFill>
+                  <a:schemeClr val="tx1">
+                    <a:lumMod val="75000"/>
+                    <a:lumOff val="25000"/>
+                  </a:schemeClr>
+                </a:solidFill>
+              </a:rPr>
+              <a:t>Markdown format </a:t>
+            </a:r>
+            <a:endParaRPr lang="en-SG" sz="1100" b="1" dirty="0">
+              <a:solidFill>
+                <a:schemeClr val="tx1">
+                  <a:lumMod val="75000"/>
+                  <a:lumOff val="25000"/>
+                </a:schemeClr>
+              </a:solidFill>
+            </a:endParaRPr>
+          </a:p>
+        </p:txBody>
+      </p:sp>
+      <p:sp>
+        <p:nvSpPr>
+          <p:cNvPr id="28" name="TextBox 27">
+            <a:extLst>
+              <a:ext uri="{FF2B5EF4-FFF2-40B4-BE49-F238E27FC236}">
+                <a16:creationId xmlns:a16="http://schemas.microsoft.com/office/drawing/2014/main" id="{BFB1CD6C-4286-79E9-F734-1E3204A99075}"/>
+              </a:ext>
+            </a:extLst>
+          </p:cNvPr>
+          <p:cNvSpPr txBox="1"/>
+          <p:nvPr/>
+        </p:nvSpPr>
+        <p:spPr>
+          <a:xfrm>
+            <a:off x="5381500" y="2184199"/>
+            <a:ext cx="1122644" cy="261610"/>
+          </a:xfrm>
+          <a:prstGeom prst="rect">
+            <a:avLst/>
+          </a:prstGeom>
+          <a:noFill/>
+        </p:spPr>
+        <p:txBody>
+          <a:bodyPr wrap="square">
+            <a:spAutoFit/>
+          </a:bodyPr>
+          <a:lstStyle/>
+          <a:p>
+            <a:r>
+              <a:rPr lang="en-US" sz="1100" b="1" dirty="0">
+                <a:solidFill>
+                  <a:schemeClr val="tx1">
+                    <a:lumMod val="75000"/>
+                    <a:lumOff val="25000"/>
+                  </a:schemeClr>
+                </a:solidFill>
+              </a:rPr>
+              <a:t>HTML format </a:t>
+            </a:r>
+            <a:endParaRPr lang="en-SG" sz="1100" b="1" dirty="0">
+              <a:solidFill>
+                <a:schemeClr val="tx1">
+                  <a:lumMod val="75000"/>
+                  <a:lumOff val="25000"/>
+                </a:schemeClr>
+              </a:solidFill>
+            </a:endParaRPr>
+          </a:p>
+        </p:txBody>
+      </p:sp>
+      <p:sp>
+        <p:nvSpPr>
+          <p:cNvPr id="29" name="TextBox 28">
+            <a:extLst>
+              <a:ext uri="{FF2B5EF4-FFF2-40B4-BE49-F238E27FC236}">
+                <a16:creationId xmlns:a16="http://schemas.microsoft.com/office/drawing/2014/main" id="{37B42B13-7033-282B-08C1-E31150EA11FA}"/>
+              </a:ext>
+            </a:extLst>
+          </p:cNvPr>
+          <p:cNvSpPr txBox="1"/>
+          <p:nvPr/>
+        </p:nvSpPr>
+        <p:spPr>
+          <a:xfrm>
+            <a:off x="6352497" y="2208051"/>
+            <a:ext cx="455312" cy="261610"/>
+          </a:xfrm>
+          <a:prstGeom prst="rect">
+            <a:avLst/>
+          </a:prstGeom>
+          <a:noFill/>
+        </p:spPr>
+        <p:txBody>
+          <a:bodyPr wrap="square">
+            <a:spAutoFit/>
+          </a:bodyPr>
+          <a:lstStyle/>
+          <a:p>
+            <a:r>
+              <a:rPr lang="en-US" sz="1100" b="1" dirty="0">
+                <a:solidFill>
+                  <a:schemeClr val="tx1">
+                    <a:lumMod val="75000"/>
+                    <a:lumOff val="25000"/>
+                  </a:schemeClr>
+                </a:solidFill>
+              </a:rPr>
+              <a:t>URL </a:t>
+            </a:r>
+          </a:p>
+        </p:txBody>
+      </p:sp>
+      <p:sp>
+        <p:nvSpPr>
+          <p:cNvPr id="30" name="TextBox 29">
+            <a:extLst>
+              <a:ext uri="{FF2B5EF4-FFF2-40B4-BE49-F238E27FC236}">
+                <a16:creationId xmlns:a16="http://schemas.microsoft.com/office/drawing/2014/main" id="{A4B9F9E9-51E7-092D-7642-6C5292CA3936}"/>
+              </a:ext>
+            </a:extLst>
+          </p:cNvPr>
+          <p:cNvSpPr txBox="1"/>
+          <p:nvPr/>
+        </p:nvSpPr>
+        <p:spPr>
+          <a:xfrm>
+            <a:off x="6779167" y="3116080"/>
+            <a:ext cx="910357" cy="430887"/>
+          </a:xfrm>
+          <a:prstGeom prst="rect">
+            <a:avLst/>
+          </a:prstGeom>
+          <a:noFill/>
+        </p:spPr>
+        <p:txBody>
+          <a:bodyPr wrap="square">
+            <a:spAutoFit/>
+          </a:bodyPr>
+          <a:lstStyle/>
+          <a:p>
+            <a:r>
+              <a:rPr lang="en-US" sz="1100" b="1" dirty="0">
+                <a:solidFill>
+                  <a:schemeClr val="tx1">
+                    <a:lumMod val="75000"/>
+                    <a:lumOff val="25000"/>
+                  </a:schemeClr>
+                </a:solidFill>
+              </a:rPr>
+              <a:t>CTF-D </a:t>
+            </a:r>
+            <a:r>
+              <a:rPr lang="en-US" sz="1100" b="1" dirty="0" err="1">
+                <a:solidFill>
+                  <a:schemeClr val="tx1">
+                    <a:lumMod val="75000"/>
+                    <a:lumOff val="25000"/>
+                  </a:schemeClr>
+                </a:solidFill>
+              </a:rPr>
+              <a:t>url</a:t>
+            </a:r>
+            <a:r>
+              <a:rPr lang="en-US" sz="1100" b="1" dirty="0">
+                <a:solidFill>
+                  <a:schemeClr val="tx1">
+                    <a:lumMod val="75000"/>
+                    <a:lumOff val="25000"/>
+                  </a:schemeClr>
+                </a:solidFill>
+              </a:rPr>
+              <a:t> + login cookie</a:t>
+            </a:r>
+            <a:endParaRPr lang="en-SG" sz="1100" b="1" dirty="0">
+              <a:solidFill>
+                <a:schemeClr val="tx1">
+                  <a:lumMod val="75000"/>
+                  <a:lumOff val="25000"/>
+                </a:schemeClr>
+              </a:solidFill>
+            </a:endParaRPr>
+          </a:p>
+        </p:txBody>
+      </p:sp>
+      <p:sp>
+        <p:nvSpPr>
+          <p:cNvPr id="31" name="TextBox 30">
+            <a:extLst>
+              <a:ext uri="{FF2B5EF4-FFF2-40B4-BE49-F238E27FC236}">
+                <a16:creationId xmlns:a16="http://schemas.microsoft.com/office/drawing/2014/main" id="{EB63DFD8-F1B6-1314-6A00-F6DF36F4C3B4}"/>
+              </a:ext>
+            </a:extLst>
+          </p:cNvPr>
+          <p:cNvSpPr txBox="1"/>
+          <p:nvPr/>
+        </p:nvSpPr>
+        <p:spPr>
+          <a:xfrm>
+            <a:off x="6123898" y="3198783"/>
+            <a:ext cx="368990" cy="261610"/>
+          </a:xfrm>
+          <a:prstGeom prst="rect">
+            <a:avLst/>
+          </a:prstGeom>
+          <a:noFill/>
+        </p:spPr>
+        <p:txBody>
+          <a:bodyPr wrap="square">
+            <a:spAutoFit/>
+          </a:bodyPr>
+          <a:lstStyle/>
+          <a:p>
+            <a:r>
+              <a:rPr lang="en-US" sz="1100" b="1" dirty="0">
+                <a:solidFill>
+                  <a:schemeClr val="tx1">
+                    <a:lumMod val="75000"/>
+                    <a:lumOff val="25000"/>
+                  </a:schemeClr>
+                </a:solidFill>
+              </a:rPr>
+              <a:t>+</a:t>
+            </a:r>
+            <a:endParaRPr lang="en-SG" sz="1100" b="1" dirty="0">
+              <a:solidFill>
+                <a:schemeClr val="tx1">
+                  <a:lumMod val="75000"/>
+                  <a:lumOff val="25000"/>
+                </a:schemeClr>
+              </a:solidFill>
+            </a:endParaRPr>
+          </a:p>
+        </p:txBody>
+      </p:sp>
+      <p:cxnSp>
+        <p:nvCxnSpPr>
+          <p:cNvPr id="32" name="Straight Arrow Connector 31">
+            <a:extLst>
+              <a:ext uri="{FF2B5EF4-FFF2-40B4-BE49-F238E27FC236}">
+                <a16:creationId xmlns:a16="http://schemas.microsoft.com/office/drawing/2014/main" id="{EA0BC1FA-38C7-9F58-78FA-02C6C1B5EF1B}"/>
+              </a:ext>
+            </a:extLst>
+          </p:cNvPr>
+          <p:cNvCxnSpPr>
+            <a:cxnSpLocks/>
+          </p:cNvCxnSpPr>
+          <p:nvPr/>
+        </p:nvCxnSpPr>
+        <p:spPr>
+          <a:xfrm>
+            <a:off x="3312698" y="2939793"/>
+            <a:ext cx="0" cy="303620"/>
+          </a:xfrm>
+          <a:prstGeom prst="straightConnector1">
+            <a:avLst/>
+          </a:prstGeom>
+          <a:ln w="19050">
+            <a:prstDash val="sysDash"/>
+            <a:tailEnd type="triangle"/>
+          </a:ln>
+        </p:spPr>
+        <p:style>
+          <a:lnRef idx="1">
+            <a:schemeClr val="accent1"/>
+          </a:lnRef>
+          <a:fillRef idx="0">
+            <a:schemeClr val="accent1"/>
+          </a:fillRef>
+          <a:effectRef idx="0">
+            <a:schemeClr val="accent1"/>
+          </a:effectRef>
+          <a:fontRef idx="minor">
+            <a:schemeClr val="tx1"/>
+          </a:fontRef>
+        </p:style>
+      </p:cxnSp>
+      <p:sp>
+        <p:nvSpPr>
+          <p:cNvPr id="33" name="Rectangle 32">
+            <a:extLst>
+              <a:ext uri="{FF2B5EF4-FFF2-40B4-BE49-F238E27FC236}">
+                <a16:creationId xmlns:a16="http://schemas.microsoft.com/office/drawing/2014/main" id="{EF77DB9A-4F2D-6881-4E3F-9727AA07A474}"/>
+              </a:ext>
+            </a:extLst>
+          </p:cNvPr>
+          <p:cNvSpPr/>
+          <p:nvPr/>
+        </p:nvSpPr>
+        <p:spPr>
+          <a:xfrm>
+            <a:off x="2763682" y="3282847"/>
+            <a:ext cx="1958805" cy="482479"/>
+          </a:xfrm>
+          <a:prstGeom prst="rect">
+            <a:avLst/>
+          </a:prstGeom>
+        </p:spPr>
+        <p:style>
+          <a:lnRef idx="2">
+            <a:schemeClr val="accent1">
+              <a:shade val="50000"/>
+            </a:schemeClr>
+          </a:lnRef>
+          <a:fillRef idx="1">
+            <a:schemeClr val="accent1"/>
+          </a:fillRef>
+          <a:effectRef idx="0">
+            <a:schemeClr val="accent1"/>
+          </a:effectRef>
+          <a:fontRef idx="minor">
+            <a:schemeClr val="lt1"/>
+          </a:fontRef>
+        </p:style>
+        <p:txBody>
+          <a:bodyPr rtlCol="0" anchor="ctr"/>
+          <a:lstStyle/>
+          <a:p>
+            <a:r>
+              <a:rPr lang="en-US" sz="1200" b="1" dirty="0"/>
+              <a:t>Question parser [ </a:t>
+            </a:r>
+            <a:r>
+              <a:rPr lang="en-US" sz="1200" b="1" dirty="0" err="1"/>
+              <a:t>langchain</a:t>
+            </a:r>
+            <a:r>
+              <a:rPr lang="en-US" sz="1200" b="1" dirty="0"/>
+              <a:t> + MCQ- prompt ]</a:t>
+            </a:r>
+            <a:endParaRPr lang="en-SG" sz="1200" b="1" dirty="0"/>
+          </a:p>
+        </p:txBody>
+      </p:sp>
+      <p:sp>
+        <p:nvSpPr>
+          <p:cNvPr id="36" name="Arrow: Left 35">
+            <a:extLst>
+              <a:ext uri="{FF2B5EF4-FFF2-40B4-BE49-F238E27FC236}">
+                <a16:creationId xmlns:a16="http://schemas.microsoft.com/office/drawing/2014/main" id="{81F71DEA-23CC-3DD7-4D6E-5A6922E5E9EE}"/>
+              </a:ext>
+            </a:extLst>
+          </p:cNvPr>
+          <p:cNvSpPr/>
+          <p:nvPr/>
+        </p:nvSpPr>
+        <p:spPr>
+          <a:xfrm>
+            <a:off x="4232641" y="2664692"/>
+            <a:ext cx="959217" cy="88829"/>
+          </a:xfrm>
+          <a:prstGeom prst="leftArrow">
+            <a:avLst/>
+          </a:prstGeom>
+        </p:spPr>
+        <p:style>
+          <a:lnRef idx="2">
+            <a:schemeClr val="accent1">
+              <a:shade val="15000"/>
+            </a:schemeClr>
+          </a:lnRef>
+          <a:fillRef idx="1">
+            <a:schemeClr val="accent1"/>
+          </a:fillRef>
+          <a:effectRef idx="0">
+            <a:schemeClr val="accent1"/>
+          </a:effectRef>
+          <a:fontRef idx="minor">
+            <a:schemeClr val="lt1"/>
+          </a:fontRef>
+        </p:style>
+        <p:txBody>
+          <a:bodyPr rtlCol="0" anchor="ctr"/>
+          <a:lstStyle/>
+          <a:p>
+            <a:pPr algn="ctr"/>
+            <a:endParaRPr lang="en-SG"/>
+          </a:p>
+        </p:txBody>
+      </p:sp>
+      <p:cxnSp>
+        <p:nvCxnSpPr>
+          <p:cNvPr id="38" name="Straight Arrow Connector 37">
+            <a:extLst>
+              <a:ext uri="{FF2B5EF4-FFF2-40B4-BE49-F238E27FC236}">
+                <a16:creationId xmlns:a16="http://schemas.microsoft.com/office/drawing/2014/main" id="{4847D2CF-23DD-9274-E06D-957FFE34978A}"/>
+              </a:ext>
+            </a:extLst>
+          </p:cNvPr>
+          <p:cNvCxnSpPr>
+            <a:cxnSpLocks/>
+            <a:stCxn id="41" idx="3"/>
+          </p:cNvCxnSpPr>
+          <p:nvPr/>
+        </p:nvCxnSpPr>
+        <p:spPr>
+          <a:xfrm>
+            <a:off x="1446005" y="2238447"/>
+            <a:ext cx="1378058" cy="1044400"/>
+          </a:xfrm>
+          <a:prstGeom prst="straightConnector1">
+            <a:avLst/>
+          </a:prstGeom>
+          <a:ln w="19050">
+            <a:solidFill>
+              <a:schemeClr val="accent6">
+                <a:lumMod val="75000"/>
+              </a:schemeClr>
+            </a:solidFill>
+            <a:headEnd type="triangle"/>
+            <a:tailEnd type="triangle"/>
+          </a:ln>
+        </p:spPr>
+        <p:style>
+          <a:lnRef idx="1">
+            <a:schemeClr val="accent1"/>
+          </a:lnRef>
+          <a:fillRef idx="0">
+            <a:schemeClr val="accent1"/>
+          </a:fillRef>
+          <a:effectRef idx="0">
+            <a:schemeClr val="accent1"/>
+          </a:effectRef>
+          <a:fontRef idx="minor">
+            <a:schemeClr val="tx1"/>
+          </a:fontRef>
+        </p:style>
+      </p:cxnSp>
+      <p:pic>
+        <p:nvPicPr>
+          <p:cNvPr id="41" name="Picture 40">
+            <a:extLst>
+              <a:ext uri="{FF2B5EF4-FFF2-40B4-BE49-F238E27FC236}">
+                <a16:creationId xmlns:a16="http://schemas.microsoft.com/office/drawing/2014/main" id="{1870F8A1-4D54-AAF0-2435-64BB8B2AF08E}"/>
+              </a:ext>
+            </a:extLst>
+          </p:cNvPr>
+          <p:cNvPicPr>
+            <a:picLocks noChangeAspect="1"/>
+          </p:cNvPicPr>
+          <p:nvPr/>
+        </p:nvPicPr>
+        <p:blipFill>
+          <a:blip r:embed="rId10"/>
+          <a:stretch>
+            <a:fillRect/>
+          </a:stretch>
+        </p:blipFill>
+        <p:spPr>
+          <a:xfrm>
+            <a:off x="779323" y="1897698"/>
+            <a:ext cx="666682" cy="681497"/>
+          </a:xfrm>
+          <a:prstGeom prst="rect">
+            <a:avLst/>
+          </a:prstGeom>
+        </p:spPr>
+      </p:pic>
+      <p:sp>
+        <p:nvSpPr>
+          <p:cNvPr id="42" name="TextBox 41">
+            <a:extLst>
+              <a:ext uri="{FF2B5EF4-FFF2-40B4-BE49-F238E27FC236}">
+                <a16:creationId xmlns:a16="http://schemas.microsoft.com/office/drawing/2014/main" id="{0118B95D-C9E9-A96B-696A-D6EE1A19FEB7}"/>
+              </a:ext>
+            </a:extLst>
+          </p:cNvPr>
+          <p:cNvSpPr txBox="1"/>
+          <p:nvPr/>
+        </p:nvSpPr>
+        <p:spPr>
+          <a:xfrm>
+            <a:off x="800010" y="1601143"/>
+            <a:ext cx="910357" cy="268469"/>
+          </a:xfrm>
+          <a:prstGeom prst="rect">
+            <a:avLst/>
+          </a:prstGeom>
+          <a:noFill/>
+        </p:spPr>
+        <p:txBody>
+          <a:bodyPr wrap="square">
+            <a:spAutoFit/>
+          </a:bodyPr>
+          <a:lstStyle/>
+          <a:p>
+            <a:r>
+              <a:rPr lang="en-US" sz="1100" b="1" dirty="0">
+                <a:solidFill>
+                  <a:schemeClr val="tx1">
+                    <a:lumMod val="75000"/>
+                    <a:lumOff val="25000"/>
+                  </a:schemeClr>
+                </a:solidFill>
+              </a:rPr>
+              <a:t>OpenAI</a:t>
+            </a:r>
+            <a:endParaRPr lang="en-SG" sz="1100" b="1" dirty="0">
+              <a:solidFill>
+                <a:schemeClr val="tx1">
+                  <a:lumMod val="75000"/>
+                  <a:lumOff val="25000"/>
+                </a:schemeClr>
+              </a:solidFill>
+            </a:endParaRPr>
+          </a:p>
+        </p:txBody>
+      </p:sp>
+      <p:cxnSp>
+        <p:nvCxnSpPr>
+          <p:cNvPr id="43" name="Straight Arrow Connector 42">
+            <a:extLst>
+              <a:ext uri="{FF2B5EF4-FFF2-40B4-BE49-F238E27FC236}">
+                <a16:creationId xmlns:a16="http://schemas.microsoft.com/office/drawing/2014/main" id="{4361013E-DA89-A8CB-1CBF-EB5C274AE95F}"/>
+              </a:ext>
+            </a:extLst>
+          </p:cNvPr>
+          <p:cNvCxnSpPr>
+            <a:cxnSpLocks/>
+            <a:stCxn id="33" idx="1"/>
+            <a:endCxn id="49" idx="3"/>
+          </p:cNvCxnSpPr>
+          <p:nvPr/>
+        </p:nvCxnSpPr>
+        <p:spPr>
+          <a:xfrm flipH="1">
+            <a:off x="2372732" y="3524087"/>
+            <a:ext cx="390950" cy="0"/>
+          </a:xfrm>
+          <a:prstGeom prst="straightConnector1">
+            <a:avLst/>
+          </a:prstGeom>
+          <a:ln w="19050">
+            <a:prstDash val="sysDash"/>
+            <a:tailEnd type="triangle"/>
+          </a:ln>
+        </p:spPr>
+        <p:style>
+          <a:lnRef idx="1">
+            <a:schemeClr val="accent1"/>
+          </a:lnRef>
+          <a:fillRef idx="0">
+            <a:schemeClr val="accent1"/>
+          </a:fillRef>
+          <a:effectRef idx="0">
+            <a:schemeClr val="accent1"/>
+          </a:effectRef>
+          <a:fontRef idx="minor">
+            <a:schemeClr val="tx1"/>
+          </a:fontRef>
+        </p:style>
+      </p:cxnSp>
+      <p:cxnSp>
+        <p:nvCxnSpPr>
+          <p:cNvPr id="44" name="Straight Arrow Connector 43">
+            <a:extLst>
+              <a:ext uri="{FF2B5EF4-FFF2-40B4-BE49-F238E27FC236}">
+                <a16:creationId xmlns:a16="http://schemas.microsoft.com/office/drawing/2014/main" id="{AF0D64DE-A008-4005-2579-CBA4284AAE01}"/>
+              </a:ext>
+            </a:extLst>
+          </p:cNvPr>
+          <p:cNvCxnSpPr>
+            <a:cxnSpLocks/>
+          </p:cNvCxnSpPr>
+          <p:nvPr/>
+        </p:nvCxnSpPr>
+        <p:spPr>
+          <a:xfrm>
+            <a:off x="4174753" y="3765326"/>
+            <a:ext cx="0" cy="245867"/>
+          </a:xfrm>
+          <a:prstGeom prst="straightConnector1">
+            <a:avLst/>
+          </a:prstGeom>
+          <a:ln w="19050">
+            <a:prstDash val="sysDash"/>
+            <a:tailEnd type="triangle"/>
+          </a:ln>
+        </p:spPr>
+        <p:style>
+          <a:lnRef idx="1">
+            <a:schemeClr val="accent1"/>
+          </a:lnRef>
+          <a:fillRef idx="0">
+            <a:schemeClr val="accent1"/>
+          </a:fillRef>
+          <a:effectRef idx="0">
+            <a:schemeClr val="accent1"/>
+          </a:effectRef>
+          <a:fontRef idx="minor">
+            <a:schemeClr val="tx1"/>
+          </a:fontRef>
+        </p:style>
+      </p:cxnSp>
+      <p:sp>
+        <p:nvSpPr>
+          <p:cNvPr id="49" name="Rectangle 48">
+            <a:extLst>
+              <a:ext uri="{FF2B5EF4-FFF2-40B4-BE49-F238E27FC236}">
+                <a16:creationId xmlns:a16="http://schemas.microsoft.com/office/drawing/2014/main" id="{B6923272-2913-20CE-27D0-B258D6855585}"/>
+              </a:ext>
+            </a:extLst>
+          </p:cNvPr>
+          <p:cNvSpPr/>
+          <p:nvPr/>
+        </p:nvSpPr>
+        <p:spPr>
+          <a:xfrm>
+            <a:off x="1447384" y="3298744"/>
+            <a:ext cx="925348" cy="466581"/>
+          </a:xfrm>
+          <a:prstGeom prst="rect">
+            <a:avLst/>
+          </a:prstGeom>
+        </p:spPr>
+        <p:style>
+          <a:lnRef idx="2">
+            <a:schemeClr val="accent1">
+              <a:shade val="50000"/>
+            </a:schemeClr>
+          </a:lnRef>
+          <a:fillRef idx="1">
+            <a:schemeClr val="accent1"/>
+          </a:fillRef>
+          <a:effectRef idx="0">
+            <a:schemeClr val="accent1"/>
+          </a:effectRef>
+          <a:fontRef idx="minor">
+            <a:schemeClr val="lt1"/>
+          </a:fontRef>
+        </p:style>
+        <p:txBody>
+          <a:bodyPr rtlCol="0" anchor="ctr"/>
+          <a:lstStyle/>
+          <a:p>
+            <a:r>
+              <a:rPr lang="en-US" sz="1200" b="1" dirty="0"/>
+              <a:t>Question categorizer   </a:t>
+            </a:r>
+            <a:endParaRPr lang="en-SG" sz="1200" b="1" dirty="0"/>
+          </a:p>
+        </p:txBody>
+      </p:sp>
+      <p:sp>
+        <p:nvSpPr>
+          <p:cNvPr id="57" name="TextBox 56">
+            <a:extLst>
+              <a:ext uri="{FF2B5EF4-FFF2-40B4-BE49-F238E27FC236}">
+                <a16:creationId xmlns:a16="http://schemas.microsoft.com/office/drawing/2014/main" id="{9A14D4B9-BBAC-2E95-0BA1-E127B540769B}"/>
+              </a:ext>
+            </a:extLst>
+          </p:cNvPr>
+          <p:cNvSpPr txBox="1"/>
+          <p:nvPr/>
+        </p:nvSpPr>
+        <p:spPr>
+          <a:xfrm>
+            <a:off x="4432090" y="4389716"/>
+            <a:ext cx="1229909" cy="400110"/>
+          </a:xfrm>
+          <a:prstGeom prst="rect">
+            <a:avLst/>
+          </a:prstGeom>
+          <a:noFill/>
+        </p:spPr>
+        <p:txBody>
+          <a:bodyPr wrap="square" rtlCol="0">
+            <a:spAutoFit/>
+          </a:bodyPr>
+          <a:lstStyle/>
+          <a:p>
+            <a:r>
+              <a:rPr lang="en-US" sz="1000" dirty="0"/>
+              <a:t>Standard MCQ data/file.</a:t>
+            </a:r>
+            <a:endParaRPr lang="en-SG" sz="1000" dirty="0"/>
+          </a:p>
+        </p:txBody>
+      </p:sp>
+      <p:cxnSp>
+        <p:nvCxnSpPr>
+          <p:cNvPr id="84" name="Straight Arrow Connector 83">
+            <a:extLst>
+              <a:ext uri="{FF2B5EF4-FFF2-40B4-BE49-F238E27FC236}">
+                <a16:creationId xmlns:a16="http://schemas.microsoft.com/office/drawing/2014/main" id="{3902F617-F716-4BB3-B07E-001F12D7C9C2}"/>
+              </a:ext>
+            </a:extLst>
+          </p:cNvPr>
+          <p:cNvCxnSpPr>
+            <a:cxnSpLocks/>
+            <a:endCxn id="49" idx="0"/>
+          </p:cNvCxnSpPr>
+          <p:nvPr/>
+        </p:nvCxnSpPr>
+        <p:spPr>
+          <a:xfrm>
+            <a:off x="1480975" y="2444204"/>
+            <a:ext cx="429083" cy="854540"/>
+          </a:xfrm>
+          <a:prstGeom prst="straightConnector1">
+            <a:avLst/>
+          </a:prstGeom>
+          <a:ln w="19050">
+            <a:solidFill>
+              <a:schemeClr val="accent6">
+                <a:lumMod val="75000"/>
+              </a:schemeClr>
+            </a:solidFill>
+            <a:headEnd type="triangle"/>
+            <a:tailEnd type="triangle"/>
+          </a:ln>
+        </p:spPr>
+        <p:style>
+          <a:lnRef idx="1">
+            <a:schemeClr val="accent1"/>
+          </a:lnRef>
+          <a:fillRef idx="0">
+            <a:schemeClr val="accent1"/>
+          </a:fillRef>
+          <a:effectRef idx="0">
+            <a:schemeClr val="accent1"/>
+          </a:effectRef>
+          <a:fontRef idx="minor">
+            <a:schemeClr val="tx1"/>
+          </a:fontRef>
+        </p:style>
+      </p:cxnSp>
+      <p:cxnSp>
+        <p:nvCxnSpPr>
+          <p:cNvPr id="89" name="Straight Arrow Connector 88">
+            <a:extLst>
+              <a:ext uri="{FF2B5EF4-FFF2-40B4-BE49-F238E27FC236}">
+                <a16:creationId xmlns:a16="http://schemas.microsoft.com/office/drawing/2014/main" id="{15DEC972-6B4C-9EF4-318E-32207AC548E6}"/>
+              </a:ext>
+            </a:extLst>
+          </p:cNvPr>
+          <p:cNvCxnSpPr>
+            <a:cxnSpLocks/>
+          </p:cNvCxnSpPr>
+          <p:nvPr/>
+        </p:nvCxnSpPr>
+        <p:spPr>
+          <a:xfrm>
+            <a:off x="3312698" y="3804760"/>
+            <a:ext cx="0" cy="1038202"/>
+          </a:xfrm>
+          <a:prstGeom prst="straightConnector1">
+            <a:avLst/>
+          </a:prstGeom>
+          <a:ln w="19050">
+            <a:prstDash val="sysDash"/>
+            <a:tailEnd type="triangle"/>
+          </a:ln>
+        </p:spPr>
+        <p:style>
+          <a:lnRef idx="1">
+            <a:schemeClr val="accent1"/>
+          </a:lnRef>
+          <a:fillRef idx="0">
+            <a:schemeClr val="accent1"/>
+          </a:fillRef>
+          <a:effectRef idx="0">
+            <a:schemeClr val="accent1"/>
+          </a:effectRef>
+          <a:fontRef idx="minor">
+            <a:schemeClr val="tx1"/>
+          </a:fontRef>
+        </p:style>
+      </p:cxnSp>
+      <p:sp>
+        <p:nvSpPr>
+          <p:cNvPr id="92" name="Rectangle 91">
+            <a:extLst>
+              <a:ext uri="{FF2B5EF4-FFF2-40B4-BE49-F238E27FC236}">
+                <a16:creationId xmlns:a16="http://schemas.microsoft.com/office/drawing/2014/main" id="{CA99C8DF-840A-8294-B21C-8B3DEDACB212}"/>
+              </a:ext>
+            </a:extLst>
+          </p:cNvPr>
+          <p:cNvSpPr/>
+          <p:nvPr/>
+        </p:nvSpPr>
+        <p:spPr>
+          <a:xfrm>
+            <a:off x="2646164" y="4868879"/>
+            <a:ext cx="1958805" cy="482479"/>
+          </a:xfrm>
+          <a:prstGeom prst="rect">
+            <a:avLst/>
+          </a:prstGeom>
+        </p:spPr>
+        <p:style>
+          <a:lnRef idx="2">
+            <a:schemeClr val="accent1">
+              <a:shade val="50000"/>
+            </a:schemeClr>
+          </a:lnRef>
+          <a:fillRef idx="1">
+            <a:schemeClr val="accent1"/>
+          </a:fillRef>
+          <a:effectRef idx="0">
+            <a:schemeClr val="accent1"/>
+          </a:effectRef>
+          <a:fontRef idx="minor">
+            <a:schemeClr val="lt1"/>
+          </a:fontRef>
+        </p:style>
+        <p:txBody>
+          <a:bodyPr rtlCol="0" anchor="ctr"/>
+          <a:lstStyle/>
+          <a:p>
+            <a:r>
+              <a:rPr lang="en-US" sz="1200" b="1" dirty="0"/>
+              <a:t>Question Solver [ OpenAI + scenario prompt ]</a:t>
+            </a:r>
+            <a:endParaRPr lang="en-SG" sz="1200" b="1" dirty="0"/>
+          </a:p>
+        </p:txBody>
+      </p:sp>
+      <p:pic>
+        <p:nvPicPr>
+          <p:cNvPr id="95" name="Picture 94">
+            <a:extLst>
+              <a:ext uri="{FF2B5EF4-FFF2-40B4-BE49-F238E27FC236}">
+                <a16:creationId xmlns:a16="http://schemas.microsoft.com/office/drawing/2014/main" id="{46EE22DF-3B60-1255-3E80-5F5215F808DA}"/>
+              </a:ext>
+            </a:extLst>
+          </p:cNvPr>
+          <p:cNvPicPr>
+            <a:picLocks noChangeAspect="1"/>
+          </p:cNvPicPr>
+          <p:nvPr/>
+        </p:nvPicPr>
+        <p:blipFill>
+          <a:blip r:embed="rId2"/>
+          <a:stretch>
+            <a:fillRect/>
+          </a:stretch>
+        </p:blipFill>
+        <p:spPr>
+          <a:xfrm>
+            <a:off x="2288366" y="4197762"/>
+            <a:ext cx="324555" cy="372004"/>
+          </a:xfrm>
+          <a:prstGeom prst="rect">
+            <a:avLst/>
+          </a:prstGeom>
+        </p:spPr>
+      </p:pic>
+      <p:cxnSp>
+        <p:nvCxnSpPr>
+          <p:cNvPr id="97" name="Straight Arrow Connector 96">
+            <a:extLst>
+              <a:ext uri="{FF2B5EF4-FFF2-40B4-BE49-F238E27FC236}">
+                <a16:creationId xmlns:a16="http://schemas.microsoft.com/office/drawing/2014/main" id="{73BF6E1E-B73D-A86C-1B1E-C09A7A899787}"/>
+              </a:ext>
+            </a:extLst>
+          </p:cNvPr>
+          <p:cNvCxnSpPr>
+            <a:stCxn id="49" idx="2"/>
+          </p:cNvCxnSpPr>
+          <p:nvPr/>
+        </p:nvCxnSpPr>
+        <p:spPr>
+          <a:xfrm>
+            <a:off x="1910058" y="3765325"/>
+            <a:ext cx="914005" cy="1077637"/>
+          </a:xfrm>
+          <a:prstGeom prst="straightConnector1">
+            <a:avLst/>
+          </a:prstGeom>
+          <a:ln>
+            <a:solidFill>
+              <a:schemeClr val="tx1"/>
+            </a:solidFill>
+            <a:tailEnd type="triangle"/>
+          </a:ln>
+        </p:spPr>
+        <p:style>
+          <a:lnRef idx="1">
+            <a:schemeClr val="accent1"/>
+          </a:lnRef>
+          <a:fillRef idx="0">
+            <a:schemeClr val="accent1"/>
+          </a:fillRef>
+          <a:effectRef idx="0">
+            <a:schemeClr val="accent1"/>
+          </a:effectRef>
+          <a:fontRef idx="minor">
+            <a:schemeClr val="tx1"/>
+          </a:fontRef>
+        </p:style>
+      </p:cxnSp>
+      <p:cxnSp>
+        <p:nvCxnSpPr>
+          <p:cNvPr id="98" name="Straight Arrow Connector 97">
+            <a:extLst>
+              <a:ext uri="{FF2B5EF4-FFF2-40B4-BE49-F238E27FC236}">
+                <a16:creationId xmlns:a16="http://schemas.microsoft.com/office/drawing/2014/main" id="{E8C0840E-779E-8411-4B5B-09BAC5F80EA9}"/>
+              </a:ext>
+            </a:extLst>
+          </p:cNvPr>
+          <p:cNvCxnSpPr>
+            <a:cxnSpLocks/>
+          </p:cNvCxnSpPr>
+          <p:nvPr/>
+        </p:nvCxnSpPr>
+        <p:spPr>
+          <a:xfrm>
+            <a:off x="4174753" y="4368586"/>
+            <a:ext cx="0" cy="437401"/>
+          </a:xfrm>
+          <a:prstGeom prst="straightConnector1">
+            <a:avLst/>
+          </a:prstGeom>
+          <a:ln>
+            <a:solidFill>
+              <a:schemeClr val="tx1"/>
+            </a:solidFill>
+            <a:tailEnd type="triangle"/>
+          </a:ln>
+        </p:spPr>
+        <p:style>
+          <a:lnRef idx="1">
+            <a:schemeClr val="accent1"/>
+          </a:lnRef>
+          <a:fillRef idx="0">
+            <a:schemeClr val="accent1"/>
+          </a:fillRef>
+          <a:effectRef idx="0">
+            <a:schemeClr val="accent1"/>
+          </a:effectRef>
+          <a:fontRef idx="minor">
+            <a:schemeClr val="tx1"/>
+          </a:fontRef>
+        </p:style>
+      </p:cxnSp>
+      <p:pic>
+        <p:nvPicPr>
+          <p:cNvPr id="101" name="Picture 100">
+            <a:extLst>
+              <a:ext uri="{FF2B5EF4-FFF2-40B4-BE49-F238E27FC236}">
+                <a16:creationId xmlns:a16="http://schemas.microsoft.com/office/drawing/2014/main" id="{446D7EF0-99E5-A53F-7F30-4FA4BC92B844}"/>
+              </a:ext>
+            </a:extLst>
+          </p:cNvPr>
+          <p:cNvPicPr>
+            <a:picLocks noChangeAspect="1"/>
+          </p:cNvPicPr>
+          <p:nvPr/>
+        </p:nvPicPr>
+        <p:blipFill>
+          <a:blip r:embed="rId2"/>
+          <a:stretch>
+            <a:fillRect/>
+          </a:stretch>
+        </p:blipFill>
+        <p:spPr>
+          <a:xfrm>
+            <a:off x="4222160" y="4448008"/>
+            <a:ext cx="277032" cy="317533"/>
+          </a:xfrm>
+          <a:prstGeom prst="rect">
+            <a:avLst/>
+          </a:prstGeom>
+        </p:spPr>
+      </p:pic>
+      <p:sp>
+        <p:nvSpPr>
+          <p:cNvPr id="102" name="TextBox 101">
+            <a:extLst>
+              <a:ext uri="{FF2B5EF4-FFF2-40B4-BE49-F238E27FC236}">
+                <a16:creationId xmlns:a16="http://schemas.microsoft.com/office/drawing/2014/main" id="{7A612350-E7DF-0F57-3C1C-11EA2566040E}"/>
+              </a:ext>
+            </a:extLst>
+          </p:cNvPr>
+          <p:cNvSpPr txBox="1"/>
+          <p:nvPr/>
+        </p:nvSpPr>
+        <p:spPr>
+          <a:xfrm>
+            <a:off x="2237230" y="3818890"/>
+            <a:ext cx="1206992" cy="400110"/>
+          </a:xfrm>
+          <a:prstGeom prst="rect">
+            <a:avLst/>
+          </a:prstGeom>
+          <a:noFill/>
+        </p:spPr>
+        <p:txBody>
+          <a:bodyPr wrap="square" rtlCol="0">
+            <a:spAutoFit/>
+          </a:bodyPr>
+          <a:lstStyle/>
+          <a:p>
+            <a:r>
+              <a:rPr lang="en-US" sz="1000" dirty="0"/>
+              <a:t>Question scenario prompt .</a:t>
+            </a:r>
+            <a:endParaRPr lang="en-SG" sz="1000" dirty="0"/>
+          </a:p>
+        </p:txBody>
+      </p:sp>
+      <p:cxnSp>
+        <p:nvCxnSpPr>
+          <p:cNvPr id="104" name="Connector: Elbow 103">
+            <a:extLst>
+              <a:ext uri="{FF2B5EF4-FFF2-40B4-BE49-F238E27FC236}">
+                <a16:creationId xmlns:a16="http://schemas.microsoft.com/office/drawing/2014/main" id="{D09472F2-5E30-D6E1-2045-228ABB7C9100}"/>
+              </a:ext>
+            </a:extLst>
+          </p:cNvPr>
+          <p:cNvCxnSpPr>
+            <a:stCxn id="92" idx="1"/>
+            <a:endCxn id="41" idx="2"/>
+          </p:cNvCxnSpPr>
+          <p:nvPr/>
+        </p:nvCxnSpPr>
+        <p:spPr>
+          <a:xfrm rot="10800000">
+            <a:off x="1112664" y="2579195"/>
+            <a:ext cx="1533500" cy="2530924"/>
+          </a:xfrm>
+          <a:prstGeom prst="bentConnector2">
+            <a:avLst/>
+          </a:prstGeom>
+          <a:ln w="19050">
+            <a:solidFill>
+              <a:schemeClr val="accent6">
+                <a:lumMod val="75000"/>
+              </a:schemeClr>
+            </a:solidFill>
+            <a:tailEnd type="triangle"/>
+          </a:ln>
+        </p:spPr>
+        <p:style>
+          <a:lnRef idx="1">
+            <a:schemeClr val="accent1"/>
+          </a:lnRef>
+          <a:fillRef idx="0">
+            <a:schemeClr val="accent1"/>
+          </a:fillRef>
+          <a:effectRef idx="0">
+            <a:schemeClr val="accent1"/>
+          </a:effectRef>
+          <a:fontRef idx="minor">
+            <a:schemeClr val="tx1"/>
+          </a:fontRef>
+        </p:style>
+      </p:cxnSp>
+      <p:sp>
+        <p:nvSpPr>
+          <p:cNvPr id="105" name="TextBox 104">
+            <a:extLst>
+              <a:ext uri="{FF2B5EF4-FFF2-40B4-BE49-F238E27FC236}">
+                <a16:creationId xmlns:a16="http://schemas.microsoft.com/office/drawing/2014/main" id="{2430709C-D9F5-6B28-41BB-FB5F3EC63CF4}"/>
+              </a:ext>
+            </a:extLst>
+          </p:cNvPr>
+          <p:cNvSpPr txBox="1"/>
+          <p:nvPr/>
+        </p:nvSpPr>
+        <p:spPr>
+          <a:xfrm>
+            <a:off x="4222160" y="2196360"/>
+            <a:ext cx="1062358" cy="430887"/>
+          </a:xfrm>
+          <a:prstGeom prst="rect">
+            <a:avLst/>
+          </a:prstGeom>
+          <a:noFill/>
+        </p:spPr>
+        <p:txBody>
+          <a:bodyPr wrap="square">
+            <a:spAutoFit/>
+          </a:bodyPr>
+          <a:lstStyle/>
+          <a:p>
+            <a:r>
+              <a:rPr lang="en-US" sz="1100" b="1" dirty="0">
+                <a:solidFill>
+                  <a:schemeClr val="tx1">
+                    <a:lumMod val="75000"/>
+                    <a:lumOff val="25000"/>
+                  </a:schemeClr>
+                </a:solidFill>
+              </a:rPr>
+              <a:t>Batch loading all MCQ source </a:t>
+            </a:r>
+            <a:endParaRPr lang="en-SG" sz="1100" b="1" dirty="0">
+              <a:solidFill>
+                <a:schemeClr val="tx1">
+                  <a:lumMod val="75000"/>
+                  <a:lumOff val="25000"/>
+                </a:schemeClr>
+              </a:solidFill>
+            </a:endParaRPr>
+          </a:p>
+        </p:txBody>
+      </p:sp>
+      <p:sp>
+        <p:nvSpPr>
+          <p:cNvPr id="106" name="TextBox 105">
+            <a:extLst>
+              <a:ext uri="{FF2B5EF4-FFF2-40B4-BE49-F238E27FC236}">
+                <a16:creationId xmlns:a16="http://schemas.microsoft.com/office/drawing/2014/main" id="{C2B3E714-8E06-B1D1-8D4F-3568AA8E5CA9}"/>
+              </a:ext>
+            </a:extLst>
+          </p:cNvPr>
+          <p:cNvSpPr txBox="1"/>
+          <p:nvPr/>
+        </p:nvSpPr>
+        <p:spPr>
+          <a:xfrm>
+            <a:off x="5730535" y="1026699"/>
+            <a:ext cx="2131697" cy="261610"/>
+          </a:xfrm>
+          <a:prstGeom prst="rect">
+            <a:avLst/>
+          </a:prstGeom>
+          <a:noFill/>
+        </p:spPr>
+        <p:txBody>
+          <a:bodyPr wrap="square">
+            <a:spAutoFit/>
+          </a:bodyPr>
+          <a:lstStyle/>
+          <a:p>
+            <a:r>
+              <a:rPr lang="en-US" sz="1100" b="1" dirty="0">
+                <a:solidFill>
+                  <a:schemeClr val="tx1">
+                    <a:lumMod val="75000"/>
+                    <a:lumOff val="25000"/>
+                  </a:schemeClr>
+                </a:solidFill>
+              </a:rPr>
+              <a:t>Multi-choice question source set</a:t>
+            </a:r>
+            <a:endParaRPr lang="en-SG" sz="1100" b="1" dirty="0">
+              <a:solidFill>
+                <a:schemeClr val="tx1">
+                  <a:lumMod val="75000"/>
+                  <a:lumOff val="25000"/>
+                </a:schemeClr>
+              </a:solidFill>
+            </a:endParaRPr>
+          </a:p>
+        </p:txBody>
+      </p:sp>
+      <p:cxnSp>
+        <p:nvCxnSpPr>
+          <p:cNvPr id="107" name="Straight Arrow Connector 106">
+            <a:extLst>
+              <a:ext uri="{FF2B5EF4-FFF2-40B4-BE49-F238E27FC236}">
+                <a16:creationId xmlns:a16="http://schemas.microsoft.com/office/drawing/2014/main" id="{C4FCE785-F79A-3D4A-B215-7ADAEF869C94}"/>
+              </a:ext>
+            </a:extLst>
+          </p:cNvPr>
+          <p:cNvCxnSpPr>
+            <a:cxnSpLocks/>
+            <a:stCxn id="92" idx="2"/>
+          </p:cNvCxnSpPr>
+          <p:nvPr/>
+        </p:nvCxnSpPr>
+        <p:spPr>
+          <a:xfrm flipH="1">
+            <a:off x="3625566" y="5351358"/>
+            <a:ext cx="1" cy="283323"/>
+          </a:xfrm>
+          <a:prstGeom prst="straightConnector1">
+            <a:avLst/>
+          </a:prstGeom>
+          <a:ln>
+            <a:solidFill>
+              <a:schemeClr val="tx1"/>
+            </a:solidFill>
+            <a:tailEnd type="triangle"/>
+          </a:ln>
+        </p:spPr>
+        <p:style>
+          <a:lnRef idx="1">
+            <a:schemeClr val="accent1"/>
+          </a:lnRef>
+          <a:fillRef idx="0">
+            <a:schemeClr val="accent1"/>
+          </a:fillRef>
+          <a:effectRef idx="0">
+            <a:schemeClr val="accent1"/>
+          </a:effectRef>
+          <a:fontRef idx="minor">
+            <a:schemeClr val="tx1"/>
+          </a:fontRef>
+        </p:style>
+      </p:cxnSp>
+      <p:pic>
+        <p:nvPicPr>
+          <p:cNvPr id="112" name="Picture 111">
+            <a:extLst>
+              <a:ext uri="{FF2B5EF4-FFF2-40B4-BE49-F238E27FC236}">
+                <a16:creationId xmlns:a16="http://schemas.microsoft.com/office/drawing/2014/main" id="{169FDFC8-A949-F3AB-9FD2-DEAAEF4B6048}"/>
+              </a:ext>
+            </a:extLst>
+          </p:cNvPr>
+          <p:cNvPicPr>
+            <a:picLocks noChangeAspect="1"/>
+          </p:cNvPicPr>
+          <p:nvPr/>
+        </p:nvPicPr>
+        <p:blipFill>
+          <a:blip r:embed="rId2"/>
+          <a:stretch>
+            <a:fillRect/>
+          </a:stretch>
+        </p:blipFill>
+        <p:spPr>
+          <a:xfrm>
+            <a:off x="3469218" y="5647835"/>
+            <a:ext cx="324555" cy="372004"/>
+          </a:xfrm>
+          <a:prstGeom prst="rect">
+            <a:avLst/>
+          </a:prstGeom>
+        </p:spPr>
+      </p:pic>
+      <p:sp>
+        <p:nvSpPr>
+          <p:cNvPr id="113" name="TextBox 112">
+            <a:extLst>
+              <a:ext uri="{FF2B5EF4-FFF2-40B4-BE49-F238E27FC236}">
+                <a16:creationId xmlns:a16="http://schemas.microsoft.com/office/drawing/2014/main" id="{83D68D1E-609A-9103-4779-BB3D4034F587}"/>
+              </a:ext>
+            </a:extLst>
+          </p:cNvPr>
+          <p:cNvSpPr txBox="1"/>
+          <p:nvPr/>
+        </p:nvSpPr>
+        <p:spPr>
+          <a:xfrm>
+            <a:off x="3743084" y="5710726"/>
+            <a:ext cx="1229909" cy="246221"/>
+          </a:xfrm>
+          <a:prstGeom prst="rect">
+            <a:avLst/>
+          </a:prstGeom>
+          <a:noFill/>
+        </p:spPr>
+        <p:txBody>
+          <a:bodyPr wrap="square" rtlCol="0">
+            <a:spAutoFit/>
+          </a:bodyPr>
+          <a:lstStyle/>
+          <a:p>
+            <a:r>
+              <a:rPr lang="en-US" sz="1000"/>
+              <a:t>Result files.</a:t>
+            </a:r>
+            <a:endParaRPr lang="en-SG" sz="1000" dirty="0"/>
+          </a:p>
+        </p:txBody>
+      </p:sp>
+      <p:sp>
+        <p:nvSpPr>
+          <p:cNvPr id="14" name="Rectangle 13">
+            <a:extLst>
+              <a:ext uri="{FF2B5EF4-FFF2-40B4-BE49-F238E27FC236}">
+                <a16:creationId xmlns:a16="http://schemas.microsoft.com/office/drawing/2014/main" id="{C1CABD8C-5AC0-90DC-F6D2-CEB4B3BD5A38}"/>
+              </a:ext>
+            </a:extLst>
+          </p:cNvPr>
+          <p:cNvSpPr/>
+          <p:nvPr/>
+        </p:nvSpPr>
+        <p:spPr>
+          <a:xfrm>
+            <a:off x="3839833" y="4024975"/>
+            <a:ext cx="1411070" cy="346917"/>
+          </a:xfrm>
+          <a:prstGeom prst="rect">
+            <a:avLst/>
+          </a:prstGeom>
+        </p:spPr>
+        <p:style>
+          <a:lnRef idx="2">
+            <a:schemeClr val="accent1">
+              <a:shade val="50000"/>
+            </a:schemeClr>
+          </a:lnRef>
+          <a:fillRef idx="1">
+            <a:schemeClr val="accent1"/>
+          </a:fillRef>
+          <a:effectRef idx="0">
+            <a:schemeClr val="accent1"/>
+          </a:effectRef>
+          <a:fontRef idx="minor">
+            <a:schemeClr val="lt1"/>
+          </a:fontRef>
+        </p:style>
+        <p:txBody>
+          <a:bodyPr rtlCol="0" anchor="ctr"/>
+          <a:lstStyle/>
+          <a:p>
+            <a:r>
+              <a:rPr lang="en-US" sz="1200" b="1" dirty="0"/>
+              <a:t>MCQ-GPT-Bot data manager </a:t>
+            </a:r>
+            <a:endParaRPr lang="en-SG" sz="1200" b="1" dirty="0"/>
+          </a:p>
+        </p:txBody>
+      </p:sp>
+      <p:cxnSp>
+        <p:nvCxnSpPr>
+          <p:cNvPr id="20" name="Straight Arrow Connector 19">
+            <a:extLst>
+              <a:ext uri="{FF2B5EF4-FFF2-40B4-BE49-F238E27FC236}">
+                <a16:creationId xmlns:a16="http://schemas.microsoft.com/office/drawing/2014/main" id="{3CE728EC-0FCA-B686-C480-BEE3F552D808}"/>
+              </a:ext>
+            </a:extLst>
+          </p:cNvPr>
+          <p:cNvCxnSpPr>
+            <a:cxnSpLocks/>
+          </p:cNvCxnSpPr>
+          <p:nvPr/>
+        </p:nvCxnSpPr>
+        <p:spPr>
+          <a:xfrm>
+            <a:off x="6426091" y="4906282"/>
+            <a:ext cx="415353" cy="0"/>
+          </a:xfrm>
+          <a:prstGeom prst="straightConnector1">
+            <a:avLst/>
+          </a:prstGeom>
+          <a:ln w="19050">
+            <a:prstDash val="sysDash"/>
+            <a:tailEnd type="triangle"/>
+          </a:ln>
+        </p:spPr>
+        <p:style>
+          <a:lnRef idx="1">
+            <a:schemeClr val="accent1"/>
+          </a:lnRef>
+          <a:fillRef idx="0">
+            <a:schemeClr val="accent1"/>
+          </a:fillRef>
+          <a:effectRef idx="0">
+            <a:schemeClr val="accent1"/>
+          </a:effectRef>
+          <a:fontRef idx="minor">
+            <a:schemeClr val="tx1"/>
+          </a:fontRef>
+        </p:style>
+      </p:cxnSp>
+      <p:sp>
+        <p:nvSpPr>
+          <p:cNvPr id="34" name="TextBox 33">
+            <a:extLst>
+              <a:ext uri="{FF2B5EF4-FFF2-40B4-BE49-F238E27FC236}">
+                <a16:creationId xmlns:a16="http://schemas.microsoft.com/office/drawing/2014/main" id="{E02ACAAB-63A5-9DAB-C90B-7FF80A53F175}"/>
+              </a:ext>
+            </a:extLst>
+          </p:cNvPr>
+          <p:cNvSpPr txBox="1"/>
+          <p:nvPr/>
+        </p:nvSpPr>
+        <p:spPr>
+          <a:xfrm>
+            <a:off x="6852543" y="4703035"/>
+            <a:ext cx="1779393" cy="430887"/>
+          </a:xfrm>
+          <a:prstGeom prst="rect">
+            <a:avLst/>
+          </a:prstGeom>
+          <a:noFill/>
+        </p:spPr>
+        <p:txBody>
+          <a:bodyPr wrap="square">
+            <a:spAutoFit/>
+          </a:bodyPr>
+          <a:lstStyle/>
+          <a:p>
+            <a:r>
+              <a:rPr lang="en-US" sz="1100" b="1" dirty="0">
+                <a:solidFill>
+                  <a:schemeClr val="tx1">
+                    <a:lumMod val="75000"/>
+                    <a:lumOff val="25000"/>
+                  </a:schemeClr>
+                </a:solidFill>
+              </a:rPr>
+              <a:t>Program control/function call flow</a:t>
+            </a:r>
+            <a:endParaRPr lang="en-SG" sz="1100" b="1" dirty="0">
+              <a:solidFill>
+                <a:schemeClr val="tx1">
+                  <a:lumMod val="75000"/>
+                  <a:lumOff val="25000"/>
+                </a:schemeClr>
+              </a:solidFill>
+            </a:endParaRPr>
+          </a:p>
+        </p:txBody>
+      </p:sp>
+      <p:cxnSp>
+        <p:nvCxnSpPr>
+          <p:cNvPr id="35" name="Straight Arrow Connector 34">
+            <a:extLst>
+              <a:ext uri="{FF2B5EF4-FFF2-40B4-BE49-F238E27FC236}">
+                <a16:creationId xmlns:a16="http://schemas.microsoft.com/office/drawing/2014/main" id="{52D9A140-EE7E-C661-2675-D2DAA7E34A64}"/>
+              </a:ext>
+            </a:extLst>
+          </p:cNvPr>
+          <p:cNvCxnSpPr>
+            <a:cxnSpLocks/>
+          </p:cNvCxnSpPr>
+          <p:nvPr/>
+        </p:nvCxnSpPr>
+        <p:spPr>
+          <a:xfrm>
+            <a:off x="6436034" y="5384295"/>
+            <a:ext cx="371774" cy="0"/>
+          </a:xfrm>
+          <a:prstGeom prst="straightConnector1">
+            <a:avLst/>
+          </a:prstGeom>
+          <a:ln w="19050">
+            <a:solidFill>
+              <a:schemeClr val="accent6">
+                <a:lumMod val="75000"/>
+              </a:schemeClr>
+            </a:solidFill>
+            <a:headEnd type="triangle"/>
+            <a:tailEnd type="triangle"/>
+          </a:ln>
+        </p:spPr>
+        <p:style>
+          <a:lnRef idx="1">
+            <a:schemeClr val="accent1"/>
+          </a:lnRef>
+          <a:fillRef idx="0">
+            <a:schemeClr val="accent1"/>
+          </a:fillRef>
+          <a:effectRef idx="0">
+            <a:schemeClr val="accent1"/>
+          </a:effectRef>
+          <a:fontRef idx="minor">
+            <a:schemeClr val="tx1"/>
+          </a:fontRef>
+        </p:style>
+      </p:cxnSp>
+      <p:cxnSp>
+        <p:nvCxnSpPr>
+          <p:cNvPr id="40" name="Straight Arrow Connector 39">
+            <a:extLst>
+              <a:ext uri="{FF2B5EF4-FFF2-40B4-BE49-F238E27FC236}">
+                <a16:creationId xmlns:a16="http://schemas.microsoft.com/office/drawing/2014/main" id="{0F5D5E78-5996-B8CB-F51A-8F59CF856985}"/>
+              </a:ext>
+            </a:extLst>
+          </p:cNvPr>
+          <p:cNvCxnSpPr>
+            <a:cxnSpLocks/>
+          </p:cNvCxnSpPr>
+          <p:nvPr/>
+        </p:nvCxnSpPr>
+        <p:spPr>
+          <a:xfrm flipH="1">
+            <a:off x="6426091" y="5758049"/>
+            <a:ext cx="339538" cy="0"/>
+          </a:xfrm>
+          <a:prstGeom prst="straightConnector1">
+            <a:avLst/>
+          </a:prstGeom>
+          <a:ln>
+            <a:solidFill>
+              <a:schemeClr val="tx1"/>
+            </a:solidFill>
+            <a:tailEnd type="triangle"/>
+          </a:ln>
+        </p:spPr>
+        <p:style>
+          <a:lnRef idx="1">
+            <a:schemeClr val="accent1"/>
+          </a:lnRef>
+          <a:fillRef idx="0">
+            <a:schemeClr val="accent1"/>
+          </a:fillRef>
+          <a:effectRef idx="0">
+            <a:schemeClr val="accent1"/>
+          </a:effectRef>
+          <a:fontRef idx="minor">
+            <a:schemeClr val="tx1"/>
+          </a:fontRef>
+        </p:style>
+      </p:cxnSp>
+      <p:sp>
+        <p:nvSpPr>
+          <p:cNvPr id="46" name="Arrow: Left 45">
+            <a:extLst>
+              <a:ext uri="{FF2B5EF4-FFF2-40B4-BE49-F238E27FC236}">
+                <a16:creationId xmlns:a16="http://schemas.microsoft.com/office/drawing/2014/main" id="{428FCABD-5C43-3250-AA8E-CF18B3EEB222}"/>
+              </a:ext>
+            </a:extLst>
+          </p:cNvPr>
+          <p:cNvSpPr/>
+          <p:nvPr/>
+        </p:nvSpPr>
+        <p:spPr>
+          <a:xfrm>
+            <a:off x="6441466" y="5855793"/>
+            <a:ext cx="371774" cy="85375"/>
+          </a:xfrm>
+          <a:prstGeom prst="leftArrow">
+            <a:avLst/>
+          </a:prstGeom>
+        </p:spPr>
+        <p:style>
+          <a:lnRef idx="2">
+            <a:schemeClr val="accent1">
+              <a:shade val="15000"/>
+            </a:schemeClr>
+          </a:lnRef>
+          <a:fillRef idx="1">
+            <a:schemeClr val="accent1"/>
+          </a:fillRef>
+          <a:effectRef idx="0">
+            <a:schemeClr val="accent1"/>
+          </a:effectRef>
+          <a:fontRef idx="minor">
+            <a:schemeClr val="lt1"/>
+          </a:fontRef>
+        </p:style>
+        <p:txBody>
+          <a:bodyPr rtlCol="0" anchor="ctr"/>
+          <a:lstStyle/>
+          <a:p>
+            <a:pPr algn="ctr"/>
+            <a:endParaRPr lang="en-SG"/>
+          </a:p>
+        </p:txBody>
+      </p:sp>
+      <p:sp>
+        <p:nvSpPr>
+          <p:cNvPr id="50" name="TextBox 49">
+            <a:extLst>
+              <a:ext uri="{FF2B5EF4-FFF2-40B4-BE49-F238E27FC236}">
+                <a16:creationId xmlns:a16="http://schemas.microsoft.com/office/drawing/2014/main" id="{A409C2F2-B2F8-E595-C532-05201681678A}"/>
+              </a:ext>
+            </a:extLst>
+          </p:cNvPr>
+          <p:cNvSpPr txBox="1"/>
+          <p:nvPr/>
+        </p:nvSpPr>
+        <p:spPr>
+          <a:xfrm>
+            <a:off x="6865158" y="5168851"/>
+            <a:ext cx="1779393" cy="430887"/>
+          </a:xfrm>
+          <a:prstGeom prst="rect">
+            <a:avLst/>
+          </a:prstGeom>
+          <a:noFill/>
+        </p:spPr>
+        <p:txBody>
+          <a:bodyPr wrap="square">
+            <a:spAutoFit/>
+          </a:bodyPr>
+          <a:lstStyle/>
+          <a:p>
+            <a:r>
+              <a:rPr lang="en-US" sz="1100" b="1" dirty="0">
+                <a:solidFill>
+                  <a:schemeClr val="tx1">
+                    <a:lumMod val="75000"/>
+                    <a:lumOff val="25000"/>
+                  </a:schemeClr>
+                </a:solidFill>
+              </a:rPr>
+              <a:t>Network communication with Open AI</a:t>
+            </a:r>
+            <a:endParaRPr lang="en-SG" sz="1100" b="1" dirty="0">
+              <a:solidFill>
+                <a:schemeClr val="tx1">
+                  <a:lumMod val="75000"/>
+                  <a:lumOff val="25000"/>
+                </a:schemeClr>
+              </a:solidFill>
+            </a:endParaRPr>
+          </a:p>
+        </p:txBody>
+      </p:sp>
+      <p:sp>
+        <p:nvSpPr>
+          <p:cNvPr id="51" name="TextBox 50">
+            <a:extLst>
+              <a:ext uri="{FF2B5EF4-FFF2-40B4-BE49-F238E27FC236}">
+                <a16:creationId xmlns:a16="http://schemas.microsoft.com/office/drawing/2014/main" id="{4FDDFA0C-D92F-D35A-F7F2-F8299D67F8E6}"/>
+              </a:ext>
+            </a:extLst>
+          </p:cNvPr>
+          <p:cNvSpPr txBox="1"/>
+          <p:nvPr/>
+        </p:nvSpPr>
+        <p:spPr>
+          <a:xfrm>
+            <a:off x="6865157" y="5716075"/>
+            <a:ext cx="1779393" cy="261610"/>
+          </a:xfrm>
+          <a:prstGeom prst="rect">
+            <a:avLst/>
+          </a:prstGeom>
+          <a:noFill/>
+        </p:spPr>
+        <p:txBody>
+          <a:bodyPr wrap="square">
+            <a:spAutoFit/>
+          </a:bodyPr>
+          <a:lstStyle/>
+          <a:p>
+            <a:r>
+              <a:rPr lang="en-US" sz="1100" b="1" dirty="0">
+                <a:solidFill>
+                  <a:schemeClr val="tx1">
+                    <a:lumMod val="75000"/>
+                    <a:lumOff val="25000"/>
+                  </a:schemeClr>
+                </a:solidFill>
+              </a:rPr>
+              <a:t>Data flow or file I/O</a:t>
+            </a:r>
+            <a:endParaRPr lang="en-SG" sz="1100" b="1" dirty="0">
+              <a:solidFill>
+                <a:schemeClr val="tx1">
+                  <a:lumMod val="75000"/>
+                  <a:lumOff val="25000"/>
+                </a:schemeClr>
+              </a:solidFill>
+            </a:endParaRPr>
+          </a:p>
+        </p:txBody>
+      </p:sp>
+      <p:pic>
+        <p:nvPicPr>
+          <p:cNvPr id="1026" name="Picture 2" descr="Json file - Free ui icons">
+            <a:extLst>
+              <a:ext uri="{FF2B5EF4-FFF2-40B4-BE49-F238E27FC236}">
+                <a16:creationId xmlns:a16="http://schemas.microsoft.com/office/drawing/2014/main" id="{16548107-C65D-7F47-4074-637C620A8AF7}"/>
+              </a:ext>
+            </a:extLst>
+          </p:cNvPr>
+          <p:cNvPicPr>
+            <a:picLocks noChangeAspect="1" noChangeArrowheads="1"/>
+          </p:cNvPicPr>
+          <p:nvPr/>
+        </p:nvPicPr>
+        <p:blipFill>
+          <a:blip r:embed="rId11">
+            <a:extLst>
+              <a:ext uri="{28A0092B-C50C-407E-A947-70E740481C1C}">
+                <a14:useLocalDpi xmlns:a14="http://schemas.microsoft.com/office/drawing/2010/main" val="0"/>
+              </a:ext>
+            </a:extLst>
+          </a:blip>
+          <a:srcRect/>
+          <a:stretch>
+            <a:fillRect/>
+          </a:stretch>
+        </p:blipFill>
+        <p:spPr bwMode="auto">
+          <a:xfrm>
+            <a:off x="7220426" y="2378782"/>
+            <a:ext cx="597516" cy="597516"/>
+          </a:xfrm>
+          <a:prstGeom prst="rect">
+            <a:avLst/>
+          </a:prstGeom>
+          <a:noFill/>
+          <a:extLst>
+            <a:ext uri="{909E8E84-426E-40DD-AFC4-6F175D3DCCD1}">
+              <a14:hiddenFill xmlns:a14="http://schemas.microsoft.com/office/drawing/2010/main">
+                <a:solidFill>
+                  <a:srgbClr val="FFFFFF"/>
+                </a:solidFill>
+              </a14:hiddenFill>
+            </a:ext>
+          </a:extLst>
+        </p:spPr>
+      </p:pic>
+      <p:sp>
+        <p:nvSpPr>
+          <p:cNvPr id="10" name="TextBox 9">
+            <a:extLst>
+              <a:ext uri="{FF2B5EF4-FFF2-40B4-BE49-F238E27FC236}">
+                <a16:creationId xmlns:a16="http://schemas.microsoft.com/office/drawing/2014/main" id="{86A6BDE8-5473-B638-3C53-540B1A435430}"/>
+              </a:ext>
+            </a:extLst>
+          </p:cNvPr>
+          <p:cNvSpPr txBox="1"/>
+          <p:nvPr/>
+        </p:nvSpPr>
+        <p:spPr>
+          <a:xfrm>
+            <a:off x="7195104" y="2198331"/>
+            <a:ext cx="1027171" cy="261610"/>
+          </a:xfrm>
+          <a:prstGeom prst="rect">
+            <a:avLst/>
+          </a:prstGeom>
+          <a:noFill/>
+        </p:spPr>
+        <p:txBody>
+          <a:bodyPr wrap="square">
+            <a:spAutoFit/>
+          </a:bodyPr>
+          <a:lstStyle/>
+          <a:p>
+            <a:r>
+              <a:rPr lang="en-US" sz="1100" b="1" dirty="0">
+                <a:solidFill>
+                  <a:schemeClr val="tx1">
+                    <a:lumMod val="75000"/>
+                    <a:lumOff val="25000"/>
+                  </a:schemeClr>
+                </a:solidFill>
+              </a:rPr>
+              <a:t>Json format  </a:t>
+            </a:r>
+          </a:p>
+        </p:txBody>
+      </p:sp>
+      <p:sp>
+        <p:nvSpPr>
+          <p:cNvPr id="12" name="TextBox 11">
+            <a:extLst>
+              <a:ext uri="{FF2B5EF4-FFF2-40B4-BE49-F238E27FC236}">
+                <a16:creationId xmlns:a16="http://schemas.microsoft.com/office/drawing/2014/main" id="{982D6406-DCFB-B1A7-5C8C-A4F0C032512C}"/>
+              </a:ext>
+            </a:extLst>
+          </p:cNvPr>
+          <p:cNvSpPr txBox="1"/>
+          <p:nvPr/>
+        </p:nvSpPr>
+        <p:spPr>
+          <a:xfrm>
+            <a:off x="6580153" y="2194379"/>
+            <a:ext cx="707037" cy="400110"/>
+          </a:xfrm>
+          <a:prstGeom prst="rect">
+            <a:avLst/>
+          </a:prstGeom>
+          <a:noFill/>
+        </p:spPr>
+        <p:txBody>
+          <a:bodyPr wrap="square" rtlCol="0">
+            <a:spAutoFit/>
+          </a:bodyPr>
+          <a:lstStyle/>
+          <a:p>
+            <a:r>
+              <a:rPr lang="en-SG" sz="1000" dirty="0"/>
+              <a:t>( Without login)</a:t>
+            </a:r>
+          </a:p>
+        </p:txBody>
+      </p:sp>
+      <p:pic>
+        <p:nvPicPr>
+          <p:cNvPr id="18" name="Picture 17">
+            <a:extLst>
+              <a:ext uri="{FF2B5EF4-FFF2-40B4-BE49-F238E27FC236}">
+                <a16:creationId xmlns:a16="http://schemas.microsoft.com/office/drawing/2014/main" id="{05BE940F-1256-AA2C-415C-29A1A435C351}"/>
+              </a:ext>
+            </a:extLst>
+          </p:cNvPr>
+          <p:cNvPicPr>
+            <a:picLocks noChangeAspect="1"/>
+          </p:cNvPicPr>
+          <p:nvPr/>
+        </p:nvPicPr>
+        <p:blipFill>
+          <a:blip r:embed="rId12"/>
+          <a:stretch>
+            <a:fillRect/>
+          </a:stretch>
+        </p:blipFill>
+        <p:spPr>
+          <a:xfrm>
+            <a:off x="7708690" y="3193032"/>
+            <a:ext cx="469334" cy="366667"/>
+          </a:xfrm>
+          <a:prstGeom prst="rect">
+            <a:avLst/>
+          </a:prstGeom>
+        </p:spPr>
+      </p:pic>
+      <p:sp>
+        <p:nvSpPr>
+          <p:cNvPr id="22" name="TextBox 21">
+            <a:extLst>
+              <a:ext uri="{FF2B5EF4-FFF2-40B4-BE49-F238E27FC236}">
+                <a16:creationId xmlns:a16="http://schemas.microsoft.com/office/drawing/2014/main" id="{FEFB917D-38B5-0A05-1DFA-795700893175}"/>
+              </a:ext>
+            </a:extLst>
+          </p:cNvPr>
+          <p:cNvSpPr txBox="1"/>
+          <p:nvPr/>
+        </p:nvSpPr>
+        <p:spPr>
+          <a:xfrm>
+            <a:off x="7619784" y="2980760"/>
+            <a:ext cx="1027171" cy="261610"/>
+          </a:xfrm>
+          <a:prstGeom prst="rect">
+            <a:avLst/>
+          </a:prstGeom>
+          <a:noFill/>
+        </p:spPr>
+        <p:txBody>
+          <a:bodyPr wrap="square">
+            <a:spAutoFit/>
+          </a:bodyPr>
+          <a:lstStyle/>
+          <a:p>
+            <a:r>
+              <a:rPr lang="en-US" sz="1100" b="1" dirty="0">
+                <a:solidFill>
+                  <a:schemeClr val="tx1">
+                    <a:lumMod val="75000"/>
+                    <a:lumOff val="25000"/>
+                  </a:schemeClr>
+                </a:solidFill>
+              </a:rPr>
+              <a:t>Image format  </a:t>
+            </a:r>
+          </a:p>
+        </p:txBody>
+      </p:sp>
+      <p:pic>
+        <p:nvPicPr>
+          <p:cNvPr id="39" name="Picture 38">
+            <a:extLst>
+              <a:ext uri="{FF2B5EF4-FFF2-40B4-BE49-F238E27FC236}">
+                <a16:creationId xmlns:a16="http://schemas.microsoft.com/office/drawing/2014/main" id="{83D5C2CA-072D-40E0-2FF7-ADD280251058}"/>
+              </a:ext>
+            </a:extLst>
+          </p:cNvPr>
+          <p:cNvPicPr>
+            <a:picLocks noChangeAspect="1"/>
+          </p:cNvPicPr>
+          <p:nvPr/>
+        </p:nvPicPr>
+        <p:blipFill>
+          <a:blip r:embed="rId13"/>
+          <a:stretch>
+            <a:fillRect/>
+          </a:stretch>
+        </p:blipFill>
+        <p:spPr>
+          <a:xfrm>
+            <a:off x="7488178" y="3849498"/>
+            <a:ext cx="910358" cy="535504"/>
+          </a:xfrm>
+          <a:prstGeom prst="rect">
+            <a:avLst/>
+          </a:prstGeom>
+          <a:ln w="12700">
+            <a:solidFill>
+              <a:schemeClr val="tx1"/>
+            </a:solidFill>
+          </a:ln>
+        </p:spPr>
+      </p:pic>
+      <p:cxnSp>
+        <p:nvCxnSpPr>
+          <p:cNvPr id="47" name="Straight Arrow Connector 46">
+            <a:extLst>
+              <a:ext uri="{FF2B5EF4-FFF2-40B4-BE49-F238E27FC236}">
+                <a16:creationId xmlns:a16="http://schemas.microsoft.com/office/drawing/2014/main" id="{E7AF327B-7D13-26AF-4B67-A4BAFFB213AD}"/>
+              </a:ext>
+            </a:extLst>
+          </p:cNvPr>
+          <p:cNvCxnSpPr>
+            <a:cxnSpLocks/>
+            <a:stCxn id="18" idx="2"/>
+            <a:endCxn id="39" idx="0"/>
+          </p:cNvCxnSpPr>
+          <p:nvPr/>
+        </p:nvCxnSpPr>
+        <p:spPr>
+          <a:xfrm>
+            <a:off x="7943357" y="3559699"/>
+            <a:ext cx="0" cy="289799"/>
+          </a:xfrm>
+          <a:prstGeom prst="straightConnector1">
+            <a:avLst/>
+          </a:prstGeom>
+          <a:ln>
+            <a:tailEnd type="triangle"/>
+          </a:ln>
+        </p:spPr>
+        <p:style>
+          <a:lnRef idx="1">
+            <a:schemeClr val="accent1"/>
+          </a:lnRef>
+          <a:fillRef idx="0">
+            <a:schemeClr val="accent1"/>
+          </a:fillRef>
+          <a:effectRef idx="0">
+            <a:schemeClr val="accent1"/>
+          </a:effectRef>
+          <a:fontRef idx="minor">
+            <a:schemeClr val="tx1"/>
+          </a:fontRef>
+        </p:style>
+      </p:cxnSp>
+      <p:cxnSp>
+        <p:nvCxnSpPr>
+          <p:cNvPr id="55" name="Connector: Elbow 54">
+            <a:extLst>
+              <a:ext uri="{FF2B5EF4-FFF2-40B4-BE49-F238E27FC236}">
+                <a16:creationId xmlns:a16="http://schemas.microsoft.com/office/drawing/2014/main" id="{918194BF-3402-2543-D226-798227C072F7}"/>
+              </a:ext>
+            </a:extLst>
+          </p:cNvPr>
+          <p:cNvCxnSpPr>
+            <a:cxnSpLocks/>
+          </p:cNvCxnSpPr>
+          <p:nvPr/>
+        </p:nvCxnSpPr>
+        <p:spPr>
+          <a:xfrm rot="10800000">
+            <a:off x="4232644" y="2884968"/>
+            <a:ext cx="3212809" cy="976271"/>
+          </a:xfrm>
+          <a:prstGeom prst="bentConnector3">
+            <a:avLst>
+              <a:gd name="adj1" fmla="val 73718"/>
+            </a:avLst>
+          </a:prstGeom>
+          <a:ln w="19050">
+            <a:tailEnd type="triangle"/>
+          </a:ln>
+        </p:spPr>
+        <p:style>
+          <a:lnRef idx="1">
+            <a:schemeClr val="accent1"/>
+          </a:lnRef>
+          <a:fillRef idx="0">
+            <a:schemeClr val="accent1"/>
+          </a:fillRef>
+          <a:effectRef idx="0">
+            <a:schemeClr val="accent1"/>
+          </a:effectRef>
+          <a:fontRef idx="minor">
+            <a:schemeClr val="tx1"/>
+          </a:fontRef>
+        </p:style>
+      </p:cxnSp>
+    </p:spTree>
+    <p:extLst>
+      <p:ext uri="{BB962C8B-B14F-4D97-AF65-F5344CB8AC3E}">
+        <p14:creationId xmlns:p14="http://schemas.microsoft.com/office/powerpoint/2010/main" val="1297501173"/>
+      </p:ext>
+    </p:extLst>
+  </p:cSld>
+  <p:clrMapOvr>
+    <a:masterClrMapping/>
+  </p:clrMapOvr>
+</p:sld>
+</file>
+
+<file path=ppt/slides/slide4.xml><?xml version="1.0" encoding="utf-8"?>
+<p:sld xmlns:a="http://schemas.openxmlformats.org/drawingml/2006/main" xmlns:r="http://schemas.openxmlformats.org/officeDocument/2006/relationships" xmlns:p="http://schemas.openxmlformats.org/presentationml/2006/main">
+  <p:cSld>
+    <p:spTree>
+      <p:nvGrpSpPr>
+        <p:cNvPr id="1" name=""/>
+        <p:cNvGrpSpPr/>
+        <p:nvPr/>
+      </p:nvGrpSpPr>
+      <p:grpSpPr>
+        <a:xfrm>
+          <a:off x="0" y="0"/>
+          <a:ext cx="0" cy="0"/>
+          <a:chOff x="0" y="0"/>
+          <a:chExt cx="0" cy="0"/>
+        </a:xfrm>
+      </p:grpSpPr>
+      <p:sp>
+        <p:nvSpPr>
           <p:cNvPr id="63" name="Rectangle 62">
             <a:extLst>
               <a:ext uri="{FF2B5EF4-FFF2-40B4-BE49-F238E27FC236}">
@@ -8667,7 +10287,7 @@
 </p:sld>
 </file>
 
-<file path=ppt/slides/slide4.xml><?xml version="1.0" encoding="utf-8"?>
+<file path=ppt/slides/slide5.xml><?xml version="1.0" encoding="utf-8"?>
 <p:sld xmlns:a="http://schemas.openxmlformats.org/drawingml/2006/main" xmlns:r="http://schemas.openxmlformats.org/officeDocument/2006/relationships" xmlns:p="http://schemas.openxmlformats.org/presentationml/2006/main">
   <p:cSld>
     <p:spTree>

--- a/doc/designDoc.pptx
+++ b/doc/designDoc.pptx
@@ -265,7 +265,7 @@
           <a:p>
             <a:fld id="{CDC0ED0E-9E26-476D-92D2-B594C12CD538}" type="datetimeFigureOut">
               <a:rPr lang="en-SG" smtClean="0"/>
-              <a:t>25/4/2024</a:t>
+              <a:t>27/4/2024</a:t>
             </a:fld>
             <a:endParaRPr lang="en-SG"/>
           </a:p>
@@ -465,7 +465,7 @@
           <a:p>
             <a:fld id="{CDC0ED0E-9E26-476D-92D2-B594C12CD538}" type="datetimeFigureOut">
               <a:rPr lang="en-SG" smtClean="0"/>
-              <a:t>25/4/2024</a:t>
+              <a:t>27/4/2024</a:t>
             </a:fld>
             <a:endParaRPr lang="en-SG"/>
           </a:p>
@@ -675,7 +675,7 @@
           <a:p>
             <a:fld id="{CDC0ED0E-9E26-476D-92D2-B594C12CD538}" type="datetimeFigureOut">
               <a:rPr lang="en-SG" smtClean="0"/>
-              <a:t>25/4/2024</a:t>
+              <a:t>27/4/2024</a:t>
             </a:fld>
             <a:endParaRPr lang="en-SG"/>
           </a:p>
@@ -875,7 +875,7 @@
           <a:p>
             <a:fld id="{CDC0ED0E-9E26-476D-92D2-B594C12CD538}" type="datetimeFigureOut">
               <a:rPr lang="en-SG" smtClean="0"/>
-              <a:t>25/4/2024</a:t>
+              <a:t>27/4/2024</a:t>
             </a:fld>
             <a:endParaRPr lang="en-SG"/>
           </a:p>
@@ -1151,7 +1151,7 @@
           <a:p>
             <a:fld id="{CDC0ED0E-9E26-476D-92D2-B594C12CD538}" type="datetimeFigureOut">
               <a:rPr lang="en-SG" smtClean="0"/>
-              <a:t>25/4/2024</a:t>
+              <a:t>27/4/2024</a:t>
             </a:fld>
             <a:endParaRPr lang="en-SG"/>
           </a:p>
@@ -1419,7 +1419,7 @@
           <a:p>
             <a:fld id="{CDC0ED0E-9E26-476D-92D2-B594C12CD538}" type="datetimeFigureOut">
               <a:rPr lang="en-SG" smtClean="0"/>
-              <a:t>25/4/2024</a:t>
+              <a:t>27/4/2024</a:t>
             </a:fld>
             <a:endParaRPr lang="en-SG"/>
           </a:p>
@@ -1834,7 +1834,7 @@
           <a:p>
             <a:fld id="{CDC0ED0E-9E26-476D-92D2-B594C12CD538}" type="datetimeFigureOut">
               <a:rPr lang="en-SG" smtClean="0"/>
-              <a:t>25/4/2024</a:t>
+              <a:t>27/4/2024</a:t>
             </a:fld>
             <a:endParaRPr lang="en-SG"/>
           </a:p>
@@ -1976,7 +1976,7 @@
           <a:p>
             <a:fld id="{CDC0ED0E-9E26-476D-92D2-B594C12CD538}" type="datetimeFigureOut">
               <a:rPr lang="en-SG" smtClean="0"/>
-              <a:t>25/4/2024</a:t>
+              <a:t>27/4/2024</a:t>
             </a:fld>
             <a:endParaRPr lang="en-SG"/>
           </a:p>
@@ -2089,7 +2089,7 @@
           <a:p>
             <a:fld id="{CDC0ED0E-9E26-476D-92D2-B594C12CD538}" type="datetimeFigureOut">
               <a:rPr lang="en-SG" smtClean="0"/>
-              <a:t>25/4/2024</a:t>
+              <a:t>27/4/2024</a:t>
             </a:fld>
             <a:endParaRPr lang="en-SG"/>
           </a:p>
@@ -2402,7 +2402,7 @@
           <a:p>
             <a:fld id="{CDC0ED0E-9E26-476D-92D2-B594C12CD538}" type="datetimeFigureOut">
               <a:rPr lang="en-SG" smtClean="0"/>
-              <a:t>25/4/2024</a:t>
+              <a:t>27/4/2024</a:t>
             </a:fld>
             <a:endParaRPr lang="en-SG"/>
           </a:p>
@@ -2691,7 +2691,7 @@
           <a:p>
             <a:fld id="{CDC0ED0E-9E26-476D-92D2-B594C12CD538}" type="datetimeFigureOut">
               <a:rPr lang="en-SG" smtClean="0"/>
-              <a:t>25/4/2024</a:t>
+              <a:t>27/4/2024</a:t>
             </a:fld>
             <a:endParaRPr lang="en-SG"/>
           </a:p>
@@ -2934,7 +2934,7 @@
           <a:p>
             <a:fld id="{CDC0ED0E-9E26-476D-92D2-B594C12CD538}" type="datetimeFigureOut">
               <a:rPr lang="en-SG" smtClean="0"/>
-              <a:t>25/4/2024</a:t>
+              <a:t>27/4/2024</a:t>
             </a:fld>
             <a:endParaRPr lang="en-SG"/>
           </a:p>
@@ -5446,10 +5446,3401 @@
           <a:chExt cx="0" cy="0"/>
         </a:xfrm>
       </p:grpSpPr>
+      <p:sp>
+        <p:nvSpPr>
+          <p:cNvPr id="4" name="Rectangle 3">
+            <a:extLst>
+              <a:ext uri="{FF2B5EF4-FFF2-40B4-BE49-F238E27FC236}">
+                <a16:creationId xmlns:a16="http://schemas.microsoft.com/office/drawing/2014/main" id="{FAFF11FF-5AA3-27EF-54EB-61813BE0A74C}"/>
+              </a:ext>
+            </a:extLst>
+          </p:cNvPr>
+          <p:cNvSpPr/>
+          <p:nvPr/>
+        </p:nvSpPr>
+        <p:spPr>
+          <a:xfrm>
+            <a:off x="4747692" y="938999"/>
+            <a:ext cx="1411068" cy="271996"/>
+          </a:xfrm>
+          <a:prstGeom prst="rect">
+            <a:avLst/>
+          </a:prstGeom>
+        </p:spPr>
+        <p:style>
+          <a:lnRef idx="2">
+            <a:schemeClr val="accent1">
+              <a:shade val="50000"/>
+            </a:schemeClr>
+          </a:lnRef>
+          <a:fillRef idx="1">
+            <a:schemeClr val="accent1"/>
+          </a:fillRef>
+          <a:effectRef idx="0">
+            <a:schemeClr val="accent1"/>
+          </a:effectRef>
+          <a:fontRef idx="minor">
+            <a:schemeClr val="lt1"/>
+          </a:fontRef>
+        </p:style>
+        <p:txBody>
+          <a:bodyPr rtlCol="0" anchor="ctr"/>
+          <a:lstStyle/>
+          <a:p>
+            <a:r>
+              <a:rPr lang="en-US" sz="1200" b="1" dirty="0"/>
+              <a:t>MCQ-GPT Bot start </a:t>
+            </a:r>
+            <a:endParaRPr lang="en-SG" sz="1200" b="1" dirty="0"/>
+          </a:p>
+        </p:txBody>
+      </p:sp>
+      <p:cxnSp>
+        <p:nvCxnSpPr>
+          <p:cNvPr id="5" name="Straight Arrow Connector 4">
+            <a:extLst>
+              <a:ext uri="{FF2B5EF4-FFF2-40B4-BE49-F238E27FC236}">
+                <a16:creationId xmlns:a16="http://schemas.microsoft.com/office/drawing/2014/main" id="{A79484A5-B1CC-D6D4-941E-E2C54FD2B1B2}"/>
+              </a:ext>
+            </a:extLst>
+          </p:cNvPr>
+          <p:cNvCxnSpPr>
+            <a:cxnSpLocks/>
+          </p:cNvCxnSpPr>
+          <p:nvPr/>
+        </p:nvCxnSpPr>
+        <p:spPr>
+          <a:xfrm>
+            <a:off x="5035028" y="1238264"/>
+            <a:ext cx="0" cy="303620"/>
+          </a:xfrm>
+          <a:prstGeom prst="straightConnector1">
+            <a:avLst/>
+          </a:prstGeom>
+          <a:ln w="19050">
+            <a:prstDash val="sysDash"/>
+            <a:tailEnd type="triangle"/>
+          </a:ln>
+        </p:spPr>
+        <p:style>
+          <a:lnRef idx="1">
+            <a:schemeClr val="accent1"/>
+          </a:lnRef>
+          <a:fillRef idx="0">
+            <a:schemeClr val="accent1"/>
+          </a:fillRef>
+          <a:effectRef idx="0">
+            <a:schemeClr val="accent1"/>
+          </a:effectRef>
+          <a:fontRef idx="minor">
+            <a:schemeClr val="tx1"/>
+          </a:fontRef>
+        </p:style>
+      </p:cxnSp>
+      <p:sp>
+        <p:nvSpPr>
+          <p:cNvPr id="6" name="Rectangle 5">
+            <a:extLst>
+              <a:ext uri="{FF2B5EF4-FFF2-40B4-BE49-F238E27FC236}">
+                <a16:creationId xmlns:a16="http://schemas.microsoft.com/office/drawing/2014/main" id="{C5344DDC-0597-01CF-DE60-3AE5C24E2211}"/>
+              </a:ext>
+            </a:extLst>
+          </p:cNvPr>
+          <p:cNvSpPr/>
+          <p:nvPr/>
+        </p:nvSpPr>
+        <p:spPr>
+          <a:xfrm>
+            <a:off x="5674987" y="1531050"/>
+            <a:ext cx="1288112" cy="250671"/>
+          </a:xfrm>
+          <a:prstGeom prst="rect">
+            <a:avLst/>
+          </a:prstGeom>
+        </p:spPr>
+        <p:style>
+          <a:lnRef idx="2">
+            <a:schemeClr val="accent1">
+              <a:shade val="50000"/>
+            </a:schemeClr>
+          </a:lnRef>
+          <a:fillRef idx="1">
+            <a:schemeClr val="accent1"/>
+          </a:fillRef>
+          <a:effectRef idx="0">
+            <a:schemeClr val="accent1"/>
+          </a:effectRef>
+          <a:fontRef idx="minor">
+            <a:schemeClr val="lt1"/>
+          </a:fontRef>
+        </p:style>
+        <p:txBody>
+          <a:bodyPr rtlCol="0" anchor="ctr"/>
+          <a:lstStyle/>
+          <a:p>
+            <a:r>
+              <a:rPr lang="en-US" sz="1200" b="1" dirty="0"/>
+              <a:t>Config file loader</a:t>
+            </a:r>
+            <a:endParaRPr lang="en-SG" sz="1200" b="1" dirty="0"/>
+          </a:p>
+        </p:txBody>
+      </p:sp>
+      <p:pic>
+        <p:nvPicPr>
+          <p:cNvPr id="7" name="Picture 6">
+            <a:extLst>
+              <a:ext uri="{FF2B5EF4-FFF2-40B4-BE49-F238E27FC236}">
+                <a16:creationId xmlns:a16="http://schemas.microsoft.com/office/drawing/2014/main" id="{10A7A53C-01F8-D528-A0CE-E46981718051}"/>
+              </a:ext>
+            </a:extLst>
+          </p:cNvPr>
+          <p:cNvPicPr>
+            <a:picLocks noChangeAspect="1"/>
+          </p:cNvPicPr>
+          <p:nvPr/>
+        </p:nvPicPr>
+        <p:blipFill>
+          <a:blip r:embed="rId2"/>
+          <a:stretch>
+            <a:fillRect/>
+          </a:stretch>
+        </p:blipFill>
+        <p:spPr>
+          <a:xfrm>
+            <a:off x="6536433" y="953327"/>
+            <a:ext cx="324555" cy="372004"/>
+          </a:xfrm>
+          <a:prstGeom prst="rect">
+            <a:avLst/>
+          </a:prstGeom>
+        </p:spPr>
+      </p:pic>
+      <p:sp>
+        <p:nvSpPr>
+          <p:cNvPr id="9" name="TextBox 8">
+            <a:extLst>
+              <a:ext uri="{FF2B5EF4-FFF2-40B4-BE49-F238E27FC236}">
+                <a16:creationId xmlns:a16="http://schemas.microsoft.com/office/drawing/2014/main" id="{661F3FAD-F639-FF83-6881-6D5362C1DB52}"/>
+              </a:ext>
+            </a:extLst>
+          </p:cNvPr>
+          <p:cNvSpPr txBox="1"/>
+          <p:nvPr/>
+        </p:nvSpPr>
+        <p:spPr>
+          <a:xfrm>
+            <a:off x="5942730" y="684899"/>
+            <a:ext cx="1629607" cy="246221"/>
+          </a:xfrm>
+          <a:prstGeom prst="rect">
+            <a:avLst/>
+          </a:prstGeom>
+          <a:noFill/>
+        </p:spPr>
+        <p:txBody>
+          <a:bodyPr wrap="square" rtlCol="0">
+            <a:spAutoFit/>
+          </a:bodyPr>
+          <a:lstStyle/>
+          <a:p>
+            <a:r>
+              <a:rPr lang="en-US" sz="1000" dirty="0"/>
+              <a:t>Program system config file</a:t>
+            </a:r>
+            <a:endParaRPr lang="en-SG" sz="1000" dirty="0"/>
+          </a:p>
+        </p:txBody>
+      </p:sp>
+      <p:cxnSp>
+        <p:nvCxnSpPr>
+          <p:cNvPr id="2" name="Straight Arrow Connector 1">
+            <a:extLst>
+              <a:ext uri="{FF2B5EF4-FFF2-40B4-BE49-F238E27FC236}">
+                <a16:creationId xmlns:a16="http://schemas.microsoft.com/office/drawing/2014/main" id="{16546F25-A019-B50C-EA4B-8216CAF69CF3}"/>
+              </a:ext>
+            </a:extLst>
+          </p:cNvPr>
+          <p:cNvCxnSpPr>
+            <a:cxnSpLocks/>
+          </p:cNvCxnSpPr>
+          <p:nvPr/>
+        </p:nvCxnSpPr>
+        <p:spPr>
+          <a:xfrm flipH="1">
+            <a:off x="5413730" y="1650201"/>
+            <a:ext cx="261257" cy="0"/>
+          </a:xfrm>
+          <a:prstGeom prst="straightConnector1">
+            <a:avLst/>
+          </a:prstGeom>
+          <a:ln w="19050">
+            <a:prstDash val="sysDash"/>
+            <a:tailEnd type="triangle"/>
+          </a:ln>
+        </p:spPr>
+        <p:style>
+          <a:lnRef idx="1">
+            <a:schemeClr val="accent1"/>
+          </a:lnRef>
+          <a:fillRef idx="0">
+            <a:schemeClr val="accent1"/>
+          </a:fillRef>
+          <a:effectRef idx="0">
+            <a:schemeClr val="accent1"/>
+          </a:effectRef>
+          <a:fontRef idx="minor">
+            <a:schemeClr val="tx1"/>
+          </a:fontRef>
+        </p:style>
+      </p:cxnSp>
+      <p:sp>
+        <p:nvSpPr>
+          <p:cNvPr id="3" name="Rectangle 2">
+            <a:extLst>
+              <a:ext uri="{FF2B5EF4-FFF2-40B4-BE49-F238E27FC236}">
+                <a16:creationId xmlns:a16="http://schemas.microsoft.com/office/drawing/2014/main" id="{95FB41B5-50B9-2F32-1752-AEB0D103E81B}"/>
+              </a:ext>
+            </a:extLst>
+          </p:cNvPr>
+          <p:cNvSpPr/>
+          <p:nvPr/>
+        </p:nvSpPr>
+        <p:spPr>
+          <a:xfrm>
+            <a:off x="4776958" y="2142878"/>
+            <a:ext cx="1411070" cy="296206"/>
+          </a:xfrm>
+          <a:prstGeom prst="rect">
+            <a:avLst/>
+          </a:prstGeom>
+        </p:spPr>
+        <p:style>
+          <a:lnRef idx="2">
+            <a:schemeClr val="accent1">
+              <a:shade val="50000"/>
+            </a:schemeClr>
+          </a:lnRef>
+          <a:fillRef idx="1">
+            <a:schemeClr val="accent1"/>
+          </a:fillRef>
+          <a:effectRef idx="0">
+            <a:schemeClr val="accent1"/>
+          </a:effectRef>
+          <a:fontRef idx="minor">
+            <a:schemeClr val="lt1"/>
+          </a:fontRef>
+        </p:style>
+        <p:txBody>
+          <a:bodyPr rtlCol="0" anchor="ctr"/>
+          <a:lstStyle/>
+          <a:p>
+            <a:r>
+              <a:rPr lang="en-US" sz="1200" b="1" dirty="0"/>
+              <a:t>MCQ source parser </a:t>
+            </a:r>
+            <a:endParaRPr lang="en-SG" sz="1200" b="1" dirty="0"/>
+          </a:p>
+        </p:txBody>
+      </p:sp>
+      <p:cxnSp>
+        <p:nvCxnSpPr>
+          <p:cNvPr id="32" name="Straight Arrow Connector 31">
+            <a:extLst>
+              <a:ext uri="{FF2B5EF4-FFF2-40B4-BE49-F238E27FC236}">
+                <a16:creationId xmlns:a16="http://schemas.microsoft.com/office/drawing/2014/main" id="{EA0BC1FA-38C7-9F58-78FA-02C6C1B5EF1B}"/>
+              </a:ext>
+            </a:extLst>
+          </p:cNvPr>
+          <p:cNvCxnSpPr>
+            <a:cxnSpLocks/>
+          </p:cNvCxnSpPr>
+          <p:nvPr/>
+        </p:nvCxnSpPr>
+        <p:spPr>
+          <a:xfrm>
+            <a:off x="4631133" y="1799175"/>
+            <a:ext cx="0" cy="1600355"/>
+          </a:xfrm>
+          <a:prstGeom prst="straightConnector1">
+            <a:avLst/>
+          </a:prstGeom>
+          <a:ln w="19050">
+            <a:prstDash val="sysDash"/>
+            <a:tailEnd type="triangle"/>
+          </a:ln>
+        </p:spPr>
+        <p:style>
+          <a:lnRef idx="1">
+            <a:schemeClr val="accent1"/>
+          </a:lnRef>
+          <a:fillRef idx="0">
+            <a:schemeClr val="accent1"/>
+          </a:fillRef>
+          <a:effectRef idx="0">
+            <a:schemeClr val="accent1"/>
+          </a:effectRef>
+          <a:fontRef idx="minor">
+            <a:schemeClr val="tx1"/>
+          </a:fontRef>
+        </p:style>
+      </p:cxnSp>
+      <p:sp>
+        <p:nvSpPr>
+          <p:cNvPr id="36" name="Arrow: Left 35">
+            <a:extLst>
+              <a:ext uri="{FF2B5EF4-FFF2-40B4-BE49-F238E27FC236}">
+                <a16:creationId xmlns:a16="http://schemas.microsoft.com/office/drawing/2014/main" id="{81F71DEA-23CC-3DD7-4D6E-5A6922E5E9EE}"/>
+              </a:ext>
+            </a:extLst>
+          </p:cNvPr>
+          <p:cNvSpPr/>
+          <p:nvPr/>
+        </p:nvSpPr>
+        <p:spPr>
+          <a:xfrm>
+            <a:off x="6188028" y="2207802"/>
+            <a:ext cx="1364376" cy="139337"/>
+          </a:xfrm>
+          <a:prstGeom prst="leftArrow">
+            <a:avLst/>
+          </a:prstGeom>
+        </p:spPr>
+        <p:style>
+          <a:lnRef idx="2">
+            <a:schemeClr val="accent1">
+              <a:shade val="15000"/>
+            </a:schemeClr>
+          </a:lnRef>
+          <a:fillRef idx="1">
+            <a:schemeClr val="accent1"/>
+          </a:fillRef>
+          <a:effectRef idx="0">
+            <a:schemeClr val="accent1"/>
+          </a:effectRef>
+          <a:fontRef idx="minor">
+            <a:schemeClr val="lt1"/>
+          </a:fontRef>
+        </p:style>
+        <p:txBody>
+          <a:bodyPr rtlCol="0" anchor="ctr"/>
+          <a:lstStyle/>
+          <a:p>
+            <a:pPr algn="ctr"/>
+            <a:endParaRPr lang="en-SG"/>
+          </a:p>
+        </p:txBody>
+      </p:sp>
+      <p:pic>
+        <p:nvPicPr>
+          <p:cNvPr id="41" name="Picture 40">
+            <a:extLst>
+              <a:ext uri="{FF2B5EF4-FFF2-40B4-BE49-F238E27FC236}">
+                <a16:creationId xmlns:a16="http://schemas.microsoft.com/office/drawing/2014/main" id="{1870F8A1-4D54-AAF0-2435-64BB8B2AF08E}"/>
+              </a:ext>
+            </a:extLst>
+          </p:cNvPr>
+          <p:cNvPicPr>
+            <a:picLocks noChangeAspect="1"/>
+          </p:cNvPicPr>
+          <p:nvPr/>
+        </p:nvPicPr>
+        <p:blipFill>
+          <a:blip r:embed="rId3"/>
+          <a:stretch>
+            <a:fillRect/>
+          </a:stretch>
+        </p:blipFill>
+        <p:spPr>
+          <a:xfrm>
+            <a:off x="3386237" y="1414795"/>
+            <a:ext cx="483274" cy="494013"/>
+          </a:xfrm>
+          <a:prstGeom prst="rect">
+            <a:avLst/>
+          </a:prstGeom>
+        </p:spPr>
+      </p:pic>
+      <p:sp>
+        <p:nvSpPr>
+          <p:cNvPr id="42" name="TextBox 41">
+            <a:extLst>
+              <a:ext uri="{FF2B5EF4-FFF2-40B4-BE49-F238E27FC236}">
+                <a16:creationId xmlns:a16="http://schemas.microsoft.com/office/drawing/2014/main" id="{0118B95D-C9E9-A96B-696A-D6EE1A19FEB7}"/>
+              </a:ext>
+            </a:extLst>
+          </p:cNvPr>
+          <p:cNvSpPr txBox="1"/>
+          <p:nvPr/>
+        </p:nvSpPr>
+        <p:spPr>
+          <a:xfrm>
+            <a:off x="3297384" y="1184361"/>
+            <a:ext cx="910357" cy="268469"/>
+          </a:xfrm>
+          <a:prstGeom prst="rect">
+            <a:avLst/>
+          </a:prstGeom>
+          <a:noFill/>
+        </p:spPr>
+        <p:txBody>
+          <a:bodyPr wrap="square">
+            <a:spAutoFit/>
+          </a:bodyPr>
+          <a:lstStyle/>
+          <a:p>
+            <a:r>
+              <a:rPr lang="en-US" sz="1100" b="1" dirty="0">
+                <a:solidFill>
+                  <a:schemeClr val="tx1">
+                    <a:lumMod val="75000"/>
+                    <a:lumOff val="25000"/>
+                  </a:schemeClr>
+                </a:solidFill>
+              </a:rPr>
+              <a:t>OpenAI</a:t>
+            </a:r>
+            <a:endParaRPr lang="en-SG" sz="1100" b="1" dirty="0">
+              <a:solidFill>
+                <a:schemeClr val="tx1">
+                  <a:lumMod val="75000"/>
+                  <a:lumOff val="25000"/>
+                </a:schemeClr>
+              </a:solidFill>
+            </a:endParaRPr>
+          </a:p>
+        </p:txBody>
+      </p:sp>
+      <p:sp>
+        <p:nvSpPr>
+          <p:cNvPr id="49" name="Rectangle 48">
+            <a:extLst>
+              <a:ext uri="{FF2B5EF4-FFF2-40B4-BE49-F238E27FC236}">
+                <a16:creationId xmlns:a16="http://schemas.microsoft.com/office/drawing/2014/main" id="{B6923272-2913-20CE-27D0-B258D6855585}"/>
+              </a:ext>
+            </a:extLst>
+          </p:cNvPr>
+          <p:cNvSpPr/>
+          <p:nvPr/>
+        </p:nvSpPr>
+        <p:spPr>
+          <a:xfrm>
+            <a:off x="4299803" y="3425696"/>
+            <a:ext cx="1518781" cy="296206"/>
+          </a:xfrm>
+          <a:prstGeom prst="rect">
+            <a:avLst/>
+          </a:prstGeom>
+        </p:spPr>
+        <p:style>
+          <a:lnRef idx="2">
+            <a:schemeClr val="accent1">
+              <a:shade val="50000"/>
+            </a:schemeClr>
+          </a:lnRef>
+          <a:fillRef idx="1">
+            <a:schemeClr val="accent1"/>
+          </a:fillRef>
+          <a:effectRef idx="0">
+            <a:schemeClr val="accent1"/>
+          </a:effectRef>
+          <a:fontRef idx="minor">
+            <a:schemeClr val="lt1"/>
+          </a:fontRef>
+        </p:style>
+        <p:txBody>
+          <a:bodyPr rtlCol="0" anchor="ctr"/>
+          <a:lstStyle/>
+          <a:p>
+            <a:r>
+              <a:rPr lang="en-US" sz="1200" b="1" dirty="0"/>
+              <a:t>Question categorizer   </a:t>
+            </a:r>
+            <a:endParaRPr lang="en-SG" sz="1200" b="1" dirty="0"/>
+          </a:p>
+        </p:txBody>
+      </p:sp>
+      <p:sp>
+        <p:nvSpPr>
+          <p:cNvPr id="57" name="TextBox 56">
+            <a:extLst>
+              <a:ext uri="{FF2B5EF4-FFF2-40B4-BE49-F238E27FC236}">
+                <a16:creationId xmlns:a16="http://schemas.microsoft.com/office/drawing/2014/main" id="{9A14D4B9-BBAC-2E95-0BA1-E127B540769B}"/>
+              </a:ext>
+            </a:extLst>
+          </p:cNvPr>
+          <p:cNvSpPr txBox="1"/>
+          <p:nvPr/>
+        </p:nvSpPr>
+        <p:spPr>
+          <a:xfrm>
+            <a:off x="3985289" y="4752211"/>
+            <a:ext cx="1049739" cy="400110"/>
+          </a:xfrm>
+          <a:prstGeom prst="rect">
+            <a:avLst/>
+          </a:prstGeom>
+          <a:noFill/>
+        </p:spPr>
+        <p:txBody>
+          <a:bodyPr wrap="square" rtlCol="0">
+            <a:spAutoFit/>
+          </a:bodyPr>
+          <a:lstStyle/>
+          <a:p>
+            <a:r>
+              <a:rPr lang="en-US" sz="1000" dirty="0"/>
+              <a:t>Standard MCQ result file.</a:t>
+            </a:r>
+            <a:endParaRPr lang="en-SG" sz="1000" dirty="0"/>
+          </a:p>
+        </p:txBody>
+      </p:sp>
+      <p:cxnSp>
+        <p:nvCxnSpPr>
+          <p:cNvPr id="84" name="Straight Arrow Connector 83">
+            <a:extLst>
+              <a:ext uri="{FF2B5EF4-FFF2-40B4-BE49-F238E27FC236}">
+                <a16:creationId xmlns:a16="http://schemas.microsoft.com/office/drawing/2014/main" id="{3902F617-F716-4BB3-B07E-001F12D7C9C2}"/>
+              </a:ext>
+            </a:extLst>
+          </p:cNvPr>
+          <p:cNvCxnSpPr>
+            <a:cxnSpLocks/>
+            <a:stCxn id="53" idx="1"/>
+            <a:endCxn id="41" idx="3"/>
+          </p:cNvCxnSpPr>
+          <p:nvPr/>
+        </p:nvCxnSpPr>
+        <p:spPr>
+          <a:xfrm flipH="1" flipV="1">
+            <a:off x="3869511" y="1661802"/>
+            <a:ext cx="473859" cy="1"/>
+          </a:xfrm>
+          <a:prstGeom prst="straightConnector1">
+            <a:avLst/>
+          </a:prstGeom>
+          <a:ln w="19050">
+            <a:solidFill>
+              <a:schemeClr val="accent6">
+                <a:lumMod val="75000"/>
+              </a:schemeClr>
+            </a:solidFill>
+            <a:headEnd type="triangle"/>
+            <a:tailEnd type="triangle"/>
+          </a:ln>
+        </p:spPr>
+        <p:style>
+          <a:lnRef idx="1">
+            <a:schemeClr val="accent1"/>
+          </a:lnRef>
+          <a:fillRef idx="0">
+            <a:schemeClr val="accent1"/>
+          </a:fillRef>
+          <a:effectRef idx="0">
+            <a:schemeClr val="accent1"/>
+          </a:effectRef>
+          <a:fontRef idx="minor">
+            <a:schemeClr val="tx1"/>
+          </a:fontRef>
+        </p:style>
+      </p:cxnSp>
+      <p:cxnSp>
+        <p:nvCxnSpPr>
+          <p:cNvPr id="89" name="Straight Arrow Connector 88">
+            <a:extLst>
+              <a:ext uri="{FF2B5EF4-FFF2-40B4-BE49-F238E27FC236}">
+                <a16:creationId xmlns:a16="http://schemas.microsoft.com/office/drawing/2014/main" id="{15DEC972-6B4C-9EF4-318E-32207AC548E6}"/>
+              </a:ext>
+            </a:extLst>
+          </p:cNvPr>
+          <p:cNvCxnSpPr>
+            <a:cxnSpLocks/>
+          </p:cNvCxnSpPr>
+          <p:nvPr/>
+        </p:nvCxnSpPr>
+        <p:spPr>
+          <a:xfrm>
+            <a:off x="4631133" y="3767349"/>
+            <a:ext cx="0" cy="326530"/>
+          </a:xfrm>
+          <a:prstGeom prst="straightConnector1">
+            <a:avLst/>
+          </a:prstGeom>
+          <a:ln w="19050">
+            <a:prstDash val="sysDash"/>
+            <a:tailEnd type="triangle"/>
+          </a:ln>
+        </p:spPr>
+        <p:style>
+          <a:lnRef idx="1">
+            <a:schemeClr val="accent1"/>
+          </a:lnRef>
+          <a:fillRef idx="0">
+            <a:schemeClr val="accent1"/>
+          </a:fillRef>
+          <a:effectRef idx="0">
+            <a:schemeClr val="accent1"/>
+          </a:effectRef>
+          <a:fontRef idx="minor">
+            <a:schemeClr val="tx1"/>
+          </a:fontRef>
+        </p:style>
+      </p:cxnSp>
+      <p:sp>
+        <p:nvSpPr>
+          <p:cNvPr id="92" name="Rectangle 91">
+            <a:extLst>
+              <a:ext uri="{FF2B5EF4-FFF2-40B4-BE49-F238E27FC236}">
+                <a16:creationId xmlns:a16="http://schemas.microsoft.com/office/drawing/2014/main" id="{CA99C8DF-840A-8294-B21C-8B3DEDACB212}"/>
+              </a:ext>
+            </a:extLst>
+          </p:cNvPr>
+          <p:cNvSpPr/>
+          <p:nvPr/>
+        </p:nvSpPr>
+        <p:spPr>
+          <a:xfrm>
+            <a:off x="4295765" y="4111721"/>
+            <a:ext cx="1503155" cy="326616"/>
+          </a:xfrm>
+          <a:prstGeom prst="rect">
+            <a:avLst/>
+          </a:prstGeom>
+        </p:spPr>
+        <p:style>
+          <a:lnRef idx="2">
+            <a:schemeClr val="accent1">
+              <a:shade val="50000"/>
+            </a:schemeClr>
+          </a:lnRef>
+          <a:fillRef idx="1">
+            <a:schemeClr val="accent1"/>
+          </a:fillRef>
+          <a:effectRef idx="0">
+            <a:schemeClr val="accent1"/>
+          </a:effectRef>
+          <a:fontRef idx="minor">
+            <a:schemeClr val="lt1"/>
+          </a:fontRef>
+        </p:style>
+        <p:txBody>
+          <a:bodyPr rtlCol="0" anchor="ctr"/>
+          <a:lstStyle/>
+          <a:p>
+            <a:r>
+              <a:rPr lang="en-US" sz="1200" b="1" dirty="0"/>
+              <a:t>Question Solver</a:t>
+            </a:r>
+            <a:endParaRPr lang="en-SG" sz="1200" b="1" dirty="0"/>
+          </a:p>
+        </p:txBody>
+      </p:sp>
+      <p:pic>
+        <p:nvPicPr>
+          <p:cNvPr id="95" name="Picture 94">
+            <a:extLst>
+              <a:ext uri="{FF2B5EF4-FFF2-40B4-BE49-F238E27FC236}">
+                <a16:creationId xmlns:a16="http://schemas.microsoft.com/office/drawing/2014/main" id="{46EE22DF-3B60-1255-3E80-5F5215F808DA}"/>
+              </a:ext>
+            </a:extLst>
+          </p:cNvPr>
+          <p:cNvPicPr>
+            <a:picLocks noChangeAspect="1"/>
+          </p:cNvPicPr>
+          <p:nvPr/>
+        </p:nvPicPr>
+        <p:blipFill>
+          <a:blip r:embed="rId2"/>
+          <a:stretch>
+            <a:fillRect/>
+          </a:stretch>
+        </p:blipFill>
+        <p:spPr>
+          <a:xfrm>
+            <a:off x="6184649" y="3387250"/>
+            <a:ext cx="324555" cy="372004"/>
+          </a:xfrm>
+          <a:prstGeom prst="rect">
+            <a:avLst/>
+          </a:prstGeom>
+        </p:spPr>
+      </p:pic>
+      <p:cxnSp>
+        <p:nvCxnSpPr>
+          <p:cNvPr id="98" name="Straight Arrow Connector 97">
+            <a:extLst>
+              <a:ext uri="{FF2B5EF4-FFF2-40B4-BE49-F238E27FC236}">
+                <a16:creationId xmlns:a16="http://schemas.microsoft.com/office/drawing/2014/main" id="{E8C0840E-779E-8411-4B5B-09BAC5F80EA9}"/>
+              </a:ext>
+            </a:extLst>
+          </p:cNvPr>
+          <p:cNvCxnSpPr>
+            <a:cxnSpLocks/>
+          </p:cNvCxnSpPr>
+          <p:nvPr/>
+        </p:nvCxnSpPr>
+        <p:spPr>
+          <a:xfrm>
+            <a:off x="5326586" y="2437769"/>
+            <a:ext cx="0" cy="987927"/>
+          </a:xfrm>
+          <a:prstGeom prst="straightConnector1">
+            <a:avLst/>
+          </a:prstGeom>
+          <a:ln>
+            <a:solidFill>
+              <a:schemeClr val="tx1"/>
+            </a:solidFill>
+            <a:tailEnd type="triangle"/>
+          </a:ln>
+        </p:spPr>
+        <p:style>
+          <a:lnRef idx="1">
+            <a:schemeClr val="accent1"/>
+          </a:lnRef>
+          <a:fillRef idx="0">
+            <a:schemeClr val="accent1"/>
+          </a:fillRef>
+          <a:effectRef idx="0">
+            <a:schemeClr val="accent1"/>
+          </a:effectRef>
+          <a:fontRef idx="minor">
+            <a:schemeClr val="tx1"/>
+          </a:fontRef>
+        </p:style>
+      </p:cxnSp>
+      <p:sp>
+        <p:nvSpPr>
+          <p:cNvPr id="102" name="TextBox 101">
+            <a:extLst>
+              <a:ext uri="{FF2B5EF4-FFF2-40B4-BE49-F238E27FC236}">
+                <a16:creationId xmlns:a16="http://schemas.microsoft.com/office/drawing/2014/main" id="{7A612350-E7DF-0F57-3C1C-11EA2566040E}"/>
+              </a:ext>
+            </a:extLst>
+          </p:cNvPr>
+          <p:cNvSpPr txBox="1"/>
+          <p:nvPr/>
+        </p:nvSpPr>
+        <p:spPr>
+          <a:xfrm>
+            <a:off x="6426842" y="3257636"/>
+            <a:ext cx="1009692" cy="553998"/>
+          </a:xfrm>
+          <a:prstGeom prst="rect">
+            <a:avLst/>
+          </a:prstGeom>
+          <a:noFill/>
+        </p:spPr>
+        <p:txBody>
+          <a:bodyPr wrap="square" rtlCol="0">
+            <a:spAutoFit/>
+          </a:bodyPr>
+          <a:lstStyle/>
+          <a:p>
+            <a:r>
+              <a:rPr lang="en-US" sz="1000" dirty="0"/>
+              <a:t>Question scenario prompt .</a:t>
+            </a:r>
+            <a:endParaRPr lang="en-SG" sz="1000" dirty="0"/>
+          </a:p>
+        </p:txBody>
+      </p:sp>
+      <p:sp>
+        <p:nvSpPr>
+          <p:cNvPr id="105" name="TextBox 104">
+            <a:extLst>
+              <a:ext uri="{FF2B5EF4-FFF2-40B4-BE49-F238E27FC236}">
+                <a16:creationId xmlns:a16="http://schemas.microsoft.com/office/drawing/2014/main" id="{2430709C-D9F5-6B28-41BB-FB5F3EC63CF4}"/>
+              </a:ext>
+            </a:extLst>
+          </p:cNvPr>
+          <p:cNvSpPr txBox="1"/>
+          <p:nvPr/>
+        </p:nvSpPr>
+        <p:spPr>
+          <a:xfrm>
+            <a:off x="6329809" y="1820167"/>
+            <a:ext cx="1062358" cy="430887"/>
+          </a:xfrm>
+          <a:prstGeom prst="rect">
+            <a:avLst/>
+          </a:prstGeom>
+          <a:noFill/>
+        </p:spPr>
+        <p:txBody>
+          <a:bodyPr wrap="square">
+            <a:spAutoFit/>
+          </a:bodyPr>
+          <a:lstStyle/>
+          <a:p>
+            <a:r>
+              <a:rPr lang="en-US" sz="1050" b="1" dirty="0">
+                <a:solidFill>
+                  <a:schemeClr val="tx1">
+                    <a:lumMod val="75000"/>
+                    <a:lumOff val="25000"/>
+                  </a:schemeClr>
+                </a:solidFill>
+              </a:rPr>
+              <a:t>Batch loading all MCQ source </a:t>
+            </a:r>
+            <a:endParaRPr lang="en-SG" sz="1050" b="1" dirty="0">
+              <a:solidFill>
+                <a:schemeClr val="tx1">
+                  <a:lumMod val="75000"/>
+                  <a:lumOff val="25000"/>
+                </a:schemeClr>
+              </a:solidFill>
+            </a:endParaRPr>
+          </a:p>
+        </p:txBody>
+      </p:sp>
+      <p:cxnSp>
+        <p:nvCxnSpPr>
+          <p:cNvPr id="20" name="Straight Arrow Connector 19">
+            <a:extLst>
+              <a:ext uri="{FF2B5EF4-FFF2-40B4-BE49-F238E27FC236}">
+                <a16:creationId xmlns:a16="http://schemas.microsoft.com/office/drawing/2014/main" id="{3CE728EC-0FCA-B686-C480-BEE3F552D808}"/>
+              </a:ext>
+            </a:extLst>
+          </p:cNvPr>
+          <p:cNvCxnSpPr>
+            <a:cxnSpLocks/>
+          </p:cNvCxnSpPr>
+          <p:nvPr/>
+        </p:nvCxnSpPr>
+        <p:spPr>
+          <a:xfrm>
+            <a:off x="1254182" y="883009"/>
+            <a:ext cx="415353" cy="0"/>
+          </a:xfrm>
+          <a:prstGeom prst="straightConnector1">
+            <a:avLst/>
+          </a:prstGeom>
+          <a:ln w="19050">
+            <a:prstDash val="sysDash"/>
+            <a:tailEnd type="triangle"/>
+          </a:ln>
+        </p:spPr>
+        <p:style>
+          <a:lnRef idx="1">
+            <a:schemeClr val="accent1"/>
+          </a:lnRef>
+          <a:fillRef idx="0">
+            <a:schemeClr val="accent1"/>
+          </a:fillRef>
+          <a:effectRef idx="0">
+            <a:schemeClr val="accent1"/>
+          </a:effectRef>
+          <a:fontRef idx="minor">
+            <a:schemeClr val="tx1"/>
+          </a:fontRef>
+        </p:style>
+      </p:cxnSp>
+      <p:sp>
+        <p:nvSpPr>
+          <p:cNvPr id="34" name="TextBox 33">
+            <a:extLst>
+              <a:ext uri="{FF2B5EF4-FFF2-40B4-BE49-F238E27FC236}">
+                <a16:creationId xmlns:a16="http://schemas.microsoft.com/office/drawing/2014/main" id="{E02ACAAB-63A5-9DAB-C90B-7FF80A53F175}"/>
+              </a:ext>
+            </a:extLst>
+          </p:cNvPr>
+          <p:cNvSpPr txBox="1"/>
+          <p:nvPr/>
+        </p:nvSpPr>
+        <p:spPr>
+          <a:xfrm>
+            <a:off x="1656922" y="753474"/>
+            <a:ext cx="1365772" cy="430887"/>
+          </a:xfrm>
+          <a:prstGeom prst="rect">
+            <a:avLst/>
+          </a:prstGeom>
+          <a:noFill/>
+        </p:spPr>
+        <p:txBody>
+          <a:bodyPr wrap="square">
+            <a:spAutoFit/>
+          </a:bodyPr>
+          <a:lstStyle/>
+          <a:p>
+            <a:r>
+              <a:rPr lang="en-US" sz="1100" b="1" dirty="0">
+                <a:solidFill>
+                  <a:schemeClr val="tx1">
+                    <a:lumMod val="75000"/>
+                    <a:lumOff val="25000"/>
+                  </a:schemeClr>
+                </a:solidFill>
+              </a:rPr>
+              <a:t>Program control or function call flow</a:t>
+            </a:r>
+            <a:endParaRPr lang="en-SG" sz="1100" b="1" dirty="0">
+              <a:solidFill>
+                <a:schemeClr val="tx1">
+                  <a:lumMod val="75000"/>
+                  <a:lumOff val="25000"/>
+                </a:schemeClr>
+              </a:solidFill>
+            </a:endParaRPr>
+          </a:p>
+        </p:txBody>
+      </p:sp>
+      <p:cxnSp>
+        <p:nvCxnSpPr>
+          <p:cNvPr id="35" name="Straight Arrow Connector 34">
+            <a:extLst>
+              <a:ext uri="{FF2B5EF4-FFF2-40B4-BE49-F238E27FC236}">
+                <a16:creationId xmlns:a16="http://schemas.microsoft.com/office/drawing/2014/main" id="{52D9A140-EE7E-C661-2675-D2DAA7E34A64}"/>
+              </a:ext>
+            </a:extLst>
+          </p:cNvPr>
+          <p:cNvCxnSpPr>
+            <a:cxnSpLocks/>
+          </p:cNvCxnSpPr>
+          <p:nvPr/>
+        </p:nvCxnSpPr>
+        <p:spPr>
+          <a:xfrm>
+            <a:off x="1240412" y="1434734"/>
+            <a:ext cx="371774" cy="0"/>
+          </a:xfrm>
+          <a:prstGeom prst="straightConnector1">
+            <a:avLst/>
+          </a:prstGeom>
+          <a:ln w="19050">
+            <a:solidFill>
+              <a:schemeClr val="accent6">
+                <a:lumMod val="75000"/>
+              </a:schemeClr>
+            </a:solidFill>
+            <a:headEnd type="triangle"/>
+            <a:tailEnd type="triangle"/>
+          </a:ln>
+        </p:spPr>
+        <p:style>
+          <a:lnRef idx="1">
+            <a:schemeClr val="accent1"/>
+          </a:lnRef>
+          <a:fillRef idx="0">
+            <a:schemeClr val="accent1"/>
+          </a:fillRef>
+          <a:effectRef idx="0">
+            <a:schemeClr val="accent1"/>
+          </a:effectRef>
+          <a:fontRef idx="minor">
+            <a:schemeClr val="tx1"/>
+          </a:fontRef>
+        </p:style>
+      </p:cxnSp>
+      <p:cxnSp>
+        <p:nvCxnSpPr>
+          <p:cNvPr id="40" name="Straight Arrow Connector 39">
+            <a:extLst>
+              <a:ext uri="{FF2B5EF4-FFF2-40B4-BE49-F238E27FC236}">
+                <a16:creationId xmlns:a16="http://schemas.microsoft.com/office/drawing/2014/main" id="{0F5D5E78-5996-B8CB-F51A-8F59CF856985}"/>
+              </a:ext>
+            </a:extLst>
+          </p:cNvPr>
+          <p:cNvCxnSpPr>
+            <a:cxnSpLocks/>
+          </p:cNvCxnSpPr>
+          <p:nvPr/>
+        </p:nvCxnSpPr>
+        <p:spPr>
+          <a:xfrm flipH="1">
+            <a:off x="1230469" y="1808488"/>
+            <a:ext cx="339538" cy="0"/>
+          </a:xfrm>
+          <a:prstGeom prst="straightConnector1">
+            <a:avLst/>
+          </a:prstGeom>
+          <a:ln>
+            <a:solidFill>
+              <a:schemeClr val="tx1"/>
+            </a:solidFill>
+            <a:tailEnd type="triangle"/>
+          </a:ln>
+        </p:spPr>
+        <p:style>
+          <a:lnRef idx="1">
+            <a:schemeClr val="accent1"/>
+          </a:lnRef>
+          <a:fillRef idx="0">
+            <a:schemeClr val="accent1"/>
+          </a:fillRef>
+          <a:effectRef idx="0">
+            <a:schemeClr val="accent1"/>
+          </a:effectRef>
+          <a:fontRef idx="minor">
+            <a:schemeClr val="tx1"/>
+          </a:fontRef>
+        </p:style>
+      </p:cxnSp>
+      <p:sp>
+        <p:nvSpPr>
+          <p:cNvPr id="46" name="Arrow: Left 45">
+            <a:extLst>
+              <a:ext uri="{FF2B5EF4-FFF2-40B4-BE49-F238E27FC236}">
+                <a16:creationId xmlns:a16="http://schemas.microsoft.com/office/drawing/2014/main" id="{428FCABD-5C43-3250-AA8E-CF18B3EEB222}"/>
+              </a:ext>
+            </a:extLst>
+          </p:cNvPr>
+          <p:cNvSpPr/>
+          <p:nvPr/>
+        </p:nvSpPr>
+        <p:spPr>
+          <a:xfrm>
+            <a:off x="1245844" y="1906232"/>
+            <a:ext cx="371774" cy="85375"/>
+          </a:xfrm>
+          <a:prstGeom prst="leftArrow">
+            <a:avLst/>
+          </a:prstGeom>
+        </p:spPr>
+        <p:style>
+          <a:lnRef idx="2">
+            <a:schemeClr val="accent1">
+              <a:shade val="15000"/>
+            </a:schemeClr>
+          </a:lnRef>
+          <a:fillRef idx="1">
+            <a:schemeClr val="accent1"/>
+          </a:fillRef>
+          <a:effectRef idx="0">
+            <a:schemeClr val="accent1"/>
+          </a:effectRef>
+          <a:fontRef idx="minor">
+            <a:schemeClr val="lt1"/>
+          </a:fontRef>
+        </p:style>
+        <p:txBody>
+          <a:bodyPr rtlCol="0" anchor="ctr"/>
+          <a:lstStyle/>
+          <a:p>
+            <a:pPr algn="ctr"/>
+            <a:endParaRPr lang="en-SG"/>
+          </a:p>
+        </p:txBody>
+      </p:sp>
+      <p:sp>
+        <p:nvSpPr>
+          <p:cNvPr id="50" name="TextBox 49">
+            <a:extLst>
+              <a:ext uri="{FF2B5EF4-FFF2-40B4-BE49-F238E27FC236}">
+                <a16:creationId xmlns:a16="http://schemas.microsoft.com/office/drawing/2014/main" id="{A409C2F2-B2F8-E595-C532-05201681678A}"/>
+              </a:ext>
+            </a:extLst>
+          </p:cNvPr>
+          <p:cNvSpPr txBox="1"/>
+          <p:nvPr/>
+        </p:nvSpPr>
+        <p:spPr>
+          <a:xfrm>
+            <a:off x="1682432" y="1219290"/>
+            <a:ext cx="1779393" cy="430887"/>
+          </a:xfrm>
+          <a:prstGeom prst="rect">
+            <a:avLst/>
+          </a:prstGeom>
+          <a:noFill/>
+        </p:spPr>
+        <p:txBody>
+          <a:bodyPr wrap="square">
+            <a:spAutoFit/>
+          </a:bodyPr>
+          <a:lstStyle/>
+          <a:p>
+            <a:r>
+              <a:rPr lang="en-US" sz="1100" b="1" dirty="0">
+                <a:solidFill>
+                  <a:schemeClr val="tx1">
+                    <a:lumMod val="75000"/>
+                    <a:lumOff val="25000"/>
+                  </a:schemeClr>
+                </a:solidFill>
+              </a:rPr>
+              <a:t>Communication </a:t>
+            </a:r>
+          </a:p>
+          <a:p>
+            <a:r>
+              <a:rPr lang="en-US" sz="1100" b="1" dirty="0">
+                <a:solidFill>
+                  <a:schemeClr val="tx1">
+                    <a:lumMod val="75000"/>
+                    <a:lumOff val="25000"/>
+                  </a:schemeClr>
+                </a:solidFill>
+              </a:rPr>
+              <a:t>with Open AI</a:t>
+            </a:r>
+            <a:endParaRPr lang="en-SG" sz="1100" b="1" dirty="0">
+              <a:solidFill>
+                <a:schemeClr val="tx1">
+                  <a:lumMod val="75000"/>
+                  <a:lumOff val="25000"/>
+                </a:schemeClr>
+              </a:solidFill>
+            </a:endParaRPr>
+          </a:p>
+        </p:txBody>
+      </p:sp>
+      <p:sp>
+        <p:nvSpPr>
+          <p:cNvPr id="51" name="TextBox 50">
+            <a:extLst>
+              <a:ext uri="{FF2B5EF4-FFF2-40B4-BE49-F238E27FC236}">
+                <a16:creationId xmlns:a16="http://schemas.microsoft.com/office/drawing/2014/main" id="{4FDDFA0C-D92F-D35A-F7F2-F8299D67F8E6}"/>
+              </a:ext>
+            </a:extLst>
+          </p:cNvPr>
+          <p:cNvSpPr txBox="1"/>
+          <p:nvPr/>
+        </p:nvSpPr>
+        <p:spPr>
+          <a:xfrm>
+            <a:off x="1658149" y="1715676"/>
+            <a:ext cx="1422648" cy="261610"/>
+          </a:xfrm>
+          <a:prstGeom prst="rect">
+            <a:avLst/>
+          </a:prstGeom>
+          <a:noFill/>
+        </p:spPr>
+        <p:txBody>
+          <a:bodyPr wrap="square">
+            <a:spAutoFit/>
+          </a:bodyPr>
+          <a:lstStyle/>
+          <a:p>
+            <a:r>
+              <a:rPr lang="en-US" sz="1100" b="1" dirty="0">
+                <a:solidFill>
+                  <a:schemeClr val="tx1">
+                    <a:lumMod val="75000"/>
+                    <a:lumOff val="25000"/>
+                  </a:schemeClr>
+                </a:solidFill>
+              </a:rPr>
+              <a:t>Data flow or file I/O</a:t>
+            </a:r>
+            <a:endParaRPr lang="en-SG" sz="1100" b="1" dirty="0">
+              <a:solidFill>
+                <a:schemeClr val="tx1">
+                  <a:lumMod val="75000"/>
+                  <a:lumOff val="25000"/>
+                </a:schemeClr>
+              </a:solidFill>
+            </a:endParaRPr>
+          </a:p>
+        </p:txBody>
+      </p:sp>
+      <p:cxnSp>
+        <p:nvCxnSpPr>
+          <p:cNvPr id="55" name="Connector: Elbow 54">
+            <a:extLst>
+              <a:ext uri="{FF2B5EF4-FFF2-40B4-BE49-F238E27FC236}">
+                <a16:creationId xmlns:a16="http://schemas.microsoft.com/office/drawing/2014/main" id="{918194BF-3402-2543-D226-798227C072F7}"/>
+              </a:ext>
+            </a:extLst>
+          </p:cNvPr>
+          <p:cNvCxnSpPr>
+            <a:cxnSpLocks/>
+          </p:cNvCxnSpPr>
+          <p:nvPr/>
+        </p:nvCxnSpPr>
+        <p:spPr>
+          <a:xfrm rot="10800000">
+            <a:off x="6199398" y="2437770"/>
+            <a:ext cx="3426547" cy="1581133"/>
+          </a:xfrm>
+          <a:prstGeom prst="bentConnector3">
+            <a:avLst>
+              <a:gd name="adj1" fmla="val 66422"/>
+            </a:avLst>
+          </a:prstGeom>
+          <a:ln w="19050">
+            <a:tailEnd type="triangle"/>
+          </a:ln>
+        </p:spPr>
+        <p:style>
+          <a:lnRef idx="1">
+            <a:schemeClr val="accent1"/>
+          </a:lnRef>
+          <a:fillRef idx="0">
+            <a:schemeClr val="accent1"/>
+          </a:fillRef>
+          <a:effectRef idx="0">
+            <a:schemeClr val="accent1"/>
+          </a:effectRef>
+          <a:fontRef idx="minor">
+            <a:schemeClr val="tx1"/>
+          </a:fontRef>
+        </p:style>
+      </p:cxnSp>
+      <p:cxnSp>
+        <p:nvCxnSpPr>
+          <p:cNvPr id="16" name="Straight Arrow Connector 15">
+            <a:extLst>
+              <a:ext uri="{FF2B5EF4-FFF2-40B4-BE49-F238E27FC236}">
+                <a16:creationId xmlns:a16="http://schemas.microsoft.com/office/drawing/2014/main" id="{493FB662-A3A3-108D-C068-0F329347E919}"/>
+              </a:ext>
+            </a:extLst>
+          </p:cNvPr>
+          <p:cNvCxnSpPr>
+            <a:cxnSpLocks/>
+          </p:cNvCxnSpPr>
+          <p:nvPr/>
+        </p:nvCxnSpPr>
+        <p:spPr>
+          <a:xfrm>
+            <a:off x="6675538" y="1304504"/>
+            <a:ext cx="0" cy="222769"/>
+          </a:xfrm>
+          <a:prstGeom prst="straightConnector1">
+            <a:avLst/>
+          </a:prstGeom>
+          <a:ln>
+            <a:solidFill>
+              <a:schemeClr val="tx1"/>
+            </a:solidFill>
+            <a:tailEnd type="triangle"/>
+          </a:ln>
+        </p:spPr>
+        <p:style>
+          <a:lnRef idx="1">
+            <a:schemeClr val="accent1"/>
+          </a:lnRef>
+          <a:fillRef idx="0">
+            <a:schemeClr val="accent1"/>
+          </a:fillRef>
+          <a:effectRef idx="0">
+            <a:schemeClr val="accent1"/>
+          </a:effectRef>
+          <a:fontRef idx="minor">
+            <a:schemeClr val="tx1"/>
+          </a:fontRef>
+        </p:style>
+      </p:cxnSp>
+      <p:pic>
+        <p:nvPicPr>
+          <p:cNvPr id="53" name="Picture 52">
+            <a:extLst>
+              <a:ext uri="{FF2B5EF4-FFF2-40B4-BE49-F238E27FC236}">
+                <a16:creationId xmlns:a16="http://schemas.microsoft.com/office/drawing/2014/main" id="{E4438534-3B55-1D19-1208-0268FBB14432}"/>
+              </a:ext>
+            </a:extLst>
+          </p:cNvPr>
+          <p:cNvPicPr>
+            <a:picLocks noChangeAspect="1"/>
+          </p:cNvPicPr>
+          <p:nvPr/>
+        </p:nvPicPr>
+        <p:blipFill>
+          <a:blip r:embed="rId4"/>
+          <a:stretch>
+            <a:fillRect/>
+          </a:stretch>
+        </p:blipFill>
+        <p:spPr>
+          <a:xfrm>
+            <a:off x="4343370" y="1541884"/>
+            <a:ext cx="1100124" cy="239837"/>
+          </a:xfrm>
+          <a:prstGeom prst="rect">
+            <a:avLst/>
+          </a:prstGeom>
+          <a:ln w="12700">
+            <a:solidFill>
+              <a:schemeClr val="tx1"/>
+            </a:solidFill>
+          </a:ln>
+        </p:spPr>
+      </p:pic>
+      <p:cxnSp>
+        <p:nvCxnSpPr>
+          <p:cNvPr id="66" name="Straight Arrow Connector 65">
+            <a:extLst>
+              <a:ext uri="{FF2B5EF4-FFF2-40B4-BE49-F238E27FC236}">
+                <a16:creationId xmlns:a16="http://schemas.microsoft.com/office/drawing/2014/main" id="{CFC837B5-9057-DC50-2AAE-C8071088C842}"/>
+              </a:ext>
+            </a:extLst>
+          </p:cNvPr>
+          <p:cNvCxnSpPr>
+            <a:cxnSpLocks/>
+          </p:cNvCxnSpPr>
+          <p:nvPr/>
+        </p:nvCxnSpPr>
+        <p:spPr>
+          <a:xfrm>
+            <a:off x="5818585" y="1238264"/>
+            <a:ext cx="0" cy="303620"/>
+          </a:xfrm>
+          <a:prstGeom prst="straightConnector1">
+            <a:avLst/>
+          </a:prstGeom>
+          <a:ln w="19050">
+            <a:prstDash val="sysDash"/>
+            <a:tailEnd type="triangle"/>
+          </a:ln>
+        </p:spPr>
+        <p:style>
+          <a:lnRef idx="1">
+            <a:schemeClr val="accent1"/>
+          </a:lnRef>
+          <a:fillRef idx="0">
+            <a:schemeClr val="accent1"/>
+          </a:fillRef>
+          <a:effectRef idx="0">
+            <a:schemeClr val="accent1"/>
+          </a:effectRef>
+          <a:fontRef idx="minor">
+            <a:schemeClr val="tx1"/>
+          </a:fontRef>
+        </p:style>
+      </p:cxnSp>
+      <p:cxnSp>
+        <p:nvCxnSpPr>
+          <p:cNvPr id="68" name="Straight Arrow Connector 67">
+            <a:extLst>
+              <a:ext uri="{FF2B5EF4-FFF2-40B4-BE49-F238E27FC236}">
+                <a16:creationId xmlns:a16="http://schemas.microsoft.com/office/drawing/2014/main" id="{7A478098-4FD1-9952-568E-B43AB0E942BC}"/>
+              </a:ext>
+            </a:extLst>
+          </p:cNvPr>
+          <p:cNvCxnSpPr>
+            <a:cxnSpLocks/>
+          </p:cNvCxnSpPr>
+          <p:nvPr/>
+        </p:nvCxnSpPr>
+        <p:spPr>
+          <a:xfrm>
+            <a:off x="5047343" y="1825476"/>
+            <a:ext cx="0" cy="303620"/>
+          </a:xfrm>
+          <a:prstGeom prst="straightConnector1">
+            <a:avLst/>
+          </a:prstGeom>
+          <a:ln w="19050">
+            <a:prstDash val="sysDash"/>
+            <a:tailEnd type="triangle"/>
+          </a:ln>
+        </p:spPr>
+        <p:style>
+          <a:lnRef idx="1">
+            <a:schemeClr val="accent1"/>
+          </a:lnRef>
+          <a:fillRef idx="0">
+            <a:schemeClr val="accent1"/>
+          </a:fillRef>
+          <a:effectRef idx="0">
+            <a:schemeClr val="accent1"/>
+          </a:effectRef>
+          <a:fontRef idx="minor">
+            <a:schemeClr val="tx1"/>
+          </a:fontRef>
+        </p:style>
+      </p:cxnSp>
+      <p:sp>
+        <p:nvSpPr>
+          <p:cNvPr id="72" name="Rectangle 71">
+            <a:extLst>
+              <a:ext uri="{FF2B5EF4-FFF2-40B4-BE49-F238E27FC236}">
+                <a16:creationId xmlns:a16="http://schemas.microsoft.com/office/drawing/2014/main" id="{EB74B99F-F0A2-9390-7F7E-C9565EB25F63}"/>
+              </a:ext>
+            </a:extLst>
+          </p:cNvPr>
+          <p:cNvSpPr/>
+          <p:nvPr/>
+        </p:nvSpPr>
+        <p:spPr>
+          <a:xfrm>
+            <a:off x="7572337" y="1546650"/>
+            <a:ext cx="2712349" cy="2134450"/>
+          </a:xfrm>
+          <a:prstGeom prst="rect">
+            <a:avLst/>
+          </a:prstGeom>
+          <a:solidFill>
+            <a:schemeClr val="accent6">
+              <a:lumMod val="20000"/>
+              <a:lumOff val="80000"/>
+            </a:schemeClr>
+          </a:solidFill>
+          <a:ln>
+            <a:prstDash val="sysDash"/>
+          </a:ln>
+        </p:spPr>
+        <p:style>
+          <a:lnRef idx="2">
+            <a:schemeClr val="accent1">
+              <a:shade val="15000"/>
+            </a:schemeClr>
+          </a:lnRef>
+          <a:fillRef idx="1">
+            <a:schemeClr val="accent1"/>
+          </a:fillRef>
+          <a:effectRef idx="0">
+            <a:schemeClr val="accent1"/>
+          </a:effectRef>
+          <a:fontRef idx="minor">
+            <a:schemeClr val="lt1"/>
+          </a:fontRef>
+        </p:style>
+        <p:txBody>
+          <a:bodyPr rtlCol="0" anchor="ctr"/>
+          <a:lstStyle/>
+          <a:p>
+            <a:pPr algn="ctr"/>
+            <a:endParaRPr lang="en-SG" dirty="0"/>
+          </a:p>
+        </p:txBody>
+      </p:sp>
+      <p:pic>
+        <p:nvPicPr>
+          <p:cNvPr id="73" name="Picture 72">
+            <a:extLst>
+              <a:ext uri="{FF2B5EF4-FFF2-40B4-BE49-F238E27FC236}">
+                <a16:creationId xmlns:a16="http://schemas.microsoft.com/office/drawing/2014/main" id="{A1AFA705-4381-D813-AF12-6B21B2024D1F}"/>
+              </a:ext>
+            </a:extLst>
+          </p:cNvPr>
+          <p:cNvPicPr>
+            <a:picLocks noChangeAspect="1"/>
+          </p:cNvPicPr>
+          <p:nvPr/>
+        </p:nvPicPr>
+        <p:blipFill>
+          <a:blip r:embed="rId5"/>
+          <a:stretch>
+            <a:fillRect/>
+          </a:stretch>
+        </p:blipFill>
+        <p:spPr>
+          <a:xfrm>
+            <a:off x="7864203" y="1906355"/>
+            <a:ext cx="336995" cy="389344"/>
+          </a:xfrm>
+          <a:prstGeom prst="rect">
+            <a:avLst/>
+          </a:prstGeom>
+          <a:ln w="3175">
+            <a:solidFill>
+              <a:schemeClr val="tx1"/>
+            </a:solidFill>
+          </a:ln>
+        </p:spPr>
+      </p:pic>
+      <p:pic>
+        <p:nvPicPr>
+          <p:cNvPr id="74" name="Picture 73">
+            <a:extLst>
+              <a:ext uri="{FF2B5EF4-FFF2-40B4-BE49-F238E27FC236}">
+                <a16:creationId xmlns:a16="http://schemas.microsoft.com/office/drawing/2014/main" id="{C8452BFA-D8A2-3BD8-78EC-441A33CC0ABD}"/>
+              </a:ext>
+            </a:extLst>
+          </p:cNvPr>
+          <p:cNvPicPr>
+            <a:picLocks noChangeAspect="1"/>
+          </p:cNvPicPr>
+          <p:nvPr/>
+        </p:nvPicPr>
+        <p:blipFill>
+          <a:blip r:embed="rId6"/>
+          <a:stretch>
+            <a:fillRect/>
+          </a:stretch>
+        </p:blipFill>
+        <p:spPr>
+          <a:xfrm>
+            <a:off x="7848672" y="2602177"/>
+            <a:ext cx="377556" cy="431493"/>
+          </a:xfrm>
+          <a:prstGeom prst="rect">
+            <a:avLst/>
+          </a:prstGeom>
+        </p:spPr>
+      </p:pic>
+      <p:pic>
+        <p:nvPicPr>
+          <p:cNvPr id="75" name="Picture 74">
+            <a:extLst>
+              <a:ext uri="{FF2B5EF4-FFF2-40B4-BE49-F238E27FC236}">
+                <a16:creationId xmlns:a16="http://schemas.microsoft.com/office/drawing/2014/main" id="{FC0E6430-709F-3C79-6912-D08B5B07B389}"/>
+              </a:ext>
+            </a:extLst>
+          </p:cNvPr>
+          <p:cNvPicPr>
+            <a:picLocks noChangeAspect="1"/>
+          </p:cNvPicPr>
+          <p:nvPr/>
+        </p:nvPicPr>
+        <p:blipFill>
+          <a:blip r:embed="rId7"/>
+          <a:stretch>
+            <a:fillRect/>
+          </a:stretch>
+        </p:blipFill>
+        <p:spPr>
+          <a:xfrm>
+            <a:off x="8629868" y="1885115"/>
+            <a:ext cx="420784" cy="427956"/>
+          </a:xfrm>
+          <a:prstGeom prst="rect">
+            <a:avLst/>
+          </a:prstGeom>
+          <a:ln w="3175">
+            <a:solidFill>
+              <a:schemeClr val="tx1"/>
+            </a:solidFill>
+          </a:ln>
+        </p:spPr>
+      </p:pic>
+      <p:pic>
+        <p:nvPicPr>
+          <p:cNvPr id="76" name="Picture 75">
+            <a:extLst>
+              <a:ext uri="{FF2B5EF4-FFF2-40B4-BE49-F238E27FC236}">
+                <a16:creationId xmlns:a16="http://schemas.microsoft.com/office/drawing/2014/main" id="{68F9F871-8C8F-2B28-FB79-8D820A9877D3}"/>
+              </a:ext>
+            </a:extLst>
+          </p:cNvPr>
+          <p:cNvPicPr>
+            <a:picLocks noChangeAspect="1"/>
+          </p:cNvPicPr>
+          <p:nvPr/>
+        </p:nvPicPr>
+        <p:blipFill>
+          <a:blip r:embed="rId8"/>
+          <a:stretch>
+            <a:fillRect/>
+          </a:stretch>
+        </p:blipFill>
+        <p:spPr>
+          <a:xfrm>
+            <a:off x="8613571" y="2599353"/>
+            <a:ext cx="392422" cy="414375"/>
+          </a:xfrm>
+          <a:prstGeom prst="rect">
+            <a:avLst/>
+          </a:prstGeom>
+        </p:spPr>
+      </p:pic>
+      <p:pic>
+        <p:nvPicPr>
+          <p:cNvPr id="77" name="Picture 76">
+            <a:extLst>
+              <a:ext uri="{FF2B5EF4-FFF2-40B4-BE49-F238E27FC236}">
+                <a16:creationId xmlns:a16="http://schemas.microsoft.com/office/drawing/2014/main" id="{76D1270C-C42C-A2F3-0CC4-3F87D5437ED8}"/>
+              </a:ext>
+            </a:extLst>
+          </p:cNvPr>
+          <p:cNvPicPr>
+            <a:picLocks noChangeAspect="1"/>
+          </p:cNvPicPr>
+          <p:nvPr/>
+        </p:nvPicPr>
+        <p:blipFill>
+          <a:blip r:embed="rId9"/>
+          <a:stretch>
+            <a:fillRect/>
+          </a:stretch>
+        </p:blipFill>
+        <p:spPr>
+          <a:xfrm>
+            <a:off x="7760961" y="3367372"/>
+            <a:ext cx="602386" cy="238306"/>
+          </a:xfrm>
+          <a:prstGeom prst="rect">
+            <a:avLst/>
+          </a:prstGeom>
+        </p:spPr>
+      </p:pic>
+      <p:pic>
+        <p:nvPicPr>
+          <p:cNvPr id="78" name="Picture 77">
+            <a:extLst>
+              <a:ext uri="{FF2B5EF4-FFF2-40B4-BE49-F238E27FC236}">
+                <a16:creationId xmlns:a16="http://schemas.microsoft.com/office/drawing/2014/main" id="{49966C68-63EC-828E-1730-6C38FA69A325}"/>
+              </a:ext>
+            </a:extLst>
+          </p:cNvPr>
+          <p:cNvPicPr>
+            <a:picLocks noChangeAspect="1"/>
+          </p:cNvPicPr>
+          <p:nvPr/>
+        </p:nvPicPr>
+        <p:blipFill>
+          <a:blip r:embed="rId10"/>
+          <a:stretch>
+            <a:fillRect/>
+          </a:stretch>
+        </p:blipFill>
+        <p:spPr>
+          <a:xfrm>
+            <a:off x="8441026" y="3318887"/>
+            <a:ext cx="368991" cy="297243"/>
+          </a:xfrm>
+          <a:prstGeom prst="rect">
+            <a:avLst/>
+          </a:prstGeom>
+        </p:spPr>
+      </p:pic>
+      <p:pic>
+        <p:nvPicPr>
+          <p:cNvPr id="79" name="Picture 78">
+            <a:extLst>
+              <a:ext uri="{FF2B5EF4-FFF2-40B4-BE49-F238E27FC236}">
+                <a16:creationId xmlns:a16="http://schemas.microsoft.com/office/drawing/2014/main" id="{077A0CF5-F4A9-2D24-33CA-D9A3CD651960}"/>
+              </a:ext>
+            </a:extLst>
+          </p:cNvPr>
+          <p:cNvPicPr>
+            <a:picLocks noChangeAspect="1"/>
+          </p:cNvPicPr>
+          <p:nvPr/>
+        </p:nvPicPr>
+        <p:blipFill>
+          <a:blip r:embed="rId11"/>
+          <a:stretch>
+            <a:fillRect/>
+          </a:stretch>
+        </p:blipFill>
+        <p:spPr>
+          <a:xfrm>
+            <a:off x="9505968" y="1989298"/>
+            <a:ext cx="519772" cy="330507"/>
+          </a:xfrm>
+          <a:prstGeom prst="rect">
+            <a:avLst/>
+          </a:prstGeom>
+        </p:spPr>
+      </p:pic>
+      <p:sp>
+        <p:nvSpPr>
+          <p:cNvPr id="80" name="TextBox 79">
+            <a:extLst>
+              <a:ext uri="{FF2B5EF4-FFF2-40B4-BE49-F238E27FC236}">
+                <a16:creationId xmlns:a16="http://schemas.microsoft.com/office/drawing/2014/main" id="{299B673F-F614-3323-CD47-4BC0D7CDA8D6}"/>
+              </a:ext>
+            </a:extLst>
+          </p:cNvPr>
+          <p:cNvSpPr txBox="1"/>
+          <p:nvPr/>
+        </p:nvSpPr>
+        <p:spPr>
+          <a:xfrm>
+            <a:off x="7572337" y="1615679"/>
+            <a:ext cx="910357" cy="268469"/>
+          </a:xfrm>
+          <a:prstGeom prst="rect">
+            <a:avLst/>
+          </a:prstGeom>
+          <a:noFill/>
+        </p:spPr>
+        <p:txBody>
+          <a:bodyPr wrap="square">
+            <a:spAutoFit/>
+          </a:bodyPr>
+          <a:lstStyle/>
+          <a:p>
+            <a:r>
+              <a:rPr lang="en-US" sz="1100" b="1" dirty="0">
+                <a:solidFill>
+                  <a:schemeClr val="tx1">
+                    <a:lumMod val="75000"/>
+                    <a:lumOff val="25000"/>
+                  </a:schemeClr>
+                </a:solidFill>
+              </a:rPr>
+              <a:t>PDF format </a:t>
+            </a:r>
+            <a:endParaRPr lang="en-SG" sz="1100" b="1" dirty="0">
+              <a:solidFill>
+                <a:schemeClr val="tx1">
+                  <a:lumMod val="75000"/>
+                  <a:lumOff val="25000"/>
+                </a:schemeClr>
+              </a:solidFill>
+            </a:endParaRPr>
+          </a:p>
+        </p:txBody>
+      </p:sp>
+      <p:sp>
+        <p:nvSpPr>
+          <p:cNvPr id="81" name="TextBox 80">
+            <a:extLst>
+              <a:ext uri="{FF2B5EF4-FFF2-40B4-BE49-F238E27FC236}">
+                <a16:creationId xmlns:a16="http://schemas.microsoft.com/office/drawing/2014/main" id="{DD8E391E-D4B9-0B9E-124E-E1604802D5AD}"/>
+              </a:ext>
+            </a:extLst>
+          </p:cNvPr>
+          <p:cNvSpPr txBox="1"/>
+          <p:nvPr/>
+        </p:nvSpPr>
+        <p:spPr>
+          <a:xfrm>
+            <a:off x="8507521" y="1612225"/>
+            <a:ext cx="910357" cy="268469"/>
+          </a:xfrm>
+          <a:prstGeom prst="rect">
+            <a:avLst/>
+          </a:prstGeom>
+          <a:noFill/>
+        </p:spPr>
+        <p:txBody>
+          <a:bodyPr wrap="square">
+            <a:spAutoFit/>
+          </a:bodyPr>
+          <a:lstStyle/>
+          <a:p>
+            <a:r>
+              <a:rPr lang="en-US" sz="1100" b="1" dirty="0">
+                <a:solidFill>
+                  <a:schemeClr val="tx1">
+                    <a:lumMod val="75000"/>
+                    <a:lumOff val="25000"/>
+                  </a:schemeClr>
+                </a:solidFill>
+              </a:rPr>
+              <a:t>Text format </a:t>
+            </a:r>
+            <a:endParaRPr lang="en-SG" sz="1100" b="1" dirty="0">
+              <a:solidFill>
+                <a:schemeClr val="tx1">
+                  <a:lumMod val="75000"/>
+                  <a:lumOff val="25000"/>
+                </a:schemeClr>
+              </a:solidFill>
+            </a:endParaRPr>
+          </a:p>
+        </p:txBody>
+      </p:sp>
+      <p:sp>
+        <p:nvSpPr>
+          <p:cNvPr id="82" name="TextBox 81">
+            <a:extLst>
+              <a:ext uri="{FF2B5EF4-FFF2-40B4-BE49-F238E27FC236}">
+                <a16:creationId xmlns:a16="http://schemas.microsoft.com/office/drawing/2014/main" id="{E00EE022-EC59-6E55-7112-F867665713D1}"/>
+              </a:ext>
+            </a:extLst>
+          </p:cNvPr>
+          <p:cNvSpPr txBox="1"/>
+          <p:nvPr/>
+        </p:nvSpPr>
+        <p:spPr>
+          <a:xfrm>
+            <a:off x="9457781" y="1591432"/>
+            <a:ext cx="910357" cy="430887"/>
+          </a:xfrm>
+          <a:prstGeom prst="rect">
+            <a:avLst/>
+          </a:prstGeom>
+          <a:noFill/>
+        </p:spPr>
+        <p:txBody>
+          <a:bodyPr wrap="square">
+            <a:spAutoFit/>
+          </a:bodyPr>
+          <a:lstStyle/>
+          <a:p>
+            <a:r>
+              <a:rPr lang="en-US" sz="1100" b="1" dirty="0">
+                <a:solidFill>
+                  <a:schemeClr val="tx1">
+                    <a:lumMod val="75000"/>
+                    <a:lumOff val="25000"/>
+                  </a:schemeClr>
+                </a:solidFill>
+              </a:rPr>
+              <a:t>Markdown format </a:t>
+            </a:r>
+            <a:endParaRPr lang="en-SG" sz="1100" b="1" dirty="0">
+              <a:solidFill>
+                <a:schemeClr val="tx1">
+                  <a:lumMod val="75000"/>
+                  <a:lumOff val="25000"/>
+                </a:schemeClr>
+              </a:solidFill>
+            </a:endParaRPr>
+          </a:p>
+        </p:txBody>
+      </p:sp>
+      <p:sp>
+        <p:nvSpPr>
+          <p:cNvPr id="83" name="TextBox 82">
+            <a:extLst>
+              <a:ext uri="{FF2B5EF4-FFF2-40B4-BE49-F238E27FC236}">
+                <a16:creationId xmlns:a16="http://schemas.microsoft.com/office/drawing/2014/main" id="{DBD4CF23-1031-E88B-6986-327B24919F7E}"/>
+              </a:ext>
+            </a:extLst>
+          </p:cNvPr>
+          <p:cNvSpPr txBox="1"/>
+          <p:nvPr/>
+        </p:nvSpPr>
+        <p:spPr>
+          <a:xfrm>
+            <a:off x="7580937" y="2318133"/>
+            <a:ext cx="1122644" cy="261610"/>
+          </a:xfrm>
+          <a:prstGeom prst="rect">
+            <a:avLst/>
+          </a:prstGeom>
+          <a:noFill/>
+        </p:spPr>
+        <p:txBody>
+          <a:bodyPr wrap="square">
+            <a:spAutoFit/>
+          </a:bodyPr>
+          <a:lstStyle/>
+          <a:p>
+            <a:r>
+              <a:rPr lang="en-US" sz="1100" b="1" dirty="0">
+                <a:solidFill>
+                  <a:schemeClr val="tx1">
+                    <a:lumMod val="75000"/>
+                    <a:lumOff val="25000"/>
+                  </a:schemeClr>
+                </a:solidFill>
+              </a:rPr>
+              <a:t>HTML format </a:t>
+            </a:r>
+            <a:endParaRPr lang="en-SG" sz="1100" b="1" dirty="0">
+              <a:solidFill>
+                <a:schemeClr val="tx1">
+                  <a:lumMod val="75000"/>
+                  <a:lumOff val="25000"/>
+                </a:schemeClr>
+              </a:solidFill>
+            </a:endParaRPr>
+          </a:p>
+        </p:txBody>
+      </p:sp>
+      <p:sp>
+        <p:nvSpPr>
+          <p:cNvPr id="85" name="TextBox 84">
+            <a:extLst>
+              <a:ext uri="{FF2B5EF4-FFF2-40B4-BE49-F238E27FC236}">
+                <a16:creationId xmlns:a16="http://schemas.microsoft.com/office/drawing/2014/main" id="{D0EF323B-5A9C-7B52-D5F5-A292B04D629F}"/>
+              </a:ext>
+            </a:extLst>
+          </p:cNvPr>
+          <p:cNvSpPr txBox="1"/>
+          <p:nvPr/>
+        </p:nvSpPr>
+        <p:spPr>
+          <a:xfrm>
+            <a:off x="8550285" y="2343285"/>
+            <a:ext cx="455312" cy="261610"/>
+          </a:xfrm>
+          <a:prstGeom prst="rect">
+            <a:avLst/>
+          </a:prstGeom>
+          <a:noFill/>
+        </p:spPr>
+        <p:txBody>
+          <a:bodyPr wrap="square">
+            <a:spAutoFit/>
+          </a:bodyPr>
+          <a:lstStyle/>
+          <a:p>
+            <a:r>
+              <a:rPr lang="en-US" sz="1100" b="1" dirty="0">
+                <a:solidFill>
+                  <a:schemeClr val="tx1">
+                    <a:lumMod val="75000"/>
+                    <a:lumOff val="25000"/>
+                  </a:schemeClr>
+                </a:solidFill>
+              </a:rPr>
+              <a:t>URL </a:t>
+            </a:r>
+          </a:p>
+        </p:txBody>
+      </p:sp>
+      <p:sp>
+        <p:nvSpPr>
+          <p:cNvPr id="86" name="TextBox 85">
+            <a:extLst>
+              <a:ext uri="{FF2B5EF4-FFF2-40B4-BE49-F238E27FC236}">
+                <a16:creationId xmlns:a16="http://schemas.microsoft.com/office/drawing/2014/main" id="{CA0AD7F6-606E-0869-DB23-2CB544DE1D2A}"/>
+              </a:ext>
+            </a:extLst>
+          </p:cNvPr>
+          <p:cNvSpPr txBox="1"/>
+          <p:nvPr/>
+        </p:nvSpPr>
+        <p:spPr>
+          <a:xfrm>
+            <a:off x="7609165" y="3071780"/>
+            <a:ext cx="1727342" cy="261610"/>
+          </a:xfrm>
+          <a:prstGeom prst="rect">
+            <a:avLst/>
+          </a:prstGeom>
+          <a:noFill/>
+        </p:spPr>
+        <p:txBody>
+          <a:bodyPr wrap="square">
+            <a:spAutoFit/>
+          </a:bodyPr>
+          <a:lstStyle/>
+          <a:p>
+            <a:r>
+              <a:rPr lang="en-US" sz="1100" b="1" dirty="0">
+                <a:solidFill>
+                  <a:schemeClr val="tx1">
+                    <a:lumMod val="75000"/>
+                    <a:lumOff val="25000"/>
+                  </a:schemeClr>
+                </a:solidFill>
+              </a:rPr>
+              <a:t>CTF-D URL + login cookie</a:t>
+            </a:r>
+            <a:endParaRPr lang="en-SG" sz="1100" b="1" dirty="0">
+              <a:solidFill>
+                <a:schemeClr val="tx1">
+                  <a:lumMod val="75000"/>
+                  <a:lumOff val="25000"/>
+                </a:schemeClr>
+              </a:solidFill>
+            </a:endParaRPr>
+          </a:p>
+        </p:txBody>
+      </p:sp>
+      <p:sp>
+        <p:nvSpPr>
+          <p:cNvPr id="87" name="TextBox 86">
+            <a:extLst>
+              <a:ext uri="{FF2B5EF4-FFF2-40B4-BE49-F238E27FC236}">
+                <a16:creationId xmlns:a16="http://schemas.microsoft.com/office/drawing/2014/main" id="{1056ACF3-3FCE-07A6-40A2-960B4C2A6AF0}"/>
+              </a:ext>
+            </a:extLst>
+          </p:cNvPr>
+          <p:cNvSpPr txBox="1"/>
+          <p:nvPr/>
+        </p:nvSpPr>
+        <p:spPr>
+          <a:xfrm>
+            <a:off x="7624344" y="1280724"/>
+            <a:ext cx="2646932" cy="276999"/>
+          </a:xfrm>
+          <a:prstGeom prst="rect">
+            <a:avLst/>
+          </a:prstGeom>
+          <a:noFill/>
+        </p:spPr>
+        <p:txBody>
+          <a:bodyPr wrap="square">
+            <a:spAutoFit/>
+          </a:bodyPr>
+          <a:lstStyle/>
+          <a:p>
+            <a:r>
+              <a:rPr lang="en-US" sz="1200" b="1" dirty="0">
+                <a:solidFill>
+                  <a:schemeClr val="tx1">
+                    <a:lumMod val="75000"/>
+                    <a:lumOff val="25000"/>
+                  </a:schemeClr>
+                </a:solidFill>
+              </a:rPr>
+              <a:t>Security Multi-choice question source</a:t>
+            </a:r>
+            <a:endParaRPr lang="en-SG" sz="1200" b="1" dirty="0">
+              <a:solidFill>
+                <a:schemeClr val="tx1">
+                  <a:lumMod val="75000"/>
+                  <a:lumOff val="25000"/>
+                </a:schemeClr>
+              </a:solidFill>
+            </a:endParaRPr>
+          </a:p>
+        </p:txBody>
+      </p:sp>
+      <p:pic>
+        <p:nvPicPr>
+          <p:cNvPr id="88" name="Picture 2" descr="Json file - Free ui icons">
+            <a:extLst>
+              <a:ext uri="{FF2B5EF4-FFF2-40B4-BE49-F238E27FC236}">
+                <a16:creationId xmlns:a16="http://schemas.microsoft.com/office/drawing/2014/main" id="{C03762B4-6BE0-839C-8985-46678162230E}"/>
+              </a:ext>
+            </a:extLst>
+          </p:cNvPr>
+          <p:cNvPicPr>
+            <a:picLocks noChangeAspect="1" noChangeArrowheads="1"/>
+          </p:cNvPicPr>
+          <p:nvPr/>
+        </p:nvPicPr>
+        <p:blipFill>
+          <a:blip r:embed="rId12">
+            <a:extLst>
+              <a:ext uri="{28A0092B-C50C-407E-A947-70E740481C1C}">
+                <a14:useLocalDpi xmlns:a14="http://schemas.microsoft.com/office/drawing/2010/main" val="0"/>
+              </a:ext>
+            </a:extLst>
+          </a:blip>
+          <a:srcRect/>
+          <a:stretch>
+            <a:fillRect/>
+          </a:stretch>
+        </p:blipFill>
+        <p:spPr bwMode="auto">
+          <a:xfrm>
+            <a:off x="9464565" y="2544331"/>
+            <a:ext cx="455312" cy="455312"/>
+          </a:xfrm>
+          <a:prstGeom prst="rect">
+            <a:avLst/>
+          </a:prstGeom>
+          <a:noFill/>
+          <a:extLst>
+            <a:ext uri="{909E8E84-426E-40DD-AFC4-6F175D3DCCD1}">
+              <a14:hiddenFill xmlns:a14="http://schemas.microsoft.com/office/drawing/2010/main">
+                <a:solidFill>
+                  <a:srgbClr val="FFFFFF"/>
+                </a:solidFill>
+              </a14:hiddenFill>
+            </a:ext>
+          </a:extLst>
+        </p:spPr>
+      </p:pic>
+      <p:sp>
+        <p:nvSpPr>
+          <p:cNvPr id="90" name="TextBox 89">
+            <a:extLst>
+              <a:ext uri="{FF2B5EF4-FFF2-40B4-BE49-F238E27FC236}">
+                <a16:creationId xmlns:a16="http://schemas.microsoft.com/office/drawing/2014/main" id="{ABAB0266-EA14-7741-9929-9EE86F3DFA0F}"/>
+              </a:ext>
+            </a:extLst>
+          </p:cNvPr>
+          <p:cNvSpPr txBox="1"/>
+          <p:nvPr/>
+        </p:nvSpPr>
+        <p:spPr>
+          <a:xfrm>
+            <a:off x="9467176" y="2340170"/>
+            <a:ext cx="1027171" cy="261610"/>
+          </a:xfrm>
+          <a:prstGeom prst="rect">
+            <a:avLst/>
+          </a:prstGeom>
+          <a:noFill/>
+        </p:spPr>
+        <p:txBody>
+          <a:bodyPr wrap="square">
+            <a:spAutoFit/>
+          </a:bodyPr>
+          <a:lstStyle/>
+          <a:p>
+            <a:r>
+              <a:rPr lang="en-US" sz="1100" b="1" dirty="0">
+                <a:solidFill>
+                  <a:schemeClr val="tx1">
+                    <a:lumMod val="75000"/>
+                    <a:lumOff val="25000"/>
+                  </a:schemeClr>
+                </a:solidFill>
+              </a:rPr>
+              <a:t>Json format  </a:t>
+            </a:r>
+          </a:p>
+        </p:txBody>
+      </p:sp>
+      <p:sp>
+        <p:nvSpPr>
+          <p:cNvPr id="91" name="TextBox 90">
+            <a:extLst>
+              <a:ext uri="{FF2B5EF4-FFF2-40B4-BE49-F238E27FC236}">
+                <a16:creationId xmlns:a16="http://schemas.microsoft.com/office/drawing/2014/main" id="{4F62F30F-753F-1BCA-50C6-7DFFD580AE9F}"/>
+              </a:ext>
+            </a:extLst>
+          </p:cNvPr>
+          <p:cNvSpPr txBox="1"/>
+          <p:nvPr/>
+        </p:nvSpPr>
+        <p:spPr>
+          <a:xfrm>
+            <a:off x="8850657" y="2329356"/>
+            <a:ext cx="707037" cy="400110"/>
+          </a:xfrm>
+          <a:prstGeom prst="rect">
+            <a:avLst/>
+          </a:prstGeom>
+          <a:noFill/>
+        </p:spPr>
+        <p:txBody>
+          <a:bodyPr wrap="square" rtlCol="0">
+            <a:spAutoFit/>
+          </a:bodyPr>
+          <a:lstStyle/>
+          <a:p>
+            <a:r>
+              <a:rPr lang="en-SG" sz="1000" dirty="0"/>
+              <a:t>( Without login)</a:t>
+            </a:r>
+          </a:p>
+        </p:txBody>
+      </p:sp>
+      <p:pic>
+        <p:nvPicPr>
+          <p:cNvPr id="93" name="Picture 92">
+            <a:extLst>
+              <a:ext uri="{FF2B5EF4-FFF2-40B4-BE49-F238E27FC236}">
+                <a16:creationId xmlns:a16="http://schemas.microsoft.com/office/drawing/2014/main" id="{BF4C88A8-A15C-2342-311A-5285CFAAAAC3}"/>
+              </a:ext>
+            </a:extLst>
+          </p:cNvPr>
+          <p:cNvPicPr>
+            <a:picLocks noChangeAspect="1"/>
+          </p:cNvPicPr>
+          <p:nvPr/>
+        </p:nvPicPr>
+        <p:blipFill>
+          <a:blip r:embed="rId13"/>
+          <a:stretch>
+            <a:fillRect/>
+          </a:stretch>
+        </p:blipFill>
+        <p:spPr>
+          <a:xfrm>
+            <a:off x="9544694" y="3335356"/>
+            <a:ext cx="346012" cy="270322"/>
+          </a:xfrm>
+          <a:prstGeom prst="rect">
+            <a:avLst/>
+          </a:prstGeom>
+        </p:spPr>
+      </p:pic>
+      <p:sp>
+        <p:nvSpPr>
+          <p:cNvPr id="94" name="TextBox 93">
+            <a:extLst>
+              <a:ext uri="{FF2B5EF4-FFF2-40B4-BE49-F238E27FC236}">
+                <a16:creationId xmlns:a16="http://schemas.microsoft.com/office/drawing/2014/main" id="{AF46911D-300A-080C-4766-B0CEA55CCDAA}"/>
+              </a:ext>
+            </a:extLst>
+          </p:cNvPr>
+          <p:cNvSpPr txBox="1"/>
+          <p:nvPr/>
+        </p:nvSpPr>
+        <p:spPr>
+          <a:xfrm>
+            <a:off x="9277448" y="3057277"/>
+            <a:ext cx="1027171" cy="261610"/>
+          </a:xfrm>
+          <a:prstGeom prst="rect">
+            <a:avLst/>
+          </a:prstGeom>
+          <a:noFill/>
+        </p:spPr>
+        <p:txBody>
+          <a:bodyPr wrap="square">
+            <a:spAutoFit/>
+          </a:bodyPr>
+          <a:lstStyle/>
+          <a:p>
+            <a:r>
+              <a:rPr lang="en-US" sz="1100" b="1" dirty="0">
+                <a:solidFill>
+                  <a:schemeClr val="tx1">
+                    <a:lumMod val="75000"/>
+                    <a:lumOff val="25000"/>
+                  </a:schemeClr>
+                </a:solidFill>
+              </a:rPr>
+              <a:t>Image format  </a:t>
+            </a:r>
+          </a:p>
+        </p:txBody>
+      </p:sp>
+      <p:pic>
+        <p:nvPicPr>
+          <p:cNvPr id="39" name="Picture 38">
+            <a:extLst>
+              <a:ext uri="{FF2B5EF4-FFF2-40B4-BE49-F238E27FC236}">
+                <a16:creationId xmlns:a16="http://schemas.microsoft.com/office/drawing/2014/main" id="{83D5C2CA-072D-40E0-2FF7-ADD280251058}"/>
+              </a:ext>
+            </a:extLst>
+          </p:cNvPr>
+          <p:cNvPicPr>
+            <a:picLocks noChangeAspect="1"/>
+          </p:cNvPicPr>
+          <p:nvPr/>
+        </p:nvPicPr>
+        <p:blipFill>
+          <a:blip r:embed="rId14"/>
+          <a:stretch>
+            <a:fillRect/>
+          </a:stretch>
+        </p:blipFill>
+        <p:spPr>
+          <a:xfrm>
+            <a:off x="9376001" y="3826127"/>
+            <a:ext cx="910358" cy="535504"/>
+          </a:xfrm>
+          <a:prstGeom prst="rect">
+            <a:avLst/>
+          </a:prstGeom>
+          <a:ln w="12700">
+            <a:solidFill>
+              <a:schemeClr val="tx1"/>
+            </a:solidFill>
+          </a:ln>
+        </p:spPr>
+      </p:pic>
+      <p:cxnSp>
+        <p:nvCxnSpPr>
+          <p:cNvPr id="107" name="Straight Arrow Connector 106">
+            <a:extLst>
+              <a:ext uri="{FF2B5EF4-FFF2-40B4-BE49-F238E27FC236}">
+                <a16:creationId xmlns:a16="http://schemas.microsoft.com/office/drawing/2014/main" id="{C4FCE785-F79A-3D4A-B215-7ADAEF869C94}"/>
+              </a:ext>
+            </a:extLst>
+          </p:cNvPr>
+          <p:cNvCxnSpPr>
+            <a:cxnSpLocks/>
+            <a:stCxn id="93" idx="2"/>
+          </p:cNvCxnSpPr>
+          <p:nvPr/>
+        </p:nvCxnSpPr>
+        <p:spPr>
+          <a:xfrm flipH="1">
+            <a:off x="9717699" y="3605678"/>
+            <a:ext cx="1" cy="209351"/>
+          </a:xfrm>
+          <a:prstGeom prst="straightConnector1">
+            <a:avLst/>
+          </a:prstGeom>
+          <a:ln>
+            <a:solidFill>
+              <a:schemeClr val="tx1"/>
+            </a:solidFill>
+            <a:tailEnd type="triangle"/>
+          </a:ln>
+        </p:spPr>
+        <p:style>
+          <a:lnRef idx="1">
+            <a:schemeClr val="accent1"/>
+          </a:lnRef>
+          <a:fillRef idx="0">
+            <a:schemeClr val="accent1"/>
+          </a:fillRef>
+          <a:effectRef idx="0">
+            <a:schemeClr val="accent1"/>
+          </a:effectRef>
+          <a:fontRef idx="minor">
+            <a:schemeClr val="tx1"/>
+          </a:fontRef>
+        </p:style>
+      </p:cxnSp>
+      <p:pic>
+        <p:nvPicPr>
+          <p:cNvPr id="100" name="Picture 99">
+            <a:extLst>
+              <a:ext uri="{FF2B5EF4-FFF2-40B4-BE49-F238E27FC236}">
+                <a16:creationId xmlns:a16="http://schemas.microsoft.com/office/drawing/2014/main" id="{268C05BA-9F60-AB80-0983-D3073A639C56}"/>
+              </a:ext>
+            </a:extLst>
+          </p:cNvPr>
+          <p:cNvPicPr>
+            <a:picLocks noChangeAspect="1"/>
+          </p:cNvPicPr>
+          <p:nvPr/>
+        </p:nvPicPr>
+        <p:blipFill>
+          <a:blip r:embed="rId15"/>
+          <a:stretch>
+            <a:fillRect/>
+          </a:stretch>
+        </p:blipFill>
+        <p:spPr>
+          <a:xfrm>
+            <a:off x="5158119" y="2658852"/>
+            <a:ext cx="396531" cy="517485"/>
+          </a:xfrm>
+          <a:prstGeom prst="rect">
+            <a:avLst/>
+          </a:prstGeom>
+          <a:ln w="12700">
+            <a:solidFill>
+              <a:schemeClr val="tx1"/>
+            </a:solidFill>
+          </a:ln>
+        </p:spPr>
+      </p:pic>
+      <p:sp>
+        <p:nvSpPr>
+          <p:cNvPr id="103" name="TextBox 102">
+            <a:extLst>
+              <a:ext uri="{FF2B5EF4-FFF2-40B4-BE49-F238E27FC236}">
+                <a16:creationId xmlns:a16="http://schemas.microsoft.com/office/drawing/2014/main" id="{8E30F876-B087-0F82-92C1-226584D7F9F5}"/>
+              </a:ext>
+            </a:extLst>
+          </p:cNvPr>
+          <p:cNvSpPr txBox="1"/>
+          <p:nvPr/>
+        </p:nvSpPr>
+        <p:spPr>
+          <a:xfrm>
+            <a:off x="5515551" y="2577999"/>
+            <a:ext cx="1148103" cy="577081"/>
+          </a:xfrm>
+          <a:prstGeom prst="rect">
+            <a:avLst/>
+          </a:prstGeom>
+          <a:noFill/>
+        </p:spPr>
+        <p:txBody>
+          <a:bodyPr wrap="square">
+            <a:spAutoFit/>
+          </a:bodyPr>
+          <a:lstStyle/>
+          <a:p>
+            <a:r>
+              <a:rPr lang="en-US" sz="1050" b="1" dirty="0">
+                <a:solidFill>
+                  <a:schemeClr val="tx1">
+                    <a:lumMod val="75000"/>
+                    <a:lumOff val="25000"/>
+                  </a:schemeClr>
+                </a:solidFill>
+              </a:rPr>
+              <a:t>Text Format MCQ question back file</a:t>
+            </a:r>
+            <a:endParaRPr lang="en-SG" sz="1050" b="1" dirty="0">
+              <a:solidFill>
+                <a:schemeClr val="tx1">
+                  <a:lumMod val="75000"/>
+                  <a:lumOff val="25000"/>
+                </a:schemeClr>
+              </a:solidFill>
+            </a:endParaRPr>
+          </a:p>
+        </p:txBody>
+      </p:sp>
+      <p:cxnSp>
+        <p:nvCxnSpPr>
+          <p:cNvPr id="109" name="Straight Arrow Connector 108">
+            <a:extLst>
+              <a:ext uri="{FF2B5EF4-FFF2-40B4-BE49-F238E27FC236}">
+                <a16:creationId xmlns:a16="http://schemas.microsoft.com/office/drawing/2014/main" id="{DBC76B1C-3AC1-AF8B-0C4D-EE0E10A3073E}"/>
+              </a:ext>
+            </a:extLst>
+          </p:cNvPr>
+          <p:cNvCxnSpPr>
+            <a:cxnSpLocks/>
+            <a:stCxn id="95" idx="1"/>
+            <a:endCxn id="49" idx="3"/>
+          </p:cNvCxnSpPr>
+          <p:nvPr/>
+        </p:nvCxnSpPr>
+        <p:spPr>
+          <a:xfrm flipH="1">
+            <a:off x="5818584" y="3573252"/>
+            <a:ext cx="366065" cy="547"/>
+          </a:xfrm>
+          <a:prstGeom prst="straightConnector1">
+            <a:avLst/>
+          </a:prstGeom>
+          <a:ln>
+            <a:solidFill>
+              <a:schemeClr val="tx1"/>
+            </a:solidFill>
+            <a:tailEnd type="triangle"/>
+          </a:ln>
+        </p:spPr>
+        <p:style>
+          <a:lnRef idx="1">
+            <a:schemeClr val="accent1"/>
+          </a:lnRef>
+          <a:fillRef idx="0">
+            <a:schemeClr val="accent1"/>
+          </a:fillRef>
+          <a:effectRef idx="0">
+            <a:schemeClr val="accent1"/>
+          </a:effectRef>
+          <a:fontRef idx="minor">
+            <a:schemeClr val="tx1"/>
+          </a:fontRef>
+        </p:style>
+      </p:cxnSp>
+      <p:pic>
+        <p:nvPicPr>
+          <p:cNvPr id="117" name="Picture 116">
+            <a:extLst>
+              <a:ext uri="{FF2B5EF4-FFF2-40B4-BE49-F238E27FC236}">
+                <a16:creationId xmlns:a16="http://schemas.microsoft.com/office/drawing/2014/main" id="{971B9B8C-ACF1-0D4A-FED5-6F29C3456516}"/>
+              </a:ext>
+            </a:extLst>
+          </p:cNvPr>
+          <p:cNvPicPr>
+            <a:picLocks noChangeAspect="1"/>
+          </p:cNvPicPr>
+          <p:nvPr/>
+        </p:nvPicPr>
+        <p:blipFill rotWithShape="1">
+          <a:blip r:embed="rId16"/>
+          <a:srcRect l="76289"/>
+          <a:stretch/>
+        </p:blipFill>
+        <p:spPr>
+          <a:xfrm>
+            <a:off x="4952931" y="4708514"/>
+            <a:ext cx="394367" cy="487504"/>
+          </a:xfrm>
+          <a:prstGeom prst="rect">
+            <a:avLst/>
+          </a:prstGeom>
+          <a:ln w="9525">
+            <a:solidFill>
+              <a:schemeClr val="tx1"/>
+            </a:solidFill>
+          </a:ln>
+        </p:spPr>
+      </p:pic>
+      <p:cxnSp>
+        <p:nvCxnSpPr>
+          <p:cNvPr id="118" name="Straight Arrow Connector 117">
+            <a:extLst>
+              <a:ext uri="{FF2B5EF4-FFF2-40B4-BE49-F238E27FC236}">
+                <a16:creationId xmlns:a16="http://schemas.microsoft.com/office/drawing/2014/main" id="{9C56066E-CCF0-68B2-A527-7B447F01A707}"/>
+              </a:ext>
+            </a:extLst>
+          </p:cNvPr>
+          <p:cNvCxnSpPr>
+            <a:cxnSpLocks/>
+            <a:endCxn id="117" idx="0"/>
+          </p:cNvCxnSpPr>
+          <p:nvPr/>
+        </p:nvCxnSpPr>
+        <p:spPr>
+          <a:xfrm>
+            <a:off x="5150114" y="4438337"/>
+            <a:ext cx="1" cy="270177"/>
+          </a:xfrm>
+          <a:prstGeom prst="straightConnector1">
+            <a:avLst/>
+          </a:prstGeom>
+          <a:ln>
+            <a:solidFill>
+              <a:schemeClr val="tx1"/>
+            </a:solidFill>
+            <a:tailEnd type="triangle"/>
+          </a:ln>
+        </p:spPr>
+        <p:style>
+          <a:lnRef idx="1">
+            <a:schemeClr val="accent1"/>
+          </a:lnRef>
+          <a:fillRef idx="0">
+            <a:schemeClr val="accent1"/>
+          </a:fillRef>
+          <a:effectRef idx="0">
+            <a:schemeClr val="accent1"/>
+          </a:effectRef>
+          <a:fontRef idx="minor">
+            <a:schemeClr val="tx1"/>
+          </a:fontRef>
+        </p:style>
+      </p:cxnSp>
+      <p:sp>
+        <p:nvSpPr>
+          <p:cNvPr id="121" name="Rectangle 120">
+            <a:extLst>
+              <a:ext uri="{FF2B5EF4-FFF2-40B4-BE49-F238E27FC236}">
+                <a16:creationId xmlns:a16="http://schemas.microsoft.com/office/drawing/2014/main" id="{4CA94F8E-22E0-6083-6063-52B32FB6DCEA}"/>
+              </a:ext>
+            </a:extLst>
+          </p:cNvPr>
+          <p:cNvSpPr/>
+          <p:nvPr/>
+        </p:nvSpPr>
+        <p:spPr>
+          <a:xfrm>
+            <a:off x="5789352" y="4715543"/>
+            <a:ext cx="1411070" cy="346917"/>
+          </a:xfrm>
+          <a:prstGeom prst="rect">
+            <a:avLst/>
+          </a:prstGeom>
+        </p:spPr>
+        <p:style>
+          <a:lnRef idx="2">
+            <a:schemeClr val="accent1">
+              <a:shade val="50000"/>
+            </a:schemeClr>
+          </a:lnRef>
+          <a:fillRef idx="1">
+            <a:schemeClr val="accent1"/>
+          </a:fillRef>
+          <a:effectRef idx="0">
+            <a:schemeClr val="accent1"/>
+          </a:effectRef>
+          <a:fontRef idx="minor">
+            <a:schemeClr val="lt1"/>
+          </a:fontRef>
+        </p:style>
+        <p:txBody>
+          <a:bodyPr rtlCol="0" anchor="ctr"/>
+          <a:lstStyle/>
+          <a:p>
+            <a:r>
+              <a:rPr lang="en-US" sz="1200" b="1" dirty="0"/>
+              <a:t>MCQ-GPT-Robot data manager </a:t>
+            </a:r>
+            <a:endParaRPr lang="en-SG" sz="1200" b="1" dirty="0"/>
+          </a:p>
+        </p:txBody>
+      </p:sp>
+      <p:cxnSp>
+        <p:nvCxnSpPr>
+          <p:cNvPr id="122" name="Straight Arrow Connector 121">
+            <a:extLst>
+              <a:ext uri="{FF2B5EF4-FFF2-40B4-BE49-F238E27FC236}">
+                <a16:creationId xmlns:a16="http://schemas.microsoft.com/office/drawing/2014/main" id="{6969618C-108A-1506-49B8-1F0F52228585}"/>
+              </a:ext>
+            </a:extLst>
+          </p:cNvPr>
+          <p:cNvCxnSpPr>
+            <a:cxnSpLocks/>
+            <a:stCxn id="117" idx="3"/>
+            <a:endCxn id="121" idx="1"/>
+          </p:cNvCxnSpPr>
+          <p:nvPr/>
+        </p:nvCxnSpPr>
+        <p:spPr>
+          <a:xfrm flipV="1">
+            <a:off x="5347298" y="4889002"/>
+            <a:ext cx="442054" cy="0"/>
+          </a:xfrm>
+          <a:prstGeom prst="straightConnector1">
+            <a:avLst/>
+          </a:prstGeom>
+          <a:ln>
+            <a:solidFill>
+              <a:schemeClr val="tx1"/>
+            </a:solidFill>
+            <a:tailEnd type="triangle"/>
+          </a:ln>
+        </p:spPr>
+        <p:style>
+          <a:lnRef idx="1">
+            <a:schemeClr val="accent1"/>
+          </a:lnRef>
+          <a:fillRef idx="0">
+            <a:schemeClr val="accent1"/>
+          </a:fillRef>
+          <a:effectRef idx="0">
+            <a:schemeClr val="accent1"/>
+          </a:effectRef>
+          <a:fontRef idx="minor">
+            <a:schemeClr val="tx1"/>
+          </a:fontRef>
+        </p:style>
+      </p:cxnSp>
+      <p:cxnSp>
+        <p:nvCxnSpPr>
+          <p:cNvPr id="125" name="Straight Arrow Connector 124">
+            <a:extLst>
+              <a:ext uri="{FF2B5EF4-FFF2-40B4-BE49-F238E27FC236}">
+                <a16:creationId xmlns:a16="http://schemas.microsoft.com/office/drawing/2014/main" id="{FFECCAAB-DC92-0CC8-CCF5-82F78B53FDD9}"/>
+              </a:ext>
+            </a:extLst>
+          </p:cNvPr>
+          <p:cNvCxnSpPr>
+            <a:cxnSpLocks/>
+          </p:cNvCxnSpPr>
+          <p:nvPr/>
+        </p:nvCxnSpPr>
+        <p:spPr>
+          <a:xfrm>
+            <a:off x="6089602" y="2448938"/>
+            <a:ext cx="0" cy="2266605"/>
+          </a:xfrm>
+          <a:prstGeom prst="straightConnector1">
+            <a:avLst/>
+          </a:prstGeom>
+          <a:ln>
+            <a:solidFill>
+              <a:schemeClr val="bg1">
+                <a:lumMod val="65000"/>
+              </a:schemeClr>
+            </a:solidFill>
+            <a:prstDash val="dash"/>
+            <a:tailEnd type="triangle"/>
+          </a:ln>
+        </p:spPr>
+        <p:style>
+          <a:lnRef idx="1">
+            <a:schemeClr val="accent1"/>
+          </a:lnRef>
+          <a:fillRef idx="0">
+            <a:schemeClr val="accent1"/>
+          </a:fillRef>
+          <a:effectRef idx="0">
+            <a:schemeClr val="accent1"/>
+          </a:effectRef>
+          <a:fontRef idx="minor">
+            <a:schemeClr val="tx1"/>
+          </a:fontRef>
+        </p:style>
+      </p:cxnSp>
+      <p:cxnSp>
+        <p:nvCxnSpPr>
+          <p:cNvPr id="1027" name="Connector: Elbow 1026">
+            <a:extLst>
+              <a:ext uri="{FF2B5EF4-FFF2-40B4-BE49-F238E27FC236}">
+                <a16:creationId xmlns:a16="http://schemas.microsoft.com/office/drawing/2014/main" id="{DE2FCE88-48EF-E194-11D9-6220C4D22C77}"/>
+              </a:ext>
+            </a:extLst>
+          </p:cNvPr>
+          <p:cNvCxnSpPr>
+            <a:stCxn id="92" idx="3"/>
+            <a:endCxn id="121" idx="0"/>
+          </p:cNvCxnSpPr>
+          <p:nvPr/>
+        </p:nvCxnSpPr>
+        <p:spPr>
+          <a:xfrm>
+            <a:off x="5798920" y="4275029"/>
+            <a:ext cx="695967" cy="440514"/>
+          </a:xfrm>
+          <a:prstGeom prst="bentConnector2">
+            <a:avLst/>
+          </a:prstGeom>
+          <a:ln>
+            <a:solidFill>
+              <a:schemeClr val="bg1">
+                <a:lumMod val="65000"/>
+              </a:schemeClr>
+            </a:solidFill>
+            <a:prstDash val="dash"/>
+            <a:headEnd type="triangle"/>
+            <a:tailEnd type="triangle"/>
+          </a:ln>
+        </p:spPr>
+        <p:style>
+          <a:lnRef idx="1">
+            <a:schemeClr val="dk1"/>
+          </a:lnRef>
+          <a:fillRef idx="0">
+            <a:schemeClr val="dk1"/>
+          </a:fillRef>
+          <a:effectRef idx="0">
+            <a:schemeClr val="dk1"/>
+          </a:effectRef>
+          <a:fontRef idx="minor">
+            <a:schemeClr val="tx1"/>
+          </a:fontRef>
+        </p:style>
+      </p:cxnSp>
+      <p:cxnSp>
+        <p:nvCxnSpPr>
+          <p:cNvPr id="1028" name="Straight Arrow Connector 1027">
+            <a:extLst>
+              <a:ext uri="{FF2B5EF4-FFF2-40B4-BE49-F238E27FC236}">
+                <a16:creationId xmlns:a16="http://schemas.microsoft.com/office/drawing/2014/main" id="{8C2C7F6C-9AD5-C79C-3F78-597AB67BB04F}"/>
+              </a:ext>
+            </a:extLst>
+          </p:cNvPr>
+          <p:cNvCxnSpPr>
+            <a:cxnSpLocks/>
+            <a:endCxn id="1029" idx="2"/>
+          </p:cNvCxnSpPr>
+          <p:nvPr/>
+        </p:nvCxnSpPr>
+        <p:spPr>
+          <a:xfrm>
+            <a:off x="7218654" y="4874860"/>
+            <a:ext cx="1240604" cy="0"/>
+          </a:xfrm>
+          <a:prstGeom prst="straightConnector1">
+            <a:avLst/>
+          </a:prstGeom>
+          <a:ln>
+            <a:solidFill>
+              <a:schemeClr val="tx1"/>
+            </a:solidFill>
+            <a:tailEnd type="triangle"/>
+          </a:ln>
+        </p:spPr>
+        <p:style>
+          <a:lnRef idx="1">
+            <a:schemeClr val="accent1"/>
+          </a:lnRef>
+          <a:fillRef idx="0">
+            <a:schemeClr val="accent1"/>
+          </a:fillRef>
+          <a:effectRef idx="0">
+            <a:schemeClr val="accent1"/>
+          </a:effectRef>
+          <a:fontRef idx="minor">
+            <a:schemeClr val="tx1"/>
+          </a:fontRef>
+        </p:style>
+      </p:cxnSp>
+      <p:sp>
+        <p:nvSpPr>
+          <p:cNvPr id="1029" name="Cylinder 1028">
+            <a:extLst>
+              <a:ext uri="{FF2B5EF4-FFF2-40B4-BE49-F238E27FC236}">
+                <a16:creationId xmlns:a16="http://schemas.microsoft.com/office/drawing/2014/main" id="{8FED740E-238C-35BD-898C-D2C9820842A3}"/>
+              </a:ext>
+            </a:extLst>
+          </p:cNvPr>
+          <p:cNvSpPr/>
+          <p:nvPr/>
+        </p:nvSpPr>
+        <p:spPr>
+          <a:xfrm>
+            <a:off x="8459258" y="4694373"/>
+            <a:ext cx="868907" cy="400110"/>
+          </a:xfrm>
+          <a:prstGeom prst="can">
+            <a:avLst/>
+          </a:prstGeom>
+        </p:spPr>
+        <p:style>
+          <a:lnRef idx="2">
+            <a:schemeClr val="accent1">
+              <a:shade val="15000"/>
+            </a:schemeClr>
+          </a:lnRef>
+          <a:fillRef idx="1">
+            <a:schemeClr val="accent1"/>
+          </a:fillRef>
+          <a:effectRef idx="0">
+            <a:schemeClr val="accent1"/>
+          </a:effectRef>
+          <a:fontRef idx="minor">
+            <a:schemeClr val="lt1"/>
+          </a:fontRef>
+        </p:style>
+        <p:txBody>
+          <a:bodyPr rtlCol="0" anchor="ctr"/>
+          <a:lstStyle/>
+          <a:p>
+            <a:pPr algn="ctr"/>
+            <a:r>
+              <a:rPr lang="en-US" sz="1200" dirty="0"/>
+              <a:t>Result DB</a:t>
+            </a:r>
+            <a:endParaRPr lang="en-SG" sz="1200" dirty="0"/>
+          </a:p>
+        </p:txBody>
+      </p:sp>
+      <p:sp>
+        <p:nvSpPr>
+          <p:cNvPr id="1030" name="TextBox 1029">
+            <a:extLst>
+              <a:ext uri="{FF2B5EF4-FFF2-40B4-BE49-F238E27FC236}">
+                <a16:creationId xmlns:a16="http://schemas.microsoft.com/office/drawing/2014/main" id="{D76D359F-22CA-E89B-B5AC-65AF54B5FD50}"/>
+              </a:ext>
+            </a:extLst>
+          </p:cNvPr>
+          <p:cNvSpPr txBox="1"/>
+          <p:nvPr/>
+        </p:nvSpPr>
+        <p:spPr>
+          <a:xfrm>
+            <a:off x="7448509" y="4431445"/>
+            <a:ext cx="1009692" cy="400110"/>
+          </a:xfrm>
+          <a:prstGeom prst="rect">
+            <a:avLst/>
+          </a:prstGeom>
+          <a:noFill/>
+        </p:spPr>
+        <p:txBody>
+          <a:bodyPr wrap="square" rtlCol="0">
+            <a:spAutoFit/>
+          </a:bodyPr>
+          <a:lstStyle/>
+          <a:p>
+            <a:r>
+              <a:rPr lang="en-US" sz="1000" dirty="0"/>
+              <a:t>Archive result to the result DB</a:t>
+            </a:r>
+            <a:endParaRPr lang="en-SG" sz="1000" dirty="0"/>
+          </a:p>
+        </p:txBody>
+      </p:sp>
+      <p:cxnSp>
+        <p:nvCxnSpPr>
+          <p:cNvPr id="1033" name="Connector: Elbow 1032">
+            <a:extLst>
+              <a:ext uri="{FF2B5EF4-FFF2-40B4-BE49-F238E27FC236}">
+                <a16:creationId xmlns:a16="http://schemas.microsoft.com/office/drawing/2014/main" id="{627F0230-AFE6-50A6-3194-E11FAD872565}"/>
+              </a:ext>
+            </a:extLst>
+          </p:cNvPr>
+          <p:cNvCxnSpPr>
+            <a:stCxn id="41" idx="2"/>
+            <a:endCxn id="3" idx="1"/>
+          </p:cNvCxnSpPr>
+          <p:nvPr/>
+        </p:nvCxnSpPr>
+        <p:spPr>
+          <a:xfrm rot="16200000" flipH="1">
+            <a:off x="4011330" y="1525352"/>
+            <a:ext cx="382173" cy="1149084"/>
+          </a:xfrm>
+          <a:prstGeom prst="bentConnector2">
+            <a:avLst/>
+          </a:prstGeom>
+          <a:ln w="19050">
+            <a:solidFill>
+              <a:schemeClr val="accent6">
+                <a:lumMod val="75000"/>
+              </a:schemeClr>
+            </a:solidFill>
+            <a:headEnd type="triangle"/>
+            <a:tailEnd type="triangle"/>
+          </a:ln>
+        </p:spPr>
+        <p:style>
+          <a:lnRef idx="1">
+            <a:schemeClr val="accent1"/>
+          </a:lnRef>
+          <a:fillRef idx="0">
+            <a:schemeClr val="accent1"/>
+          </a:fillRef>
+          <a:effectRef idx="0">
+            <a:schemeClr val="accent1"/>
+          </a:effectRef>
+          <a:fontRef idx="minor">
+            <a:schemeClr val="tx1"/>
+          </a:fontRef>
+        </p:style>
+      </p:cxnSp>
+      <p:cxnSp>
+        <p:nvCxnSpPr>
+          <p:cNvPr id="1034" name="Connector: Elbow 1033">
+            <a:extLst>
+              <a:ext uri="{FF2B5EF4-FFF2-40B4-BE49-F238E27FC236}">
+                <a16:creationId xmlns:a16="http://schemas.microsoft.com/office/drawing/2014/main" id="{7136428F-BC15-128F-D508-7B4F6FE85F6E}"/>
+              </a:ext>
+            </a:extLst>
+          </p:cNvPr>
+          <p:cNvCxnSpPr>
+            <a:cxnSpLocks/>
+            <a:stCxn id="41" idx="2"/>
+            <a:endCxn id="92" idx="1"/>
+          </p:cNvCxnSpPr>
+          <p:nvPr/>
+        </p:nvCxnSpPr>
+        <p:spPr>
+          <a:xfrm rot="16200000" flipH="1">
+            <a:off x="2778709" y="2757972"/>
+            <a:ext cx="2366221" cy="667891"/>
+          </a:xfrm>
+          <a:prstGeom prst="bentConnector2">
+            <a:avLst/>
+          </a:prstGeom>
+          <a:ln w="19050">
+            <a:solidFill>
+              <a:schemeClr val="accent6">
+                <a:lumMod val="75000"/>
+              </a:schemeClr>
+            </a:solidFill>
+            <a:headEnd type="triangle"/>
+            <a:tailEnd type="triangle"/>
+          </a:ln>
+        </p:spPr>
+        <p:style>
+          <a:lnRef idx="1">
+            <a:schemeClr val="accent1"/>
+          </a:lnRef>
+          <a:fillRef idx="0">
+            <a:schemeClr val="accent1"/>
+          </a:fillRef>
+          <a:effectRef idx="0">
+            <a:schemeClr val="accent1"/>
+          </a:effectRef>
+          <a:fontRef idx="minor">
+            <a:schemeClr val="tx1"/>
+          </a:fontRef>
+        </p:style>
+      </p:cxnSp>
+      <p:pic>
+        <p:nvPicPr>
+          <p:cNvPr id="1041" name="Picture 1040">
+            <a:extLst>
+              <a:ext uri="{FF2B5EF4-FFF2-40B4-BE49-F238E27FC236}">
+                <a16:creationId xmlns:a16="http://schemas.microsoft.com/office/drawing/2014/main" id="{0CAAC8CA-D7F3-EEE7-D229-2F736DC0ED13}"/>
+              </a:ext>
+            </a:extLst>
+          </p:cNvPr>
+          <p:cNvPicPr>
+            <a:picLocks noChangeAspect="1"/>
+          </p:cNvPicPr>
+          <p:nvPr/>
+        </p:nvPicPr>
+        <p:blipFill>
+          <a:blip r:embed="rId17"/>
+          <a:stretch>
+            <a:fillRect/>
+          </a:stretch>
+        </p:blipFill>
+        <p:spPr>
+          <a:xfrm>
+            <a:off x="1234612" y="4139830"/>
+            <a:ext cx="2037359" cy="1271215"/>
+          </a:xfrm>
+          <a:prstGeom prst="rect">
+            <a:avLst/>
+          </a:prstGeom>
+          <a:ln w="9525">
+            <a:solidFill>
+              <a:schemeClr val="tx1"/>
+            </a:solidFill>
+          </a:ln>
+        </p:spPr>
+      </p:pic>
+      <p:pic>
+        <p:nvPicPr>
+          <p:cNvPr id="1043" name="Picture 1042">
+            <a:extLst>
+              <a:ext uri="{FF2B5EF4-FFF2-40B4-BE49-F238E27FC236}">
+                <a16:creationId xmlns:a16="http://schemas.microsoft.com/office/drawing/2014/main" id="{F560E858-9C09-1A51-F7B1-1156367DC4C9}"/>
+              </a:ext>
+            </a:extLst>
+          </p:cNvPr>
+          <p:cNvPicPr>
+            <a:picLocks noChangeAspect="1"/>
+          </p:cNvPicPr>
+          <p:nvPr/>
+        </p:nvPicPr>
+        <p:blipFill>
+          <a:blip r:embed="rId18"/>
+          <a:stretch>
+            <a:fillRect/>
+          </a:stretch>
+        </p:blipFill>
+        <p:spPr>
+          <a:xfrm>
+            <a:off x="1226576" y="2476718"/>
+            <a:ext cx="2045395" cy="1288599"/>
+          </a:xfrm>
+          <a:prstGeom prst="rect">
+            <a:avLst/>
+          </a:prstGeom>
+          <a:ln w="6350">
+            <a:solidFill>
+              <a:schemeClr val="tx1"/>
+            </a:solidFill>
+          </a:ln>
+        </p:spPr>
+      </p:pic>
+      <p:sp>
+        <p:nvSpPr>
+          <p:cNvPr id="1044" name="Rectangle 1043">
+            <a:extLst>
+              <a:ext uri="{FF2B5EF4-FFF2-40B4-BE49-F238E27FC236}">
+                <a16:creationId xmlns:a16="http://schemas.microsoft.com/office/drawing/2014/main" id="{03D775C8-B1F2-7557-E7BC-A44E07F550E1}"/>
+              </a:ext>
+            </a:extLst>
+          </p:cNvPr>
+          <p:cNvSpPr/>
+          <p:nvPr/>
+        </p:nvSpPr>
+        <p:spPr>
+          <a:xfrm>
+            <a:off x="4003200" y="684899"/>
+            <a:ext cx="3475552" cy="4691366"/>
+          </a:xfrm>
+          <a:prstGeom prst="rect">
+            <a:avLst/>
+          </a:prstGeom>
+          <a:noFill/>
+          <a:ln w="9525" cap="flat" cmpd="sng" algn="ctr">
+            <a:solidFill>
+              <a:schemeClr val="accent1"/>
+            </a:solidFill>
+            <a:prstDash val="dash"/>
+            <a:round/>
+            <a:headEnd type="none" w="med" len="med"/>
+            <a:tailEnd type="none" w="med" len="med"/>
+          </a:ln>
+        </p:spPr>
+        <p:style>
+          <a:lnRef idx="0">
+            <a:scrgbClr r="0" g="0" b="0"/>
+          </a:lnRef>
+          <a:fillRef idx="0">
+            <a:scrgbClr r="0" g="0" b="0"/>
+          </a:fillRef>
+          <a:effectRef idx="0">
+            <a:scrgbClr r="0" g="0" b="0"/>
+          </a:effectRef>
+          <a:fontRef idx="minor">
+            <a:schemeClr val="dk1"/>
+          </a:fontRef>
+        </p:style>
+        <p:txBody>
+          <a:bodyPr rtlCol="0" anchor="ctr"/>
+          <a:lstStyle/>
+          <a:p>
+            <a:pPr algn="ctr"/>
+            <a:endParaRPr lang="en-SG" dirty="0">
+              <a:ln>
+                <a:solidFill>
+                  <a:schemeClr val="tx1"/>
+                </a:solidFill>
+                <a:prstDash val="sysDash"/>
+              </a:ln>
+            </a:endParaRPr>
+          </a:p>
+        </p:txBody>
+      </p:sp>
+      <p:sp>
+        <p:nvSpPr>
+          <p:cNvPr id="1045" name="TextBox 1044">
+            <a:extLst>
+              <a:ext uri="{FF2B5EF4-FFF2-40B4-BE49-F238E27FC236}">
+                <a16:creationId xmlns:a16="http://schemas.microsoft.com/office/drawing/2014/main" id="{A2E1D6CD-7E7D-4922-81EF-1FEF2136BE20}"/>
+              </a:ext>
+            </a:extLst>
+          </p:cNvPr>
+          <p:cNvSpPr txBox="1"/>
+          <p:nvPr/>
+        </p:nvSpPr>
+        <p:spPr>
+          <a:xfrm>
+            <a:off x="1128563" y="2154551"/>
+            <a:ext cx="1722885" cy="253916"/>
+          </a:xfrm>
+          <a:prstGeom prst="rect">
+            <a:avLst/>
+          </a:prstGeom>
+          <a:noFill/>
+        </p:spPr>
+        <p:txBody>
+          <a:bodyPr wrap="square">
+            <a:spAutoFit/>
+          </a:bodyPr>
+          <a:lstStyle/>
+          <a:p>
+            <a:r>
+              <a:rPr lang="en-US" sz="1050" b="1" dirty="0">
+                <a:solidFill>
+                  <a:schemeClr val="tx1">
+                    <a:lumMod val="75000"/>
+                    <a:lumOff val="25000"/>
+                  </a:schemeClr>
+                </a:solidFill>
+              </a:rPr>
+              <a:t>Web User Interface </a:t>
+            </a:r>
+            <a:endParaRPr lang="en-SG" sz="1050" b="1" dirty="0">
+              <a:solidFill>
+                <a:schemeClr val="tx1">
+                  <a:lumMod val="75000"/>
+                  <a:lumOff val="25000"/>
+                </a:schemeClr>
+              </a:solidFill>
+            </a:endParaRPr>
+          </a:p>
+        </p:txBody>
+      </p:sp>
+      <p:sp>
+        <p:nvSpPr>
+          <p:cNvPr id="1046" name="TextBox 1045">
+            <a:extLst>
+              <a:ext uri="{FF2B5EF4-FFF2-40B4-BE49-F238E27FC236}">
+                <a16:creationId xmlns:a16="http://schemas.microsoft.com/office/drawing/2014/main" id="{B8DA41D3-53BC-7B7F-79D4-D416D8D121E9}"/>
+              </a:ext>
+            </a:extLst>
+          </p:cNvPr>
+          <p:cNvSpPr txBox="1"/>
+          <p:nvPr/>
+        </p:nvSpPr>
+        <p:spPr>
+          <a:xfrm>
+            <a:off x="1163709" y="3826651"/>
+            <a:ext cx="2008956" cy="253916"/>
+          </a:xfrm>
+          <a:prstGeom prst="rect">
+            <a:avLst/>
+          </a:prstGeom>
+          <a:noFill/>
+        </p:spPr>
+        <p:txBody>
+          <a:bodyPr wrap="square">
+            <a:spAutoFit/>
+          </a:bodyPr>
+          <a:lstStyle/>
+          <a:p>
+            <a:r>
+              <a:rPr lang="en-US" sz="1050" b="1" dirty="0">
+                <a:solidFill>
+                  <a:schemeClr val="tx1">
+                    <a:lumMod val="75000"/>
+                    <a:lumOff val="25000"/>
+                  </a:schemeClr>
+                </a:solidFill>
+              </a:rPr>
+              <a:t>Command line User  interface </a:t>
+            </a:r>
+            <a:endParaRPr lang="en-SG" sz="1050" b="1" dirty="0">
+              <a:solidFill>
+                <a:schemeClr val="tx1">
+                  <a:lumMod val="75000"/>
+                  <a:lumOff val="25000"/>
+                </a:schemeClr>
+              </a:solidFill>
+            </a:endParaRPr>
+          </a:p>
+        </p:txBody>
+      </p:sp>
+      <p:cxnSp>
+        <p:nvCxnSpPr>
+          <p:cNvPr id="1048" name="Straight Arrow Connector 1047">
+            <a:extLst>
+              <a:ext uri="{FF2B5EF4-FFF2-40B4-BE49-F238E27FC236}">
+                <a16:creationId xmlns:a16="http://schemas.microsoft.com/office/drawing/2014/main" id="{BB8AAD24-693E-847A-C747-8148E183E240}"/>
+              </a:ext>
+            </a:extLst>
+          </p:cNvPr>
+          <p:cNvCxnSpPr>
+            <a:stCxn id="1044" idx="1"/>
+          </p:cNvCxnSpPr>
+          <p:nvPr/>
+        </p:nvCxnSpPr>
+        <p:spPr>
+          <a:xfrm flipH="1">
+            <a:off x="3297384" y="3030582"/>
+            <a:ext cx="705816" cy="0"/>
+          </a:xfrm>
+          <a:prstGeom prst="straightConnector1">
+            <a:avLst/>
+          </a:prstGeom>
+          <a:ln>
+            <a:prstDash val="dash"/>
+            <a:tailEnd type="triangle"/>
+          </a:ln>
+        </p:spPr>
+        <p:style>
+          <a:lnRef idx="1">
+            <a:schemeClr val="accent1"/>
+          </a:lnRef>
+          <a:fillRef idx="0">
+            <a:schemeClr val="accent1"/>
+          </a:fillRef>
+          <a:effectRef idx="0">
+            <a:schemeClr val="accent1"/>
+          </a:effectRef>
+          <a:fontRef idx="minor">
+            <a:schemeClr val="tx1"/>
+          </a:fontRef>
+        </p:style>
+      </p:cxnSp>
+      <p:cxnSp>
+        <p:nvCxnSpPr>
+          <p:cNvPr id="1049" name="Straight Arrow Connector 1048">
+            <a:extLst>
+              <a:ext uri="{FF2B5EF4-FFF2-40B4-BE49-F238E27FC236}">
+                <a16:creationId xmlns:a16="http://schemas.microsoft.com/office/drawing/2014/main" id="{250A38C5-A00A-310F-2ED8-50AB4B6DF7F6}"/>
+              </a:ext>
+            </a:extLst>
+          </p:cNvPr>
+          <p:cNvCxnSpPr/>
+          <p:nvPr/>
+        </p:nvCxnSpPr>
+        <p:spPr>
+          <a:xfrm flipH="1">
+            <a:off x="3271971" y="4829211"/>
+            <a:ext cx="705816" cy="0"/>
+          </a:xfrm>
+          <a:prstGeom prst="straightConnector1">
+            <a:avLst/>
+          </a:prstGeom>
+          <a:ln>
+            <a:prstDash val="dash"/>
+            <a:tailEnd type="triangle"/>
+          </a:ln>
+        </p:spPr>
+        <p:style>
+          <a:lnRef idx="1">
+            <a:schemeClr val="accent1"/>
+          </a:lnRef>
+          <a:fillRef idx="0">
+            <a:schemeClr val="accent1"/>
+          </a:fillRef>
+          <a:effectRef idx="0">
+            <a:schemeClr val="accent1"/>
+          </a:effectRef>
+          <a:fontRef idx="minor">
+            <a:schemeClr val="tx1"/>
+          </a:fontRef>
+        </p:style>
+      </p:cxnSp>
+      <p:cxnSp>
+        <p:nvCxnSpPr>
+          <p:cNvPr id="1050" name="Straight Arrow Connector 1049">
+            <a:extLst>
+              <a:ext uri="{FF2B5EF4-FFF2-40B4-BE49-F238E27FC236}">
+                <a16:creationId xmlns:a16="http://schemas.microsoft.com/office/drawing/2014/main" id="{E05F3B7A-752C-AC50-28C0-C1799547033F}"/>
+              </a:ext>
+            </a:extLst>
+          </p:cNvPr>
+          <p:cNvCxnSpPr>
+            <a:cxnSpLocks/>
+          </p:cNvCxnSpPr>
+          <p:nvPr/>
+        </p:nvCxnSpPr>
+        <p:spPr>
+          <a:xfrm>
+            <a:off x="1258343" y="1030923"/>
+            <a:ext cx="409885" cy="0"/>
+          </a:xfrm>
+          <a:prstGeom prst="straightConnector1">
+            <a:avLst/>
+          </a:prstGeom>
+          <a:ln>
+            <a:solidFill>
+              <a:schemeClr val="bg1">
+                <a:lumMod val="65000"/>
+              </a:schemeClr>
+            </a:solidFill>
+            <a:prstDash val="dash"/>
+            <a:tailEnd type="triangle"/>
+          </a:ln>
+        </p:spPr>
+        <p:style>
+          <a:lnRef idx="1">
+            <a:schemeClr val="accent1"/>
+          </a:lnRef>
+          <a:fillRef idx="0">
+            <a:schemeClr val="accent1"/>
+          </a:fillRef>
+          <a:effectRef idx="0">
+            <a:schemeClr val="accent1"/>
+          </a:effectRef>
+          <a:fontRef idx="minor">
+            <a:schemeClr val="tx1"/>
+          </a:fontRef>
+        </p:style>
+      </p:cxnSp>
+      <p:sp>
+        <p:nvSpPr>
+          <p:cNvPr id="1052" name="TextBox 1051">
+            <a:extLst>
+              <a:ext uri="{FF2B5EF4-FFF2-40B4-BE49-F238E27FC236}">
+                <a16:creationId xmlns:a16="http://schemas.microsoft.com/office/drawing/2014/main" id="{E0449EF3-CF60-6A6D-AA55-B8711DA646B3}"/>
+              </a:ext>
+            </a:extLst>
+          </p:cNvPr>
+          <p:cNvSpPr txBox="1"/>
+          <p:nvPr/>
+        </p:nvSpPr>
+        <p:spPr>
+          <a:xfrm>
+            <a:off x="7801457" y="575651"/>
+            <a:ext cx="2693787" cy="369332"/>
+          </a:xfrm>
+          <a:prstGeom prst="rect">
+            <a:avLst/>
+          </a:prstGeom>
+          <a:noFill/>
+        </p:spPr>
+        <p:txBody>
+          <a:bodyPr wrap="square">
+            <a:spAutoFit/>
+          </a:bodyPr>
+          <a:lstStyle/>
+          <a:p>
+            <a:r>
+              <a:rPr lang="en-US" b="1" dirty="0">
+                <a:solidFill>
+                  <a:schemeClr val="tx1">
+                    <a:lumMod val="75000"/>
+                    <a:lumOff val="25000"/>
+                  </a:schemeClr>
+                </a:solidFill>
+              </a:rPr>
+              <a:t>System Workflow </a:t>
+            </a:r>
+            <a:endParaRPr lang="en-SG" b="1" dirty="0">
+              <a:solidFill>
+                <a:schemeClr val="tx1">
+                  <a:lumMod val="75000"/>
+                  <a:lumOff val="25000"/>
+                </a:schemeClr>
+              </a:solidFill>
+            </a:endParaRPr>
+          </a:p>
+        </p:txBody>
+      </p:sp>
+      <p:sp>
+        <p:nvSpPr>
+          <p:cNvPr id="1053" name="Rectangle 1052">
+            <a:extLst>
+              <a:ext uri="{FF2B5EF4-FFF2-40B4-BE49-F238E27FC236}">
+                <a16:creationId xmlns:a16="http://schemas.microsoft.com/office/drawing/2014/main" id="{102EF1A3-402D-E864-5E55-3849BD5DE719}"/>
+              </a:ext>
+            </a:extLst>
+          </p:cNvPr>
+          <p:cNvSpPr/>
+          <p:nvPr/>
+        </p:nvSpPr>
+        <p:spPr>
+          <a:xfrm>
+            <a:off x="1012335" y="520803"/>
+            <a:ext cx="9521404" cy="5015838"/>
+          </a:xfrm>
+          <a:prstGeom prst="rect">
+            <a:avLst/>
+          </a:prstGeom>
+          <a:noFill/>
+          <a:ln w="19050" cap="flat" cmpd="sng" algn="ctr">
+            <a:solidFill>
+              <a:schemeClr val="dk1"/>
+            </a:solidFill>
+            <a:prstDash val="sysDash"/>
+            <a:round/>
+            <a:headEnd type="none" w="med" len="med"/>
+            <a:tailEnd type="none" w="med" len="med"/>
+          </a:ln>
+        </p:spPr>
+        <p:style>
+          <a:lnRef idx="0">
+            <a:scrgbClr r="0" g="0" b="0"/>
+          </a:lnRef>
+          <a:fillRef idx="0">
+            <a:scrgbClr r="0" g="0" b="0"/>
+          </a:fillRef>
+          <a:effectRef idx="0">
+            <a:scrgbClr r="0" g="0" b="0"/>
+          </a:effectRef>
+          <a:fontRef idx="minor">
+            <a:schemeClr val="dk1"/>
+          </a:fontRef>
+        </p:style>
+        <p:txBody>
+          <a:bodyPr rtlCol="0" anchor="ctr"/>
+          <a:lstStyle/>
+          <a:p>
+            <a:pPr algn="ctr"/>
+            <a:endParaRPr lang="en-SG" dirty="0">
+              <a:ln>
+                <a:solidFill>
+                  <a:schemeClr val="tx1"/>
+                </a:solidFill>
+                <a:prstDash val="sysDash"/>
+              </a:ln>
+            </a:endParaRPr>
+          </a:p>
+        </p:txBody>
+      </p:sp>
     </p:spTree>
     <p:extLst>
       <p:ext uri="{BB962C8B-B14F-4D97-AF65-F5344CB8AC3E}">
-        <p14:creationId xmlns:p14="http://schemas.microsoft.com/office/powerpoint/2010/main" val="559189620"/>
+        <p14:creationId xmlns:p14="http://schemas.microsoft.com/office/powerpoint/2010/main" val="3723481879"/>
       </p:ext>
     </p:extLst>
   </p:cSld>

--- a/doc/designDoc.pptx
+++ b/doc/designDoc.pptx
@@ -7,9 +7,10 @@
   <p:sldIdLst>
     <p:sldId id="259" r:id="rId2"/>
     <p:sldId id="260" r:id="rId3"/>
-    <p:sldId id="256" r:id="rId4"/>
-    <p:sldId id="257" r:id="rId5"/>
-    <p:sldId id="258" r:id="rId6"/>
+    <p:sldId id="261" r:id="rId4"/>
+    <p:sldId id="256" r:id="rId5"/>
+    <p:sldId id="257" r:id="rId6"/>
+    <p:sldId id="258" r:id="rId7"/>
   </p:sldIdLst>
   <p:sldSz cx="12192000" cy="6858000"/>
   <p:notesSz cx="6858000" cy="9144000"/>
@@ -8867,265 +8868,12 @@
           <a:chExt cx="0" cy="0"/>
         </a:xfrm>
       </p:grpSpPr>
-      <p:sp>
-        <p:nvSpPr>
-          <p:cNvPr id="52" name="Rectangle 51">
-            <a:extLst>
-              <a:ext uri="{FF2B5EF4-FFF2-40B4-BE49-F238E27FC236}">
-                <a16:creationId xmlns:a16="http://schemas.microsoft.com/office/drawing/2014/main" id="{704E3555-ACD8-2EA8-9FEF-51059474E4F7}"/>
-              </a:ext>
-            </a:extLst>
-          </p:cNvPr>
-          <p:cNvSpPr/>
-          <p:nvPr/>
-        </p:nvSpPr>
-        <p:spPr>
-          <a:xfrm>
-            <a:off x="539496" y="685800"/>
-            <a:ext cx="8092440" cy="5415067"/>
-          </a:xfrm>
-          <a:prstGeom prst="rect">
-            <a:avLst/>
-          </a:prstGeom>
-          <a:noFill/>
-          <a:ln w="19050" cap="flat" cmpd="sng" algn="ctr">
-            <a:solidFill>
-              <a:schemeClr val="dk1"/>
-            </a:solidFill>
-            <a:prstDash val="sysDash"/>
-            <a:round/>
-            <a:headEnd type="none" w="med" len="med"/>
-            <a:tailEnd type="none" w="med" len="med"/>
-          </a:ln>
-        </p:spPr>
-        <p:style>
-          <a:lnRef idx="0">
-            <a:scrgbClr r="0" g="0" b="0"/>
-          </a:lnRef>
-          <a:fillRef idx="0">
-            <a:scrgbClr r="0" g="0" b="0"/>
-          </a:fillRef>
-          <a:effectRef idx="0">
-            <a:scrgbClr r="0" g="0" b="0"/>
-          </a:effectRef>
-          <a:fontRef idx="minor">
-            <a:schemeClr val="dk1"/>
-          </a:fontRef>
-        </p:style>
-        <p:txBody>
-          <a:bodyPr rtlCol="0" anchor="ctr"/>
-          <a:lstStyle/>
-          <a:p>
-            <a:pPr algn="ctr"/>
-            <a:endParaRPr lang="en-SG" dirty="0">
-              <a:ln>
-                <a:solidFill>
-                  <a:schemeClr val="tx1"/>
-                </a:solidFill>
-                <a:prstDash val="sysDash"/>
-              </a:ln>
-            </a:endParaRPr>
-          </a:p>
-        </p:txBody>
-      </p:sp>
-      <p:sp>
-        <p:nvSpPr>
-          <p:cNvPr id="24" name="Rectangle 23">
-            <a:extLst>
-              <a:ext uri="{FF2B5EF4-FFF2-40B4-BE49-F238E27FC236}">
-                <a16:creationId xmlns:a16="http://schemas.microsoft.com/office/drawing/2014/main" id="{47CCA856-066D-EEA1-47AE-AEBD81F1F3B1}"/>
-              </a:ext>
-            </a:extLst>
-          </p:cNvPr>
-          <p:cNvSpPr/>
-          <p:nvPr/>
-        </p:nvSpPr>
-        <p:spPr>
-          <a:xfrm>
-            <a:off x="5239265" y="1292729"/>
-            <a:ext cx="3180834" cy="2426655"/>
-          </a:xfrm>
-          <a:prstGeom prst="rect">
-            <a:avLst/>
-          </a:prstGeom>
-          <a:solidFill>
-            <a:schemeClr val="accent6">
-              <a:lumMod val="20000"/>
-              <a:lumOff val="80000"/>
-            </a:schemeClr>
-          </a:solidFill>
-        </p:spPr>
-        <p:style>
-          <a:lnRef idx="2">
-            <a:schemeClr val="accent1">
-              <a:shade val="15000"/>
-            </a:schemeClr>
-          </a:lnRef>
-          <a:fillRef idx="1">
-            <a:schemeClr val="accent1"/>
-          </a:fillRef>
-          <a:effectRef idx="0">
-            <a:schemeClr val="accent1"/>
-          </a:effectRef>
-          <a:fontRef idx="minor">
-            <a:schemeClr val="lt1"/>
-          </a:fontRef>
-        </p:style>
-        <p:txBody>
-          <a:bodyPr rtlCol="0" anchor="ctr"/>
-          <a:lstStyle/>
-          <a:p>
-            <a:pPr algn="ctr"/>
-            <a:endParaRPr lang="en-SG" dirty="0"/>
-          </a:p>
-        </p:txBody>
-      </p:sp>
-      <p:sp>
-        <p:nvSpPr>
-          <p:cNvPr id="4" name="Rectangle 3">
-            <a:extLst>
-              <a:ext uri="{FF2B5EF4-FFF2-40B4-BE49-F238E27FC236}">
-                <a16:creationId xmlns:a16="http://schemas.microsoft.com/office/drawing/2014/main" id="{FAFF11FF-5AA3-27EF-54EB-61813BE0A74C}"/>
-              </a:ext>
-            </a:extLst>
-          </p:cNvPr>
-          <p:cNvSpPr/>
-          <p:nvPr/>
-        </p:nvSpPr>
-        <p:spPr>
-          <a:xfrm>
-            <a:off x="2763682" y="1126090"/>
-            <a:ext cx="1411070" cy="346917"/>
-          </a:xfrm>
-          <a:prstGeom prst="rect">
-            <a:avLst/>
-          </a:prstGeom>
-        </p:spPr>
-        <p:style>
-          <a:lnRef idx="2">
-            <a:schemeClr val="accent1">
-              <a:shade val="50000"/>
-            </a:schemeClr>
-          </a:lnRef>
-          <a:fillRef idx="1">
-            <a:schemeClr val="accent1"/>
-          </a:fillRef>
-          <a:effectRef idx="0">
-            <a:schemeClr val="accent1"/>
-          </a:effectRef>
-          <a:fontRef idx="minor">
-            <a:schemeClr val="lt1"/>
-          </a:fontRef>
-        </p:style>
-        <p:txBody>
-          <a:bodyPr rtlCol="0" anchor="ctr"/>
-          <a:lstStyle/>
-          <a:p>
-            <a:r>
-              <a:rPr lang="en-US" sz="1200" b="1" dirty="0"/>
-              <a:t>MCQ-GPT Bot start </a:t>
-            </a:r>
-            <a:endParaRPr lang="en-SG" sz="1200" b="1" dirty="0"/>
-          </a:p>
-        </p:txBody>
-      </p:sp>
-      <p:cxnSp>
-        <p:nvCxnSpPr>
-          <p:cNvPr id="5" name="Straight Arrow Connector 4">
-            <a:extLst>
-              <a:ext uri="{FF2B5EF4-FFF2-40B4-BE49-F238E27FC236}">
-                <a16:creationId xmlns:a16="http://schemas.microsoft.com/office/drawing/2014/main" id="{A79484A5-B1CC-D6D4-941E-E2C54FD2B1B2}"/>
-              </a:ext>
-            </a:extLst>
-          </p:cNvPr>
-          <p:cNvCxnSpPr>
-            <a:cxnSpLocks/>
-          </p:cNvCxnSpPr>
-          <p:nvPr/>
-        </p:nvCxnSpPr>
-        <p:spPr>
-          <a:xfrm>
-            <a:off x="3312698" y="1473007"/>
-            <a:ext cx="0" cy="303620"/>
-          </a:xfrm>
-          <a:prstGeom prst="straightConnector1">
-            <a:avLst/>
-          </a:prstGeom>
-          <a:ln w="19050">
-            <a:prstDash val="sysDash"/>
-            <a:tailEnd type="triangle"/>
-          </a:ln>
-        </p:spPr>
-        <p:style>
-          <a:lnRef idx="1">
-            <a:schemeClr val="accent1"/>
-          </a:lnRef>
-          <a:fillRef idx="0">
-            <a:schemeClr val="accent1"/>
-          </a:fillRef>
-          <a:effectRef idx="0">
-            <a:schemeClr val="accent1"/>
-          </a:effectRef>
-          <a:fontRef idx="minor">
-            <a:schemeClr val="tx1"/>
-          </a:fontRef>
-        </p:style>
-      </p:cxnSp>
-      <p:sp>
-        <p:nvSpPr>
-          <p:cNvPr id="6" name="Rectangle 5">
-            <a:extLst>
-              <a:ext uri="{FF2B5EF4-FFF2-40B4-BE49-F238E27FC236}">
-                <a16:creationId xmlns:a16="http://schemas.microsoft.com/office/drawing/2014/main" id="{C5344DDC-0597-01CF-DE60-3AE5C24E2211}"/>
-              </a:ext>
-            </a:extLst>
-          </p:cNvPr>
-          <p:cNvSpPr/>
-          <p:nvPr/>
-        </p:nvSpPr>
-        <p:spPr>
-          <a:xfrm>
-            <a:off x="2763683" y="1806777"/>
-            <a:ext cx="1411070" cy="346917"/>
-          </a:xfrm>
-          <a:prstGeom prst="rect">
-            <a:avLst/>
-          </a:prstGeom>
-        </p:spPr>
-        <p:style>
-          <a:lnRef idx="2">
-            <a:schemeClr val="accent1">
-              <a:shade val="50000"/>
-            </a:schemeClr>
-          </a:lnRef>
-          <a:fillRef idx="1">
-            <a:schemeClr val="accent1"/>
-          </a:fillRef>
-          <a:effectRef idx="0">
-            <a:schemeClr val="accent1"/>
-          </a:effectRef>
-          <a:fontRef idx="minor">
-            <a:schemeClr val="lt1"/>
-          </a:fontRef>
-        </p:style>
-        <p:txBody>
-          <a:bodyPr rtlCol="0" anchor="ctr"/>
-          <a:lstStyle/>
-          <a:p>
-            <a:r>
-              <a:rPr lang="en-US" sz="1200" b="1" dirty="0"/>
-              <a:t>Loading config file</a:t>
-            </a:r>
-            <a:endParaRPr lang="en-SG" sz="1200" b="1" dirty="0"/>
-          </a:p>
-        </p:txBody>
-      </p:sp>
       <p:pic>
         <p:nvPicPr>
-          <p:cNvPr id="7" name="Picture 6">
-            <a:extLst>
-              <a:ext uri="{FF2B5EF4-FFF2-40B4-BE49-F238E27FC236}">
-                <a16:creationId xmlns:a16="http://schemas.microsoft.com/office/drawing/2014/main" id="{10A7A53C-01F8-D528-A0CE-E46981718051}"/>
+          <p:cNvPr id="5" name="Picture 4">
+            <a:extLst>
+              <a:ext uri="{FF2B5EF4-FFF2-40B4-BE49-F238E27FC236}">
+                <a16:creationId xmlns:a16="http://schemas.microsoft.com/office/drawing/2014/main" id="{A33EEF7B-CE6F-863A-6A52-BC8F88AA83A8}"/>
               </a:ext>
             </a:extLst>
           </p:cNvPr>
@@ -9142,189 +8890,20 @@
         </p:blipFill>
         <p:spPr>
           <a:xfrm>
-            <a:off x="4722491" y="1126090"/>
-            <a:ext cx="324555" cy="372004"/>
+            <a:off x="751290" y="1220740"/>
+            <a:ext cx="9523809" cy="1180952"/>
           </a:xfrm>
           <a:prstGeom prst="rect">
             <a:avLst/>
           </a:prstGeom>
         </p:spPr>
       </p:pic>
-      <p:cxnSp>
-        <p:nvCxnSpPr>
-          <p:cNvPr id="8" name="Connector: Elbow 7">
-            <a:extLst>
-              <a:ext uri="{FF2B5EF4-FFF2-40B4-BE49-F238E27FC236}">
-                <a16:creationId xmlns:a16="http://schemas.microsoft.com/office/drawing/2014/main" id="{E4ED5EDF-97B5-A948-AFF1-50426CFE3050}"/>
-              </a:ext>
-            </a:extLst>
-          </p:cNvPr>
-          <p:cNvCxnSpPr>
-            <a:cxnSpLocks/>
-            <a:stCxn id="7" idx="2"/>
-          </p:cNvCxnSpPr>
-          <p:nvPr/>
-        </p:nvCxnSpPr>
-        <p:spPr>
-          <a:xfrm rot="5400000">
-            <a:off x="4297742" y="1348429"/>
-            <a:ext cx="437362" cy="736693"/>
-          </a:xfrm>
-          <a:prstGeom prst="bentConnector2">
-            <a:avLst/>
-          </a:prstGeom>
-          <a:ln>
-            <a:tailEnd type="triangle"/>
-          </a:ln>
-        </p:spPr>
-        <p:style>
-          <a:lnRef idx="1">
-            <a:schemeClr val="dk1"/>
-          </a:lnRef>
-          <a:fillRef idx="0">
-            <a:schemeClr val="dk1"/>
-          </a:fillRef>
-          <a:effectRef idx="0">
-            <a:schemeClr val="dk1"/>
-          </a:effectRef>
-          <a:fontRef idx="minor">
-            <a:schemeClr val="tx1"/>
-          </a:fontRef>
-        </p:style>
-      </p:cxnSp>
-      <p:sp>
-        <p:nvSpPr>
-          <p:cNvPr id="9" name="TextBox 8">
-            <a:extLst>
-              <a:ext uri="{FF2B5EF4-FFF2-40B4-BE49-F238E27FC236}">
-                <a16:creationId xmlns:a16="http://schemas.microsoft.com/office/drawing/2014/main" id="{661F3FAD-F639-FF83-6881-6D5362C1DB52}"/>
-              </a:ext>
-            </a:extLst>
-          </p:cNvPr>
-          <p:cNvSpPr txBox="1"/>
-          <p:nvPr/>
-        </p:nvSpPr>
-        <p:spPr>
-          <a:xfrm>
-            <a:off x="4320014" y="757133"/>
-            <a:ext cx="1198235" cy="400110"/>
-          </a:xfrm>
-          <a:prstGeom prst="rect">
-            <a:avLst/>
-          </a:prstGeom>
-          <a:noFill/>
-        </p:spPr>
-        <p:txBody>
-          <a:bodyPr wrap="square" rtlCol="0">
-            <a:spAutoFit/>
-          </a:bodyPr>
-          <a:lstStyle/>
-          <a:p>
-            <a:r>
-              <a:rPr lang="en-US" sz="1000" dirty="0"/>
-              <a:t>Program system config file</a:t>
-            </a:r>
-            <a:endParaRPr lang="en-SG" sz="1000" dirty="0"/>
-          </a:p>
-        </p:txBody>
-      </p:sp>
-      <p:cxnSp>
-        <p:nvCxnSpPr>
-          <p:cNvPr id="2" name="Straight Arrow Connector 1">
-            <a:extLst>
-              <a:ext uri="{FF2B5EF4-FFF2-40B4-BE49-F238E27FC236}">
-                <a16:creationId xmlns:a16="http://schemas.microsoft.com/office/drawing/2014/main" id="{16546F25-A019-B50C-EA4B-8216CAF69CF3}"/>
-              </a:ext>
-            </a:extLst>
-          </p:cNvPr>
-          <p:cNvCxnSpPr>
-            <a:cxnSpLocks/>
-          </p:cNvCxnSpPr>
-          <p:nvPr/>
-        </p:nvCxnSpPr>
-        <p:spPr>
-          <a:xfrm>
-            <a:off x="3312698" y="2153694"/>
-            <a:ext cx="0" cy="303620"/>
-          </a:xfrm>
-          <a:prstGeom prst="straightConnector1">
-            <a:avLst/>
-          </a:prstGeom>
-          <a:ln w="19050">
-            <a:prstDash val="sysDash"/>
-            <a:tailEnd type="triangle"/>
-          </a:ln>
-        </p:spPr>
-        <p:style>
-          <a:lnRef idx="1">
-            <a:schemeClr val="accent1"/>
-          </a:lnRef>
-          <a:fillRef idx="0">
-            <a:schemeClr val="accent1"/>
-          </a:fillRef>
-          <a:effectRef idx="0">
-            <a:schemeClr val="accent1"/>
-          </a:effectRef>
-          <a:fontRef idx="minor">
-            <a:schemeClr val="tx1"/>
-          </a:fontRef>
-        </p:style>
-      </p:cxnSp>
-      <p:sp>
-        <p:nvSpPr>
-          <p:cNvPr id="3" name="Rectangle 2">
-            <a:extLst>
-              <a:ext uri="{FF2B5EF4-FFF2-40B4-BE49-F238E27FC236}">
-                <a16:creationId xmlns:a16="http://schemas.microsoft.com/office/drawing/2014/main" id="{95FB41B5-50B9-2F32-1752-AEB0D103E81B}"/>
-              </a:ext>
-            </a:extLst>
-          </p:cNvPr>
-          <p:cNvSpPr/>
-          <p:nvPr/>
-        </p:nvSpPr>
-        <p:spPr>
-          <a:xfrm>
-            <a:off x="2763683" y="2457314"/>
-            <a:ext cx="1411070" cy="482479"/>
-          </a:xfrm>
-          <a:prstGeom prst="rect">
-            <a:avLst/>
-          </a:prstGeom>
-        </p:spPr>
-        <p:style>
-          <a:lnRef idx="2">
-            <a:schemeClr val="accent1">
-              <a:shade val="50000"/>
-            </a:schemeClr>
-          </a:lnRef>
-          <a:fillRef idx="1">
-            <a:schemeClr val="accent1"/>
-          </a:fillRef>
-          <a:effectRef idx="0">
-            <a:schemeClr val="accent1"/>
-          </a:effectRef>
-          <a:fontRef idx="minor">
-            <a:schemeClr val="lt1"/>
-          </a:fontRef>
-        </p:style>
-        <p:txBody>
-          <a:bodyPr rtlCol="0" anchor="ctr"/>
-          <a:lstStyle/>
-          <a:p>
-            <a:r>
-              <a:rPr lang="en-US" sz="1200" b="1" dirty="0"/>
-              <a:t>Search MCQ source and load questions</a:t>
-            </a:r>
-            <a:endParaRPr lang="en-SG" sz="1200" b="1" dirty="0"/>
-          </a:p>
-        </p:txBody>
-      </p:sp>
       <p:pic>
         <p:nvPicPr>
-          <p:cNvPr id="11" name="Picture 10">
-            <a:extLst>
-              <a:ext uri="{FF2B5EF4-FFF2-40B4-BE49-F238E27FC236}">
-                <a16:creationId xmlns:a16="http://schemas.microsoft.com/office/drawing/2014/main" id="{872D0F6D-1FD0-6273-3ADB-DEF005C33106}"/>
+          <p:cNvPr id="7" name="Picture 6">
+            <a:extLst>
+              <a:ext uri="{FF2B5EF4-FFF2-40B4-BE49-F238E27FC236}">
+                <a16:creationId xmlns:a16="http://schemas.microsoft.com/office/drawing/2014/main" id="{8F66E3B9-E597-1EA3-DD49-33FF8E25D862}"/>
               </a:ext>
             </a:extLst>
           </p:cNvPr>
@@ -9341,25 +8920,20 @@
         </p:blipFill>
         <p:spPr>
           <a:xfrm>
-            <a:off x="5518249" y="1652435"/>
-            <a:ext cx="424573" cy="490526"/>
-          </a:xfrm>
-          <a:prstGeom prst="rect">
-            <a:avLst/>
-          </a:prstGeom>
-          <a:ln w="3175">
-            <a:solidFill>
-              <a:schemeClr val="tx1"/>
-            </a:solidFill>
-          </a:ln>
+            <a:off x="751290" y="2642237"/>
+            <a:ext cx="9523808" cy="1433021"/>
+          </a:xfrm>
+          <a:prstGeom prst="rect">
+            <a:avLst/>
+          </a:prstGeom>
         </p:spPr>
       </p:pic>
       <p:pic>
         <p:nvPicPr>
-          <p:cNvPr id="13" name="Picture 12">
-            <a:extLst>
-              <a:ext uri="{FF2B5EF4-FFF2-40B4-BE49-F238E27FC236}">
-                <a16:creationId xmlns:a16="http://schemas.microsoft.com/office/drawing/2014/main" id="{529D2356-CE3C-FBB6-3FC8-26B1974E8F6D}"/>
+          <p:cNvPr id="9" name="Picture 8">
+            <a:extLst>
+              <a:ext uri="{FF2B5EF4-FFF2-40B4-BE49-F238E27FC236}">
+                <a16:creationId xmlns:a16="http://schemas.microsoft.com/office/drawing/2014/main" id="{C2C08CE8-AFFF-6F70-2282-4A336CEF4638}"/>
               </a:ext>
             </a:extLst>
           </p:cNvPr>
@@ -9376,2257 +8950,18 @@
         </p:blipFill>
         <p:spPr>
           <a:xfrm>
-            <a:off x="5495869" y="2457314"/>
-            <a:ext cx="469332" cy="536380"/>
+            <a:off x="751290" y="4315803"/>
+            <a:ext cx="9523808" cy="2232380"/>
           </a:xfrm>
           <a:prstGeom prst="rect">
             <a:avLst/>
           </a:prstGeom>
         </p:spPr>
       </p:pic>
-      <p:pic>
-        <p:nvPicPr>
-          <p:cNvPr id="15" name="Picture 14">
-            <a:extLst>
-              <a:ext uri="{FF2B5EF4-FFF2-40B4-BE49-F238E27FC236}">
-                <a16:creationId xmlns:a16="http://schemas.microsoft.com/office/drawing/2014/main" id="{853EAAC3-9719-3E77-9D4B-6160B41F1F6D}"/>
-              </a:ext>
-            </a:extLst>
-          </p:cNvPr>
-          <p:cNvPicPr>
-            <a:picLocks noChangeAspect="1"/>
-          </p:cNvPicPr>
-          <p:nvPr/>
-        </p:nvPicPr>
-        <p:blipFill>
-          <a:blip r:embed="rId5"/>
-          <a:stretch>
-            <a:fillRect/>
-          </a:stretch>
-        </p:blipFill>
-        <p:spPr>
-          <a:xfrm>
-            <a:off x="6387025" y="1631194"/>
-            <a:ext cx="493484" cy="501895"/>
-          </a:xfrm>
-          <a:prstGeom prst="rect">
-            <a:avLst/>
-          </a:prstGeom>
-          <a:ln w="3175">
-            <a:solidFill>
-              <a:schemeClr val="tx1"/>
-            </a:solidFill>
-          </a:ln>
-        </p:spPr>
-      </p:pic>
-      <p:pic>
-        <p:nvPicPr>
-          <p:cNvPr id="17" name="Picture 16">
-            <a:extLst>
-              <a:ext uri="{FF2B5EF4-FFF2-40B4-BE49-F238E27FC236}">
-                <a16:creationId xmlns:a16="http://schemas.microsoft.com/office/drawing/2014/main" id="{AC733978-6AFB-DEB7-E44A-45A3D4A5A7DA}"/>
-              </a:ext>
-            </a:extLst>
-          </p:cNvPr>
-          <p:cNvPicPr>
-            <a:picLocks noChangeAspect="1"/>
-          </p:cNvPicPr>
-          <p:nvPr/>
-        </p:nvPicPr>
-        <p:blipFill>
-          <a:blip r:embed="rId6"/>
-          <a:stretch>
-            <a:fillRect/>
-          </a:stretch>
-        </p:blipFill>
-        <p:spPr>
-          <a:xfrm>
-            <a:off x="6379683" y="2458367"/>
-            <a:ext cx="469333" cy="495589"/>
-          </a:xfrm>
-          <a:prstGeom prst="rect">
-            <a:avLst/>
-          </a:prstGeom>
-        </p:spPr>
-      </p:pic>
-      <p:pic>
-        <p:nvPicPr>
-          <p:cNvPr id="19" name="Picture 18">
-            <a:extLst>
-              <a:ext uri="{FF2B5EF4-FFF2-40B4-BE49-F238E27FC236}">
-                <a16:creationId xmlns:a16="http://schemas.microsoft.com/office/drawing/2014/main" id="{ED7C6FDE-566F-28B3-9276-48D50823F3DA}"/>
-              </a:ext>
-            </a:extLst>
-          </p:cNvPr>
-          <p:cNvPicPr>
-            <a:picLocks noChangeAspect="1"/>
-          </p:cNvPicPr>
-          <p:nvPr/>
-        </p:nvPicPr>
-        <p:blipFill>
-          <a:blip r:embed="rId7"/>
-          <a:stretch>
-            <a:fillRect/>
-          </a:stretch>
-        </p:blipFill>
-        <p:spPr>
-          <a:xfrm>
-            <a:off x="5459759" y="3235904"/>
-            <a:ext cx="678634" cy="268470"/>
-          </a:xfrm>
-          <a:prstGeom prst="rect">
-            <a:avLst/>
-          </a:prstGeom>
-        </p:spPr>
-      </p:pic>
-      <p:pic>
-        <p:nvPicPr>
-          <p:cNvPr id="21" name="Picture 20">
-            <a:extLst>
-              <a:ext uri="{FF2B5EF4-FFF2-40B4-BE49-F238E27FC236}">
-                <a16:creationId xmlns:a16="http://schemas.microsoft.com/office/drawing/2014/main" id="{295A519A-8221-D735-A411-18BC1849FDCE}"/>
-              </a:ext>
-            </a:extLst>
-          </p:cNvPr>
-          <p:cNvPicPr>
-            <a:picLocks noChangeAspect="1"/>
-          </p:cNvPicPr>
-          <p:nvPr/>
-        </p:nvPicPr>
-        <p:blipFill>
-          <a:blip r:embed="rId8"/>
-          <a:stretch>
-            <a:fillRect/>
-          </a:stretch>
-        </p:blipFill>
-        <p:spPr>
-          <a:xfrm>
-            <a:off x="6306981" y="3168893"/>
-            <a:ext cx="469333" cy="378074"/>
-          </a:xfrm>
-          <a:prstGeom prst="rect">
-            <a:avLst/>
-          </a:prstGeom>
-        </p:spPr>
-      </p:pic>
-      <p:pic>
-        <p:nvPicPr>
-          <p:cNvPr id="23" name="Picture 22">
-            <a:extLst>
-              <a:ext uri="{FF2B5EF4-FFF2-40B4-BE49-F238E27FC236}">
-                <a16:creationId xmlns:a16="http://schemas.microsoft.com/office/drawing/2014/main" id="{3571726D-1747-9369-2E38-FBF6B3B03FE6}"/>
-              </a:ext>
-            </a:extLst>
-          </p:cNvPr>
-          <p:cNvPicPr>
-            <a:picLocks noChangeAspect="1"/>
-          </p:cNvPicPr>
-          <p:nvPr/>
-        </p:nvPicPr>
-        <p:blipFill>
-          <a:blip r:embed="rId9"/>
-          <a:stretch>
-            <a:fillRect/>
-          </a:stretch>
-        </p:blipFill>
-        <p:spPr>
-          <a:xfrm>
-            <a:off x="7263124" y="1735378"/>
-            <a:ext cx="640985" cy="407583"/>
-          </a:xfrm>
-          <a:prstGeom prst="rect">
-            <a:avLst/>
-          </a:prstGeom>
-        </p:spPr>
-      </p:pic>
-      <p:sp>
-        <p:nvSpPr>
-          <p:cNvPr id="25" name="TextBox 24">
-            <a:extLst>
-              <a:ext uri="{FF2B5EF4-FFF2-40B4-BE49-F238E27FC236}">
-                <a16:creationId xmlns:a16="http://schemas.microsoft.com/office/drawing/2014/main" id="{EC3EE384-ED70-6EAA-4C8C-7B433FA8124A}"/>
-              </a:ext>
-            </a:extLst>
-          </p:cNvPr>
-          <p:cNvSpPr txBox="1"/>
-          <p:nvPr/>
-        </p:nvSpPr>
-        <p:spPr>
-          <a:xfrm>
-            <a:off x="5329494" y="1361759"/>
-            <a:ext cx="910357" cy="268469"/>
-          </a:xfrm>
-          <a:prstGeom prst="rect">
-            <a:avLst/>
-          </a:prstGeom>
-          <a:noFill/>
-        </p:spPr>
-        <p:txBody>
-          <a:bodyPr wrap="square">
-            <a:spAutoFit/>
-          </a:bodyPr>
-          <a:lstStyle/>
-          <a:p>
-            <a:r>
-              <a:rPr lang="en-US" sz="1100" b="1" dirty="0">
-                <a:solidFill>
-                  <a:schemeClr val="tx1">
-                    <a:lumMod val="75000"/>
-                    <a:lumOff val="25000"/>
-                  </a:schemeClr>
-                </a:solidFill>
-              </a:rPr>
-              <a:t>PDF format </a:t>
-            </a:r>
-            <a:endParaRPr lang="en-SG" sz="1100" b="1" dirty="0">
-              <a:solidFill>
-                <a:schemeClr val="tx1">
-                  <a:lumMod val="75000"/>
-                  <a:lumOff val="25000"/>
-                </a:schemeClr>
-              </a:solidFill>
-            </a:endParaRPr>
-          </a:p>
-        </p:txBody>
-      </p:sp>
-      <p:sp>
-        <p:nvSpPr>
-          <p:cNvPr id="26" name="TextBox 25">
-            <a:extLst>
-              <a:ext uri="{FF2B5EF4-FFF2-40B4-BE49-F238E27FC236}">
-                <a16:creationId xmlns:a16="http://schemas.microsoft.com/office/drawing/2014/main" id="{71846861-4ADF-6F56-3968-4074309336F0}"/>
-              </a:ext>
-            </a:extLst>
-          </p:cNvPr>
-          <p:cNvSpPr txBox="1"/>
-          <p:nvPr/>
-        </p:nvSpPr>
-        <p:spPr>
-          <a:xfrm>
-            <a:off x="6264678" y="1358305"/>
-            <a:ext cx="910357" cy="268469"/>
-          </a:xfrm>
-          <a:prstGeom prst="rect">
-            <a:avLst/>
-          </a:prstGeom>
-          <a:noFill/>
-        </p:spPr>
-        <p:txBody>
-          <a:bodyPr wrap="square">
-            <a:spAutoFit/>
-          </a:bodyPr>
-          <a:lstStyle/>
-          <a:p>
-            <a:r>
-              <a:rPr lang="en-US" sz="1100" b="1" dirty="0">
-                <a:solidFill>
-                  <a:schemeClr val="tx1">
-                    <a:lumMod val="75000"/>
-                    <a:lumOff val="25000"/>
-                  </a:schemeClr>
-                </a:solidFill>
-              </a:rPr>
-              <a:t>Text format </a:t>
-            </a:r>
-            <a:endParaRPr lang="en-SG" sz="1100" b="1" dirty="0">
-              <a:solidFill>
-                <a:schemeClr val="tx1">
-                  <a:lumMod val="75000"/>
-                  <a:lumOff val="25000"/>
-                </a:schemeClr>
-              </a:solidFill>
-            </a:endParaRPr>
-          </a:p>
-        </p:txBody>
-      </p:sp>
-      <p:sp>
-        <p:nvSpPr>
-          <p:cNvPr id="27" name="TextBox 26">
-            <a:extLst>
-              <a:ext uri="{FF2B5EF4-FFF2-40B4-BE49-F238E27FC236}">
-                <a16:creationId xmlns:a16="http://schemas.microsoft.com/office/drawing/2014/main" id="{335BD7A7-EE71-6D35-630A-E971B7D80359}"/>
-              </a:ext>
-            </a:extLst>
-          </p:cNvPr>
-          <p:cNvSpPr txBox="1"/>
-          <p:nvPr/>
-        </p:nvSpPr>
-        <p:spPr>
-          <a:xfrm>
-            <a:off x="7214938" y="1337512"/>
-            <a:ext cx="910357" cy="430887"/>
-          </a:xfrm>
-          <a:prstGeom prst="rect">
-            <a:avLst/>
-          </a:prstGeom>
-          <a:noFill/>
-        </p:spPr>
-        <p:txBody>
-          <a:bodyPr wrap="square">
-            <a:spAutoFit/>
-          </a:bodyPr>
-          <a:lstStyle/>
-          <a:p>
-            <a:r>
-              <a:rPr lang="en-US" sz="1100" b="1" dirty="0">
-                <a:solidFill>
-                  <a:schemeClr val="tx1">
-                    <a:lumMod val="75000"/>
-                    <a:lumOff val="25000"/>
-                  </a:schemeClr>
-                </a:solidFill>
-              </a:rPr>
-              <a:t>Markdown format </a:t>
-            </a:r>
-            <a:endParaRPr lang="en-SG" sz="1100" b="1" dirty="0">
-              <a:solidFill>
-                <a:schemeClr val="tx1">
-                  <a:lumMod val="75000"/>
-                  <a:lumOff val="25000"/>
-                </a:schemeClr>
-              </a:solidFill>
-            </a:endParaRPr>
-          </a:p>
-        </p:txBody>
-      </p:sp>
-      <p:sp>
-        <p:nvSpPr>
-          <p:cNvPr id="28" name="TextBox 27">
-            <a:extLst>
-              <a:ext uri="{FF2B5EF4-FFF2-40B4-BE49-F238E27FC236}">
-                <a16:creationId xmlns:a16="http://schemas.microsoft.com/office/drawing/2014/main" id="{BFB1CD6C-4286-79E9-F734-1E3204A99075}"/>
-              </a:ext>
-            </a:extLst>
-          </p:cNvPr>
-          <p:cNvSpPr txBox="1"/>
-          <p:nvPr/>
-        </p:nvSpPr>
-        <p:spPr>
-          <a:xfrm>
-            <a:off x="5381500" y="2184199"/>
-            <a:ext cx="1122644" cy="261610"/>
-          </a:xfrm>
-          <a:prstGeom prst="rect">
-            <a:avLst/>
-          </a:prstGeom>
-          <a:noFill/>
-        </p:spPr>
-        <p:txBody>
-          <a:bodyPr wrap="square">
-            <a:spAutoFit/>
-          </a:bodyPr>
-          <a:lstStyle/>
-          <a:p>
-            <a:r>
-              <a:rPr lang="en-US" sz="1100" b="1" dirty="0">
-                <a:solidFill>
-                  <a:schemeClr val="tx1">
-                    <a:lumMod val="75000"/>
-                    <a:lumOff val="25000"/>
-                  </a:schemeClr>
-                </a:solidFill>
-              </a:rPr>
-              <a:t>HTML format </a:t>
-            </a:r>
-            <a:endParaRPr lang="en-SG" sz="1100" b="1" dirty="0">
-              <a:solidFill>
-                <a:schemeClr val="tx1">
-                  <a:lumMod val="75000"/>
-                  <a:lumOff val="25000"/>
-                </a:schemeClr>
-              </a:solidFill>
-            </a:endParaRPr>
-          </a:p>
-        </p:txBody>
-      </p:sp>
-      <p:sp>
-        <p:nvSpPr>
-          <p:cNvPr id="29" name="TextBox 28">
-            <a:extLst>
-              <a:ext uri="{FF2B5EF4-FFF2-40B4-BE49-F238E27FC236}">
-                <a16:creationId xmlns:a16="http://schemas.microsoft.com/office/drawing/2014/main" id="{37B42B13-7033-282B-08C1-E31150EA11FA}"/>
-              </a:ext>
-            </a:extLst>
-          </p:cNvPr>
-          <p:cNvSpPr txBox="1"/>
-          <p:nvPr/>
-        </p:nvSpPr>
-        <p:spPr>
-          <a:xfrm>
-            <a:off x="6352497" y="2208051"/>
-            <a:ext cx="455312" cy="261610"/>
-          </a:xfrm>
-          <a:prstGeom prst="rect">
-            <a:avLst/>
-          </a:prstGeom>
-          <a:noFill/>
-        </p:spPr>
-        <p:txBody>
-          <a:bodyPr wrap="square">
-            <a:spAutoFit/>
-          </a:bodyPr>
-          <a:lstStyle/>
-          <a:p>
-            <a:r>
-              <a:rPr lang="en-US" sz="1100" b="1" dirty="0">
-                <a:solidFill>
-                  <a:schemeClr val="tx1">
-                    <a:lumMod val="75000"/>
-                    <a:lumOff val="25000"/>
-                  </a:schemeClr>
-                </a:solidFill>
-              </a:rPr>
-              <a:t>URL </a:t>
-            </a:r>
-          </a:p>
-        </p:txBody>
-      </p:sp>
-      <p:sp>
-        <p:nvSpPr>
-          <p:cNvPr id="30" name="TextBox 29">
-            <a:extLst>
-              <a:ext uri="{FF2B5EF4-FFF2-40B4-BE49-F238E27FC236}">
-                <a16:creationId xmlns:a16="http://schemas.microsoft.com/office/drawing/2014/main" id="{A4B9F9E9-51E7-092D-7642-6C5292CA3936}"/>
-              </a:ext>
-            </a:extLst>
-          </p:cNvPr>
-          <p:cNvSpPr txBox="1"/>
-          <p:nvPr/>
-        </p:nvSpPr>
-        <p:spPr>
-          <a:xfrm>
-            <a:off x="6779167" y="3116080"/>
-            <a:ext cx="910357" cy="430887"/>
-          </a:xfrm>
-          <a:prstGeom prst="rect">
-            <a:avLst/>
-          </a:prstGeom>
-          <a:noFill/>
-        </p:spPr>
-        <p:txBody>
-          <a:bodyPr wrap="square">
-            <a:spAutoFit/>
-          </a:bodyPr>
-          <a:lstStyle/>
-          <a:p>
-            <a:r>
-              <a:rPr lang="en-US" sz="1100" b="1" dirty="0">
-                <a:solidFill>
-                  <a:schemeClr val="tx1">
-                    <a:lumMod val="75000"/>
-                    <a:lumOff val="25000"/>
-                  </a:schemeClr>
-                </a:solidFill>
-              </a:rPr>
-              <a:t>CTF-D </a:t>
-            </a:r>
-            <a:r>
-              <a:rPr lang="en-US" sz="1100" b="1" dirty="0" err="1">
-                <a:solidFill>
-                  <a:schemeClr val="tx1">
-                    <a:lumMod val="75000"/>
-                    <a:lumOff val="25000"/>
-                  </a:schemeClr>
-                </a:solidFill>
-              </a:rPr>
-              <a:t>url</a:t>
-            </a:r>
-            <a:r>
-              <a:rPr lang="en-US" sz="1100" b="1" dirty="0">
-                <a:solidFill>
-                  <a:schemeClr val="tx1">
-                    <a:lumMod val="75000"/>
-                    <a:lumOff val="25000"/>
-                  </a:schemeClr>
-                </a:solidFill>
-              </a:rPr>
-              <a:t> + login cookie</a:t>
-            </a:r>
-            <a:endParaRPr lang="en-SG" sz="1100" b="1" dirty="0">
-              <a:solidFill>
-                <a:schemeClr val="tx1">
-                  <a:lumMod val="75000"/>
-                  <a:lumOff val="25000"/>
-                </a:schemeClr>
-              </a:solidFill>
-            </a:endParaRPr>
-          </a:p>
-        </p:txBody>
-      </p:sp>
-      <p:sp>
-        <p:nvSpPr>
-          <p:cNvPr id="31" name="TextBox 30">
-            <a:extLst>
-              <a:ext uri="{FF2B5EF4-FFF2-40B4-BE49-F238E27FC236}">
-                <a16:creationId xmlns:a16="http://schemas.microsoft.com/office/drawing/2014/main" id="{EB63DFD8-F1B6-1314-6A00-F6DF36F4C3B4}"/>
-              </a:ext>
-            </a:extLst>
-          </p:cNvPr>
-          <p:cNvSpPr txBox="1"/>
-          <p:nvPr/>
-        </p:nvSpPr>
-        <p:spPr>
-          <a:xfrm>
-            <a:off x="6123898" y="3198783"/>
-            <a:ext cx="368990" cy="261610"/>
-          </a:xfrm>
-          <a:prstGeom prst="rect">
-            <a:avLst/>
-          </a:prstGeom>
-          <a:noFill/>
-        </p:spPr>
-        <p:txBody>
-          <a:bodyPr wrap="square">
-            <a:spAutoFit/>
-          </a:bodyPr>
-          <a:lstStyle/>
-          <a:p>
-            <a:r>
-              <a:rPr lang="en-US" sz="1100" b="1" dirty="0">
-                <a:solidFill>
-                  <a:schemeClr val="tx1">
-                    <a:lumMod val="75000"/>
-                    <a:lumOff val="25000"/>
-                  </a:schemeClr>
-                </a:solidFill>
-              </a:rPr>
-              <a:t>+</a:t>
-            </a:r>
-            <a:endParaRPr lang="en-SG" sz="1100" b="1" dirty="0">
-              <a:solidFill>
-                <a:schemeClr val="tx1">
-                  <a:lumMod val="75000"/>
-                  <a:lumOff val="25000"/>
-                </a:schemeClr>
-              </a:solidFill>
-            </a:endParaRPr>
-          </a:p>
-        </p:txBody>
-      </p:sp>
-      <p:cxnSp>
-        <p:nvCxnSpPr>
-          <p:cNvPr id="32" name="Straight Arrow Connector 31">
-            <a:extLst>
-              <a:ext uri="{FF2B5EF4-FFF2-40B4-BE49-F238E27FC236}">
-                <a16:creationId xmlns:a16="http://schemas.microsoft.com/office/drawing/2014/main" id="{EA0BC1FA-38C7-9F58-78FA-02C6C1B5EF1B}"/>
-              </a:ext>
-            </a:extLst>
-          </p:cNvPr>
-          <p:cNvCxnSpPr>
-            <a:cxnSpLocks/>
-          </p:cNvCxnSpPr>
-          <p:nvPr/>
-        </p:nvCxnSpPr>
-        <p:spPr>
-          <a:xfrm>
-            <a:off x="3312698" y="2939793"/>
-            <a:ext cx="0" cy="303620"/>
-          </a:xfrm>
-          <a:prstGeom prst="straightConnector1">
-            <a:avLst/>
-          </a:prstGeom>
-          <a:ln w="19050">
-            <a:prstDash val="sysDash"/>
-            <a:tailEnd type="triangle"/>
-          </a:ln>
-        </p:spPr>
-        <p:style>
-          <a:lnRef idx="1">
-            <a:schemeClr val="accent1"/>
-          </a:lnRef>
-          <a:fillRef idx="0">
-            <a:schemeClr val="accent1"/>
-          </a:fillRef>
-          <a:effectRef idx="0">
-            <a:schemeClr val="accent1"/>
-          </a:effectRef>
-          <a:fontRef idx="minor">
-            <a:schemeClr val="tx1"/>
-          </a:fontRef>
-        </p:style>
-      </p:cxnSp>
-      <p:sp>
-        <p:nvSpPr>
-          <p:cNvPr id="33" name="Rectangle 32">
-            <a:extLst>
-              <a:ext uri="{FF2B5EF4-FFF2-40B4-BE49-F238E27FC236}">
-                <a16:creationId xmlns:a16="http://schemas.microsoft.com/office/drawing/2014/main" id="{EF77DB9A-4F2D-6881-4E3F-9727AA07A474}"/>
-              </a:ext>
-            </a:extLst>
-          </p:cNvPr>
-          <p:cNvSpPr/>
-          <p:nvPr/>
-        </p:nvSpPr>
-        <p:spPr>
-          <a:xfrm>
-            <a:off x="2763682" y="3282847"/>
-            <a:ext cx="1958805" cy="482479"/>
-          </a:xfrm>
-          <a:prstGeom prst="rect">
-            <a:avLst/>
-          </a:prstGeom>
-        </p:spPr>
-        <p:style>
-          <a:lnRef idx="2">
-            <a:schemeClr val="accent1">
-              <a:shade val="50000"/>
-            </a:schemeClr>
-          </a:lnRef>
-          <a:fillRef idx="1">
-            <a:schemeClr val="accent1"/>
-          </a:fillRef>
-          <a:effectRef idx="0">
-            <a:schemeClr val="accent1"/>
-          </a:effectRef>
-          <a:fontRef idx="minor">
-            <a:schemeClr val="lt1"/>
-          </a:fontRef>
-        </p:style>
-        <p:txBody>
-          <a:bodyPr rtlCol="0" anchor="ctr"/>
-          <a:lstStyle/>
-          <a:p>
-            <a:r>
-              <a:rPr lang="en-US" sz="1200" b="1" dirty="0"/>
-              <a:t>Question parser [ </a:t>
-            </a:r>
-            <a:r>
-              <a:rPr lang="en-US" sz="1200" b="1" dirty="0" err="1"/>
-              <a:t>langchain</a:t>
-            </a:r>
-            <a:r>
-              <a:rPr lang="en-US" sz="1200" b="1" dirty="0"/>
-              <a:t> + MCQ- prompt ]</a:t>
-            </a:r>
-            <a:endParaRPr lang="en-SG" sz="1200" b="1" dirty="0"/>
-          </a:p>
-        </p:txBody>
-      </p:sp>
-      <p:sp>
-        <p:nvSpPr>
-          <p:cNvPr id="36" name="Arrow: Left 35">
-            <a:extLst>
-              <a:ext uri="{FF2B5EF4-FFF2-40B4-BE49-F238E27FC236}">
-                <a16:creationId xmlns:a16="http://schemas.microsoft.com/office/drawing/2014/main" id="{81F71DEA-23CC-3DD7-4D6E-5A6922E5E9EE}"/>
-              </a:ext>
-            </a:extLst>
-          </p:cNvPr>
-          <p:cNvSpPr/>
-          <p:nvPr/>
-        </p:nvSpPr>
-        <p:spPr>
-          <a:xfrm>
-            <a:off x="4232641" y="2664692"/>
-            <a:ext cx="959217" cy="88829"/>
-          </a:xfrm>
-          <a:prstGeom prst="leftArrow">
-            <a:avLst/>
-          </a:prstGeom>
-        </p:spPr>
-        <p:style>
-          <a:lnRef idx="2">
-            <a:schemeClr val="accent1">
-              <a:shade val="15000"/>
-            </a:schemeClr>
-          </a:lnRef>
-          <a:fillRef idx="1">
-            <a:schemeClr val="accent1"/>
-          </a:fillRef>
-          <a:effectRef idx="0">
-            <a:schemeClr val="accent1"/>
-          </a:effectRef>
-          <a:fontRef idx="minor">
-            <a:schemeClr val="lt1"/>
-          </a:fontRef>
-        </p:style>
-        <p:txBody>
-          <a:bodyPr rtlCol="0" anchor="ctr"/>
-          <a:lstStyle/>
-          <a:p>
-            <a:pPr algn="ctr"/>
-            <a:endParaRPr lang="en-SG"/>
-          </a:p>
-        </p:txBody>
-      </p:sp>
-      <p:cxnSp>
-        <p:nvCxnSpPr>
-          <p:cNvPr id="38" name="Straight Arrow Connector 37">
-            <a:extLst>
-              <a:ext uri="{FF2B5EF4-FFF2-40B4-BE49-F238E27FC236}">
-                <a16:creationId xmlns:a16="http://schemas.microsoft.com/office/drawing/2014/main" id="{4847D2CF-23DD-9274-E06D-957FFE34978A}"/>
-              </a:ext>
-            </a:extLst>
-          </p:cNvPr>
-          <p:cNvCxnSpPr>
-            <a:cxnSpLocks/>
-            <a:stCxn id="41" idx="3"/>
-          </p:cNvCxnSpPr>
-          <p:nvPr/>
-        </p:nvCxnSpPr>
-        <p:spPr>
-          <a:xfrm>
-            <a:off x="1446005" y="2238447"/>
-            <a:ext cx="1378058" cy="1044400"/>
-          </a:xfrm>
-          <a:prstGeom prst="straightConnector1">
-            <a:avLst/>
-          </a:prstGeom>
-          <a:ln w="19050">
-            <a:solidFill>
-              <a:schemeClr val="accent6">
-                <a:lumMod val="75000"/>
-              </a:schemeClr>
-            </a:solidFill>
-            <a:headEnd type="triangle"/>
-            <a:tailEnd type="triangle"/>
-          </a:ln>
-        </p:spPr>
-        <p:style>
-          <a:lnRef idx="1">
-            <a:schemeClr val="accent1"/>
-          </a:lnRef>
-          <a:fillRef idx="0">
-            <a:schemeClr val="accent1"/>
-          </a:fillRef>
-          <a:effectRef idx="0">
-            <a:schemeClr val="accent1"/>
-          </a:effectRef>
-          <a:fontRef idx="minor">
-            <a:schemeClr val="tx1"/>
-          </a:fontRef>
-        </p:style>
-      </p:cxnSp>
-      <p:pic>
-        <p:nvPicPr>
-          <p:cNvPr id="41" name="Picture 40">
-            <a:extLst>
-              <a:ext uri="{FF2B5EF4-FFF2-40B4-BE49-F238E27FC236}">
-                <a16:creationId xmlns:a16="http://schemas.microsoft.com/office/drawing/2014/main" id="{1870F8A1-4D54-AAF0-2435-64BB8B2AF08E}"/>
-              </a:ext>
-            </a:extLst>
-          </p:cNvPr>
-          <p:cNvPicPr>
-            <a:picLocks noChangeAspect="1"/>
-          </p:cNvPicPr>
-          <p:nvPr/>
-        </p:nvPicPr>
-        <p:blipFill>
-          <a:blip r:embed="rId10"/>
-          <a:stretch>
-            <a:fillRect/>
-          </a:stretch>
-        </p:blipFill>
-        <p:spPr>
-          <a:xfrm>
-            <a:off x="779323" y="1897698"/>
-            <a:ext cx="666682" cy="681497"/>
-          </a:xfrm>
-          <a:prstGeom prst="rect">
-            <a:avLst/>
-          </a:prstGeom>
-        </p:spPr>
-      </p:pic>
-      <p:sp>
-        <p:nvSpPr>
-          <p:cNvPr id="42" name="TextBox 41">
-            <a:extLst>
-              <a:ext uri="{FF2B5EF4-FFF2-40B4-BE49-F238E27FC236}">
-                <a16:creationId xmlns:a16="http://schemas.microsoft.com/office/drawing/2014/main" id="{0118B95D-C9E9-A96B-696A-D6EE1A19FEB7}"/>
-              </a:ext>
-            </a:extLst>
-          </p:cNvPr>
-          <p:cNvSpPr txBox="1"/>
-          <p:nvPr/>
-        </p:nvSpPr>
-        <p:spPr>
-          <a:xfrm>
-            <a:off x="800010" y="1601143"/>
-            <a:ext cx="910357" cy="268469"/>
-          </a:xfrm>
-          <a:prstGeom prst="rect">
-            <a:avLst/>
-          </a:prstGeom>
-          <a:noFill/>
-        </p:spPr>
-        <p:txBody>
-          <a:bodyPr wrap="square">
-            <a:spAutoFit/>
-          </a:bodyPr>
-          <a:lstStyle/>
-          <a:p>
-            <a:r>
-              <a:rPr lang="en-US" sz="1100" b="1" dirty="0">
-                <a:solidFill>
-                  <a:schemeClr val="tx1">
-                    <a:lumMod val="75000"/>
-                    <a:lumOff val="25000"/>
-                  </a:schemeClr>
-                </a:solidFill>
-              </a:rPr>
-              <a:t>OpenAI</a:t>
-            </a:r>
-            <a:endParaRPr lang="en-SG" sz="1100" b="1" dirty="0">
-              <a:solidFill>
-                <a:schemeClr val="tx1">
-                  <a:lumMod val="75000"/>
-                  <a:lumOff val="25000"/>
-                </a:schemeClr>
-              </a:solidFill>
-            </a:endParaRPr>
-          </a:p>
-        </p:txBody>
-      </p:sp>
-      <p:cxnSp>
-        <p:nvCxnSpPr>
-          <p:cNvPr id="43" name="Straight Arrow Connector 42">
-            <a:extLst>
-              <a:ext uri="{FF2B5EF4-FFF2-40B4-BE49-F238E27FC236}">
-                <a16:creationId xmlns:a16="http://schemas.microsoft.com/office/drawing/2014/main" id="{4361013E-DA89-A8CB-1CBF-EB5C274AE95F}"/>
-              </a:ext>
-            </a:extLst>
-          </p:cNvPr>
-          <p:cNvCxnSpPr>
-            <a:cxnSpLocks/>
-            <a:stCxn id="33" idx="1"/>
-            <a:endCxn id="49" idx="3"/>
-          </p:cNvCxnSpPr>
-          <p:nvPr/>
-        </p:nvCxnSpPr>
-        <p:spPr>
-          <a:xfrm flipH="1">
-            <a:off x="2372732" y="3524087"/>
-            <a:ext cx="390950" cy="0"/>
-          </a:xfrm>
-          <a:prstGeom prst="straightConnector1">
-            <a:avLst/>
-          </a:prstGeom>
-          <a:ln w="19050">
-            <a:prstDash val="sysDash"/>
-            <a:tailEnd type="triangle"/>
-          </a:ln>
-        </p:spPr>
-        <p:style>
-          <a:lnRef idx="1">
-            <a:schemeClr val="accent1"/>
-          </a:lnRef>
-          <a:fillRef idx="0">
-            <a:schemeClr val="accent1"/>
-          </a:fillRef>
-          <a:effectRef idx="0">
-            <a:schemeClr val="accent1"/>
-          </a:effectRef>
-          <a:fontRef idx="minor">
-            <a:schemeClr val="tx1"/>
-          </a:fontRef>
-        </p:style>
-      </p:cxnSp>
-      <p:cxnSp>
-        <p:nvCxnSpPr>
-          <p:cNvPr id="44" name="Straight Arrow Connector 43">
-            <a:extLst>
-              <a:ext uri="{FF2B5EF4-FFF2-40B4-BE49-F238E27FC236}">
-                <a16:creationId xmlns:a16="http://schemas.microsoft.com/office/drawing/2014/main" id="{AF0D64DE-A008-4005-2579-CBA4284AAE01}"/>
-              </a:ext>
-            </a:extLst>
-          </p:cNvPr>
-          <p:cNvCxnSpPr>
-            <a:cxnSpLocks/>
-          </p:cNvCxnSpPr>
-          <p:nvPr/>
-        </p:nvCxnSpPr>
-        <p:spPr>
-          <a:xfrm>
-            <a:off x="4174753" y="3765326"/>
-            <a:ext cx="0" cy="245867"/>
-          </a:xfrm>
-          <a:prstGeom prst="straightConnector1">
-            <a:avLst/>
-          </a:prstGeom>
-          <a:ln w="19050">
-            <a:prstDash val="sysDash"/>
-            <a:tailEnd type="triangle"/>
-          </a:ln>
-        </p:spPr>
-        <p:style>
-          <a:lnRef idx="1">
-            <a:schemeClr val="accent1"/>
-          </a:lnRef>
-          <a:fillRef idx="0">
-            <a:schemeClr val="accent1"/>
-          </a:fillRef>
-          <a:effectRef idx="0">
-            <a:schemeClr val="accent1"/>
-          </a:effectRef>
-          <a:fontRef idx="minor">
-            <a:schemeClr val="tx1"/>
-          </a:fontRef>
-        </p:style>
-      </p:cxnSp>
-      <p:sp>
-        <p:nvSpPr>
-          <p:cNvPr id="49" name="Rectangle 48">
-            <a:extLst>
-              <a:ext uri="{FF2B5EF4-FFF2-40B4-BE49-F238E27FC236}">
-                <a16:creationId xmlns:a16="http://schemas.microsoft.com/office/drawing/2014/main" id="{B6923272-2913-20CE-27D0-B258D6855585}"/>
-              </a:ext>
-            </a:extLst>
-          </p:cNvPr>
-          <p:cNvSpPr/>
-          <p:nvPr/>
-        </p:nvSpPr>
-        <p:spPr>
-          <a:xfrm>
-            <a:off x="1447384" y="3298744"/>
-            <a:ext cx="925348" cy="466581"/>
-          </a:xfrm>
-          <a:prstGeom prst="rect">
-            <a:avLst/>
-          </a:prstGeom>
-        </p:spPr>
-        <p:style>
-          <a:lnRef idx="2">
-            <a:schemeClr val="accent1">
-              <a:shade val="50000"/>
-            </a:schemeClr>
-          </a:lnRef>
-          <a:fillRef idx="1">
-            <a:schemeClr val="accent1"/>
-          </a:fillRef>
-          <a:effectRef idx="0">
-            <a:schemeClr val="accent1"/>
-          </a:effectRef>
-          <a:fontRef idx="minor">
-            <a:schemeClr val="lt1"/>
-          </a:fontRef>
-        </p:style>
-        <p:txBody>
-          <a:bodyPr rtlCol="0" anchor="ctr"/>
-          <a:lstStyle/>
-          <a:p>
-            <a:r>
-              <a:rPr lang="en-US" sz="1200" b="1" dirty="0"/>
-              <a:t>Question categorizer   </a:t>
-            </a:r>
-            <a:endParaRPr lang="en-SG" sz="1200" b="1" dirty="0"/>
-          </a:p>
-        </p:txBody>
-      </p:sp>
-      <p:sp>
-        <p:nvSpPr>
-          <p:cNvPr id="57" name="TextBox 56">
-            <a:extLst>
-              <a:ext uri="{FF2B5EF4-FFF2-40B4-BE49-F238E27FC236}">
-                <a16:creationId xmlns:a16="http://schemas.microsoft.com/office/drawing/2014/main" id="{9A14D4B9-BBAC-2E95-0BA1-E127B540769B}"/>
-              </a:ext>
-            </a:extLst>
-          </p:cNvPr>
-          <p:cNvSpPr txBox="1"/>
-          <p:nvPr/>
-        </p:nvSpPr>
-        <p:spPr>
-          <a:xfrm>
-            <a:off x="4432090" y="4389716"/>
-            <a:ext cx="1229909" cy="400110"/>
-          </a:xfrm>
-          <a:prstGeom prst="rect">
-            <a:avLst/>
-          </a:prstGeom>
-          <a:noFill/>
-        </p:spPr>
-        <p:txBody>
-          <a:bodyPr wrap="square" rtlCol="0">
-            <a:spAutoFit/>
-          </a:bodyPr>
-          <a:lstStyle/>
-          <a:p>
-            <a:r>
-              <a:rPr lang="en-US" sz="1000" dirty="0"/>
-              <a:t>Standard MCQ data/file.</a:t>
-            </a:r>
-            <a:endParaRPr lang="en-SG" sz="1000" dirty="0"/>
-          </a:p>
-        </p:txBody>
-      </p:sp>
-      <p:cxnSp>
-        <p:nvCxnSpPr>
-          <p:cNvPr id="84" name="Straight Arrow Connector 83">
-            <a:extLst>
-              <a:ext uri="{FF2B5EF4-FFF2-40B4-BE49-F238E27FC236}">
-                <a16:creationId xmlns:a16="http://schemas.microsoft.com/office/drawing/2014/main" id="{3902F617-F716-4BB3-B07E-001F12D7C9C2}"/>
-              </a:ext>
-            </a:extLst>
-          </p:cNvPr>
-          <p:cNvCxnSpPr>
-            <a:cxnSpLocks/>
-            <a:endCxn id="49" idx="0"/>
-          </p:cNvCxnSpPr>
-          <p:nvPr/>
-        </p:nvCxnSpPr>
-        <p:spPr>
-          <a:xfrm>
-            <a:off x="1480975" y="2444204"/>
-            <a:ext cx="429083" cy="854540"/>
-          </a:xfrm>
-          <a:prstGeom prst="straightConnector1">
-            <a:avLst/>
-          </a:prstGeom>
-          <a:ln w="19050">
-            <a:solidFill>
-              <a:schemeClr val="accent6">
-                <a:lumMod val="75000"/>
-              </a:schemeClr>
-            </a:solidFill>
-            <a:headEnd type="triangle"/>
-            <a:tailEnd type="triangle"/>
-          </a:ln>
-        </p:spPr>
-        <p:style>
-          <a:lnRef idx="1">
-            <a:schemeClr val="accent1"/>
-          </a:lnRef>
-          <a:fillRef idx="0">
-            <a:schemeClr val="accent1"/>
-          </a:fillRef>
-          <a:effectRef idx="0">
-            <a:schemeClr val="accent1"/>
-          </a:effectRef>
-          <a:fontRef idx="minor">
-            <a:schemeClr val="tx1"/>
-          </a:fontRef>
-        </p:style>
-      </p:cxnSp>
-      <p:cxnSp>
-        <p:nvCxnSpPr>
-          <p:cNvPr id="89" name="Straight Arrow Connector 88">
-            <a:extLst>
-              <a:ext uri="{FF2B5EF4-FFF2-40B4-BE49-F238E27FC236}">
-                <a16:creationId xmlns:a16="http://schemas.microsoft.com/office/drawing/2014/main" id="{15DEC972-6B4C-9EF4-318E-32207AC548E6}"/>
-              </a:ext>
-            </a:extLst>
-          </p:cNvPr>
-          <p:cNvCxnSpPr>
-            <a:cxnSpLocks/>
-          </p:cNvCxnSpPr>
-          <p:nvPr/>
-        </p:nvCxnSpPr>
-        <p:spPr>
-          <a:xfrm>
-            <a:off x="3312698" y="3804760"/>
-            <a:ext cx="0" cy="1038202"/>
-          </a:xfrm>
-          <a:prstGeom prst="straightConnector1">
-            <a:avLst/>
-          </a:prstGeom>
-          <a:ln w="19050">
-            <a:prstDash val="sysDash"/>
-            <a:tailEnd type="triangle"/>
-          </a:ln>
-        </p:spPr>
-        <p:style>
-          <a:lnRef idx="1">
-            <a:schemeClr val="accent1"/>
-          </a:lnRef>
-          <a:fillRef idx="0">
-            <a:schemeClr val="accent1"/>
-          </a:fillRef>
-          <a:effectRef idx="0">
-            <a:schemeClr val="accent1"/>
-          </a:effectRef>
-          <a:fontRef idx="minor">
-            <a:schemeClr val="tx1"/>
-          </a:fontRef>
-        </p:style>
-      </p:cxnSp>
-      <p:sp>
-        <p:nvSpPr>
-          <p:cNvPr id="92" name="Rectangle 91">
-            <a:extLst>
-              <a:ext uri="{FF2B5EF4-FFF2-40B4-BE49-F238E27FC236}">
-                <a16:creationId xmlns:a16="http://schemas.microsoft.com/office/drawing/2014/main" id="{CA99C8DF-840A-8294-B21C-8B3DEDACB212}"/>
-              </a:ext>
-            </a:extLst>
-          </p:cNvPr>
-          <p:cNvSpPr/>
-          <p:nvPr/>
-        </p:nvSpPr>
-        <p:spPr>
-          <a:xfrm>
-            <a:off x="2646164" y="4868879"/>
-            <a:ext cx="1958805" cy="482479"/>
-          </a:xfrm>
-          <a:prstGeom prst="rect">
-            <a:avLst/>
-          </a:prstGeom>
-        </p:spPr>
-        <p:style>
-          <a:lnRef idx="2">
-            <a:schemeClr val="accent1">
-              <a:shade val="50000"/>
-            </a:schemeClr>
-          </a:lnRef>
-          <a:fillRef idx="1">
-            <a:schemeClr val="accent1"/>
-          </a:fillRef>
-          <a:effectRef idx="0">
-            <a:schemeClr val="accent1"/>
-          </a:effectRef>
-          <a:fontRef idx="minor">
-            <a:schemeClr val="lt1"/>
-          </a:fontRef>
-        </p:style>
-        <p:txBody>
-          <a:bodyPr rtlCol="0" anchor="ctr"/>
-          <a:lstStyle/>
-          <a:p>
-            <a:r>
-              <a:rPr lang="en-US" sz="1200" b="1" dirty="0"/>
-              <a:t>Question Solver [ OpenAI + scenario prompt ]</a:t>
-            </a:r>
-            <a:endParaRPr lang="en-SG" sz="1200" b="1" dirty="0"/>
-          </a:p>
-        </p:txBody>
-      </p:sp>
-      <p:pic>
-        <p:nvPicPr>
-          <p:cNvPr id="95" name="Picture 94">
-            <a:extLst>
-              <a:ext uri="{FF2B5EF4-FFF2-40B4-BE49-F238E27FC236}">
-                <a16:creationId xmlns:a16="http://schemas.microsoft.com/office/drawing/2014/main" id="{46EE22DF-3B60-1255-3E80-5F5215F808DA}"/>
-              </a:ext>
-            </a:extLst>
-          </p:cNvPr>
-          <p:cNvPicPr>
-            <a:picLocks noChangeAspect="1"/>
-          </p:cNvPicPr>
-          <p:nvPr/>
-        </p:nvPicPr>
-        <p:blipFill>
-          <a:blip r:embed="rId2"/>
-          <a:stretch>
-            <a:fillRect/>
-          </a:stretch>
-        </p:blipFill>
-        <p:spPr>
-          <a:xfrm>
-            <a:off x="2288366" y="4197762"/>
-            <a:ext cx="324555" cy="372004"/>
-          </a:xfrm>
-          <a:prstGeom prst="rect">
-            <a:avLst/>
-          </a:prstGeom>
-        </p:spPr>
-      </p:pic>
-      <p:cxnSp>
-        <p:nvCxnSpPr>
-          <p:cNvPr id="97" name="Straight Arrow Connector 96">
-            <a:extLst>
-              <a:ext uri="{FF2B5EF4-FFF2-40B4-BE49-F238E27FC236}">
-                <a16:creationId xmlns:a16="http://schemas.microsoft.com/office/drawing/2014/main" id="{73BF6E1E-B73D-A86C-1B1E-C09A7A899787}"/>
-              </a:ext>
-            </a:extLst>
-          </p:cNvPr>
-          <p:cNvCxnSpPr>
-            <a:stCxn id="49" idx="2"/>
-          </p:cNvCxnSpPr>
-          <p:nvPr/>
-        </p:nvCxnSpPr>
-        <p:spPr>
-          <a:xfrm>
-            <a:off x="1910058" y="3765325"/>
-            <a:ext cx="914005" cy="1077637"/>
-          </a:xfrm>
-          <a:prstGeom prst="straightConnector1">
-            <a:avLst/>
-          </a:prstGeom>
-          <a:ln>
-            <a:solidFill>
-              <a:schemeClr val="tx1"/>
-            </a:solidFill>
-            <a:tailEnd type="triangle"/>
-          </a:ln>
-        </p:spPr>
-        <p:style>
-          <a:lnRef idx="1">
-            <a:schemeClr val="accent1"/>
-          </a:lnRef>
-          <a:fillRef idx="0">
-            <a:schemeClr val="accent1"/>
-          </a:fillRef>
-          <a:effectRef idx="0">
-            <a:schemeClr val="accent1"/>
-          </a:effectRef>
-          <a:fontRef idx="minor">
-            <a:schemeClr val="tx1"/>
-          </a:fontRef>
-        </p:style>
-      </p:cxnSp>
-      <p:cxnSp>
-        <p:nvCxnSpPr>
-          <p:cNvPr id="98" name="Straight Arrow Connector 97">
-            <a:extLst>
-              <a:ext uri="{FF2B5EF4-FFF2-40B4-BE49-F238E27FC236}">
-                <a16:creationId xmlns:a16="http://schemas.microsoft.com/office/drawing/2014/main" id="{E8C0840E-779E-8411-4B5B-09BAC5F80EA9}"/>
-              </a:ext>
-            </a:extLst>
-          </p:cNvPr>
-          <p:cNvCxnSpPr>
-            <a:cxnSpLocks/>
-          </p:cNvCxnSpPr>
-          <p:nvPr/>
-        </p:nvCxnSpPr>
-        <p:spPr>
-          <a:xfrm>
-            <a:off x="4174753" y="4368586"/>
-            <a:ext cx="0" cy="437401"/>
-          </a:xfrm>
-          <a:prstGeom prst="straightConnector1">
-            <a:avLst/>
-          </a:prstGeom>
-          <a:ln>
-            <a:solidFill>
-              <a:schemeClr val="tx1"/>
-            </a:solidFill>
-            <a:tailEnd type="triangle"/>
-          </a:ln>
-        </p:spPr>
-        <p:style>
-          <a:lnRef idx="1">
-            <a:schemeClr val="accent1"/>
-          </a:lnRef>
-          <a:fillRef idx="0">
-            <a:schemeClr val="accent1"/>
-          </a:fillRef>
-          <a:effectRef idx="0">
-            <a:schemeClr val="accent1"/>
-          </a:effectRef>
-          <a:fontRef idx="minor">
-            <a:schemeClr val="tx1"/>
-          </a:fontRef>
-        </p:style>
-      </p:cxnSp>
-      <p:pic>
-        <p:nvPicPr>
-          <p:cNvPr id="101" name="Picture 100">
-            <a:extLst>
-              <a:ext uri="{FF2B5EF4-FFF2-40B4-BE49-F238E27FC236}">
-                <a16:creationId xmlns:a16="http://schemas.microsoft.com/office/drawing/2014/main" id="{446D7EF0-99E5-A53F-7F30-4FA4BC92B844}"/>
-              </a:ext>
-            </a:extLst>
-          </p:cNvPr>
-          <p:cNvPicPr>
-            <a:picLocks noChangeAspect="1"/>
-          </p:cNvPicPr>
-          <p:nvPr/>
-        </p:nvPicPr>
-        <p:blipFill>
-          <a:blip r:embed="rId2"/>
-          <a:stretch>
-            <a:fillRect/>
-          </a:stretch>
-        </p:blipFill>
-        <p:spPr>
-          <a:xfrm>
-            <a:off x="4222160" y="4448008"/>
-            <a:ext cx="277032" cy="317533"/>
-          </a:xfrm>
-          <a:prstGeom prst="rect">
-            <a:avLst/>
-          </a:prstGeom>
-        </p:spPr>
-      </p:pic>
-      <p:sp>
-        <p:nvSpPr>
-          <p:cNvPr id="102" name="TextBox 101">
-            <a:extLst>
-              <a:ext uri="{FF2B5EF4-FFF2-40B4-BE49-F238E27FC236}">
-                <a16:creationId xmlns:a16="http://schemas.microsoft.com/office/drawing/2014/main" id="{7A612350-E7DF-0F57-3C1C-11EA2566040E}"/>
-              </a:ext>
-            </a:extLst>
-          </p:cNvPr>
-          <p:cNvSpPr txBox="1"/>
-          <p:nvPr/>
-        </p:nvSpPr>
-        <p:spPr>
-          <a:xfrm>
-            <a:off x="2237230" y="3818890"/>
-            <a:ext cx="1206992" cy="400110"/>
-          </a:xfrm>
-          <a:prstGeom prst="rect">
-            <a:avLst/>
-          </a:prstGeom>
-          <a:noFill/>
-        </p:spPr>
-        <p:txBody>
-          <a:bodyPr wrap="square" rtlCol="0">
-            <a:spAutoFit/>
-          </a:bodyPr>
-          <a:lstStyle/>
-          <a:p>
-            <a:r>
-              <a:rPr lang="en-US" sz="1000" dirty="0"/>
-              <a:t>Question scenario prompt .</a:t>
-            </a:r>
-            <a:endParaRPr lang="en-SG" sz="1000" dirty="0"/>
-          </a:p>
-        </p:txBody>
-      </p:sp>
-      <p:cxnSp>
-        <p:nvCxnSpPr>
-          <p:cNvPr id="104" name="Connector: Elbow 103">
-            <a:extLst>
-              <a:ext uri="{FF2B5EF4-FFF2-40B4-BE49-F238E27FC236}">
-                <a16:creationId xmlns:a16="http://schemas.microsoft.com/office/drawing/2014/main" id="{D09472F2-5E30-D6E1-2045-228ABB7C9100}"/>
-              </a:ext>
-            </a:extLst>
-          </p:cNvPr>
-          <p:cNvCxnSpPr>
-            <a:stCxn id="92" idx="1"/>
-            <a:endCxn id="41" idx="2"/>
-          </p:cNvCxnSpPr>
-          <p:nvPr/>
-        </p:nvCxnSpPr>
-        <p:spPr>
-          <a:xfrm rot="10800000">
-            <a:off x="1112664" y="2579195"/>
-            <a:ext cx="1533500" cy="2530924"/>
-          </a:xfrm>
-          <a:prstGeom prst="bentConnector2">
-            <a:avLst/>
-          </a:prstGeom>
-          <a:ln w="19050">
-            <a:solidFill>
-              <a:schemeClr val="accent6">
-                <a:lumMod val="75000"/>
-              </a:schemeClr>
-            </a:solidFill>
-            <a:tailEnd type="triangle"/>
-          </a:ln>
-        </p:spPr>
-        <p:style>
-          <a:lnRef idx="1">
-            <a:schemeClr val="accent1"/>
-          </a:lnRef>
-          <a:fillRef idx="0">
-            <a:schemeClr val="accent1"/>
-          </a:fillRef>
-          <a:effectRef idx="0">
-            <a:schemeClr val="accent1"/>
-          </a:effectRef>
-          <a:fontRef idx="minor">
-            <a:schemeClr val="tx1"/>
-          </a:fontRef>
-        </p:style>
-      </p:cxnSp>
-      <p:sp>
-        <p:nvSpPr>
-          <p:cNvPr id="105" name="TextBox 104">
-            <a:extLst>
-              <a:ext uri="{FF2B5EF4-FFF2-40B4-BE49-F238E27FC236}">
-                <a16:creationId xmlns:a16="http://schemas.microsoft.com/office/drawing/2014/main" id="{2430709C-D9F5-6B28-41BB-FB5F3EC63CF4}"/>
-              </a:ext>
-            </a:extLst>
-          </p:cNvPr>
-          <p:cNvSpPr txBox="1"/>
-          <p:nvPr/>
-        </p:nvSpPr>
-        <p:spPr>
-          <a:xfrm>
-            <a:off x="4222160" y="2196360"/>
-            <a:ext cx="1062358" cy="430887"/>
-          </a:xfrm>
-          <a:prstGeom prst="rect">
-            <a:avLst/>
-          </a:prstGeom>
-          <a:noFill/>
-        </p:spPr>
-        <p:txBody>
-          <a:bodyPr wrap="square">
-            <a:spAutoFit/>
-          </a:bodyPr>
-          <a:lstStyle/>
-          <a:p>
-            <a:r>
-              <a:rPr lang="en-US" sz="1100" b="1" dirty="0">
-                <a:solidFill>
-                  <a:schemeClr val="tx1">
-                    <a:lumMod val="75000"/>
-                    <a:lumOff val="25000"/>
-                  </a:schemeClr>
-                </a:solidFill>
-              </a:rPr>
-              <a:t>Batch loading all MCQ source </a:t>
-            </a:r>
-            <a:endParaRPr lang="en-SG" sz="1100" b="1" dirty="0">
-              <a:solidFill>
-                <a:schemeClr val="tx1">
-                  <a:lumMod val="75000"/>
-                  <a:lumOff val="25000"/>
-                </a:schemeClr>
-              </a:solidFill>
-            </a:endParaRPr>
-          </a:p>
-        </p:txBody>
-      </p:sp>
-      <p:sp>
-        <p:nvSpPr>
-          <p:cNvPr id="106" name="TextBox 105">
-            <a:extLst>
-              <a:ext uri="{FF2B5EF4-FFF2-40B4-BE49-F238E27FC236}">
-                <a16:creationId xmlns:a16="http://schemas.microsoft.com/office/drawing/2014/main" id="{C2B3E714-8E06-B1D1-8D4F-3568AA8E5CA9}"/>
-              </a:ext>
-            </a:extLst>
-          </p:cNvPr>
-          <p:cNvSpPr txBox="1"/>
-          <p:nvPr/>
-        </p:nvSpPr>
-        <p:spPr>
-          <a:xfrm>
-            <a:off x="5730535" y="1026699"/>
-            <a:ext cx="2131697" cy="261610"/>
-          </a:xfrm>
-          <a:prstGeom prst="rect">
-            <a:avLst/>
-          </a:prstGeom>
-          <a:noFill/>
-        </p:spPr>
-        <p:txBody>
-          <a:bodyPr wrap="square">
-            <a:spAutoFit/>
-          </a:bodyPr>
-          <a:lstStyle/>
-          <a:p>
-            <a:r>
-              <a:rPr lang="en-US" sz="1100" b="1" dirty="0">
-                <a:solidFill>
-                  <a:schemeClr val="tx1">
-                    <a:lumMod val="75000"/>
-                    <a:lumOff val="25000"/>
-                  </a:schemeClr>
-                </a:solidFill>
-              </a:rPr>
-              <a:t>Multi-choice question source set</a:t>
-            </a:r>
-            <a:endParaRPr lang="en-SG" sz="1100" b="1" dirty="0">
-              <a:solidFill>
-                <a:schemeClr val="tx1">
-                  <a:lumMod val="75000"/>
-                  <a:lumOff val="25000"/>
-                </a:schemeClr>
-              </a:solidFill>
-            </a:endParaRPr>
-          </a:p>
-        </p:txBody>
-      </p:sp>
-      <p:cxnSp>
-        <p:nvCxnSpPr>
-          <p:cNvPr id="107" name="Straight Arrow Connector 106">
-            <a:extLst>
-              <a:ext uri="{FF2B5EF4-FFF2-40B4-BE49-F238E27FC236}">
-                <a16:creationId xmlns:a16="http://schemas.microsoft.com/office/drawing/2014/main" id="{C4FCE785-F79A-3D4A-B215-7ADAEF869C94}"/>
-              </a:ext>
-            </a:extLst>
-          </p:cNvPr>
-          <p:cNvCxnSpPr>
-            <a:cxnSpLocks/>
-            <a:stCxn id="92" idx="2"/>
-          </p:cNvCxnSpPr>
-          <p:nvPr/>
-        </p:nvCxnSpPr>
-        <p:spPr>
-          <a:xfrm flipH="1">
-            <a:off x="3625566" y="5351358"/>
-            <a:ext cx="1" cy="283323"/>
-          </a:xfrm>
-          <a:prstGeom prst="straightConnector1">
-            <a:avLst/>
-          </a:prstGeom>
-          <a:ln>
-            <a:solidFill>
-              <a:schemeClr val="tx1"/>
-            </a:solidFill>
-            <a:tailEnd type="triangle"/>
-          </a:ln>
-        </p:spPr>
-        <p:style>
-          <a:lnRef idx="1">
-            <a:schemeClr val="accent1"/>
-          </a:lnRef>
-          <a:fillRef idx="0">
-            <a:schemeClr val="accent1"/>
-          </a:fillRef>
-          <a:effectRef idx="0">
-            <a:schemeClr val="accent1"/>
-          </a:effectRef>
-          <a:fontRef idx="minor">
-            <a:schemeClr val="tx1"/>
-          </a:fontRef>
-        </p:style>
-      </p:cxnSp>
-      <p:pic>
-        <p:nvPicPr>
-          <p:cNvPr id="112" name="Picture 111">
-            <a:extLst>
-              <a:ext uri="{FF2B5EF4-FFF2-40B4-BE49-F238E27FC236}">
-                <a16:creationId xmlns:a16="http://schemas.microsoft.com/office/drawing/2014/main" id="{169FDFC8-A949-F3AB-9FD2-DEAAEF4B6048}"/>
-              </a:ext>
-            </a:extLst>
-          </p:cNvPr>
-          <p:cNvPicPr>
-            <a:picLocks noChangeAspect="1"/>
-          </p:cNvPicPr>
-          <p:nvPr/>
-        </p:nvPicPr>
-        <p:blipFill>
-          <a:blip r:embed="rId2"/>
-          <a:stretch>
-            <a:fillRect/>
-          </a:stretch>
-        </p:blipFill>
-        <p:spPr>
-          <a:xfrm>
-            <a:off x="3469218" y="5647835"/>
-            <a:ext cx="324555" cy="372004"/>
-          </a:xfrm>
-          <a:prstGeom prst="rect">
-            <a:avLst/>
-          </a:prstGeom>
-        </p:spPr>
-      </p:pic>
-      <p:sp>
-        <p:nvSpPr>
-          <p:cNvPr id="113" name="TextBox 112">
-            <a:extLst>
-              <a:ext uri="{FF2B5EF4-FFF2-40B4-BE49-F238E27FC236}">
-                <a16:creationId xmlns:a16="http://schemas.microsoft.com/office/drawing/2014/main" id="{83D68D1E-609A-9103-4779-BB3D4034F587}"/>
-              </a:ext>
-            </a:extLst>
-          </p:cNvPr>
-          <p:cNvSpPr txBox="1"/>
-          <p:nvPr/>
-        </p:nvSpPr>
-        <p:spPr>
-          <a:xfrm>
-            <a:off x="3743084" y="5710726"/>
-            <a:ext cx="1229909" cy="246221"/>
-          </a:xfrm>
-          <a:prstGeom prst="rect">
-            <a:avLst/>
-          </a:prstGeom>
-          <a:noFill/>
-        </p:spPr>
-        <p:txBody>
-          <a:bodyPr wrap="square" rtlCol="0">
-            <a:spAutoFit/>
-          </a:bodyPr>
-          <a:lstStyle/>
-          <a:p>
-            <a:r>
-              <a:rPr lang="en-US" sz="1000"/>
-              <a:t>Result files.</a:t>
-            </a:r>
-            <a:endParaRPr lang="en-SG" sz="1000" dirty="0"/>
-          </a:p>
-        </p:txBody>
-      </p:sp>
-      <p:sp>
-        <p:nvSpPr>
-          <p:cNvPr id="14" name="Rectangle 13">
-            <a:extLst>
-              <a:ext uri="{FF2B5EF4-FFF2-40B4-BE49-F238E27FC236}">
-                <a16:creationId xmlns:a16="http://schemas.microsoft.com/office/drawing/2014/main" id="{C1CABD8C-5AC0-90DC-F6D2-CEB4B3BD5A38}"/>
-              </a:ext>
-            </a:extLst>
-          </p:cNvPr>
-          <p:cNvSpPr/>
-          <p:nvPr/>
-        </p:nvSpPr>
-        <p:spPr>
-          <a:xfrm>
-            <a:off x="3839833" y="4024975"/>
-            <a:ext cx="1411070" cy="346917"/>
-          </a:xfrm>
-          <a:prstGeom prst="rect">
-            <a:avLst/>
-          </a:prstGeom>
-        </p:spPr>
-        <p:style>
-          <a:lnRef idx="2">
-            <a:schemeClr val="accent1">
-              <a:shade val="50000"/>
-            </a:schemeClr>
-          </a:lnRef>
-          <a:fillRef idx="1">
-            <a:schemeClr val="accent1"/>
-          </a:fillRef>
-          <a:effectRef idx="0">
-            <a:schemeClr val="accent1"/>
-          </a:effectRef>
-          <a:fontRef idx="minor">
-            <a:schemeClr val="lt1"/>
-          </a:fontRef>
-        </p:style>
-        <p:txBody>
-          <a:bodyPr rtlCol="0" anchor="ctr"/>
-          <a:lstStyle/>
-          <a:p>
-            <a:r>
-              <a:rPr lang="en-US" sz="1200" b="1" dirty="0"/>
-              <a:t>MCQ-GPT-Bot data manager </a:t>
-            </a:r>
-            <a:endParaRPr lang="en-SG" sz="1200" b="1" dirty="0"/>
-          </a:p>
-        </p:txBody>
-      </p:sp>
-      <p:cxnSp>
-        <p:nvCxnSpPr>
-          <p:cNvPr id="20" name="Straight Arrow Connector 19">
-            <a:extLst>
-              <a:ext uri="{FF2B5EF4-FFF2-40B4-BE49-F238E27FC236}">
-                <a16:creationId xmlns:a16="http://schemas.microsoft.com/office/drawing/2014/main" id="{3CE728EC-0FCA-B686-C480-BEE3F552D808}"/>
-              </a:ext>
-            </a:extLst>
-          </p:cNvPr>
-          <p:cNvCxnSpPr>
-            <a:cxnSpLocks/>
-          </p:cNvCxnSpPr>
-          <p:nvPr/>
-        </p:nvCxnSpPr>
-        <p:spPr>
-          <a:xfrm>
-            <a:off x="6426091" y="4906282"/>
-            <a:ext cx="415353" cy="0"/>
-          </a:xfrm>
-          <a:prstGeom prst="straightConnector1">
-            <a:avLst/>
-          </a:prstGeom>
-          <a:ln w="19050">
-            <a:prstDash val="sysDash"/>
-            <a:tailEnd type="triangle"/>
-          </a:ln>
-        </p:spPr>
-        <p:style>
-          <a:lnRef idx="1">
-            <a:schemeClr val="accent1"/>
-          </a:lnRef>
-          <a:fillRef idx="0">
-            <a:schemeClr val="accent1"/>
-          </a:fillRef>
-          <a:effectRef idx="0">
-            <a:schemeClr val="accent1"/>
-          </a:effectRef>
-          <a:fontRef idx="minor">
-            <a:schemeClr val="tx1"/>
-          </a:fontRef>
-        </p:style>
-      </p:cxnSp>
-      <p:sp>
-        <p:nvSpPr>
-          <p:cNvPr id="34" name="TextBox 33">
-            <a:extLst>
-              <a:ext uri="{FF2B5EF4-FFF2-40B4-BE49-F238E27FC236}">
-                <a16:creationId xmlns:a16="http://schemas.microsoft.com/office/drawing/2014/main" id="{E02ACAAB-63A5-9DAB-C90B-7FF80A53F175}"/>
-              </a:ext>
-            </a:extLst>
-          </p:cNvPr>
-          <p:cNvSpPr txBox="1"/>
-          <p:nvPr/>
-        </p:nvSpPr>
-        <p:spPr>
-          <a:xfrm>
-            <a:off x="6852543" y="4703035"/>
-            <a:ext cx="1779393" cy="430887"/>
-          </a:xfrm>
-          <a:prstGeom prst="rect">
-            <a:avLst/>
-          </a:prstGeom>
-          <a:noFill/>
-        </p:spPr>
-        <p:txBody>
-          <a:bodyPr wrap="square">
-            <a:spAutoFit/>
-          </a:bodyPr>
-          <a:lstStyle/>
-          <a:p>
-            <a:r>
-              <a:rPr lang="en-US" sz="1100" b="1" dirty="0">
-                <a:solidFill>
-                  <a:schemeClr val="tx1">
-                    <a:lumMod val="75000"/>
-                    <a:lumOff val="25000"/>
-                  </a:schemeClr>
-                </a:solidFill>
-              </a:rPr>
-              <a:t>Program control/function call flow</a:t>
-            </a:r>
-            <a:endParaRPr lang="en-SG" sz="1100" b="1" dirty="0">
-              <a:solidFill>
-                <a:schemeClr val="tx1">
-                  <a:lumMod val="75000"/>
-                  <a:lumOff val="25000"/>
-                </a:schemeClr>
-              </a:solidFill>
-            </a:endParaRPr>
-          </a:p>
-        </p:txBody>
-      </p:sp>
-      <p:cxnSp>
-        <p:nvCxnSpPr>
-          <p:cNvPr id="35" name="Straight Arrow Connector 34">
-            <a:extLst>
-              <a:ext uri="{FF2B5EF4-FFF2-40B4-BE49-F238E27FC236}">
-                <a16:creationId xmlns:a16="http://schemas.microsoft.com/office/drawing/2014/main" id="{52D9A140-EE7E-C661-2675-D2DAA7E34A64}"/>
-              </a:ext>
-            </a:extLst>
-          </p:cNvPr>
-          <p:cNvCxnSpPr>
-            <a:cxnSpLocks/>
-          </p:cNvCxnSpPr>
-          <p:nvPr/>
-        </p:nvCxnSpPr>
-        <p:spPr>
-          <a:xfrm>
-            <a:off x="6436034" y="5384295"/>
-            <a:ext cx="371774" cy="0"/>
-          </a:xfrm>
-          <a:prstGeom prst="straightConnector1">
-            <a:avLst/>
-          </a:prstGeom>
-          <a:ln w="19050">
-            <a:solidFill>
-              <a:schemeClr val="accent6">
-                <a:lumMod val="75000"/>
-              </a:schemeClr>
-            </a:solidFill>
-            <a:headEnd type="triangle"/>
-            <a:tailEnd type="triangle"/>
-          </a:ln>
-        </p:spPr>
-        <p:style>
-          <a:lnRef idx="1">
-            <a:schemeClr val="accent1"/>
-          </a:lnRef>
-          <a:fillRef idx="0">
-            <a:schemeClr val="accent1"/>
-          </a:fillRef>
-          <a:effectRef idx="0">
-            <a:schemeClr val="accent1"/>
-          </a:effectRef>
-          <a:fontRef idx="minor">
-            <a:schemeClr val="tx1"/>
-          </a:fontRef>
-        </p:style>
-      </p:cxnSp>
-      <p:cxnSp>
-        <p:nvCxnSpPr>
-          <p:cNvPr id="40" name="Straight Arrow Connector 39">
-            <a:extLst>
-              <a:ext uri="{FF2B5EF4-FFF2-40B4-BE49-F238E27FC236}">
-                <a16:creationId xmlns:a16="http://schemas.microsoft.com/office/drawing/2014/main" id="{0F5D5E78-5996-B8CB-F51A-8F59CF856985}"/>
-              </a:ext>
-            </a:extLst>
-          </p:cNvPr>
-          <p:cNvCxnSpPr>
-            <a:cxnSpLocks/>
-          </p:cNvCxnSpPr>
-          <p:nvPr/>
-        </p:nvCxnSpPr>
-        <p:spPr>
-          <a:xfrm flipH="1">
-            <a:off x="6426091" y="5758049"/>
-            <a:ext cx="339538" cy="0"/>
-          </a:xfrm>
-          <a:prstGeom prst="straightConnector1">
-            <a:avLst/>
-          </a:prstGeom>
-          <a:ln>
-            <a:solidFill>
-              <a:schemeClr val="tx1"/>
-            </a:solidFill>
-            <a:tailEnd type="triangle"/>
-          </a:ln>
-        </p:spPr>
-        <p:style>
-          <a:lnRef idx="1">
-            <a:schemeClr val="accent1"/>
-          </a:lnRef>
-          <a:fillRef idx="0">
-            <a:schemeClr val="accent1"/>
-          </a:fillRef>
-          <a:effectRef idx="0">
-            <a:schemeClr val="accent1"/>
-          </a:effectRef>
-          <a:fontRef idx="minor">
-            <a:schemeClr val="tx1"/>
-          </a:fontRef>
-        </p:style>
-      </p:cxnSp>
-      <p:sp>
-        <p:nvSpPr>
-          <p:cNvPr id="46" name="Arrow: Left 45">
-            <a:extLst>
-              <a:ext uri="{FF2B5EF4-FFF2-40B4-BE49-F238E27FC236}">
-                <a16:creationId xmlns:a16="http://schemas.microsoft.com/office/drawing/2014/main" id="{428FCABD-5C43-3250-AA8E-CF18B3EEB222}"/>
-              </a:ext>
-            </a:extLst>
-          </p:cNvPr>
-          <p:cNvSpPr/>
-          <p:nvPr/>
-        </p:nvSpPr>
-        <p:spPr>
-          <a:xfrm>
-            <a:off x="6441466" y="5855793"/>
-            <a:ext cx="371774" cy="85375"/>
-          </a:xfrm>
-          <a:prstGeom prst="leftArrow">
-            <a:avLst/>
-          </a:prstGeom>
-        </p:spPr>
-        <p:style>
-          <a:lnRef idx="2">
-            <a:schemeClr val="accent1">
-              <a:shade val="15000"/>
-            </a:schemeClr>
-          </a:lnRef>
-          <a:fillRef idx="1">
-            <a:schemeClr val="accent1"/>
-          </a:fillRef>
-          <a:effectRef idx="0">
-            <a:schemeClr val="accent1"/>
-          </a:effectRef>
-          <a:fontRef idx="minor">
-            <a:schemeClr val="lt1"/>
-          </a:fontRef>
-        </p:style>
-        <p:txBody>
-          <a:bodyPr rtlCol="0" anchor="ctr"/>
-          <a:lstStyle/>
-          <a:p>
-            <a:pPr algn="ctr"/>
-            <a:endParaRPr lang="en-SG"/>
-          </a:p>
-        </p:txBody>
-      </p:sp>
-      <p:sp>
-        <p:nvSpPr>
-          <p:cNvPr id="50" name="TextBox 49">
-            <a:extLst>
-              <a:ext uri="{FF2B5EF4-FFF2-40B4-BE49-F238E27FC236}">
-                <a16:creationId xmlns:a16="http://schemas.microsoft.com/office/drawing/2014/main" id="{A409C2F2-B2F8-E595-C532-05201681678A}"/>
-              </a:ext>
-            </a:extLst>
-          </p:cNvPr>
-          <p:cNvSpPr txBox="1"/>
-          <p:nvPr/>
-        </p:nvSpPr>
-        <p:spPr>
-          <a:xfrm>
-            <a:off x="6865158" y="5168851"/>
-            <a:ext cx="1779393" cy="430887"/>
-          </a:xfrm>
-          <a:prstGeom prst="rect">
-            <a:avLst/>
-          </a:prstGeom>
-          <a:noFill/>
-        </p:spPr>
-        <p:txBody>
-          <a:bodyPr wrap="square">
-            <a:spAutoFit/>
-          </a:bodyPr>
-          <a:lstStyle/>
-          <a:p>
-            <a:r>
-              <a:rPr lang="en-US" sz="1100" b="1" dirty="0">
-                <a:solidFill>
-                  <a:schemeClr val="tx1">
-                    <a:lumMod val="75000"/>
-                    <a:lumOff val="25000"/>
-                  </a:schemeClr>
-                </a:solidFill>
-              </a:rPr>
-              <a:t>Network communication with Open AI</a:t>
-            </a:r>
-            <a:endParaRPr lang="en-SG" sz="1100" b="1" dirty="0">
-              <a:solidFill>
-                <a:schemeClr val="tx1">
-                  <a:lumMod val="75000"/>
-                  <a:lumOff val="25000"/>
-                </a:schemeClr>
-              </a:solidFill>
-            </a:endParaRPr>
-          </a:p>
-        </p:txBody>
-      </p:sp>
-      <p:sp>
-        <p:nvSpPr>
-          <p:cNvPr id="51" name="TextBox 50">
-            <a:extLst>
-              <a:ext uri="{FF2B5EF4-FFF2-40B4-BE49-F238E27FC236}">
-                <a16:creationId xmlns:a16="http://schemas.microsoft.com/office/drawing/2014/main" id="{4FDDFA0C-D92F-D35A-F7F2-F8299D67F8E6}"/>
-              </a:ext>
-            </a:extLst>
-          </p:cNvPr>
-          <p:cNvSpPr txBox="1"/>
-          <p:nvPr/>
-        </p:nvSpPr>
-        <p:spPr>
-          <a:xfrm>
-            <a:off x="6865157" y="5716075"/>
-            <a:ext cx="1779393" cy="261610"/>
-          </a:xfrm>
-          <a:prstGeom prst="rect">
-            <a:avLst/>
-          </a:prstGeom>
-          <a:noFill/>
-        </p:spPr>
-        <p:txBody>
-          <a:bodyPr wrap="square">
-            <a:spAutoFit/>
-          </a:bodyPr>
-          <a:lstStyle/>
-          <a:p>
-            <a:r>
-              <a:rPr lang="en-US" sz="1100" b="1" dirty="0">
-                <a:solidFill>
-                  <a:schemeClr val="tx1">
-                    <a:lumMod val="75000"/>
-                    <a:lumOff val="25000"/>
-                  </a:schemeClr>
-                </a:solidFill>
-              </a:rPr>
-              <a:t>Data flow or file I/O</a:t>
-            </a:r>
-            <a:endParaRPr lang="en-SG" sz="1100" b="1" dirty="0">
-              <a:solidFill>
-                <a:schemeClr val="tx1">
-                  <a:lumMod val="75000"/>
-                  <a:lumOff val="25000"/>
-                </a:schemeClr>
-              </a:solidFill>
-            </a:endParaRPr>
-          </a:p>
-        </p:txBody>
-      </p:sp>
-      <p:pic>
-        <p:nvPicPr>
-          <p:cNvPr id="1026" name="Picture 2" descr="Json file - Free ui icons">
-            <a:extLst>
-              <a:ext uri="{FF2B5EF4-FFF2-40B4-BE49-F238E27FC236}">
-                <a16:creationId xmlns:a16="http://schemas.microsoft.com/office/drawing/2014/main" id="{16548107-C65D-7F47-4074-637C620A8AF7}"/>
-              </a:ext>
-            </a:extLst>
-          </p:cNvPr>
-          <p:cNvPicPr>
-            <a:picLocks noChangeAspect="1" noChangeArrowheads="1"/>
-          </p:cNvPicPr>
-          <p:nvPr/>
-        </p:nvPicPr>
-        <p:blipFill>
-          <a:blip r:embed="rId11">
-            <a:extLst>
-              <a:ext uri="{28A0092B-C50C-407E-A947-70E740481C1C}">
-                <a14:useLocalDpi xmlns:a14="http://schemas.microsoft.com/office/drawing/2010/main" val="0"/>
-              </a:ext>
-            </a:extLst>
-          </a:blip>
-          <a:srcRect/>
-          <a:stretch>
-            <a:fillRect/>
-          </a:stretch>
-        </p:blipFill>
-        <p:spPr bwMode="auto">
-          <a:xfrm>
-            <a:off x="7220426" y="2378782"/>
-            <a:ext cx="597516" cy="597516"/>
-          </a:xfrm>
-          <a:prstGeom prst="rect">
-            <a:avLst/>
-          </a:prstGeom>
-          <a:noFill/>
-          <a:extLst>
-            <a:ext uri="{909E8E84-426E-40DD-AFC4-6F175D3DCCD1}">
-              <a14:hiddenFill xmlns:a14="http://schemas.microsoft.com/office/drawing/2010/main">
-                <a:solidFill>
-                  <a:srgbClr val="FFFFFF"/>
-                </a:solidFill>
-              </a14:hiddenFill>
-            </a:ext>
-          </a:extLst>
-        </p:spPr>
-      </p:pic>
-      <p:sp>
-        <p:nvSpPr>
-          <p:cNvPr id="10" name="TextBox 9">
-            <a:extLst>
-              <a:ext uri="{FF2B5EF4-FFF2-40B4-BE49-F238E27FC236}">
-                <a16:creationId xmlns:a16="http://schemas.microsoft.com/office/drawing/2014/main" id="{86A6BDE8-5473-B638-3C53-540B1A435430}"/>
-              </a:ext>
-            </a:extLst>
-          </p:cNvPr>
-          <p:cNvSpPr txBox="1"/>
-          <p:nvPr/>
-        </p:nvSpPr>
-        <p:spPr>
-          <a:xfrm>
-            <a:off x="7195104" y="2198331"/>
-            <a:ext cx="1027171" cy="261610"/>
-          </a:xfrm>
-          <a:prstGeom prst="rect">
-            <a:avLst/>
-          </a:prstGeom>
-          <a:noFill/>
-        </p:spPr>
-        <p:txBody>
-          <a:bodyPr wrap="square">
-            <a:spAutoFit/>
-          </a:bodyPr>
-          <a:lstStyle/>
-          <a:p>
-            <a:r>
-              <a:rPr lang="en-US" sz="1100" b="1" dirty="0">
-                <a:solidFill>
-                  <a:schemeClr val="tx1">
-                    <a:lumMod val="75000"/>
-                    <a:lumOff val="25000"/>
-                  </a:schemeClr>
-                </a:solidFill>
-              </a:rPr>
-              <a:t>Json format  </a:t>
-            </a:r>
-          </a:p>
-        </p:txBody>
-      </p:sp>
-      <p:sp>
-        <p:nvSpPr>
-          <p:cNvPr id="12" name="TextBox 11">
-            <a:extLst>
-              <a:ext uri="{FF2B5EF4-FFF2-40B4-BE49-F238E27FC236}">
-                <a16:creationId xmlns:a16="http://schemas.microsoft.com/office/drawing/2014/main" id="{982D6406-DCFB-B1A7-5C8C-A4F0C032512C}"/>
-              </a:ext>
-            </a:extLst>
-          </p:cNvPr>
-          <p:cNvSpPr txBox="1"/>
-          <p:nvPr/>
-        </p:nvSpPr>
-        <p:spPr>
-          <a:xfrm>
-            <a:off x="6580153" y="2194379"/>
-            <a:ext cx="707037" cy="400110"/>
-          </a:xfrm>
-          <a:prstGeom prst="rect">
-            <a:avLst/>
-          </a:prstGeom>
-          <a:noFill/>
-        </p:spPr>
-        <p:txBody>
-          <a:bodyPr wrap="square" rtlCol="0">
-            <a:spAutoFit/>
-          </a:bodyPr>
-          <a:lstStyle/>
-          <a:p>
-            <a:r>
-              <a:rPr lang="en-SG" sz="1000" dirty="0"/>
-              <a:t>( Without login)</a:t>
-            </a:r>
-          </a:p>
-        </p:txBody>
-      </p:sp>
-      <p:pic>
-        <p:nvPicPr>
-          <p:cNvPr id="18" name="Picture 17">
-            <a:extLst>
-              <a:ext uri="{FF2B5EF4-FFF2-40B4-BE49-F238E27FC236}">
-                <a16:creationId xmlns:a16="http://schemas.microsoft.com/office/drawing/2014/main" id="{05BE940F-1256-AA2C-415C-29A1A435C351}"/>
-              </a:ext>
-            </a:extLst>
-          </p:cNvPr>
-          <p:cNvPicPr>
-            <a:picLocks noChangeAspect="1"/>
-          </p:cNvPicPr>
-          <p:nvPr/>
-        </p:nvPicPr>
-        <p:blipFill>
-          <a:blip r:embed="rId12"/>
-          <a:stretch>
-            <a:fillRect/>
-          </a:stretch>
-        </p:blipFill>
-        <p:spPr>
-          <a:xfrm>
-            <a:off x="7708690" y="3193032"/>
-            <a:ext cx="469334" cy="366667"/>
-          </a:xfrm>
-          <a:prstGeom prst="rect">
-            <a:avLst/>
-          </a:prstGeom>
-        </p:spPr>
-      </p:pic>
-      <p:sp>
-        <p:nvSpPr>
-          <p:cNvPr id="22" name="TextBox 21">
-            <a:extLst>
-              <a:ext uri="{FF2B5EF4-FFF2-40B4-BE49-F238E27FC236}">
-                <a16:creationId xmlns:a16="http://schemas.microsoft.com/office/drawing/2014/main" id="{FEFB917D-38B5-0A05-1DFA-795700893175}"/>
-              </a:ext>
-            </a:extLst>
-          </p:cNvPr>
-          <p:cNvSpPr txBox="1"/>
-          <p:nvPr/>
-        </p:nvSpPr>
-        <p:spPr>
-          <a:xfrm>
-            <a:off x="7619784" y="2980760"/>
-            <a:ext cx="1027171" cy="261610"/>
-          </a:xfrm>
-          <a:prstGeom prst="rect">
-            <a:avLst/>
-          </a:prstGeom>
-          <a:noFill/>
-        </p:spPr>
-        <p:txBody>
-          <a:bodyPr wrap="square">
-            <a:spAutoFit/>
-          </a:bodyPr>
-          <a:lstStyle/>
-          <a:p>
-            <a:r>
-              <a:rPr lang="en-US" sz="1100" b="1" dirty="0">
-                <a:solidFill>
-                  <a:schemeClr val="tx1">
-                    <a:lumMod val="75000"/>
-                    <a:lumOff val="25000"/>
-                  </a:schemeClr>
-                </a:solidFill>
-              </a:rPr>
-              <a:t>Image format  </a:t>
-            </a:r>
-          </a:p>
-        </p:txBody>
-      </p:sp>
-      <p:pic>
-        <p:nvPicPr>
-          <p:cNvPr id="39" name="Picture 38">
-            <a:extLst>
-              <a:ext uri="{FF2B5EF4-FFF2-40B4-BE49-F238E27FC236}">
-                <a16:creationId xmlns:a16="http://schemas.microsoft.com/office/drawing/2014/main" id="{83D5C2CA-072D-40E0-2FF7-ADD280251058}"/>
-              </a:ext>
-            </a:extLst>
-          </p:cNvPr>
-          <p:cNvPicPr>
-            <a:picLocks noChangeAspect="1"/>
-          </p:cNvPicPr>
-          <p:nvPr/>
-        </p:nvPicPr>
-        <p:blipFill>
-          <a:blip r:embed="rId13"/>
-          <a:stretch>
-            <a:fillRect/>
-          </a:stretch>
-        </p:blipFill>
-        <p:spPr>
-          <a:xfrm>
-            <a:off x="7488178" y="3849498"/>
-            <a:ext cx="910358" cy="535504"/>
-          </a:xfrm>
-          <a:prstGeom prst="rect">
-            <a:avLst/>
-          </a:prstGeom>
-          <a:ln w="12700">
-            <a:solidFill>
-              <a:schemeClr val="tx1"/>
-            </a:solidFill>
-          </a:ln>
-        </p:spPr>
-      </p:pic>
-      <p:cxnSp>
-        <p:nvCxnSpPr>
-          <p:cNvPr id="47" name="Straight Arrow Connector 46">
-            <a:extLst>
-              <a:ext uri="{FF2B5EF4-FFF2-40B4-BE49-F238E27FC236}">
-                <a16:creationId xmlns:a16="http://schemas.microsoft.com/office/drawing/2014/main" id="{E7AF327B-7D13-26AF-4B67-A4BAFFB213AD}"/>
-              </a:ext>
-            </a:extLst>
-          </p:cNvPr>
-          <p:cNvCxnSpPr>
-            <a:cxnSpLocks/>
-            <a:stCxn id="18" idx="2"/>
-            <a:endCxn id="39" idx="0"/>
-          </p:cNvCxnSpPr>
-          <p:nvPr/>
-        </p:nvCxnSpPr>
-        <p:spPr>
-          <a:xfrm>
-            <a:off x="7943357" y="3559699"/>
-            <a:ext cx="0" cy="289799"/>
-          </a:xfrm>
-          <a:prstGeom prst="straightConnector1">
-            <a:avLst/>
-          </a:prstGeom>
-          <a:ln>
-            <a:tailEnd type="triangle"/>
-          </a:ln>
-        </p:spPr>
-        <p:style>
-          <a:lnRef idx="1">
-            <a:schemeClr val="accent1"/>
-          </a:lnRef>
-          <a:fillRef idx="0">
-            <a:schemeClr val="accent1"/>
-          </a:fillRef>
-          <a:effectRef idx="0">
-            <a:schemeClr val="accent1"/>
-          </a:effectRef>
-          <a:fontRef idx="minor">
-            <a:schemeClr val="tx1"/>
-          </a:fontRef>
-        </p:style>
-      </p:cxnSp>
-      <p:cxnSp>
-        <p:nvCxnSpPr>
-          <p:cNvPr id="55" name="Connector: Elbow 54">
-            <a:extLst>
-              <a:ext uri="{FF2B5EF4-FFF2-40B4-BE49-F238E27FC236}">
-                <a16:creationId xmlns:a16="http://schemas.microsoft.com/office/drawing/2014/main" id="{918194BF-3402-2543-D226-798227C072F7}"/>
-              </a:ext>
-            </a:extLst>
-          </p:cNvPr>
-          <p:cNvCxnSpPr>
-            <a:cxnSpLocks/>
-          </p:cNvCxnSpPr>
-          <p:nvPr/>
-        </p:nvCxnSpPr>
-        <p:spPr>
-          <a:xfrm rot="10800000">
-            <a:off x="4232644" y="2884968"/>
-            <a:ext cx="3212809" cy="976271"/>
-          </a:xfrm>
-          <a:prstGeom prst="bentConnector3">
-            <a:avLst>
-              <a:gd name="adj1" fmla="val 73718"/>
-            </a:avLst>
-          </a:prstGeom>
-          <a:ln w="19050">
-            <a:tailEnd type="triangle"/>
-          </a:ln>
-        </p:spPr>
-        <p:style>
-          <a:lnRef idx="1">
-            <a:schemeClr val="accent1"/>
-          </a:lnRef>
-          <a:fillRef idx="0">
-            <a:schemeClr val="accent1"/>
-          </a:fillRef>
-          <a:effectRef idx="0">
-            <a:schemeClr val="accent1"/>
-          </a:effectRef>
-          <a:fontRef idx="minor">
-            <a:schemeClr val="tx1"/>
-          </a:fontRef>
-        </p:style>
-      </p:cxnSp>
     </p:spTree>
     <p:extLst>
       <p:ext uri="{BB962C8B-B14F-4D97-AF65-F5344CB8AC3E}">
-        <p14:creationId xmlns:p14="http://schemas.microsoft.com/office/powerpoint/2010/main" val="1297501173"/>
+        <p14:creationId xmlns:p14="http://schemas.microsoft.com/office/powerpoint/2010/main" val="842950570"/>
       </p:ext>
     </p:extLst>
   </p:cSld>
@@ -11655,6 +8990,2792 @@
       </p:grpSpPr>
       <p:sp>
         <p:nvSpPr>
+          <p:cNvPr id="52" name="Rectangle 51">
+            <a:extLst>
+              <a:ext uri="{FF2B5EF4-FFF2-40B4-BE49-F238E27FC236}">
+                <a16:creationId xmlns:a16="http://schemas.microsoft.com/office/drawing/2014/main" id="{704E3555-ACD8-2EA8-9FEF-51059474E4F7}"/>
+              </a:ext>
+            </a:extLst>
+          </p:cNvPr>
+          <p:cNvSpPr/>
+          <p:nvPr/>
+        </p:nvSpPr>
+        <p:spPr>
+          <a:xfrm>
+            <a:off x="539496" y="685800"/>
+            <a:ext cx="8092440" cy="5415067"/>
+          </a:xfrm>
+          <a:prstGeom prst="rect">
+            <a:avLst/>
+          </a:prstGeom>
+          <a:noFill/>
+          <a:ln w="19050" cap="flat" cmpd="sng" algn="ctr">
+            <a:solidFill>
+              <a:schemeClr val="dk1"/>
+            </a:solidFill>
+            <a:prstDash val="sysDash"/>
+            <a:round/>
+            <a:headEnd type="none" w="med" len="med"/>
+            <a:tailEnd type="none" w="med" len="med"/>
+          </a:ln>
+        </p:spPr>
+        <p:style>
+          <a:lnRef idx="0">
+            <a:scrgbClr r="0" g="0" b="0"/>
+          </a:lnRef>
+          <a:fillRef idx="0">
+            <a:scrgbClr r="0" g="0" b="0"/>
+          </a:fillRef>
+          <a:effectRef idx="0">
+            <a:scrgbClr r="0" g="0" b="0"/>
+          </a:effectRef>
+          <a:fontRef idx="minor">
+            <a:schemeClr val="dk1"/>
+          </a:fontRef>
+        </p:style>
+        <p:txBody>
+          <a:bodyPr rtlCol="0" anchor="ctr"/>
+          <a:lstStyle/>
+          <a:p>
+            <a:pPr algn="ctr"/>
+            <a:endParaRPr lang="en-SG" dirty="0">
+              <a:ln>
+                <a:solidFill>
+                  <a:schemeClr val="tx1"/>
+                </a:solidFill>
+                <a:prstDash val="sysDash"/>
+              </a:ln>
+            </a:endParaRPr>
+          </a:p>
+        </p:txBody>
+      </p:sp>
+      <p:sp>
+        <p:nvSpPr>
+          <p:cNvPr id="24" name="Rectangle 23">
+            <a:extLst>
+              <a:ext uri="{FF2B5EF4-FFF2-40B4-BE49-F238E27FC236}">
+                <a16:creationId xmlns:a16="http://schemas.microsoft.com/office/drawing/2014/main" id="{47CCA856-066D-EEA1-47AE-AEBD81F1F3B1}"/>
+              </a:ext>
+            </a:extLst>
+          </p:cNvPr>
+          <p:cNvSpPr/>
+          <p:nvPr/>
+        </p:nvSpPr>
+        <p:spPr>
+          <a:xfrm>
+            <a:off x="5239265" y="1292729"/>
+            <a:ext cx="3180834" cy="2426655"/>
+          </a:xfrm>
+          <a:prstGeom prst="rect">
+            <a:avLst/>
+          </a:prstGeom>
+          <a:solidFill>
+            <a:schemeClr val="accent6">
+              <a:lumMod val="20000"/>
+              <a:lumOff val="80000"/>
+            </a:schemeClr>
+          </a:solidFill>
+        </p:spPr>
+        <p:style>
+          <a:lnRef idx="2">
+            <a:schemeClr val="accent1">
+              <a:shade val="15000"/>
+            </a:schemeClr>
+          </a:lnRef>
+          <a:fillRef idx="1">
+            <a:schemeClr val="accent1"/>
+          </a:fillRef>
+          <a:effectRef idx="0">
+            <a:schemeClr val="accent1"/>
+          </a:effectRef>
+          <a:fontRef idx="minor">
+            <a:schemeClr val="lt1"/>
+          </a:fontRef>
+        </p:style>
+        <p:txBody>
+          <a:bodyPr rtlCol="0" anchor="ctr"/>
+          <a:lstStyle/>
+          <a:p>
+            <a:pPr algn="ctr"/>
+            <a:endParaRPr lang="en-SG" dirty="0"/>
+          </a:p>
+        </p:txBody>
+      </p:sp>
+      <p:sp>
+        <p:nvSpPr>
+          <p:cNvPr id="4" name="Rectangle 3">
+            <a:extLst>
+              <a:ext uri="{FF2B5EF4-FFF2-40B4-BE49-F238E27FC236}">
+                <a16:creationId xmlns:a16="http://schemas.microsoft.com/office/drawing/2014/main" id="{FAFF11FF-5AA3-27EF-54EB-61813BE0A74C}"/>
+              </a:ext>
+            </a:extLst>
+          </p:cNvPr>
+          <p:cNvSpPr/>
+          <p:nvPr/>
+        </p:nvSpPr>
+        <p:spPr>
+          <a:xfrm>
+            <a:off x="2763682" y="1126090"/>
+            <a:ext cx="1411070" cy="346917"/>
+          </a:xfrm>
+          <a:prstGeom prst="rect">
+            <a:avLst/>
+          </a:prstGeom>
+        </p:spPr>
+        <p:style>
+          <a:lnRef idx="2">
+            <a:schemeClr val="accent1">
+              <a:shade val="50000"/>
+            </a:schemeClr>
+          </a:lnRef>
+          <a:fillRef idx="1">
+            <a:schemeClr val="accent1"/>
+          </a:fillRef>
+          <a:effectRef idx="0">
+            <a:schemeClr val="accent1"/>
+          </a:effectRef>
+          <a:fontRef idx="minor">
+            <a:schemeClr val="lt1"/>
+          </a:fontRef>
+        </p:style>
+        <p:txBody>
+          <a:bodyPr rtlCol="0" anchor="ctr"/>
+          <a:lstStyle/>
+          <a:p>
+            <a:r>
+              <a:rPr lang="en-US" sz="1200" b="1" dirty="0"/>
+              <a:t>MCQ-GPT Bot start </a:t>
+            </a:r>
+            <a:endParaRPr lang="en-SG" sz="1200" b="1" dirty="0"/>
+          </a:p>
+        </p:txBody>
+      </p:sp>
+      <p:cxnSp>
+        <p:nvCxnSpPr>
+          <p:cNvPr id="5" name="Straight Arrow Connector 4">
+            <a:extLst>
+              <a:ext uri="{FF2B5EF4-FFF2-40B4-BE49-F238E27FC236}">
+                <a16:creationId xmlns:a16="http://schemas.microsoft.com/office/drawing/2014/main" id="{A79484A5-B1CC-D6D4-941E-E2C54FD2B1B2}"/>
+              </a:ext>
+            </a:extLst>
+          </p:cNvPr>
+          <p:cNvCxnSpPr>
+            <a:cxnSpLocks/>
+          </p:cNvCxnSpPr>
+          <p:nvPr/>
+        </p:nvCxnSpPr>
+        <p:spPr>
+          <a:xfrm>
+            <a:off x="3312698" y="1473007"/>
+            <a:ext cx="0" cy="303620"/>
+          </a:xfrm>
+          <a:prstGeom prst="straightConnector1">
+            <a:avLst/>
+          </a:prstGeom>
+          <a:ln w="19050">
+            <a:prstDash val="sysDash"/>
+            <a:tailEnd type="triangle"/>
+          </a:ln>
+        </p:spPr>
+        <p:style>
+          <a:lnRef idx="1">
+            <a:schemeClr val="accent1"/>
+          </a:lnRef>
+          <a:fillRef idx="0">
+            <a:schemeClr val="accent1"/>
+          </a:fillRef>
+          <a:effectRef idx="0">
+            <a:schemeClr val="accent1"/>
+          </a:effectRef>
+          <a:fontRef idx="minor">
+            <a:schemeClr val="tx1"/>
+          </a:fontRef>
+        </p:style>
+      </p:cxnSp>
+      <p:sp>
+        <p:nvSpPr>
+          <p:cNvPr id="6" name="Rectangle 5">
+            <a:extLst>
+              <a:ext uri="{FF2B5EF4-FFF2-40B4-BE49-F238E27FC236}">
+                <a16:creationId xmlns:a16="http://schemas.microsoft.com/office/drawing/2014/main" id="{C5344DDC-0597-01CF-DE60-3AE5C24E2211}"/>
+              </a:ext>
+            </a:extLst>
+          </p:cNvPr>
+          <p:cNvSpPr/>
+          <p:nvPr/>
+        </p:nvSpPr>
+        <p:spPr>
+          <a:xfrm>
+            <a:off x="2763683" y="1806777"/>
+            <a:ext cx="1411070" cy="346917"/>
+          </a:xfrm>
+          <a:prstGeom prst="rect">
+            <a:avLst/>
+          </a:prstGeom>
+        </p:spPr>
+        <p:style>
+          <a:lnRef idx="2">
+            <a:schemeClr val="accent1">
+              <a:shade val="50000"/>
+            </a:schemeClr>
+          </a:lnRef>
+          <a:fillRef idx="1">
+            <a:schemeClr val="accent1"/>
+          </a:fillRef>
+          <a:effectRef idx="0">
+            <a:schemeClr val="accent1"/>
+          </a:effectRef>
+          <a:fontRef idx="minor">
+            <a:schemeClr val="lt1"/>
+          </a:fontRef>
+        </p:style>
+        <p:txBody>
+          <a:bodyPr rtlCol="0" anchor="ctr"/>
+          <a:lstStyle/>
+          <a:p>
+            <a:r>
+              <a:rPr lang="en-US" sz="1200" b="1" dirty="0"/>
+              <a:t>Loading config file</a:t>
+            </a:r>
+            <a:endParaRPr lang="en-SG" sz="1200" b="1" dirty="0"/>
+          </a:p>
+        </p:txBody>
+      </p:sp>
+      <p:pic>
+        <p:nvPicPr>
+          <p:cNvPr id="7" name="Picture 6">
+            <a:extLst>
+              <a:ext uri="{FF2B5EF4-FFF2-40B4-BE49-F238E27FC236}">
+                <a16:creationId xmlns:a16="http://schemas.microsoft.com/office/drawing/2014/main" id="{10A7A53C-01F8-D528-A0CE-E46981718051}"/>
+              </a:ext>
+            </a:extLst>
+          </p:cNvPr>
+          <p:cNvPicPr>
+            <a:picLocks noChangeAspect="1"/>
+          </p:cNvPicPr>
+          <p:nvPr/>
+        </p:nvPicPr>
+        <p:blipFill>
+          <a:blip r:embed="rId2"/>
+          <a:stretch>
+            <a:fillRect/>
+          </a:stretch>
+        </p:blipFill>
+        <p:spPr>
+          <a:xfrm>
+            <a:off x="4722491" y="1126090"/>
+            <a:ext cx="324555" cy="372004"/>
+          </a:xfrm>
+          <a:prstGeom prst="rect">
+            <a:avLst/>
+          </a:prstGeom>
+        </p:spPr>
+      </p:pic>
+      <p:cxnSp>
+        <p:nvCxnSpPr>
+          <p:cNvPr id="8" name="Connector: Elbow 7">
+            <a:extLst>
+              <a:ext uri="{FF2B5EF4-FFF2-40B4-BE49-F238E27FC236}">
+                <a16:creationId xmlns:a16="http://schemas.microsoft.com/office/drawing/2014/main" id="{E4ED5EDF-97B5-A948-AFF1-50426CFE3050}"/>
+              </a:ext>
+            </a:extLst>
+          </p:cNvPr>
+          <p:cNvCxnSpPr>
+            <a:cxnSpLocks/>
+            <a:stCxn id="7" idx="2"/>
+          </p:cNvCxnSpPr>
+          <p:nvPr/>
+        </p:nvCxnSpPr>
+        <p:spPr>
+          <a:xfrm rot="5400000">
+            <a:off x="4297742" y="1348429"/>
+            <a:ext cx="437362" cy="736693"/>
+          </a:xfrm>
+          <a:prstGeom prst="bentConnector2">
+            <a:avLst/>
+          </a:prstGeom>
+          <a:ln>
+            <a:tailEnd type="triangle"/>
+          </a:ln>
+        </p:spPr>
+        <p:style>
+          <a:lnRef idx="1">
+            <a:schemeClr val="dk1"/>
+          </a:lnRef>
+          <a:fillRef idx="0">
+            <a:schemeClr val="dk1"/>
+          </a:fillRef>
+          <a:effectRef idx="0">
+            <a:schemeClr val="dk1"/>
+          </a:effectRef>
+          <a:fontRef idx="minor">
+            <a:schemeClr val="tx1"/>
+          </a:fontRef>
+        </p:style>
+      </p:cxnSp>
+      <p:sp>
+        <p:nvSpPr>
+          <p:cNvPr id="9" name="TextBox 8">
+            <a:extLst>
+              <a:ext uri="{FF2B5EF4-FFF2-40B4-BE49-F238E27FC236}">
+                <a16:creationId xmlns:a16="http://schemas.microsoft.com/office/drawing/2014/main" id="{661F3FAD-F639-FF83-6881-6D5362C1DB52}"/>
+              </a:ext>
+            </a:extLst>
+          </p:cNvPr>
+          <p:cNvSpPr txBox="1"/>
+          <p:nvPr/>
+        </p:nvSpPr>
+        <p:spPr>
+          <a:xfrm>
+            <a:off x="4320014" y="757133"/>
+            <a:ext cx="1198235" cy="400110"/>
+          </a:xfrm>
+          <a:prstGeom prst="rect">
+            <a:avLst/>
+          </a:prstGeom>
+          <a:noFill/>
+        </p:spPr>
+        <p:txBody>
+          <a:bodyPr wrap="square" rtlCol="0">
+            <a:spAutoFit/>
+          </a:bodyPr>
+          <a:lstStyle/>
+          <a:p>
+            <a:r>
+              <a:rPr lang="en-US" sz="1000" dirty="0"/>
+              <a:t>Program system config file</a:t>
+            </a:r>
+            <a:endParaRPr lang="en-SG" sz="1000" dirty="0"/>
+          </a:p>
+        </p:txBody>
+      </p:sp>
+      <p:cxnSp>
+        <p:nvCxnSpPr>
+          <p:cNvPr id="2" name="Straight Arrow Connector 1">
+            <a:extLst>
+              <a:ext uri="{FF2B5EF4-FFF2-40B4-BE49-F238E27FC236}">
+                <a16:creationId xmlns:a16="http://schemas.microsoft.com/office/drawing/2014/main" id="{16546F25-A019-B50C-EA4B-8216CAF69CF3}"/>
+              </a:ext>
+            </a:extLst>
+          </p:cNvPr>
+          <p:cNvCxnSpPr>
+            <a:cxnSpLocks/>
+          </p:cNvCxnSpPr>
+          <p:nvPr/>
+        </p:nvCxnSpPr>
+        <p:spPr>
+          <a:xfrm>
+            <a:off x="3312698" y="2153694"/>
+            <a:ext cx="0" cy="303620"/>
+          </a:xfrm>
+          <a:prstGeom prst="straightConnector1">
+            <a:avLst/>
+          </a:prstGeom>
+          <a:ln w="19050">
+            <a:prstDash val="sysDash"/>
+            <a:tailEnd type="triangle"/>
+          </a:ln>
+        </p:spPr>
+        <p:style>
+          <a:lnRef idx="1">
+            <a:schemeClr val="accent1"/>
+          </a:lnRef>
+          <a:fillRef idx="0">
+            <a:schemeClr val="accent1"/>
+          </a:fillRef>
+          <a:effectRef idx="0">
+            <a:schemeClr val="accent1"/>
+          </a:effectRef>
+          <a:fontRef idx="minor">
+            <a:schemeClr val="tx1"/>
+          </a:fontRef>
+        </p:style>
+      </p:cxnSp>
+      <p:sp>
+        <p:nvSpPr>
+          <p:cNvPr id="3" name="Rectangle 2">
+            <a:extLst>
+              <a:ext uri="{FF2B5EF4-FFF2-40B4-BE49-F238E27FC236}">
+                <a16:creationId xmlns:a16="http://schemas.microsoft.com/office/drawing/2014/main" id="{95FB41B5-50B9-2F32-1752-AEB0D103E81B}"/>
+              </a:ext>
+            </a:extLst>
+          </p:cNvPr>
+          <p:cNvSpPr/>
+          <p:nvPr/>
+        </p:nvSpPr>
+        <p:spPr>
+          <a:xfrm>
+            <a:off x="2763683" y="2457314"/>
+            <a:ext cx="1411070" cy="482479"/>
+          </a:xfrm>
+          <a:prstGeom prst="rect">
+            <a:avLst/>
+          </a:prstGeom>
+        </p:spPr>
+        <p:style>
+          <a:lnRef idx="2">
+            <a:schemeClr val="accent1">
+              <a:shade val="50000"/>
+            </a:schemeClr>
+          </a:lnRef>
+          <a:fillRef idx="1">
+            <a:schemeClr val="accent1"/>
+          </a:fillRef>
+          <a:effectRef idx="0">
+            <a:schemeClr val="accent1"/>
+          </a:effectRef>
+          <a:fontRef idx="minor">
+            <a:schemeClr val="lt1"/>
+          </a:fontRef>
+        </p:style>
+        <p:txBody>
+          <a:bodyPr rtlCol="0" anchor="ctr"/>
+          <a:lstStyle/>
+          <a:p>
+            <a:r>
+              <a:rPr lang="en-US" sz="1200" b="1" dirty="0"/>
+              <a:t>Search MCQ source and load questions</a:t>
+            </a:r>
+            <a:endParaRPr lang="en-SG" sz="1200" b="1" dirty="0"/>
+          </a:p>
+        </p:txBody>
+      </p:sp>
+      <p:pic>
+        <p:nvPicPr>
+          <p:cNvPr id="11" name="Picture 10">
+            <a:extLst>
+              <a:ext uri="{FF2B5EF4-FFF2-40B4-BE49-F238E27FC236}">
+                <a16:creationId xmlns:a16="http://schemas.microsoft.com/office/drawing/2014/main" id="{872D0F6D-1FD0-6273-3ADB-DEF005C33106}"/>
+              </a:ext>
+            </a:extLst>
+          </p:cNvPr>
+          <p:cNvPicPr>
+            <a:picLocks noChangeAspect="1"/>
+          </p:cNvPicPr>
+          <p:nvPr/>
+        </p:nvPicPr>
+        <p:blipFill>
+          <a:blip r:embed="rId3"/>
+          <a:stretch>
+            <a:fillRect/>
+          </a:stretch>
+        </p:blipFill>
+        <p:spPr>
+          <a:xfrm>
+            <a:off x="5518249" y="1652435"/>
+            <a:ext cx="424573" cy="490526"/>
+          </a:xfrm>
+          <a:prstGeom prst="rect">
+            <a:avLst/>
+          </a:prstGeom>
+          <a:ln w="3175">
+            <a:solidFill>
+              <a:schemeClr val="tx1"/>
+            </a:solidFill>
+          </a:ln>
+        </p:spPr>
+      </p:pic>
+      <p:pic>
+        <p:nvPicPr>
+          <p:cNvPr id="13" name="Picture 12">
+            <a:extLst>
+              <a:ext uri="{FF2B5EF4-FFF2-40B4-BE49-F238E27FC236}">
+                <a16:creationId xmlns:a16="http://schemas.microsoft.com/office/drawing/2014/main" id="{529D2356-CE3C-FBB6-3FC8-26B1974E8F6D}"/>
+              </a:ext>
+            </a:extLst>
+          </p:cNvPr>
+          <p:cNvPicPr>
+            <a:picLocks noChangeAspect="1"/>
+          </p:cNvPicPr>
+          <p:nvPr/>
+        </p:nvPicPr>
+        <p:blipFill>
+          <a:blip r:embed="rId4"/>
+          <a:stretch>
+            <a:fillRect/>
+          </a:stretch>
+        </p:blipFill>
+        <p:spPr>
+          <a:xfrm>
+            <a:off x="5495869" y="2457314"/>
+            <a:ext cx="469332" cy="536380"/>
+          </a:xfrm>
+          <a:prstGeom prst="rect">
+            <a:avLst/>
+          </a:prstGeom>
+        </p:spPr>
+      </p:pic>
+      <p:pic>
+        <p:nvPicPr>
+          <p:cNvPr id="15" name="Picture 14">
+            <a:extLst>
+              <a:ext uri="{FF2B5EF4-FFF2-40B4-BE49-F238E27FC236}">
+                <a16:creationId xmlns:a16="http://schemas.microsoft.com/office/drawing/2014/main" id="{853EAAC3-9719-3E77-9D4B-6160B41F1F6D}"/>
+              </a:ext>
+            </a:extLst>
+          </p:cNvPr>
+          <p:cNvPicPr>
+            <a:picLocks noChangeAspect="1"/>
+          </p:cNvPicPr>
+          <p:nvPr/>
+        </p:nvPicPr>
+        <p:blipFill>
+          <a:blip r:embed="rId5"/>
+          <a:stretch>
+            <a:fillRect/>
+          </a:stretch>
+        </p:blipFill>
+        <p:spPr>
+          <a:xfrm>
+            <a:off x="6387025" y="1631194"/>
+            <a:ext cx="493484" cy="501895"/>
+          </a:xfrm>
+          <a:prstGeom prst="rect">
+            <a:avLst/>
+          </a:prstGeom>
+          <a:ln w="3175">
+            <a:solidFill>
+              <a:schemeClr val="tx1"/>
+            </a:solidFill>
+          </a:ln>
+        </p:spPr>
+      </p:pic>
+      <p:pic>
+        <p:nvPicPr>
+          <p:cNvPr id="17" name="Picture 16">
+            <a:extLst>
+              <a:ext uri="{FF2B5EF4-FFF2-40B4-BE49-F238E27FC236}">
+                <a16:creationId xmlns:a16="http://schemas.microsoft.com/office/drawing/2014/main" id="{AC733978-6AFB-DEB7-E44A-45A3D4A5A7DA}"/>
+              </a:ext>
+            </a:extLst>
+          </p:cNvPr>
+          <p:cNvPicPr>
+            <a:picLocks noChangeAspect="1"/>
+          </p:cNvPicPr>
+          <p:nvPr/>
+        </p:nvPicPr>
+        <p:blipFill>
+          <a:blip r:embed="rId6"/>
+          <a:stretch>
+            <a:fillRect/>
+          </a:stretch>
+        </p:blipFill>
+        <p:spPr>
+          <a:xfrm>
+            <a:off x="6379683" y="2458367"/>
+            <a:ext cx="469333" cy="495589"/>
+          </a:xfrm>
+          <a:prstGeom prst="rect">
+            <a:avLst/>
+          </a:prstGeom>
+        </p:spPr>
+      </p:pic>
+      <p:pic>
+        <p:nvPicPr>
+          <p:cNvPr id="19" name="Picture 18">
+            <a:extLst>
+              <a:ext uri="{FF2B5EF4-FFF2-40B4-BE49-F238E27FC236}">
+                <a16:creationId xmlns:a16="http://schemas.microsoft.com/office/drawing/2014/main" id="{ED7C6FDE-566F-28B3-9276-48D50823F3DA}"/>
+              </a:ext>
+            </a:extLst>
+          </p:cNvPr>
+          <p:cNvPicPr>
+            <a:picLocks noChangeAspect="1"/>
+          </p:cNvPicPr>
+          <p:nvPr/>
+        </p:nvPicPr>
+        <p:blipFill>
+          <a:blip r:embed="rId7"/>
+          <a:stretch>
+            <a:fillRect/>
+          </a:stretch>
+        </p:blipFill>
+        <p:spPr>
+          <a:xfrm>
+            <a:off x="5459759" y="3235904"/>
+            <a:ext cx="678634" cy="268470"/>
+          </a:xfrm>
+          <a:prstGeom prst="rect">
+            <a:avLst/>
+          </a:prstGeom>
+        </p:spPr>
+      </p:pic>
+      <p:pic>
+        <p:nvPicPr>
+          <p:cNvPr id="21" name="Picture 20">
+            <a:extLst>
+              <a:ext uri="{FF2B5EF4-FFF2-40B4-BE49-F238E27FC236}">
+                <a16:creationId xmlns:a16="http://schemas.microsoft.com/office/drawing/2014/main" id="{295A519A-8221-D735-A411-18BC1849FDCE}"/>
+              </a:ext>
+            </a:extLst>
+          </p:cNvPr>
+          <p:cNvPicPr>
+            <a:picLocks noChangeAspect="1"/>
+          </p:cNvPicPr>
+          <p:nvPr/>
+        </p:nvPicPr>
+        <p:blipFill>
+          <a:blip r:embed="rId8"/>
+          <a:stretch>
+            <a:fillRect/>
+          </a:stretch>
+        </p:blipFill>
+        <p:spPr>
+          <a:xfrm>
+            <a:off x="6306981" y="3168893"/>
+            <a:ext cx="469333" cy="378074"/>
+          </a:xfrm>
+          <a:prstGeom prst="rect">
+            <a:avLst/>
+          </a:prstGeom>
+        </p:spPr>
+      </p:pic>
+      <p:pic>
+        <p:nvPicPr>
+          <p:cNvPr id="23" name="Picture 22">
+            <a:extLst>
+              <a:ext uri="{FF2B5EF4-FFF2-40B4-BE49-F238E27FC236}">
+                <a16:creationId xmlns:a16="http://schemas.microsoft.com/office/drawing/2014/main" id="{3571726D-1747-9369-2E38-FBF6B3B03FE6}"/>
+              </a:ext>
+            </a:extLst>
+          </p:cNvPr>
+          <p:cNvPicPr>
+            <a:picLocks noChangeAspect="1"/>
+          </p:cNvPicPr>
+          <p:nvPr/>
+        </p:nvPicPr>
+        <p:blipFill>
+          <a:blip r:embed="rId9"/>
+          <a:stretch>
+            <a:fillRect/>
+          </a:stretch>
+        </p:blipFill>
+        <p:spPr>
+          <a:xfrm>
+            <a:off x="7263124" y="1735378"/>
+            <a:ext cx="640985" cy="407583"/>
+          </a:xfrm>
+          <a:prstGeom prst="rect">
+            <a:avLst/>
+          </a:prstGeom>
+        </p:spPr>
+      </p:pic>
+      <p:sp>
+        <p:nvSpPr>
+          <p:cNvPr id="25" name="TextBox 24">
+            <a:extLst>
+              <a:ext uri="{FF2B5EF4-FFF2-40B4-BE49-F238E27FC236}">
+                <a16:creationId xmlns:a16="http://schemas.microsoft.com/office/drawing/2014/main" id="{EC3EE384-ED70-6EAA-4C8C-7B433FA8124A}"/>
+              </a:ext>
+            </a:extLst>
+          </p:cNvPr>
+          <p:cNvSpPr txBox="1"/>
+          <p:nvPr/>
+        </p:nvSpPr>
+        <p:spPr>
+          <a:xfrm>
+            <a:off x="5329494" y="1361759"/>
+            <a:ext cx="910357" cy="268469"/>
+          </a:xfrm>
+          <a:prstGeom prst="rect">
+            <a:avLst/>
+          </a:prstGeom>
+          <a:noFill/>
+        </p:spPr>
+        <p:txBody>
+          <a:bodyPr wrap="square">
+            <a:spAutoFit/>
+          </a:bodyPr>
+          <a:lstStyle/>
+          <a:p>
+            <a:r>
+              <a:rPr lang="en-US" sz="1100" b="1" dirty="0">
+                <a:solidFill>
+                  <a:schemeClr val="tx1">
+                    <a:lumMod val="75000"/>
+                    <a:lumOff val="25000"/>
+                  </a:schemeClr>
+                </a:solidFill>
+              </a:rPr>
+              <a:t>PDF format </a:t>
+            </a:r>
+            <a:endParaRPr lang="en-SG" sz="1100" b="1" dirty="0">
+              <a:solidFill>
+                <a:schemeClr val="tx1">
+                  <a:lumMod val="75000"/>
+                  <a:lumOff val="25000"/>
+                </a:schemeClr>
+              </a:solidFill>
+            </a:endParaRPr>
+          </a:p>
+        </p:txBody>
+      </p:sp>
+      <p:sp>
+        <p:nvSpPr>
+          <p:cNvPr id="26" name="TextBox 25">
+            <a:extLst>
+              <a:ext uri="{FF2B5EF4-FFF2-40B4-BE49-F238E27FC236}">
+                <a16:creationId xmlns:a16="http://schemas.microsoft.com/office/drawing/2014/main" id="{71846861-4ADF-6F56-3968-4074309336F0}"/>
+              </a:ext>
+            </a:extLst>
+          </p:cNvPr>
+          <p:cNvSpPr txBox="1"/>
+          <p:nvPr/>
+        </p:nvSpPr>
+        <p:spPr>
+          <a:xfrm>
+            <a:off x="6264678" y="1358305"/>
+            <a:ext cx="910357" cy="268469"/>
+          </a:xfrm>
+          <a:prstGeom prst="rect">
+            <a:avLst/>
+          </a:prstGeom>
+          <a:noFill/>
+        </p:spPr>
+        <p:txBody>
+          <a:bodyPr wrap="square">
+            <a:spAutoFit/>
+          </a:bodyPr>
+          <a:lstStyle/>
+          <a:p>
+            <a:r>
+              <a:rPr lang="en-US" sz="1100" b="1" dirty="0">
+                <a:solidFill>
+                  <a:schemeClr val="tx1">
+                    <a:lumMod val="75000"/>
+                    <a:lumOff val="25000"/>
+                  </a:schemeClr>
+                </a:solidFill>
+              </a:rPr>
+              <a:t>Text format </a:t>
+            </a:r>
+            <a:endParaRPr lang="en-SG" sz="1100" b="1" dirty="0">
+              <a:solidFill>
+                <a:schemeClr val="tx1">
+                  <a:lumMod val="75000"/>
+                  <a:lumOff val="25000"/>
+                </a:schemeClr>
+              </a:solidFill>
+            </a:endParaRPr>
+          </a:p>
+        </p:txBody>
+      </p:sp>
+      <p:sp>
+        <p:nvSpPr>
+          <p:cNvPr id="27" name="TextBox 26">
+            <a:extLst>
+              <a:ext uri="{FF2B5EF4-FFF2-40B4-BE49-F238E27FC236}">
+                <a16:creationId xmlns:a16="http://schemas.microsoft.com/office/drawing/2014/main" id="{335BD7A7-EE71-6D35-630A-E971B7D80359}"/>
+              </a:ext>
+            </a:extLst>
+          </p:cNvPr>
+          <p:cNvSpPr txBox="1"/>
+          <p:nvPr/>
+        </p:nvSpPr>
+        <p:spPr>
+          <a:xfrm>
+            <a:off x="7214938" y="1337512"/>
+            <a:ext cx="910357" cy="430887"/>
+          </a:xfrm>
+          <a:prstGeom prst="rect">
+            <a:avLst/>
+          </a:prstGeom>
+          <a:noFill/>
+        </p:spPr>
+        <p:txBody>
+          <a:bodyPr wrap="square">
+            <a:spAutoFit/>
+          </a:bodyPr>
+          <a:lstStyle/>
+          <a:p>
+            <a:r>
+              <a:rPr lang="en-US" sz="1100" b="1" dirty="0">
+                <a:solidFill>
+                  <a:schemeClr val="tx1">
+                    <a:lumMod val="75000"/>
+                    <a:lumOff val="25000"/>
+                  </a:schemeClr>
+                </a:solidFill>
+              </a:rPr>
+              <a:t>Markdown format </a:t>
+            </a:r>
+            <a:endParaRPr lang="en-SG" sz="1100" b="1" dirty="0">
+              <a:solidFill>
+                <a:schemeClr val="tx1">
+                  <a:lumMod val="75000"/>
+                  <a:lumOff val="25000"/>
+                </a:schemeClr>
+              </a:solidFill>
+            </a:endParaRPr>
+          </a:p>
+        </p:txBody>
+      </p:sp>
+      <p:sp>
+        <p:nvSpPr>
+          <p:cNvPr id="28" name="TextBox 27">
+            <a:extLst>
+              <a:ext uri="{FF2B5EF4-FFF2-40B4-BE49-F238E27FC236}">
+                <a16:creationId xmlns:a16="http://schemas.microsoft.com/office/drawing/2014/main" id="{BFB1CD6C-4286-79E9-F734-1E3204A99075}"/>
+              </a:ext>
+            </a:extLst>
+          </p:cNvPr>
+          <p:cNvSpPr txBox="1"/>
+          <p:nvPr/>
+        </p:nvSpPr>
+        <p:spPr>
+          <a:xfrm>
+            <a:off x="5381500" y="2184199"/>
+            <a:ext cx="1122644" cy="261610"/>
+          </a:xfrm>
+          <a:prstGeom prst="rect">
+            <a:avLst/>
+          </a:prstGeom>
+          <a:noFill/>
+        </p:spPr>
+        <p:txBody>
+          <a:bodyPr wrap="square">
+            <a:spAutoFit/>
+          </a:bodyPr>
+          <a:lstStyle/>
+          <a:p>
+            <a:r>
+              <a:rPr lang="en-US" sz="1100" b="1" dirty="0">
+                <a:solidFill>
+                  <a:schemeClr val="tx1">
+                    <a:lumMod val="75000"/>
+                    <a:lumOff val="25000"/>
+                  </a:schemeClr>
+                </a:solidFill>
+              </a:rPr>
+              <a:t>HTML format </a:t>
+            </a:r>
+            <a:endParaRPr lang="en-SG" sz="1100" b="1" dirty="0">
+              <a:solidFill>
+                <a:schemeClr val="tx1">
+                  <a:lumMod val="75000"/>
+                  <a:lumOff val="25000"/>
+                </a:schemeClr>
+              </a:solidFill>
+            </a:endParaRPr>
+          </a:p>
+        </p:txBody>
+      </p:sp>
+      <p:sp>
+        <p:nvSpPr>
+          <p:cNvPr id="29" name="TextBox 28">
+            <a:extLst>
+              <a:ext uri="{FF2B5EF4-FFF2-40B4-BE49-F238E27FC236}">
+                <a16:creationId xmlns:a16="http://schemas.microsoft.com/office/drawing/2014/main" id="{37B42B13-7033-282B-08C1-E31150EA11FA}"/>
+              </a:ext>
+            </a:extLst>
+          </p:cNvPr>
+          <p:cNvSpPr txBox="1"/>
+          <p:nvPr/>
+        </p:nvSpPr>
+        <p:spPr>
+          <a:xfrm>
+            <a:off x="6352497" y="2208051"/>
+            <a:ext cx="455312" cy="261610"/>
+          </a:xfrm>
+          <a:prstGeom prst="rect">
+            <a:avLst/>
+          </a:prstGeom>
+          <a:noFill/>
+        </p:spPr>
+        <p:txBody>
+          <a:bodyPr wrap="square">
+            <a:spAutoFit/>
+          </a:bodyPr>
+          <a:lstStyle/>
+          <a:p>
+            <a:r>
+              <a:rPr lang="en-US" sz="1100" b="1" dirty="0">
+                <a:solidFill>
+                  <a:schemeClr val="tx1">
+                    <a:lumMod val="75000"/>
+                    <a:lumOff val="25000"/>
+                  </a:schemeClr>
+                </a:solidFill>
+              </a:rPr>
+              <a:t>URL </a:t>
+            </a:r>
+          </a:p>
+        </p:txBody>
+      </p:sp>
+      <p:sp>
+        <p:nvSpPr>
+          <p:cNvPr id="30" name="TextBox 29">
+            <a:extLst>
+              <a:ext uri="{FF2B5EF4-FFF2-40B4-BE49-F238E27FC236}">
+                <a16:creationId xmlns:a16="http://schemas.microsoft.com/office/drawing/2014/main" id="{A4B9F9E9-51E7-092D-7642-6C5292CA3936}"/>
+              </a:ext>
+            </a:extLst>
+          </p:cNvPr>
+          <p:cNvSpPr txBox="1"/>
+          <p:nvPr/>
+        </p:nvSpPr>
+        <p:spPr>
+          <a:xfrm>
+            <a:off x="6779167" y="3116080"/>
+            <a:ext cx="910357" cy="430887"/>
+          </a:xfrm>
+          <a:prstGeom prst="rect">
+            <a:avLst/>
+          </a:prstGeom>
+          <a:noFill/>
+        </p:spPr>
+        <p:txBody>
+          <a:bodyPr wrap="square">
+            <a:spAutoFit/>
+          </a:bodyPr>
+          <a:lstStyle/>
+          <a:p>
+            <a:r>
+              <a:rPr lang="en-US" sz="1100" b="1" dirty="0">
+                <a:solidFill>
+                  <a:schemeClr val="tx1">
+                    <a:lumMod val="75000"/>
+                    <a:lumOff val="25000"/>
+                  </a:schemeClr>
+                </a:solidFill>
+              </a:rPr>
+              <a:t>CTF-D </a:t>
+            </a:r>
+            <a:r>
+              <a:rPr lang="en-US" sz="1100" b="1" dirty="0" err="1">
+                <a:solidFill>
+                  <a:schemeClr val="tx1">
+                    <a:lumMod val="75000"/>
+                    <a:lumOff val="25000"/>
+                  </a:schemeClr>
+                </a:solidFill>
+              </a:rPr>
+              <a:t>url</a:t>
+            </a:r>
+            <a:r>
+              <a:rPr lang="en-US" sz="1100" b="1" dirty="0">
+                <a:solidFill>
+                  <a:schemeClr val="tx1">
+                    <a:lumMod val="75000"/>
+                    <a:lumOff val="25000"/>
+                  </a:schemeClr>
+                </a:solidFill>
+              </a:rPr>
+              <a:t> + login cookie</a:t>
+            </a:r>
+            <a:endParaRPr lang="en-SG" sz="1100" b="1" dirty="0">
+              <a:solidFill>
+                <a:schemeClr val="tx1">
+                  <a:lumMod val="75000"/>
+                  <a:lumOff val="25000"/>
+                </a:schemeClr>
+              </a:solidFill>
+            </a:endParaRPr>
+          </a:p>
+        </p:txBody>
+      </p:sp>
+      <p:sp>
+        <p:nvSpPr>
+          <p:cNvPr id="31" name="TextBox 30">
+            <a:extLst>
+              <a:ext uri="{FF2B5EF4-FFF2-40B4-BE49-F238E27FC236}">
+                <a16:creationId xmlns:a16="http://schemas.microsoft.com/office/drawing/2014/main" id="{EB63DFD8-F1B6-1314-6A00-F6DF36F4C3B4}"/>
+              </a:ext>
+            </a:extLst>
+          </p:cNvPr>
+          <p:cNvSpPr txBox="1"/>
+          <p:nvPr/>
+        </p:nvSpPr>
+        <p:spPr>
+          <a:xfrm>
+            <a:off x="6123898" y="3198783"/>
+            <a:ext cx="368990" cy="261610"/>
+          </a:xfrm>
+          <a:prstGeom prst="rect">
+            <a:avLst/>
+          </a:prstGeom>
+          <a:noFill/>
+        </p:spPr>
+        <p:txBody>
+          <a:bodyPr wrap="square">
+            <a:spAutoFit/>
+          </a:bodyPr>
+          <a:lstStyle/>
+          <a:p>
+            <a:r>
+              <a:rPr lang="en-US" sz="1100" b="1" dirty="0">
+                <a:solidFill>
+                  <a:schemeClr val="tx1">
+                    <a:lumMod val="75000"/>
+                    <a:lumOff val="25000"/>
+                  </a:schemeClr>
+                </a:solidFill>
+              </a:rPr>
+              <a:t>+</a:t>
+            </a:r>
+            <a:endParaRPr lang="en-SG" sz="1100" b="1" dirty="0">
+              <a:solidFill>
+                <a:schemeClr val="tx1">
+                  <a:lumMod val="75000"/>
+                  <a:lumOff val="25000"/>
+                </a:schemeClr>
+              </a:solidFill>
+            </a:endParaRPr>
+          </a:p>
+        </p:txBody>
+      </p:sp>
+      <p:cxnSp>
+        <p:nvCxnSpPr>
+          <p:cNvPr id="32" name="Straight Arrow Connector 31">
+            <a:extLst>
+              <a:ext uri="{FF2B5EF4-FFF2-40B4-BE49-F238E27FC236}">
+                <a16:creationId xmlns:a16="http://schemas.microsoft.com/office/drawing/2014/main" id="{EA0BC1FA-38C7-9F58-78FA-02C6C1B5EF1B}"/>
+              </a:ext>
+            </a:extLst>
+          </p:cNvPr>
+          <p:cNvCxnSpPr>
+            <a:cxnSpLocks/>
+          </p:cNvCxnSpPr>
+          <p:nvPr/>
+        </p:nvCxnSpPr>
+        <p:spPr>
+          <a:xfrm>
+            <a:off x="3312698" y="2939793"/>
+            <a:ext cx="0" cy="303620"/>
+          </a:xfrm>
+          <a:prstGeom prst="straightConnector1">
+            <a:avLst/>
+          </a:prstGeom>
+          <a:ln w="19050">
+            <a:prstDash val="sysDash"/>
+            <a:tailEnd type="triangle"/>
+          </a:ln>
+        </p:spPr>
+        <p:style>
+          <a:lnRef idx="1">
+            <a:schemeClr val="accent1"/>
+          </a:lnRef>
+          <a:fillRef idx="0">
+            <a:schemeClr val="accent1"/>
+          </a:fillRef>
+          <a:effectRef idx="0">
+            <a:schemeClr val="accent1"/>
+          </a:effectRef>
+          <a:fontRef idx="minor">
+            <a:schemeClr val="tx1"/>
+          </a:fontRef>
+        </p:style>
+      </p:cxnSp>
+      <p:sp>
+        <p:nvSpPr>
+          <p:cNvPr id="33" name="Rectangle 32">
+            <a:extLst>
+              <a:ext uri="{FF2B5EF4-FFF2-40B4-BE49-F238E27FC236}">
+                <a16:creationId xmlns:a16="http://schemas.microsoft.com/office/drawing/2014/main" id="{EF77DB9A-4F2D-6881-4E3F-9727AA07A474}"/>
+              </a:ext>
+            </a:extLst>
+          </p:cNvPr>
+          <p:cNvSpPr/>
+          <p:nvPr/>
+        </p:nvSpPr>
+        <p:spPr>
+          <a:xfrm>
+            <a:off x="2763682" y="3282847"/>
+            <a:ext cx="1958805" cy="482479"/>
+          </a:xfrm>
+          <a:prstGeom prst="rect">
+            <a:avLst/>
+          </a:prstGeom>
+        </p:spPr>
+        <p:style>
+          <a:lnRef idx="2">
+            <a:schemeClr val="accent1">
+              <a:shade val="50000"/>
+            </a:schemeClr>
+          </a:lnRef>
+          <a:fillRef idx="1">
+            <a:schemeClr val="accent1"/>
+          </a:fillRef>
+          <a:effectRef idx="0">
+            <a:schemeClr val="accent1"/>
+          </a:effectRef>
+          <a:fontRef idx="minor">
+            <a:schemeClr val="lt1"/>
+          </a:fontRef>
+        </p:style>
+        <p:txBody>
+          <a:bodyPr rtlCol="0" anchor="ctr"/>
+          <a:lstStyle/>
+          <a:p>
+            <a:r>
+              <a:rPr lang="en-US" sz="1200" b="1" dirty="0"/>
+              <a:t>Question parser [ </a:t>
+            </a:r>
+            <a:r>
+              <a:rPr lang="en-US" sz="1200" b="1" dirty="0" err="1"/>
+              <a:t>langchain</a:t>
+            </a:r>
+            <a:r>
+              <a:rPr lang="en-US" sz="1200" b="1" dirty="0"/>
+              <a:t> + MCQ- prompt ]</a:t>
+            </a:r>
+            <a:endParaRPr lang="en-SG" sz="1200" b="1" dirty="0"/>
+          </a:p>
+        </p:txBody>
+      </p:sp>
+      <p:sp>
+        <p:nvSpPr>
+          <p:cNvPr id="36" name="Arrow: Left 35">
+            <a:extLst>
+              <a:ext uri="{FF2B5EF4-FFF2-40B4-BE49-F238E27FC236}">
+                <a16:creationId xmlns:a16="http://schemas.microsoft.com/office/drawing/2014/main" id="{81F71DEA-23CC-3DD7-4D6E-5A6922E5E9EE}"/>
+              </a:ext>
+            </a:extLst>
+          </p:cNvPr>
+          <p:cNvSpPr/>
+          <p:nvPr/>
+        </p:nvSpPr>
+        <p:spPr>
+          <a:xfrm>
+            <a:off x="4232641" y="2664692"/>
+            <a:ext cx="959217" cy="88829"/>
+          </a:xfrm>
+          <a:prstGeom prst="leftArrow">
+            <a:avLst/>
+          </a:prstGeom>
+        </p:spPr>
+        <p:style>
+          <a:lnRef idx="2">
+            <a:schemeClr val="accent1">
+              <a:shade val="15000"/>
+            </a:schemeClr>
+          </a:lnRef>
+          <a:fillRef idx="1">
+            <a:schemeClr val="accent1"/>
+          </a:fillRef>
+          <a:effectRef idx="0">
+            <a:schemeClr val="accent1"/>
+          </a:effectRef>
+          <a:fontRef idx="minor">
+            <a:schemeClr val="lt1"/>
+          </a:fontRef>
+        </p:style>
+        <p:txBody>
+          <a:bodyPr rtlCol="0" anchor="ctr"/>
+          <a:lstStyle/>
+          <a:p>
+            <a:pPr algn="ctr"/>
+            <a:endParaRPr lang="en-SG"/>
+          </a:p>
+        </p:txBody>
+      </p:sp>
+      <p:cxnSp>
+        <p:nvCxnSpPr>
+          <p:cNvPr id="38" name="Straight Arrow Connector 37">
+            <a:extLst>
+              <a:ext uri="{FF2B5EF4-FFF2-40B4-BE49-F238E27FC236}">
+                <a16:creationId xmlns:a16="http://schemas.microsoft.com/office/drawing/2014/main" id="{4847D2CF-23DD-9274-E06D-957FFE34978A}"/>
+              </a:ext>
+            </a:extLst>
+          </p:cNvPr>
+          <p:cNvCxnSpPr>
+            <a:cxnSpLocks/>
+            <a:stCxn id="41" idx="3"/>
+          </p:cNvCxnSpPr>
+          <p:nvPr/>
+        </p:nvCxnSpPr>
+        <p:spPr>
+          <a:xfrm>
+            <a:off x="1446005" y="2238447"/>
+            <a:ext cx="1378058" cy="1044400"/>
+          </a:xfrm>
+          <a:prstGeom prst="straightConnector1">
+            <a:avLst/>
+          </a:prstGeom>
+          <a:ln w="19050">
+            <a:solidFill>
+              <a:schemeClr val="accent6">
+                <a:lumMod val="75000"/>
+              </a:schemeClr>
+            </a:solidFill>
+            <a:headEnd type="triangle"/>
+            <a:tailEnd type="triangle"/>
+          </a:ln>
+        </p:spPr>
+        <p:style>
+          <a:lnRef idx="1">
+            <a:schemeClr val="accent1"/>
+          </a:lnRef>
+          <a:fillRef idx="0">
+            <a:schemeClr val="accent1"/>
+          </a:fillRef>
+          <a:effectRef idx="0">
+            <a:schemeClr val="accent1"/>
+          </a:effectRef>
+          <a:fontRef idx="minor">
+            <a:schemeClr val="tx1"/>
+          </a:fontRef>
+        </p:style>
+      </p:cxnSp>
+      <p:pic>
+        <p:nvPicPr>
+          <p:cNvPr id="41" name="Picture 40">
+            <a:extLst>
+              <a:ext uri="{FF2B5EF4-FFF2-40B4-BE49-F238E27FC236}">
+                <a16:creationId xmlns:a16="http://schemas.microsoft.com/office/drawing/2014/main" id="{1870F8A1-4D54-AAF0-2435-64BB8B2AF08E}"/>
+              </a:ext>
+            </a:extLst>
+          </p:cNvPr>
+          <p:cNvPicPr>
+            <a:picLocks noChangeAspect="1"/>
+          </p:cNvPicPr>
+          <p:nvPr/>
+        </p:nvPicPr>
+        <p:blipFill>
+          <a:blip r:embed="rId10"/>
+          <a:stretch>
+            <a:fillRect/>
+          </a:stretch>
+        </p:blipFill>
+        <p:spPr>
+          <a:xfrm>
+            <a:off x="779323" y="1897698"/>
+            <a:ext cx="666682" cy="681497"/>
+          </a:xfrm>
+          <a:prstGeom prst="rect">
+            <a:avLst/>
+          </a:prstGeom>
+        </p:spPr>
+      </p:pic>
+      <p:sp>
+        <p:nvSpPr>
+          <p:cNvPr id="42" name="TextBox 41">
+            <a:extLst>
+              <a:ext uri="{FF2B5EF4-FFF2-40B4-BE49-F238E27FC236}">
+                <a16:creationId xmlns:a16="http://schemas.microsoft.com/office/drawing/2014/main" id="{0118B95D-C9E9-A96B-696A-D6EE1A19FEB7}"/>
+              </a:ext>
+            </a:extLst>
+          </p:cNvPr>
+          <p:cNvSpPr txBox="1"/>
+          <p:nvPr/>
+        </p:nvSpPr>
+        <p:spPr>
+          <a:xfrm>
+            <a:off x="800010" y="1601143"/>
+            <a:ext cx="910357" cy="268469"/>
+          </a:xfrm>
+          <a:prstGeom prst="rect">
+            <a:avLst/>
+          </a:prstGeom>
+          <a:noFill/>
+        </p:spPr>
+        <p:txBody>
+          <a:bodyPr wrap="square">
+            <a:spAutoFit/>
+          </a:bodyPr>
+          <a:lstStyle/>
+          <a:p>
+            <a:r>
+              <a:rPr lang="en-US" sz="1100" b="1" dirty="0">
+                <a:solidFill>
+                  <a:schemeClr val="tx1">
+                    <a:lumMod val="75000"/>
+                    <a:lumOff val="25000"/>
+                  </a:schemeClr>
+                </a:solidFill>
+              </a:rPr>
+              <a:t>OpenAI</a:t>
+            </a:r>
+            <a:endParaRPr lang="en-SG" sz="1100" b="1" dirty="0">
+              <a:solidFill>
+                <a:schemeClr val="tx1">
+                  <a:lumMod val="75000"/>
+                  <a:lumOff val="25000"/>
+                </a:schemeClr>
+              </a:solidFill>
+            </a:endParaRPr>
+          </a:p>
+        </p:txBody>
+      </p:sp>
+      <p:cxnSp>
+        <p:nvCxnSpPr>
+          <p:cNvPr id="43" name="Straight Arrow Connector 42">
+            <a:extLst>
+              <a:ext uri="{FF2B5EF4-FFF2-40B4-BE49-F238E27FC236}">
+                <a16:creationId xmlns:a16="http://schemas.microsoft.com/office/drawing/2014/main" id="{4361013E-DA89-A8CB-1CBF-EB5C274AE95F}"/>
+              </a:ext>
+            </a:extLst>
+          </p:cNvPr>
+          <p:cNvCxnSpPr>
+            <a:cxnSpLocks/>
+            <a:stCxn id="33" idx="1"/>
+            <a:endCxn id="49" idx="3"/>
+          </p:cNvCxnSpPr>
+          <p:nvPr/>
+        </p:nvCxnSpPr>
+        <p:spPr>
+          <a:xfrm flipH="1">
+            <a:off x="2372732" y="3524087"/>
+            <a:ext cx="390950" cy="0"/>
+          </a:xfrm>
+          <a:prstGeom prst="straightConnector1">
+            <a:avLst/>
+          </a:prstGeom>
+          <a:ln w="19050">
+            <a:prstDash val="sysDash"/>
+            <a:tailEnd type="triangle"/>
+          </a:ln>
+        </p:spPr>
+        <p:style>
+          <a:lnRef idx="1">
+            <a:schemeClr val="accent1"/>
+          </a:lnRef>
+          <a:fillRef idx="0">
+            <a:schemeClr val="accent1"/>
+          </a:fillRef>
+          <a:effectRef idx="0">
+            <a:schemeClr val="accent1"/>
+          </a:effectRef>
+          <a:fontRef idx="minor">
+            <a:schemeClr val="tx1"/>
+          </a:fontRef>
+        </p:style>
+      </p:cxnSp>
+      <p:cxnSp>
+        <p:nvCxnSpPr>
+          <p:cNvPr id="44" name="Straight Arrow Connector 43">
+            <a:extLst>
+              <a:ext uri="{FF2B5EF4-FFF2-40B4-BE49-F238E27FC236}">
+                <a16:creationId xmlns:a16="http://schemas.microsoft.com/office/drawing/2014/main" id="{AF0D64DE-A008-4005-2579-CBA4284AAE01}"/>
+              </a:ext>
+            </a:extLst>
+          </p:cNvPr>
+          <p:cNvCxnSpPr>
+            <a:cxnSpLocks/>
+          </p:cNvCxnSpPr>
+          <p:nvPr/>
+        </p:nvCxnSpPr>
+        <p:spPr>
+          <a:xfrm>
+            <a:off x="4174753" y="3765326"/>
+            <a:ext cx="0" cy="245867"/>
+          </a:xfrm>
+          <a:prstGeom prst="straightConnector1">
+            <a:avLst/>
+          </a:prstGeom>
+          <a:ln w="19050">
+            <a:prstDash val="sysDash"/>
+            <a:tailEnd type="triangle"/>
+          </a:ln>
+        </p:spPr>
+        <p:style>
+          <a:lnRef idx="1">
+            <a:schemeClr val="accent1"/>
+          </a:lnRef>
+          <a:fillRef idx="0">
+            <a:schemeClr val="accent1"/>
+          </a:fillRef>
+          <a:effectRef idx="0">
+            <a:schemeClr val="accent1"/>
+          </a:effectRef>
+          <a:fontRef idx="minor">
+            <a:schemeClr val="tx1"/>
+          </a:fontRef>
+        </p:style>
+      </p:cxnSp>
+      <p:sp>
+        <p:nvSpPr>
+          <p:cNvPr id="49" name="Rectangle 48">
+            <a:extLst>
+              <a:ext uri="{FF2B5EF4-FFF2-40B4-BE49-F238E27FC236}">
+                <a16:creationId xmlns:a16="http://schemas.microsoft.com/office/drawing/2014/main" id="{B6923272-2913-20CE-27D0-B258D6855585}"/>
+              </a:ext>
+            </a:extLst>
+          </p:cNvPr>
+          <p:cNvSpPr/>
+          <p:nvPr/>
+        </p:nvSpPr>
+        <p:spPr>
+          <a:xfrm>
+            <a:off x="1447384" y="3298744"/>
+            <a:ext cx="925348" cy="466581"/>
+          </a:xfrm>
+          <a:prstGeom prst="rect">
+            <a:avLst/>
+          </a:prstGeom>
+        </p:spPr>
+        <p:style>
+          <a:lnRef idx="2">
+            <a:schemeClr val="accent1">
+              <a:shade val="50000"/>
+            </a:schemeClr>
+          </a:lnRef>
+          <a:fillRef idx="1">
+            <a:schemeClr val="accent1"/>
+          </a:fillRef>
+          <a:effectRef idx="0">
+            <a:schemeClr val="accent1"/>
+          </a:effectRef>
+          <a:fontRef idx="minor">
+            <a:schemeClr val="lt1"/>
+          </a:fontRef>
+        </p:style>
+        <p:txBody>
+          <a:bodyPr rtlCol="0" anchor="ctr"/>
+          <a:lstStyle/>
+          <a:p>
+            <a:r>
+              <a:rPr lang="en-US" sz="1200" b="1" dirty="0"/>
+              <a:t>Question categorizer   </a:t>
+            </a:r>
+            <a:endParaRPr lang="en-SG" sz="1200" b="1" dirty="0"/>
+          </a:p>
+        </p:txBody>
+      </p:sp>
+      <p:sp>
+        <p:nvSpPr>
+          <p:cNvPr id="57" name="TextBox 56">
+            <a:extLst>
+              <a:ext uri="{FF2B5EF4-FFF2-40B4-BE49-F238E27FC236}">
+                <a16:creationId xmlns:a16="http://schemas.microsoft.com/office/drawing/2014/main" id="{9A14D4B9-BBAC-2E95-0BA1-E127B540769B}"/>
+              </a:ext>
+            </a:extLst>
+          </p:cNvPr>
+          <p:cNvSpPr txBox="1"/>
+          <p:nvPr/>
+        </p:nvSpPr>
+        <p:spPr>
+          <a:xfrm>
+            <a:off x="4432090" y="4389716"/>
+            <a:ext cx="1229909" cy="400110"/>
+          </a:xfrm>
+          <a:prstGeom prst="rect">
+            <a:avLst/>
+          </a:prstGeom>
+          <a:noFill/>
+        </p:spPr>
+        <p:txBody>
+          <a:bodyPr wrap="square" rtlCol="0">
+            <a:spAutoFit/>
+          </a:bodyPr>
+          <a:lstStyle/>
+          <a:p>
+            <a:r>
+              <a:rPr lang="en-US" sz="1000" dirty="0"/>
+              <a:t>Standard MCQ data/file.</a:t>
+            </a:r>
+            <a:endParaRPr lang="en-SG" sz="1000" dirty="0"/>
+          </a:p>
+        </p:txBody>
+      </p:sp>
+      <p:cxnSp>
+        <p:nvCxnSpPr>
+          <p:cNvPr id="84" name="Straight Arrow Connector 83">
+            <a:extLst>
+              <a:ext uri="{FF2B5EF4-FFF2-40B4-BE49-F238E27FC236}">
+                <a16:creationId xmlns:a16="http://schemas.microsoft.com/office/drawing/2014/main" id="{3902F617-F716-4BB3-B07E-001F12D7C9C2}"/>
+              </a:ext>
+            </a:extLst>
+          </p:cNvPr>
+          <p:cNvCxnSpPr>
+            <a:cxnSpLocks/>
+            <a:endCxn id="49" idx="0"/>
+          </p:cNvCxnSpPr>
+          <p:nvPr/>
+        </p:nvCxnSpPr>
+        <p:spPr>
+          <a:xfrm>
+            <a:off x="1480975" y="2444204"/>
+            <a:ext cx="429083" cy="854540"/>
+          </a:xfrm>
+          <a:prstGeom prst="straightConnector1">
+            <a:avLst/>
+          </a:prstGeom>
+          <a:ln w="19050">
+            <a:solidFill>
+              <a:schemeClr val="accent6">
+                <a:lumMod val="75000"/>
+              </a:schemeClr>
+            </a:solidFill>
+            <a:headEnd type="triangle"/>
+            <a:tailEnd type="triangle"/>
+          </a:ln>
+        </p:spPr>
+        <p:style>
+          <a:lnRef idx="1">
+            <a:schemeClr val="accent1"/>
+          </a:lnRef>
+          <a:fillRef idx="0">
+            <a:schemeClr val="accent1"/>
+          </a:fillRef>
+          <a:effectRef idx="0">
+            <a:schemeClr val="accent1"/>
+          </a:effectRef>
+          <a:fontRef idx="minor">
+            <a:schemeClr val="tx1"/>
+          </a:fontRef>
+        </p:style>
+      </p:cxnSp>
+      <p:cxnSp>
+        <p:nvCxnSpPr>
+          <p:cNvPr id="89" name="Straight Arrow Connector 88">
+            <a:extLst>
+              <a:ext uri="{FF2B5EF4-FFF2-40B4-BE49-F238E27FC236}">
+                <a16:creationId xmlns:a16="http://schemas.microsoft.com/office/drawing/2014/main" id="{15DEC972-6B4C-9EF4-318E-32207AC548E6}"/>
+              </a:ext>
+            </a:extLst>
+          </p:cNvPr>
+          <p:cNvCxnSpPr>
+            <a:cxnSpLocks/>
+          </p:cNvCxnSpPr>
+          <p:nvPr/>
+        </p:nvCxnSpPr>
+        <p:spPr>
+          <a:xfrm>
+            <a:off x="3312698" y="3804760"/>
+            <a:ext cx="0" cy="1038202"/>
+          </a:xfrm>
+          <a:prstGeom prst="straightConnector1">
+            <a:avLst/>
+          </a:prstGeom>
+          <a:ln w="19050">
+            <a:prstDash val="sysDash"/>
+            <a:tailEnd type="triangle"/>
+          </a:ln>
+        </p:spPr>
+        <p:style>
+          <a:lnRef idx="1">
+            <a:schemeClr val="accent1"/>
+          </a:lnRef>
+          <a:fillRef idx="0">
+            <a:schemeClr val="accent1"/>
+          </a:fillRef>
+          <a:effectRef idx="0">
+            <a:schemeClr val="accent1"/>
+          </a:effectRef>
+          <a:fontRef idx="minor">
+            <a:schemeClr val="tx1"/>
+          </a:fontRef>
+        </p:style>
+      </p:cxnSp>
+      <p:sp>
+        <p:nvSpPr>
+          <p:cNvPr id="92" name="Rectangle 91">
+            <a:extLst>
+              <a:ext uri="{FF2B5EF4-FFF2-40B4-BE49-F238E27FC236}">
+                <a16:creationId xmlns:a16="http://schemas.microsoft.com/office/drawing/2014/main" id="{CA99C8DF-840A-8294-B21C-8B3DEDACB212}"/>
+              </a:ext>
+            </a:extLst>
+          </p:cNvPr>
+          <p:cNvSpPr/>
+          <p:nvPr/>
+        </p:nvSpPr>
+        <p:spPr>
+          <a:xfrm>
+            <a:off x="2646164" y="4868879"/>
+            <a:ext cx="1958805" cy="482479"/>
+          </a:xfrm>
+          <a:prstGeom prst="rect">
+            <a:avLst/>
+          </a:prstGeom>
+        </p:spPr>
+        <p:style>
+          <a:lnRef idx="2">
+            <a:schemeClr val="accent1">
+              <a:shade val="50000"/>
+            </a:schemeClr>
+          </a:lnRef>
+          <a:fillRef idx="1">
+            <a:schemeClr val="accent1"/>
+          </a:fillRef>
+          <a:effectRef idx="0">
+            <a:schemeClr val="accent1"/>
+          </a:effectRef>
+          <a:fontRef idx="minor">
+            <a:schemeClr val="lt1"/>
+          </a:fontRef>
+        </p:style>
+        <p:txBody>
+          <a:bodyPr rtlCol="0" anchor="ctr"/>
+          <a:lstStyle/>
+          <a:p>
+            <a:r>
+              <a:rPr lang="en-US" sz="1200" b="1" dirty="0"/>
+              <a:t>Question Solver [ OpenAI + scenario prompt ]</a:t>
+            </a:r>
+            <a:endParaRPr lang="en-SG" sz="1200" b="1" dirty="0"/>
+          </a:p>
+        </p:txBody>
+      </p:sp>
+      <p:pic>
+        <p:nvPicPr>
+          <p:cNvPr id="95" name="Picture 94">
+            <a:extLst>
+              <a:ext uri="{FF2B5EF4-FFF2-40B4-BE49-F238E27FC236}">
+                <a16:creationId xmlns:a16="http://schemas.microsoft.com/office/drawing/2014/main" id="{46EE22DF-3B60-1255-3E80-5F5215F808DA}"/>
+              </a:ext>
+            </a:extLst>
+          </p:cNvPr>
+          <p:cNvPicPr>
+            <a:picLocks noChangeAspect="1"/>
+          </p:cNvPicPr>
+          <p:nvPr/>
+        </p:nvPicPr>
+        <p:blipFill>
+          <a:blip r:embed="rId2"/>
+          <a:stretch>
+            <a:fillRect/>
+          </a:stretch>
+        </p:blipFill>
+        <p:spPr>
+          <a:xfrm>
+            <a:off x="2288366" y="4197762"/>
+            <a:ext cx="324555" cy="372004"/>
+          </a:xfrm>
+          <a:prstGeom prst="rect">
+            <a:avLst/>
+          </a:prstGeom>
+        </p:spPr>
+      </p:pic>
+      <p:cxnSp>
+        <p:nvCxnSpPr>
+          <p:cNvPr id="97" name="Straight Arrow Connector 96">
+            <a:extLst>
+              <a:ext uri="{FF2B5EF4-FFF2-40B4-BE49-F238E27FC236}">
+                <a16:creationId xmlns:a16="http://schemas.microsoft.com/office/drawing/2014/main" id="{73BF6E1E-B73D-A86C-1B1E-C09A7A899787}"/>
+              </a:ext>
+            </a:extLst>
+          </p:cNvPr>
+          <p:cNvCxnSpPr>
+            <a:stCxn id="49" idx="2"/>
+          </p:cNvCxnSpPr>
+          <p:nvPr/>
+        </p:nvCxnSpPr>
+        <p:spPr>
+          <a:xfrm>
+            <a:off x="1910058" y="3765325"/>
+            <a:ext cx="914005" cy="1077637"/>
+          </a:xfrm>
+          <a:prstGeom prst="straightConnector1">
+            <a:avLst/>
+          </a:prstGeom>
+          <a:ln>
+            <a:solidFill>
+              <a:schemeClr val="tx1"/>
+            </a:solidFill>
+            <a:tailEnd type="triangle"/>
+          </a:ln>
+        </p:spPr>
+        <p:style>
+          <a:lnRef idx="1">
+            <a:schemeClr val="accent1"/>
+          </a:lnRef>
+          <a:fillRef idx="0">
+            <a:schemeClr val="accent1"/>
+          </a:fillRef>
+          <a:effectRef idx="0">
+            <a:schemeClr val="accent1"/>
+          </a:effectRef>
+          <a:fontRef idx="minor">
+            <a:schemeClr val="tx1"/>
+          </a:fontRef>
+        </p:style>
+      </p:cxnSp>
+      <p:cxnSp>
+        <p:nvCxnSpPr>
+          <p:cNvPr id="98" name="Straight Arrow Connector 97">
+            <a:extLst>
+              <a:ext uri="{FF2B5EF4-FFF2-40B4-BE49-F238E27FC236}">
+                <a16:creationId xmlns:a16="http://schemas.microsoft.com/office/drawing/2014/main" id="{E8C0840E-779E-8411-4B5B-09BAC5F80EA9}"/>
+              </a:ext>
+            </a:extLst>
+          </p:cNvPr>
+          <p:cNvCxnSpPr>
+            <a:cxnSpLocks/>
+          </p:cNvCxnSpPr>
+          <p:nvPr/>
+        </p:nvCxnSpPr>
+        <p:spPr>
+          <a:xfrm>
+            <a:off x="4174753" y="4368586"/>
+            <a:ext cx="0" cy="437401"/>
+          </a:xfrm>
+          <a:prstGeom prst="straightConnector1">
+            <a:avLst/>
+          </a:prstGeom>
+          <a:ln>
+            <a:solidFill>
+              <a:schemeClr val="tx1"/>
+            </a:solidFill>
+            <a:tailEnd type="triangle"/>
+          </a:ln>
+        </p:spPr>
+        <p:style>
+          <a:lnRef idx="1">
+            <a:schemeClr val="accent1"/>
+          </a:lnRef>
+          <a:fillRef idx="0">
+            <a:schemeClr val="accent1"/>
+          </a:fillRef>
+          <a:effectRef idx="0">
+            <a:schemeClr val="accent1"/>
+          </a:effectRef>
+          <a:fontRef idx="minor">
+            <a:schemeClr val="tx1"/>
+          </a:fontRef>
+        </p:style>
+      </p:cxnSp>
+      <p:pic>
+        <p:nvPicPr>
+          <p:cNvPr id="101" name="Picture 100">
+            <a:extLst>
+              <a:ext uri="{FF2B5EF4-FFF2-40B4-BE49-F238E27FC236}">
+                <a16:creationId xmlns:a16="http://schemas.microsoft.com/office/drawing/2014/main" id="{446D7EF0-99E5-A53F-7F30-4FA4BC92B844}"/>
+              </a:ext>
+            </a:extLst>
+          </p:cNvPr>
+          <p:cNvPicPr>
+            <a:picLocks noChangeAspect="1"/>
+          </p:cNvPicPr>
+          <p:nvPr/>
+        </p:nvPicPr>
+        <p:blipFill>
+          <a:blip r:embed="rId2"/>
+          <a:stretch>
+            <a:fillRect/>
+          </a:stretch>
+        </p:blipFill>
+        <p:spPr>
+          <a:xfrm>
+            <a:off x="4222160" y="4448008"/>
+            <a:ext cx="277032" cy="317533"/>
+          </a:xfrm>
+          <a:prstGeom prst="rect">
+            <a:avLst/>
+          </a:prstGeom>
+        </p:spPr>
+      </p:pic>
+      <p:sp>
+        <p:nvSpPr>
+          <p:cNvPr id="102" name="TextBox 101">
+            <a:extLst>
+              <a:ext uri="{FF2B5EF4-FFF2-40B4-BE49-F238E27FC236}">
+                <a16:creationId xmlns:a16="http://schemas.microsoft.com/office/drawing/2014/main" id="{7A612350-E7DF-0F57-3C1C-11EA2566040E}"/>
+              </a:ext>
+            </a:extLst>
+          </p:cNvPr>
+          <p:cNvSpPr txBox="1"/>
+          <p:nvPr/>
+        </p:nvSpPr>
+        <p:spPr>
+          <a:xfrm>
+            <a:off x="2237230" y="3818890"/>
+            <a:ext cx="1206992" cy="400110"/>
+          </a:xfrm>
+          <a:prstGeom prst="rect">
+            <a:avLst/>
+          </a:prstGeom>
+          <a:noFill/>
+        </p:spPr>
+        <p:txBody>
+          <a:bodyPr wrap="square" rtlCol="0">
+            <a:spAutoFit/>
+          </a:bodyPr>
+          <a:lstStyle/>
+          <a:p>
+            <a:r>
+              <a:rPr lang="en-US" sz="1000" dirty="0"/>
+              <a:t>Question scenario prompt .</a:t>
+            </a:r>
+            <a:endParaRPr lang="en-SG" sz="1000" dirty="0"/>
+          </a:p>
+        </p:txBody>
+      </p:sp>
+      <p:cxnSp>
+        <p:nvCxnSpPr>
+          <p:cNvPr id="104" name="Connector: Elbow 103">
+            <a:extLst>
+              <a:ext uri="{FF2B5EF4-FFF2-40B4-BE49-F238E27FC236}">
+                <a16:creationId xmlns:a16="http://schemas.microsoft.com/office/drawing/2014/main" id="{D09472F2-5E30-D6E1-2045-228ABB7C9100}"/>
+              </a:ext>
+            </a:extLst>
+          </p:cNvPr>
+          <p:cNvCxnSpPr>
+            <a:stCxn id="92" idx="1"/>
+            <a:endCxn id="41" idx="2"/>
+          </p:cNvCxnSpPr>
+          <p:nvPr/>
+        </p:nvCxnSpPr>
+        <p:spPr>
+          <a:xfrm rot="10800000">
+            <a:off x="1112664" y="2579195"/>
+            <a:ext cx="1533500" cy="2530924"/>
+          </a:xfrm>
+          <a:prstGeom prst="bentConnector2">
+            <a:avLst/>
+          </a:prstGeom>
+          <a:ln w="19050">
+            <a:solidFill>
+              <a:schemeClr val="accent6">
+                <a:lumMod val="75000"/>
+              </a:schemeClr>
+            </a:solidFill>
+            <a:tailEnd type="triangle"/>
+          </a:ln>
+        </p:spPr>
+        <p:style>
+          <a:lnRef idx="1">
+            <a:schemeClr val="accent1"/>
+          </a:lnRef>
+          <a:fillRef idx="0">
+            <a:schemeClr val="accent1"/>
+          </a:fillRef>
+          <a:effectRef idx="0">
+            <a:schemeClr val="accent1"/>
+          </a:effectRef>
+          <a:fontRef idx="minor">
+            <a:schemeClr val="tx1"/>
+          </a:fontRef>
+        </p:style>
+      </p:cxnSp>
+      <p:sp>
+        <p:nvSpPr>
+          <p:cNvPr id="105" name="TextBox 104">
+            <a:extLst>
+              <a:ext uri="{FF2B5EF4-FFF2-40B4-BE49-F238E27FC236}">
+                <a16:creationId xmlns:a16="http://schemas.microsoft.com/office/drawing/2014/main" id="{2430709C-D9F5-6B28-41BB-FB5F3EC63CF4}"/>
+              </a:ext>
+            </a:extLst>
+          </p:cNvPr>
+          <p:cNvSpPr txBox="1"/>
+          <p:nvPr/>
+        </p:nvSpPr>
+        <p:spPr>
+          <a:xfrm>
+            <a:off x="4222160" y="2196360"/>
+            <a:ext cx="1062358" cy="430887"/>
+          </a:xfrm>
+          <a:prstGeom prst="rect">
+            <a:avLst/>
+          </a:prstGeom>
+          <a:noFill/>
+        </p:spPr>
+        <p:txBody>
+          <a:bodyPr wrap="square">
+            <a:spAutoFit/>
+          </a:bodyPr>
+          <a:lstStyle/>
+          <a:p>
+            <a:r>
+              <a:rPr lang="en-US" sz="1100" b="1" dirty="0">
+                <a:solidFill>
+                  <a:schemeClr val="tx1">
+                    <a:lumMod val="75000"/>
+                    <a:lumOff val="25000"/>
+                  </a:schemeClr>
+                </a:solidFill>
+              </a:rPr>
+              <a:t>Batch loading all MCQ source </a:t>
+            </a:r>
+            <a:endParaRPr lang="en-SG" sz="1100" b="1" dirty="0">
+              <a:solidFill>
+                <a:schemeClr val="tx1">
+                  <a:lumMod val="75000"/>
+                  <a:lumOff val="25000"/>
+                </a:schemeClr>
+              </a:solidFill>
+            </a:endParaRPr>
+          </a:p>
+        </p:txBody>
+      </p:sp>
+      <p:sp>
+        <p:nvSpPr>
+          <p:cNvPr id="106" name="TextBox 105">
+            <a:extLst>
+              <a:ext uri="{FF2B5EF4-FFF2-40B4-BE49-F238E27FC236}">
+                <a16:creationId xmlns:a16="http://schemas.microsoft.com/office/drawing/2014/main" id="{C2B3E714-8E06-B1D1-8D4F-3568AA8E5CA9}"/>
+              </a:ext>
+            </a:extLst>
+          </p:cNvPr>
+          <p:cNvSpPr txBox="1"/>
+          <p:nvPr/>
+        </p:nvSpPr>
+        <p:spPr>
+          <a:xfrm>
+            <a:off x="5730535" y="1026699"/>
+            <a:ext cx="2131697" cy="261610"/>
+          </a:xfrm>
+          <a:prstGeom prst="rect">
+            <a:avLst/>
+          </a:prstGeom>
+          <a:noFill/>
+        </p:spPr>
+        <p:txBody>
+          <a:bodyPr wrap="square">
+            <a:spAutoFit/>
+          </a:bodyPr>
+          <a:lstStyle/>
+          <a:p>
+            <a:r>
+              <a:rPr lang="en-US" sz="1100" b="1" dirty="0">
+                <a:solidFill>
+                  <a:schemeClr val="tx1">
+                    <a:lumMod val="75000"/>
+                    <a:lumOff val="25000"/>
+                  </a:schemeClr>
+                </a:solidFill>
+              </a:rPr>
+              <a:t>Multi-choice question source set</a:t>
+            </a:r>
+            <a:endParaRPr lang="en-SG" sz="1100" b="1" dirty="0">
+              <a:solidFill>
+                <a:schemeClr val="tx1">
+                  <a:lumMod val="75000"/>
+                  <a:lumOff val="25000"/>
+                </a:schemeClr>
+              </a:solidFill>
+            </a:endParaRPr>
+          </a:p>
+        </p:txBody>
+      </p:sp>
+      <p:cxnSp>
+        <p:nvCxnSpPr>
+          <p:cNvPr id="107" name="Straight Arrow Connector 106">
+            <a:extLst>
+              <a:ext uri="{FF2B5EF4-FFF2-40B4-BE49-F238E27FC236}">
+                <a16:creationId xmlns:a16="http://schemas.microsoft.com/office/drawing/2014/main" id="{C4FCE785-F79A-3D4A-B215-7ADAEF869C94}"/>
+              </a:ext>
+            </a:extLst>
+          </p:cNvPr>
+          <p:cNvCxnSpPr>
+            <a:cxnSpLocks/>
+            <a:stCxn id="92" idx="2"/>
+          </p:cNvCxnSpPr>
+          <p:nvPr/>
+        </p:nvCxnSpPr>
+        <p:spPr>
+          <a:xfrm flipH="1">
+            <a:off x="3625566" y="5351358"/>
+            <a:ext cx="1" cy="283323"/>
+          </a:xfrm>
+          <a:prstGeom prst="straightConnector1">
+            <a:avLst/>
+          </a:prstGeom>
+          <a:ln>
+            <a:solidFill>
+              <a:schemeClr val="tx1"/>
+            </a:solidFill>
+            <a:tailEnd type="triangle"/>
+          </a:ln>
+        </p:spPr>
+        <p:style>
+          <a:lnRef idx="1">
+            <a:schemeClr val="accent1"/>
+          </a:lnRef>
+          <a:fillRef idx="0">
+            <a:schemeClr val="accent1"/>
+          </a:fillRef>
+          <a:effectRef idx="0">
+            <a:schemeClr val="accent1"/>
+          </a:effectRef>
+          <a:fontRef idx="minor">
+            <a:schemeClr val="tx1"/>
+          </a:fontRef>
+        </p:style>
+      </p:cxnSp>
+      <p:pic>
+        <p:nvPicPr>
+          <p:cNvPr id="112" name="Picture 111">
+            <a:extLst>
+              <a:ext uri="{FF2B5EF4-FFF2-40B4-BE49-F238E27FC236}">
+                <a16:creationId xmlns:a16="http://schemas.microsoft.com/office/drawing/2014/main" id="{169FDFC8-A949-F3AB-9FD2-DEAAEF4B6048}"/>
+              </a:ext>
+            </a:extLst>
+          </p:cNvPr>
+          <p:cNvPicPr>
+            <a:picLocks noChangeAspect="1"/>
+          </p:cNvPicPr>
+          <p:nvPr/>
+        </p:nvPicPr>
+        <p:blipFill>
+          <a:blip r:embed="rId2"/>
+          <a:stretch>
+            <a:fillRect/>
+          </a:stretch>
+        </p:blipFill>
+        <p:spPr>
+          <a:xfrm>
+            <a:off x="3469218" y="5647835"/>
+            <a:ext cx="324555" cy="372004"/>
+          </a:xfrm>
+          <a:prstGeom prst="rect">
+            <a:avLst/>
+          </a:prstGeom>
+        </p:spPr>
+      </p:pic>
+      <p:sp>
+        <p:nvSpPr>
+          <p:cNvPr id="113" name="TextBox 112">
+            <a:extLst>
+              <a:ext uri="{FF2B5EF4-FFF2-40B4-BE49-F238E27FC236}">
+                <a16:creationId xmlns:a16="http://schemas.microsoft.com/office/drawing/2014/main" id="{83D68D1E-609A-9103-4779-BB3D4034F587}"/>
+              </a:ext>
+            </a:extLst>
+          </p:cNvPr>
+          <p:cNvSpPr txBox="1"/>
+          <p:nvPr/>
+        </p:nvSpPr>
+        <p:spPr>
+          <a:xfrm>
+            <a:off x="3743084" y="5710726"/>
+            <a:ext cx="1229909" cy="246221"/>
+          </a:xfrm>
+          <a:prstGeom prst="rect">
+            <a:avLst/>
+          </a:prstGeom>
+          <a:noFill/>
+        </p:spPr>
+        <p:txBody>
+          <a:bodyPr wrap="square" rtlCol="0">
+            <a:spAutoFit/>
+          </a:bodyPr>
+          <a:lstStyle/>
+          <a:p>
+            <a:r>
+              <a:rPr lang="en-US" sz="1000"/>
+              <a:t>Result files.</a:t>
+            </a:r>
+            <a:endParaRPr lang="en-SG" sz="1000" dirty="0"/>
+          </a:p>
+        </p:txBody>
+      </p:sp>
+      <p:sp>
+        <p:nvSpPr>
+          <p:cNvPr id="14" name="Rectangle 13">
+            <a:extLst>
+              <a:ext uri="{FF2B5EF4-FFF2-40B4-BE49-F238E27FC236}">
+                <a16:creationId xmlns:a16="http://schemas.microsoft.com/office/drawing/2014/main" id="{C1CABD8C-5AC0-90DC-F6D2-CEB4B3BD5A38}"/>
+              </a:ext>
+            </a:extLst>
+          </p:cNvPr>
+          <p:cNvSpPr/>
+          <p:nvPr/>
+        </p:nvSpPr>
+        <p:spPr>
+          <a:xfrm>
+            <a:off x="3839833" y="4024975"/>
+            <a:ext cx="1411070" cy="346917"/>
+          </a:xfrm>
+          <a:prstGeom prst="rect">
+            <a:avLst/>
+          </a:prstGeom>
+        </p:spPr>
+        <p:style>
+          <a:lnRef idx="2">
+            <a:schemeClr val="accent1">
+              <a:shade val="50000"/>
+            </a:schemeClr>
+          </a:lnRef>
+          <a:fillRef idx="1">
+            <a:schemeClr val="accent1"/>
+          </a:fillRef>
+          <a:effectRef idx="0">
+            <a:schemeClr val="accent1"/>
+          </a:effectRef>
+          <a:fontRef idx="minor">
+            <a:schemeClr val="lt1"/>
+          </a:fontRef>
+        </p:style>
+        <p:txBody>
+          <a:bodyPr rtlCol="0" anchor="ctr"/>
+          <a:lstStyle/>
+          <a:p>
+            <a:r>
+              <a:rPr lang="en-US" sz="1200" b="1" dirty="0"/>
+              <a:t>MCQ-GPT-Bot data manager </a:t>
+            </a:r>
+            <a:endParaRPr lang="en-SG" sz="1200" b="1" dirty="0"/>
+          </a:p>
+        </p:txBody>
+      </p:sp>
+      <p:cxnSp>
+        <p:nvCxnSpPr>
+          <p:cNvPr id="20" name="Straight Arrow Connector 19">
+            <a:extLst>
+              <a:ext uri="{FF2B5EF4-FFF2-40B4-BE49-F238E27FC236}">
+                <a16:creationId xmlns:a16="http://schemas.microsoft.com/office/drawing/2014/main" id="{3CE728EC-0FCA-B686-C480-BEE3F552D808}"/>
+              </a:ext>
+            </a:extLst>
+          </p:cNvPr>
+          <p:cNvCxnSpPr>
+            <a:cxnSpLocks/>
+          </p:cNvCxnSpPr>
+          <p:nvPr/>
+        </p:nvCxnSpPr>
+        <p:spPr>
+          <a:xfrm>
+            <a:off x="6426091" y="4906282"/>
+            <a:ext cx="415353" cy="0"/>
+          </a:xfrm>
+          <a:prstGeom prst="straightConnector1">
+            <a:avLst/>
+          </a:prstGeom>
+          <a:ln w="19050">
+            <a:prstDash val="sysDash"/>
+            <a:tailEnd type="triangle"/>
+          </a:ln>
+        </p:spPr>
+        <p:style>
+          <a:lnRef idx="1">
+            <a:schemeClr val="accent1"/>
+          </a:lnRef>
+          <a:fillRef idx="0">
+            <a:schemeClr val="accent1"/>
+          </a:fillRef>
+          <a:effectRef idx="0">
+            <a:schemeClr val="accent1"/>
+          </a:effectRef>
+          <a:fontRef idx="minor">
+            <a:schemeClr val="tx1"/>
+          </a:fontRef>
+        </p:style>
+      </p:cxnSp>
+      <p:sp>
+        <p:nvSpPr>
+          <p:cNvPr id="34" name="TextBox 33">
+            <a:extLst>
+              <a:ext uri="{FF2B5EF4-FFF2-40B4-BE49-F238E27FC236}">
+                <a16:creationId xmlns:a16="http://schemas.microsoft.com/office/drawing/2014/main" id="{E02ACAAB-63A5-9DAB-C90B-7FF80A53F175}"/>
+              </a:ext>
+            </a:extLst>
+          </p:cNvPr>
+          <p:cNvSpPr txBox="1"/>
+          <p:nvPr/>
+        </p:nvSpPr>
+        <p:spPr>
+          <a:xfrm>
+            <a:off x="6852543" y="4703035"/>
+            <a:ext cx="1779393" cy="430887"/>
+          </a:xfrm>
+          <a:prstGeom prst="rect">
+            <a:avLst/>
+          </a:prstGeom>
+          <a:noFill/>
+        </p:spPr>
+        <p:txBody>
+          <a:bodyPr wrap="square">
+            <a:spAutoFit/>
+          </a:bodyPr>
+          <a:lstStyle/>
+          <a:p>
+            <a:r>
+              <a:rPr lang="en-US" sz="1100" b="1" dirty="0">
+                <a:solidFill>
+                  <a:schemeClr val="tx1">
+                    <a:lumMod val="75000"/>
+                    <a:lumOff val="25000"/>
+                  </a:schemeClr>
+                </a:solidFill>
+              </a:rPr>
+              <a:t>Program control/function call flow</a:t>
+            </a:r>
+            <a:endParaRPr lang="en-SG" sz="1100" b="1" dirty="0">
+              <a:solidFill>
+                <a:schemeClr val="tx1">
+                  <a:lumMod val="75000"/>
+                  <a:lumOff val="25000"/>
+                </a:schemeClr>
+              </a:solidFill>
+            </a:endParaRPr>
+          </a:p>
+        </p:txBody>
+      </p:sp>
+      <p:cxnSp>
+        <p:nvCxnSpPr>
+          <p:cNvPr id="35" name="Straight Arrow Connector 34">
+            <a:extLst>
+              <a:ext uri="{FF2B5EF4-FFF2-40B4-BE49-F238E27FC236}">
+                <a16:creationId xmlns:a16="http://schemas.microsoft.com/office/drawing/2014/main" id="{52D9A140-EE7E-C661-2675-D2DAA7E34A64}"/>
+              </a:ext>
+            </a:extLst>
+          </p:cNvPr>
+          <p:cNvCxnSpPr>
+            <a:cxnSpLocks/>
+          </p:cNvCxnSpPr>
+          <p:nvPr/>
+        </p:nvCxnSpPr>
+        <p:spPr>
+          <a:xfrm>
+            <a:off x="6436034" y="5384295"/>
+            <a:ext cx="371774" cy="0"/>
+          </a:xfrm>
+          <a:prstGeom prst="straightConnector1">
+            <a:avLst/>
+          </a:prstGeom>
+          <a:ln w="19050">
+            <a:solidFill>
+              <a:schemeClr val="accent6">
+                <a:lumMod val="75000"/>
+              </a:schemeClr>
+            </a:solidFill>
+            <a:headEnd type="triangle"/>
+            <a:tailEnd type="triangle"/>
+          </a:ln>
+        </p:spPr>
+        <p:style>
+          <a:lnRef idx="1">
+            <a:schemeClr val="accent1"/>
+          </a:lnRef>
+          <a:fillRef idx="0">
+            <a:schemeClr val="accent1"/>
+          </a:fillRef>
+          <a:effectRef idx="0">
+            <a:schemeClr val="accent1"/>
+          </a:effectRef>
+          <a:fontRef idx="minor">
+            <a:schemeClr val="tx1"/>
+          </a:fontRef>
+        </p:style>
+      </p:cxnSp>
+      <p:cxnSp>
+        <p:nvCxnSpPr>
+          <p:cNvPr id="40" name="Straight Arrow Connector 39">
+            <a:extLst>
+              <a:ext uri="{FF2B5EF4-FFF2-40B4-BE49-F238E27FC236}">
+                <a16:creationId xmlns:a16="http://schemas.microsoft.com/office/drawing/2014/main" id="{0F5D5E78-5996-B8CB-F51A-8F59CF856985}"/>
+              </a:ext>
+            </a:extLst>
+          </p:cNvPr>
+          <p:cNvCxnSpPr>
+            <a:cxnSpLocks/>
+          </p:cNvCxnSpPr>
+          <p:nvPr/>
+        </p:nvCxnSpPr>
+        <p:spPr>
+          <a:xfrm flipH="1">
+            <a:off x="6426091" y="5758049"/>
+            <a:ext cx="339538" cy="0"/>
+          </a:xfrm>
+          <a:prstGeom prst="straightConnector1">
+            <a:avLst/>
+          </a:prstGeom>
+          <a:ln>
+            <a:solidFill>
+              <a:schemeClr val="tx1"/>
+            </a:solidFill>
+            <a:tailEnd type="triangle"/>
+          </a:ln>
+        </p:spPr>
+        <p:style>
+          <a:lnRef idx="1">
+            <a:schemeClr val="accent1"/>
+          </a:lnRef>
+          <a:fillRef idx="0">
+            <a:schemeClr val="accent1"/>
+          </a:fillRef>
+          <a:effectRef idx="0">
+            <a:schemeClr val="accent1"/>
+          </a:effectRef>
+          <a:fontRef idx="minor">
+            <a:schemeClr val="tx1"/>
+          </a:fontRef>
+        </p:style>
+      </p:cxnSp>
+      <p:sp>
+        <p:nvSpPr>
+          <p:cNvPr id="46" name="Arrow: Left 45">
+            <a:extLst>
+              <a:ext uri="{FF2B5EF4-FFF2-40B4-BE49-F238E27FC236}">
+                <a16:creationId xmlns:a16="http://schemas.microsoft.com/office/drawing/2014/main" id="{428FCABD-5C43-3250-AA8E-CF18B3EEB222}"/>
+              </a:ext>
+            </a:extLst>
+          </p:cNvPr>
+          <p:cNvSpPr/>
+          <p:nvPr/>
+        </p:nvSpPr>
+        <p:spPr>
+          <a:xfrm>
+            <a:off x="6441466" y="5855793"/>
+            <a:ext cx="371774" cy="85375"/>
+          </a:xfrm>
+          <a:prstGeom prst="leftArrow">
+            <a:avLst/>
+          </a:prstGeom>
+        </p:spPr>
+        <p:style>
+          <a:lnRef idx="2">
+            <a:schemeClr val="accent1">
+              <a:shade val="15000"/>
+            </a:schemeClr>
+          </a:lnRef>
+          <a:fillRef idx="1">
+            <a:schemeClr val="accent1"/>
+          </a:fillRef>
+          <a:effectRef idx="0">
+            <a:schemeClr val="accent1"/>
+          </a:effectRef>
+          <a:fontRef idx="minor">
+            <a:schemeClr val="lt1"/>
+          </a:fontRef>
+        </p:style>
+        <p:txBody>
+          <a:bodyPr rtlCol="0" anchor="ctr"/>
+          <a:lstStyle/>
+          <a:p>
+            <a:pPr algn="ctr"/>
+            <a:endParaRPr lang="en-SG"/>
+          </a:p>
+        </p:txBody>
+      </p:sp>
+      <p:sp>
+        <p:nvSpPr>
+          <p:cNvPr id="50" name="TextBox 49">
+            <a:extLst>
+              <a:ext uri="{FF2B5EF4-FFF2-40B4-BE49-F238E27FC236}">
+                <a16:creationId xmlns:a16="http://schemas.microsoft.com/office/drawing/2014/main" id="{A409C2F2-B2F8-E595-C532-05201681678A}"/>
+              </a:ext>
+            </a:extLst>
+          </p:cNvPr>
+          <p:cNvSpPr txBox="1"/>
+          <p:nvPr/>
+        </p:nvSpPr>
+        <p:spPr>
+          <a:xfrm>
+            <a:off x="6865158" y="5168851"/>
+            <a:ext cx="1779393" cy="430887"/>
+          </a:xfrm>
+          <a:prstGeom prst="rect">
+            <a:avLst/>
+          </a:prstGeom>
+          <a:noFill/>
+        </p:spPr>
+        <p:txBody>
+          <a:bodyPr wrap="square">
+            <a:spAutoFit/>
+          </a:bodyPr>
+          <a:lstStyle/>
+          <a:p>
+            <a:r>
+              <a:rPr lang="en-US" sz="1100" b="1" dirty="0">
+                <a:solidFill>
+                  <a:schemeClr val="tx1">
+                    <a:lumMod val="75000"/>
+                    <a:lumOff val="25000"/>
+                  </a:schemeClr>
+                </a:solidFill>
+              </a:rPr>
+              <a:t>Network communication with Open AI</a:t>
+            </a:r>
+            <a:endParaRPr lang="en-SG" sz="1100" b="1" dirty="0">
+              <a:solidFill>
+                <a:schemeClr val="tx1">
+                  <a:lumMod val="75000"/>
+                  <a:lumOff val="25000"/>
+                </a:schemeClr>
+              </a:solidFill>
+            </a:endParaRPr>
+          </a:p>
+        </p:txBody>
+      </p:sp>
+      <p:sp>
+        <p:nvSpPr>
+          <p:cNvPr id="51" name="TextBox 50">
+            <a:extLst>
+              <a:ext uri="{FF2B5EF4-FFF2-40B4-BE49-F238E27FC236}">
+                <a16:creationId xmlns:a16="http://schemas.microsoft.com/office/drawing/2014/main" id="{4FDDFA0C-D92F-D35A-F7F2-F8299D67F8E6}"/>
+              </a:ext>
+            </a:extLst>
+          </p:cNvPr>
+          <p:cNvSpPr txBox="1"/>
+          <p:nvPr/>
+        </p:nvSpPr>
+        <p:spPr>
+          <a:xfrm>
+            <a:off x="6865157" y="5716075"/>
+            <a:ext cx="1779393" cy="261610"/>
+          </a:xfrm>
+          <a:prstGeom prst="rect">
+            <a:avLst/>
+          </a:prstGeom>
+          <a:noFill/>
+        </p:spPr>
+        <p:txBody>
+          <a:bodyPr wrap="square">
+            <a:spAutoFit/>
+          </a:bodyPr>
+          <a:lstStyle/>
+          <a:p>
+            <a:r>
+              <a:rPr lang="en-US" sz="1100" b="1" dirty="0">
+                <a:solidFill>
+                  <a:schemeClr val="tx1">
+                    <a:lumMod val="75000"/>
+                    <a:lumOff val="25000"/>
+                  </a:schemeClr>
+                </a:solidFill>
+              </a:rPr>
+              <a:t>Data flow or file I/O</a:t>
+            </a:r>
+            <a:endParaRPr lang="en-SG" sz="1100" b="1" dirty="0">
+              <a:solidFill>
+                <a:schemeClr val="tx1">
+                  <a:lumMod val="75000"/>
+                  <a:lumOff val="25000"/>
+                </a:schemeClr>
+              </a:solidFill>
+            </a:endParaRPr>
+          </a:p>
+        </p:txBody>
+      </p:sp>
+      <p:pic>
+        <p:nvPicPr>
+          <p:cNvPr id="1026" name="Picture 2" descr="Json file - Free ui icons">
+            <a:extLst>
+              <a:ext uri="{FF2B5EF4-FFF2-40B4-BE49-F238E27FC236}">
+                <a16:creationId xmlns:a16="http://schemas.microsoft.com/office/drawing/2014/main" id="{16548107-C65D-7F47-4074-637C620A8AF7}"/>
+              </a:ext>
+            </a:extLst>
+          </p:cNvPr>
+          <p:cNvPicPr>
+            <a:picLocks noChangeAspect="1" noChangeArrowheads="1"/>
+          </p:cNvPicPr>
+          <p:nvPr/>
+        </p:nvPicPr>
+        <p:blipFill>
+          <a:blip r:embed="rId11">
+            <a:extLst>
+              <a:ext uri="{28A0092B-C50C-407E-A947-70E740481C1C}">
+                <a14:useLocalDpi xmlns:a14="http://schemas.microsoft.com/office/drawing/2010/main" val="0"/>
+              </a:ext>
+            </a:extLst>
+          </a:blip>
+          <a:srcRect/>
+          <a:stretch>
+            <a:fillRect/>
+          </a:stretch>
+        </p:blipFill>
+        <p:spPr bwMode="auto">
+          <a:xfrm>
+            <a:off x="7220426" y="2378782"/>
+            <a:ext cx="597516" cy="597516"/>
+          </a:xfrm>
+          <a:prstGeom prst="rect">
+            <a:avLst/>
+          </a:prstGeom>
+          <a:noFill/>
+          <a:extLst>
+            <a:ext uri="{909E8E84-426E-40DD-AFC4-6F175D3DCCD1}">
+              <a14:hiddenFill xmlns:a14="http://schemas.microsoft.com/office/drawing/2010/main">
+                <a:solidFill>
+                  <a:srgbClr val="FFFFFF"/>
+                </a:solidFill>
+              </a14:hiddenFill>
+            </a:ext>
+          </a:extLst>
+        </p:spPr>
+      </p:pic>
+      <p:sp>
+        <p:nvSpPr>
+          <p:cNvPr id="10" name="TextBox 9">
+            <a:extLst>
+              <a:ext uri="{FF2B5EF4-FFF2-40B4-BE49-F238E27FC236}">
+                <a16:creationId xmlns:a16="http://schemas.microsoft.com/office/drawing/2014/main" id="{86A6BDE8-5473-B638-3C53-540B1A435430}"/>
+              </a:ext>
+            </a:extLst>
+          </p:cNvPr>
+          <p:cNvSpPr txBox="1"/>
+          <p:nvPr/>
+        </p:nvSpPr>
+        <p:spPr>
+          <a:xfrm>
+            <a:off x="7195104" y="2198331"/>
+            <a:ext cx="1027171" cy="261610"/>
+          </a:xfrm>
+          <a:prstGeom prst="rect">
+            <a:avLst/>
+          </a:prstGeom>
+          <a:noFill/>
+        </p:spPr>
+        <p:txBody>
+          <a:bodyPr wrap="square">
+            <a:spAutoFit/>
+          </a:bodyPr>
+          <a:lstStyle/>
+          <a:p>
+            <a:r>
+              <a:rPr lang="en-US" sz="1100" b="1" dirty="0">
+                <a:solidFill>
+                  <a:schemeClr val="tx1">
+                    <a:lumMod val="75000"/>
+                    <a:lumOff val="25000"/>
+                  </a:schemeClr>
+                </a:solidFill>
+              </a:rPr>
+              <a:t>Json format  </a:t>
+            </a:r>
+          </a:p>
+        </p:txBody>
+      </p:sp>
+      <p:sp>
+        <p:nvSpPr>
+          <p:cNvPr id="12" name="TextBox 11">
+            <a:extLst>
+              <a:ext uri="{FF2B5EF4-FFF2-40B4-BE49-F238E27FC236}">
+                <a16:creationId xmlns:a16="http://schemas.microsoft.com/office/drawing/2014/main" id="{982D6406-DCFB-B1A7-5C8C-A4F0C032512C}"/>
+              </a:ext>
+            </a:extLst>
+          </p:cNvPr>
+          <p:cNvSpPr txBox="1"/>
+          <p:nvPr/>
+        </p:nvSpPr>
+        <p:spPr>
+          <a:xfrm>
+            <a:off x="6580153" y="2194379"/>
+            <a:ext cx="707037" cy="400110"/>
+          </a:xfrm>
+          <a:prstGeom prst="rect">
+            <a:avLst/>
+          </a:prstGeom>
+          <a:noFill/>
+        </p:spPr>
+        <p:txBody>
+          <a:bodyPr wrap="square" rtlCol="0">
+            <a:spAutoFit/>
+          </a:bodyPr>
+          <a:lstStyle/>
+          <a:p>
+            <a:r>
+              <a:rPr lang="en-SG" sz="1000" dirty="0"/>
+              <a:t>( Without login)</a:t>
+            </a:r>
+          </a:p>
+        </p:txBody>
+      </p:sp>
+      <p:pic>
+        <p:nvPicPr>
+          <p:cNvPr id="18" name="Picture 17">
+            <a:extLst>
+              <a:ext uri="{FF2B5EF4-FFF2-40B4-BE49-F238E27FC236}">
+                <a16:creationId xmlns:a16="http://schemas.microsoft.com/office/drawing/2014/main" id="{05BE940F-1256-AA2C-415C-29A1A435C351}"/>
+              </a:ext>
+            </a:extLst>
+          </p:cNvPr>
+          <p:cNvPicPr>
+            <a:picLocks noChangeAspect="1"/>
+          </p:cNvPicPr>
+          <p:nvPr/>
+        </p:nvPicPr>
+        <p:blipFill>
+          <a:blip r:embed="rId12"/>
+          <a:stretch>
+            <a:fillRect/>
+          </a:stretch>
+        </p:blipFill>
+        <p:spPr>
+          <a:xfrm>
+            <a:off x="7708690" y="3193032"/>
+            <a:ext cx="469334" cy="366667"/>
+          </a:xfrm>
+          <a:prstGeom prst="rect">
+            <a:avLst/>
+          </a:prstGeom>
+        </p:spPr>
+      </p:pic>
+      <p:sp>
+        <p:nvSpPr>
+          <p:cNvPr id="22" name="TextBox 21">
+            <a:extLst>
+              <a:ext uri="{FF2B5EF4-FFF2-40B4-BE49-F238E27FC236}">
+                <a16:creationId xmlns:a16="http://schemas.microsoft.com/office/drawing/2014/main" id="{FEFB917D-38B5-0A05-1DFA-795700893175}"/>
+              </a:ext>
+            </a:extLst>
+          </p:cNvPr>
+          <p:cNvSpPr txBox="1"/>
+          <p:nvPr/>
+        </p:nvSpPr>
+        <p:spPr>
+          <a:xfrm>
+            <a:off x="7619784" y="2980760"/>
+            <a:ext cx="1027171" cy="261610"/>
+          </a:xfrm>
+          <a:prstGeom prst="rect">
+            <a:avLst/>
+          </a:prstGeom>
+          <a:noFill/>
+        </p:spPr>
+        <p:txBody>
+          <a:bodyPr wrap="square">
+            <a:spAutoFit/>
+          </a:bodyPr>
+          <a:lstStyle/>
+          <a:p>
+            <a:r>
+              <a:rPr lang="en-US" sz="1100" b="1" dirty="0">
+                <a:solidFill>
+                  <a:schemeClr val="tx1">
+                    <a:lumMod val="75000"/>
+                    <a:lumOff val="25000"/>
+                  </a:schemeClr>
+                </a:solidFill>
+              </a:rPr>
+              <a:t>Image format  </a:t>
+            </a:r>
+          </a:p>
+        </p:txBody>
+      </p:sp>
+      <p:pic>
+        <p:nvPicPr>
+          <p:cNvPr id="39" name="Picture 38">
+            <a:extLst>
+              <a:ext uri="{FF2B5EF4-FFF2-40B4-BE49-F238E27FC236}">
+                <a16:creationId xmlns:a16="http://schemas.microsoft.com/office/drawing/2014/main" id="{83D5C2CA-072D-40E0-2FF7-ADD280251058}"/>
+              </a:ext>
+            </a:extLst>
+          </p:cNvPr>
+          <p:cNvPicPr>
+            <a:picLocks noChangeAspect="1"/>
+          </p:cNvPicPr>
+          <p:nvPr/>
+        </p:nvPicPr>
+        <p:blipFill>
+          <a:blip r:embed="rId13"/>
+          <a:stretch>
+            <a:fillRect/>
+          </a:stretch>
+        </p:blipFill>
+        <p:spPr>
+          <a:xfrm>
+            <a:off x="7488178" y="3849498"/>
+            <a:ext cx="910358" cy="535504"/>
+          </a:xfrm>
+          <a:prstGeom prst="rect">
+            <a:avLst/>
+          </a:prstGeom>
+          <a:ln w="12700">
+            <a:solidFill>
+              <a:schemeClr val="tx1"/>
+            </a:solidFill>
+          </a:ln>
+        </p:spPr>
+      </p:pic>
+      <p:cxnSp>
+        <p:nvCxnSpPr>
+          <p:cNvPr id="47" name="Straight Arrow Connector 46">
+            <a:extLst>
+              <a:ext uri="{FF2B5EF4-FFF2-40B4-BE49-F238E27FC236}">
+                <a16:creationId xmlns:a16="http://schemas.microsoft.com/office/drawing/2014/main" id="{E7AF327B-7D13-26AF-4B67-A4BAFFB213AD}"/>
+              </a:ext>
+            </a:extLst>
+          </p:cNvPr>
+          <p:cNvCxnSpPr>
+            <a:cxnSpLocks/>
+            <a:stCxn id="18" idx="2"/>
+            <a:endCxn id="39" idx="0"/>
+          </p:cNvCxnSpPr>
+          <p:nvPr/>
+        </p:nvCxnSpPr>
+        <p:spPr>
+          <a:xfrm>
+            <a:off x="7943357" y="3559699"/>
+            <a:ext cx="0" cy="289799"/>
+          </a:xfrm>
+          <a:prstGeom prst="straightConnector1">
+            <a:avLst/>
+          </a:prstGeom>
+          <a:ln>
+            <a:tailEnd type="triangle"/>
+          </a:ln>
+        </p:spPr>
+        <p:style>
+          <a:lnRef idx="1">
+            <a:schemeClr val="accent1"/>
+          </a:lnRef>
+          <a:fillRef idx="0">
+            <a:schemeClr val="accent1"/>
+          </a:fillRef>
+          <a:effectRef idx="0">
+            <a:schemeClr val="accent1"/>
+          </a:effectRef>
+          <a:fontRef idx="minor">
+            <a:schemeClr val="tx1"/>
+          </a:fontRef>
+        </p:style>
+      </p:cxnSp>
+      <p:cxnSp>
+        <p:nvCxnSpPr>
+          <p:cNvPr id="55" name="Connector: Elbow 54">
+            <a:extLst>
+              <a:ext uri="{FF2B5EF4-FFF2-40B4-BE49-F238E27FC236}">
+                <a16:creationId xmlns:a16="http://schemas.microsoft.com/office/drawing/2014/main" id="{918194BF-3402-2543-D226-798227C072F7}"/>
+              </a:ext>
+            </a:extLst>
+          </p:cNvPr>
+          <p:cNvCxnSpPr>
+            <a:cxnSpLocks/>
+          </p:cNvCxnSpPr>
+          <p:nvPr/>
+        </p:nvCxnSpPr>
+        <p:spPr>
+          <a:xfrm rot="10800000">
+            <a:off x="4232644" y="2884968"/>
+            <a:ext cx="3212809" cy="976271"/>
+          </a:xfrm>
+          <a:prstGeom prst="bentConnector3">
+            <a:avLst>
+              <a:gd name="adj1" fmla="val 73718"/>
+            </a:avLst>
+          </a:prstGeom>
+          <a:ln w="19050">
+            <a:tailEnd type="triangle"/>
+          </a:ln>
+        </p:spPr>
+        <p:style>
+          <a:lnRef idx="1">
+            <a:schemeClr val="accent1"/>
+          </a:lnRef>
+          <a:fillRef idx="0">
+            <a:schemeClr val="accent1"/>
+          </a:fillRef>
+          <a:effectRef idx="0">
+            <a:schemeClr val="accent1"/>
+          </a:effectRef>
+          <a:fontRef idx="minor">
+            <a:schemeClr val="tx1"/>
+          </a:fontRef>
+        </p:style>
+      </p:cxnSp>
+    </p:spTree>
+    <p:extLst>
+      <p:ext uri="{BB962C8B-B14F-4D97-AF65-F5344CB8AC3E}">
+        <p14:creationId xmlns:p14="http://schemas.microsoft.com/office/powerpoint/2010/main" val="1297501173"/>
+      </p:ext>
+    </p:extLst>
+  </p:cSld>
+  <p:clrMapOvr>
+    <a:masterClrMapping/>
+  </p:clrMapOvr>
+</p:sld>
+</file>
+
+<file path=ppt/slides/slide5.xml><?xml version="1.0" encoding="utf-8"?>
+<p:sld xmlns:a="http://schemas.openxmlformats.org/drawingml/2006/main" xmlns:r="http://schemas.openxmlformats.org/officeDocument/2006/relationships" xmlns:p="http://schemas.openxmlformats.org/presentationml/2006/main">
+  <p:cSld>
+    <p:spTree>
+      <p:nvGrpSpPr>
+        <p:cNvPr id="1" name=""/>
+        <p:cNvGrpSpPr/>
+        <p:nvPr/>
+      </p:nvGrpSpPr>
+      <p:grpSpPr>
+        <a:xfrm>
+          <a:off x="0" y="0"/>
+          <a:ext cx="0" cy="0"/>
+          <a:chOff x="0" y="0"/>
+          <a:chExt cx="0" cy="0"/>
+        </a:xfrm>
+      </p:grpSpPr>
+      <p:sp>
+        <p:nvSpPr>
           <p:cNvPr id="63" name="Rectangle 62">
             <a:extLst>
               <a:ext uri="{FF2B5EF4-FFF2-40B4-BE49-F238E27FC236}">
@@ -13678,7 +13799,7 @@
 </p:sld>
 </file>
 
-<file path=ppt/slides/slide5.xml><?xml version="1.0" encoding="utf-8"?>
+<file path=ppt/slides/slide6.xml><?xml version="1.0" encoding="utf-8"?>
 <p:sld xmlns:a="http://schemas.openxmlformats.org/drawingml/2006/main" xmlns:r="http://schemas.openxmlformats.org/officeDocument/2006/relationships" xmlns:p="http://schemas.openxmlformats.org/presentationml/2006/main">
   <p:cSld>
     <p:spTree>
